--- a/TechnicalReport/Figures.pptx
+++ b/TechnicalReport/Figures.pptx
@@ -107,6 +107,11 @@
       </a:defRPr>
     </a:lvl9pPr>
   </p:defaultTextStyle>
+  <p:extLst>
+    <p:ext uri="{EFAFB233-063F-42B5-8137-9DF3F51BA10A}">
+      <p15:sldGuideLst xmlns:p15="http://schemas.microsoft.com/office/powerpoint/2012/main"/>
+    </p:ext>
+  </p:extLst>
 </p:presentation>
 </file>
 
@@ -3894,8 +3899,8 @@
           <a:prstGeom prst="line">
             <a:avLst/>
           </a:prstGeom>
-          <a:ln w="19050">
-            <a:prstDash val="dashDot"/>
+          <a:ln w="12700">
+            <a:prstDash val="dash"/>
           </a:ln>
         </p:spPr>
         <p:style>
@@ -3936,8 +3941,8 @@
           <a:prstGeom prst="line">
             <a:avLst/>
           </a:prstGeom>
-          <a:ln w="19050">
-            <a:prstDash val="dashDot"/>
+          <a:ln w="12700">
+            <a:prstDash val="dash"/>
           </a:ln>
         </p:spPr>
         <p:style>
@@ -3977,8 +3982,8 @@
           <a:prstGeom prst="line">
             <a:avLst/>
           </a:prstGeom>
-          <a:ln w="19050">
-            <a:prstDash val="dashDot"/>
+          <a:ln w="12700">
+            <a:prstDash val="dash"/>
           </a:ln>
         </p:spPr>
         <p:style>
@@ -4018,8 +4023,8 @@
           <a:prstGeom prst="line">
             <a:avLst/>
           </a:prstGeom>
-          <a:ln w="19050">
-            <a:prstDash val="dashDot"/>
+          <a:ln w="12700">
+            <a:prstDash val="dash"/>
           </a:ln>
         </p:spPr>
         <p:style>
@@ -4059,8 +4064,8 @@
           <a:prstGeom prst="line">
             <a:avLst/>
           </a:prstGeom>
-          <a:ln w="19050">
-            <a:prstDash val="dashDot"/>
+          <a:ln w="12700">
+            <a:prstDash val="dash"/>
           </a:ln>
         </p:spPr>
         <p:style>
@@ -4100,8 +4105,8 @@
           <a:prstGeom prst="line">
             <a:avLst/>
           </a:prstGeom>
-          <a:ln w="19050">
-            <a:prstDash val="dashDot"/>
+          <a:ln w="12700">
+            <a:prstDash val="dash"/>
           </a:ln>
         </p:spPr>
         <p:style>
@@ -4141,8 +4146,8 @@
           <a:prstGeom prst="line">
             <a:avLst/>
           </a:prstGeom>
-          <a:ln w="19050">
-            <a:prstDash val="dashDot"/>
+          <a:ln w="12700">
+            <a:prstDash val="dash"/>
           </a:ln>
         </p:spPr>
         <p:style>
@@ -4182,8 +4187,8 @@
           <a:prstGeom prst="line">
             <a:avLst/>
           </a:prstGeom>
-          <a:ln w="19050">
-            <a:prstDash val="dashDot"/>
+          <a:ln w="12700">
+            <a:prstDash val="dash"/>
           </a:ln>
         </p:spPr>
         <p:style>
@@ -4223,8 +4228,8 @@
           <a:prstGeom prst="line">
             <a:avLst/>
           </a:prstGeom>
-          <a:ln w="19050">
-            <a:prstDash val="dashDot"/>
+          <a:ln w="12700">
+            <a:prstDash val="dash"/>
           </a:ln>
         </p:spPr>
         <p:style>
@@ -4264,8 +4269,8 @@
           <a:prstGeom prst="line">
             <a:avLst/>
           </a:prstGeom>
-          <a:ln w="19050">
-            <a:prstDash val="dashDot"/>
+          <a:ln w="12700">
+            <a:prstDash val="dash"/>
           </a:ln>
         </p:spPr>
         <p:style>
@@ -4358,6 +4363,7 @@
               </a:bodyPr>
               <a:lstStyle/>
               <a:p>
+                <a:pPr/>
                 <a14:m>
                   <m:oMathPara xmlns:m="http://schemas.openxmlformats.org/officeDocument/2006/math">
                     <m:oMathParaPr>
@@ -4560,6 +4566,7 @@
               </a:bodyPr>
               <a:lstStyle/>
               <a:p>
+                <a:pPr/>
                 <a14:m>
                   <m:oMathPara xmlns:m="http://schemas.openxmlformats.org/officeDocument/2006/math">
                     <m:oMathParaPr>
@@ -4753,6 +4760,7 @@
               </a:bodyPr>
               <a:lstStyle/>
               <a:p>
+                <a:pPr/>
                 <a14:m>
                   <m:oMathPara xmlns:m="http://schemas.openxmlformats.org/officeDocument/2006/math">
                     <m:oMathParaPr>
@@ -4946,6 +4954,7 @@
               </a:bodyPr>
               <a:lstStyle/>
               <a:p>
+                <a:pPr/>
                 <a14:m>
                   <m:oMathPara xmlns:m="http://schemas.openxmlformats.org/officeDocument/2006/math">
                     <m:oMathParaPr>
@@ -5212,6 +5221,7 @@
               </a:bodyPr>
               <a:lstStyle/>
               <a:p>
+                <a:pPr/>
                 <a14:m>
                   <m:oMathPara xmlns:m="http://schemas.openxmlformats.org/officeDocument/2006/math">
                     <m:oMathParaPr>
@@ -5405,6 +5415,7 @@
               </a:bodyPr>
               <a:lstStyle/>
               <a:p>
+                <a:pPr/>
                 <a14:m>
                   <m:oMathPara xmlns:m="http://schemas.openxmlformats.org/officeDocument/2006/math">
                     <m:oMathParaPr>
@@ -5598,6 +5609,7 @@
               </a:bodyPr>
               <a:lstStyle/>
               <a:p>
+                <a:pPr/>
                 <a14:m>
                   <m:oMathPara xmlns:m="http://schemas.openxmlformats.org/officeDocument/2006/math">
                     <m:oMathParaPr>
@@ -5791,6 +5803,7 @@
               </a:bodyPr>
               <a:lstStyle/>
               <a:p>
+                <a:pPr/>
                 <a14:m>
                   <m:oMathPara xmlns:m="http://schemas.openxmlformats.org/officeDocument/2006/math">
                     <m:oMathParaPr>
@@ -5939,6 +5952,7 @@
               </a:bodyPr>
               <a:lstStyle/>
               <a:p>
+                <a:pPr/>
                 <a14:m>
                   <m:oMathPara xmlns:m="http://schemas.openxmlformats.org/officeDocument/2006/math">
                     <m:oMathParaPr>
@@ -6271,6 +6285,7 @@
               </a:bodyPr>
               <a:lstStyle/>
               <a:p>
+                <a:pPr/>
                 <a14:m>
                   <m:oMathPara xmlns:m="http://schemas.openxmlformats.org/officeDocument/2006/math">
                     <m:oMathParaPr>
@@ -6373,6 +6388,195 @@
           </p:sp>
         </mc:Fallback>
       </mc:AlternateContent>
+      <p:sp>
+        <p:nvSpPr>
+          <p:cNvPr id="4" name="Freeform: Shape 3">
+            <a:extLst>
+              <a:ext uri="{FF2B5EF4-FFF2-40B4-BE49-F238E27FC236}">
+                <a16:creationId xmlns:a16="http://schemas.microsoft.com/office/drawing/2014/main" id="{99EE393C-C943-D9AD-6CD7-91A63E540192}"/>
+              </a:ext>
+            </a:extLst>
+          </p:cNvPr>
+          <p:cNvSpPr/>
+          <p:nvPr/>
+        </p:nvSpPr>
+        <p:spPr>
+          <a:xfrm>
+            <a:off x="792480" y="4607596"/>
+            <a:ext cx="5196840" cy="3141943"/>
+          </a:xfrm>
+          <a:custGeom>
+            <a:avLst/>
+            <a:gdLst>
+              <a:gd name="connsiteX0" fmla="*/ 129540 w 5196840"/>
+              <a:gd name="connsiteY0" fmla="*/ 91440 h 3230880"/>
+              <a:gd name="connsiteX1" fmla="*/ 716280 w 5196840"/>
+              <a:gd name="connsiteY1" fmla="*/ 91440 h 3230880"/>
+              <a:gd name="connsiteX2" fmla="*/ 716280 w 5196840"/>
+              <a:gd name="connsiteY2" fmla="*/ 0 h 3230880"/>
+              <a:gd name="connsiteX3" fmla="*/ 4739640 w 5196840"/>
+              <a:gd name="connsiteY3" fmla="*/ 0 h 3230880"/>
+              <a:gd name="connsiteX4" fmla="*/ 4739640 w 5196840"/>
+              <a:gd name="connsiteY4" fmla="*/ 68580 h 3230880"/>
+              <a:gd name="connsiteX5" fmla="*/ 5196840 w 5196840"/>
+              <a:gd name="connsiteY5" fmla="*/ 68580 h 3230880"/>
+              <a:gd name="connsiteX6" fmla="*/ 5196840 w 5196840"/>
+              <a:gd name="connsiteY6" fmla="*/ 3230880 h 3230880"/>
+              <a:gd name="connsiteX7" fmla="*/ 0 w 5196840"/>
+              <a:gd name="connsiteY7" fmla="*/ 3230880 h 3230880"/>
+              <a:gd name="connsiteX8" fmla="*/ 0 w 5196840"/>
+              <a:gd name="connsiteY8" fmla="*/ 99060 h 3230880"/>
+              <a:gd name="connsiteX9" fmla="*/ 129540 w 5196840"/>
+              <a:gd name="connsiteY9" fmla="*/ 91440 h 3230880"/>
+            </a:gdLst>
+            <a:ahLst/>
+            <a:cxnLst>
+              <a:cxn ang="0">
+                <a:pos x="connsiteX0" y="connsiteY0"/>
+              </a:cxn>
+              <a:cxn ang="0">
+                <a:pos x="connsiteX1" y="connsiteY1"/>
+              </a:cxn>
+              <a:cxn ang="0">
+                <a:pos x="connsiteX2" y="connsiteY2"/>
+              </a:cxn>
+              <a:cxn ang="0">
+                <a:pos x="connsiteX3" y="connsiteY3"/>
+              </a:cxn>
+              <a:cxn ang="0">
+                <a:pos x="connsiteX4" y="connsiteY4"/>
+              </a:cxn>
+              <a:cxn ang="0">
+                <a:pos x="connsiteX5" y="connsiteY5"/>
+              </a:cxn>
+              <a:cxn ang="0">
+                <a:pos x="connsiteX6" y="connsiteY6"/>
+              </a:cxn>
+              <a:cxn ang="0">
+                <a:pos x="connsiteX7" y="connsiteY7"/>
+              </a:cxn>
+              <a:cxn ang="0">
+                <a:pos x="connsiteX8" y="connsiteY8"/>
+              </a:cxn>
+              <a:cxn ang="0">
+                <a:pos x="connsiteX9" y="connsiteY9"/>
+              </a:cxn>
+            </a:cxnLst>
+            <a:rect l="l" t="t" r="r" b="b"/>
+            <a:pathLst>
+              <a:path w="5196840" h="3230880">
+                <a:moveTo>
+                  <a:pt x="129540" y="91440"/>
+                </a:moveTo>
+                <a:lnTo>
+                  <a:pt x="716280" y="91440"/>
+                </a:lnTo>
+                <a:lnTo>
+                  <a:pt x="716280" y="0"/>
+                </a:lnTo>
+                <a:lnTo>
+                  <a:pt x="4739640" y="0"/>
+                </a:lnTo>
+                <a:lnTo>
+                  <a:pt x="4739640" y="68580"/>
+                </a:lnTo>
+                <a:lnTo>
+                  <a:pt x="5196840" y="68580"/>
+                </a:lnTo>
+                <a:lnTo>
+                  <a:pt x="5196840" y="3230880"/>
+                </a:lnTo>
+                <a:lnTo>
+                  <a:pt x="0" y="3230880"/>
+                </a:lnTo>
+                <a:lnTo>
+                  <a:pt x="0" y="99060"/>
+                </a:lnTo>
+                <a:lnTo>
+                  <a:pt x="129540" y="91440"/>
+                </a:lnTo>
+                <a:close/>
+              </a:path>
+            </a:pathLst>
+          </a:custGeom>
+          <a:solidFill>
+            <a:schemeClr val="bg1"/>
+          </a:solidFill>
+          <a:ln>
+            <a:solidFill>
+              <a:schemeClr val="bg1"/>
+            </a:solidFill>
+          </a:ln>
+        </p:spPr>
+        <p:style>
+          <a:lnRef idx="2">
+            <a:schemeClr val="accent1">
+              <a:shade val="50000"/>
+            </a:schemeClr>
+          </a:lnRef>
+          <a:fillRef idx="1">
+            <a:schemeClr val="accent1"/>
+          </a:fillRef>
+          <a:effectRef idx="0">
+            <a:schemeClr val="accent1"/>
+          </a:effectRef>
+          <a:fontRef idx="minor">
+            <a:schemeClr val="lt1"/>
+          </a:fontRef>
+        </p:style>
+        <p:txBody>
+          <a:bodyPr rtlCol="0" anchor="ctr"/>
+          <a:lstStyle/>
+          <a:p>
+            <a:pPr algn="ctr"/>
+            <a:endParaRPr lang="en-US"/>
+          </a:p>
+        </p:txBody>
+      </p:sp>
+      <p:cxnSp>
+        <p:nvCxnSpPr>
+          <p:cNvPr id="6" name="Straight Connector 5">
+            <a:extLst>
+              <a:ext uri="{FF2B5EF4-FFF2-40B4-BE49-F238E27FC236}">
+                <a16:creationId xmlns:a16="http://schemas.microsoft.com/office/drawing/2014/main" id="{259CC40B-BF55-33ED-68BD-A175E761EB9E}"/>
+              </a:ext>
+            </a:extLst>
+          </p:cNvPr>
+          <p:cNvCxnSpPr>
+            <a:cxnSpLocks/>
+          </p:cNvCxnSpPr>
+          <p:nvPr/>
+        </p:nvCxnSpPr>
+        <p:spPr>
+          <a:xfrm flipH="1">
+            <a:off x="1470660" y="4532086"/>
+            <a:ext cx="3893820" cy="0"/>
+          </a:xfrm>
+          <a:prstGeom prst="line">
+            <a:avLst/>
+          </a:prstGeom>
+          <a:ln w="28575">
+            <a:solidFill>
+              <a:schemeClr val="tx1"/>
+            </a:solidFill>
+            <a:prstDash val="lgDashDot"/>
+          </a:ln>
+        </p:spPr>
+        <p:style>
+          <a:lnRef idx="1">
+            <a:schemeClr val="dk1"/>
+          </a:lnRef>
+          <a:fillRef idx="0">
+            <a:schemeClr val="dk1"/>
+          </a:fillRef>
+          <a:effectRef idx="0">
+            <a:schemeClr val="dk1"/>
+          </a:effectRef>
+          <a:fontRef idx="minor">
+            <a:schemeClr val="tx1"/>
+          </a:fontRef>
+        </p:style>
+      </p:cxnSp>
     </p:spTree>
     <p:extLst>
       <p:ext uri="{BB962C8B-B14F-4D97-AF65-F5344CB8AC3E}">
@@ -6786,8 +6990,8 @@
           </a:fontRef>
         </p:style>
       </p:cxnSp>
-      <mc:AlternateContent xmlns:mc="http://schemas.openxmlformats.org/markup-compatibility/2006">
-        <mc:Choice xmlns:a14="http://schemas.microsoft.com/office/drawing/2010/main" Requires="a14">
+      <mc:AlternateContent xmlns:mc="http://schemas.openxmlformats.org/markup-compatibility/2006" xmlns:a14="http://schemas.microsoft.com/office/drawing/2010/main">
+        <mc:Choice Requires="a14">
           <p:sp>
             <p:nvSpPr>
               <p:cNvPr id="16" name="TextBox 15">
@@ -6816,6 +7020,7 @@
               </a:bodyPr>
               <a:lstStyle/>
               <a:p>
+                <a:pPr/>
                 <a14:m>
                   <m:oMathPara xmlns:m="http://schemas.openxmlformats.org/officeDocument/2006/math">
                     <m:oMathParaPr>
@@ -6873,7 +7078,7 @@
             </p:txBody>
           </p:sp>
         </mc:Choice>
-        <mc:Fallback>
+        <mc:Fallback xmlns="">
           <p:sp>
             <p:nvSpPr>
               <p:cNvPr id="16" name="TextBox 15">
@@ -7163,8 +7368,8 @@
           </a:fontRef>
         </p:style>
       </p:cxnSp>
-      <mc:AlternateContent xmlns:mc="http://schemas.openxmlformats.org/markup-compatibility/2006">
-        <mc:Choice xmlns:a14="http://schemas.microsoft.com/office/drawing/2010/main" Requires="a14">
+      <mc:AlternateContent xmlns:mc="http://schemas.openxmlformats.org/markup-compatibility/2006" xmlns:a14="http://schemas.microsoft.com/office/drawing/2010/main">
+        <mc:Choice Requires="a14">
           <p:sp>
             <p:nvSpPr>
               <p:cNvPr id="25" name="TextBox 24">
@@ -7193,6 +7398,7 @@
               </a:bodyPr>
               <a:lstStyle/>
               <a:p>
+                <a:pPr/>
                 <a14:m>
                   <m:oMathPara xmlns:m="http://schemas.openxmlformats.org/officeDocument/2006/math">
                     <m:oMathParaPr>
@@ -7275,7 +7481,7 @@
             </p:txBody>
           </p:sp>
         </mc:Choice>
-        <mc:Fallback>
+        <mc:Fallback xmlns="">
           <p:sp>
             <p:nvSpPr>
               <p:cNvPr id="25" name="TextBox 24">

--- a/TechnicalReport/Figures.pptx
+++ b/TechnicalReport/Figures.pptx
@@ -7,8 +7,8 @@
   <p:sldIdLst>
     <p:sldId id="257" r:id="rId2"/>
     <p:sldId id="256" r:id="rId3"/>
-    <p:sldId id="258" r:id="rId4"/>
-    <p:sldId id="259" r:id="rId5"/>
+    <p:sldId id="259" r:id="rId4"/>
+    <p:sldId id="258" r:id="rId5"/>
   </p:sldIdLst>
   <p:sldSz cx="12192000" cy="6858000"/>
   <p:notesSz cx="6858000" cy="9144000"/>
@@ -6609,10 +6609,10 @@
       </p:grpSpPr>
       <p:pic>
         <p:nvPicPr>
-          <p:cNvPr id="3" name="Picture 2">
-            <a:extLst>
-              <a:ext uri="{FF2B5EF4-FFF2-40B4-BE49-F238E27FC236}">
-                <a16:creationId xmlns:a16="http://schemas.microsoft.com/office/drawing/2014/main" id="{6F85953C-1EDC-768B-6A88-CECAF4EA0469}"/>
+          <p:cNvPr id="5" name="Picture 4">
+            <a:extLst>
+              <a:ext uri="{FF2B5EF4-FFF2-40B4-BE49-F238E27FC236}">
+                <a16:creationId xmlns:a16="http://schemas.microsoft.com/office/drawing/2014/main" id="{09628099-E599-3CB9-FB9E-E93B2D9D643F}"/>
               </a:ext>
             </a:extLst>
           </p:cNvPr>
@@ -6635,175 +6635,20 @@
         </p:blipFill>
         <p:spPr>
           <a:xfrm>
-            <a:off x="1356762" y="1667510"/>
-            <a:ext cx="6446520" cy="2773680"/>
+            <a:off x="2632710" y="2251710"/>
+            <a:ext cx="6926580" cy="2354580"/>
           </a:xfrm>
           <a:prstGeom prst="rect">
             <a:avLst/>
           </a:prstGeom>
         </p:spPr>
       </p:pic>
-      <p:sp>
-        <p:nvSpPr>
-          <p:cNvPr id="4" name="Freeform: Shape 3">
-            <a:extLst>
-              <a:ext uri="{FF2B5EF4-FFF2-40B4-BE49-F238E27FC236}">
-                <a16:creationId xmlns:a16="http://schemas.microsoft.com/office/drawing/2014/main" id="{51814C83-5126-2983-264A-CDFA454EAC4E}"/>
-              </a:ext>
-            </a:extLst>
-          </p:cNvPr>
-          <p:cNvSpPr/>
-          <p:nvPr/>
-        </p:nvSpPr>
-        <p:spPr>
-          <a:xfrm>
-            <a:off x="5530850" y="1803400"/>
-            <a:ext cx="1212850" cy="895350"/>
-          </a:xfrm>
-          <a:custGeom>
-            <a:avLst/>
-            <a:gdLst>
-              <a:gd name="connsiteX0" fmla="*/ 819150 w 1212850"/>
-              <a:gd name="connsiteY0" fmla="*/ 0 h 895350"/>
-              <a:gd name="connsiteX1" fmla="*/ 0 w 1212850"/>
-              <a:gd name="connsiteY1" fmla="*/ 895350 h 895350"/>
-              <a:gd name="connsiteX2" fmla="*/ 844550 w 1212850"/>
-              <a:gd name="connsiteY2" fmla="*/ 895350 h 895350"/>
-              <a:gd name="connsiteX3" fmla="*/ 1212850 w 1212850"/>
-              <a:gd name="connsiteY3" fmla="*/ 12700 h 895350"/>
-              <a:gd name="connsiteX4" fmla="*/ 819150 w 1212850"/>
-              <a:gd name="connsiteY4" fmla="*/ 0 h 895350"/>
-            </a:gdLst>
-            <a:ahLst/>
-            <a:cxnLst>
-              <a:cxn ang="0">
-                <a:pos x="connsiteX0" y="connsiteY0"/>
-              </a:cxn>
-              <a:cxn ang="0">
-                <a:pos x="connsiteX1" y="connsiteY1"/>
-              </a:cxn>
-              <a:cxn ang="0">
-                <a:pos x="connsiteX2" y="connsiteY2"/>
-              </a:cxn>
-              <a:cxn ang="0">
-                <a:pos x="connsiteX3" y="connsiteY3"/>
-              </a:cxn>
-              <a:cxn ang="0">
-                <a:pos x="connsiteX4" y="connsiteY4"/>
-              </a:cxn>
-            </a:cxnLst>
-            <a:rect l="l" t="t" r="r" b="b"/>
-            <a:pathLst>
-              <a:path w="1212850" h="895350">
-                <a:moveTo>
-                  <a:pt x="819150" y="0"/>
-                </a:moveTo>
-                <a:lnTo>
-                  <a:pt x="0" y="895350"/>
-                </a:lnTo>
-                <a:lnTo>
-                  <a:pt x="844550" y="895350"/>
-                </a:lnTo>
-                <a:lnTo>
-                  <a:pt x="1212850" y="12700"/>
-                </a:lnTo>
-                <a:lnTo>
-                  <a:pt x="819150" y="0"/>
-                </a:lnTo>
-                <a:close/>
-              </a:path>
-            </a:pathLst>
-          </a:custGeom>
-          <a:noFill/>
-          <a:ln>
-            <a:solidFill>
-              <a:srgbClr val="C00000"/>
-            </a:solidFill>
-          </a:ln>
-        </p:spPr>
-        <p:style>
-          <a:lnRef idx="2">
-            <a:schemeClr val="accent1">
-              <a:shade val="50000"/>
-            </a:schemeClr>
-          </a:lnRef>
-          <a:fillRef idx="1">
-            <a:schemeClr val="accent1"/>
-          </a:fillRef>
-          <a:effectRef idx="0">
-            <a:schemeClr val="accent1"/>
-          </a:effectRef>
-          <a:fontRef idx="minor">
-            <a:schemeClr val="lt1"/>
-          </a:fontRef>
-        </p:style>
-        <p:txBody>
-          <a:bodyPr rtlCol="0" anchor="ctr"/>
-          <a:lstStyle/>
-          <a:p>
-            <a:pPr algn="ctr"/>
-            <a:endParaRPr lang="en-US"/>
-          </a:p>
-        </p:txBody>
-      </p:sp>
-      <p:sp>
-        <p:nvSpPr>
-          <p:cNvPr id="5" name="Rectangle 4">
-            <a:extLst>
-              <a:ext uri="{FF2B5EF4-FFF2-40B4-BE49-F238E27FC236}">
-                <a16:creationId xmlns:a16="http://schemas.microsoft.com/office/drawing/2014/main" id="{E4D98346-D9BB-DC0F-F26D-E8BED365187B}"/>
-              </a:ext>
-            </a:extLst>
-          </p:cNvPr>
-          <p:cNvSpPr/>
-          <p:nvPr/>
-        </p:nvSpPr>
-        <p:spPr>
-          <a:xfrm>
-            <a:off x="6026150" y="2628900"/>
-            <a:ext cx="558800" cy="205740"/>
-          </a:xfrm>
-          <a:prstGeom prst="rect">
-            <a:avLst/>
-          </a:prstGeom>
-          <a:noFill/>
-          <a:ln>
-            <a:solidFill>
-              <a:srgbClr val="C00000"/>
-            </a:solidFill>
-          </a:ln>
-        </p:spPr>
-        <p:style>
-          <a:lnRef idx="2">
-            <a:schemeClr val="accent1">
-              <a:shade val="50000"/>
-            </a:schemeClr>
-          </a:lnRef>
-          <a:fillRef idx="1">
-            <a:schemeClr val="accent1"/>
-          </a:fillRef>
-          <a:effectRef idx="0">
-            <a:schemeClr val="accent1"/>
-          </a:effectRef>
-          <a:fontRef idx="minor">
-            <a:schemeClr val="lt1"/>
-          </a:fontRef>
-        </p:style>
-        <p:txBody>
-          <a:bodyPr rtlCol="0" anchor="ctr"/>
-          <a:lstStyle/>
-          <a:p>
-            <a:pPr algn="ctr"/>
-            <a:endParaRPr lang="en-US"/>
-          </a:p>
-        </p:txBody>
-      </p:sp>
       <p:cxnSp>
         <p:nvCxnSpPr>
           <p:cNvPr id="6" name="Straight Connector 5">
             <a:extLst>
               <a:ext uri="{FF2B5EF4-FFF2-40B4-BE49-F238E27FC236}">
-                <a16:creationId xmlns:a16="http://schemas.microsoft.com/office/drawing/2014/main" id="{5EE84EDC-9E86-36DF-61F4-237FE42A0F0D}"/>
+                <a16:creationId xmlns:a16="http://schemas.microsoft.com/office/drawing/2014/main" id="{0A24BA2C-7C79-493A-F069-7E1149F7D55A}"/>
               </a:ext>
             </a:extLst>
           </p:cNvPr>
@@ -6814,8 +6659,8 @@
         </p:nvCxnSpPr>
         <p:spPr>
           <a:xfrm>
-            <a:off x="5530850" y="469900"/>
-            <a:ext cx="0" cy="2749550"/>
+            <a:off x="2756977" y="3707122"/>
+            <a:ext cx="3038986" cy="0"/>
           </a:xfrm>
           <a:prstGeom prst="line">
             <a:avLst/>
@@ -6839,159 +6684,8 @@
           </a:fontRef>
         </p:style>
       </p:cxnSp>
-    </p:spTree>
-    <p:extLst>
-      <p:ext uri="{BB962C8B-B14F-4D97-AF65-F5344CB8AC3E}">
-        <p14:creationId xmlns:p14="http://schemas.microsoft.com/office/powerpoint/2010/main" val="3591047611"/>
-      </p:ext>
-    </p:extLst>
-  </p:cSld>
-  <p:clrMapOvr>
-    <a:masterClrMapping/>
-  </p:clrMapOvr>
-</p:sld>
-</file>
-
-<file path=ppt/slides/slide4.xml><?xml version="1.0" encoding="utf-8"?>
-<p:sld xmlns:a="http://schemas.openxmlformats.org/drawingml/2006/main" xmlns:r="http://schemas.openxmlformats.org/officeDocument/2006/relationships" xmlns:p="http://schemas.openxmlformats.org/presentationml/2006/main">
-  <p:cSld>
-    <p:spTree>
-      <p:nvGrpSpPr>
-        <p:cNvPr id="1" name=""/>
-        <p:cNvGrpSpPr/>
-        <p:nvPr/>
-      </p:nvGrpSpPr>
-      <p:grpSpPr>
-        <a:xfrm>
-          <a:off x="0" y="0"/>
-          <a:ext cx="0" cy="0"/>
-          <a:chOff x="0" y="0"/>
-          <a:chExt cx="0" cy="0"/>
-        </a:xfrm>
-      </p:grpSpPr>
-      <p:pic>
-        <p:nvPicPr>
-          <p:cNvPr id="5" name="Picture 4">
-            <a:extLst>
-              <a:ext uri="{FF2B5EF4-FFF2-40B4-BE49-F238E27FC236}">
-                <a16:creationId xmlns:a16="http://schemas.microsoft.com/office/drawing/2014/main" id="{09628099-E599-3CB9-FB9E-E93B2D9D643F}"/>
-              </a:ext>
-            </a:extLst>
-          </p:cNvPr>
-          <p:cNvPicPr>
-            <a:picLocks noChangeAspect="1"/>
-          </p:cNvPicPr>
-          <p:nvPr/>
-        </p:nvPicPr>
-        <p:blipFill>
-          <a:blip r:embed="rId2">
-            <a:extLst>
-              <a:ext uri="{28A0092B-C50C-407E-A947-70E740481C1C}">
-                <a14:useLocalDpi xmlns:a14="http://schemas.microsoft.com/office/drawing/2010/main" val="0"/>
-              </a:ext>
-            </a:extLst>
-          </a:blip>
-          <a:stretch>
-            <a:fillRect/>
-          </a:stretch>
-        </p:blipFill>
-        <p:spPr>
-          <a:xfrm>
-            <a:off x="2632710" y="2251710"/>
-            <a:ext cx="6926580" cy="2354580"/>
-          </a:xfrm>
-          <a:prstGeom prst="rect">
-            <a:avLst/>
-          </a:prstGeom>
-        </p:spPr>
-      </p:pic>
-      <p:cxnSp>
-        <p:nvCxnSpPr>
-          <p:cNvPr id="6" name="Straight Connector 5">
-            <a:extLst>
-              <a:ext uri="{FF2B5EF4-FFF2-40B4-BE49-F238E27FC236}">
-                <a16:creationId xmlns:a16="http://schemas.microsoft.com/office/drawing/2014/main" id="{0A24BA2C-7C79-493A-F069-7E1149F7D55A}"/>
-              </a:ext>
-            </a:extLst>
-          </p:cNvPr>
-          <p:cNvCxnSpPr>
-            <a:cxnSpLocks/>
-          </p:cNvCxnSpPr>
-          <p:nvPr/>
-        </p:nvCxnSpPr>
-        <p:spPr>
-          <a:xfrm>
-            <a:off x="2724150" y="3711300"/>
-            <a:ext cx="3371850" cy="0"/>
-          </a:xfrm>
-          <a:prstGeom prst="line">
-            <a:avLst/>
-          </a:prstGeom>
-          <a:ln w="19050">
-            <a:prstDash val="dashDot"/>
-          </a:ln>
-        </p:spPr>
-        <p:style>
-          <a:lnRef idx="1">
-            <a:schemeClr val="dk1"/>
-          </a:lnRef>
-          <a:fillRef idx="0">
-            <a:schemeClr val="dk1"/>
-          </a:fillRef>
-          <a:effectRef idx="0">
-            <a:schemeClr val="dk1"/>
-          </a:effectRef>
-          <a:fontRef idx="minor">
-            <a:schemeClr val="tx1"/>
-          </a:fontRef>
-        </p:style>
-      </p:cxnSp>
-      <p:cxnSp>
-        <p:nvCxnSpPr>
-          <p:cNvPr id="11" name="Straight Connector 10">
-            <a:extLst>
-              <a:ext uri="{FF2B5EF4-FFF2-40B4-BE49-F238E27FC236}">
-                <a16:creationId xmlns:a16="http://schemas.microsoft.com/office/drawing/2014/main" id="{5801679F-4AB4-F6CE-CB0C-4E9B7B248DE6}"/>
-              </a:ext>
-            </a:extLst>
-          </p:cNvPr>
-          <p:cNvCxnSpPr>
-            <a:cxnSpLocks/>
-          </p:cNvCxnSpPr>
-          <p:nvPr/>
-        </p:nvCxnSpPr>
-        <p:spPr>
-          <a:xfrm>
-            <a:off x="2767013" y="3430313"/>
-            <a:ext cx="3328987" cy="280987"/>
-          </a:xfrm>
-          <a:prstGeom prst="line">
-            <a:avLst/>
-          </a:prstGeom>
-          <a:ln w="19050">
-            <a:solidFill>
-              <a:srgbClr val="C00000"/>
-            </a:solidFill>
-            <a:prstDash val="solid"/>
-          </a:ln>
-        </p:spPr>
-        <p:style>
-          <a:lnRef idx="1">
-            <a:schemeClr val="dk1"/>
-          </a:lnRef>
-          <a:fillRef idx="0">
-            <a:schemeClr val="dk1"/>
-          </a:fillRef>
-          <a:effectRef idx="0">
-            <a:schemeClr val="dk1"/>
-          </a:effectRef>
-          <a:fontRef idx="minor">
-            <a:schemeClr val="tx1"/>
-          </a:fontRef>
-        </p:style>
-      </p:cxnSp>
-      <mc:AlternateContent xmlns:mc="http://schemas.openxmlformats.org/markup-compatibility/2006" xmlns:a14="http://schemas.microsoft.com/office/drawing/2010/main">
-        <mc:Choice Requires="a14">
+      <mc:AlternateContent xmlns:mc="http://schemas.openxmlformats.org/markup-compatibility/2006">
+        <mc:Choice xmlns:a14="http://schemas.microsoft.com/office/drawing/2010/main" Requires="a14">
           <p:sp>
             <p:nvSpPr>
               <p:cNvPr id="16" name="TextBox 15">
@@ -7006,7 +6700,7 @@
             </p:nvSpPr>
             <p:spPr>
               <a:xfrm>
-                <a:off x="3857547" y="3792990"/>
+                <a:off x="3837407" y="3195310"/>
                 <a:ext cx="345529" cy="276999"/>
               </a:xfrm>
               <a:prstGeom prst="rect">
@@ -7078,7 +6772,7 @@
             </p:txBody>
           </p:sp>
         </mc:Choice>
-        <mc:Fallback xmlns="">
+        <mc:Fallback>
           <p:sp>
             <p:nvSpPr>
               <p:cNvPr id="16" name="TextBox 15">
@@ -7095,7 +6789,7 @@
             </p:nvSpPr>
             <p:spPr>
               <a:xfrm>
-                <a:off x="3857547" y="3792990"/>
+                <a:off x="3837407" y="3195310"/>
                 <a:ext cx="345529" cy="276999"/>
               </a:xfrm>
               <a:prstGeom prst="rect">
@@ -7104,7 +6798,7 @@
               <a:blipFill>
                 <a:blip r:embed="rId3"/>
                 <a:stretch>
-                  <a:fillRect r="-7143"/>
+                  <a:fillRect r="-5263"/>
                 </a:stretch>
               </a:blipFill>
             </p:spPr>
@@ -7123,165 +6817,6 @@
           </p:sp>
         </mc:Fallback>
       </mc:AlternateContent>
-      <p:grpSp>
-        <p:nvGrpSpPr>
-          <p:cNvPr id="18" name="Group 17">
-            <a:extLst>
-              <a:ext uri="{FF2B5EF4-FFF2-40B4-BE49-F238E27FC236}">
-                <a16:creationId xmlns:a16="http://schemas.microsoft.com/office/drawing/2014/main" id="{BE80C408-9D78-239A-3FE9-AB02E93002A6}"/>
-              </a:ext>
-            </a:extLst>
-          </p:cNvPr>
-          <p:cNvGrpSpPr/>
-          <p:nvPr/>
-        </p:nvGrpSpPr>
-        <p:grpSpPr>
-          <a:xfrm rot="16200000">
-            <a:off x="4079110" y="3535440"/>
-            <a:ext cx="310212" cy="351719"/>
-            <a:chOff x="1968434" y="3167989"/>
-            <a:chExt cx="310212" cy="351719"/>
-          </a:xfrm>
-        </p:grpSpPr>
-        <p:sp>
-          <p:nvSpPr>
-            <p:cNvPr id="15" name="Arc 14">
-              <a:extLst>
-                <a:ext uri="{FF2B5EF4-FFF2-40B4-BE49-F238E27FC236}">
-                  <a16:creationId xmlns:a16="http://schemas.microsoft.com/office/drawing/2014/main" id="{700AC7D4-A34A-9FDF-0050-E1FBE5CD349D}"/>
-                </a:ext>
-              </a:extLst>
-            </p:cNvPr>
-            <p:cNvSpPr/>
-            <p:nvPr/>
-          </p:nvSpPr>
-          <p:spPr>
-            <a:xfrm rot="19800000">
-              <a:off x="2081853" y="3322915"/>
-              <a:ext cx="196793" cy="196793"/>
-            </a:xfrm>
-            <a:prstGeom prst="arc">
-              <a:avLst/>
-            </a:prstGeom>
-            <a:ln w="12700">
-              <a:solidFill>
-                <a:srgbClr val="002060"/>
-              </a:solidFill>
-            </a:ln>
-          </p:spPr>
-          <p:style>
-            <a:lnRef idx="1">
-              <a:schemeClr val="accent1"/>
-            </a:lnRef>
-            <a:fillRef idx="0">
-              <a:schemeClr val="accent1"/>
-            </a:fillRef>
-            <a:effectRef idx="0">
-              <a:schemeClr val="accent1"/>
-            </a:effectRef>
-            <a:fontRef idx="minor">
-              <a:schemeClr val="tx1"/>
-            </a:fontRef>
-          </p:style>
-          <p:txBody>
-            <a:bodyPr rtlCol="0" anchor="ctr"/>
-            <a:lstStyle/>
-            <a:p>
-              <a:pPr algn="ctr"/>
-              <a:endParaRPr lang="en-US"/>
-            </a:p>
-          </p:txBody>
-        </p:sp>
-        <p:sp>
-          <p:nvSpPr>
-            <p:cNvPr id="17" name="Freeform: Shape 16">
-              <a:extLst>
-                <a:ext uri="{FF2B5EF4-FFF2-40B4-BE49-F238E27FC236}">
-                  <a16:creationId xmlns:a16="http://schemas.microsoft.com/office/drawing/2014/main" id="{B38D3772-7461-0DDD-2A11-2C9555E5FA02}"/>
-                </a:ext>
-              </a:extLst>
-            </p:cNvPr>
-            <p:cNvSpPr/>
-            <p:nvPr/>
-          </p:nvSpPr>
-          <p:spPr>
-            <a:xfrm>
-              <a:off x="1968434" y="3167989"/>
-              <a:ext cx="228600" cy="144719"/>
-            </a:xfrm>
-            <a:custGeom>
-              <a:avLst/>
-              <a:gdLst>
-                <a:gd name="connsiteX0" fmla="*/ 0 w 228600"/>
-                <a:gd name="connsiteY0" fmla="*/ 16131 h 144719"/>
-                <a:gd name="connsiteX1" fmla="*/ 185737 w 228600"/>
-                <a:gd name="connsiteY1" fmla="*/ 11369 h 144719"/>
-                <a:gd name="connsiteX2" fmla="*/ 228600 w 228600"/>
-                <a:gd name="connsiteY2" fmla="*/ 144719 h 144719"/>
-              </a:gdLst>
-              <a:ahLst/>
-              <a:cxnLst>
-                <a:cxn ang="0">
-                  <a:pos x="connsiteX0" y="connsiteY0"/>
-                </a:cxn>
-                <a:cxn ang="0">
-                  <a:pos x="connsiteX1" y="connsiteY1"/>
-                </a:cxn>
-                <a:cxn ang="0">
-                  <a:pos x="connsiteX2" y="connsiteY2"/>
-                </a:cxn>
-              </a:cxnLst>
-              <a:rect l="l" t="t" r="r" b="b"/>
-              <a:pathLst>
-                <a:path w="228600" h="144719">
-                  <a:moveTo>
-                    <a:pt x="0" y="16131"/>
-                  </a:moveTo>
-                  <a:cubicBezTo>
-                    <a:pt x="73818" y="3034"/>
-                    <a:pt x="147637" y="-10062"/>
-                    <a:pt x="185737" y="11369"/>
-                  </a:cubicBezTo>
-                  <a:cubicBezTo>
-                    <a:pt x="223837" y="32800"/>
-                    <a:pt x="189706" y="104238"/>
-                    <a:pt x="228600" y="144719"/>
-                  </a:cubicBezTo>
-                </a:path>
-              </a:pathLst>
-            </a:custGeom>
-            <a:noFill/>
-            <a:ln>
-              <a:headEnd type="none" w="med" len="med"/>
-              <a:tailEnd type="triangle" w="med" len="med"/>
-            </a:ln>
-          </p:spPr>
-          <p:style>
-            <a:lnRef idx="2">
-              <a:schemeClr val="accent1">
-                <a:shade val="50000"/>
-              </a:schemeClr>
-            </a:lnRef>
-            <a:fillRef idx="1">
-              <a:schemeClr val="accent1"/>
-            </a:fillRef>
-            <a:effectRef idx="0">
-              <a:schemeClr val="accent1"/>
-            </a:effectRef>
-            <a:fontRef idx="minor">
-              <a:schemeClr val="lt1"/>
-            </a:fontRef>
-          </p:style>
-          <p:txBody>
-            <a:bodyPr rtlCol="0" anchor="ctr"/>
-            <a:lstStyle/>
-            <a:p>
-              <a:pPr algn="ctr"/>
-              <a:endParaRPr lang="en-US"/>
-            </a:p>
-          </p:txBody>
-        </p:sp>
-      </p:grpSp>
       <p:cxnSp>
         <p:nvCxnSpPr>
           <p:cNvPr id="19" name="Straight Connector 18">
@@ -7615,10 +7150,1788 @@
           </a:p>
         </p:txBody>
       </p:sp>
+      <p:cxnSp>
+        <p:nvCxnSpPr>
+          <p:cNvPr id="2" name="Straight Connector 1">
+            <a:extLst>
+              <a:ext uri="{FF2B5EF4-FFF2-40B4-BE49-F238E27FC236}">
+                <a16:creationId xmlns:a16="http://schemas.microsoft.com/office/drawing/2014/main" id="{EE53E0AB-297C-5EC3-3D15-B8F30760D50D}"/>
+              </a:ext>
+            </a:extLst>
+          </p:cNvPr>
+          <p:cNvCxnSpPr>
+            <a:cxnSpLocks/>
+          </p:cNvCxnSpPr>
+          <p:nvPr/>
+        </p:nvCxnSpPr>
+        <p:spPr>
+          <a:xfrm>
+            <a:off x="2419350" y="4206600"/>
+            <a:ext cx="3676650" cy="0"/>
+          </a:xfrm>
+          <a:prstGeom prst="line">
+            <a:avLst/>
+          </a:prstGeom>
+          <a:ln w="9525">
+            <a:solidFill>
+              <a:schemeClr val="bg2">
+                <a:lumMod val="90000"/>
+              </a:schemeClr>
+            </a:solidFill>
+            <a:prstDash val="solid"/>
+          </a:ln>
+        </p:spPr>
+        <p:style>
+          <a:lnRef idx="1">
+            <a:schemeClr val="dk1"/>
+          </a:lnRef>
+          <a:fillRef idx="0">
+            <a:schemeClr val="dk1"/>
+          </a:fillRef>
+          <a:effectRef idx="0">
+            <a:schemeClr val="dk1"/>
+          </a:effectRef>
+          <a:fontRef idx="minor">
+            <a:schemeClr val="tx1"/>
+          </a:fontRef>
+        </p:style>
+      </p:cxnSp>
+      <p:cxnSp>
+        <p:nvCxnSpPr>
+          <p:cNvPr id="3" name="Straight Connector 2">
+            <a:extLst>
+              <a:ext uri="{FF2B5EF4-FFF2-40B4-BE49-F238E27FC236}">
+                <a16:creationId xmlns:a16="http://schemas.microsoft.com/office/drawing/2014/main" id="{0D04C3BB-4975-0572-25B5-3D8532FA41B0}"/>
+              </a:ext>
+            </a:extLst>
+          </p:cNvPr>
+          <p:cNvCxnSpPr>
+            <a:cxnSpLocks/>
+          </p:cNvCxnSpPr>
+          <p:nvPr/>
+        </p:nvCxnSpPr>
+        <p:spPr>
+          <a:xfrm>
+            <a:off x="2419350" y="2371450"/>
+            <a:ext cx="3676650" cy="0"/>
+          </a:xfrm>
+          <a:prstGeom prst="line">
+            <a:avLst/>
+          </a:prstGeom>
+          <a:ln w="9525">
+            <a:solidFill>
+              <a:schemeClr val="bg2">
+                <a:lumMod val="90000"/>
+              </a:schemeClr>
+            </a:solidFill>
+            <a:prstDash val="solid"/>
+          </a:ln>
+        </p:spPr>
+        <p:style>
+          <a:lnRef idx="1">
+            <a:schemeClr val="dk1"/>
+          </a:lnRef>
+          <a:fillRef idx="0">
+            <a:schemeClr val="dk1"/>
+          </a:fillRef>
+          <a:effectRef idx="0">
+            <a:schemeClr val="dk1"/>
+          </a:effectRef>
+          <a:fontRef idx="minor">
+            <a:schemeClr val="tx1"/>
+          </a:fontRef>
+        </p:style>
+      </p:cxnSp>
+      <p:cxnSp>
+        <p:nvCxnSpPr>
+          <p:cNvPr id="4" name="Straight Arrow Connector 3">
+            <a:extLst>
+              <a:ext uri="{FF2B5EF4-FFF2-40B4-BE49-F238E27FC236}">
+                <a16:creationId xmlns:a16="http://schemas.microsoft.com/office/drawing/2014/main" id="{C2743186-FF1B-EB6C-295C-038ECD2F98B9}"/>
+              </a:ext>
+            </a:extLst>
+          </p:cNvPr>
+          <p:cNvCxnSpPr>
+            <a:cxnSpLocks/>
+          </p:cNvCxnSpPr>
+          <p:nvPr/>
+        </p:nvCxnSpPr>
+        <p:spPr>
+          <a:xfrm>
+            <a:off x="2578100" y="2371450"/>
+            <a:ext cx="0" cy="1835150"/>
+          </a:xfrm>
+          <a:prstGeom prst="straightConnector1">
+            <a:avLst/>
+          </a:prstGeom>
+          <a:ln w="12700">
+            <a:solidFill>
+              <a:schemeClr val="bg2">
+                <a:lumMod val="90000"/>
+              </a:schemeClr>
+            </a:solidFill>
+            <a:headEnd type="triangle" w="sm" len="med"/>
+            <a:tailEnd type="triangle" w="sm" len="med"/>
+          </a:ln>
+        </p:spPr>
+        <p:style>
+          <a:lnRef idx="1">
+            <a:schemeClr val="accent1"/>
+          </a:lnRef>
+          <a:fillRef idx="0">
+            <a:schemeClr val="accent1"/>
+          </a:fillRef>
+          <a:effectRef idx="0">
+            <a:schemeClr val="accent1"/>
+          </a:effectRef>
+          <a:fontRef idx="minor">
+            <a:schemeClr val="tx1"/>
+          </a:fontRef>
+        </p:style>
+      </p:cxnSp>
+      <mc:AlternateContent xmlns:mc="http://schemas.openxmlformats.org/markup-compatibility/2006">
+        <mc:Choice xmlns:a14="http://schemas.microsoft.com/office/drawing/2010/main" Requires="a14">
+          <p:sp>
+            <p:nvSpPr>
+              <p:cNvPr id="12" name="TextBox 11">
+                <a:extLst>
+                  <a:ext uri="{FF2B5EF4-FFF2-40B4-BE49-F238E27FC236}">
+                    <a16:creationId xmlns:a16="http://schemas.microsoft.com/office/drawing/2014/main" id="{4DB718C3-42BF-2E5F-6A46-470727051F1C}"/>
+                  </a:ext>
+                </a:extLst>
+              </p:cNvPr>
+              <p:cNvSpPr txBox="1"/>
+              <p:nvPr/>
+            </p:nvSpPr>
+            <p:spPr>
+              <a:xfrm>
+                <a:off x="1872602" y="2930819"/>
+                <a:ext cx="756918" cy="276999"/>
+              </a:xfrm>
+              <a:prstGeom prst="rect">
+                <a:avLst/>
+              </a:prstGeom>
+              <a:noFill/>
+            </p:spPr>
+            <p:txBody>
+              <a:bodyPr wrap="square" rtlCol="0">
+                <a:spAutoFit/>
+              </a:bodyPr>
+              <a:lstStyle/>
+              <a:p>
+                <a:pPr/>
+                <a14:m>
+                  <m:oMathPara xmlns:m="http://schemas.openxmlformats.org/officeDocument/2006/math">
+                    <m:oMathParaPr>
+                      <m:jc m:val="centerGroup"/>
+                    </m:oMathParaPr>
+                    <m:oMath xmlns:m="http://schemas.openxmlformats.org/officeDocument/2006/math">
+                      <m:sSup>
+                        <m:sSupPr>
+                          <m:ctrlPr>
+                            <a:rPr lang="en-US" sz="1200" b="0" i="1" smtClean="0">
+                              <a:solidFill>
+                                <a:schemeClr val="tx1"/>
+                              </a:solidFill>
+                              <a:latin typeface="Cambria Math" panose="02040503050406030204" pitchFamily="18" charset="0"/>
+                            </a:rPr>
+                          </m:ctrlPr>
+                        </m:sSupPr>
+                        <m:e>
+                          <m:r>
+                            <a:rPr lang="en-US" sz="1200" b="0" i="1" smtClean="0">
+                              <a:solidFill>
+                                <a:schemeClr val="tx1"/>
+                              </a:solidFill>
+                              <a:latin typeface="Cambria Math" panose="02040503050406030204" pitchFamily="18" charset="0"/>
+                            </a:rPr>
+                            <m:t>11</m:t>
+                          </m:r>
+                        </m:e>
+                        <m:sup>
+                          <m:r>
+                            <a:rPr lang="en-US" sz="1200" b="0" i="1" smtClean="0">
+                              <a:solidFill>
+                                <a:schemeClr val="tx1"/>
+                              </a:solidFill>
+                              <a:latin typeface="Cambria Math" panose="02040503050406030204" pitchFamily="18" charset="0"/>
+                            </a:rPr>
+                            <m:t>′</m:t>
+                          </m:r>
+                        </m:sup>
+                      </m:sSup>
+                      <m:r>
+                        <a:rPr lang="en-US" sz="1200" b="0" i="1" smtClean="0">
+                          <a:solidFill>
+                            <a:schemeClr val="tx1"/>
+                          </a:solidFill>
+                          <a:latin typeface="Cambria Math" panose="02040503050406030204" pitchFamily="18" charset="0"/>
+                        </a:rPr>
+                        <m:t>−3"</m:t>
+                      </m:r>
+                    </m:oMath>
+                  </m:oMathPara>
+                </a14:m>
+                <a:endParaRPr lang="en-US" dirty="0"/>
+              </a:p>
+            </p:txBody>
+          </p:sp>
+        </mc:Choice>
+        <mc:Fallback>
+          <p:sp>
+            <p:nvSpPr>
+              <p:cNvPr id="12" name="TextBox 11">
+                <a:extLst>
+                  <a:ext uri="{FF2B5EF4-FFF2-40B4-BE49-F238E27FC236}">
+                    <a16:creationId xmlns:a16="http://schemas.microsoft.com/office/drawing/2014/main" id="{4DB718C3-42BF-2E5F-6A46-470727051F1C}"/>
+                  </a:ext>
+                </a:extLst>
+              </p:cNvPr>
+              <p:cNvSpPr txBox="1">
+                <a:spLocks noRot="1" noChangeAspect="1" noMove="1" noResize="1" noEditPoints="1" noAdjustHandles="1" noChangeArrowheads="1" noChangeShapeType="1" noTextEdit="1"/>
+              </p:cNvSpPr>
+              <p:nvPr/>
+            </p:nvSpPr>
+            <p:spPr>
+              <a:xfrm>
+                <a:off x="1872602" y="2930819"/>
+                <a:ext cx="756918" cy="276999"/>
+              </a:xfrm>
+              <a:prstGeom prst="rect">
+                <a:avLst/>
+              </a:prstGeom>
+              <a:blipFill>
+                <a:blip r:embed="rId5"/>
+                <a:stretch>
+                  <a:fillRect/>
+                </a:stretch>
+              </a:blipFill>
+            </p:spPr>
+            <p:txBody>
+              <a:bodyPr/>
+              <a:lstStyle/>
+              <a:p>
+                <a:r>
+                  <a:rPr lang="en-US">
+                    <a:noFill/>
+                  </a:rPr>
+                  <a:t> </a:t>
+                </a:r>
+              </a:p>
+            </p:txBody>
+          </p:sp>
+        </mc:Fallback>
+      </mc:AlternateContent>
+      <p:sp>
+        <p:nvSpPr>
+          <p:cNvPr id="29" name="Right Triangle 28">
+            <a:extLst>
+              <a:ext uri="{FF2B5EF4-FFF2-40B4-BE49-F238E27FC236}">
+                <a16:creationId xmlns:a16="http://schemas.microsoft.com/office/drawing/2014/main" id="{39508E38-751A-C268-FAE4-2C21FE5F2E65}"/>
+              </a:ext>
+            </a:extLst>
+          </p:cNvPr>
+          <p:cNvSpPr/>
+          <p:nvPr/>
+        </p:nvSpPr>
+        <p:spPr>
+          <a:xfrm>
+            <a:off x="2764631" y="3471855"/>
+            <a:ext cx="3238499" cy="292902"/>
+          </a:xfrm>
+          <a:prstGeom prst="rtTriangle">
+            <a:avLst/>
+          </a:prstGeom>
+          <a:noFill/>
+          <a:ln>
+            <a:solidFill>
+              <a:srgbClr val="C00000"/>
+            </a:solidFill>
+          </a:ln>
+        </p:spPr>
+        <p:style>
+          <a:lnRef idx="2">
+            <a:schemeClr val="accent1">
+              <a:shade val="50000"/>
+            </a:schemeClr>
+          </a:lnRef>
+          <a:fillRef idx="1">
+            <a:schemeClr val="accent1"/>
+          </a:fillRef>
+          <a:effectRef idx="0">
+            <a:schemeClr val="accent1"/>
+          </a:effectRef>
+          <a:fontRef idx="minor">
+            <a:schemeClr val="lt1"/>
+          </a:fontRef>
+        </p:style>
+        <p:txBody>
+          <a:bodyPr rtlCol="0" anchor="ctr"/>
+          <a:lstStyle/>
+          <a:p>
+            <a:pPr algn="ctr"/>
+            <a:endParaRPr lang="en-US"/>
+          </a:p>
+        </p:txBody>
+      </p:sp>
+      <p:grpSp>
+        <p:nvGrpSpPr>
+          <p:cNvPr id="18" name="Group 17">
+            <a:extLst>
+              <a:ext uri="{FF2B5EF4-FFF2-40B4-BE49-F238E27FC236}">
+                <a16:creationId xmlns:a16="http://schemas.microsoft.com/office/drawing/2014/main" id="{BE80C408-9D78-239A-3FE9-AB02E93002A6}"/>
+              </a:ext>
+            </a:extLst>
+          </p:cNvPr>
+          <p:cNvGrpSpPr/>
+          <p:nvPr/>
+        </p:nvGrpSpPr>
+        <p:grpSpPr>
+          <a:xfrm rot="16200000">
+            <a:off x="4076795" y="3441123"/>
+            <a:ext cx="377075" cy="351718"/>
+            <a:chOff x="2081853" y="3167990"/>
+            <a:chExt cx="377075" cy="351718"/>
+          </a:xfrm>
+        </p:grpSpPr>
+        <p:sp>
+          <p:nvSpPr>
+            <p:cNvPr id="15" name="Arc 14">
+              <a:extLst>
+                <a:ext uri="{FF2B5EF4-FFF2-40B4-BE49-F238E27FC236}">
+                  <a16:creationId xmlns:a16="http://schemas.microsoft.com/office/drawing/2014/main" id="{700AC7D4-A34A-9FDF-0050-E1FBE5CD349D}"/>
+                </a:ext>
+              </a:extLst>
+            </p:cNvPr>
+            <p:cNvSpPr/>
+            <p:nvPr/>
+          </p:nvSpPr>
+          <p:spPr>
+            <a:xfrm rot="19800000">
+              <a:off x="2081853" y="3322915"/>
+              <a:ext cx="196793" cy="196793"/>
+            </a:xfrm>
+            <a:prstGeom prst="arc">
+              <a:avLst/>
+            </a:prstGeom>
+            <a:ln w="12700">
+              <a:solidFill>
+                <a:srgbClr val="002060"/>
+              </a:solidFill>
+            </a:ln>
+          </p:spPr>
+          <p:style>
+            <a:lnRef idx="1">
+              <a:schemeClr val="accent1"/>
+            </a:lnRef>
+            <a:fillRef idx="0">
+              <a:schemeClr val="accent1"/>
+            </a:fillRef>
+            <a:effectRef idx="0">
+              <a:schemeClr val="accent1"/>
+            </a:effectRef>
+            <a:fontRef idx="minor">
+              <a:schemeClr val="tx1"/>
+            </a:fontRef>
+          </p:style>
+          <p:txBody>
+            <a:bodyPr rtlCol="0" anchor="ctr"/>
+            <a:lstStyle/>
+            <a:p>
+              <a:pPr algn="ctr"/>
+              <a:endParaRPr lang="en-US"/>
+            </a:p>
+          </p:txBody>
+        </p:sp>
+        <p:sp>
+          <p:nvSpPr>
+            <p:cNvPr id="17" name="Freeform: Shape 16">
+              <a:extLst>
+                <a:ext uri="{FF2B5EF4-FFF2-40B4-BE49-F238E27FC236}">
+                  <a16:creationId xmlns:a16="http://schemas.microsoft.com/office/drawing/2014/main" id="{B38D3772-7461-0DDD-2A11-2C9555E5FA02}"/>
+                </a:ext>
+              </a:extLst>
+            </p:cNvPr>
+            <p:cNvSpPr/>
+            <p:nvPr/>
+          </p:nvSpPr>
+          <p:spPr>
+            <a:xfrm rot="10800000" flipV="1">
+              <a:off x="2230328" y="3167990"/>
+              <a:ext cx="228600" cy="144719"/>
+            </a:xfrm>
+            <a:custGeom>
+              <a:avLst/>
+              <a:gdLst>
+                <a:gd name="connsiteX0" fmla="*/ 0 w 228600"/>
+                <a:gd name="connsiteY0" fmla="*/ 16131 h 144719"/>
+                <a:gd name="connsiteX1" fmla="*/ 185737 w 228600"/>
+                <a:gd name="connsiteY1" fmla="*/ 11369 h 144719"/>
+                <a:gd name="connsiteX2" fmla="*/ 228600 w 228600"/>
+                <a:gd name="connsiteY2" fmla="*/ 144719 h 144719"/>
+              </a:gdLst>
+              <a:ahLst/>
+              <a:cxnLst>
+                <a:cxn ang="0">
+                  <a:pos x="connsiteX0" y="connsiteY0"/>
+                </a:cxn>
+                <a:cxn ang="0">
+                  <a:pos x="connsiteX1" y="connsiteY1"/>
+                </a:cxn>
+                <a:cxn ang="0">
+                  <a:pos x="connsiteX2" y="connsiteY2"/>
+                </a:cxn>
+              </a:cxnLst>
+              <a:rect l="l" t="t" r="r" b="b"/>
+              <a:pathLst>
+                <a:path w="228600" h="144719">
+                  <a:moveTo>
+                    <a:pt x="0" y="16131"/>
+                  </a:moveTo>
+                  <a:cubicBezTo>
+                    <a:pt x="73818" y="3034"/>
+                    <a:pt x="147637" y="-10062"/>
+                    <a:pt x="185737" y="11369"/>
+                  </a:cubicBezTo>
+                  <a:cubicBezTo>
+                    <a:pt x="223837" y="32800"/>
+                    <a:pt x="189706" y="104238"/>
+                    <a:pt x="228600" y="144719"/>
+                  </a:cubicBezTo>
+                </a:path>
+              </a:pathLst>
+            </a:custGeom>
+            <a:noFill/>
+            <a:ln>
+              <a:headEnd type="none" w="med" len="med"/>
+              <a:tailEnd type="triangle" w="med" len="med"/>
+            </a:ln>
+          </p:spPr>
+          <p:style>
+            <a:lnRef idx="2">
+              <a:schemeClr val="accent1">
+                <a:shade val="50000"/>
+              </a:schemeClr>
+            </a:lnRef>
+            <a:fillRef idx="1">
+              <a:schemeClr val="accent1"/>
+            </a:fillRef>
+            <a:effectRef idx="0">
+              <a:schemeClr val="accent1"/>
+            </a:effectRef>
+            <a:fontRef idx="minor">
+              <a:schemeClr val="lt1"/>
+            </a:fontRef>
+          </p:style>
+          <p:txBody>
+            <a:bodyPr rtlCol="0" anchor="ctr"/>
+            <a:lstStyle/>
+            <a:p>
+              <a:pPr algn="ctr"/>
+              <a:endParaRPr lang="en-US"/>
+            </a:p>
+          </p:txBody>
+        </p:sp>
+      </p:grpSp>
+      <p:cxnSp>
+        <p:nvCxnSpPr>
+          <p:cNvPr id="31" name="Straight Arrow Connector 30">
+            <a:extLst>
+              <a:ext uri="{FF2B5EF4-FFF2-40B4-BE49-F238E27FC236}">
+                <a16:creationId xmlns:a16="http://schemas.microsoft.com/office/drawing/2014/main" id="{A4368568-F1F7-D509-26A9-8BD7266906D8}"/>
+              </a:ext>
+            </a:extLst>
+          </p:cNvPr>
+          <p:cNvCxnSpPr>
+            <a:cxnSpLocks/>
+          </p:cNvCxnSpPr>
+          <p:nvPr/>
+        </p:nvCxnSpPr>
+        <p:spPr>
+          <a:xfrm>
+            <a:off x="2666601" y="3471855"/>
+            <a:ext cx="0" cy="292902"/>
+          </a:xfrm>
+          <a:prstGeom prst="straightConnector1">
+            <a:avLst/>
+          </a:prstGeom>
+          <a:ln w="12700">
+            <a:solidFill>
+              <a:srgbClr val="002060"/>
+            </a:solidFill>
+            <a:headEnd type="triangle" w="sm" len="med"/>
+            <a:tailEnd type="triangle" w="sm" len="med"/>
+          </a:ln>
+        </p:spPr>
+        <p:style>
+          <a:lnRef idx="1">
+            <a:schemeClr val="accent1"/>
+          </a:lnRef>
+          <a:fillRef idx="0">
+            <a:schemeClr val="accent1"/>
+          </a:fillRef>
+          <a:effectRef idx="0">
+            <a:schemeClr val="accent1"/>
+          </a:effectRef>
+          <a:fontRef idx="minor">
+            <a:schemeClr val="tx1"/>
+          </a:fontRef>
+        </p:style>
+      </p:cxnSp>
+      <p:cxnSp>
+        <p:nvCxnSpPr>
+          <p:cNvPr id="33" name="Straight Connector 32">
+            <a:extLst>
+              <a:ext uri="{FF2B5EF4-FFF2-40B4-BE49-F238E27FC236}">
+                <a16:creationId xmlns:a16="http://schemas.microsoft.com/office/drawing/2014/main" id="{26C794F7-7863-F183-D64B-47918274AA87}"/>
+              </a:ext>
+            </a:extLst>
+          </p:cNvPr>
+          <p:cNvCxnSpPr>
+            <a:cxnSpLocks/>
+          </p:cNvCxnSpPr>
+          <p:nvPr/>
+        </p:nvCxnSpPr>
+        <p:spPr>
+          <a:xfrm>
+            <a:off x="2578100" y="3764757"/>
+            <a:ext cx="186531" cy="0"/>
+          </a:xfrm>
+          <a:prstGeom prst="line">
+            <a:avLst/>
+          </a:prstGeom>
+          <a:ln w="19050">
+            <a:prstDash val="dashDot"/>
+          </a:ln>
+        </p:spPr>
+        <p:style>
+          <a:lnRef idx="1">
+            <a:schemeClr val="dk1"/>
+          </a:lnRef>
+          <a:fillRef idx="0">
+            <a:schemeClr val="dk1"/>
+          </a:fillRef>
+          <a:effectRef idx="0">
+            <a:schemeClr val="dk1"/>
+          </a:effectRef>
+          <a:fontRef idx="minor">
+            <a:schemeClr val="tx1"/>
+          </a:fontRef>
+        </p:style>
+      </p:cxnSp>
+      <p:cxnSp>
+        <p:nvCxnSpPr>
+          <p:cNvPr id="36" name="Straight Connector 35">
+            <a:extLst>
+              <a:ext uri="{FF2B5EF4-FFF2-40B4-BE49-F238E27FC236}">
+                <a16:creationId xmlns:a16="http://schemas.microsoft.com/office/drawing/2014/main" id="{E0D48297-44BF-1268-E98D-449742E34A79}"/>
+              </a:ext>
+            </a:extLst>
+          </p:cNvPr>
+          <p:cNvCxnSpPr>
+            <a:cxnSpLocks/>
+          </p:cNvCxnSpPr>
+          <p:nvPr/>
+        </p:nvCxnSpPr>
+        <p:spPr>
+          <a:xfrm>
+            <a:off x="2578100" y="3471855"/>
+            <a:ext cx="186531" cy="0"/>
+          </a:xfrm>
+          <a:prstGeom prst="line">
+            <a:avLst/>
+          </a:prstGeom>
+          <a:ln w="19050">
+            <a:prstDash val="dashDot"/>
+          </a:ln>
+        </p:spPr>
+        <p:style>
+          <a:lnRef idx="1">
+            <a:schemeClr val="dk1"/>
+          </a:lnRef>
+          <a:fillRef idx="0">
+            <a:schemeClr val="dk1"/>
+          </a:fillRef>
+          <a:effectRef idx="0">
+            <a:schemeClr val="dk1"/>
+          </a:effectRef>
+          <a:fontRef idx="minor">
+            <a:schemeClr val="tx1"/>
+          </a:fontRef>
+        </p:style>
+      </p:cxnSp>
+      <p:cxnSp>
+        <p:nvCxnSpPr>
+          <p:cNvPr id="46" name="Straight Connector 45">
+            <a:extLst>
+              <a:ext uri="{FF2B5EF4-FFF2-40B4-BE49-F238E27FC236}">
+                <a16:creationId xmlns:a16="http://schemas.microsoft.com/office/drawing/2014/main" id="{D8415A32-5906-C907-C2B6-029F08FC4181}"/>
+              </a:ext>
+            </a:extLst>
+          </p:cNvPr>
+          <p:cNvCxnSpPr>
+            <a:cxnSpLocks/>
+          </p:cNvCxnSpPr>
+          <p:nvPr/>
+        </p:nvCxnSpPr>
+        <p:spPr>
+          <a:xfrm>
+            <a:off x="2764631" y="3791566"/>
+            <a:ext cx="0" cy="188082"/>
+          </a:xfrm>
+          <a:prstGeom prst="line">
+            <a:avLst/>
+          </a:prstGeom>
+          <a:ln w="19050">
+            <a:prstDash val="dashDot"/>
+          </a:ln>
+        </p:spPr>
+        <p:style>
+          <a:lnRef idx="1">
+            <a:schemeClr val="dk1"/>
+          </a:lnRef>
+          <a:fillRef idx="0">
+            <a:schemeClr val="dk1"/>
+          </a:fillRef>
+          <a:effectRef idx="0">
+            <a:schemeClr val="dk1"/>
+          </a:effectRef>
+          <a:fontRef idx="minor">
+            <a:schemeClr val="tx1"/>
+          </a:fontRef>
+        </p:style>
+      </p:cxnSp>
+      <p:cxnSp>
+        <p:nvCxnSpPr>
+          <p:cNvPr id="48" name="Straight Connector 47">
+            <a:extLst>
+              <a:ext uri="{FF2B5EF4-FFF2-40B4-BE49-F238E27FC236}">
+                <a16:creationId xmlns:a16="http://schemas.microsoft.com/office/drawing/2014/main" id="{85961836-32FE-BC46-A2CA-9BFA624E311E}"/>
+              </a:ext>
+            </a:extLst>
+          </p:cNvPr>
+          <p:cNvCxnSpPr>
+            <a:cxnSpLocks/>
+          </p:cNvCxnSpPr>
+          <p:nvPr/>
+        </p:nvCxnSpPr>
+        <p:spPr>
+          <a:xfrm>
+            <a:off x="6003130" y="3791566"/>
+            <a:ext cx="0" cy="188082"/>
+          </a:xfrm>
+          <a:prstGeom prst="line">
+            <a:avLst/>
+          </a:prstGeom>
+          <a:ln w="19050">
+            <a:prstDash val="dashDot"/>
+          </a:ln>
+        </p:spPr>
+        <p:style>
+          <a:lnRef idx="1">
+            <a:schemeClr val="dk1"/>
+          </a:lnRef>
+          <a:fillRef idx="0">
+            <a:schemeClr val="dk1"/>
+          </a:fillRef>
+          <a:effectRef idx="0">
+            <a:schemeClr val="dk1"/>
+          </a:effectRef>
+          <a:fontRef idx="minor">
+            <a:schemeClr val="tx1"/>
+          </a:fontRef>
+        </p:style>
+      </p:cxnSp>
+      <p:cxnSp>
+        <p:nvCxnSpPr>
+          <p:cNvPr id="49" name="Straight Arrow Connector 48">
+            <a:extLst>
+              <a:ext uri="{FF2B5EF4-FFF2-40B4-BE49-F238E27FC236}">
+                <a16:creationId xmlns:a16="http://schemas.microsoft.com/office/drawing/2014/main" id="{C37A52FD-9F86-1B2C-20A3-CA8DD919C78C}"/>
+              </a:ext>
+            </a:extLst>
+          </p:cNvPr>
+          <p:cNvCxnSpPr>
+            <a:cxnSpLocks/>
+          </p:cNvCxnSpPr>
+          <p:nvPr/>
+        </p:nvCxnSpPr>
+        <p:spPr>
+          <a:xfrm flipH="1">
+            <a:off x="2764631" y="3852321"/>
+            <a:ext cx="3238499" cy="33286"/>
+          </a:xfrm>
+          <a:prstGeom prst="straightConnector1">
+            <a:avLst/>
+          </a:prstGeom>
+          <a:ln w="12700">
+            <a:solidFill>
+              <a:srgbClr val="002060"/>
+            </a:solidFill>
+            <a:headEnd type="triangle" w="sm" len="med"/>
+            <a:tailEnd type="triangle" w="sm" len="med"/>
+          </a:ln>
+        </p:spPr>
+        <p:style>
+          <a:lnRef idx="1">
+            <a:schemeClr val="accent1"/>
+          </a:lnRef>
+          <a:fillRef idx="0">
+            <a:schemeClr val="accent1"/>
+          </a:fillRef>
+          <a:effectRef idx="0">
+            <a:schemeClr val="accent1"/>
+          </a:effectRef>
+          <a:fontRef idx="minor">
+            <a:schemeClr val="tx1"/>
+          </a:fontRef>
+        </p:style>
+      </p:cxnSp>
+      <mc:AlternateContent xmlns:mc="http://schemas.openxmlformats.org/markup-compatibility/2006">
+        <mc:Choice xmlns:a14="http://schemas.microsoft.com/office/drawing/2010/main" Requires="a14">
+          <p:sp>
+            <p:nvSpPr>
+              <p:cNvPr id="52" name="TextBox 51">
+                <a:extLst>
+                  <a:ext uri="{FF2B5EF4-FFF2-40B4-BE49-F238E27FC236}">
+                    <a16:creationId xmlns:a16="http://schemas.microsoft.com/office/drawing/2014/main" id="{8066A21E-CB29-A2A7-5080-37E03860846D}"/>
+                  </a:ext>
+                </a:extLst>
+              </p:cNvPr>
+              <p:cNvSpPr txBox="1"/>
+              <p:nvPr/>
+            </p:nvSpPr>
+            <p:spPr>
+              <a:xfrm>
+                <a:off x="3837407" y="3861769"/>
+                <a:ext cx="345529" cy="276999"/>
+              </a:xfrm>
+              <a:prstGeom prst="rect">
+                <a:avLst/>
+              </a:prstGeom>
+              <a:noFill/>
+            </p:spPr>
+            <p:txBody>
+              <a:bodyPr wrap="square" rtlCol="0">
+                <a:spAutoFit/>
+              </a:bodyPr>
+              <a:lstStyle/>
+              <a:p>
+                <a:pPr/>
+                <a14:m>
+                  <m:oMathPara xmlns:m="http://schemas.openxmlformats.org/officeDocument/2006/math">
+                    <m:oMathParaPr>
+                      <m:jc m:val="centerGroup"/>
+                    </m:oMathParaPr>
+                    <m:oMath xmlns:m="http://schemas.openxmlformats.org/officeDocument/2006/math">
+                      <m:sSub>
+                        <m:sSubPr>
+                          <m:ctrlPr>
+                            <a:rPr lang="en-US" sz="1200" b="0" i="1" smtClean="0">
+                              <a:solidFill>
+                                <a:schemeClr val="accent1"/>
+                              </a:solidFill>
+                              <a:latin typeface="Cambria Math" panose="02040503050406030204" pitchFamily="18" charset="0"/>
+                            </a:rPr>
+                          </m:ctrlPr>
+                        </m:sSubPr>
+                        <m:e>
+                          <m:r>
+                            <a:rPr lang="en-US" sz="1200" b="0" i="1" smtClean="0">
+                              <a:solidFill>
+                                <a:schemeClr val="accent1"/>
+                              </a:solidFill>
+                              <a:latin typeface="Cambria Math" panose="02040503050406030204" pitchFamily="18" charset="0"/>
+                            </a:rPr>
+                            <m:t>𝑦</m:t>
+                          </m:r>
+                        </m:e>
+                        <m:sub>
+                          <m:r>
+                            <a:rPr lang="en-US" sz="1200" b="0" i="1" smtClean="0">
+                              <a:solidFill>
+                                <a:schemeClr val="accent1"/>
+                              </a:solidFill>
+                              <a:latin typeface="Cambria Math" panose="02040503050406030204" pitchFamily="18" charset="0"/>
+                            </a:rPr>
+                            <m:t>𝑤</m:t>
+                          </m:r>
+                          <m:r>
+                            <a:rPr lang="en-US" sz="1200" b="0" i="1" smtClean="0">
+                              <a:solidFill>
+                                <a:schemeClr val="accent1"/>
+                              </a:solidFill>
+                              <a:latin typeface="Cambria Math" panose="02040503050406030204" pitchFamily="18" charset="0"/>
+                            </a:rPr>
+                            <m:t>1</m:t>
+                          </m:r>
+                        </m:sub>
+                      </m:sSub>
+                    </m:oMath>
+                  </m:oMathPara>
+                </a14:m>
+                <a:endParaRPr lang="en-US" dirty="0"/>
+              </a:p>
+            </p:txBody>
+          </p:sp>
+        </mc:Choice>
+        <mc:Fallback>
+          <p:sp>
+            <p:nvSpPr>
+              <p:cNvPr id="52" name="TextBox 51">
+                <a:extLst>
+                  <a:ext uri="{FF2B5EF4-FFF2-40B4-BE49-F238E27FC236}">
+                    <a16:creationId xmlns:a16="http://schemas.microsoft.com/office/drawing/2014/main" id="{8066A21E-CB29-A2A7-5080-37E03860846D}"/>
+                  </a:ext>
+                </a:extLst>
+              </p:cNvPr>
+              <p:cNvSpPr txBox="1">
+                <a:spLocks noRot="1" noChangeAspect="1" noMove="1" noResize="1" noEditPoints="1" noAdjustHandles="1" noChangeArrowheads="1" noChangeShapeType="1" noTextEdit="1"/>
+              </p:cNvSpPr>
+              <p:nvPr/>
+            </p:nvSpPr>
+            <p:spPr>
+              <a:xfrm>
+                <a:off x="3837407" y="3861769"/>
+                <a:ext cx="345529" cy="276999"/>
+              </a:xfrm>
+              <a:prstGeom prst="rect">
+                <a:avLst/>
+              </a:prstGeom>
+              <a:blipFill>
+                <a:blip r:embed="rId6"/>
+                <a:stretch>
+                  <a:fillRect r="-3509"/>
+                </a:stretch>
+              </a:blipFill>
+            </p:spPr>
+            <p:txBody>
+              <a:bodyPr/>
+              <a:lstStyle/>
+              <a:p>
+                <a:r>
+                  <a:rPr lang="en-US">
+                    <a:noFill/>
+                  </a:rPr>
+                  <a:t> </a:t>
+                </a:r>
+              </a:p>
+            </p:txBody>
+          </p:sp>
+        </mc:Fallback>
+      </mc:AlternateContent>
+      <mc:AlternateContent xmlns:mc="http://schemas.openxmlformats.org/markup-compatibility/2006">
+        <mc:Choice xmlns:a14="http://schemas.microsoft.com/office/drawing/2010/main" Requires="a14">
+          <p:sp>
+            <p:nvSpPr>
+              <p:cNvPr id="53" name="TextBox 52">
+                <a:extLst>
+                  <a:ext uri="{FF2B5EF4-FFF2-40B4-BE49-F238E27FC236}">
+                    <a16:creationId xmlns:a16="http://schemas.microsoft.com/office/drawing/2014/main" id="{F975209D-7789-1A34-77DB-CF380A0F3CE8}"/>
+                  </a:ext>
+                </a:extLst>
+              </p:cNvPr>
+              <p:cNvSpPr txBox="1"/>
+              <p:nvPr/>
+            </p:nvSpPr>
+            <p:spPr>
+              <a:xfrm>
+                <a:off x="2224270" y="3434770"/>
+                <a:ext cx="345529" cy="276999"/>
+              </a:xfrm>
+              <a:prstGeom prst="rect">
+                <a:avLst/>
+              </a:prstGeom>
+              <a:noFill/>
+            </p:spPr>
+            <p:txBody>
+              <a:bodyPr wrap="square" rtlCol="0">
+                <a:spAutoFit/>
+              </a:bodyPr>
+              <a:lstStyle/>
+              <a:p>
+                <a:pPr/>
+                <a14:m>
+                  <m:oMathPara xmlns:m="http://schemas.openxmlformats.org/officeDocument/2006/math">
+                    <m:oMathParaPr>
+                      <m:jc m:val="centerGroup"/>
+                    </m:oMathParaPr>
+                    <m:oMath xmlns:m="http://schemas.openxmlformats.org/officeDocument/2006/math">
+                      <m:sSub>
+                        <m:sSubPr>
+                          <m:ctrlPr>
+                            <a:rPr lang="en-US" sz="1200" b="0" i="1" smtClean="0">
+                              <a:solidFill>
+                                <a:schemeClr val="accent1"/>
+                              </a:solidFill>
+                              <a:latin typeface="Cambria Math" panose="02040503050406030204" pitchFamily="18" charset="0"/>
+                            </a:rPr>
+                          </m:ctrlPr>
+                        </m:sSubPr>
+                        <m:e>
+                          <m:r>
+                            <a:rPr lang="en-US" sz="1200" b="0" i="1" smtClean="0">
+                              <a:solidFill>
+                                <a:schemeClr val="accent1"/>
+                              </a:solidFill>
+                              <a:latin typeface="Cambria Math" panose="02040503050406030204" pitchFamily="18" charset="0"/>
+                            </a:rPr>
+                            <m:t>𝑧</m:t>
+                          </m:r>
+                        </m:e>
+                        <m:sub>
+                          <m:r>
+                            <a:rPr lang="en-US" sz="1200" b="0" i="1" smtClean="0">
+                              <a:solidFill>
+                                <a:schemeClr val="accent1"/>
+                              </a:solidFill>
+                              <a:latin typeface="Cambria Math" panose="02040503050406030204" pitchFamily="18" charset="0"/>
+                            </a:rPr>
+                            <m:t>𝑤</m:t>
+                          </m:r>
+                          <m:r>
+                            <a:rPr lang="en-US" sz="1200" b="0" i="1" smtClean="0">
+                              <a:solidFill>
+                                <a:schemeClr val="accent1"/>
+                              </a:solidFill>
+                              <a:latin typeface="Cambria Math" panose="02040503050406030204" pitchFamily="18" charset="0"/>
+                            </a:rPr>
+                            <m:t>1</m:t>
+                          </m:r>
+                        </m:sub>
+                      </m:sSub>
+                    </m:oMath>
+                  </m:oMathPara>
+                </a14:m>
+                <a:endParaRPr lang="en-US" dirty="0"/>
+              </a:p>
+            </p:txBody>
+          </p:sp>
+        </mc:Choice>
+        <mc:Fallback>
+          <p:sp>
+            <p:nvSpPr>
+              <p:cNvPr id="53" name="TextBox 52">
+                <a:extLst>
+                  <a:ext uri="{FF2B5EF4-FFF2-40B4-BE49-F238E27FC236}">
+                    <a16:creationId xmlns:a16="http://schemas.microsoft.com/office/drawing/2014/main" id="{F975209D-7789-1A34-77DB-CF380A0F3CE8}"/>
+                  </a:ext>
+                </a:extLst>
+              </p:cNvPr>
+              <p:cNvSpPr txBox="1">
+                <a:spLocks noRot="1" noChangeAspect="1" noMove="1" noResize="1" noEditPoints="1" noAdjustHandles="1" noChangeArrowheads="1" noChangeShapeType="1" noTextEdit="1"/>
+              </p:cNvSpPr>
+              <p:nvPr/>
+            </p:nvSpPr>
+            <p:spPr>
+              <a:xfrm>
+                <a:off x="2224270" y="3434770"/>
+                <a:ext cx="345529" cy="276999"/>
+              </a:xfrm>
+              <a:prstGeom prst="rect">
+                <a:avLst/>
+              </a:prstGeom>
+              <a:blipFill>
+                <a:blip r:embed="rId7"/>
+                <a:stretch>
+                  <a:fillRect/>
+                </a:stretch>
+              </a:blipFill>
+            </p:spPr>
+            <p:txBody>
+              <a:bodyPr/>
+              <a:lstStyle/>
+              <a:p>
+                <a:r>
+                  <a:rPr lang="en-US">
+                    <a:noFill/>
+                  </a:rPr>
+                  <a:t> </a:t>
+                </a:r>
+              </a:p>
+            </p:txBody>
+          </p:sp>
+        </mc:Fallback>
+      </mc:AlternateContent>
+      <p:cxnSp>
+        <p:nvCxnSpPr>
+          <p:cNvPr id="57" name="Straight Connector 56">
+            <a:extLst>
+              <a:ext uri="{FF2B5EF4-FFF2-40B4-BE49-F238E27FC236}">
+                <a16:creationId xmlns:a16="http://schemas.microsoft.com/office/drawing/2014/main" id="{DA88105F-EBE4-F485-A6A0-0E78D42FE681}"/>
+              </a:ext>
+            </a:extLst>
+          </p:cNvPr>
+          <p:cNvCxnSpPr>
+            <a:cxnSpLocks/>
+          </p:cNvCxnSpPr>
+          <p:nvPr/>
+        </p:nvCxnSpPr>
+        <p:spPr>
+          <a:xfrm>
+            <a:off x="2569799" y="2049780"/>
+            <a:ext cx="0" cy="321670"/>
+          </a:xfrm>
+          <a:prstGeom prst="line">
+            <a:avLst/>
+          </a:prstGeom>
+          <a:ln w="19050">
+            <a:solidFill>
+              <a:schemeClr val="bg2">
+                <a:lumMod val="90000"/>
+              </a:schemeClr>
+            </a:solidFill>
+            <a:prstDash val="solid"/>
+          </a:ln>
+        </p:spPr>
+        <p:style>
+          <a:lnRef idx="1">
+            <a:schemeClr val="dk1"/>
+          </a:lnRef>
+          <a:fillRef idx="0">
+            <a:schemeClr val="dk1"/>
+          </a:fillRef>
+          <a:effectRef idx="0">
+            <a:schemeClr val="dk1"/>
+          </a:effectRef>
+          <a:fontRef idx="minor">
+            <a:schemeClr val="tx1"/>
+          </a:fontRef>
+        </p:style>
+      </p:cxnSp>
+      <p:cxnSp>
+        <p:nvCxnSpPr>
+          <p:cNvPr id="58" name="Straight Connector 57">
+            <a:extLst>
+              <a:ext uri="{FF2B5EF4-FFF2-40B4-BE49-F238E27FC236}">
+                <a16:creationId xmlns:a16="http://schemas.microsoft.com/office/drawing/2014/main" id="{B8994739-1E62-9341-DC37-3F5BAA17574D}"/>
+              </a:ext>
+            </a:extLst>
+          </p:cNvPr>
+          <p:cNvCxnSpPr>
+            <a:cxnSpLocks/>
+          </p:cNvCxnSpPr>
+          <p:nvPr/>
+        </p:nvCxnSpPr>
+        <p:spPr>
+          <a:xfrm>
+            <a:off x="6122035" y="2049780"/>
+            <a:ext cx="0" cy="321670"/>
+          </a:xfrm>
+          <a:prstGeom prst="line">
+            <a:avLst/>
+          </a:prstGeom>
+          <a:ln w="19050">
+            <a:solidFill>
+              <a:schemeClr val="bg2">
+                <a:lumMod val="90000"/>
+              </a:schemeClr>
+            </a:solidFill>
+            <a:prstDash val="solid"/>
+          </a:ln>
+        </p:spPr>
+        <p:style>
+          <a:lnRef idx="1">
+            <a:schemeClr val="dk1"/>
+          </a:lnRef>
+          <a:fillRef idx="0">
+            <a:schemeClr val="dk1"/>
+          </a:fillRef>
+          <a:effectRef idx="0">
+            <a:schemeClr val="dk1"/>
+          </a:effectRef>
+          <a:fontRef idx="minor">
+            <a:schemeClr val="tx1"/>
+          </a:fontRef>
+        </p:style>
+      </p:cxnSp>
+      <p:cxnSp>
+        <p:nvCxnSpPr>
+          <p:cNvPr id="59" name="Straight Arrow Connector 58">
+            <a:extLst>
+              <a:ext uri="{FF2B5EF4-FFF2-40B4-BE49-F238E27FC236}">
+                <a16:creationId xmlns:a16="http://schemas.microsoft.com/office/drawing/2014/main" id="{9B871FB6-837A-5BF1-5E54-FE7DEAFCE1DE}"/>
+              </a:ext>
+            </a:extLst>
+          </p:cNvPr>
+          <p:cNvCxnSpPr>
+            <a:cxnSpLocks/>
+            <a:stCxn id="5" idx="0"/>
+          </p:cNvCxnSpPr>
+          <p:nvPr/>
+        </p:nvCxnSpPr>
+        <p:spPr>
+          <a:xfrm flipH="1">
+            <a:off x="2629520" y="2251710"/>
+            <a:ext cx="3466480" cy="0"/>
+          </a:xfrm>
+          <a:prstGeom prst="straightConnector1">
+            <a:avLst/>
+          </a:prstGeom>
+          <a:ln w="12700">
+            <a:solidFill>
+              <a:schemeClr val="bg2">
+                <a:lumMod val="90000"/>
+              </a:schemeClr>
+            </a:solidFill>
+            <a:headEnd type="none" w="med" len="med"/>
+            <a:tailEnd type="triangle" w="med" len="med"/>
+          </a:ln>
+        </p:spPr>
+        <p:style>
+          <a:lnRef idx="1">
+            <a:schemeClr val="accent1"/>
+          </a:lnRef>
+          <a:fillRef idx="0">
+            <a:schemeClr val="accent1"/>
+          </a:fillRef>
+          <a:effectRef idx="0">
+            <a:schemeClr val="accent1"/>
+          </a:effectRef>
+          <a:fontRef idx="minor">
+            <a:schemeClr val="tx1"/>
+          </a:fontRef>
+        </p:style>
+      </p:cxnSp>
+      <mc:AlternateContent xmlns:mc="http://schemas.openxmlformats.org/markup-compatibility/2006">
+        <mc:Choice xmlns:a14="http://schemas.microsoft.com/office/drawing/2010/main" Requires="a14">
+          <p:sp>
+            <p:nvSpPr>
+              <p:cNvPr id="60" name="TextBox 59">
+                <a:extLst>
+                  <a:ext uri="{FF2B5EF4-FFF2-40B4-BE49-F238E27FC236}">
+                    <a16:creationId xmlns:a16="http://schemas.microsoft.com/office/drawing/2014/main" id="{17BB4B03-3F5E-F14C-1C48-CB465C8A5168}"/>
+                  </a:ext>
+                </a:extLst>
+              </p:cNvPr>
+              <p:cNvSpPr txBox="1"/>
+              <p:nvPr/>
+            </p:nvSpPr>
+            <p:spPr>
+              <a:xfrm>
+                <a:off x="4276470" y="1960357"/>
+                <a:ext cx="920476" cy="276999"/>
+              </a:xfrm>
+              <a:prstGeom prst="rect">
+                <a:avLst/>
+              </a:prstGeom>
+              <a:noFill/>
+            </p:spPr>
+            <p:txBody>
+              <a:bodyPr wrap="square" rtlCol="0">
+                <a:spAutoFit/>
+              </a:bodyPr>
+              <a:lstStyle/>
+              <a:p>
+                <a:pPr/>
+                <a14:m>
+                  <m:oMathPara xmlns:m="http://schemas.openxmlformats.org/officeDocument/2006/math">
+                    <m:oMathParaPr>
+                      <m:jc m:val="centerGroup"/>
+                    </m:oMathParaPr>
+                    <m:oMath xmlns:m="http://schemas.openxmlformats.org/officeDocument/2006/math">
+                      <m:sSup>
+                        <m:sSupPr>
+                          <m:ctrlPr>
+                            <a:rPr lang="en-US" sz="1200" i="1" smtClean="0">
+                              <a:solidFill>
+                                <a:schemeClr val="tx1"/>
+                              </a:solidFill>
+                              <a:latin typeface="Cambria Math" panose="02040503050406030204" pitchFamily="18" charset="0"/>
+                            </a:rPr>
+                          </m:ctrlPr>
+                        </m:sSupPr>
+                        <m:e>
+                          <m:r>
+                            <a:rPr lang="en-US" sz="1200" b="0" i="1" smtClean="0">
+                              <a:solidFill>
+                                <a:schemeClr val="tx1"/>
+                              </a:solidFill>
+                              <a:latin typeface="Cambria Math" panose="02040503050406030204" pitchFamily="18" charset="0"/>
+                            </a:rPr>
+                            <m:t>29</m:t>
+                          </m:r>
+                        </m:e>
+                        <m:sup>
+                          <m:r>
+                            <a:rPr lang="en-US" sz="1200" b="0" i="1" smtClean="0">
+                              <a:solidFill>
+                                <a:schemeClr val="tx1"/>
+                              </a:solidFill>
+                              <a:latin typeface="Cambria Math" panose="02040503050406030204" pitchFamily="18" charset="0"/>
+                            </a:rPr>
+                            <m:t>′</m:t>
+                          </m:r>
+                        </m:sup>
+                      </m:sSup>
+                      <m:r>
+                        <a:rPr lang="en-US" sz="1200" b="0" i="1" smtClean="0">
+                          <a:solidFill>
+                            <a:schemeClr val="tx1"/>
+                          </a:solidFill>
+                          <a:latin typeface="Cambria Math" panose="02040503050406030204" pitchFamily="18" charset="0"/>
+                        </a:rPr>
+                        <m:t>−7" </m:t>
+                      </m:r>
+                    </m:oMath>
+                  </m:oMathPara>
+                </a14:m>
+                <a:endParaRPr lang="en-US" dirty="0"/>
+              </a:p>
+            </p:txBody>
+          </p:sp>
+        </mc:Choice>
+        <mc:Fallback>
+          <p:sp>
+            <p:nvSpPr>
+              <p:cNvPr id="60" name="TextBox 59">
+                <a:extLst>
+                  <a:ext uri="{FF2B5EF4-FFF2-40B4-BE49-F238E27FC236}">
+                    <a16:creationId xmlns:a16="http://schemas.microsoft.com/office/drawing/2014/main" id="{17BB4B03-3F5E-F14C-1C48-CB465C8A5168}"/>
+                  </a:ext>
+                </a:extLst>
+              </p:cNvPr>
+              <p:cNvSpPr txBox="1">
+                <a:spLocks noRot="1" noChangeAspect="1" noMove="1" noResize="1" noEditPoints="1" noAdjustHandles="1" noChangeArrowheads="1" noChangeShapeType="1" noTextEdit="1"/>
+              </p:cNvSpPr>
+              <p:nvPr/>
+            </p:nvSpPr>
+            <p:spPr>
+              <a:xfrm>
+                <a:off x="4276470" y="1960357"/>
+                <a:ext cx="920476" cy="276999"/>
+              </a:xfrm>
+              <a:prstGeom prst="rect">
+                <a:avLst/>
+              </a:prstGeom>
+              <a:blipFill>
+                <a:blip r:embed="rId8"/>
+                <a:stretch>
+                  <a:fillRect/>
+                </a:stretch>
+              </a:blipFill>
+            </p:spPr>
+            <p:txBody>
+              <a:bodyPr/>
+              <a:lstStyle/>
+              <a:p>
+                <a:r>
+                  <a:rPr lang="en-US">
+                    <a:noFill/>
+                  </a:rPr>
+                  <a:t> </a:t>
+                </a:r>
+              </a:p>
+            </p:txBody>
+          </p:sp>
+        </mc:Fallback>
+      </mc:AlternateContent>
+      <p:cxnSp>
+        <p:nvCxnSpPr>
+          <p:cNvPr id="68" name="Straight Connector 67">
+            <a:extLst>
+              <a:ext uri="{FF2B5EF4-FFF2-40B4-BE49-F238E27FC236}">
+                <a16:creationId xmlns:a16="http://schemas.microsoft.com/office/drawing/2014/main" id="{E261E630-A350-3A38-9F72-D9181127B361}"/>
+              </a:ext>
+            </a:extLst>
+          </p:cNvPr>
+          <p:cNvCxnSpPr>
+            <a:cxnSpLocks/>
+          </p:cNvCxnSpPr>
+          <p:nvPr/>
+        </p:nvCxnSpPr>
+        <p:spPr>
+          <a:xfrm flipV="1">
+            <a:off x="6122035" y="2050240"/>
+            <a:ext cx="0" cy="2346960"/>
+          </a:xfrm>
+          <a:prstGeom prst="line">
+            <a:avLst/>
+          </a:prstGeom>
+          <a:ln w="28575">
+            <a:solidFill>
+              <a:schemeClr val="tx1"/>
+            </a:solidFill>
+            <a:prstDash val="lgDashDot"/>
+          </a:ln>
+        </p:spPr>
+        <p:style>
+          <a:lnRef idx="1">
+            <a:schemeClr val="dk1"/>
+          </a:lnRef>
+          <a:fillRef idx="0">
+            <a:schemeClr val="dk1"/>
+          </a:fillRef>
+          <a:effectRef idx="0">
+            <a:schemeClr val="dk1"/>
+          </a:effectRef>
+          <a:fontRef idx="minor">
+            <a:schemeClr val="tx1"/>
+          </a:fontRef>
+        </p:style>
+      </p:cxnSp>
+      <p:sp>
+        <p:nvSpPr>
+          <p:cNvPr id="75" name="Freeform: Shape 74">
+            <a:extLst>
+              <a:ext uri="{FF2B5EF4-FFF2-40B4-BE49-F238E27FC236}">
+                <a16:creationId xmlns:a16="http://schemas.microsoft.com/office/drawing/2014/main" id="{6120EBC5-FF78-69D3-74C8-75EBEEE487A2}"/>
+              </a:ext>
+            </a:extLst>
+          </p:cNvPr>
+          <p:cNvSpPr/>
+          <p:nvPr/>
+        </p:nvSpPr>
+        <p:spPr>
+          <a:xfrm>
+            <a:off x="6178550" y="2006600"/>
+            <a:ext cx="3898900" cy="2660650"/>
+          </a:xfrm>
+          <a:custGeom>
+            <a:avLst/>
+            <a:gdLst>
+              <a:gd name="connsiteX0" fmla="*/ 0 w 3898900"/>
+              <a:gd name="connsiteY0" fmla="*/ 0 h 2660650"/>
+              <a:gd name="connsiteX1" fmla="*/ 0 w 3898900"/>
+              <a:gd name="connsiteY1" fmla="*/ 2343150 h 2660650"/>
+              <a:gd name="connsiteX2" fmla="*/ 165100 w 3898900"/>
+              <a:gd name="connsiteY2" fmla="*/ 2343150 h 2660650"/>
+              <a:gd name="connsiteX3" fmla="*/ 165100 w 3898900"/>
+              <a:gd name="connsiteY3" fmla="*/ 2660650 h 2660650"/>
+              <a:gd name="connsiteX4" fmla="*/ 3898900 w 3898900"/>
+              <a:gd name="connsiteY4" fmla="*/ 2660650 h 2660650"/>
+              <a:gd name="connsiteX5" fmla="*/ 3898900 w 3898900"/>
+              <a:gd name="connsiteY5" fmla="*/ 82550 h 2660650"/>
+              <a:gd name="connsiteX6" fmla="*/ 0 w 3898900"/>
+              <a:gd name="connsiteY6" fmla="*/ 0 h 2660650"/>
+            </a:gdLst>
+            <a:ahLst/>
+            <a:cxnLst>
+              <a:cxn ang="0">
+                <a:pos x="connsiteX0" y="connsiteY0"/>
+              </a:cxn>
+              <a:cxn ang="0">
+                <a:pos x="connsiteX1" y="connsiteY1"/>
+              </a:cxn>
+              <a:cxn ang="0">
+                <a:pos x="connsiteX2" y="connsiteY2"/>
+              </a:cxn>
+              <a:cxn ang="0">
+                <a:pos x="connsiteX3" y="connsiteY3"/>
+              </a:cxn>
+              <a:cxn ang="0">
+                <a:pos x="connsiteX4" y="connsiteY4"/>
+              </a:cxn>
+              <a:cxn ang="0">
+                <a:pos x="connsiteX5" y="connsiteY5"/>
+              </a:cxn>
+              <a:cxn ang="0">
+                <a:pos x="connsiteX6" y="connsiteY6"/>
+              </a:cxn>
+            </a:cxnLst>
+            <a:rect l="l" t="t" r="r" b="b"/>
+            <a:pathLst>
+              <a:path w="3898900" h="2660650">
+                <a:moveTo>
+                  <a:pt x="0" y="0"/>
+                </a:moveTo>
+                <a:lnTo>
+                  <a:pt x="0" y="2343150"/>
+                </a:lnTo>
+                <a:lnTo>
+                  <a:pt x="165100" y="2343150"/>
+                </a:lnTo>
+                <a:lnTo>
+                  <a:pt x="165100" y="2660650"/>
+                </a:lnTo>
+                <a:lnTo>
+                  <a:pt x="3898900" y="2660650"/>
+                </a:lnTo>
+                <a:lnTo>
+                  <a:pt x="3898900" y="82550"/>
+                </a:lnTo>
+                <a:lnTo>
+                  <a:pt x="0" y="0"/>
+                </a:lnTo>
+                <a:close/>
+              </a:path>
+            </a:pathLst>
+          </a:custGeom>
+          <a:solidFill>
+            <a:schemeClr val="bg1"/>
+          </a:solidFill>
+          <a:ln>
+            <a:solidFill>
+              <a:schemeClr val="bg1"/>
+            </a:solidFill>
+          </a:ln>
+        </p:spPr>
+        <p:style>
+          <a:lnRef idx="2">
+            <a:schemeClr val="accent1">
+              <a:shade val="50000"/>
+            </a:schemeClr>
+          </a:lnRef>
+          <a:fillRef idx="1">
+            <a:schemeClr val="accent1"/>
+          </a:fillRef>
+          <a:effectRef idx="0">
+            <a:schemeClr val="accent1"/>
+          </a:effectRef>
+          <a:fontRef idx="minor">
+            <a:schemeClr val="lt1"/>
+          </a:fontRef>
+        </p:style>
+        <p:txBody>
+          <a:bodyPr rtlCol="0" anchor="ctr"/>
+          <a:lstStyle/>
+          <a:p>
+            <a:pPr algn="ctr"/>
+            <a:endParaRPr lang="en-US"/>
+          </a:p>
+        </p:txBody>
+      </p:sp>
     </p:spTree>
     <p:extLst>
       <p:ext uri="{BB962C8B-B14F-4D97-AF65-F5344CB8AC3E}">
         <p14:creationId xmlns:p14="http://schemas.microsoft.com/office/powerpoint/2010/main" val="3804048318"/>
+      </p:ext>
+    </p:extLst>
+  </p:cSld>
+  <p:clrMapOvr>
+    <a:masterClrMapping/>
+  </p:clrMapOvr>
+</p:sld>
+</file>
+
+<file path=ppt/slides/slide4.xml><?xml version="1.0" encoding="utf-8"?>
+<p:sld xmlns:a="http://schemas.openxmlformats.org/drawingml/2006/main" xmlns:r="http://schemas.openxmlformats.org/officeDocument/2006/relationships" xmlns:p="http://schemas.openxmlformats.org/presentationml/2006/main">
+  <p:cSld>
+    <p:spTree>
+      <p:nvGrpSpPr>
+        <p:cNvPr id="1" name=""/>
+        <p:cNvGrpSpPr/>
+        <p:nvPr/>
+      </p:nvGrpSpPr>
+      <p:grpSpPr>
+        <a:xfrm>
+          <a:off x="0" y="0"/>
+          <a:ext cx="0" cy="0"/>
+          <a:chOff x="0" y="0"/>
+          <a:chExt cx="0" cy="0"/>
+        </a:xfrm>
+      </p:grpSpPr>
+      <p:grpSp>
+        <p:nvGrpSpPr>
+          <p:cNvPr id="7" name="Group 6">
+            <a:extLst>
+              <a:ext uri="{FF2B5EF4-FFF2-40B4-BE49-F238E27FC236}">
+                <a16:creationId xmlns:a16="http://schemas.microsoft.com/office/drawing/2014/main" id="{16A8A4CA-01E8-5622-6823-BA27262A9603}"/>
+              </a:ext>
+            </a:extLst>
+          </p:cNvPr>
+          <p:cNvGrpSpPr/>
+          <p:nvPr/>
+        </p:nvGrpSpPr>
+        <p:grpSpPr>
+          <a:xfrm>
+            <a:off x="1320800" y="1079500"/>
+            <a:ext cx="6482482" cy="3361690"/>
+            <a:chOff x="1320800" y="1079500"/>
+            <a:chExt cx="6482482" cy="3361690"/>
+          </a:xfrm>
+        </p:grpSpPr>
+        <p:pic>
+          <p:nvPicPr>
+            <p:cNvPr id="3" name="Picture 2">
+              <a:extLst>
+                <a:ext uri="{FF2B5EF4-FFF2-40B4-BE49-F238E27FC236}">
+                  <a16:creationId xmlns:a16="http://schemas.microsoft.com/office/drawing/2014/main" id="{6F85953C-1EDC-768B-6A88-CECAF4EA0469}"/>
+                </a:ext>
+              </a:extLst>
+            </p:cNvPr>
+            <p:cNvPicPr>
+              <a:picLocks noChangeAspect="1"/>
+            </p:cNvPicPr>
+            <p:nvPr/>
+          </p:nvPicPr>
+          <p:blipFill>
+            <a:blip r:embed="rId2">
+              <a:extLst>
+                <a:ext uri="{28A0092B-C50C-407E-A947-70E740481C1C}">
+                  <a14:useLocalDpi xmlns:a14="http://schemas.microsoft.com/office/drawing/2010/main" val="0"/>
+                </a:ext>
+              </a:extLst>
+            </a:blip>
+            <a:stretch>
+              <a:fillRect/>
+            </a:stretch>
+          </p:blipFill>
+          <p:spPr>
+            <a:xfrm>
+              <a:off x="1356762" y="1667510"/>
+              <a:ext cx="6446520" cy="2773680"/>
+            </a:xfrm>
+            <a:prstGeom prst="rect">
+              <a:avLst/>
+            </a:prstGeom>
+          </p:spPr>
+        </p:pic>
+        <p:sp>
+          <p:nvSpPr>
+            <p:cNvPr id="2" name="Rectangle 1">
+              <a:extLst>
+                <a:ext uri="{FF2B5EF4-FFF2-40B4-BE49-F238E27FC236}">
+                  <a16:creationId xmlns:a16="http://schemas.microsoft.com/office/drawing/2014/main" id="{1776F888-2292-46A5-B8BC-1D203A6CF4E5}"/>
+                </a:ext>
+              </a:extLst>
+            </p:cNvPr>
+            <p:cNvSpPr/>
+            <p:nvPr/>
+          </p:nvSpPr>
+          <p:spPr>
+            <a:xfrm>
+              <a:off x="1320800" y="1079500"/>
+              <a:ext cx="3270249" cy="984250"/>
+            </a:xfrm>
+            <a:prstGeom prst="rect">
+              <a:avLst/>
+            </a:prstGeom>
+            <a:solidFill>
+              <a:schemeClr val="bg1"/>
+            </a:solidFill>
+            <a:ln>
+              <a:solidFill>
+                <a:schemeClr val="bg1"/>
+              </a:solidFill>
+            </a:ln>
+          </p:spPr>
+          <p:style>
+            <a:lnRef idx="2">
+              <a:schemeClr val="accent1">
+                <a:shade val="50000"/>
+              </a:schemeClr>
+            </a:lnRef>
+            <a:fillRef idx="1">
+              <a:schemeClr val="accent1"/>
+            </a:fillRef>
+            <a:effectRef idx="0">
+              <a:schemeClr val="accent1"/>
+            </a:effectRef>
+            <a:fontRef idx="minor">
+              <a:schemeClr val="lt1"/>
+            </a:fontRef>
+          </p:style>
+          <p:txBody>
+            <a:bodyPr rtlCol="0" anchor="ctr"/>
+            <a:lstStyle/>
+            <a:p>
+              <a:pPr algn="ctr"/>
+              <a:endParaRPr lang="en-US"/>
+            </a:p>
+          </p:txBody>
+        </p:sp>
+      </p:grpSp>
+      <p:sp>
+        <p:nvSpPr>
+          <p:cNvPr id="4" name="Freeform: Shape 3">
+            <a:extLst>
+              <a:ext uri="{FF2B5EF4-FFF2-40B4-BE49-F238E27FC236}">
+                <a16:creationId xmlns:a16="http://schemas.microsoft.com/office/drawing/2014/main" id="{51814C83-5126-2983-264A-CDFA454EAC4E}"/>
+              </a:ext>
+            </a:extLst>
+          </p:cNvPr>
+          <p:cNvSpPr/>
+          <p:nvPr/>
+        </p:nvSpPr>
+        <p:spPr>
+          <a:xfrm>
+            <a:off x="5530850" y="1803400"/>
+            <a:ext cx="1212850" cy="895350"/>
+          </a:xfrm>
+          <a:custGeom>
+            <a:avLst/>
+            <a:gdLst>
+              <a:gd name="connsiteX0" fmla="*/ 819150 w 1212850"/>
+              <a:gd name="connsiteY0" fmla="*/ 0 h 895350"/>
+              <a:gd name="connsiteX1" fmla="*/ 0 w 1212850"/>
+              <a:gd name="connsiteY1" fmla="*/ 895350 h 895350"/>
+              <a:gd name="connsiteX2" fmla="*/ 844550 w 1212850"/>
+              <a:gd name="connsiteY2" fmla="*/ 895350 h 895350"/>
+              <a:gd name="connsiteX3" fmla="*/ 1212850 w 1212850"/>
+              <a:gd name="connsiteY3" fmla="*/ 12700 h 895350"/>
+              <a:gd name="connsiteX4" fmla="*/ 819150 w 1212850"/>
+              <a:gd name="connsiteY4" fmla="*/ 0 h 895350"/>
+            </a:gdLst>
+            <a:ahLst/>
+            <a:cxnLst>
+              <a:cxn ang="0">
+                <a:pos x="connsiteX0" y="connsiteY0"/>
+              </a:cxn>
+              <a:cxn ang="0">
+                <a:pos x="connsiteX1" y="connsiteY1"/>
+              </a:cxn>
+              <a:cxn ang="0">
+                <a:pos x="connsiteX2" y="connsiteY2"/>
+              </a:cxn>
+              <a:cxn ang="0">
+                <a:pos x="connsiteX3" y="connsiteY3"/>
+              </a:cxn>
+              <a:cxn ang="0">
+                <a:pos x="connsiteX4" y="connsiteY4"/>
+              </a:cxn>
+            </a:cxnLst>
+            <a:rect l="l" t="t" r="r" b="b"/>
+            <a:pathLst>
+              <a:path w="1212850" h="895350">
+                <a:moveTo>
+                  <a:pt x="819150" y="0"/>
+                </a:moveTo>
+                <a:lnTo>
+                  <a:pt x="0" y="895350"/>
+                </a:lnTo>
+                <a:lnTo>
+                  <a:pt x="844550" y="895350"/>
+                </a:lnTo>
+                <a:lnTo>
+                  <a:pt x="1212850" y="12700"/>
+                </a:lnTo>
+                <a:lnTo>
+                  <a:pt x="819150" y="0"/>
+                </a:lnTo>
+                <a:close/>
+              </a:path>
+            </a:pathLst>
+          </a:custGeom>
+          <a:noFill/>
+          <a:ln>
+            <a:solidFill>
+              <a:srgbClr val="C00000"/>
+            </a:solidFill>
+          </a:ln>
+        </p:spPr>
+        <p:style>
+          <a:lnRef idx="2">
+            <a:schemeClr val="accent1">
+              <a:shade val="50000"/>
+            </a:schemeClr>
+          </a:lnRef>
+          <a:fillRef idx="1">
+            <a:schemeClr val="accent1"/>
+          </a:fillRef>
+          <a:effectRef idx="0">
+            <a:schemeClr val="accent1"/>
+          </a:effectRef>
+          <a:fontRef idx="minor">
+            <a:schemeClr val="lt1"/>
+          </a:fontRef>
+        </p:style>
+        <p:txBody>
+          <a:bodyPr rtlCol="0" anchor="ctr"/>
+          <a:lstStyle/>
+          <a:p>
+            <a:pPr algn="ctr"/>
+            <a:endParaRPr lang="en-US"/>
+          </a:p>
+        </p:txBody>
+      </p:sp>
+      <p:sp>
+        <p:nvSpPr>
+          <p:cNvPr id="5" name="Rectangle 4">
+            <a:extLst>
+              <a:ext uri="{FF2B5EF4-FFF2-40B4-BE49-F238E27FC236}">
+                <a16:creationId xmlns:a16="http://schemas.microsoft.com/office/drawing/2014/main" id="{E4D98346-D9BB-DC0F-F26D-E8BED365187B}"/>
+              </a:ext>
+            </a:extLst>
+          </p:cNvPr>
+          <p:cNvSpPr/>
+          <p:nvPr/>
+        </p:nvSpPr>
+        <p:spPr>
+          <a:xfrm>
+            <a:off x="6026150" y="2628900"/>
+            <a:ext cx="558800" cy="205740"/>
+          </a:xfrm>
+          <a:prstGeom prst="rect">
+            <a:avLst/>
+          </a:prstGeom>
+          <a:noFill/>
+          <a:ln>
+            <a:solidFill>
+              <a:srgbClr val="C00000"/>
+            </a:solidFill>
+          </a:ln>
+        </p:spPr>
+        <p:style>
+          <a:lnRef idx="2">
+            <a:schemeClr val="accent1">
+              <a:shade val="50000"/>
+            </a:schemeClr>
+          </a:lnRef>
+          <a:fillRef idx="1">
+            <a:schemeClr val="accent1"/>
+          </a:fillRef>
+          <a:effectRef idx="0">
+            <a:schemeClr val="accent1"/>
+          </a:effectRef>
+          <a:fontRef idx="minor">
+            <a:schemeClr val="lt1"/>
+          </a:fontRef>
+        </p:style>
+        <p:txBody>
+          <a:bodyPr rtlCol="0" anchor="ctr"/>
+          <a:lstStyle/>
+          <a:p>
+            <a:pPr algn="ctr"/>
+            <a:endParaRPr lang="en-US"/>
+          </a:p>
+        </p:txBody>
+      </p:sp>
+      <p:cxnSp>
+        <p:nvCxnSpPr>
+          <p:cNvPr id="6" name="Straight Connector 5">
+            <a:extLst>
+              <a:ext uri="{FF2B5EF4-FFF2-40B4-BE49-F238E27FC236}">
+                <a16:creationId xmlns:a16="http://schemas.microsoft.com/office/drawing/2014/main" id="{5EE84EDC-9E86-36DF-61F4-237FE42A0F0D}"/>
+              </a:ext>
+            </a:extLst>
+          </p:cNvPr>
+          <p:cNvCxnSpPr>
+            <a:cxnSpLocks/>
+          </p:cNvCxnSpPr>
+          <p:nvPr/>
+        </p:nvCxnSpPr>
+        <p:spPr>
+          <a:xfrm flipH="1">
+            <a:off x="5530850" y="3219450"/>
+            <a:ext cx="1136650" cy="0"/>
+          </a:xfrm>
+          <a:prstGeom prst="line">
+            <a:avLst/>
+          </a:prstGeom>
+          <a:ln w="19050">
+            <a:prstDash val="dashDot"/>
+          </a:ln>
+        </p:spPr>
+        <p:style>
+          <a:lnRef idx="1">
+            <a:schemeClr val="dk1"/>
+          </a:lnRef>
+          <a:fillRef idx="0">
+            <a:schemeClr val="dk1"/>
+          </a:fillRef>
+          <a:effectRef idx="0">
+            <a:schemeClr val="dk1"/>
+          </a:effectRef>
+          <a:fontRef idx="minor">
+            <a:schemeClr val="tx1"/>
+          </a:fontRef>
+        </p:style>
+      </p:cxnSp>
+    </p:spTree>
+    <p:extLst>
+      <p:ext uri="{BB962C8B-B14F-4D97-AF65-F5344CB8AC3E}">
+        <p14:creationId xmlns:p14="http://schemas.microsoft.com/office/powerpoint/2010/main" val="3591047611"/>
       </p:ext>
     </p:extLst>
   </p:cSld>

--- a/TechnicalReport/Figures.pptx
+++ b/TechnicalReport/Figures.pptx
@@ -4941,7 +4941,7 @@
             <p:spPr>
               <a:xfrm>
                 <a:off x="4012605" y="2638455"/>
-                <a:ext cx="345529" cy="276999"/>
+                <a:ext cx="345529" cy="292901"/>
               </a:xfrm>
               <a:prstGeom prst="rect">
                 <a:avLst/>
@@ -4984,24 +4984,40 @@
                           </m:r>
                         </m:e>
                         <m:sub>
-                          <m:r>
-                            <a:rPr lang="en-US" sz="1200" b="0" i="1" smtClean="0">
-                              <a:solidFill>
-                                <a:schemeClr val="accent1"/>
-                              </a:solidFill>
-                              <a:latin typeface="Cambria Math" panose="02040503050406030204" pitchFamily="18" charset="0"/>
-                            </a:rPr>
-                            <m:t>𝑒</m:t>
-                          </m:r>
-                          <m:r>
-                            <a:rPr lang="en-US" sz="1200" b="0" i="1" smtClean="0">
-                              <a:solidFill>
-                                <a:schemeClr val="accent1"/>
-                              </a:solidFill>
-                              <a:latin typeface="Cambria Math" panose="02040503050406030204" pitchFamily="18" charset="0"/>
-                            </a:rPr>
-                            <m:t>12</m:t>
-                          </m:r>
+                          <m:sSub>
+                            <m:sSubPr>
+                              <m:ctrlPr>
+                                <a:rPr lang="en-US" sz="1200" b="0" i="1" smtClean="0">
+                                  <a:solidFill>
+                                    <a:schemeClr val="accent1"/>
+                                  </a:solidFill>
+                                  <a:latin typeface="Cambria Math" panose="02040503050406030204" pitchFamily="18" charset="0"/>
+                                </a:rPr>
+                              </m:ctrlPr>
+                            </m:sSubPr>
+                            <m:e>
+                              <m:r>
+                                <a:rPr lang="en-US" sz="1200" b="0" i="1" smtClean="0">
+                                  <a:solidFill>
+                                    <a:schemeClr val="accent1"/>
+                                  </a:solidFill>
+                                  <a:latin typeface="Cambria Math" panose="02040503050406030204" pitchFamily="18" charset="0"/>
+                                </a:rPr>
+                                <m:t>𝑒</m:t>
+                              </m:r>
+                            </m:e>
+                            <m:sub>
+                              <m:r>
+                                <a:rPr lang="en-US" sz="1200" b="0" i="1" smtClean="0">
+                                  <a:solidFill>
+                                    <a:schemeClr val="accent1"/>
+                                  </a:solidFill>
+                                  <a:latin typeface="Cambria Math" panose="02040503050406030204" pitchFamily="18" charset="0"/>
+                                </a:rPr>
+                                <m:t>12</m:t>
+                              </m:r>
+                            </m:sub>
+                          </m:sSub>
                         </m:sub>
                       </m:sSub>
                     </m:oMath>
@@ -5030,7 +5046,7 @@
             <p:spPr>
               <a:xfrm>
                 <a:off x="4012605" y="2638455"/>
-                <a:ext cx="345529" cy="276999"/>
+                <a:ext cx="345529" cy="292901"/>
               </a:xfrm>
               <a:prstGeom prst="rect">
                 <a:avLst/>
@@ -5038,7 +5054,7 @@
               <a:blipFill>
                 <a:blip r:embed="rId6"/>
                 <a:stretch>
-                  <a:fillRect r="-17544"/>
+                  <a:fillRect r="-8772"/>
                 </a:stretch>
               </a:blipFill>
             </p:spPr>
@@ -6577,6 +6593,58 @@
           </a:fontRef>
         </p:style>
       </p:cxnSp>
+      <p:sp>
+        <p:nvSpPr>
+          <p:cNvPr id="8" name="Rectangle 7">
+            <a:extLst>
+              <a:ext uri="{FF2B5EF4-FFF2-40B4-BE49-F238E27FC236}">
+                <a16:creationId xmlns:a16="http://schemas.microsoft.com/office/drawing/2014/main" id="{D2C46CD9-570E-FE17-3BF7-A7F46183047F}"/>
+              </a:ext>
+            </a:extLst>
+          </p:cNvPr>
+          <p:cNvSpPr/>
+          <p:nvPr/>
+        </p:nvSpPr>
+        <p:spPr>
+          <a:xfrm>
+            <a:off x="2556149" y="4186241"/>
+            <a:ext cx="920475" cy="344374"/>
+          </a:xfrm>
+          <a:prstGeom prst="rect">
+            <a:avLst/>
+          </a:prstGeom>
+          <a:noFill/>
+          <a:ln>
+            <a:solidFill>
+              <a:srgbClr val="C00000"/>
+            </a:solidFill>
+          </a:ln>
+        </p:spPr>
+        <p:style>
+          <a:lnRef idx="2">
+            <a:schemeClr val="accent1">
+              <a:shade val="50000"/>
+            </a:schemeClr>
+          </a:lnRef>
+          <a:fillRef idx="1">
+            <a:schemeClr val="accent1"/>
+          </a:fillRef>
+          <a:effectRef idx="0">
+            <a:schemeClr val="accent1"/>
+          </a:effectRef>
+          <a:fontRef idx="minor">
+            <a:schemeClr val="lt1"/>
+          </a:fontRef>
+        </p:style>
+        <p:txBody>
+          <a:bodyPr rtlCol="0" anchor="ctr"/>
+          <a:lstStyle/>
+          <a:p>
+            <a:pPr algn="ctr"/>
+            <a:endParaRPr lang="en-US"/>
+          </a:p>
+        </p:txBody>
+      </p:sp>
     </p:spTree>
     <p:extLst>
       <p:ext uri="{BB962C8B-B14F-4D97-AF65-F5344CB8AC3E}">
@@ -8635,7 +8703,7 @@
         </p:nvGrpSpPr>
         <p:grpSpPr>
           <a:xfrm>
-            <a:off x="1320800" y="1079500"/>
+            <a:off x="1320800" y="1044891"/>
             <a:ext cx="6482482" cy="3361690"/>
             <a:chOff x="1320800" y="1079500"/>
             <a:chExt cx="6482482" cy="3361690"/>
@@ -8746,8 +8814,8 @@
         </p:nvSpPr>
         <p:spPr>
           <a:xfrm>
-            <a:off x="5530850" y="1803400"/>
-            <a:ext cx="1212850" cy="895350"/>
+            <a:off x="5553076" y="1766378"/>
+            <a:ext cx="1190623" cy="914909"/>
           </a:xfrm>
           <a:custGeom>
             <a:avLst/>
@@ -8762,6 +8830,86 @@
               <a:gd name="connsiteY3" fmla="*/ 12700 h 895350"/>
               <a:gd name="connsiteX4" fmla="*/ 819150 w 1212850"/>
               <a:gd name="connsiteY4" fmla="*/ 0 h 895350"/>
+              <a:gd name="connsiteX0" fmla="*/ 758203 w 1151903"/>
+              <a:gd name="connsiteY0" fmla="*/ 0 h 895350"/>
+              <a:gd name="connsiteX1" fmla="*/ 0 w 1151903"/>
+              <a:gd name="connsiteY1" fmla="*/ 870987 h 895350"/>
+              <a:gd name="connsiteX2" fmla="*/ 783603 w 1151903"/>
+              <a:gd name="connsiteY2" fmla="*/ 895350 h 895350"/>
+              <a:gd name="connsiteX3" fmla="*/ 1151903 w 1151903"/>
+              <a:gd name="connsiteY3" fmla="*/ 12700 h 895350"/>
+              <a:gd name="connsiteX4" fmla="*/ 758203 w 1151903"/>
+              <a:gd name="connsiteY4" fmla="*/ 0 h 895350"/>
+              <a:gd name="connsiteX0" fmla="*/ 770393 w 1151903"/>
+              <a:gd name="connsiteY0" fmla="*/ 0 h 895350"/>
+              <a:gd name="connsiteX1" fmla="*/ 0 w 1151903"/>
+              <a:gd name="connsiteY1" fmla="*/ 870987 h 895350"/>
+              <a:gd name="connsiteX2" fmla="*/ 783603 w 1151903"/>
+              <a:gd name="connsiteY2" fmla="*/ 895350 h 895350"/>
+              <a:gd name="connsiteX3" fmla="*/ 1151903 w 1151903"/>
+              <a:gd name="connsiteY3" fmla="*/ 12700 h 895350"/>
+              <a:gd name="connsiteX4" fmla="*/ 770393 w 1151903"/>
+              <a:gd name="connsiteY4" fmla="*/ 0 h 895350"/>
+              <a:gd name="connsiteX0" fmla="*/ 797819 w 1179329"/>
+              <a:gd name="connsiteY0" fmla="*/ 0 h 895350"/>
+              <a:gd name="connsiteX1" fmla="*/ 0 w 1179329"/>
+              <a:gd name="connsiteY1" fmla="*/ 884692 h 895350"/>
+              <a:gd name="connsiteX2" fmla="*/ 811029 w 1179329"/>
+              <a:gd name="connsiteY2" fmla="*/ 895350 h 895350"/>
+              <a:gd name="connsiteX3" fmla="*/ 1179329 w 1179329"/>
+              <a:gd name="connsiteY3" fmla="*/ 12700 h 895350"/>
+              <a:gd name="connsiteX4" fmla="*/ 797819 w 1179329"/>
+              <a:gd name="connsiteY4" fmla="*/ 0 h 895350"/>
+              <a:gd name="connsiteX0" fmla="*/ 797819 w 1179329"/>
+              <a:gd name="connsiteY0" fmla="*/ 0 h 884692"/>
+              <a:gd name="connsiteX1" fmla="*/ 0 w 1179329"/>
+              <a:gd name="connsiteY1" fmla="*/ 884692 h 884692"/>
+              <a:gd name="connsiteX2" fmla="*/ 817885 w 1179329"/>
+              <a:gd name="connsiteY2" fmla="*/ 883930 h 884692"/>
+              <a:gd name="connsiteX3" fmla="*/ 1179329 w 1179329"/>
+              <a:gd name="connsiteY3" fmla="*/ 12700 h 884692"/>
+              <a:gd name="connsiteX4" fmla="*/ 797819 w 1179329"/>
+              <a:gd name="connsiteY4" fmla="*/ 0 h 884692"/>
+              <a:gd name="connsiteX0" fmla="*/ 797819 w 1179329"/>
+              <a:gd name="connsiteY0" fmla="*/ 0 h 892714"/>
+              <a:gd name="connsiteX1" fmla="*/ 0 w 1179329"/>
+              <a:gd name="connsiteY1" fmla="*/ 884692 h 892714"/>
+              <a:gd name="connsiteX2" fmla="*/ 776746 w 1179329"/>
+              <a:gd name="connsiteY2" fmla="*/ 892714 h 892714"/>
+              <a:gd name="connsiteX3" fmla="*/ 1179329 w 1179329"/>
+              <a:gd name="connsiteY3" fmla="*/ 12700 h 892714"/>
+              <a:gd name="connsiteX4" fmla="*/ 797819 w 1179329"/>
+              <a:gd name="connsiteY4" fmla="*/ 0 h 892714"/>
+              <a:gd name="connsiteX0" fmla="*/ 797819 w 1179329"/>
+              <a:gd name="connsiteY0" fmla="*/ 0 h 884692"/>
+              <a:gd name="connsiteX1" fmla="*/ 0 w 1179329"/>
+              <a:gd name="connsiteY1" fmla="*/ 884692 h 884692"/>
+              <a:gd name="connsiteX2" fmla="*/ 776746 w 1179329"/>
+              <a:gd name="connsiteY2" fmla="*/ 879538 h 884692"/>
+              <a:gd name="connsiteX3" fmla="*/ 1179329 w 1179329"/>
+              <a:gd name="connsiteY3" fmla="*/ 12700 h 884692"/>
+              <a:gd name="connsiteX4" fmla="*/ 797819 w 1179329"/>
+              <a:gd name="connsiteY4" fmla="*/ 0 h 884692"/>
+              <a:gd name="connsiteX0" fmla="*/ 761251 w 1142761"/>
+              <a:gd name="connsiteY0" fmla="*/ 0 h 879538"/>
+              <a:gd name="connsiteX1" fmla="*/ 0 w 1142761"/>
+              <a:gd name="connsiteY1" fmla="*/ 843702 h 879538"/>
+              <a:gd name="connsiteX2" fmla="*/ 740178 w 1142761"/>
+              <a:gd name="connsiteY2" fmla="*/ 879538 h 879538"/>
+              <a:gd name="connsiteX3" fmla="*/ 1142761 w 1142761"/>
+              <a:gd name="connsiteY3" fmla="*/ 12700 h 879538"/>
+              <a:gd name="connsiteX4" fmla="*/ 761251 w 1142761"/>
+              <a:gd name="connsiteY4" fmla="*/ 0 h 879538"/>
+              <a:gd name="connsiteX0" fmla="*/ 761251 w 1142761"/>
+              <a:gd name="connsiteY0" fmla="*/ 0 h 843702"/>
+              <a:gd name="connsiteX1" fmla="*/ 0 w 1142761"/>
+              <a:gd name="connsiteY1" fmla="*/ 843702 h 843702"/>
+              <a:gd name="connsiteX2" fmla="*/ 758462 w 1142761"/>
+              <a:gd name="connsiteY2" fmla="*/ 832692 h 843702"/>
+              <a:gd name="connsiteX3" fmla="*/ 1142761 w 1142761"/>
+              <a:gd name="connsiteY3" fmla="*/ 12700 h 843702"/>
+              <a:gd name="connsiteX4" fmla="*/ 761251 w 1142761"/>
+              <a:gd name="connsiteY4" fmla="*/ 0 h 843702"/>
             </a:gdLst>
             <a:ahLst/>
             <a:cxnLst>
@@ -8783,21 +8931,21 @@
             </a:cxnLst>
             <a:rect l="l" t="t" r="r" b="b"/>
             <a:pathLst>
-              <a:path w="1212850" h="895350">
+              <a:path w="1142761" h="843702">
                 <a:moveTo>
-                  <a:pt x="819150" y="0"/>
+                  <a:pt x="761251" y="0"/>
                 </a:moveTo>
                 <a:lnTo>
-                  <a:pt x="0" y="895350"/>
+                  <a:pt x="0" y="843702"/>
                 </a:lnTo>
                 <a:lnTo>
-                  <a:pt x="844550" y="895350"/>
+                  <a:pt x="758462" y="832692"/>
                 </a:lnTo>
                 <a:lnTo>
-                  <a:pt x="1212850" y="12700"/>
+                  <a:pt x="1142761" y="12700"/>
                 </a:lnTo>
                 <a:lnTo>
-                  <a:pt x="819150" y="0"/>
+                  <a:pt x="761251" y="0"/>
                 </a:lnTo>
                 <a:close/>
               </a:path>
@@ -8835,58 +8983,6 @@
           </a:p>
         </p:txBody>
       </p:sp>
-      <p:sp>
-        <p:nvSpPr>
-          <p:cNvPr id="5" name="Rectangle 4">
-            <a:extLst>
-              <a:ext uri="{FF2B5EF4-FFF2-40B4-BE49-F238E27FC236}">
-                <a16:creationId xmlns:a16="http://schemas.microsoft.com/office/drawing/2014/main" id="{E4D98346-D9BB-DC0F-F26D-E8BED365187B}"/>
-              </a:ext>
-            </a:extLst>
-          </p:cNvPr>
-          <p:cNvSpPr/>
-          <p:nvPr/>
-        </p:nvSpPr>
-        <p:spPr>
-          <a:xfrm>
-            <a:off x="6026150" y="2628900"/>
-            <a:ext cx="558800" cy="205740"/>
-          </a:xfrm>
-          <a:prstGeom prst="rect">
-            <a:avLst/>
-          </a:prstGeom>
-          <a:noFill/>
-          <a:ln>
-            <a:solidFill>
-              <a:srgbClr val="C00000"/>
-            </a:solidFill>
-          </a:ln>
-        </p:spPr>
-        <p:style>
-          <a:lnRef idx="2">
-            <a:schemeClr val="accent1">
-              <a:shade val="50000"/>
-            </a:schemeClr>
-          </a:lnRef>
-          <a:fillRef idx="1">
-            <a:schemeClr val="accent1"/>
-          </a:fillRef>
-          <a:effectRef idx="0">
-            <a:schemeClr val="accent1"/>
-          </a:effectRef>
-          <a:fontRef idx="minor">
-            <a:schemeClr val="lt1"/>
-          </a:fontRef>
-        </p:style>
-        <p:txBody>
-          <a:bodyPr rtlCol="0" anchor="ctr"/>
-          <a:lstStyle/>
-          <a:p>
-            <a:pPr algn="ctr"/>
-            <a:endParaRPr lang="en-US"/>
-          </a:p>
-        </p:txBody>
-      </p:sp>
       <p:cxnSp>
         <p:nvCxnSpPr>
           <p:cNvPr id="6" name="Straight Connector 5">
@@ -8903,8 +8999,8 @@
         </p:nvCxnSpPr>
         <p:spPr>
           <a:xfrm flipH="1">
-            <a:off x="5530850" y="3219450"/>
-            <a:ext cx="1136650" cy="0"/>
+            <a:off x="5403850" y="2682873"/>
+            <a:ext cx="1435100" cy="0"/>
           </a:xfrm>
           <a:prstGeom prst="line">
             <a:avLst/>
@@ -8928,6 +9024,997 @@
           </a:fontRef>
         </p:style>
       </p:cxnSp>
+      <p:cxnSp>
+        <p:nvCxnSpPr>
+          <p:cNvPr id="9" name="Straight Connector 8">
+            <a:extLst>
+              <a:ext uri="{FF2B5EF4-FFF2-40B4-BE49-F238E27FC236}">
+                <a16:creationId xmlns:a16="http://schemas.microsoft.com/office/drawing/2014/main" id="{94DF5C7D-3E38-7561-6FD1-92A4BC6F07BC}"/>
+              </a:ext>
+            </a:extLst>
+          </p:cNvPr>
+          <p:cNvCxnSpPr>
+            <a:cxnSpLocks/>
+          </p:cNvCxnSpPr>
+          <p:nvPr/>
+        </p:nvCxnSpPr>
+        <p:spPr>
+          <a:xfrm>
+            <a:off x="3457575" y="1149350"/>
+            <a:ext cx="0" cy="1943100"/>
+          </a:xfrm>
+          <a:prstGeom prst="line">
+            <a:avLst/>
+          </a:prstGeom>
+          <a:ln w="12700">
+            <a:prstDash val="dash"/>
+          </a:ln>
+        </p:spPr>
+        <p:style>
+          <a:lnRef idx="1">
+            <a:schemeClr val="dk1"/>
+          </a:lnRef>
+          <a:fillRef idx="0">
+            <a:schemeClr val="dk1"/>
+          </a:fillRef>
+          <a:effectRef idx="0">
+            <a:schemeClr val="dk1"/>
+          </a:effectRef>
+          <a:fontRef idx="minor">
+            <a:schemeClr val="tx1"/>
+          </a:fontRef>
+        </p:style>
+      </p:cxnSp>
+      <p:cxnSp>
+        <p:nvCxnSpPr>
+          <p:cNvPr id="13" name="Straight Connector 12">
+            <a:extLst>
+              <a:ext uri="{FF2B5EF4-FFF2-40B4-BE49-F238E27FC236}">
+                <a16:creationId xmlns:a16="http://schemas.microsoft.com/office/drawing/2014/main" id="{CE636953-8331-0ACF-F165-55B8C6307D18}"/>
+              </a:ext>
+            </a:extLst>
+          </p:cNvPr>
+          <p:cNvCxnSpPr>
+            <a:cxnSpLocks/>
+            <a:endCxn id="4" idx="1"/>
+          </p:cNvCxnSpPr>
+          <p:nvPr/>
+        </p:nvCxnSpPr>
+        <p:spPr>
+          <a:xfrm>
+            <a:off x="5514976" y="1149350"/>
+            <a:ext cx="38100" cy="1531937"/>
+          </a:xfrm>
+          <a:prstGeom prst="line">
+            <a:avLst/>
+          </a:prstGeom>
+          <a:ln w="12700">
+            <a:prstDash val="dash"/>
+          </a:ln>
+        </p:spPr>
+        <p:style>
+          <a:lnRef idx="1">
+            <a:schemeClr val="dk1"/>
+          </a:lnRef>
+          <a:fillRef idx="0">
+            <a:schemeClr val="dk1"/>
+          </a:fillRef>
+          <a:effectRef idx="0">
+            <a:schemeClr val="dk1"/>
+          </a:effectRef>
+          <a:fontRef idx="minor">
+            <a:schemeClr val="tx1"/>
+          </a:fontRef>
+        </p:style>
+      </p:cxnSp>
+      <p:cxnSp>
+        <p:nvCxnSpPr>
+          <p:cNvPr id="15" name="Straight Connector 14">
+            <a:extLst>
+              <a:ext uri="{FF2B5EF4-FFF2-40B4-BE49-F238E27FC236}">
+                <a16:creationId xmlns:a16="http://schemas.microsoft.com/office/drawing/2014/main" id="{75A380D2-E144-0372-2A43-EACD2BCA89EF}"/>
+              </a:ext>
+            </a:extLst>
+          </p:cNvPr>
+          <p:cNvCxnSpPr>
+            <a:cxnSpLocks/>
+          </p:cNvCxnSpPr>
+          <p:nvPr/>
+        </p:nvCxnSpPr>
+        <p:spPr>
+          <a:xfrm>
+            <a:off x="6348414" y="1149350"/>
+            <a:ext cx="0" cy="1531937"/>
+          </a:xfrm>
+          <a:prstGeom prst="line">
+            <a:avLst/>
+          </a:prstGeom>
+          <a:ln w="12700">
+            <a:prstDash val="dash"/>
+          </a:ln>
+        </p:spPr>
+        <p:style>
+          <a:lnRef idx="1">
+            <a:schemeClr val="dk1"/>
+          </a:lnRef>
+          <a:fillRef idx="0">
+            <a:schemeClr val="dk1"/>
+          </a:fillRef>
+          <a:effectRef idx="0">
+            <a:schemeClr val="dk1"/>
+          </a:effectRef>
+          <a:fontRef idx="minor">
+            <a:schemeClr val="tx1"/>
+          </a:fontRef>
+        </p:style>
+      </p:cxnSp>
+      <p:cxnSp>
+        <p:nvCxnSpPr>
+          <p:cNvPr id="16" name="Straight Connector 15">
+            <a:extLst>
+              <a:ext uri="{FF2B5EF4-FFF2-40B4-BE49-F238E27FC236}">
+                <a16:creationId xmlns:a16="http://schemas.microsoft.com/office/drawing/2014/main" id="{47FCC208-6733-6B51-B432-EE297D4BFD9F}"/>
+              </a:ext>
+            </a:extLst>
+          </p:cNvPr>
+          <p:cNvCxnSpPr>
+            <a:cxnSpLocks/>
+          </p:cNvCxnSpPr>
+          <p:nvPr/>
+        </p:nvCxnSpPr>
+        <p:spPr>
+          <a:xfrm>
+            <a:off x="6367464" y="1149350"/>
+            <a:ext cx="0" cy="1531937"/>
+          </a:xfrm>
+          <a:prstGeom prst="line">
+            <a:avLst/>
+          </a:prstGeom>
+          <a:ln w="12700">
+            <a:prstDash val="dash"/>
+          </a:ln>
+        </p:spPr>
+        <p:style>
+          <a:lnRef idx="1">
+            <a:schemeClr val="dk1"/>
+          </a:lnRef>
+          <a:fillRef idx="0">
+            <a:schemeClr val="dk1"/>
+          </a:fillRef>
+          <a:effectRef idx="0">
+            <a:schemeClr val="dk1"/>
+          </a:effectRef>
+          <a:fontRef idx="minor">
+            <a:schemeClr val="tx1"/>
+          </a:fontRef>
+        </p:style>
+      </p:cxnSp>
+      <p:cxnSp>
+        <p:nvCxnSpPr>
+          <p:cNvPr id="17" name="Straight Connector 16">
+            <a:extLst>
+              <a:ext uri="{FF2B5EF4-FFF2-40B4-BE49-F238E27FC236}">
+                <a16:creationId xmlns:a16="http://schemas.microsoft.com/office/drawing/2014/main" id="{D77324B5-C662-4670-2105-1F88E083A827}"/>
+              </a:ext>
+            </a:extLst>
+          </p:cNvPr>
+          <p:cNvCxnSpPr>
+            <a:cxnSpLocks/>
+          </p:cNvCxnSpPr>
+          <p:nvPr/>
+        </p:nvCxnSpPr>
+        <p:spPr>
+          <a:xfrm>
+            <a:off x="6738938" y="1149350"/>
+            <a:ext cx="0" cy="1576386"/>
+          </a:xfrm>
+          <a:prstGeom prst="line">
+            <a:avLst/>
+          </a:prstGeom>
+          <a:ln w="12700">
+            <a:prstDash val="dash"/>
+          </a:ln>
+        </p:spPr>
+        <p:style>
+          <a:lnRef idx="1">
+            <a:schemeClr val="dk1"/>
+          </a:lnRef>
+          <a:fillRef idx="0">
+            <a:schemeClr val="dk1"/>
+          </a:fillRef>
+          <a:effectRef idx="0">
+            <a:schemeClr val="dk1"/>
+          </a:effectRef>
+          <a:fontRef idx="minor">
+            <a:schemeClr val="tx1"/>
+          </a:fontRef>
+        </p:style>
+      </p:cxnSp>
+      <mc:AlternateContent xmlns:mc="http://schemas.openxmlformats.org/markup-compatibility/2006">
+        <mc:Choice xmlns:a14="http://schemas.microsoft.com/office/drawing/2010/main" Requires="a14">
+          <p:sp>
+            <p:nvSpPr>
+              <p:cNvPr id="18" name="TextBox 17">
+                <a:extLst>
+                  <a:ext uri="{FF2B5EF4-FFF2-40B4-BE49-F238E27FC236}">
+                    <a16:creationId xmlns:a16="http://schemas.microsoft.com/office/drawing/2014/main" id="{4323BD79-6C8D-9874-564C-98D11C23E769}"/>
+                  </a:ext>
+                </a:extLst>
+              </p:cNvPr>
+              <p:cNvSpPr txBox="1"/>
+              <p:nvPr/>
+            </p:nvSpPr>
+            <p:spPr>
+              <a:xfrm>
+                <a:off x="6362293" y="1307759"/>
+                <a:ext cx="345529" cy="300210"/>
+              </a:xfrm>
+              <a:prstGeom prst="rect">
+                <a:avLst/>
+              </a:prstGeom>
+              <a:noFill/>
+            </p:spPr>
+            <p:txBody>
+              <a:bodyPr wrap="square" rtlCol="0">
+                <a:spAutoFit/>
+              </a:bodyPr>
+              <a:lstStyle/>
+              <a:p>
+                <a:pPr/>
+                <a14:m>
+                  <m:oMathPara xmlns:m="http://schemas.openxmlformats.org/officeDocument/2006/math">
+                    <m:oMathParaPr>
+                      <m:jc m:val="centerGroup"/>
+                    </m:oMathParaPr>
+                    <m:oMath xmlns:m="http://schemas.openxmlformats.org/officeDocument/2006/math">
+                      <m:sSub>
+                        <m:sSubPr>
+                          <m:ctrlPr>
+                            <a:rPr lang="en-US" sz="1200" b="0" i="1" smtClean="0">
+                              <a:solidFill>
+                                <a:schemeClr val="accent1"/>
+                              </a:solidFill>
+                              <a:latin typeface="Cambria Math" panose="02040503050406030204" pitchFamily="18" charset="0"/>
+                            </a:rPr>
+                          </m:ctrlPr>
+                        </m:sSubPr>
+                        <m:e>
+                          <m:r>
+                            <a:rPr lang="en-US" sz="1200" b="0" i="1" smtClean="0">
+                              <a:solidFill>
+                                <a:schemeClr val="accent1"/>
+                              </a:solidFill>
+                              <a:latin typeface="Cambria Math" panose="02040503050406030204" pitchFamily="18" charset="0"/>
+                            </a:rPr>
+                            <m:t>𝐶</m:t>
+                          </m:r>
+                        </m:e>
+                        <m:sub>
+                          <m:sSub>
+                            <m:sSubPr>
+                              <m:ctrlPr>
+                                <a:rPr lang="en-US" sz="1200" b="0" i="1" smtClean="0">
+                                  <a:solidFill>
+                                    <a:schemeClr val="accent1"/>
+                                  </a:solidFill>
+                                  <a:latin typeface="Cambria Math" panose="02040503050406030204" pitchFamily="18" charset="0"/>
+                                </a:rPr>
+                              </m:ctrlPr>
+                            </m:sSubPr>
+                            <m:e>
+                              <m:r>
+                                <a:rPr lang="en-US" sz="1200" b="0" i="1" smtClean="0">
+                                  <a:solidFill>
+                                    <a:schemeClr val="accent1"/>
+                                  </a:solidFill>
+                                  <a:latin typeface="Cambria Math" panose="02040503050406030204" pitchFamily="18" charset="0"/>
+                                </a:rPr>
+                                <m:t>𝑓</m:t>
+                              </m:r>
+                            </m:e>
+                            <m:sub>
+                              <m:r>
+                                <a:rPr lang="en-US" sz="1200" b="0" i="1" smtClean="0">
+                                  <a:solidFill>
+                                    <a:schemeClr val="accent1"/>
+                                  </a:solidFill>
+                                  <a:latin typeface="Cambria Math" panose="02040503050406030204" pitchFamily="18" charset="0"/>
+                                </a:rPr>
+                                <m:t>2</m:t>
+                              </m:r>
+                            </m:sub>
+                          </m:sSub>
+                        </m:sub>
+                      </m:sSub>
+                    </m:oMath>
+                  </m:oMathPara>
+                </a14:m>
+                <a:endParaRPr lang="en-US" dirty="0"/>
+              </a:p>
+            </p:txBody>
+          </p:sp>
+        </mc:Choice>
+        <mc:Fallback>
+          <p:sp>
+            <p:nvSpPr>
+              <p:cNvPr id="18" name="TextBox 17">
+                <a:extLst>
+                  <a:ext uri="{FF2B5EF4-FFF2-40B4-BE49-F238E27FC236}">
+                    <a16:creationId xmlns:a16="http://schemas.microsoft.com/office/drawing/2014/main" id="{4323BD79-6C8D-9874-564C-98D11C23E769}"/>
+                  </a:ext>
+                </a:extLst>
+              </p:cNvPr>
+              <p:cNvSpPr txBox="1">
+                <a:spLocks noRot="1" noChangeAspect="1" noMove="1" noResize="1" noEditPoints="1" noAdjustHandles="1" noChangeArrowheads="1" noChangeShapeType="1" noTextEdit="1"/>
+              </p:cNvSpPr>
+              <p:nvPr/>
+            </p:nvSpPr>
+            <p:spPr>
+              <a:xfrm>
+                <a:off x="6362293" y="1307759"/>
+                <a:ext cx="345529" cy="300210"/>
+              </a:xfrm>
+              <a:prstGeom prst="rect">
+                <a:avLst/>
+              </a:prstGeom>
+              <a:blipFill>
+                <a:blip r:embed="rId3"/>
+                <a:stretch>
+                  <a:fillRect/>
+                </a:stretch>
+              </a:blipFill>
+            </p:spPr>
+            <p:txBody>
+              <a:bodyPr/>
+              <a:lstStyle/>
+              <a:p>
+                <a:r>
+                  <a:rPr lang="en-US">
+                    <a:noFill/>
+                  </a:rPr>
+                  <a:t> </a:t>
+                </a:r>
+              </a:p>
+            </p:txBody>
+          </p:sp>
+        </mc:Fallback>
+      </mc:AlternateContent>
+      <mc:AlternateContent xmlns:mc="http://schemas.openxmlformats.org/markup-compatibility/2006">
+        <mc:Choice xmlns:a14="http://schemas.microsoft.com/office/drawing/2010/main" Requires="a14">
+          <p:sp>
+            <p:nvSpPr>
+              <p:cNvPr id="19" name="TextBox 18">
+                <a:extLst>
+                  <a:ext uri="{FF2B5EF4-FFF2-40B4-BE49-F238E27FC236}">
+                    <a16:creationId xmlns:a16="http://schemas.microsoft.com/office/drawing/2014/main" id="{6BF30D33-3565-39C2-396E-FD261989D494}"/>
+                  </a:ext>
+                </a:extLst>
+              </p:cNvPr>
+              <p:cNvSpPr txBox="1"/>
+              <p:nvPr/>
+            </p:nvSpPr>
+            <p:spPr>
+              <a:xfrm>
+                <a:off x="4140746" y="1020398"/>
+                <a:ext cx="345529" cy="300210"/>
+              </a:xfrm>
+              <a:prstGeom prst="rect">
+                <a:avLst/>
+              </a:prstGeom>
+              <a:noFill/>
+            </p:spPr>
+            <p:txBody>
+              <a:bodyPr wrap="square" rtlCol="0">
+                <a:spAutoFit/>
+              </a:bodyPr>
+              <a:lstStyle/>
+              <a:p>
+                <a:pPr/>
+                <a14:m>
+                  <m:oMathPara xmlns:m="http://schemas.openxmlformats.org/officeDocument/2006/math">
+                    <m:oMathParaPr>
+                      <m:jc m:val="centerGroup"/>
+                    </m:oMathParaPr>
+                    <m:oMath xmlns:m="http://schemas.openxmlformats.org/officeDocument/2006/math">
+                      <m:sSub>
+                        <m:sSubPr>
+                          <m:ctrlPr>
+                            <a:rPr lang="en-US" sz="1200" b="0" i="1" smtClean="0">
+                              <a:solidFill>
+                                <a:schemeClr val="accent1"/>
+                              </a:solidFill>
+                              <a:latin typeface="Cambria Math" panose="02040503050406030204" pitchFamily="18" charset="0"/>
+                            </a:rPr>
+                          </m:ctrlPr>
+                        </m:sSubPr>
+                        <m:e>
+                          <m:r>
+                            <a:rPr lang="en-US" sz="1200" b="0" i="1" smtClean="0">
+                              <a:solidFill>
+                                <a:schemeClr val="accent1"/>
+                              </a:solidFill>
+                              <a:latin typeface="Cambria Math" panose="02040503050406030204" pitchFamily="18" charset="0"/>
+                            </a:rPr>
+                            <m:t>𝑑</m:t>
+                          </m:r>
+                        </m:e>
+                        <m:sub>
+                          <m:sSub>
+                            <m:sSubPr>
+                              <m:ctrlPr>
+                                <a:rPr lang="en-US" sz="1200" b="0" i="1" smtClean="0">
+                                  <a:solidFill>
+                                    <a:schemeClr val="accent1"/>
+                                  </a:solidFill>
+                                  <a:latin typeface="Cambria Math" panose="02040503050406030204" pitchFamily="18" charset="0"/>
+                                </a:rPr>
+                              </m:ctrlPr>
+                            </m:sSubPr>
+                            <m:e>
+                              <m:r>
+                                <a:rPr lang="en-US" sz="1200" b="0" i="1" smtClean="0">
+                                  <a:solidFill>
+                                    <a:schemeClr val="accent1"/>
+                                  </a:solidFill>
+                                  <a:latin typeface="Cambria Math" panose="02040503050406030204" pitchFamily="18" charset="0"/>
+                                </a:rPr>
+                                <m:t>𝑤</m:t>
+                              </m:r>
+                              <m:r>
+                                <a:rPr lang="en-US" sz="1200" b="0" i="1" smtClean="0">
+                                  <a:solidFill>
+                                    <a:schemeClr val="accent1"/>
+                                  </a:solidFill>
+                                  <a:latin typeface="Cambria Math" panose="02040503050406030204" pitchFamily="18" charset="0"/>
+                                </a:rPr>
+                                <m:t>𝑓</m:t>
+                              </m:r>
+                            </m:e>
+                            <m:sub>
+                              <m:r>
+                                <a:rPr lang="en-US" sz="1200" b="0" i="1" smtClean="0">
+                                  <a:solidFill>
+                                    <a:schemeClr val="accent1"/>
+                                  </a:solidFill>
+                                  <a:latin typeface="Cambria Math" panose="02040503050406030204" pitchFamily="18" charset="0"/>
+                                </a:rPr>
+                                <m:t>𝑥</m:t>
+                              </m:r>
+                            </m:sub>
+                          </m:sSub>
+                        </m:sub>
+                      </m:sSub>
+                    </m:oMath>
+                  </m:oMathPara>
+                </a14:m>
+                <a:endParaRPr lang="en-US" dirty="0"/>
+              </a:p>
+            </p:txBody>
+          </p:sp>
+        </mc:Choice>
+        <mc:Fallback>
+          <p:sp>
+            <p:nvSpPr>
+              <p:cNvPr id="19" name="TextBox 18">
+                <a:extLst>
+                  <a:ext uri="{FF2B5EF4-FFF2-40B4-BE49-F238E27FC236}">
+                    <a16:creationId xmlns:a16="http://schemas.microsoft.com/office/drawing/2014/main" id="{6BF30D33-3565-39C2-396E-FD261989D494}"/>
+                  </a:ext>
+                </a:extLst>
+              </p:cNvPr>
+              <p:cNvSpPr txBox="1">
+                <a:spLocks noRot="1" noChangeAspect="1" noMove="1" noResize="1" noEditPoints="1" noAdjustHandles="1" noChangeArrowheads="1" noChangeShapeType="1" noTextEdit="1"/>
+              </p:cNvSpPr>
+              <p:nvPr/>
+            </p:nvSpPr>
+            <p:spPr>
+              <a:xfrm>
+                <a:off x="4140746" y="1020398"/>
+                <a:ext cx="345529" cy="300210"/>
+              </a:xfrm>
+              <a:prstGeom prst="rect">
+                <a:avLst/>
+              </a:prstGeom>
+              <a:blipFill>
+                <a:blip r:embed="rId4"/>
+                <a:stretch>
+                  <a:fillRect r="-19298"/>
+                </a:stretch>
+              </a:blipFill>
+            </p:spPr>
+            <p:txBody>
+              <a:bodyPr/>
+              <a:lstStyle/>
+              <a:p>
+                <a:r>
+                  <a:rPr lang="en-US">
+                    <a:noFill/>
+                  </a:rPr>
+                  <a:t> </a:t>
+                </a:r>
+              </a:p>
+            </p:txBody>
+          </p:sp>
+        </mc:Fallback>
+      </mc:AlternateContent>
+      <p:cxnSp>
+        <p:nvCxnSpPr>
+          <p:cNvPr id="20" name="Straight Arrow Connector 19">
+            <a:extLst>
+              <a:ext uri="{FF2B5EF4-FFF2-40B4-BE49-F238E27FC236}">
+                <a16:creationId xmlns:a16="http://schemas.microsoft.com/office/drawing/2014/main" id="{0C4E3552-A739-FB68-8F58-7CA2DA3E82CB}"/>
+              </a:ext>
+            </a:extLst>
+          </p:cNvPr>
+          <p:cNvCxnSpPr>
+            <a:cxnSpLocks/>
+          </p:cNvCxnSpPr>
+          <p:nvPr/>
+        </p:nvCxnSpPr>
+        <p:spPr>
+          <a:xfrm flipH="1">
+            <a:off x="3457575" y="1308524"/>
+            <a:ext cx="2057401" cy="0"/>
+          </a:xfrm>
+          <a:prstGeom prst="straightConnector1">
+            <a:avLst/>
+          </a:prstGeom>
+          <a:ln w="12700">
+            <a:solidFill>
+              <a:srgbClr val="002060"/>
+            </a:solidFill>
+            <a:headEnd type="triangle" w="sm" len="sm"/>
+            <a:tailEnd type="triangle" w="sm" len="sm"/>
+          </a:ln>
+        </p:spPr>
+        <p:style>
+          <a:lnRef idx="1">
+            <a:schemeClr val="accent1"/>
+          </a:lnRef>
+          <a:fillRef idx="0">
+            <a:schemeClr val="accent1"/>
+          </a:fillRef>
+          <a:effectRef idx="0">
+            <a:schemeClr val="accent1"/>
+          </a:effectRef>
+          <a:fontRef idx="minor">
+            <a:schemeClr val="tx1"/>
+          </a:fontRef>
+        </p:style>
+      </p:cxnSp>
+      <p:cxnSp>
+        <p:nvCxnSpPr>
+          <p:cNvPr id="22" name="Straight Arrow Connector 21">
+            <a:extLst>
+              <a:ext uri="{FF2B5EF4-FFF2-40B4-BE49-F238E27FC236}">
+                <a16:creationId xmlns:a16="http://schemas.microsoft.com/office/drawing/2014/main" id="{00B04CF5-A905-92EA-6527-ABA6D53F73A3}"/>
+              </a:ext>
+            </a:extLst>
+          </p:cNvPr>
+          <p:cNvCxnSpPr>
+            <a:cxnSpLocks/>
+          </p:cNvCxnSpPr>
+          <p:nvPr/>
+        </p:nvCxnSpPr>
+        <p:spPr>
+          <a:xfrm flipH="1">
+            <a:off x="5514976" y="1308524"/>
+            <a:ext cx="852488" cy="0"/>
+          </a:xfrm>
+          <a:prstGeom prst="straightConnector1">
+            <a:avLst/>
+          </a:prstGeom>
+          <a:ln w="12700">
+            <a:solidFill>
+              <a:srgbClr val="002060"/>
+            </a:solidFill>
+            <a:headEnd type="triangle" w="sm" len="sm"/>
+            <a:tailEnd type="triangle" w="sm" len="sm"/>
+          </a:ln>
+        </p:spPr>
+        <p:style>
+          <a:lnRef idx="1">
+            <a:schemeClr val="accent1"/>
+          </a:lnRef>
+          <a:fillRef idx="0">
+            <a:schemeClr val="accent1"/>
+          </a:fillRef>
+          <a:effectRef idx="0">
+            <a:schemeClr val="accent1"/>
+          </a:effectRef>
+          <a:fontRef idx="minor">
+            <a:schemeClr val="tx1"/>
+          </a:fontRef>
+        </p:style>
+      </p:cxnSp>
+      <p:cxnSp>
+        <p:nvCxnSpPr>
+          <p:cNvPr id="24" name="Straight Arrow Connector 23">
+            <a:extLst>
+              <a:ext uri="{FF2B5EF4-FFF2-40B4-BE49-F238E27FC236}">
+                <a16:creationId xmlns:a16="http://schemas.microsoft.com/office/drawing/2014/main" id="{4D586201-B44B-BD1A-91C7-7F5BD034E3CB}"/>
+              </a:ext>
+            </a:extLst>
+          </p:cNvPr>
+          <p:cNvCxnSpPr>
+            <a:cxnSpLocks/>
+          </p:cNvCxnSpPr>
+          <p:nvPr/>
+        </p:nvCxnSpPr>
+        <p:spPr>
+          <a:xfrm flipH="1">
+            <a:off x="6348414" y="1607969"/>
+            <a:ext cx="390524" cy="0"/>
+          </a:xfrm>
+          <a:prstGeom prst="straightConnector1">
+            <a:avLst/>
+          </a:prstGeom>
+          <a:ln w="12700">
+            <a:solidFill>
+              <a:srgbClr val="002060"/>
+            </a:solidFill>
+            <a:headEnd type="triangle" w="sm" len="sm"/>
+            <a:tailEnd type="triangle" w="sm" len="sm"/>
+          </a:ln>
+        </p:spPr>
+        <p:style>
+          <a:lnRef idx="1">
+            <a:schemeClr val="accent1"/>
+          </a:lnRef>
+          <a:fillRef idx="0">
+            <a:schemeClr val="accent1"/>
+          </a:fillRef>
+          <a:effectRef idx="0">
+            <a:schemeClr val="accent1"/>
+          </a:effectRef>
+          <a:fontRef idx="minor">
+            <a:schemeClr val="tx1"/>
+          </a:fontRef>
+        </p:style>
+      </p:cxnSp>
+      <mc:AlternateContent xmlns:mc="http://schemas.openxmlformats.org/markup-compatibility/2006">
+        <mc:Choice xmlns:a14="http://schemas.microsoft.com/office/drawing/2010/main" Requires="a14">
+          <p:sp>
+            <p:nvSpPr>
+              <p:cNvPr id="26" name="TextBox 25">
+                <a:extLst>
+                  <a:ext uri="{FF2B5EF4-FFF2-40B4-BE49-F238E27FC236}">
+                    <a16:creationId xmlns:a16="http://schemas.microsoft.com/office/drawing/2014/main" id="{99D64392-B7CC-7BFE-5A50-4FABC8A0E295}"/>
+                  </a:ext>
+                </a:extLst>
+              </p:cNvPr>
+              <p:cNvSpPr txBox="1"/>
+              <p:nvPr/>
+            </p:nvSpPr>
+            <p:spPr>
+              <a:xfrm>
+                <a:off x="5728246" y="960741"/>
+                <a:ext cx="345529" cy="300210"/>
+              </a:xfrm>
+              <a:prstGeom prst="rect">
+                <a:avLst/>
+              </a:prstGeom>
+              <a:noFill/>
+            </p:spPr>
+            <p:txBody>
+              <a:bodyPr wrap="square" rtlCol="0">
+                <a:spAutoFit/>
+              </a:bodyPr>
+              <a:lstStyle/>
+              <a:p>
+                <a:pPr/>
+                <a14:m>
+                  <m:oMathPara xmlns:m="http://schemas.openxmlformats.org/officeDocument/2006/math">
+                    <m:oMathParaPr>
+                      <m:jc m:val="centerGroup"/>
+                    </m:oMathParaPr>
+                    <m:oMath xmlns:m="http://schemas.openxmlformats.org/officeDocument/2006/math">
+                      <m:sSub>
+                        <m:sSubPr>
+                          <m:ctrlPr>
+                            <a:rPr lang="en-US" sz="1200" b="0" i="1" smtClean="0">
+                              <a:solidFill>
+                                <a:schemeClr val="accent1"/>
+                              </a:solidFill>
+                              <a:latin typeface="Cambria Math" panose="02040503050406030204" pitchFamily="18" charset="0"/>
+                            </a:rPr>
+                          </m:ctrlPr>
+                        </m:sSubPr>
+                        <m:e>
+                          <m:r>
+                            <a:rPr lang="en-US" sz="1200" b="0" i="1" smtClean="0">
+                              <a:solidFill>
+                                <a:schemeClr val="accent1"/>
+                              </a:solidFill>
+                              <a:latin typeface="Cambria Math" panose="02040503050406030204" pitchFamily="18" charset="0"/>
+                            </a:rPr>
+                            <m:t>𝐶</m:t>
+                          </m:r>
+                        </m:e>
+                        <m:sub>
+                          <m:sSub>
+                            <m:sSubPr>
+                              <m:ctrlPr>
+                                <a:rPr lang="en-US" sz="1200" b="0" i="1" smtClean="0">
+                                  <a:solidFill>
+                                    <a:schemeClr val="accent1"/>
+                                  </a:solidFill>
+                                  <a:latin typeface="Cambria Math" panose="02040503050406030204" pitchFamily="18" charset="0"/>
+                                </a:rPr>
+                              </m:ctrlPr>
+                            </m:sSubPr>
+                            <m:e>
+                              <m:r>
+                                <a:rPr lang="en-US" sz="1200" b="0" i="1" smtClean="0">
+                                  <a:solidFill>
+                                    <a:schemeClr val="accent1"/>
+                                  </a:solidFill>
+                                  <a:latin typeface="Cambria Math" panose="02040503050406030204" pitchFamily="18" charset="0"/>
+                                </a:rPr>
+                                <m:t>𝑓</m:t>
+                              </m:r>
+                            </m:e>
+                            <m:sub>
+                              <m:r>
+                                <a:rPr lang="en-US" sz="1200" b="0" i="1" smtClean="0">
+                                  <a:solidFill>
+                                    <a:schemeClr val="accent1"/>
+                                  </a:solidFill>
+                                  <a:latin typeface="Cambria Math" panose="02040503050406030204" pitchFamily="18" charset="0"/>
+                                </a:rPr>
+                                <m:t>1</m:t>
+                              </m:r>
+                            </m:sub>
+                          </m:sSub>
+                        </m:sub>
+                      </m:sSub>
+                    </m:oMath>
+                  </m:oMathPara>
+                </a14:m>
+                <a:endParaRPr lang="en-US" dirty="0"/>
+              </a:p>
+            </p:txBody>
+          </p:sp>
+        </mc:Choice>
+        <mc:Fallback>
+          <p:sp>
+            <p:nvSpPr>
+              <p:cNvPr id="26" name="TextBox 25">
+                <a:extLst>
+                  <a:ext uri="{FF2B5EF4-FFF2-40B4-BE49-F238E27FC236}">
+                    <a16:creationId xmlns:a16="http://schemas.microsoft.com/office/drawing/2014/main" id="{99D64392-B7CC-7BFE-5A50-4FABC8A0E295}"/>
+                  </a:ext>
+                </a:extLst>
+              </p:cNvPr>
+              <p:cNvSpPr txBox="1">
+                <a:spLocks noRot="1" noChangeAspect="1" noMove="1" noResize="1" noEditPoints="1" noAdjustHandles="1" noChangeArrowheads="1" noChangeShapeType="1" noTextEdit="1"/>
+              </p:cNvSpPr>
+              <p:nvPr/>
+            </p:nvSpPr>
+            <p:spPr>
+              <a:xfrm>
+                <a:off x="5728246" y="960741"/>
+                <a:ext cx="345529" cy="300210"/>
+              </a:xfrm>
+              <a:prstGeom prst="rect">
+                <a:avLst/>
+              </a:prstGeom>
+              <a:blipFill>
+                <a:blip r:embed="rId5"/>
+                <a:stretch>
+                  <a:fillRect/>
+                </a:stretch>
+              </a:blipFill>
+            </p:spPr>
+            <p:txBody>
+              <a:bodyPr/>
+              <a:lstStyle/>
+              <a:p>
+                <a:r>
+                  <a:rPr lang="en-US">
+                    <a:noFill/>
+                  </a:rPr>
+                  <a:t> </a:t>
+                </a:r>
+              </a:p>
+            </p:txBody>
+          </p:sp>
+        </mc:Fallback>
+      </mc:AlternateContent>
+      <p:cxnSp>
+        <p:nvCxnSpPr>
+          <p:cNvPr id="28" name="Straight Arrow Connector 27">
+            <a:extLst>
+              <a:ext uri="{FF2B5EF4-FFF2-40B4-BE49-F238E27FC236}">
+                <a16:creationId xmlns:a16="http://schemas.microsoft.com/office/drawing/2014/main" id="{2DC904ED-0BD2-F09B-1978-08FC2EBE7EF4}"/>
+              </a:ext>
+            </a:extLst>
+          </p:cNvPr>
+          <p:cNvCxnSpPr>
+            <a:cxnSpLocks/>
+          </p:cNvCxnSpPr>
+          <p:nvPr/>
+        </p:nvCxnSpPr>
+        <p:spPr>
+          <a:xfrm flipH="1">
+            <a:off x="5514976" y="1607969"/>
+            <a:ext cx="833438" cy="0"/>
+          </a:xfrm>
+          <a:prstGeom prst="straightConnector1">
+            <a:avLst/>
+          </a:prstGeom>
+          <a:ln w="12700">
+            <a:solidFill>
+              <a:srgbClr val="002060"/>
+            </a:solidFill>
+            <a:headEnd type="triangle" w="sm" len="sm"/>
+            <a:tailEnd type="triangle" w="sm" len="sm"/>
+          </a:ln>
+        </p:spPr>
+        <p:style>
+          <a:lnRef idx="1">
+            <a:schemeClr val="accent1"/>
+          </a:lnRef>
+          <a:fillRef idx="0">
+            <a:schemeClr val="accent1"/>
+          </a:fillRef>
+          <a:effectRef idx="0">
+            <a:schemeClr val="accent1"/>
+          </a:effectRef>
+          <a:fontRef idx="minor">
+            <a:schemeClr val="tx1"/>
+          </a:fontRef>
+        </p:style>
+      </p:cxnSp>
+      <mc:AlternateContent xmlns:mc="http://schemas.openxmlformats.org/markup-compatibility/2006">
+        <mc:Choice xmlns:a14="http://schemas.microsoft.com/office/drawing/2010/main" Requires="a14">
+          <p:sp>
+            <p:nvSpPr>
+              <p:cNvPr id="30" name="TextBox 29">
+                <a:extLst>
+                  <a:ext uri="{FF2B5EF4-FFF2-40B4-BE49-F238E27FC236}">
+                    <a16:creationId xmlns:a16="http://schemas.microsoft.com/office/drawing/2014/main" id="{BEA3F9D7-80CF-383D-481B-38F694101707}"/>
+                  </a:ext>
+                </a:extLst>
+              </p:cNvPr>
+              <p:cNvSpPr txBox="1"/>
+              <p:nvPr/>
+            </p:nvSpPr>
+            <p:spPr>
+              <a:xfrm>
+                <a:off x="5728246" y="1298709"/>
+                <a:ext cx="345529" cy="300210"/>
+              </a:xfrm>
+              <a:prstGeom prst="rect">
+                <a:avLst/>
+              </a:prstGeom>
+              <a:noFill/>
+            </p:spPr>
+            <p:txBody>
+              <a:bodyPr wrap="square" rtlCol="0">
+                <a:spAutoFit/>
+              </a:bodyPr>
+              <a:lstStyle/>
+              <a:p>
+                <a:pPr/>
+                <a14:m>
+                  <m:oMathPara xmlns:m="http://schemas.openxmlformats.org/officeDocument/2006/math">
+                    <m:oMathParaPr>
+                      <m:jc m:val="centerGroup"/>
+                    </m:oMathParaPr>
+                    <m:oMath xmlns:m="http://schemas.openxmlformats.org/officeDocument/2006/math">
+                      <m:sSub>
+                        <m:sSubPr>
+                          <m:ctrlPr>
+                            <a:rPr lang="en-US" sz="1200" b="0" i="1" smtClean="0">
+                              <a:solidFill>
+                                <a:schemeClr val="accent1"/>
+                              </a:solidFill>
+                              <a:latin typeface="Cambria Math" panose="02040503050406030204" pitchFamily="18" charset="0"/>
+                            </a:rPr>
+                          </m:ctrlPr>
+                        </m:sSubPr>
+                        <m:e>
+                          <m:r>
+                            <a:rPr lang="en-US" sz="1200" b="0" i="1" smtClean="0">
+                              <a:solidFill>
+                                <a:schemeClr val="accent1"/>
+                              </a:solidFill>
+                              <a:latin typeface="Cambria Math" panose="02040503050406030204" pitchFamily="18" charset="0"/>
+                            </a:rPr>
+                            <m:t>0</m:t>
+                          </m:r>
+                        </m:e>
+                        <m:sub>
+                          <m:sSub>
+                            <m:sSubPr>
+                              <m:ctrlPr>
+                                <a:rPr lang="en-US" sz="1200" b="0" i="1" smtClean="0">
+                                  <a:solidFill>
+                                    <a:schemeClr val="accent1"/>
+                                  </a:solidFill>
+                                  <a:latin typeface="Cambria Math" panose="02040503050406030204" pitchFamily="18" charset="0"/>
+                                </a:rPr>
+                              </m:ctrlPr>
+                            </m:sSubPr>
+                            <m:e>
+                              <m:r>
+                                <a:rPr lang="en-US" sz="1200" b="0" i="1" smtClean="0">
+                                  <a:solidFill>
+                                    <a:schemeClr val="accent1"/>
+                                  </a:solidFill>
+                                  <a:latin typeface="Cambria Math" panose="02040503050406030204" pitchFamily="18" charset="0"/>
+                                </a:rPr>
+                                <m:t>𝑓</m:t>
+                              </m:r>
+                            </m:e>
+                            <m:sub>
+                              <m:r>
+                                <a:rPr lang="en-US" sz="1200" b="0" i="1" smtClean="0">
+                                  <a:solidFill>
+                                    <a:schemeClr val="accent1"/>
+                                  </a:solidFill>
+                                  <a:latin typeface="Cambria Math" panose="02040503050406030204" pitchFamily="18" charset="0"/>
+                                </a:rPr>
+                                <m:t>12</m:t>
+                              </m:r>
+                            </m:sub>
+                          </m:sSub>
+                        </m:sub>
+                      </m:sSub>
+                    </m:oMath>
+                  </m:oMathPara>
+                </a14:m>
+                <a:endParaRPr lang="en-US" dirty="0"/>
+              </a:p>
+            </p:txBody>
+          </p:sp>
+        </mc:Choice>
+        <mc:Fallback>
+          <p:sp>
+            <p:nvSpPr>
+              <p:cNvPr id="30" name="TextBox 29">
+                <a:extLst>
+                  <a:ext uri="{FF2B5EF4-FFF2-40B4-BE49-F238E27FC236}">
+                    <a16:creationId xmlns:a16="http://schemas.microsoft.com/office/drawing/2014/main" id="{BEA3F9D7-80CF-383D-481B-38F694101707}"/>
+                  </a:ext>
+                </a:extLst>
+              </p:cNvPr>
+              <p:cNvSpPr txBox="1">
+                <a:spLocks noRot="1" noChangeAspect="1" noMove="1" noResize="1" noEditPoints="1" noAdjustHandles="1" noChangeArrowheads="1" noChangeShapeType="1" noTextEdit="1"/>
+              </p:cNvSpPr>
+              <p:nvPr/>
+            </p:nvSpPr>
+            <p:spPr>
+              <a:xfrm>
+                <a:off x="5728246" y="1298709"/>
+                <a:ext cx="345529" cy="300210"/>
+              </a:xfrm>
+              <a:prstGeom prst="rect">
+                <a:avLst/>
+              </a:prstGeom>
+              <a:blipFill>
+                <a:blip r:embed="rId6"/>
+                <a:stretch>
+                  <a:fillRect r="-5357"/>
+                </a:stretch>
+              </a:blipFill>
+            </p:spPr>
+            <p:txBody>
+              <a:bodyPr/>
+              <a:lstStyle/>
+              <a:p>
+                <a:r>
+                  <a:rPr lang="en-US">
+                    <a:noFill/>
+                  </a:rPr>
+                  <a:t> </a:t>
+                </a:r>
+              </a:p>
+            </p:txBody>
+          </p:sp>
+        </mc:Fallback>
+      </mc:AlternateContent>
     </p:spTree>
     <p:extLst>
       <p:ext uri="{BB962C8B-B14F-4D97-AF65-F5344CB8AC3E}">

--- a/TechnicalReport/Figures.pptx
+++ b/TechnicalReport/Figures.pptx
@@ -6308,40 +6308,15 @@
                       <m:jc m:val="centerGroup"/>
                     </m:oMathParaPr>
                     <m:oMath xmlns:m="http://schemas.openxmlformats.org/officeDocument/2006/math">
-                      <m:sSup>
-                        <m:sSupPr>
-                          <m:ctrlPr>
-                            <a:rPr lang="en-US" sz="1200" i="1" smtClean="0">
-                              <a:solidFill>
-                                <a:schemeClr val="tx1"/>
-                              </a:solidFill>
-                              <a:latin typeface="Cambria Math" panose="02040503050406030204" pitchFamily="18" charset="0"/>
-                            </a:rPr>
-                          </m:ctrlPr>
-                        </m:sSupPr>
-                        <m:e>
-                          <m:r>
-                            <a:rPr lang="en-US" sz="1200" b="0" i="1" smtClean="0">
-                              <a:solidFill>
-                                <a:schemeClr val="tx1"/>
-                              </a:solidFill>
-                              <a:latin typeface="Cambria Math" panose="02040503050406030204" pitchFamily="18" charset="0"/>
-                            </a:rPr>
-                            <m:t>29</m:t>
-                          </m:r>
-                        </m:e>
-                        <m:sup>
-                          <m:r>
-                            <a:rPr lang="en-US" sz="1200" b="0" i="1" smtClean="0">
-                              <a:solidFill>
-                                <a:schemeClr val="tx1"/>
-                              </a:solidFill>
-                              <a:latin typeface="Cambria Math" panose="02040503050406030204" pitchFamily="18" charset="0"/>
-                            </a:rPr>
-                            <m:t>′</m:t>
-                          </m:r>
-                        </m:sup>
-                      </m:sSup>
+                      <m:r>
+                        <a:rPr lang="en-US" sz="1200" i="1" smtClean="0">
+                          <a:solidFill>
+                            <a:schemeClr val="tx1"/>
+                          </a:solidFill>
+                          <a:latin typeface="Cambria Math" panose="02040503050406030204" pitchFamily="18" charset="0"/>
+                        </a:rPr>
+                        <m:t>9</m:t>
+                      </m:r>
                       <m:r>
                         <a:rPr lang="en-US" sz="1200" b="0" i="1" smtClean="0">
                           <a:solidFill>
@@ -6349,7 +6324,25 @@
                           </a:solidFill>
                           <a:latin typeface="Cambria Math" panose="02040503050406030204" pitchFamily="18" charset="0"/>
                         </a:rPr>
-                        <m:t>−7" </m:t>
+                        <m:t>017 [</m:t>
+                      </m:r>
+                      <m:r>
+                        <a:rPr lang="en-US" sz="1200" b="0" i="1" smtClean="0">
+                          <a:solidFill>
+                            <a:schemeClr val="tx1"/>
+                          </a:solidFill>
+                          <a:latin typeface="Cambria Math" panose="02040503050406030204" pitchFamily="18" charset="0"/>
+                        </a:rPr>
+                        <m:t>𝑚𝑚</m:t>
+                      </m:r>
+                      <m:r>
+                        <a:rPr lang="en-US" sz="1200" b="0" i="1" smtClean="0">
+                          <a:solidFill>
+                            <a:schemeClr val="tx1"/>
+                          </a:solidFill>
+                          <a:latin typeface="Cambria Math" panose="02040503050406030204" pitchFamily="18" charset="0"/>
+                        </a:rPr>
+                        <m:t>]</m:t>
                       </m:r>
                     </m:oMath>
                   </m:oMathPara>
@@ -6385,7 +6378,7 @@
               <a:blipFill>
                 <a:blip r:embed="rId12"/>
                 <a:stretch>
-                  <a:fillRect/>
+                  <a:fillRect b="-6522"/>
                 </a:stretch>
               </a:blipFill>
             </p:spPr>
@@ -6645,6 +6638,265 @@
           </a:p>
         </p:txBody>
       </p:sp>
+      <mc:AlternateContent xmlns:mc="http://schemas.openxmlformats.org/markup-compatibility/2006">
+        <mc:Choice xmlns:a14="http://schemas.microsoft.com/office/drawing/2010/main" Requires="a14">
+          <p:sp>
+            <p:nvSpPr>
+              <p:cNvPr id="12" name="TextBox 11">
+                <a:extLst>
+                  <a:ext uri="{FF2B5EF4-FFF2-40B4-BE49-F238E27FC236}">
+                    <a16:creationId xmlns:a16="http://schemas.microsoft.com/office/drawing/2014/main" id="{5005E6F5-D6B2-931A-051C-A8A072C3B070}"/>
+                  </a:ext>
+                </a:extLst>
+              </p:cNvPr>
+              <p:cNvSpPr txBox="1"/>
+              <p:nvPr/>
+            </p:nvSpPr>
+            <p:spPr>
+              <a:xfrm>
+                <a:off x="505963" y="4462942"/>
+                <a:ext cx="920476" cy="276999"/>
+              </a:xfrm>
+              <a:prstGeom prst="rect">
+                <a:avLst/>
+              </a:prstGeom>
+              <a:solidFill>
+                <a:schemeClr val="bg1"/>
+              </a:solidFill>
+            </p:spPr>
+            <p:txBody>
+              <a:bodyPr wrap="square" rtlCol="0">
+                <a:spAutoFit/>
+              </a:bodyPr>
+              <a:lstStyle/>
+              <a:p>
+                <a:pPr/>
+                <a14:m>
+                  <m:oMathPara xmlns:m="http://schemas.openxmlformats.org/officeDocument/2006/math">
+                    <m:oMathParaPr>
+                      <m:jc m:val="centerGroup"/>
+                    </m:oMathParaPr>
+                    <m:oMath xmlns:m="http://schemas.openxmlformats.org/officeDocument/2006/math">
+                      <m:r>
+                        <a:rPr lang="en-US" sz="1200" i="1" smtClean="0">
+                          <a:solidFill>
+                            <a:schemeClr val="tx1"/>
+                          </a:solidFill>
+                          <a:latin typeface="Cambria Math" panose="02040503050406030204" pitchFamily="18" charset="0"/>
+                        </a:rPr>
+                        <m:t>1</m:t>
+                      </m:r>
+                      <m:r>
+                        <a:rPr lang="en-US" sz="1200" b="0" i="1" smtClean="0">
+                          <a:solidFill>
+                            <a:schemeClr val="tx1"/>
+                          </a:solidFill>
+                          <a:latin typeface="Cambria Math" panose="02040503050406030204" pitchFamily="18" charset="0"/>
+                        </a:rPr>
+                        <m:t>3106 [</m:t>
+                      </m:r>
+                      <m:r>
+                        <a:rPr lang="en-US" sz="1200" b="0" i="1" smtClean="0">
+                          <a:solidFill>
+                            <a:schemeClr val="tx1"/>
+                          </a:solidFill>
+                          <a:latin typeface="Cambria Math" panose="02040503050406030204" pitchFamily="18" charset="0"/>
+                        </a:rPr>
+                        <m:t>𝑚𝑚</m:t>
+                      </m:r>
+                      <m:r>
+                        <a:rPr lang="en-US" sz="1200" b="0" i="1" smtClean="0">
+                          <a:solidFill>
+                            <a:schemeClr val="tx1"/>
+                          </a:solidFill>
+                          <a:latin typeface="Cambria Math" panose="02040503050406030204" pitchFamily="18" charset="0"/>
+                        </a:rPr>
+                        <m:t>]</m:t>
+                      </m:r>
+                    </m:oMath>
+                  </m:oMathPara>
+                </a14:m>
+                <a:endParaRPr lang="en-US" dirty="0"/>
+              </a:p>
+            </p:txBody>
+          </p:sp>
+        </mc:Choice>
+        <mc:Fallback>
+          <p:sp>
+            <p:nvSpPr>
+              <p:cNvPr id="12" name="TextBox 11">
+                <a:extLst>
+                  <a:ext uri="{FF2B5EF4-FFF2-40B4-BE49-F238E27FC236}">
+                    <a16:creationId xmlns:a16="http://schemas.microsoft.com/office/drawing/2014/main" id="{5005E6F5-D6B2-931A-051C-A8A072C3B070}"/>
+                  </a:ext>
+                </a:extLst>
+              </p:cNvPr>
+              <p:cNvSpPr txBox="1">
+                <a:spLocks noRot="1" noChangeAspect="1" noMove="1" noResize="1" noEditPoints="1" noAdjustHandles="1" noChangeArrowheads="1" noChangeShapeType="1" noTextEdit="1"/>
+              </p:cNvSpPr>
+              <p:nvPr/>
+            </p:nvSpPr>
+            <p:spPr>
+              <a:xfrm>
+                <a:off x="505963" y="4462942"/>
+                <a:ext cx="920476" cy="276999"/>
+              </a:xfrm>
+              <a:prstGeom prst="rect">
+                <a:avLst/>
+              </a:prstGeom>
+              <a:blipFill>
+                <a:blip r:embed="rId13"/>
+                <a:stretch>
+                  <a:fillRect r="-7285" b="-6522"/>
+                </a:stretch>
+              </a:blipFill>
+            </p:spPr>
+            <p:txBody>
+              <a:bodyPr/>
+              <a:lstStyle/>
+              <a:p>
+                <a:r>
+                  <a:rPr lang="en-US">
+                    <a:noFill/>
+                  </a:rPr>
+                  <a:t> </a:t>
+                </a:r>
+              </a:p>
+            </p:txBody>
+          </p:sp>
+        </mc:Fallback>
+      </mc:AlternateContent>
+      <mc:AlternateContent xmlns:mc="http://schemas.openxmlformats.org/markup-compatibility/2006">
+        <mc:Choice xmlns:a14="http://schemas.microsoft.com/office/drawing/2010/main" Requires="a14">
+          <p:sp>
+            <p:nvSpPr>
+              <p:cNvPr id="13" name="TextBox 12">
+                <a:extLst>
+                  <a:ext uri="{FF2B5EF4-FFF2-40B4-BE49-F238E27FC236}">
+                    <a16:creationId xmlns:a16="http://schemas.microsoft.com/office/drawing/2014/main" id="{6B8DCEA0-0524-5BC0-ECB0-1E383E03F421}"/>
+                  </a:ext>
+                </a:extLst>
+              </p:cNvPr>
+              <p:cNvSpPr txBox="1"/>
+              <p:nvPr/>
+            </p:nvSpPr>
+            <p:spPr>
+              <a:xfrm>
+                <a:off x="5459074" y="4462942"/>
+                <a:ext cx="920476" cy="276999"/>
+              </a:xfrm>
+              <a:prstGeom prst="rect">
+                <a:avLst/>
+              </a:prstGeom>
+              <a:solidFill>
+                <a:schemeClr val="bg1"/>
+              </a:solidFill>
+            </p:spPr>
+            <p:txBody>
+              <a:bodyPr wrap="square" rtlCol="0">
+                <a:spAutoFit/>
+              </a:bodyPr>
+              <a:lstStyle/>
+              <a:p>
+                <a:pPr/>
+                <a14:m>
+                  <m:oMathPara xmlns:m="http://schemas.openxmlformats.org/officeDocument/2006/math">
+                    <m:oMathParaPr>
+                      <m:jc m:val="centerGroup"/>
+                    </m:oMathParaPr>
+                    <m:oMath xmlns:m="http://schemas.openxmlformats.org/officeDocument/2006/math">
+                      <m:r>
+                        <a:rPr lang="en-US" sz="1200" i="1" smtClean="0">
+                          <a:latin typeface="Cambria Math" panose="02040503050406030204" pitchFamily="18" charset="0"/>
+                        </a:rPr>
+                        <m:t>5</m:t>
+                      </m:r>
+                      <m:r>
+                        <a:rPr lang="en-US" sz="1200" b="0" i="1" smtClean="0">
+                          <a:latin typeface="Cambria Math" panose="02040503050406030204" pitchFamily="18" charset="0"/>
+                        </a:rPr>
+                        <m:t>181</m:t>
+                      </m:r>
+                      <m:r>
+                        <a:rPr lang="en-US" sz="1200" b="0" i="1" smtClean="0">
+                          <a:solidFill>
+                            <a:schemeClr val="tx1"/>
+                          </a:solidFill>
+                          <a:latin typeface="Cambria Math" panose="02040503050406030204" pitchFamily="18" charset="0"/>
+                        </a:rPr>
+                        <m:t> [</m:t>
+                      </m:r>
+                      <m:r>
+                        <a:rPr lang="en-US" sz="1200" b="0" i="1" smtClean="0">
+                          <a:solidFill>
+                            <a:schemeClr val="tx1"/>
+                          </a:solidFill>
+                          <a:latin typeface="Cambria Math" panose="02040503050406030204" pitchFamily="18" charset="0"/>
+                        </a:rPr>
+                        <m:t>𝑚𝑚</m:t>
+                      </m:r>
+                      <m:r>
+                        <a:rPr lang="en-US" sz="1200" b="0" i="1" smtClean="0">
+                          <a:solidFill>
+                            <a:schemeClr val="tx1"/>
+                          </a:solidFill>
+                          <a:latin typeface="Cambria Math" panose="02040503050406030204" pitchFamily="18" charset="0"/>
+                        </a:rPr>
+                        <m:t>]</m:t>
+                      </m:r>
+                    </m:oMath>
+                  </m:oMathPara>
+                </a14:m>
+                <a:endParaRPr lang="en-US" dirty="0"/>
+              </a:p>
+            </p:txBody>
+          </p:sp>
+        </mc:Choice>
+        <mc:Fallback>
+          <p:sp>
+            <p:nvSpPr>
+              <p:cNvPr id="13" name="TextBox 12">
+                <a:extLst>
+                  <a:ext uri="{FF2B5EF4-FFF2-40B4-BE49-F238E27FC236}">
+                    <a16:creationId xmlns:a16="http://schemas.microsoft.com/office/drawing/2014/main" id="{6B8DCEA0-0524-5BC0-ECB0-1E383E03F421}"/>
+                  </a:ext>
+                </a:extLst>
+              </p:cNvPr>
+              <p:cNvSpPr txBox="1">
+                <a:spLocks noRot="1" noChangeAspect="1" noMove="1" noResize="1" noEditPoints="1" noAdjustHandles="1" noChangeArrowheads="1" noChangeShapeType="1" noTextEdit="1"/>
+              </p:cNvSpPr>
+              <p:nvPr/>
+            </p:nvSpPr>
+            <p:spPr>
+              <a:xfrm>
+                <a:off x="5459074" y="4462942"/>
+                <a:ext cx="920476" cy="276999"/>
+              </a:xfrm>
+              <a:prstGeom prst="rect">
+                <a:avLst/>
+              </a:prstGeom>
+              <a:blipFill>
+                <a:blip r:embed="rId14"/>
+                <a:stretch>
+                  <a:fillRect b="-6522"/>
+                </a:stretch>
+              </a:blipFill>
+            </p:spPr>
+            <p:txBody>
+              <a:bodyPr/>
+              <a:lstStyle/>
+              <a:p>
+                <a:r>
+                  <a:rPr lang="en-US">
+                    <a:noFill/>
+                  </a:rPr>
+                  <a:t> </a:t>
+                </a:r>
+              </a:p>
+            </p:txBody>
+          </p:sp>
+        </mc:Fallback>
+      </mc:AlternateContent>
     </p:spTree>
     <p:extLst>
       <p:ext uri="{BB962C8B-B14F-4D97-AF65-F5344CB8AC3E}">
@@ -7218,52 +7470,6 @@
           </a:p>
         </p:txBody>
       </p:sp>
-      <p:cxnSp>
-        <p:nvCxnSpPr>
-          <p:cNvPr id="2" name="Straight Connector 1">
-            <a:extLst>
-              <a:ext uri="{FF2B5EF4-FFF2-40B4-BE49-F238E27FC236}">
-                <a16:creationId xmlns:a16="http://schemas.microsoft.com/office/drawing/2014/main" id="{EE53E0AB-297C-5EC3-3D15-B8F30760D50D}"/>
-              </a:ext>
-            </a:extLst>
-          </p:cNvPr>
-          <p:cNvCxnSpPr>
-            <a:cxnSpLocks/>
-          </p:cNvCxnSpPr>
-          <p:nvPr/>
-        </p:nvCxnSpPr>
-        <p:spPr>
-          <a:xfrm>
-            <a:off x="2419350" y="4206600"/>
-            <a:ext cx="3676650" cy="0"/>
-          </a:xfrm>
-          <a:prstGeom prst="line">
-            <a:avLst/>
-          </a:prstGeom>
-          <a:ln w="9525">
-            <a:solidFill>
-              <a:schemeClr val="bg2">
-                <a:lumMod val="90000"/>
-              </a:schemeClr>
-            </a:solidFill>
-            <a:prstDash val="solid"/>
-          </a:ln>
-        </p:spPr>
-        <p:style>
-          <a:lnRef idx="1">
-            <a:schemeClr val="dk1"/>
-          </a:lnRef>
-          <a:fillRef idx="0">
-            <a:schemeClr val="dk1"/>
-          </a:fillRef>
-          <a:effectRef idx="0">
-            <a:schemeClr val="dk1"/>
-          </a:effectRef>
-          <a:fontRef idx="minor">
-            <a:schemeClr val="tx1"/>
-          </a:fontRef>
-        </p:style>
-      </p:cxnSp>
       <p:cxnSp>
         <p:nvCxnSpPr>
           <p:cNvPr id="3" name="Straight Connector 2">
@@ -8552,8 +8758,8 @@
         </p:nvSpPr>
         <p:spPr>
           <a:xfrm>
-            <a:off x="6178550" y="2006600"/>
-            <a:ext cx="3898900" cy="2660650"/>
+            <a:off x="5054600" y="2006600"/>
+            <a:ext cx="5022850" cy="2660650"/>
           </a:xfrm>
           <a:custGeom>
             <a:avLst/>
@@ -8572,6 +8778,104 @@
               <a:gd name="connsiteY5" fmla="*/ 82550 h 2660650"/>
               <a:gd name="connsiteX6" fmla="*/ 0 w 3898900"/>
               <a:gd name="connsiteY6" fmla="*/ 0 h 2660650"/>
+              <a:gd name="connsiteX0" fmla="*/ 1111250 w 5010150"/>
+              <a:gd name="connsiteY0" fmla="*/ 0 h 2660650"/>
+              <a:gd name="connsiteX1" fmla="*/ 1111250 w 5010150"/>
+              <a:gd name="connsiteY1" fmla="*/ 2343150 h 2660650"/>
+              <a:gd name="connsiteX2" fmla="*/ 0 w 5010150"/>
+              <a:gd name="connsiteY2" fmla="*/ 2355850 h 2660650"/>
+              <a:gd name="connsiteX3" fmla="*/ 1276350 w 5010150"/>
+              <a:gd name="connsiteY3" fmla="*/ 2660650 h 2660650"/>
+              <a:gd name="connsiteX4" fmla="*/ 5010150 w 5010150"/>
+              <a:gd name="connsiteY4" fmla="*/ 2660650 h 2660650"/>
+              <a:gd name="connsiteX5" fmla="*/ 5010150 w 5010150"/>
+              <a:gd name="connsiteY5" fmla="*/ 82550 h 2660650"/>
+              <a:gd name="connsiteX6" fmla="*/ 1111250 w 5010150"/>
+              <a:gd name="connsiteY6" fmla="*/ 0 h 2660650"/>
+              <a:gd name="connsiteX0" fmla="*/ 1123950 w 5022850"/>
+              <a:gd name="connsiteY0" fmla="*/ 0 h 2660650"/>
+              <a:gd name="connsiteX1" fmla="*/ 1123950 w 5022850"/>
+              <a:gd name="connsiteY1" fmla="*/ 2343150 h 2660650"/>
+              <a:gd name="connsiteX2" fmla="*/ 12700 w 5022850"/>
+              <a:gd name="connsiteY2" fmla="*/ 2355850 h 2660650"/>
+              <a:gd name="connsiteX3" fmla="*/ 0 w 5022850"/>
+              <a:gd name="connsiteY3" fmla="*/ 2647950 h 2660650"/>
+              <a:gd name="connsiteX4" fmla="*/ 5022850 w 5022850"/>
+              <a:gd name="connsiteY4" fmla="*/ 2660650 h 2660650"/>
+              <a:gd name="connsiteX5" fmla="*/ 5022850 w 5022850"/>
+              <a:gd name="connsiteY5" fmla="*/ 82550 h 2660650"/>
+              <a:gd name="connsiteX6" fmla="*/ 1123950 w 5022850"/>
+              <a:gd name="connsiteY6" fmla="*/ 0 h 2660650"/>
+              <a:gd name="connsiteX0" fmla="*/ 1123950 w 5022850"/>
+              <a:gd name="connsiteY0" fmla="*/ 0 h 2660650"/>
+              <a:gd name="connsiteX1" fmla="*/ 1123950 w 5022850"/>
+              <a:gd name="connsiteY1" fmla="*/ 2343150 h 2660650"/>
+              <a:gd name="connsiteX2" fmla="*/ 704850 w 5022850"/>
+              <a:gd name="connsiteY2" fmla="*/ 2355850 h 2660650"/>
+              <a:gd name="connsiteX3" fmla="*/ 12700 w 5022850"/>
+              <a:gd name="connsiteY3" fmla="*/ 2355850 h 2660650"/>
+              <a:gd name="connsiteX4" fmla="*/ 0 w 5022850"/>
+              <a:gd name="connsiteY4" fmla="*/ 2647950 h 2660650"/>
+              <a:gd name="connsiteX5" fmla="*/ 5022850 w 5022850"/>
+              <a:gd name="connsiteY5" fmla="*/ 2660650 h 2660650"/>
+              <a:gd name="connsiteX6" fmla="*/ 5022850 w 5022850"/>
+              <a:gd name="connsiteY6" fmla="*/ 82550 h 2660650"/>
+              <a:gd name="connsiteX7" fmla="*/ 1123950 w 5022850"/>
+              <a:gd name="connsiteY7" fmla="*/ 0 h 2660650"/>
+              <a:gd name="connsiteX0" fmla="*/ 1123950 w 5022850"/>
+              <a:gd name="connsiteY0" fmla="*/ 0 h 2660650"/>
+              <a:gd name="connsiteX1" fmla="*/ 1123950 w 5022850"/>
+              <a:gd name="connsiteY1" fmla="*/ 2343150 h 2660650"/>
+              <a:gd name="connsiteX2" fmla="*/ 704850 w 5022850"/>
+              <a:gd name="connsiteY2" fmla="*/ 2355850 h 2660650"/>
+              <a:gd name="connsiteX3" fmla="*/ 228600 w 5022850"/>
+              <a:gd name="connsiteY3" fmla="*/ 2349500 h 2660650"/>
+              <a:gd name="connsiteX4" fmla="*/ 12700 w 5022850"/>
+              <a:gd name="connsiteY4" fmla="*/ 2355850 h 2660650"/>
+              <a:gd name="connsiteX5" fmla="*/ 0 w 5022850"/>
+              <a:gd name="connsiteY5" fmla="*/ 2647950 h 2660650"/>
+              <a:gd name="connsiteX6" fmla="*/ 5022850 w 5022850"/>
+              <a:gd name="connsiteY6" fmla="*/ 2660650 h 2660650"/>
+              <a:gd name="connsiteX7" fmla="*/ 5022850 w 5022850"/>
+              <a:gd name="connsiteY7" fmla="*/ 82550 h 2660650"/>
+              <a:gd name="connsiteX8" fmla="*/ 1123950 w 5022850"/>
+              <a:gd name="connsiteY8" fmla="*/ 0 h 2660650"/>
+              <a:gd name="connsiteX0" fmla="*/ 1123950 w 5022850"/>
+              <a:gd name="connsiteY0" fmla="*/ 0 h 2660650"/>
+              <a:gd name="connsiteX1" fmla="*/ 1123950 w 5022850"/>
+              <a:gd name="connsiteY1" fmla="*/ 2343150 h 2660650"/>
+              <a:gd name="connsiteX2" fmla="*/ 704850 w 5022850"/>
+              <a:gd name="connsiteY2" fmla="*/ 2355850 h 2660650"/>
+              <a:gd name="connsiteX3" fmla="*/ 717550 w 5022850"/>
+              <a:gd name="connsiteY3" fmla="*/ 2178050 h 2660650"/>
+              <a:gd name="connsiteX4" fmla="*/ 12700 w 5022850"/>
+              <a:gd name="connsiteY4" fmla="*/ 2355850 h 2660650"/>
+              <a:gd name="connsiteX5" fmla="*/ 0 w 5022850"/>
+              <a:gd name="connsiteY5" fmla="*/ 2647950 h 2660650"/>
+              <a:gd name="connsiteX6" fmla="*/ 5022850 w 5022850"/>
+              <a:gd name="connsiteY6" fmla="*/ 2660650 h 2660650"/>
+              <a:gd name="connsiteX7" fmla="*/ 5022850 w 5022850"/>
+              <a:gd name="connsiteY7" fmla="*/ 82550 h 2660650"/>
+              <a:gd name="connsiteX8" fmla="*/ 1123950 w 5022850"/>
+              <a:gd name="connsiteY8" fmla="*/ 0 h 2660650"/>
+              <a:gd name="connsiteX0" fmla="*/ 1123950 w 5022850"/>
+              <a:gd name="connsiteY0" fmla="*/ 0 h 2660650"/>
+              <a:gd name="connsiteX1" fmla="*/ 1123950 w 5022850"/>
+              <a:gd name="connsiteY1" fmla="*/ 2343150 h 2660650"/>
+              <a:gd name="connsiteX2" fmla="*/ 704850 w 5022850"/>
+              <a:gd name="connsiteY2" fmla="*/ 2355850 h 2660650"/>
+              <a:gd name="connsiteX3" fmla="*/ 717550 w 5022850"/>
+              <a:gd name="connsiteY3" fmla="*/ 2178050 h 2660650"/>
+              <a:gd name="connsiteX4" fmla="*/ 12700 w 5022850"/>
+              <a:gd name="connsiteY4" fmla="*/ 2184400 h 2660650"/>
+              <a:gd name="connsiteX5" fmla="*/ 0 w 5022850"/>
+              <a:gd name="connsiteY5" fmla="*/ 2647950 h 2660650"/>
+              <a:gd name="connsiteX6" fmla="*/ 5022850 w 5022850"/>
+              <a:gd name="connsiteY6" fmla="*/ 2660650 h 2660650"/>
+              <a:gd name="connsiteX7" fmla="*/ 5022850 w 5022850"/>
+              <a:gd name="connsiteY7" fmla="*/ 82550 h 2660650"/>
+              <a:gd name="connsiteX8" fmla="*/ 1123950 w 5022850"/>
+              <a:gd name="connsiteY8" fmla="*/ 0 h 2660650"/>
             </a:gdLst>
             <a:ahLst/>
             <a:cxnLst>
@@ -8596,30 +8900,42 @@
               <a:cxn ang="0">
                 <a:pos x="connsiteX6" y="connsiteY6"/>
               </a:cxn>
+              <a:cxn ang="0">
+                <a:pos x="connsiteX7" y="connsiteY7"/>
+              </a:cxn>
+              <a:cxn ang="0">
+                <a:pos x="connsiteX8" y="connsiteY8"/>
+              </a:cxn>
             </a:cxnLst>
             <a:rect l="l" t="t" r="r" b="b"/>
             <a:pathLst>
-              <a:path w="3898900" h="2660650">
+              <a:path w="5022850" h="2660650">
                 <a:moveTo>
-                  <a:pt x="0" y="0"/>
+                  <a:pt x="1123950" y="0"/>
                 </a:moveTo>
                 <a:lnTo>
-                  <a:pt x="0" y="2343150"/>
+                  <a:pt x="1123950" y="2343150"/>
                 </a:lnTo>
                 <a:lnTo>
-                  <a:pt x="165100" y="2343150"/>
+                  <a:pt x="704850" y="2355850"/>
                 </a:lnTo>
                 <a:lnTo>
-                  <a:pt x="165100" y="2660650"/>
+                  <a:pt x="717550" y="2178050"/>
                 </a:lnTo>
                 <a:lnTo>
-                  <a:pt x="3898900" y="2660650"/>
+                  <a:pt x="12700" y="2184400"/>
                 </a:lnTo>
                 <a:lnTo>
-                  <a:pt x="3898900" y="82550"/>
+                  <a:pt x="0" y="2647950"/>
                 </a:lnTo>
                 <a:lnTo>
-                  <a:pt x="0" y="0"/>
+                  <a:pt x="5022850" y="2660650"/>
+                </a:lnTo>
+                <a:lnTo>
+                  <a:pt x="5022850" y="82550"/>
+                </a:lnTo>
+                <a:lnTo>
+                  <a:pt x="1123950" y="0"/>
                 </a:lnTo>
                 <a:close/>
               </a:path>
@@ -8659,6 +8975,314 @@
           </a:p>
         </p:txBody>
       </p:sp>
+      <mc:AlternateContent xmlns:mc="http://schemas.openxmlformats.org/markup-compatibility/2006">
+        <mc:Choice xmlns:a14="http://schemas.microsoft.com/office/drawing/2010/main" Requires="a14">
+          <p:sp>
+            <p:nvSpPr>
+              <p:cNvPr id="76" name="TextBox 75">
+                <a:extLst>
+                  <a:ext uri="{FF2B5EF4-FFF2-40B4-BE49-F238E27FC236}">
+                    <a16:creationId xmlns:a16="http://schemas.microsoft.com/office/drawing/2014/main" id="{326D6771-AC59-8A42-22FD-0041559E7460}"/>
+                  </a:ext>
+                </a:extLst>
+              </p:cNvPr>
+              <p:cNvSpPr txBox="1"/>
+              <p:nvPr/>
+            </p:nvSpPr>
+            <p:spPr>
+              <a:xfrm>
+                <a:off x="4125242" y="1953619"/>
+                <a:ext cx="920476" cy="276999"/>
+              </a:xfrm>
+              <a:prstGeom prst="rect">
+                <a:avLst/>
+              </a:prstGeom>
+              <a:solidFill>
+                <a:schemeClr val="bg1"/>
+              </a:solidFill>
+            </p:spPr>
+            <p:txBody>
+              <a:bodyPr wrap="square" rtlCol="0">
+                <a:spAutoFit/>
+              </a:bodyPr>
+              <a:lstStyle/>
+              <a:p>
+                <a:pPr/>
+                <a14:m>
+                  <m:oMathPara xmlns:m="http://schemas.openxmlformats.org/officeDocument/2006/math">
+                    <m:oMathParaPr>
+                      <m:jc m:val="centerGroup"/>
+                    </m:oMathParaPr>
+                    <m:oMath xmlns:m="http://schemas.openxmlformats.org/officeDocument/2006/math">
+                      <m:r>
+                        <a:rPr lang="en-US" sz="1200" i="1" smtClean="0">
+                          <a:latin typeface="Cambria Math" panose="02040503050406030204" pitchFamily="18" charset="0"/>
+                        </a:rPr>
+                        <m:t>9</m:t>
+                      </m:r>
+                      <m:r>
+                        <a:rPr lang="en-US" sz="1200" b="0" i="1" smtClean="0">
+                          <a:latin typeface="Cambria Math" panose="02040503050406030204" pitchFamily="18" charset="0"/>
+                        </a:rPr>
+                        <m:t>017</m:t>
+                      </m:r>
+                      <m:r>
+                        <a:rPr lang="en-US" sz="1200" b="0" i="1" smtClean="0">
+                          <a:solidFill>
+                            <a:schemeClr val="tx1"/>
+                          </a:solidFill>
+                          <a:latin typeface="Cambria Math" panose="02040503050406030204" pitchFamily="18" charset="0"/>
+                        </a:rPr>
+                        <m:t> [</m:t>
+                      </m:r>
+                      <m:r>
+                        <a:rPr lang="en-US" sz="1200" b="0" i="1" smtClean="0">
+                          <a:solidFill>
+                            <a:schemeClr val="tx1"/>
+                          </a:solidFill>
+                          <a:latin typeface="Cambria Math" panose="02040503050406030204" pitchFamily="18" charset="0"/>
+                        </a:rPr>
+                        <m:t>𝑚𝑚</m:t>
+                      </m:r>
+                      <m:r>
+                        <a:rPr lang="en-US" sz="1200" b="0" i="1" smtClean="0">
+                          <a:solidFill>
+                            <a:schemeClr val="tx1"/>
+                          </a:solidFill>
+                          <a:latin typeface="Cambria Math" panose="02040503050406030204" pitchFamily="18" charset="0"/>
+                        </a:rPr>
+                        <m:t>]</m:t>
+                      </m:r>
+                    </m:oMath>
+                  </m:oMathPara>
+                </a14:m>
+                <a:endParaRPr lang="en-US" dirty="0"/>
+              </a:p>
+            </p:txBody>
+          </p:sp>
+        </mc:Choice>
+        <mc:Fallback>
+          <p:sp>
+            <p:nvSpPr>
+              <p:cNvPr id="76" name="TextBox 75">
+                <a:extLst>
+                  <a:ext uri="{FF2B5EF4-FFF2-40B4-BE49-F238E27FC236}">
+                    <a16:creationId xmlns:a16="http://schemas.microsoft.com/office/drawing/2014/main" id="{326D6771-AC59-8A42-22FD-0041559E7460}"/>
+                  </a:ext>
+                </a:extLst>
+              </p:cNvPr>
+              <p:cNvSpPr txBox="1">
+                <a:spLocks noRot="1" noChangeAspect="1" noMove="1" noResize="1" noEditPoints="1" noAdjustHandles="1" noChangeArrowheads="1" noChangeShapeType="1" noTextEdit="1"/>
+              </p:cNvSpPr>
+              <p:nvPr/>
+            </p:nvSpPr>
+            <p:spPr>
+              <a:xfrm>
+                <a:off x="4125242" y="1953619"/>
+                <a:ext cx="920476" cy="276999"/>
+              </a:xfrm>
+              <a:prstGeom prst="rect">
+                <a:avLst/>
+              </a:prstGeom>
+              <a:blipFill>
+                <a:blip r:embed="rId9"/>
+                <a:stretch>
+                  <a:fillRect b="-6522"/>
+                </a:stretch>
+              </a:blipFill>
+            </p:spPr>
+            <p:txBody>
+              <a:bodyPr/>
+              <a:lstStyle/>
+              <a:p>
+                <a:r>
+                  <a:rPr lang="en-US">
+                    <a:noFill/>
+                  </a:rPr>
+                  <a:t> </a:t>
+                </a:r>
+              </a:p>
+            </p:txBody>
+          </p:sp>
+        </mc:Fallback>
+      </mc:AlternateContent>
+      <mc:AlternateContent xmlns:mc="http://schemas.openxmlformats.org/markup-compatibility/2006">
+        <mc:Choice xmlns:a14="http://schemas.microsoft.com/office/drawing/2010/main" Requires="a14">
+          <p:sp>
+            <p:nvSpPr>
+              <p:cNvPr id="77" name="TextBox 76">
+                <a:extLst>
+                  <a:ext uri="{FF2B5EF4-FFF2-40B4-BE49-F238E27FC236}">
+                    <a16:creationId xmlns:a16="http://schemas.microsoft.com/office/drawing/2014/main" id="{24BAB6FA-007B-4686-167B-C34CC0226931}"/>
+                  </a:ext>
+                </a:extLst>
+              </p:cNvPr>
+              <p:cNvSpPr txBox="1"/>
+              <p:nvPr/>
+            </p:nvSpPr>
+            <p:spPr>
+              <a:xfrm>
+                <a:off x="1627060" y="2938769"/>
+                <a:ext cx="920476" cy="276999"/>
+              </a:xfrm>
+              <a:prstGeom prst="rect">
+                <a:avLst/>
+              </a:prstGeom>
+              <a:solidFill>
+                <a:schemeClr val="bg1"/>
+              </a:solidFill>
+            </p:spPr>
+            <p:txBody>
+              <a:bodyPr wrap="square" rtlCol="0">
+                <a:spAutoFit/>
+              </a:bodyPr>
+              <a:lstStyle/>
+              <a:p>
+                <a:pPr/>
+                <a14:m>
+                  <m:oMathPara xmlns:m="http://schemas.openxmlformats.org/officeDocument/2006/math">
+                    <m:oMathParaPr>
+                      <m:jc m:val="centerGroup"/>
+                    </m:oMathParaPr>
+                    <m:oMath xmlns:m="http://schemas.openxmlformats.org/officeDocument/2006/math">
+                      <m:r>
+                        <a:rPr lang="en-US" sz="1200" i="1" smtClean="0">
+                          <a:latin typeface="Cambria Math" panose="02040503050406030204" pitchFamily="18" charset="0"/>
+                        </a:rPr>
+                        <m:t>3</m:t>
+                      </m:r>
+                      <m:r>
+                        <a:rPr lang="en-US" sz="1200" b="0" i="1" smtClean="0">
+                          <a:latin typeface="Cambria Math" panose="02040503050406030204" pitchFamily="18" charset="0"/>
+                        </a:rPr>
+                        <m:t>429</m:t>
+                      </m:r>
+                      <m:r>
+                        <a:rPr lang="en-US" sz="1200" b="0" i="1" smtClean="0">
+                          <a:solidFill>
+                            <a:schemeClr val="tx1"/>
+                          </a:solidFill>
+                          <a:latin typeface="Cambria Math" panose="02040503050406030204" pitchFamily="18" charset="0"/>
+                        </a:rPr>
+                        <m:t> [</m:t>
+                      </m:r>
+                      <m:r>
+                        <a:rPr lang="en-US" sz="1200" b="0" i="1" smtClean="0">
+                          <a:solidFill>
+                            <a:schemeClr val="tx1"/>
+                          </a:solidFill>
+                          <a:latin typeface="Cambria Math" panose="02040503050406030204" pitchFamily="18" charset="0"/>
+                        </a:rPr>
+                        <m:t>𝑚𝑚</m:t>
+                      </m:r>
+                      <m:r>
+                        <a:rPr lang="en-US" sz="1200" b="0" i="1" smtClean="0">
+                          <a:solidFill>
+                            <a:schemeClr val="tx1"/>
+                          </a:solidFill>
+                          <a:latin typeface="Cambria Math" panose="02040503050406030204" pitchFamily="18" charset="0"/>
+                        </a:rPr>
+                        <m:t>]</m:t>
+                      </m:r>
+                    </m:oMath>
+                  </m:oMathPara>
+                </a14:m>
+                <a:endParaRPr lang="en-US" dirty="0"/>
+              </a:p>
+            </p:txBody>
+          </p:sp>
+        </mc:Choice>
+        <mc:Fallback>
+          <p:sp>
+            <p:nvSpPr>
+              <p:cNvPr id="77" name="TextBox 76">
+                <a:extLst>
+                  <a:ext uri="{FF2B5EF4-FFF2-40B4-BE49-F238E27FC236}">
+                    <a16:creationId xmlns:a16="http://schemas.microsoft.com/office/drawing/2014/main" id="{24BAB6FA-007B-4686-167B-C34CC0226931}"/>
+                  </a:ext>
+                </a:extLst>
+              </p:cNvPr>
+              <p:cNvSpPr txBox="1">
+                <a:spLocks noRot="1" noChangeAspect="1" noMove="1" noResize="1" noEditPoints="1" noAdjustHandles="1" noChangeArrowheads="1" noChangeShapeType="1" noTextEdit="1"/>
+              </p:cNvSpPr>
+              <p:nvPr/>
+            </p:nvSpPr>
+            <p:spPr>
+              <a:xfrm>
+                <a:off x="1627060" y="2938769"/>
+                <a:ext cx="920476" cy="276999"/>
+              </a:xfrm>
+              <a:prstGeom prst="rect">
+                <a:avLst/>
+              </a:prstGeom>
+              <a:blipFill>
+                <a:blip r:embed="rId10"/>
+                <a:stretch>
+                  <a:fillRect b="-6522"/>
+                </a:stretch>
+              </a:blipFill>
+            </p:spPr>
+            <p:txBody>
+              <a:bodyPr/>
+              <a:lstStyle/>
+              <a:p>
+                <a:r>
+                  <a:rPr lang="en-US">
+                    <a:noFill/>
+                  </a:rPr>
+                  <a:t> </a:t>
+                </a:r>
+              </a:p>
+            </p:txBody>
+          </p:sp>
+        </mc:Fallback>
+      </mc:AlternateContent>
+      <p:cxnSp>
+        <p:nvCxnSpPr>
+          <p:cNvPr id="2" name="Straight Connector 1">
+            <a:extLst>
+              <a:ext uri="{FF2B5EF4-FFF2-40B4-BE49-F238E27FC236}">
+                <a16:creationId xmlns:a16="http://schemas.microsoft.com/office/drawing/2014/main" id="{EE53E0AB-297C-5EC3-3D15-B8F30760D50D}"/>
+              </a:ext>
+            </a:extLst>
+          </p:cNvPr>
+          <p:cNvCxnSpPr>
+            <a:cxnSpLocks/>
+          </p:cNvCxnSpPr>
+          <p:nvPr/>
+        </p:nvCxnSpPr>
+        <p:spPr>
+          <a:xfrm>
+            <a:off x="2419350" y="4206600"/>
+            <a:ext cx="3676650" cy="0"/>
+          </a:xfrm>
+          <a:prstGeom prst="line">
+            <a:avLst/>
+          </a:prstGeom>
+          <a:ln w="9525">
+            <a:solidFill>
+              <a:schemeClr val="bg2">
+                <a:lumMod val="90000"/>
+              </a:schemeClr>
+            </a:solidFill>
+            <a:prstDash val="solid"/>
+          </a:ln>
+        </p:spPr>
+        <p:style>
+          <a:lnRef idx="1">
+            <a:schemeClr val="dk1"/>
+          </a:lnRef>
+          <a:fillRef idx="0">
+            <a:schemeClr val="dk1"/>
+          </a:fillRef>
+          <a:effectRef idx="0">
+            <a:schemeClr val="dk1"/>
+          </a:effectRef>
+          <a:fontRef idx="minor">
+            <a:schemeClr val="tx1"/>
+          </a:fontRef>
+        </p:style>
+      </p:cxnSp>
     </p:spTree>
     <p:extLst>
       <p:ext uri="{BB962C8B-B14F-4D97-AF65-F5344CB8AC3E}">
@@ -8800,6 +9424,759 @@
           </p:txBody>
         </p:sp>
       </p:grpSp>
+      <p:sp>
+        <p:nvSpPr>
+          <p:cNvPr id="36" name="Freeform: Shape 35">
+            <a:extLst>
+              <a:ext uri="{FF2B5EF4-FFF2-40B4-BE49-F238E27FC236}">
+                <a16:creationId xmlns:a16="http://schemas.microsoft.com/office/drawing/2014/main" id="{7C73378C-422E-6DFE-7CF5-2EA110405410}"/>
+              </a:ext>
+            </a:extLst>
+          </p:cNvPr>
+          <p:cNvSpPr/>
+          <p:nvPr/>
+        </p:nvSpPr>
+        <p:spPr>
+          <a:xfrm>
+            <a:off x="2216150" y="1733550"/>
+            <a:ext cx="4673600" cy="2641600"/>
+          </a:xfrm>
+          <a:custGeom>
+            <a:avLst/>
+            <a:gdLst>
+              <a:gd name="connsiteX0" fmla="*/ 4616450 w 4673600"/>
+              <a:gd name="connsiteY0" fmla="*/ 19050 h 2641600"/>
+              <a:gd name="connsiteX1" fmla="*/ 4616450 w 4673600"/>
+              <a:gd name="connsiteY1" fmla="*/ 2635250 h 2641600"/>
+              <a:gd name="connsiteX2" fmla="*/ 4673600 w 4673600"/>
+              <a:gd name="connsiteY2" fmla="*/ 2641600 h 2641600"/>
+              <a:gd name="connsiteX3" fmla="*/ 0 w 4673600"/>
+              <a:gd name="connsiteY3" fmla="*/ 2641600 h 2641600"/>
+              <a:gd name="connsiteX4" fmla="*/ 0 w 4673600"/>
+              <a:gd name="connsiteY4" fmla="*/ 1174750 h 2641600"/>
+              <a:gd name="connsiteX5" fmla="*/ 82550 w 4673600"/>
+              <a:gd name="connsiteY5" fmla="*/ 1174750 h 2641600"/>
+              <a:gd name="connsiteX6" fmla="*/ 146050 w 4673600"/>
+              <a:gd name="connsiteY6" fmla="*/ 1219200 h 2641600"/>
+              <a:gd name="connsiteX7" fmla="*/ 146050 w 4673600"/>
+              <a:gd name="connsiteY7" fmla="*/ 2374900 h 2641600"/>
+              <a:gd name="connsiteX8" fmla="*/ 4540250 w 4673600"/>
+              <a:gd name="connsiteY8" fmla="*/ 2374900 h 2641600"/>
+              <a:gd name="connsiteX9" fmla="*/ 4540250 w 4673600"/>
+              <a:gd name="connsiteY9" fmla="*/ 0 h 2641600"/>
+              <a:gd name="connsiteX10" fmla="*/ 4616450 w 4673600"/>
+              <a:gd name="connsiteY10" fmla="*/ 19050 h 2641600"/>
+            </a:gdLst>
+            <a:ahLst/>
+            <a:cxnLst>
+              <a:cxn ang="0">
+                <a:pos x="connsiteX0" y="connsiteY0"/>
+              </a:cxn>
+              <a:cxn ang="0">
+                <a:pos x="connsiteX1" y="connsiteY1"/>
+              </a:cxn>
+              <a:cxn ang="0">
+                <a:pos x="connsiteX2" y="connsiteY2"/>
+              </a:cxn>
+              <a:cxn ang="0">
+                <a:pos x="connsiteX3" y="connsiteY3"/>
+              </a:cxn>
+              <a:cxn ang="0">
+                <a:pos x="connsiteX4" y="connsiteY4"/>
+              </a:cxn>
+              <a:cxn ang="0">
+                <a:pos x="connsiteX5" y="connsiteY5"/>
+              </a:cxn>
+              <a:cxn ang="0">
+                <a:pos x="connsiteX6" y="connsiteY6"/>
+              </a:cxn>
+              <a:cxn ang="0">
+                <a:pos x="connsiteX7" y="connsiteY7"/>
+              </a:cxn>
+              <a:cxn ang="0">
+                <a:pos x="connsiteX8" y="connsiteY8"/>
+              </a:cxn>
+              <a:cxn ang="0">
+                <a:pos x="connsiteX9" y="connsiteY9"/>
+              </a:cxn>
+              <a:cxn ang="0">
+                <a:pos x="connsiteX10" y="connsiteY10"/>
+              </a:cxn>
+            </a:cxnLst>
+            <a:rect l="l" t="t" r="r" b="b"/>
+            <a:pathLst>
+              <a:path w="4673600" h="2641600">
+                <a:moveTo>
+                  <a:pt x="4616450" y="19050"/>
+                </a:moveTo>
+                <a:lnTo>
+                  <a:pt x="4616450" y="2635250"/>
+                </a:lnTo>
+                <a:lnTo>
+                  <a:pt x="4673600" y="2641600"/>
+                </a:lnTo>
+                <a:lnTo>
+                  <a:pt x="0" y="2641600"/>
+                </a:lnTo>
+                <a:lnTo>
+                  <a:pt x="0" y="1174750"/>
+                </a:lnTo>
+                <a:lnTo>
+                  <a:pt x="82550" y="1174750"/>
+                </a:lnTo>
+                <a:lnTo>
+                  <a:pt x="146050" y="1219200"/>
+                </a:lnTo>
+                <a:lnTo>
+                  <a:pt x="146050" y="2374900"/>
+                </a:lnTo>
+                <a:lnTo>
+                  <a:pt x="4540250" y="2374900"/>
+                </a:lnTo>
+                <a:lnTo>
+                  <a:pt x="4540250" y="0"/>
+                </a:lnTo>
+                <a:lnTo>
+                  <a:pt x="4616450" y="19050"/>
+                </a:lnTo>
+                <a:close/>
+              </a:path>
+            </a:pathLst>
+          </a:custGeom>
+          <a:solidFill>
+            <a:schemeClr val="bg1"/>
+          </a:solidFill>
+          <a:ln>
+            <a:solidFill>
+              <a:schemeClr val="bg1"/>
+            </a:solidFill>
+          </a:ln>
+        </p:spPr>
+        <p:style>
+          <a:lnRef idx="2">
+            <a:schemeClr val="accent1">
+              <a:shade val="50000"/>
+            </a:schemeClr>
+          </a:lnRef>
+          <a:fillRef idx="1">
+            <a:schemeClr val="accent1"/>
+          </a:fillRef>
+          <a:effectRef idx="0">
+            <a:schemeClr val="accent1"/>
+          </a:effectRef>
+          <a:fontRef idx="minor">
+            <a:schemeClr val="lt1"/>
+          </a:fontRef>
+        </p:style>
+        <p:txBody>
+          <a:bodyPr rtlCol="0" anchor="ctr"/>
+          <a:lstStyle/>
+          <a:p>
+            <a:pPr algn="ctr"/>
+            <a:endParaRPr lang="en-US"/>
+          </a:p>
+        </p:txBody>
+      </p:sp>
+      <p:sp>
+        <p:nvSpPr>
+          <p:cNvPr id="40" name="Freeform: Shape 39">
+            <a:extLst>
+              <a:ext uri="{FF2B5EF4-FFF2-40B4-BE49-F238E27FC236}">
+                <a16:creationId xmlns:a16="http://schemas.microsoft.com/office/drawing/2014/main" id="{01980DCC-0B48-E161-A8ED-570C16BAC599}"/>
+              </a:ext>
+            </a:extLst>
+          </p:cNvPr>
+          <p:cNvSpPr/>
+          <p:nvPr/>
+        </p:nvSpPr>
+        <p:spPr>
+          <a:xfrm>
+            <a:off x="2889066" y="3517900"/>
+            <a:ext cx="1441633" cy="501650"/>
+          </a:xfrm>
+          <a:custGeom>
+            <a:avLst/>
+            <a:gdLst>
+              <a:gd name="connsiteX0" fmla="*/ 6350 w 1428750"/>
+              <a:gd name="connsiteY0" fmla="*/ 31750 h 501650"/>
+              <a:gd name="connsiteX1" fmla="*/ 1257300 w 1428750"/>
+              <a:gd name="connsiteY1" fmla="*/ 31750 h 501650"/>
+              <a:gd name="connsiteX2" fmla="*/ 1289050 w 1428750"/>
+              <a:gd name="connsiteY2" fmla="*/ 0 h 501650"/>
+              <a:gd name="connsiteX3" fmla="*/ 1428750 w 1428750"/>
+              <a:gd name="connsiteY3" fmla="*/ 0 h 501650"/>
+              <a:gd name="connsiteX4" fmla="*/ 1428750 w 1428750"/>
+              <a:gd name="connsiteY4" fmla="*/ 501650 h 501650"/>
+              <a:gd name="connsiteX5" fmla="*/ 0 w 1428750"/>
+              <a:gd name="connsiteY5" fmla="*/ 501650 h 501650"/>
+              <a:gd name="connsiteX6" fmla="*/ 6350 w 1428750"/>
+              <a:gd name="connsiteY6" fmla="*/ 31750 h 501650"/>
+              <a:gd name="connsiteX0" fmla="*/ 6350 w 1428750"/>
+              <a:gd name="connsiteY0" fmla="*/ 31750 h 501650"/>
+              <a:gd name="connsiteX1" fmla="*/ 1262063 w 1428750"/>
+              <a:gd name="connsiteY1" fmla="*/ 17462 h 501650"/>
+              <a:gd name="connsiteX2" fmla="*/ 1289050 w 1428750"/>
+              <a:gd name="connsiteY2" fmla="*/ 0 h 501650"/>
+              <a:gd name="connsiteX3" fmla="*/ 1428750 w 1428750"/>
+              <a:gd name="connsiteY3" fmla="*/ 0 h 501650"/>
+              <a:gd name="connsiteX4" fmla="*/ 1428750 w 1428750"/>
+              <a:gd name="connsiteY4" fmla="*/ 501650 h 501650"/>
+              <a:gd name="connsiteX5" fmla="*/ 0 w 1428750"/>
+              <a:gd name="connsiteY5" fmla="*/ 501650 h 501650"/>
+              <a:gd name="connsiteX6" fmla="*/ 6350 w 1428750"/>
+              <a:gd name="connsiteY6" fmla="*/ 31750 h 501650"/>
+              <a:gd name="connsiteX0" fmla="*/ 183 w 1441633"/>
+              <a:gd name="connsiteY0" fmla="*/ 22225 h 501650"/>
+              <a:gd name="connsiteX1" fmla="*/ 1274946 w 1441633"/>
+              <a:gd name="connsiteY1" fmla="*/ 17462 h 501650"/>
+              <a:gd name="connsiteX2" fmla="*/ 1301933 w 1441633"/>
+              <a:gd name="connsiteY2" fmla="*/ 0 h 501650"/>
+              <a:gd name="connsiteX3" fmla="*/ 1441633 w 1441633"/>
+              <a:gd name="connsiteY3" fmla="*/ 0 h 501650"/>
+              <a:gd name="connsiteX4" fmla="*/ 1441633 w 1441633"/>
+              <a:gd name="connsiteY4" fmla="*/ 501650 h 501650"/>
+              <a:gd name="connsiteX5" fmla="*/ 12883 w 1441633"/>
+              <a:gd name="connsiteY5" fmla="*/ 501650 h 501650"/>
+              <a:gd name="connsiteX6" fmla="*/ 183 w 1441633"/>
+              <a:gd name="connsiteY6" fmla="*/ 22225 h 501650"/>
+            </a:gdLst>
+            <a:ahLst/>
+            <a:cxnLst>
+              <a:cxn ang="0">
+                <a:pos x="connsiteX0" y="connsiteY0"/>
+              </a:cxn>
+              <a:cxn ang="0">
+                <a:pos x="connsiteX1" y="connsiteY1"/>
+              </a:cxn>
+              <a:cxn ang="0">
+                <a:pos x="connsiteX2" y="connsiteY2"/>
+              </a:cxn>
+              <a:cxn ang="0">
+                <a:pos x="connsiteX3" y="connsiteY3"/>
+              </a:cxn>
+              <a:cxn ang="0">
+                <a:pos x="connsiteX4" y="connsiteY4"/>
+              </a:cxn>
+              <a:cxn ang="0">
+                <a:pos x="connsiteX5" y="connsiteY5"/>
+              </a:cxn>
+              <a:cxn ang="0">
+                <a:pos x="connsiteX6" y="connsiteY6"/>
+              </a:cxn>
+            </a:cxnLst>
+            <a:rect l="l" t="t" r="r" b="b"/>
+            <a:pathLst>
+              <a:path w="1441633" h="501650">
+                <a:moveTo>
+                  <a:pt x="183" y="22225"/>
+                </a:moveTo>
+                <a:lnTo>
+                  <a:pt x="1274946" y="17462"/>
+                </a:lnTo>
+                <a:lnTo>
+                  <a:pt x="1301933" y="0"/>
+                </a:lnTo>
+                <a:lnTo>
+                  <a:pt x="1441633" y="0"/>
+                </a:lnTo>
+                <a:lnTo>
+                  <a:pt x="1441633" y="501650"/>
+                </a:lnTo>
+                <a:lnTo>
+                  <a:pt x="12883" y="501650"/>
+                </a:lnTo>
+                <a:cubicBezTo>
+                  <a:pt x="15000" y="345017"/>
+                  <a:pt x="-1934" y="178858"/>
+                  <a:pt x="183" y="22225"/>
+                </a:cubicBezTo>
+                <a:close/>
+              </a:path>
+            </a:pathLst>
+          </a:custGeom>
+          <a:solidFill>
+            <a:schemeClr val="bg1"/>
+          </a:solidFill>
+          <a:ln>
+            <a:solidFill>
+              <a:schemeClr val="bg1"/>
+            </a:solidFill>
+          </a:ln>
+        </p:spPr>
+        <p:style>
+          <a:lnRef idx="2">
+            <a:schemeClr val="accent1">
+              <a:shade val="50000"/>
+            </a:schemeClr>
+          </a:lnRef>
+          <a:fillRef idx="1">
+            <a:schemeClr val="accent1"/>
+          </a:fillRef>
+          <a:effectRef idx="0">
+            <a:schemeClr val="accent1"/>
+          </a:effectRef>
+          <a:fontRef idx="minor">
+            <a:schemeClr val="lt1"/>
+          </a:fontRef>
+        </p:style>
+        <p:txBody>
+          <a:bodyPr rtlCol="0" anchor="ctr"/>
+          <a:lstStyle/>
+          <a:p>
+            <a:pPr algn="ctr"/>
+            <a:endParaRPr lang="en-US"/>
+          </a:p>
+        </p:txBody>
+      </p:sp>
+      <p:sp>
+        <p:nvSpPr>
+          <p:cNvPr id="41" name="Freeform: Shape 40">
+            <a:extLst>
+              <a:ext uri="{FF2B5EF4-FFF2-40B4-BE49-F238E27FC236}">
+                <a16:creationId xmlns:a16="http://schemas.microsoft.com/office/drawing/2014/main" id="{3D473F31-F1CB-6A1C-DBAF-E1D15E5D0AC0}"/>
+              </a:ext>
+            </a:extLst>
+          </p:cNvPr>
+          <p:cNvSpPr/>
+          <p:nvPr/>
+        </p:nvSpPr>
+        <p:spPr>
+          <a:xfrm>
+            <a:off x="1660524" y="2439195"/>
+            <a:ext cx="2243137" cy="735012"/>
+          </a:xfrm>
+          <a:custGeom>
+            <a:avLst/>
+            <a:gdLst>
+              <a:gd name="connsiteX0" fmla="*/ 1168400 w 2190750"/>
+              <a:gd name="connsiteY0" fmla="*/ 679450 h 793750"/>
+              <a:gd name="connsiteX1" fmla="*/ 469900 w 2190750"/>
+              <a:gd name="connsiteY1" fmla="*/ 679450 h 793750"/>
+              <a:gd name="connsiteX2" fmla="*/ 469900 w 2190750"/>
+              <a:gd name="connsiteY2" fmla="*/ 57150 h 793750"/>
+              <a:gd name="connsiteX3" fmla="*/ 2133600 w 2190750"/>
+              <a:gd name="connsiteY3" fmla="*/ 57150 h 793750"/>
+              <a:gd name="connsiteX4" fmla="*/ 2190750 w 2190750"/>
+              <a:gd name="connsiteY4" fmla="*/ 0 h 793750"/>
+              <a:gd name="connsiteX5" fmla="*/ 0 w 2190750"/>
+              <a:gd name="connsiteY5" fmla="*/ 0 h 793750"/>
+              <a:gd name="connsiteX6" fmla="*/ 0 w 2190750"/>
+              <a:gd name="connsiteY6" fmla="*/ 793750 h 793750"/>
+              <a:gd name="connsiteX7" fmla="*/ 1168400 w 2190750"/>
+              <a:gd name="connsiteY7" fmla="*/ 679450 h 793750"/>
+              <a:gd name="connsiteX0" fmla="*/ 1168400 w 2255043"/>
+              <a:gd name="connsiteY0" fmla="*/ 679450 h 793750"/>
+              <a:gd name="connsiteX1" fmla="*/ 469900 w 2255043"/>
+              <a:gd name="connsiteY1" fmla="*/ 679450 h 793750"/>
+              <a:gd name="connsiteX2" fmla="*/ 469900 w 2255043"/>
+              <a:gd name="connsiteY2" fmla="*/ 57150 h 793750"/>
+              <a:gd name="connsiteX3" fmla="*/ 2133600 w 2255043"/>
+              <a:gd name="connsiteY3" fmla="*/ 57150 h 793750"/>
+              <a:gd name="connsiteX4" fmla="*/ 2255043 w 2255043"/>
+              <a:gd name="connsiteY4" fmla="*/ 28575 h 793750"/>
+              <a:gd name="connsiteX5" fmla="*/ 0 w 2255043"/>
+              <a:gd name="connsiteY5" fmla="*/ 0 h 793750"/>
+              <a:gd name="connsiteX6" fmla="*/ 0 w 2255043"/>
+              <a:gd name="connsiteY6" fmla="*/ 793750 h 793750"/>
+              <a:gd name="connsiteX7" fmla="*/ 1168400 w 2255043"/>
+              <a:gd name="connsiteY7" fmla="*/ 679450 h 793750"/>
+              <a:gd name="connsiteX0" fmla="*/ 1177925 w 2264568"/>
+              <a:gd name="connsiteY0" fmla="*/ 650875 h 765175"/>
+              <a:gd name="connsiteX1" fmla="*/ 479425 w 2264568"/>
+              <a:gd name="connsiteY1" fmla="*/ 650875 h 765175"/>
+              <a:gd name="connsiteX2" fmla="*/ 479425 w 2264568"/>
+              <a:gd name="connsiteY2" fmla="*/ 28575 h 765175"/>
+              <a:gd name="connsiteX3" fmla="*/ 2143125 w 2264568"/>
+              <a:gd name="connsiteY3" fmla="*/ 28575 h 765175"/>
+              <a:gd name="connsiteX4" fmla="*/ 2264568 w 2264568"/>
+              <a:gd name="connsiteY4" fmla="*/ 0 h 765175"/>
+              <a:gd name="connsiteX5" fmla="*/ 0 w 2264568"/>
+              <a:gd name="connsiteY5" fmla="*/ 16669 h 765175"/>
+              <a:gd name="connsiteX6" fmla="*/ 9525 w 2264568"/>
+              <a:gd name="connsiteY6" fmla="*/ 765175 h 765175"/>
+              <a:gd name="connsiteX7" fmla="*/ 1177925 w 2264568"/>
+              <a:gd name="connsiteY7" fmla="*/ 650875 h 765175"/>
+              <a:gd name="connsiteX0" fmla="*/ 1177925 w 2262187"/>
+              <a:gd name="connsiteY0" fmla="*/ 643731 h 758031"/>
+              <a:gd name="connsiteX1" fmla="*/ 479425 w 2262187"/>
+              <a:gd name="connsiteY1" fmla="*/ 643731 h 758031"/>
+              <a:gd name="connsiteX2" fmla="*/ 479425 w 2262187"/>
+              <a:gd name="connsiteY2" fmla="*/ 21431 h 758031"/>
+              <a:gd name="connsiteX3" fmla="*/ 2143125 w 2262187"/>
+              <a:gd name="connsiteY3" fmla="*/ 21431 h 758031"/>
+              <a:gd name="connsiteX4" fmla="*/ 2262187 w 2262187"/>
+              <a:gd name="connsiteY4" fmla="*/ 0 h 758031"/>
+              <a:gd name="connsiteX5" fmla="*/ 0 w 2262187"/>
+              <a:gd name="connsiteY5" fmla="*/ 9525 h 758031"/>
+              <a:gd name="connsiteX6" fmla="*/ 9525 w 2262187"/>
+              <a:gd name="connsiteY6" fmla="*/ 758031 h 758031"/>
+              <a:gd name="connsiteX7" fmla="*/ 1177925 w 2262187"/>
+              <a:gd name="connsiteY7" fmla="*/ 643731 h 758031"/>
+              <a:gd name="connsiteX0" fmla="*/ 1177925 w 2262187"/>
+              <a:gd name="connsiteY0" fmla="*/ 643731 h 758031"/>
+              <a:gd name="connsiteX1" fmla="*/ 479425 w 2262187"/>
+              <a:gd name="connsiteY1" fmla="*/ 643731 h 758031"/>
+              <a:gd name="connsiteX2" fmla="*/ 479425 w 2262187"/>
+              <a:gd name="connsiteY2" fmla="*/ 21431 h 758031"/>
+              <a:gd name="connsiteX3" fmla="*/ 2178844 w 2262187"/>
+              <a:gd name="connsiteY3" fmla="*/ 14288 h 758031"/>
+              <a:gd name="connsiteX4" fmla="*/ 2262187 w 2262187"/>
+              <a:gd name="connsiteY4" fmla="*/ 0 h 758031"/>
+              <a:gd name="connsiteX5" fmla="*/ 0 w 2262187"/>
+              <a:gd name="connsiteY5" fmla="*/ 9525 h 758031"/>
+              <a:gd name="connsiteX6" fmla="*/ 9525 w 2262187"/>
+              <a:gd name="connsiteY6" fmla="*/ 758031 h 758031"/>
+              <a:gd name="connsiteX7" fmla="*/ 1177925 w 2262187"/>
+              <a:gd name="connsiteY7" fmla="*/ 643731 h 758031"/>
+              <a:gd name="connsiteX0" fmla="*/ 1177925 w 2262187"/>
+              <a:gd name="connsiteY0" fmla="*/ 643731 h 758031"/>
+              <a:gd name="connsiteX1" fmla="*/ 479425 w 2262187"/>
+              <a:gd name="connsiteY1" fmla="*/ 643731 h 758031"/>
+              <a:gd name="connsiteX2" fmla="*/ 479425 w 2262187"/>
+              <a:gd name="connsiteY2" fmla="*/ 21431 h 758031"/>
+              <a:gd name="connsiteX3" fmla="*/ 2188369 w 2262187"/>
+              <a:gd name="connsiteY3" fmla="*/ 9525 h 758031"/>
+              <a:gd name="connsiteX4" fmla="*/ 2262187 w 2262187"/>
+              <a:gd name="connsiteY4" fmla="*/ 0 h 758031"/>
+              <a:gd name="connsiteX5" fmla="*/ 0 w 2262187"/>
+              <a:gd name="connsiteY5" fmla="*/ 9525 h 758031"/>
+              <a:gd name="connsiteX6" fmla="*/ 9525 w 2262187"/>
+              <a:gd name="connsiteY6" fmla="*/ 758031 h 758031"/>
+              <a:gd name="connsiteX7" fmla="*/ 1177925 w 2262187"/>
+              <a:gd name="connsiteY7" fmla="*/ 643731 h 758031"/>
+              <a:gd name="connsiteX0" fmla="*/ 1177925 w 2262187"/>
+              <a:gd name="connsiteY0" fmla="*/ 643731 h 758031"/>
+              <a:gd name="connsiteX1" fmla="*/ 479425 w 2262187"/>
+              <a:gd name="connsiteY1" fmla="*/ 643731 h 758031"/>
+              <a:gd name="connsiteX2" fmla="*/ 479425 w 2262187"/>
+              <a:gd name="connsiteY2" fmla="*/ 21431 h 758031"/>
+              <a:gd name="connsiteX3" fmla="*/ 2188369 w 2262187"/>
+              <a:gd name="connsiteY3" fmla="*/ 9525 h 758031"/>
+              <a:gd name="connsiteX4" fmla="*/ 2262187 w 2262187"/>
+              <a:gd name="connsiteY4" fmla="*/ 0 h 758031"/>
+              <a:gd name="connsiteX5" fmla="*/ 0 w 2262187"/>
+              <a:gd name="connsiteY5" fmla="*/ 9525 h 758031"/>
+              <a:gd name="connsiteX6" fmla="*/ 9525 w 2262187"/>
+              <a:gd name="connsiteY6" fmla="*/ 758031 h 758031"/>
+              <a:gd name="connsiteX7" fmla="*/ 487364 w 2262187"/>
+              <a:gd name="connsiteY7" fmla="*/ 706437 h 758031"/>
+              <a:gd name="connsiteX8" fmla="*/ 1177925 w 2262187"/>
+              <a:gd name="connsiteY8" fmla="*/ 643731 h 758031"/>
+              <a:gd name="connsiteX0" fmla="*/ 1177925 w 2262187"/>
+              <a:gd name="connsiteY0" fmla="*/ 643731 h 758031"/>
+              <a:gd name="connsiteX1" fmla="*/ 479425 w 2262187"/>
+              <a:gd name="connsiteY1" fmla="*/ 643731 h 758031"/>
+              <a:gd name="connsiteX2" fmla="*/ 479425 w 2262187"/>
+              <a:gd name="connsiteY2" fmla="*/ 21431 h 758031"/>
+              <a:gd name="connsiteX3" fmla="*/ 2188369 w 2262187"/>
+              <a:gd name="connsiteY3" fmla="*/ 9525 h 758031"/>
+              <a:gd name="connsiteX4" fmla="*/ 2262187 w 2262187"/>
+              <a:gd name="connsiteY4" fmla="*/ 0 h 758031"/>
+              <a:gd name="connsiteX5" fmla="*/ 0 w 2262187"/>
+              <a:gd name="connsiteY5" fmla="*/ 9525 h 758031"/>
+              <a:gd name="connsiteX6" fmla="*/ 9525 w 2262187"/>
+              <a:gd name="connsiteY6" fmla="*/ 758031 h 758031"/>
+              <a:gd name="connsiteX7" fmla="*/ 1137445 w 2262187"/>
+              <a:gd name="connsiteY7" fmla="*/ 685006 h 758031"/>
+              <a:gd name="connsiteX8" fmla="*/ 1177925 w 2262187"/>
+              <a:gd name="connsiteY8" fmla="*/ 643731 h 758031"/>
+              <a:gd name="connsiteX0" fmla="*/ 1156494 w 2262187"/>
+              <a:gd name="connsiteY0" fmla="*/ 658018 h 758031"/>
+              <a:gd name="connsiteX1" fmla="*/ 479425 w 2262187"/>
+              <a:gd name="connsiteY1" fmla="*/ 643731 h 758031"/>
+              <a:gd name="connsiteX2" fmla="*/ 479425 w 2262187"/>
+              <a:gd name="connsiteY2" fmla="*/ 21431 h 758031"/>
+              <a:gd name="connsiteX3" fmla="*/ 2188369 w 2262187"/>
+              <a:gd name="connsiteY3" fmla="*/ 9525 h 758031"/>
+              <a:gd name="connsiteX4" fmla="*/ 2262187 w 2262187"/>
+              <a:gd name="connsiteY4" fmla="*/ 0 h 758031"/>
+              <a:gd name="connsiteX5" fmla="*/ 0 w 2262187"/>
+              <a:gd name="connsiteY5" fmla="*/ 9525 h 758031"/>
+              <a:gd name="connsiteX6" fmla="*/ 9525 w 2262187"/>
+              <a:gd name="connsiteY6" fmla="*/ 758031 h 758031"/>
+              <a:gd name="connsiteX7" fmla="*/ 1137445 w 2262187"/>
+              <a:gd name="connsiteY7" fmla="*/ 685006 h 758031"/>
+              <a:gd name="connsiteX8" fmla="*/ 1156494 w 2262187"/>
+              <a:gd name="connsiteY8" fmla="*/ 658018 h 758031"/>
+              <a:gd name="connsiteX0" fmla="*/ 1156494 w 2262187"/>
+              <a:gd name="connsiteY0" fmla="*/ 658018 h 693737"/>
+              <a:gd name="connsiteX1" fmla="*/ 479425 w 2262187"/>
+              <a:gd name="connsiteY1" fmla="*/ 643731 h 693737"/>
+              <a:gd name="connsiteX2" fmla="*/ 479425 w 2262187"/>
+              <a:gd name="connsiteY2" fmla="*/ 21431 h 693737"/>
+              <a:gd name="connsiteX3" fmla="*/ 2188369 w 2262187"/>
+              <a:gd name="connsiteY3" fmla="*/ 9525 h 693737"/>
+              <a:gd name="connsiteX4" fmla="*/ 2262187 w 2262187"/>
+              <a:gd name="connsiteY4" fmla="*/ 0 h 693737"/>
+              <a:gd name="connsiteX5" fmla="*/ 0 w 2262187"/>
+              <a:gd name="connsiteY5" fmla="*/ 9525 h 693737"/>
+              <a:gd name="connsiteX6" fmla="*/ 35719 w 2262187"/>
+              <a:gd name="connsiteY6" fmla="*/ 693737 h 693737"/>
+              <a:gd name="connsiteX7" fmla="*/ 1137445 w 2262187"/>
+              <a:gd name="connsiteY7" fmla="*/ 685006 h 693737"/>
+              <a:gd name="connsiteX8" fmla="*/ 1156494 w 2262187"/>
+              <a:gd name="connsiteY8" fmla="*/ 658018 h 693737"/>
+              <a:gd name="connsiteX0" fmla="*/ 1156494 w 2262187"/>
+              <a:gd name="connsiteY0" fmla="*/ 658018 h 693737"/>
+              <a:gd name="connsiteX1" fmla="*/ 467518 w 2262187"/>
+              <a:gd name="connsiteY1" fmla="*/ 674687 h 693737"/>
+              <a:gd name="connsiteX2" fmla="*/ 479425 w 2262187"/>
+              <a:gd name="connsiteY2" fmla="*/ 21431 h 693737"/>
+              <a:gd name="connsiteX3" fmla="*/ 2188369 w 2262187"/>
+              <a:gd name="connsiteY3" fmla="*/ 9525 h 693737"/>
+              <a:gd name="connsiteX4" fmla="*/ 2262187 w 2262187"/>
+              <a:gd name="connsiteY4" fmla="*/ 0 h 693737"/>
+              <a:gd name="connsiteX5" fmla="*/ 0 w 2262187"/>
+              <a:gd name="connsiteY5" fmla="*/ 9525 h 693737"/>
+              <a:gd name="connsiteX6" fmla="*/ 35719 w 2262187"/>
+              <a:gd name="connsiteY6" fmla="*/ 693737 h 693737"/>
+              <a:gd name="connsiteX7" fmla="*/ 1137445 w 2262187"/>
+              <a:gd name="connsiteY7" fmla="*/ 685006 h 693737"/>
+              <a:gd name="connsiteX8" fmla="*/ 1156494 w 2262187"/>
+              <a:gd name="connsiteY8" fmla="*/ 658018 h 693737"/>
+              <a:gd name="connsiteX0" fmla="*/ 1187451 w 2262187"/>
+              <a:gd name="connsiteY0" fmla="*/ 665161 h 693737"/>
+              <a:gd name="connsiteX1" fmla="*/ 467518 w 2262187"/>
+              <a:gd name="connsiteY1" fmla="*/ 674687 h 693737"/>
+              <a:gd name="connsiteX2" fmla="*/ 479425 w 2262187"/>
+              <a:gd name="connsiteY2" fmla="*/ 21431 h 693737"/>
+              <a:gd name="connsiteX3" fmla="*/ 2188369 w 2262187"/>
+              <a:gd name="connsiteY3" fmla="*/ 9525 h 693737"/>
+              <a:gd name="connsiteX4" fmla="*/ 2262187 w 2262187"/>
+              <a:gd name="connsiteY4" fmla="*/ 0 h 693737"/>
+              <a:gd name="connsiteX5" fmla="*/ 0 w 2262187"/>
+              <a:gd name="connsiteY5" fmla="*/ 9525 h 693737"/>
+              <a:gd name="connsiteX6" fmla="*/ 35719 w 2262187"/>
+              <a:gd name="connsiteY6" fmla="*/ 693737 h 693737"/>
+              <a:gd name="connsiteX7" fmla="*/ 1137445 w 2262187"/>
+              <a:gd name="connsiteY7" fmla="*/ 685006 h 693737"/>
+              <a:gd name="connsiteX8" fmla="*/ 1187451 w 2262187"/>
+              <a:gd name="connsiteY8" fmla="*/ 665161 h 693737"/>
+              <a:gd name="connsiteX0" fmla="*/ 1194595 w 2262187"/>
+              <a:gd name="connsiteY0" fmla="*/ 677067 h 693737"/>
+              <a:gd name="connsiteX1" fmla="*/ 467518 w 2262187"/>
+              <a:gd name="connsiteY1" fmla="*/ 674687 h 693737"/>
+              <a:gd name="connsiteX2" fmla="*/ 479425 w 2262187"/>
+              <a:gd name="connsiteY2" fmla="*/ 21431 h 693737"/>
+              <a:gd name="connsiteX3" fmla="*/ 2188369 w 2262187"/>
+              <a:gd name="connsiteY3" fmla="*/ 9525 h 693737"/>
+              <a:gd name="connsiteX4" fmla="*/ 2262187 w 2262187"/>
+              <a:gd name="connsiteY4" fmla="*/ 0 h 693737"/>
+              <a:gd name="connsiteX5" fmla="*/ 0 w 2262187"/>
+              <a:gd name="connsiteY5" fmla="*/ 9525 h 693737"/>
+              <a:gd name="connsiteX6" fmla="*/ 35719 w 2262187"/>
+              <a:gd name="connsiteY6" fmla="*/ 693737 h 693737"/>
+              <a:gd name="connsiteX7" fmla="*/ 1137445 w 2262187"/>
+              <a:gd name="connsiteY7" fmla="*/ 685006 h 693737"/>
+              <a:gd name="connsiteX8" fmla="*/ 1194595 w 2262187"/>
+              <a:gd name="connsiteY8" fmla="*/ 677067 h 693737"/>
+              <a:gd name="connsiteX0" fmla="*/ 1194595 w 2269331"/>
+              <a:gd name="connsiteY0" fmla="*/ 715167 h 731837"/>
+              <a:gd name="connsiteX1" fmla="*/ 467518 w 2269331"/>
+              <a:gd name="connsiteY1" fmla="*/ 712787 h 731837"/>
+              <a:gd name="connsiteX2" fmla="*/ 479425 w 2269331"/>
+              <a:gd name="connsiteY2" fmla="*/ 59531 h 731837"/>
+              <a:gd name="connsiteX3" fmla="*/ 2188369 w 2269331"/>
+              <a:gd name="connsiteY3" fmla="*/ 47625 h 731837"/>
+              <a:gd name="connsiteX4" fmla="*/ 2269331 w 2269331"/>
+              <a:gd name="connsiteY4" fmla="*/ 0 h 731837"/>
+              <a:gd name="connsiteX5" fmla="*/ 0 w 2269331"/>
+              <a:gd name="connsiteY5" fmla="*/ 47625 h 731837"/>
+              <a:gd name="connsiteX6" fmla="*/ 35719 w 2269331"/>
+              <a:gd name="connsiteY6" fmla="*/ 731837 h 731837"/>
+              <a:gd name="connsiteX7" fmla="*/ 1137445 w 2269331"/>
+              <a:gd name="connsiteY7" fmla="*/ 723106 h 731837"/>
+              <a:gd name="connsiteX8" fmla="*/ 1194595 w 2269331"/>
+              <a:gd name="connsiteY8" fmla="*/ 715167 h 731837"/>
+              <a:gd name="connsiteX0" fmla="*/ 1194595 w 2269331"/>
+              <a:gd name="connsiteY0" fmla="*/ 715167 h 744537"/>
+              <a:gd name="connsiteX1" fmla="*/ 467518 w 2269331"/>
+              <a:gd name="connsiteY1" fmla="*/ 712787 h 744537"/>
+              <a:gd name="connsiteX2" fmla="*/ 479425 w 2269331"/>
+              <a:gd name="connsiteY2" fmla="*/ 59531 h 744537"/>
+              <a:gd name="connsiteX3" fmla="*/ 2188369 w 2269331"/>
+              <a:gd name="connsiteY3" fmla="*/ 47625 h 744537"/>
+              <a:gd name="connsiteX4" fmla="*/ 2269331 w 2269331"/>
+              <a:gd name="connsiteY4" fmla="*/ 0 h 744537"/>
+              <a:gd name="connsiteX5" fmla="*/ 0 w 2269331"/>
+              <a:gd name="connsiteY5" fmla="*/ 47625 h 744537"/>
+              <a:gd name="connsiteX6" fmla="*/ 35719 w 2269331"/>
+              <a:gd name="connsiteY6" fmla="*/ 731837 h 744537"/>
+              <a:gd name="connsiteX7" fmla="*/ 1158876 w 2269331"/>
+              <a:gd name="connsiteY7" fmla="*/ 744537 h 744537"/>
+              <a:gd name="connsiteX8" fmla="*/ 1194595 w 2269331"/>
+              <a:gd name="connsiteY8" fmla="*/ 715167 h 744537"/>
+              <a:gd name="connsiteX0" fmla="*/ 1204120 w 2269331"/>
+              <a:gd name="connsiteY0" fmla="*/ 703261 h 744537"/>
+              <a:gd name="connsiteX1" fmla="*/ 467518 w 2269331"/>
+              <a:gd name="connsiteY1" fmla="*/ 712787 h 744537"/>
+              <a:gd name="connsiteX2" fmla="*/ 479425 w 2269331"/>
+              <a:gd name="connsiteY2" fmla="*/ 59531 h 744537"/>
+              <a:gd name="connsiteX3" fmla="*/ 2188369 w 2269331"/>
+              <a:gd name="connsiteY3" fmla="*/ 47625 h 744537"/>
+              <a:gd name="connsiteX4" fmla="*/ 2269331 w 2269331"/>
+              <a:gd name="connsiteY4" fmla="*/ 0 h 744537"/>
+              <a:gd name="connsiteX5" fmla="*/ 0 w 2269331"/>
+              <a:gd name="connsiteY5" fmla="*/ 47625 h 744537"/>
+              <a:gd name="connsiteX6" fmla="*/ 35719 w 2269331"/>
+              <a:gd name="connsiteY6" fmla="*/ 731837 h 744537"/>
+              <a:gd name="connsiteX7" fmla="*/ 1158876 w 2269331"/>
+              <a:gd name="connsiteY7" fmla="*/ 744537 h 744537"/>
+              <a:gd name="connsiteX8" fmla="*/ 1204120 w 2269331"/>
+              <a:gd name="connsiteY8" fmla="*/ 703261 h 744537"/>
+              <a:gd name="connsiteX0" fmla="*/ 1204120 w 2269331"/>
+              <a:gd name="connsiteY0" fmla="*/ 703261 h 744537"/>
+              <a:gd name="connsiteX1" fmla="*/ 467518 w 2269331"/>
+              <a:gd name="connsiteY1" fmla="*/ 696118 h 744537"/>
+              <a:gd name="connsiteX2" fmla="*/ 479425 w 2269331"/>
+              <a:gd name="connsiteY2" fmla="*/ 59531 h 744537"/>
+              <a:gd name="connsiteX3" fmla="*/ 2188369 w 2269331"/>
+              <a:gd name="connsiteY3" fmla="*/ 47625 h 744537"/>
+              <a:gd name="connsiteX4" fmla="*/ 2269331 w 2269331"/>
+              <a:gd name="connsiteY4" fmla="*/ 0 h 744537"/>
+              <a:gd name="connsiteX5" fmla="*/ 0 w 2269331"/>
+              <a:gd name="connsiteY5" fmla="*/ 47625 h 744537"/>
+              <a:gd name="connsiteX6" fmla="*/ 35719 w 2269331"/>
+              <a:gd name="connsiteY6" fmla="*/ 731837 h 744537"/>
+              <a:gd name="connsiteX7" fmla="*/ 1158876 w 2269331"/>
+              <a:gd name="connsiteY7" fmla="*/ 744537 h 744537"/>
+              <a:gd name="connsiteX8" fmla="*/ 1204120 w 2269331"/>
+              <a:gd name="connsiteY8" fmla="*/ 703261 h 744537"/>
+              <a:gd name="connsiteX0" fmla="*/ 1185070 w 2250281"/>
+              <a:gd name="connsiteY0" fmla="*/ 703261 h 744537"/>
+              <a:gd name="connsiteX1" fmla="*/ 448468 w 2250281"/>
+              <a:gd name="connsiteY1" fmla="*/ 696118 h 744537"/>
+              <a:gd name="connsiteX2" fmla="*/ 460375 w 2250281"/>
+              <a:gd name="connsiteY2" fmla="*/ 59531 h 744537"/>
+              <a:gd name="connsiteX3" fmla="*/ 2169319 w 2250281"/>
+              <a:gd name="connsiteY3" fmla="*/ 47625 h 744537"/>
+              <a:gd name="connsiteX4" fmla="*/ 2250281 w 2250281"/>
+              <a:gd name="connsiteY4" fmla="*/ 0 h 744537"/>
+              <a:gd name="connsiteX5" fmla="*/ 0 w 2250281"/>
+              <a:gd name="connsiteY5" fmla="*/ 28575 h 744537"/>
+              <a:gd name="connsiteX6" fmla="*/ 16669 w 2250281"/>
+              <a:gd name="connsiteY6" fmla="*/ 731837 h 744537"/>
+              <a:gd name="connsiteX7" fmla="*/ 1139826 w 2250281"/>
+              <a:gd name="connsiteY7" fmla="*/ 744537 h 744537"/>
+              <a:gd name="connsiteX8" fmla="*/ 1185070 w 2250281"/>
+              <a:gd name="connsiteY8" fmla="*/ 703261 h 744537"/>
+              <a:gd name="connsiteX0" fmla="*/ 1185070 w 2243137"/>
+              <a:gd name="connsiteY0" fmla="*/ 693736 h 735012"/>
+              <a:gd name="connsiteX1" fmla="*/ 448468 w 2243137"/>
+              <a:gd name="connsiteY1" fmla="*/ 686593 h 735012"/>
+              <a:gd name="connsiteX2" fmla="*/ 460375 w 2243137"/>
+              <a:gd name="connsiteY2" fmla="*/ 50006 h 735012"/>
+              <a:gd name="connsiteX3" fmla="*/ 2169319 w 2243137"/>
+              <a:gd name="connsiteY3" fmla="*/ 38100 h 735012"/>
+              <a:gd name="connsiteX4" fmla="*/ 2243137 w 2243137"/>
+              <a:gd name="connsiteY4" fmla="*/ 0 h 735012"/>
+              <a:gd name="connsiteX5" fmla="*/ 0 w 2243137"/>
+              <a:gd name="connsiteY5" fmla="*/ 19050 h 735012"/>
+              <a:gd name="connsiteX6" fmla="*/ 16669 w 2243137"/>
+              <a:gd name="connsiteY6" fmla="*/ 722312 h 735012"/>
+              <a:gd name="connsiteX7" fmla="*/ 1139826 w 2243137"/>
+              <a:gd name="connsiteY7" fmla="*/ 735012 h 735012"/>
+              <a:gd name="connsiteX8" fmla="*/ 1185070 w 2243137"/>
+              <a:gd name="connsiteY8" fmla="*/ 693736 h 735012"/>
+            </a:gdLst>
+            <a:ahLst/>
+            <a:cxnLst>
+              <a:cxn ang="0">
+                <a:pos x="connsiteX0" y="connsiteY0"/>
+              </a:cxn>
+              <a:cxn ang="0">
+                <a:pos x="connsiteX1" y="connsiteY1"/>
+              </a:cxn>
+              <a:cxn ang="0">
+                <a:pos x="connsiteX2" y="connsiteY2"/>
+              </a:cxn>
+              <a:cxn ang="0">
+                <a:pos x="connsiteX3" y="connsiteY3"/>
+              </a:cxn>
+              <a:cxn ang="0">
+                <a:pos x="connsiteX4" y="connsiteY4"/>
+              </a:cxn>
+              <a:cxn ang="0">
+                <a:pos x="connsiteX5" y="connsiteY5"/>
+              </a:cxn>
+              <a:cxn ang="0">
+                <a:pos x="connsiteX6" y="connsiteY6"/>
+              </a:cxn>
+              <a:cxn ang="0">
+                <a:pos x="connsiteX7" y="connsiteY7"/>
+              </a:cxn>
+              <a:cxn ang="0">
+                <a:pos x="connsiteX8" y="connsiteY8"/>
+              </a:cxn>
+            </a:cxnLst>
+            <a:rect l="l" t="t" r="r" b="b"/>
+            <a:pathLst>
+              <a:path w="2243137" h="735012">
+                <a:moveTo>
+                  <a:pt x="1185070" y="693736"/>
+                </a:moveTo>
+                <a:lnTo>
+                  <a:pt x="448468" y="686593"/>
+                </a:lnTo>
+                <a:lnTo>
+                  <a:pt x="460375" y="50006"/>
+                </a:lnTo>
+                <a:lnTo>
+                  <a:pt x="2169319" y="38100"/>
+                </a:lnTo>
+                <a:lnTo>
+                  <a:pt x="2243137" y="0"/>
+                </a:lnTo>
+                <a:lnTo>
+                  <a:pt x="0" y="19050"/>
+                </a:lnTo>
+                <a:lnTo>
+                  <a:pt x="16669" y="722312"/>
+                </a:lnTo>
+                <a:lnTo>
+                  <a:pt x="1139826" y="735012"/>
+                </a:lnTo>
+                <a:lnTo>
+                  <a:pt x="1185070" y="693736"/>
+                </a:lnTo>
+                <a:close/>
+              </a:path>
+            </a:pathLst>
+          </a:custGeom>
+          <a:solidFill>
+            <a:schemeClr val="bg1"/>
+          </a:solidFill>
+          <a:ln>
+            <a:solidFill>
+              <a:schemeClr val="bg1"/>
+            </a:solidFill>
+          </a:ln>
+        </p:spPr>
+        <p:style>
+          <a:lnRef idx="2">
+            <a:schemeClr val="accent1">
+              <a:shade val="50000"/>
+            </a:schemeClr>
+          </a:lnRef>
+          <a:fillRef idx="1">
+            <a:schemeClr val="accent1"/>
+          </a:fillRef>
+          <a:effectRef idx="0">
+            <a:schemeClr val="accent1"/>
+          </a:effectRef>
+          <a:fontRef idx="minor">
+            <a:schemeClr val="lt1"/>
+          </a:fontRef>
+        </p:style>
+        <p:txBody>
+          <a:bodyPr rtlCol="0" anchor="ctr"/>
+          <a:lstStyle/>
+          <a:p>
+            <a:pPr algn="ctr"/>
+            <a:endParaRPr lang="en-US" dirty="0"/>
+          </a:p>
+        </p:txBody>
+      </p:sp>
       <p:sp>
         <p:nvSpPr>
           <p:cNvPr id="4" name="Freeform: Shape 3">
@@ -9000,7 +10377,7 @@
         <p:spPr>
           <a:xfrm flipH="1">
             <a:off x="5403850" y="2682873"/>
-            <a:ext cx="1435100" cy="0"/>
+            <a:ext cx="1682750" cy="0"/>
           </a:xfrm>
           <a:prstGeom prst="line">
             <a:avLst/>
@@ -9166,47 +10543,6 @@
           <a:xfrm>
             <a:off x="6367464" y="1149350"/>
             <a:ext cx="0" cy="1531937"/>
-          </a:xfrm>
-          <a:prstGeom prst="line">
-            <a:avLst/>
-          </a:prstGeom>
-          <a:ln w="12700">
-            <a:prstDash val="dash"/>
-          </a:ln>
-        </p:spPr>
-        <p:style>
-          <a:lnRef idx="1">
-            <a:schemeClr val="dk1"/>
-          </a:lnRef>
-          <a:fillRef idx="0">
-            <a:schemeClr val="dk1"/>
-          </a:fillRef>
-          <a:effectRef idx="0">
-            <a:schemeClr val="dk1"/>
-          </a:effectRef>
-          <a:fontRef idx="minor">
-            <a:schemeClr val="tx1"/>
-          </a:fontRef>
-        </p:style>
-      </p:cxnSp>
-      <p:cxnSp>
-        <p:nvCxnSpPr>
-          <p:cNvPr id="17" name="Straight Connector 16">
-            <a:extLst>
-              <a:ext uri="{FF2B5EF4-FFF2-40B4-BE49-F238E27FC236}">
-                <a16:creationId xmlns:a16="http://schemas.microsoft.com/office/drawing/2014/main" id="{D77324B5-C662-4670-2105-1F88E083A827}"/>
-              </a:ext>
-            </a:extLst>
-          </p:cNvPr>
-          <p:cNvCxnSpPr>
-            <a:cxnSpLocks/>
-          </p:cNvCxnSpPr>
-          <p:nvPr/>
-        </p:nvCxnSpPr>
-        <p:spPr>
-          <a:xfrm>
-            <a:off x="6738938" y="1149350"/>
-            <a:ext cx="0" cy="1576386"/>
           </a:xfrm>
           <a:prstGeom prst="line">
             <a:avLst/>
@@ -10015,6 +11351,571 @@
           </p:sp>
         </mc:Fallback>
       </mc:AlternateContent>
+      <mc:AlternateContent xmlns:mc="http://schemas.openxmlformats.org/markup-compatibility/2006">
+        <mc:Choice xmlns:a14="http://schemas.microsoft.com/office/drawing/2010/main" Requires="a14">
+          <p:sp>
+            <p:nvSpPr>
+              <p:cNvPr id="35" name="TextBox 34">
+                <a:extLst>
+                  <a:ext uri="{FF2B5EF4-FFF2-40B4-BE49-F238E27FC236}">
+                    <a16:creationId xmlns:a16="http://schemas.microsoft.com/office/drawing/2014/main" id="{C66F8E91-C369-41AA-C2A1-B9E2CEA6288B}"/>
+                  </a:ext>
+                </a:extLst>
+              </p:cNvPr>
+              <p:cNvSpPr txBox="1"/>
+              <p:nvPr/>
+            </p:nvSpPr>
+            <p:spPr>
+              <a:xfrm>
+                <a:off x="7004325" y="2448737"/>
+                <a:ext cx="920476" cy="276999"/>
+              </a:xfrm>
+              <a:prstGeom prst="rect">
+                <a:avLst/>
+              </a:prstGeom>
+              <a:solidFill>
+                <a:schemeClr val="bg1"/>
+              </a:solidFill>
+            </p:spPr>
+            <p:txBody>
+              <a:bodyPr wrap="square" rtlCol="0">
+                <a:spAutoFit/>
+              </a:bodyPr>
+              <a:lstStyle/>
+              <a:p>
+                <a:pPr/>
+                <a14:m>
+                  <m:oMathPara xmlns:m="http://schemas.openxmlformats.org/officeDocument/2006/math">
+                    <m:oMathParaPr>
+                      <m:jc m:val="centerGroup"/>
+                    </m:oMathParaPr>
+                    <m:oMath xmlns:m="http://schemas.openxmlformats.org/officeDocument/2006/math">
+                      <m:r>
+                        <a:rPr lang="en-US" sz="1200" i="1" smtClean="0">
+                          <a:latin typeface="Cambria Math" panose="02040503050406030204" pitchFamily="18" charset="0"/>
+                        </a:rPr>
+                        <m:t>3</m:t>
+                      </m:r>
+                      <m:r>
+                        <a:rPr lang="en-US" sz="1200" b="0" i="1" smtClean="0">
+                          <a:latin typeface="Cambria Math" panose="02040503050406030204" pitchFamily="18" charset="0"/>
+                        </a:rPr>
+                        <m:t>429</m:t>
+                      </m:r>
+                      <m:r>
+                        <a:rPr lang="en-US" sz="1200" b="0" i="1" smtClean="0">
+                          <a:solidFill>
+                            <a:schemeClr val="tx1"/>
+                          </a:solidFill>
+                          <a:latin typeface="Cambria Math" panose="02040503050406030204" pitchFamily="18" charset="0"/>
+                        </a:rPr>
+                        <m:t> [</m:t>
+                      </m:r>
+                      <m:r>
+                        <a:rPr lang="en-US" sz="1200" b="0" i="1" smtClean="0">
+                          <a:solidFill>
+                            <a:schemeClr val="tx1"/>
+                          </a:solidFill>
+                          <a:latin typeface="Cambria Math" panose="02040503050406030204" pitchFamily="18" charset="0"/>
+                        </a:rPr>
+                        <m:t>𝑚𝑚</m:t>
+                      </m:r>
+                      <m:r>
+                        <a:rPr lang="en-US" sz="1200" b="0" i="1" smtClean="0">
+                          <a:solidFill>
+                            <a:schemeClr val="tx1"/>
+                          </a:solidFill>
+                          <a:latin typeface="Cambria Math" panose="02040503050406030204" pitchFamily="18" charset="0"/>
+                        </a:rPr>
+                        <m:t>]</m:t>
+                      </m:r>
+                    </m:oMath>
+                  </m:oMathPara>
+                </a14:m>
+                <a:endParaRPr lang="en-US" dirty="0"/>
+              </a:p>
+            </p:txBody>
+          </p:sp>
+        </mc:Choice>
+        <mc:Fallback>
+          <p:sp>
+            <p:nvSpPr>
+              <p:cNvPr id="35" name="TextBox 34">
+                <a:extLst>
+                  <a:ext uri="{FF2B5EF4-FFF2-40B4-BE49-F238E27FC236}">
+                    <a16:creationId xmlns:a16="http://schemas.microsoft.com/office/drawing/2014/main" id="{C66F8E91-C369-41AA-C2A1-B9E2CEA6288B}"/>
+                  </a:ext>
+                </a:extLst>
+              </p:cNvPr>
+              <p:cNvSpPr txBox="1">
+                <a:spLocks noRot="1" noChangeAspect="1" noMove="1" noResize="1" noEditPoints="1" noAdjustHandles="1" noChangeArrowheads="1" noChangeShapeType="1" noTextEdit="1"/>
+              </p:cNvSpPr>
+              <p:nvPr/>
+            </p:nvSpPr>
+            <p:spPr>
+              <a:xfrm>
+                <a:off x="7004325" y="2448737"/>
+                <a:ext cx="920476" cy="276999"/>
+              </a:xfrm>
+              <a:prstGeom prst="rect">
+                <a:avLst/>
+              </a:prstGeom>
+              <a:blipFill>
+                <a:blip r:embed="rId7"/>
+                <a:stretch>
+                  <a:fillRect b="-8889"/>
+                </a:stretch>
+              </a:blipFill>
+            </p:spPr>
+            <p:txBody>
+              <a:bodyPr/>
+              <a:lstStyle/>
+              <a:p>
+                <a:r>
+                  <a:rPr lang="en-US">
+                    <a:noFill/>
+                  </a:rPr>
+                  <a:t> </a:t>
+                </a:r>
+              </a:p>
+            </p:txBody>
+          </p:sp>
+        </mc:Fallback>
+      </mc:AlternateContent>
+      <p:cxnSp>
+        <p:nvCxnSpPr>
+          <p:cNvPr id="45" name="Straight Connector 44">
+            <a:extLst>
+              <a:ext uri="{FF2B5EF4-FFF2-40B4-BE49-F238E27FC236}">
+                <a16:creationId xmlns:a16="http://schemas.microsoft.com/office/drawing/2014/main" id="{D809574D-BEAF-0C99-519E-C1E72FD30759}"/>
+              </a:ext>
+            </a:extLst>
+          </p:cNvPr>
+          <p:cNvCxnSpPr>
+            <a:cxnSpLocks/>
+          </p:cNvCxnSpPr>
+          <p:nvPr/>
+        </p:nvCxnSpPr>
+        <p:spPr>
+          <a:xfrm>
+            <a:off x="2301875" y="709613"/>
+            <a:ext cx="0" cy="2171700"/>
+          </a:xfrm>
+          <a:prstGeom prst="line">
+            <a:avLst/>
+          </a:prstGeom>
+          <a:ln w="19050">
+            <a:solidFill>
+              <a:schemeClr val="bg2">
+                <a:lumMod val="90000"/>
+              </a:schemeClr>
+            </a:solidFill>
+            <a:prstDash val="solid"/>
+          </a:ln>
+        </p:spPr>
+        <p:style>
+          <a:lnRef idx="1">
+            <a:schemeClr val="dk1"/>
+          </a:lnRef>
+          <a:fillRef idx="0">
+            <a:schemeClr val="dk1"/>
+          </a:fillRef>
+          <a:effectRef idx="0">
+            <a:schemeClr val="dk1"/>
+          </a:effectRef>
+          <a:fontRef idx="minor">
+            <a:schemeClr val="tx1"/>
+          </a:fontRef>
+        </p:style>
+      </p:cxnSp>
+      <p:cxnSp>
+        <p:nvCxnSpPr>
+          <p:cNvPr id="46" name="Straight Connector 45">
+            <a:extLst>
+              <a:ext uri="{FF2B5EF4-FFF2-40B4-BE49-F238E27FC236}">
+                <a16:creationId xmlns:a16="http://schemas.microsoft.com/office/drawing/2014/main" id="{443B1776-9CC1-F6DC-2848-F8BBE82A9178}"/>
+              </a:ext>
+            </a:extLst>
+          </p:cNvPr>
+          <p:cNvCxnSpPr>
+            <a:cxnSpLocks/>
+          </p:cNvCxnSpPr>
+          <p:nvPr/>
+        </p:nvCxnSpPr>
+        <p:spPr>
+          <a:xfrm>
+            <a:off x="6750845" y="709613"/>
+            <a:ext cx="0" cy="1971674"/>
+          </a:xfrm>
+          <a:prstGeom prst="line">
+            <a:avLst/>
+          </a:prstGeom>
+          <a:ln w="19050">
+            <a:solidFill>
+              <a:schemeClr val="bg2">
+                <a:lumMod val="90000"/>
+              </a:schemeClr>
+            </a:solidFill>
+            <a:prstDash val="solid"/>
+          </a:ln>
+        </p:spPr>
+        <p:style>
+          <a:lnRef idx="1">
+            <a:schemeClr val="dk1"/>
+          </a:lnRef>
+          <a:fillRef idx="0">
+            <a:schemeClr val="dk1"/>
+          </a:fillRef>
+          <a:effectRef idx="0">
+            <a:schemeClr val="dk1"/>
+          </a:effectRef>
+          <a:fontRef idx="minor">
+            <a:schemeClr val="tx1"/>
+          </a:fontRef>
+        </p:style>
+      </p:cxnSp>
+      <p:cxnSp>
+        <p:nvCxnSpPr>
+          <p:cNvPr id="47" name="Straight Arrow Connector 46">
+            <a:extLst>
+              <a:ext uri="{FF2B5EF4-FFF2-40B4-BE49-F238E27FC236}">
+                <a16:creationId xmlns:a16="http://schemas.microsoft.com/office/drawing/2014/main" id="{E1750ED8-375B-53D9-20AC-6884BD7F1467}"/>
+              </a:ext>
+            </a:extLst>
+          </p:cNvPr>
+          <p:cNvCxnSpPr>
+            <a:cxnSpLocks/>
+          </p:cNvCxnSpPr>
+          <p:nvPr/>
+        </p:nvCxnSpPr>
+        <p:spPr>
+          <a:xfrm flipH="1">
+            <a:off x="2301875" y="917823"/>
+            <a:ext cx="4437063" cy="0"/>
+          </a:xfrm>
+          <a:prstGeom prst="straightConnector1">
+            <a:avLst/>
+          </a:prstGeom>
+          <a:ln w="12700">
+            <a:solidFill>
+              <a:schemeClr val="bg2">
+                <a:lumMod val="90000"/>
+              </a:schemeClr>
+            </a:solidFill>
+            <a:headEnd type="triangle" w="sm" len="sm"/>
+            <a:tailEnd type="triangle" w="sm" len="sm"/>
+          </a:ln>
+        </p:spPr>
+        <p:style>
+          <a:lnRef idx="1">
+            <a:schemeClr val="accent1"/>
+          </a:lnRef>
+          <a:fillRef idx="0">
+            <a:schemeClr val="accent1"/>
+          </a:fillRef>
+          <a:effectRef idx="0">
+            <a:schemeClr val="accent1"/>
+          </a:effectRef>
+          <a:fontRef idx="minor">
+            <a:schemeClr val="tx1"/>
+          </a:fontRef>
+        </p:style>
+      </p:cxnSp>
+      <mc:AlternateContent xmlns:mc="http://schemas.openxmlformats.org/markup-compatibility/2006">
+        <mc:Choice xmlns:a14="http://schemas.microsoft.com/office/drawing/2010/main" Requires="a14">
+          <p:sp>
+            <p:nvSpPr>
+              <p:cNvPr id="48" name="TextBox 47">
+                <a:extLst>
+                  <a:ext uri="{FF2B5EF4-FFF2-40B4-BE49-F238E27FC236}">
+                    <a16:creationId xmlns:a16="http://schemas.microsoft.com/office/drawing/2014/main" id="{41A8FF09-CE3E-C44B-BC1B-D39E10CB85BC}"/>
+                  </a:ext>
+                </a:extLst>
+              </p:cNvPr>
+              <p:cNvSpPr txBox="1"/>
+              <p:nvPr/>
+            </p:nvSpPr>
+            <p:spPr>
+              <a:xfrm>
+                <a:off x="3511823" y="609393"/>
+                <a:ext cx="920476" cy="276999"/>
+              </a:xfrm>
+              <a:prstGeom prst="rect">
+                <a:avLst/>
+              </a:prstGeom>
+              <a:noFill/>
+            </p:spPr>
+            <p:txBody>
+              <a:bodyPr wrap="square" rtlCol="0">
+                <a:spAutoFit/>
+              </a:bodyPr>
+              <a:lstStyle/>
+              <a:p>
+                <a:pPr/>
+                <a14:m>
+                  <m:oMathPara xmlns:m="http://schemas.openxmlformats.org/officeDocument/2006/math">
+                    <m:oMathParaPr>
+                      <m:jc m:val="centerGroup"/>
+                    </m:oMathParaPr>
+                    <m:oMath xmlns:m="http://schemas.openxmlformats.org/officeDocument/2006/math">
+                      <m:r>
+                        <a:rPr lang="en-US" sz="1200" i="1" smtClean="0">
+                          <a:solidFill>
+                            <a:schemeClr val="tx1"/>
+                          </a:solidFill>
+                          <a:latin typeface="Cambria Math" panose="02040503050406030204" pitchFamily="18" charset="0"/>
+                        </a:rPr>
+                        <m:t>9</m:t>
+                      </m:r>
+                      <m:r>
+                        <a:rPr lang="en-US" sz="1200" b="0" i="1" smtClean="0">
+                          <a:solidFill>
+                            <a:schemeClr val="tx1"/>
+                          </a:solidFill>
+                          <a:latin typeface="Cambria Math" panose="02040503050406030204" pitchFamily="18" charset="0"/>
+                        </a:rPr>
+                        <m:t>017 [</m:t>
+                      </m:r>
+                      <m:r>
+                        <a:rPr lang="en-US" sz="1200" b="0" i="1" smtClean="0">
+                          <a:solidFill>
+                            <a:schemeClr val="tx1"/>
+                          </a:solidFill>
+                          <a:latin typeface="Cambria Math" panose="02040503050406030204" pitchFamily="18" charset="0"/>
+                        </a:rPr>
+                        <m:t>𝑚𝑚</m:t>
+                      </m:r>
+                      <m:r>
+                        <a:rPr lang="en-US" sz="1200" b="0" i="1" smtClean="0">
+                          <a:solidFill>
+                            <a:schemeClr val="tx1"/>
+                          </a:solidFill>
+                          <a:latin typeface="Cambria Math" panose="02040503050406030204" pitchFamily="18" charset="0"/>
+                        </a:rPr>
+                        <m:t>]</m:t>
+                      </m:r>
+                    </m:oMath>
+                  </m:oMathPara>
+                </a14:m>
+                <a:endParaRPr lang="en-US" dirty="0"/>
+              </a:p>
+            </p:txBody>
+          </p:sp>
+        </mc:Choice>
+        <mc:Fallback>
+          <p:sp>
+            <p:nvSpPr>
+              <p:cNvPr id="48" name="TextBox 47">
+                <a:extLst>
+                  <a:ext uri="{FF2B5EF4-FFF2-40B4-BE49-F238E27FC236}">
+                    <a16:creationId xmlns:a16="http://schemas.microsoft.com/office/drawing/2014/main" id="{41A8FF09-CE3E-C44B-BC1B-D39E10CB85BC}"/>
+                  </a:ext>
+                </a:extLst>
+              </p:cNvPr>
+              <p:cNvSpPr txBox="1">
+                <a:spLocks noRot="1" noChangeAspect="1" noMove="1" noResize="1" noEditPoints="1" noAdjustHandles="1" noChangeArrowheads="1" noChangeShapeType="1" noTextEdit="1"/>
+              </p:cNvSpPr>
+              <p:nvPr/>
+            </p:nvSpPr>
+            <p:spPr>
+              <a:xfrm>
+                <a:off x="3511823" y="609393"/>
+                <a:ext cx="920476" cy="276999"/>
+              </a:xfrm>
+              <a:prstGeom prst="rect">
+                <a:avLst/>
+              </a:prstGeom>
+              <a:blipFill>
+                <a:blip r:embed="rId8"/>
+                <a:stretch>
+                  <a:fillRect b="-8889"/>
+                </a:stretch>
+              </a:blipFill>
+            </p:spPr>
+            <p:txBody>
+              <a:bodyPr/>
+              <a:lstStyle/>
+              <a:p>
+                <a:r>
+                  <a:rPr lang="en-US">
+                    <a:noFill/>
+                  </a:rPr>
+                  <a:t> </a:t>
+                </a:r>
+              </a:p>
+            </p:txBody>
+          </p:sp>
+        </mc:Fallback>
+      </mc:AlternateContent>
+      <p:cxnSp>
+        <p:nvCxnSpPr>
+          <p:cNvPr id="55" name="Straight Arrow Connector 54">
+            <a:extLst>
+              <a:ext uri="{FF2B5EF4-FFF2-40B4-BE49-F238E27FC236}">
+                <a16:creationId xmlns:a16="http://schemas.microsoft.com/office/drawing/2014/main" id="{B49E9182-7037-52DA-EB51-478E1C3D8C3A}"/>
+              </a:ext>
+            </a:extLst>
+          </p:cNvPr>
+          <p:cNvCxnSpPr>
+            <a:cxnSpLocks/>
+          </p:cNvCxnSpPr>
+          <p:nvPr/>
+        </p:nvCxnSpPr>
+        <p:spPr>
+          <a:xfrm>
+            <a:off x="6889750" y="1766378"/>
+            <a:ext cx="0" cy="914909"/>
+          </a:xfrm>
+          <a:prstGeom prst="straightConnector1">
+            <a:avLst/>
+          </a:prstGeom>
+          <a:ln w="12700">
+            <a:solidFill>
+              <a:srgbClr val="002060"/>
+            </a:solidFill>
+            <a:headEnd type="triangle" w="sm" len="sm"/>
+            <a:tailEnd type="triangle" w="sm" len="sm"/>
+          </a:ln>
+        </p:spPr>
+        <p:style>
+          <a:lnRef idx="1">
+            <a:schemeClr val="accent1"/>
+          </a:lnRef>
+          <a:fillRef idx="0">
+            <a:schemeClr val="accent1"/>
+          </a:fillRef>
+          <a:effectRef idx="0">
+            <a:schemeClr val="accent1"/>
+          </a:effectRef>
+          <a:fontRef idx="minor">
+            <a:schemeClr val="tx1"/>
+          </a:fontRef>
+        </p:style>
+      </p:cxnSp>
+      <mc:AlternateContent xmlns:mc="http://schemas.openxmlformats.org/markup-compatibility/2006">
+        <mc:Choice xmlns:a14="http://schemas.microsoft.com/office/drawing/2010/main" Requires="a14">
+          <p:sp>
+            <p:nvSpPr>
+              <p:cNvPr id="59" name="TextBox 58">
+                <a:extLst>
+                  <a:ext uri="{FF2B5EF4-FFF2-40B4-BE49-F238E27FC236}">
+                    <a16:creationId xmlns:a16="http://schemas.microsoft.com/office/drawing/2014/main" id="{545916ED-BC48-CD31-D6A5-3CDB8D146296}"/>
+                  </a:ext>
+                </a:extLst>
+              </p:cNvPr>
+              <p:cNvSpPr txBox="1"/>
+              <p:nvPr/>
+            </p:nvSpPr>
+            <p:spPr>
+              <a:xfrm>
+                <a:off x="6893964" y="2067908"/>
+                <a:ext cx="345529" cy="300210"/>
+              </a:xfrm>
+              <a:prstGeom prst="rect">
+                <a:avLst/>
+              </a:prstGeom>
+              <a:noFill/>
+            </p:spPr>
+            <p:txBody>
+              <a:bodyPr wrap="square" rtlCol="0">
+                <a:spAutoFit/>
+              </a:bodyPr>
+              <a:lstStyle/>
+              <a:p>
+                <a:pPr/>
+                <a14:m>
+                  <m:oMathPara xmlns:m="http://schemas.openxmlformats.org/officeDocument/2006/math">
+                    <m:oMathParaPr>
+                      <m:jc m:val="centerGroup"/>
+                    </m:oMathParaPr>
+                    <m:oMath xmlns:m="http://schemas.openxmlformats.org/officeDocument/2006/math">
+                      <m:sSub>
+                        <m:sSubPr>
+                          <m:ctrlPr>
+                            <a:rPr lang="en-US" sz="1200" b="0" i="1" smtClean="0">
+                              <a:solidFill>
+                                <a:schemeClr val="accent1"/>
+                              </a:solidFill>
+                              <a:latin typeface="Cambria Math" panose="02040503050406030204" pitchFamily="18" charset="0"/>
+                            </a:rPr>
+                          </m:ctrlPr>
+                        </m:sSubPr>
+                        <m:e>
+                          <m:r>
+                            <a:rPr lang="en-US" sz="1200" b="0" i="1" smtClean="0">
+                              <a:solidFill>
+                                <a:schemeClr val="accent1"/>
+                              </a:solidFill>
+                              <a:latin typeface="Cambria Math" panose="02040503050406030204" pitchFamily="18" charset="0"/>
+                            </a:rPr>
+                            <m:t>𝑆</m:t>
+                          </m:r>
+                        </m:e>
+                        <m:sub>
+                          <m:r>
+                            <a:rPr lang="en-US" sz="1200" b="0" i="1" smtClean="0">
+                              <a:solidFill>
+                                <a:schemeClr val="accent1"/>
+                              </a:solidFill>
+                              <a:latin typeface="Cambria Math" panose="02040503050406030204" pitchFamily="18" charset="0"/>
+                            </a:rPr>
+                            <m:t>𝑓</m:t>
+                          </m:r>
+                        </m:sub>
+                      </m:sSub>
+                    </m:oMath>
+                  </m:oMathPara>
+                </a14:m>
+                <a:endParaRPr lang="en-US" dirty="0"/>
+              </a:p>
+            </p:txBody>
+          </p:sp>
+        </mc:Choice>
+        <mc:Fallback>
+          <p:sp>
+            <p:nvSpPr>
+              <p:cNvPr id="59" name="TextBox 58">
+                <a:extLst>
+                  <a:ext uri="{FF2B5EF4-FFF2-40B4-BE49-F238E27FC236}">
+                    <a16:creationId xmlns:a16="http://schemas.microsoft.com/office/drawing/2014/main" id="{545916ED-BC48-CD31-D6A5-3CDB8D146296}"/>
+                  </a:ext>
+                </a:extLst>
+              </p:cNvPr>
+              <p:cNvSpPr txBox="1">
+                <a:spLocks noRot="1" noChangeAspect="1" noMove="1" noResize="1" noEditPoints="1" noAdjustHandles="1" noChangeArrowheads="1" noChangeShapeType="1" noTextEdit="1"/>
+              </p:cNvSpPr>
+              <p:nvPr/>
+            </p:nvSpPr>
+            <p:spPr>
+              <a:xfrm>
+                <a:off x="6893964" y="2067908"/>
+                <a:ext cx="345529" cy="300210"/>
+              </a:xfrm>
+              <a:prstGeom prst="rect">
+                <a:avLst/>
+              </a:prstGeom>
+              <a:blipFill>
+                <a:blip r:embed="rId9"/>
+                <a:stretch>
+                  <a:fillRect/>
+                </a:stretch>
+              </a:blipFill>
+            </p:spPr>
+            <p:txBody>
+              <a:bodyPr/>
+              <a:lstStyle/>
+              <a:p>
+                <a:r>
+                  <a:rPr lang="en-US">
+                    <a:noFill/>
+                  </a:rPr>
+                  <a:t> </a:t>
+                </a:r>
+              </a:p>
+            </p:txBody>
+          </p:sp>
+        </mc:Fallback>
+      </mc:AlternateContent>
     </p:spTree>
     <p:extLst>
       <p:ext uri="{BB962C8B-B14F-4D97-AF65-F5344CB8AC3E}">

--- a/TechnicalReport/Figures.pptx
+++ b/TechnicalReport/Figures.pptx
@@ -262,7 +262,7 @@
           <a:p>
             <a:fld id="{C1A24063-2F13-4A0D-BF3F-218053084915}" type="datetimeFigureOut">
               <a:rPr lang="en-US" smtClean="0"/>
-              <a:t>1/2/2023</a:t>
+              <a:t>1/4/2023</a:t>
             </a:fld>
             <a:endParaRPr lang="en-US"/>
           </a:p>
@@ -460,7 +460,7 @@
           <a:p>
             <a:fld id="{C1A24063-2F13-4A0D-BF3F-218053084915}" type="datetimeFigureOut">
               <a:rPr lang="en-US" smtClean="0"/>
-              <a:t>1/2/2023</a:t>
+              <a:t>1/4/2023</a:t>
             </a:fld>
             <a:endParaRPr lang="en-US"/>
           </a:p>
@@ -668,7 +668,7 @@
           <a:p>
             <a:fld id="{C1A24063-2F13-4A0D-BF3F-218053084915}" type="datetimeFigureOut">
               <a:rPr lang="en-US" smtClean="0"/>
-              <a:t>1/2/2023</a:t>
+              <a:t>1/4/2023</a:t>
             </a:fld>
             <a:endParaRPr lang="en-US"/>
           </a:p>
@@ -866,7 +866,7 @@
           <a:p>
             <a:fld id="{C1A24063-2F13-4A0D-BF3F-218053084915}" type="datetimeFigureOut">
               <a:rPr lang="en-US" smtClean="0"/>
-              <a:t>1/2/2023</a:t>
+              <a:t>1/4/2023</a:t>
             </a:fld>
             <a:endParaRPr lang="en-US"/>
           </a:p>
@@ -1141,7 +1141,7 @@
           <a:p>
             <a:fld id="{C1A24063-2F13-4A0D-BF3F-218053084915}" type="datetimeFigureOut">
               <a:rPr lang="en-US" smtClean="0"/>
-              <a:t>1/2/2023</a:t>
+              <a:t>1/4/2023</a:t>
             </a:fld>
             <a:endParaRPr lang="en-US"/>
           </a:p>
@@ -1406,7 +1406,7 @@
           <a:p>
             <a:fld id="{C1A24063-2F13-4A0D-BF3F-218053084915}" type="datetimeFigureOut">
               <a:rPr lang="en-US" smtClean="0"/>
-              <a:t>1/2/2023</a:t>
+              <a:t>1/4/2023</a:t>
             </a:fld>
             <a:endParaRPr lang="en-US"/>
           </a:p>
@@ -1818,7 +1818,7 @@
           <a:p>
             <a:fld id="{C1A24063-2F13-4A0D-BF3F-218053084915}" type="datetimeFigureOut">
               <a:rPr lang="en-US" smtClean="0"/>
-              <a:t>1/2/2023</a:t>
+              <a:t>1/4/2023</a:t>
             </a:fld>
             <a:endParaRPr lang="en-US"/>
           </a:p>
@@ -1959,7 +1959,7 @@
           <a:p>
             <a:fld id="{C1A24063-2F13-4A0D-BF3F-218053084915}" type="datetimeFigureOut">
               <a:rPr lang="en-US" smtClean="0"/>
-              <a:t>1/2/2023</a:t>
+              <a:t>1/4/2023</a:t>
             </a:fld>
             <a:endParaRPr lang="en-US"/>
           </a:p>
@@ -2072,7 +2072,7 @@
           <a:p>
             <a:fld id="{C1A24063-2F13-4A0D-BF3F-218053084915}" type="datetimeFigureOut">
               <a:rPr lang="en-US" smtClean="0"/>
-              <a:t>1/2/2023</a:t>
+              <a:t>1/4/2023</a:t>
             </a:fld>
             <a:endParaRPr lang="en-US"/>
           </a:p>
@@ -2383,7 +2383,7 @@
           <a:p>
             <a:fld id="{C1A24063-2F13-4A0D-BF3F-218053084915}" type="datetimeFigureOut">
               <a:rPr lang="en-US" smtClean="0"/>
-              <a:t>1/2/2023</a:t>
+              <a:t>1/4/2023</a:t>
             </a:fld>
             <a:endParaRPr lang="en-US"/>
           </a:p>
@@ -2671,7 +2671,7 @@
           <a:p>
             <a:fld id="{C1A24063-2F13-4A0D-BF3F-218053084915}" type="datetimeFigureOut">
               <a:rPr lang="en-US" smtClean="0"/>
-              <a:t>1/2/2023</a:t>
+              <a:t>1/4/2023</a:t>
             </a:fld>
             <a:endParaRPr lang="en-US"/>
           </a:p>
@@ -2912,7 +2912,7 @@
           <a:p>
             <a:fld id="{C1A24063-2F13-4A0D-BF3F-218053084915}" type="datetimeFigureOut">
               <a:rPr lang="en-US" smtClean="0"/>
-              <a:t>1/2/2023</a:t>
+              <a:t>1/4/2023</a:t>
             </a:fld>
             <a:endParaRPr lang="en-US"/>
           </a:p>
@@ -4333,8 +4333,8 @@
           </a:fontRef>
         </p:style>
       </p:cxnSp>
-      <mc:AlternateContent xmlns:mc="http://schemas.openxmlformats.org/markup-compatibility/2006">
-        <mc:Choice xmlns:a14="http://schemas.microsoft.com/office/drawing/2010/main" Requires="a14">
+      <mc:AlternateContent xmlns:mc="http://schemas.openxmlformats.org/markup-compatibility/2006" xmlns:a14="http://schemas.microsoft.com/office/drawing/2010/main">
+        <mc:Choice Requires="a14">
           <p:sp>
             <p:nvSpPr>
               <p:cNvPr id="61" name="TextBox 60">
@@ -4446,7 +4446,7 @@
             </p:txBody>
           </p:sp>
         </mc:Choice>
-        <mc:Fallback>
+        <mc:Fallback xmlns="">
           <p:sp>
             <p:nvSpPr>
               <p:cNvPr id="61" name="TextBox 60">
@@ -4536,8 +4536,8 @@
           </a:fontRef>
         </p:style>
       </p:cxnSp>
-      <mc:AlternateContent xmlns:mc="http://schemas.openxmlformats.org/markup-compatibility/2006">
-        <mc:Choice xmlns:a14="http://schemas.microsoft.com/office/drawing/2010/main" Requires="a14">
+      <mc:AlternateContent xmlns:mc="http://schemas.openxmlformats.org/markup-compatibility/2006" xmlns:a14="http://schemas.microsoft.com/office/drawing/2010/main">
+        <mc:Choice Requires="a14">
           <p:sp>
             <p:nvSpPr>
               <p:cNvPr id="65" name="TextBox 64">
@@ -4640,7 +4640,7 @@
             </p:txBody>
           </p:sp>
         </mc:Choice>
-        <mc:Fallback>
+        <mc:Fallback xmlns="">
           <p:sp>
             <p:nvSpPr>
               <p:cNvPr id="65" name="TextBox 64">
@@ -4730,8 +4730,8 @@
           </a:fontRef>
         </p:style>
       </p:cxnSp>
-      <mc:AlternateContent xmlns:mc="http://schemas.openxmlformats.org/markup-compatibility/2006">
-        <mc:Choice xmlns:a14="http://schemas.microsoft.com/office/drawing/2010/main" Requires="a14">
+      <mc:AlternateContent xmlns:mc="http://schemas.openxmlformats.org/markup-compatibility/2006" xmlns:a14="http://schemas.microsoft.com/office/drawing/2010/main">
+        <mc:Choice Requires="a14">
           <p:sp>
             <p:nvSpPr>
               <p:cNvPr id="72" name="TextBox 71">
@@ -4834,7 +4834,7 @@
             </p:txBody>
           </p:sp>
         </mc:Choice>
-        <mc:Fallback>
+        <mc:Fallback xmlns="">
           <p:sp>
             <p:nvSpPr>
               <p:cNvPr id="72" name="TextBox 71">
@@ -4924,8 +4924,8 @@
           </a:fontRef>
         </p:style>
       </p:cxnSp>
-      <mc:AlternateContent xmlns:mc="http://schemas.openxmlformats.org/markup-compatibility/2006">
-        <mc:Choice xmlns:a14="http://schemas.microsoft.com/office/drawing/2010/main" Requires="a14">
+      <mc:AlternateContent xmlns:mc="http://schemas.openxmlformats.org/markup-compatibility/2006" xmlns:a14="http://schemas.microsoft.com/office/drawing/2010/main">
+        <mc:Choice Requires="a14">
           <p:sp>
             <p:nvSpPr>
               <p:cNvPr id="86" name="TextBox 85">
@@ -5028,7 +5028,7 @@
             </p:txBody>
           </p:sp>
         </mc:Choice>
-        <mc:Fallback>
+        <mc:Fallback xmlns="">
           <p:sp>
             <p:nvSpPr>
               <p:cNvPr id="86" name="TextBox 85">
@@ -5207,8 +5207,8 @@
           </a:fontRef>
         </p:style>
       </p:cxnSp>
-      <mc:AlternateContent xmlns:mc="http://schemas.openxmlformats.org/markup-compatibility/2006">
-        <mc:Choice xmlns:a14="http://schemas.microsoft.com/office/drawing/2010/main" Requires="a14">
+      <mc:AlternateContent xmlns:mc="http://schemas.openxmlformats.org/markup-compatibility/2006" xmlns:a14="http://schemas.microsoft.com/office/drawing/2010/main">
+        <mc:Choice Requires="a14">
           <p:sp>
             <p:nvSpPr>
               <p:cNvPr id="118" name="TextBox 117">
@@ -5311,7 +5311,7 @@
             </p:txBody>
           </p:sp>
         </mc:Choice>
-        <mc:Fallback>
+        <mc:Fallback xmlns="">
           <p:sp>
             <p:nvSpPr>
               <p:cNvPr id="118" name="TextBox 117">
@@ -5401,8 +5401,8 @@
           </a:fontRef>
         </p:style>
       </p:cxnSp>
-      <mc:AlternateContent xmlns:mc="http://schemas.openxmlformats.org/markup-compatibility/2006">
-        <mc:Choice xmlns:a14="http://schemas.microsoft.com/office/drawing/2010/main" Requires="a14">
+      <mc:AlternateContent xmlns:mc="http://schemas.openxmlformats.org/markup-compatibility/2006" xmlns:a14="http://schemas.microsoft.com/office/drawing/2010/main">
+        <mc:Choice Requires="a14">
           <p:sp>
             <p:nvSpPr>
               <p:cNvPr id="121" name="TextBox 120">
@@ -5505,7 +5505,7 @@
             </p:txBody>
           </p:sp>
         </mc:Choice>
-        <mc:Fallback>
+        <mc:Fallback xmlns="">
           <p:sp>
             <p:nvSpPr>
               <p:cNvPr id="121" name="TextBox 120">
@@ -5595,8 +5595,8 @@
           </a:fontRef>
         </p:style>
       </p:cxnSp>
-      <mc:AlternateContent xmlns:mc="http://schemas.openxmlformats.org/markup-compatibility/2006">
-        <mc:Choice xmlns:a14="http://schemas.microsoft.com/office/drawing/2010/main" Requires="a14">
+      <mc:AlternateContent xmlns:mc="http://schemas.openxmlformats.org/markup-compatibility/2006" xmlns:a14="http://schemas.microsoft.com/office/drawing/2010/main">
+        <mc:Choice Requires="a14">
           <p:sp>
             <p:nvSpPr>
               <p:cNvPr id="125" name="TextBox 124">
@@ -5699,7 +5699,7 @@
             </p:txBody>
           </p:sp>
         </mc:Choice>
-        <mc:Fallback>
+        <mc:Fallback xmlns="">
           <p:sp>
             <p:nvSpPr>
               <p:cNvPr id="125" name="TextBox 124">
@@ -5789,8 +5789,8 @@
           </a:fontRef>
         </p:style>
       </p:cxnSp>
-      <mc:AlternateContent xmlns:mc="http://schemas.openxmlformats.org/markup-compatibility/2006">
-        <mc:Choice xmlns:a14="http://schemas.microsoft.com/office/drawing/2010/main" Requires="a14">
+      <mc:AlternateContent xmlns:mc="http://schemas.openxmlformats.org/markup-compatibility/2006" xmlns:a14="http://schemas.microsoft.com/office/drawing/2010/main">
+        <mc:Choice Requires="a14">
           <p:sp>
             <p:nvSpPr>
               <p:cNvPr id="133" name="TextBox 132">
@@ -5893,7 +5893,7 @@
             </p:txBody>
           </p:sp>
         </mc:Choice>
-        <mc:Fallback>
+        <mc:Fallback xmlns="">
           <p:sp>
             <p:nvSpPr>
               <p:cNvPr id="133" name="TextBox 132">
@@ -5938,8 +5938,8 @@
           </p:sp>
         </mc:Fallback>
       </mc:AlternateContent>
-      <mc:AlternateContent xmlns:mc="http://schemas.openxmlformats.org/markup-compatibility/2006">
-        <mc:Choice xmlns:a14="http://schemas.microsoft.com/office/drawing/2010/main" Requires="a14">
+      <mc:AlternateContent xmlns:mc="http://schemas.openxmlformats.org/markup-compatibility/2006" xmlns:a14="http://schemas.microsoft.com/office/drawing/2010/main">
+        <mc:Choice Requires="a14">
           <p:sp>
             <p:nvSpPr>
               <p:cNvPr id="134" name="TextBox 133">
@@ -6042,7 +6042,7 @@
             </p:txBody>
           </p:sp>
         </mc:Choice>
-        <mc:Fallback>
+        <mc:Fallback xmlns="">
           <p:sp>
             <p:nvSpPr>
               <p:cNvPr id="134" name="TextBox 133">
@@ -6271,8 +6271,8 @@
           </a:fontRef>
         </p:style>
       </p:cxnSp>
-      <mc:AlternateContent xmlns:mc="http://schemas.openxmlformats.org/markup-compatibility/2006">
-        <mc:Choice xmlns:a14="http://schemas.microsoft.com/office/drawing/2010/main" Requires="a14">
+      <mc:AlternateContent xmlns:mc="http://schemas.openxmlformats.org/markup-compatibility/2006" xmlns:a14="http://schemas.microsoft.com/office/drawing/2010/main">
+        <mc:Choice Requires="a14">
           <p:sp>
             <p:nvSpPr>
               <p:cNvPr id="148" name="TextBox 147">
@@ -6352,7 +6352,7 @@
             </p:txBody>
           </p:sp>
         </mc:Choice>
-        <mc:Fallback>
+        <mc:Fallback xmlns="">
           <p:sp>
             <p:nvSpPr>
               <p:cNvPr id="148" name="TextBox 147">
@@ -6638,8 +6638,8 @@
           </a:p>
         </p:txBody>
       </p:sp>
-      <mc:AlternateContent xmlns:mc="http://schemas.openxmlformats.org/markup-compatibility/2006">
-        <mc:Choice xmlns:a14="http://schemas.microsoft.com/office/drawing/2010/main" Requires="a14">
+      <mc:AlternateContent xmlns:mc="http://schemas.openxmlformats.org/markup-compatibility/2006" xmlns:a14="http://schemas.microsoft.com/office/drawing/2010/main">
+        <mc:Choice Requires="a14">
           <p:sp>
             <p:nvSpPr>
               <p:cNvPr id="12" name="TextBox 11">
@@ -6721,7 +6721,7 @@
             </p:txBody>
           </p:sp>
         </mc:Choice>
-        <mc:Fallback>
+        <mc:Fallback xmlns="">
           <p:sp>
             <p:nvSpPr>
               <p:cNvPr id="12" name="TextBox 11">
@@ -6766,8 +6766,8 @@
           </p:sp>
         </mc:Fallback>
       </mc:AlternateContent>
-      <mc:AlternateContent xmlns:mc="http://schemas.openxmlformats.org/markup-compatibility/2006">
-        <mc:Choice xmlns:a14="http://schemas.microsoft.com/office/drawing/2010/main" Requires="a14">
+      <mc:AlternateContent xmlns:mc="http://schemas.openxmlformats.org/markup-compatibility/2006" xmlns:a14="http://schemas.microsoft.com/office/drawing/2010/main">
+        <mc:Choice Requires="a14">
           <p:sp>
             <p:nvSpPr>
               <p:cNvPr id="13" name="TextBox 12">
@@ -6852,7 +6852,7 @@
             </p:txBody>
           </p:sp>
         </mc:Choice>
-        <mc:Fallback>
+        <mc:Fallback xmlns="">
           <p:sp>
             <p:nvSpPr>
               <p:cNvPr id="13" name="TextBox 12">
@@ -6897,6 +6897,178 @@
           </p:sp>
         </mc:Fallback>
       </mc:AlternateContent>
+      <mc:AlternateContent xmlns:mc="http://schemas.openxmlformats.org/markup-compatibility/2006">
+        <mc:Choice xmlns:a14="http://schemas.microsoft.com/office/drawing/2010/main" Requires="a14">
+          <p:sp>
+            <p:nvSpPr>
+              <p:cNvPr id="2" name="TextBox 1">
+                <a:extLst>
+                  <a:ext uri="{FF2B5EF4-FFF2-40B4-BE49-F238E27FC236}">
+                    <a16:creationId xmlns:a16="http://schemas.microsoft.com/office/drawing/2014/main" id="{94584DC7-F888-D0E5-C52F-D840C3DFC295}"/>
+                  </a:ext>
+                </a:extLst>
+              </p:cNvPr>
+              <p:cNvSpPr txBox="1"/>
+              <p:nvPr/>
+            </p:nvSpPr>
+            <p:spPr>
+              <a:xfrm>
+                <a:off x="3659134" y="3415437"/>
+                <a:ext cx="920476" cy="276999"/>
+              </a:xfrm>
+              <a:prstGeom prst="rect">
+                <a:avLst/>
+              </a:prstGeom>
+              <a:solidFill>
+                <a:schemeClr val="bg1"/>
+              </a:solidFill>
+            </p:spPr>
+            <p:txBody>
+              <a:bodyPr wrap="square" rtlCol="0">
+                <a:spAutoFit/>
+              </a:bodyPr>
+              <a:lstStyle/>
+              <a:p>
+                <a:pPr/>
+                <a14:m>
+                  <m:oMathPara xmlns:m="http://schemas.openxmlformats.org/officeDocument/2006/math">
+                    <m:oMathParaPr>
+                      <m:jc m:val="centerGroup"/>
+                    </m:oMathParaPr>
+                    <m:oMath xmlns:m="http://schemas.openxmlformats.org/officeDocument/2006/math">
+                      <m:r>
+                        <a:rPr lang="en-US" sz="1200" i="1" smtClean="0">
+                          <a:latin typeface="Cambria Math" panose="02040503050406030204" pitchFamily="18" charset="0"/>
+                        </a:rPr>
+                        <m:t>1</m:t>
+                      </m:r>
+                      <m:r>
+                        <a:rPr lang="en-US" sz="1200" b="0" i="1" smtClean="0">
+                          <a:latin typeface="Cambria Math" panose="02040503050406030204" pitchFamily="18" charset="0"/>
+                        </a:rPr>
+                        <m:t>397</m:t>
+                      </m:r>
+                      <m:r>
+                        <a:rPr lang="en-US" sz="1200" b="0" i="1" smtClean="0">
+                          <a:solidFill>
+                            <a:schemeClr val="tx1"/>
+                          </a:solidFill>
+                          <a:latin typeface="Cambria Math" panose="02040503050406030204" pitchFamily="18" charset="0"/>
+                        </a:rPr>
+                        <m:t> [</m:t>
+                      </m:r>
+                      <m:r>
+                        <a:rPr lang="en-US" sz="1200" b="0" i="1" smtClean="0">
+                          <a:solidFill>
+                            <a:schemeClr val="tx1"/>
+                          </a:solidFill>
+                          <a:latin typeface="Cambria Math" panose="02040503050406030204" pitchFamily="18" charset="0"/>
+                        </a:rPr>
+                        <m:t>𝑚𝑚</m:t>
+                      </m:r>
+                      <m:r>
+                        <a:rPr lang="en-US" sz="1200" b="0" i="1" smtClean="0">
+                          <a:solidFill>
+                            <a:schemeClr val="tx1"/>
+                          </a:solidFill>
+                          <a:latin typeface="Cambria Math" panose="02040503050406030204" pitchFamily="18" charset="0"/>
+                        </a:rPr>
+                        <m:t>]</m:t>
+                      </m:r>
+                    </m:oMath>
+                  </m:oMathPara>
+                </a14:m>
+                <a:endParaRPr lang="en-US" dirty="0"/>
+              </a:p>
+            </p:txBody>
+          </p:sp>
+        </mc:Choice>
+        <mc:Fallback>
+          <p:sp>
+            <p:nvSpPr>
+              <p:cNvPr id="2" name="TextBox 1">
+                <a:extLst>
+                  <a:ext uri="{FF2B5EF4-FFF2-40B4-BE49-F238E27FC236}">
+                    <a16:creationId xmlns:a16="http://schemas.microsoft.com/office/drawing/2014/main" id="{94584DC7-F888-D0E5-C52F-D840C3DFC295}"/>
+                  </a:ext>
+                </a:extLst>
+              </p:cNvPr>
+              <p:cNvSpPr txBox="1">
+                <a:spLocks noRot="1" noChangeAspect="1" noMove="1" noResize="1" noEditPoints="1" noAdjustHandles="1" noChangeArrowheads="1" noChangeShapeType="1" noTextEdit="1"/>
+              </p:cNvSpPr>
+              <p:nvPr/>
+            </p:nvSpPr>
+            <p:spPr>
+              <a:xfrm>
+                <a:off x="3659134" y="3415437"/>
+                <a:ext cx="920476" cy="276999"/>
+              </a:xfrm>
+              <a:prstGeom prst="rect">
+                <a:avLst/>
+              </a:prstGeom>
+              <a:blipFill>
+                <a:blip r:embed="rId15"/>
+                <a:stretch>
+                  <a:fillRect b="-6522"/>
+                </a:stretch>
+              </a:blipFill>
+            </p:spPr>
+            <p:txBody>
+              <a:bodyPr/>
+              <a:lstStyle/>
+              <a:p>
+                <a:r>
+                  <a:rPr lang="en-US">
+                    <a:noFill/>
+                  </a:rPr>
+                  <a:t> </a:t>
+                </a:r>
+              </a:p>
+            </p:txBody>
+          </p:sp>
+        </mc:Fallback>
+      </mc:AlternateContent>
+      <p:cxnSp>
+        <p:nvCxnSpPr>
+          <p:cNvPr id="3" name="Straight Connector 2">
+            <a:extLst>
+              <a:ext uri="{FF2B5EF4-FFF2-40B4-BE49-F238E27FC236}">
+                <a16:creationId xmlns:a16="http://schemas.microsoft.com/office/drawing/2014/main" id="{B0D5E2BD-FDF7-A257-55F5-6095BA5DC53E}"/>
+              </a:ext>
+            </a:extLst>
+          </p:cNvPr>
+          <p:cNvCxnSpPr>
+            <a:cxnSpLocks/>
+          </p:cNvCxnSpPr>
+          <p:nvPr/>
+        </p:nvCxnSpPr>
+        <p:spPr>
+          <a:xfrm>
+            <a:off x="1631348" y="3684361"/>
+            <a:ext cx="1845276" cy="0"/>
+          </a:xfrm>
+          <a:prstGeom prst="line">
+            <a:avLst/>
+          </a:prstGeom>
+          <a:ln w="12700">
+            <a:prstDash val="dash"/>
+          </a:ln>
+        </p:spPr>
+        <p:style>
+          <a:lnRef idx="1">
+            <a:schemeClr val="dk1"/>
+          </a:lnRef>
+          <a:fillRef idx="0">
+            <a:schemeClr val="dk1"/>
+          </a:fillRef>
+          <a:effectRef idx="0">
+            <a:schemeClr val="dk1"/>
+          </a:effectRef>
+          <a:fontRef idx="minor">
+            <a:schemeClr val="tx1"/>
+          </a:fontRef>
+        </p:style>
+      </p:cxnSp>
     </p:spTree>
     <p:extLst>
       <p:ext uri="{BB962C8B-B14F-4D97-AF65-F5344CB8AC3E}">
@@ -7004,8 +7176,8 @@
           </a:fontRef>
         </p:style>
       </p:cxnSp>
-      <mc:AlternateContent xmlns:mc="http://schemas.openxmlformats.org/markup-compatibility/2006">
-        <mc:Choice xmlns:a14="http://schemas.microsoft.com/office/drawing/2010/main" Requires="a14">
+      <mc:AlternateContent xmlns:mc="http://schemas.openxmlformats.org/markup-compatibility/2006" xmlns:a14="http://schemas.microsoft.com/office/drawing/2010/main">
+        <mc:Choice Requires="a14">
           <p:sp>
             <p:nvSpPr>
               <p:cNvPr id="16" name="TextBox 15">
@@ -7092,7 +7264,7 @@
             </p:txBody>
           </p:sp>
         </mc:Choice>
-        <mc:Fallback>
+        <mc:Fallback xmlns="">
           <p:sp>
             <p:nvSpPr>
               <p:cNvPr id="16" name="TextBox 15">
@@ -7563,8 +7735,8 @@
           </a:fontRef>
         </p:style>
       </p:cxnSp>
-      <mc:AlternateContent xmlns:mc="http://schemas.openxmlformats.org/markup-compatibility/2006">
-        <mc:Choice xmlns:a14="http://schemas.microsoft.com/office/drawing/2010/main" Requires="a14">
+      <mc:AlternateContent xmlns:mc="http://schemas.openxmlformats.org/markup-compatibility/2006" xmlns:a14="http://schemas.microsoft.com/office/drawing/2010/main">
+        <mc:Choice Requires="a14">
           <p:sp>
             <p:nvSpPr>
               <p:cNvPr id="12" name="TextBox 11">
@@ -7651,7 +7823,7 @@
             </p:txBody>
           </p:sp>
         </mc:Choice>
-        <mc:Fallback>
+        <mc:Fallback xmlns="">
           <p:sp>
             <p:nvSpPr>
               <p:cNvPr id="12" name="TextBox 11">
@@ -8161,8 +8333,8 @@
           </a:fontRef>
         </p:style>
       </p:cxnSp>
-      <mc:AlternateContent xmlns:mc="http://schemas.openxmlformats.org/markup-compatibility/2006">
-        <mc:Choice xmlns:a14="http://schemas.microsoft.com/office/drawing/2010/main" Requires="a14">
+      <mc:AlternateContent xmlns:mc="http://schemas.openxmlformats.org/markup-compatibility/2006" xmlns:a14="http://schemas.microsoft.com/office/drawing/2010/main">
+        <mc:Choice Requires="a14">
           <p:sp>
             <p:nvSpPr>
               <p:cNvPr id="52" name="TextBox 51">
@@ -8249,7 +8421,7 @@
             </p:txBody>
           </p:sp>
         </mc:Choice>
-        <mc:Fallback>
+        <mc:Fallback xmlns="">
           <p:sp>
             <p:nvSpPr>
               <p:cNvPr id="52" name="TextBox 51">
@@ -8294,8 +8466,8 @@
           </p:sp>
         </mc:Fallback>
       </mc:AlternateContent>
-      <mc:AlternateContent xmlns:mc="http://schemas.openxmlformats.org/markup-compatibility/2006">
-        <mc:Choice xmlns:a14="http://schemas.microsoft.com/office/drawing/2010/main" Requires="a14">
+      <mc:AlternateContent xmlns:mc="http://schemas.openxmlformats.org/markup-compatibility/2006" xmlns:a14="http://schemas.microsoft.com/office/drawing/2010/main">
+        <mc:Choice Requires="a14">
           <p:sp>
             <p:nvSpPr>
               <p:cNvPr id="53" name="TextBox 52">
@@ -8382,7 +8554,7 @@
             </p:txBody>
           </p:sp>
         </mc:Choice>
-        <mc:Fallback>
+        <mc:Fallback xmlns="">
           <p:sp>
             <p:nvSpPr>
               <p:cNvPr id="53" name="TextBox 52">
@@ -8567,8 +8739,8 @@
           </a:fontRef>
         </p:style>
       </p:cxnSp>
-      <mc:AlternateContent xmlns:mc="http://schemas.openxmlformats.org/markup-compatibility/2006">
-        <mc:Choice xmlns:a14="http://schemas.microsoft.com/office/drawing/2010/main" Requires="a14">
+      <mc:AlternateContent xmlns:mc="http://schemas.openxmlformats.org/markup-compatibility/2006" xmlns:a14="http://schemas.microsoft.com/office/drawing/2010/main">
+        <mc:Choice Requires="a14">
           <p:sp>
             <p:nvSpPr>
               <p:cNvPr id="60" name="TextBox 59">
@@ -8655,7 +8827,7 @@
             </p:txBody>
           </p:sp>
         </mc:Choice>
-        <mc:Fallback>
+        <mc:Fallback xmlns="">
           <p:sp>
             <p:nvSpPr>
               <p:cNvPr id="60" name="TextBox 59">
@@ -8975,8 +9147,8 @@
           </a:p>
         </p:txBody>
       </p:sp>
-      <mc:AlternateContent xmlns:mc="http://schemas.openxmlformats.org/markup-compatibility/2006">
-        <mc:Choice xmlns:a14="http://schemas.microsoft.com/office/drawing/2010/main" Requires="a14">
+      <mc:AlternateContent xmlns:mc="http://schemas.openxmlformats.org/markup-compatibility/2006" xmlns:a14="http://schemas.microsoft.com/office/drawing/2010/main">
+        <mc:Choice Requires="a14">
           <p:sp>
             <p:nvSpPr>
               <p:cNvPr id="76" name="TextBox 75">
@@ -9061,7 +9233,7 @@
             </p:txBody>
           </p:sp>
         </mc:Choice>
-        <mc:Fallback>
+        <mc:Fallback xmlns="">
           <p:sp>
             <p:nvSpPr>
               <p:cNvPr id="76" name="TextBox 75">
@@ -9106,8 +9278,8 @@
           </p:sp>
         </mc:Fallback>
       </mc:AlternateContent>
-      <mc:AlternateContent xmlns:mc="http://schemas.openxmlformats.org/markup-compatibility/2006">
-        <mc:Choice xmlns:a14="http://schemas.microsoft.com/office/drawing/2010/main" Requires="a14">
+      <mc:AlternateContent xmlns:mc="http://schemas.openxmlformats.org/markup-compatibility/2006" xmlns:a14="http://schemas.microsoft.com/office/drawing/2010/main">
+        <mc:Choice Requires="a14">
           <p:sp>
             <p:nvSpPr>
               <p:cNvPr id="77" name="TextBox 76">
@@ -9192,7 +9364,7 @@
             </p:txBody>
           </p:sp>
         </mc:Choice>
-        <mc:Fallback>
+        <mc:Fallback xmlns="">
           <p:sp>
             <p:nvSpPr>
               <p:cNvPr id="77" name="TextBox 76">
@@ -10566,8 +10738,8 @@
           </a:fontRef>
         </p:style>
       </p:cxnSp>
-      <mc:AlternateContent xmlns:mc="http://schemas.openxmlformats.org/markup-compatibility/2006">
-        <mc:Choice xmlns:a14="http://schemas.microsoft.com/office/drawing/2010/main" Requires="a14">
+      <mc:AlternateContent xmlns:mc="http://schemas.openxmlformats.org/markup-compatibility/2006" xmlns:a14="http://schemas.microsoft.com/office/drawing/2010/main">
+        <mc:Choice Requires="a14">
           <p:sp>
             <p:nvSpPr>
               <p:cNvPr id="18" name="TextBox 17">
@@ -10670,7 +10842,7 @@
             </p:txBody>
           </p:sp>
         </mc:Choice>
-        <mc:Fallback>
+        <mc:Fallback xmlns="">
           <p:sp>
             <p:nvSpPr>
               <p:cNvPr id="18" name="TextBox 17">
@@ -10715,8 +10887,8 @@
           </p:sp>
         </mc:Fallback>
       </mc:AlternateContent>
-      <mc:AlternateContent xmlns:mc="http://schemas.openxmlformats.org/markup-compatibility/2006">
-        <mc:Choice xmlns:a14="http://schemas.microsoft.com/office/drawing/2010/main" Requires="a14">
+      <mc:AlternateContent xmlns:mc="http://schemas.openxmlformats.org/markup-compatibility/2006" xmlns:a14="http://schemas.microsoft.com/office/drawing/2010/main">
+        <mc:Choice Requires="a14">
           <p:sp>
             <p:nvSpPr>
               <p:cNvPr id="19" name="TextBox 18">
@@ -10794,16 +10966,7 @@
                                   </a:solidFill>
                                   <a:latin typeface="Cambria Math" panose="02040503050406030204" pitchFamily="18" charset="0"/>
                                 </a:rPr>
-                                <m:t>𝑤</m:t>
-                              </m:r>
-                              <m:r>
-                                <a:rPr lang="en-US" sz="1200" b="0" i="1" smtClean="0">
-                                  <a:solidFill>
-                                    <a:schemeClr val="accent1"/>
-                                  </a:solidFill>
-                                  <a:latin typeface="Cambria Math" panose="02040503050406030204" pitchFamily="18" charset="0"/>
-                                </a:rPr>
-                                <m:t>𝑓</m:t>
+                                <m:t>𝑤𝑓</m:t>
                               </m:r>
                             </m:e>
                             <m:sub>
@@ -10828,7 +10991,7 @@
             </p:txBody>
           </p:sp>
         </mc:Choice>
-        <mc:Fallback>
+        <mc:Fallback xmlns="">
           <p:sp>
             <p:nvSpPr>
               <p:cNvPr id="19" name="TextBox 18">
@@ -11008,8 +11171,8 @@
           </a:fontRef>
         </p:style>
       </p:cxnSp>
-      <mc:AlternateContent xmlns:mc="http://schemas.openxmlformats.org/markup-compatibility/2006">
-        <mc:Choice xmlns:a14="http://schemas.microsoft.com/office/drawing/2010/main" Requires="a14">
+      <mc:AlternateContent xmlns:mc="http://schemas.openxmlformats.org/markup-compatibility/2006" xmlns:a14="http://schemas.microsoft.com/office/drawing/2010/main">
+        <mc:Choice Requires="a14">
           <p:sp>
             <p:nvSpPr>
               <p:cNvPr id="26" name="TextBox 25">
@@ -11112,7 +11275,7 @@
             </p:txBody>
           </p:sp>
         </mc:Choice>
-        <mc:Fallback>
+        <mc:Fallback xmlns="">
           <p:sp>
             <p:nvSpPr>
               <p:cNvPr id="26" name="TextBox 25">
@@ -11202,8 +11365,8 @@
           </a:fontRef>
         </p:style>
       </p:cxnSp>
-      <mc:AlternateContent xmlns:mc="http://schemas.openxmlformats.org/markup-compatibility/2006">
-        <mc:Choice xmlns:a14="http://schemas.microsoft.com/office/drawing/2010/main" Requires="a14">
+      <mc:AlternateContent xmlns:mc="http://schemas.openxmlformats.org/markup-compatibility/2006" xmlns:a14="http://schemas.microsoft.com/office/drawing/2010/main">
+        <mc:Choice Requires="a14">
           <p:sp>
             <p:nvSpPr>
               <p:cNvPr id="30" name="TextBox 29">
@@ -11306,7 +11469,7 @@
             </p:txBody>
           </p:sp>
         </mc:Choice>
-        <mc:Fallback>
+        <mc:Fallback xmlns="">
           <p:sp>
             <p:nvSpPr>
               <p:cNvPr id="30" name="TextBox 29">
@@ -11351,8 +11514,8 @@
           </p:sp>
         </mc:Fallback>
       </mc:AlternateContent>
-      <mc:AlternateContent xmlns:mc="http://schemas.openxmlformats.org/markup-compatibility/2006">
-        <mc:Choice xmlns:a14="http://schemas.microsoft.com/office/drawing/2010/main" Requires="a14">
+      <mc:AlternateContent xmlns:mc="http://schemas.openxmlformats.org/markup-compatibility/2006" xmlns:a14="http://schemas.microsoft.com/office/drawing/2010/main">
+        <mc:Choice Requires="a14">
           <p:sp>
             <p:nvSpPr>
               <p:cNvPr id="35" name="TextBox 34">
@@ -11437,7 +11600,7 @@
             </p:txBody>
           </p:sp>
         </mc:Choice>
-        <mc:Fallback>
+        <mc:Fallback xmlns="">
           <p:sp>
             <p:nvSpPr>
               <p:cNvPr id="35" name="TextBox 34">
@@ -11621,8 +11784,8 @@
           </a:fontRef>
         </p:style>
       </p:cxnSp>
-      <mc:AlternateContent xmlns:mc="http://schemas.openxmlformats.org/markup-compatibility/2006">
-        <mc:Choice xmlns:a14="http://schemas.microsoft.com/office/drawing/2010/main" Requires="a14">
+      <mc:AlternateContent xmlns:mc="http://schemas.openxmlformats.org/markup-compatibility/2006" xmlns:a14="http://schemas.microsoft.com/office/drawing/2010/main">
+        <mc:Choice Requires="a14">
           <p:sp>
             <p:nvSpPr>
               <p:cNvPr id="48" name="TextBox 47">
@@ -11702,7 +11865,7 @@
             </p:txBody>
           </p:sp>
         </mc:Choice>
-        <mc:Fallback>
+        <mc:Fallback xmlns="">
           <p:sp>
             <p:nvSpPr>
               <p:cNvPr id="48" name="TextBox 47">
@@ -11792,8 +11955,8 @@
           </a:fontRef>
         </p:style>
       </p:cxnSp>
-      <mc:AlternateContent xmlns:mc="http://schemas.openxmlformats.org/markup-compatibility/2006">
-        <mc:Choice xmlns:a14="http://schemas.microsoft.com/office/drawing/2010/main" Requires="a14">
+      <mc:AlternateContent xmlns:mc="http://schemas.openxmlformats.org/markup-compatibility/2006" xmlns:a14="http://schemas.microsoft.com/office/drawing/2010/main">
+        <mc:Choice Requires="a14">
           <p:sp>
             <p:nvSpPr>
               <p:cNvPr id="59" name="TextBox 58">
@@ -11871,7 +12034,7 @@
             </p:txBody>
           </p:sp>
         </mc:Choice>
-        <mc:Fallback>
+        <mc:Fallback xmlns="">
           <p:sp>
             <p:nvSpPr>
               <p:cNvPr id="59" name="TextBox 58">

--- a/TechnicalReport/Figures.pptx
+++ b/TechnicalReport/Figures.pptx
@@ -4333,8 +4333,8 @@
           </a:fontRef>
         </p:style>
       </p:cxnSp>
-      <mc:AlternateContent xmlns:mc="http://schemas.openxmlformats.org/markup-compatibility/2006" xmlns:a14="http://schemas.microsoft.com/office/drawing/2010/main">
-        <mc:Choice Requires="a14">
+      <mc:AlternateContent xmlns:mc="http://schemas.openxmlformats.org/markup-compatibility/2006">
+        <mc:Choice xmlns:a14="http://schemas.microsoft.com/office/drawing/2010/main" Requires="a14">
           <p:sp>
             <p:nvSpPr>
               <p:cNvPr id="61" name="TextBox 60">
@@ -4446,7 +4446,7 @@
             </p:txBody>
           </p:sp>
         </mc:Choice>
-        <mc:Fallback xmlns="">
+        <mc:Fallback>
           <p:sp>
             <p:nvSpPr>
               <p:cNvPr id="61" name="TextBox 60">
@@ -7069,6 +7069,782 @@
           </a:fontRef>
         </p:style>
       </p:cxnSp>
+      <mc:AlternateContent xmlns:mc="http://schemas.openxmlformats.org/markup-compatibility/2006">
+        <mc:Choice xmlns:a14="http://schemas.microsoft.com/office/drawing/2010/main" Requires="a14">
+          <p:sp>
+            <p:nvSpPr>
+              <p:cNvPr id="15" name="TextBox 14">
+                <a:extLst>
+                  <a:ext uri="{FF2B5EF4-FFF2-40B4-BE49-F238E27FC236}">
+                    <a16:creationId xmlns:a16="http://schemas.microsoft.com/office/drawing/2014/main" id="{44431998-9F13-0466-10C4-526B9C30E364}"/>
+                  </a:ext>
+                </a:extLst>
+              </p:cNvPr>
+              <p:cNvSpPr txBox="1"/>
+              <p:nvPr/>
+            </p:nvSpPr>
+            <p:spPr>
+              <a:xfrm>
+                <a:off x="1226959" y="3781827"/>
+                <a:ext cx="345529" cy="292901"/>
+              </a:xfrm>
+              <a:prstGeom prst="rect">
+                <a:avLst/>
+              </a:prstGeom>
+              <a:noFill/>
+            </p:spPr>
+            <p:txBody>
+              <a:bodyPr wrap="square" rtlCol="0">
+                <a:spAutoFit/>
+              </a:bodyPr>
+              <a:lstStyle/>
+              <a:p>
+                <a:pPr/>
+                <a14:m>
+                  <m:oMathPara xmlns:m="http://schemas.openxmlformats.org/officeDocument/2006/math">
+                    <m:oMathParaPr>
+                      <m:jc m:val="centerGroup"/>
+                    </m:oMathParaPr>
+                    <m:oMath xmlns:m="http://schemas.openxmlformats.org/officeDocument/2006/math">
+                      <m:sSub>
+                        <m:sSubPr>
+                          <m:ctrlPr>
+                            <a:rPr lang="en-US" sz="1200" b="0" i="1" smtClean="0">
+                              <a:solidFill>
+                                <a:schemeClr val="accent1"/>
+                              </a:solidFill>
+                              <a:latin typeface="Cambria Math" panose="02040503050406030204" pitchFamily="18" charset="0"/>
+                            </a:rPr>
+                          </m:ctrlPr>
+                        </m:sSubPr>
+                        <m:e>
+                          <m:r>
+                            <a:rPr lang="en-US" sz="1200" b="0" i="1" smtClean="0">
+                              <a:solidFill>
+                                <a:schemeClr val="accent1"/>
+                              </a:solidFill>
+                              <a:latin typeface="Cambria Math" panose="02040503050406030204" pitchFamily="18" charset="0"/>
+                            </a:rPr>
+                            <m:t>𝑆</m:t>
+                          </m:r>
+                        </m:e>
+                        <m:sub>
+                          <m:sSub>
+                            <m:sSubPr>
+                              <m:ctrlPr>
+                                <a:rPr lang="en-US" sz="1200" b="0" i="1" smtClean="0">
+                                  <a:solidFill>
+                                    <a:schemeClr val="accent1"/>
+                                  </a:solidFill>
+                                  <a:latin typeface="Cambria Math" panose="02040503050406030204" pitchFamily="18" charset="0"/>
+                                </a:rPr>
+                              </m:ctrlPr>
+                            </m:sSubPr>
+                            <m:e>
+                              <m:r>
+                                <a:rPr lang="en-US" sz="1200" b="0" i="1" smtClean="0">
+                                  <a:solidFill>
+                                    <a:schemeClr val="accent1"/>
+                                  </a:solidFill>
+                                  <a:latin typeface="Cambria Math" panose="02040503050406030204" pitchFamily="18" charset="0"/>
+                                </a:rPr>
+                                <m:t>𝑤</m:t>
+                              </m:r>
+                            </m:e>
+                            <m:sub>
+                              <m:r>
+                                <a:rPr lang="en-US" sz="1200" b="0" i="1" smtClean="0">
+                                  <a:solidFill>
+                                    <a:schemeClr val="accent1"/>
+                                  </a:solidFill>
+                                  <a:latin typeface="Cambria Math" panose="02040503050406030204" pitchFamily="18" charset="0"/>
+                                </a:rPr>
+                                <m:t>2</m:t>
+                              </m:r>
+                            </m:sub>
+                          </m:sSub>
+                        </m:sub>
+                      </m:sSub>
+                    </m:oMath>
+                  </m:oMathPara>
+                </a14:m>
+                <a:endParaRPr lang="en-US" dirty="0"/>
+              </a:p>
+            </p:txBody>
+          </p:sp>
+        </mc:Choice>
+        <mc:Fallback>
+          <p:sp>
+            <p:nvSpPr>
+              <p:cNvPr id="15" name="TextBox 14">
+                <a:extLst>
+                  <a:ext uri="{FF2B5EF4-FFF2-40B4-BE49-F238E27FC236}">
+                    <a16:creationId xmlns:a16="http://schemas.microsoft.com/office/drawing/2014/main" id="{44431998-9F13-0466-10C4-526B9C30E364}"/>
+                  </a:ext>
+                </a:extLst>
+              </p:cNvPr>
+              <p:cNvSpPr txBox="1">
+                <a:spLocks noRot="1" noChangeAspect="1" noMove="1" noResize="1" noEditPoints="1" noAdjustHandles="1" noChangeArrowheads="1" noChangeShapeType="1" noTextEdit="1"/>
+              </p:cNvSpPr>
+              <p:nvPr/>
+            </p:nvSpPr>
+            <p:spPr>
+              <a:xfrm>
+                <a:off x="1226959" y="3781827"/>
+                <a:ext cx="345529" cy="292901"/>
+              </a:xfrm>
+              <a:prstGeom prst="rect">
+                <a:avLst/>
+              </a:prstGeom>
+              <a:blipFill>
+                <a:blip r:embed="rId16"/>
+                <a:stretch>
+                  <a:fillRect/>
+                </a:stretch>
+              </a:blipFill>
+            </p:spPr>
+            <p:txBody>
+              <a:bodyPr/>
+              <a:lstStyle/>
+              <a:p>
+                <a:r>
+                  <a:rPr lang="en-US">
+                    <a:noFill/>
+                  </a:rPr>
+                  <a:t> </a:t>
+                </a:r>
+              </a:p>
+            </p:txBody>
+          </p:sp>
+        </mc:Fallback>
+      </mc:AlternateContent>
+      <p:cxnSp>
+        <p:nvCxnSpPr>
+          <p:cNvPr id="16" name="Straight Arrow Connector 15">
+            <a:extLst>
+              <a:ext uri="{FF2B5EF4-FFF2-40B4-BE49-F238E27FC236}">
+                <a16:creationId xmlns:a16="http://schemas.microsoft.com/office/drawing/2014/main" id="{FEC6AD89-91CD-FDD9-E94C-7F72A289E7B6}"/>
+              </a:ext>
+            </a:extLst>
+          </p:cNvPr>
+          <p:cNvCxnSpPr>
+            <a:cxnSpLocks/>
+          </p:cNvCxnSpPr>
+          <p:nvPr/>
+        </p:nvCxnSpPr>
+        <p:spPr>
+          <a:xfrm flipV="1">
+            <a:off x="1713459" y="3684361"/>
+            <a:ext cx="8379" cy="846254"/>
+          </a:xfrm>
+          <a:prstGeom prst="straightConnector1">
+            <a:avLst/>
+          </a:prstGeom>
+          <a:ln w="12700">
+            <a:solidFill>
+              <a:srgbClr val="002060"/>
+            </a:solidFill>
+            <a:headEnd type="triangle" w="sm" len="sm"/>
+            <a:tailEnd type="triangle" w="sm" len="sm"/>
+          </a:ln>
+        </p:spPr>
+        <p:style>
+          <a:lnRef idx="1">
+            <a:schemeClr val="accent1"/>
+          </a:lnRef>
+          <a:fillRef idx="0">
+            <a:schemeClr val="accent1"/>
+          </a:fillRef>
+          <a:effectRef idx="0">
+            <a:schemeClr val="accent1"/>
+          </a:effectRef>
+          <a:fontRef idx="minor">
+            <a:schemeClr val="tx1"/>
+          </a:fontRef>
+        </p:style>
+      </p:cxnSp>
+      <mc:AlternateContent xmlns:mc="http://schemas.openxmlformats.org/markup-compatibility/2006">
+        <mc:Choice xmlns:a14="http://schemas.microsoft.com/office/drawing/2010/main" Requires="a14">
+          <p:sp>
+            <p:nvSpPr>
+              <p:cNvPr id="20" name="TextBox 19">
+                <a:extLst>
+                  <a:ext uri="{FF2B5EF4-FFF2-40B4-BE49-F238E27FC236}">
+                    <a16:creationId xmlns:a16="http://schemas.microsoft.com/office/drawing/2014/main" id="{0516F204-C089-F5C4-3D4E-BECD66B71F39}"/>
+                  </a:ext>
+                </a:extLst>
+              </p:cNvPr>
+              <p:cNvSpPr txBox="1"/>
+              <p:nvPr/>
+            </p:nvSpPr>
+            <p:spPr>
+              <a:xfrm>
+                <a:off x="3688986" y="4217332"/>
+                <a:ext cx="345529" cy="292901"/>
+              </a:xfrm>
+              <a:prstGeom prst="rect">
+                <a:avLst/>
+              </a:prstGeom>
+              <a:noFill/>
+            </p:spPr>
+            <p:txBody>
+              <a:bodyPr wrap="square" rtlCol="0">
+                <a:spAutoFit/>
+              </a:bodyPr>
+              <a:lstStyle/>
+              <a:p>
+                <a:pPr/>
+                <a14:m>
+                  <m:oMathPara xmlns:m="http://schemas.openxmlformats.org/officeDocument/2006/math">
+                    <m:oMathParaPr>
+                      <m:jc m:val="centerGroup"/>
+                    </m:oMathParaPr>
+                    <m:oMath xmlns:m="http://schemas.openxmlformats.org/officeDocument/2006/math">
+                      <m:sSub>
+                        <m:sSubPr>
+                          <m:ctrlPr>
+                            <a:rPr lang="en-US" sz="1200" b="0" i="1" smtClean="0">
+                              <a:solidFill>
+                                <a:schemeClr val="accent1"/>
+                              </a:solidFill>
+                              <a:latin typeface="Cambria Math" panose="02040503050406030204" pitchFamily="18" charset="0"/>
+                            </a:rPr>
+                          </m:ctrlPr>
+                        </m:sSubPr>
+                        <m:e>
+                          <m:r>
+                            <a:rPr lang="en-US" sz="1200" b="0" i="1" smtClean="0">
+                              <a:solidFill>
+                                <a:schemeClr val="accent1"/>
+                              </a:solidFill>
+                              <a:latin typeface="Cambria Math" panose="02040503050406030204" pitchFamily="18" charset="0"/>
+                            </a:rPr>
+                            <m:t>𝑆</m:t>
+                          </m:r>
+                        </m:e>
+                        <m:sub>
+                          <m:sSub>
+                            <m:sSubPr>
+                              <m:ctrlPr>
+                                <a:rPr lang="en-US" sz="1200" b="0" i="1" smtClean="0">
+                                  <a:solidFill>
+                                    <a:schemeClr val="accent1"/>
+                                  </a:solidFill>
+                                  <a:latin typeface="Cambria Math" panose="02040503050406030204" pitchFamily="18" charset="0"/>
+                                </a:rPr>
+                              </m:ctrlPr>
+                            </m:sSubPr>
+                            <m:e>
+                              <m:r>
+                                <a:rPr lang="en-US" sz="1200" b="0" i="1" smtClean="0">
+                                  <a:solidFill>
+                                    <a:schemeClr val="accent1"/>
+                                  </a:solidFill>
+                                  <a:latin typeface="Cambria Math" panose="02040503050406030204" pitchFamily="18" charset="0"/>
+                                </a:rPr>
+                                <m:t>𝑤</m:t>
+                              </m:r>
+                            </m:e>
+                            <m:sub>
+                              <m:r>
+                                <a:rPr lang="en-US" sz="1200" b="0" i="1" smtClean="0">
+                                  <a:solidFill>
+                                    <a:schemeClr val="accent1"/>
+                                  </a:solidFill>
+                                  <a:latin typeface="Cambria Math" panose="02040503050406030204" pitchFamily="18" charset="0"/>
+                                </a:rPr>
+                                <m:t>1</m:t>
+                              </m:r>
+                            </m:sub>
+                          </m:sSub>
+                        </m:sub>
+                      </m:sSub>
+                    </m:oMath>
+                  </m:oMathPara>
+                </a14:m>
+                <a:endParaRPr lang="en-US" dirty="0"/>
+              </a:p>
+            </p:txBody>
+          </p:sp>
+        </mc:Choice>
+        <mc:Fallback>
+          <p:sp>
+            <p:nvSpPr>
+              <p:cNvPr id="20" name="TextBox 19">
+                <a:extLst>
+                  <a:ext uri="{FF2B5EF4-FFF2-40B4-BE49-F238E27FC236}">
+                    <a16:creationId xmlns:a16="http://schemas.microsoft.com/office/drawing/2014/main" id="{0516F204-C089-F5C4-3D4E-BECD66B71F39}"/>
+                  </a:ext>
+                </a:extLst>
+              </p:cNvPr>
+              <p:cNvSpPr txBox="1">
+                <a:spLocks noRot="1" noChangeAspect="1" noMove="1" noResize="1" noEditPoints="1" noAdjustHandles="1" noChangeArrowheads="1" noChangeShapeType="1" noTextEdit="1"/>
+              </p:cNvSpPr>
+              <p:nvPr/>
+            </p:nvSpPr>
+            <p:spPr>
+              <a:xfrm>
+                <a:off x="3688986" y="4217332"/>
+                <a:ext cx="345529" cy="292901"/>
+              </a:xfrm>
+              <a:prstGeom prst="rect">
+                <a:avLst/>
+              </a:prstGeom>
+              <a:blipFill>
+                <a:blip r:embed="rId17"/>
+                <a:stretch>
+                  <a:fillRect/>
+                </a:stretch>
+              </a:blipFill>
+            </p:spPr>
+            <p:txBody>
+              <a:bodyPr/>
+              <a:lstStyle/>
+              <a:p>
+                <a:r>
+                  <a:rPr lang="en-US">
+                    <a:noFill/>
+                  </a:rPr>
+                  <a:t> </a:t>
+                </a:r>
+              </a:p>
+            </p:txBody>
+          </p:sp>
+        </mc:Fallback>
+      </mc:AlternateContent>
+      <p:cxnSp>
+        <p:nvCxnSpPr>
+          <p:cNvPr id="21" name="Straight Arrow Connector 20">
+            <a:extLst>
+              <a:ext uri="{FF2B5EF4-FFF2-40B4-BE49-F238E27FC236}">
+                <a16:creationId xmlns:a16="http://schemas.microsoft.com/office/drawing/2014/main" id="{BEC3A1F3-9942-DC43-21C6-86719E567E47}"/>
+              </a:ext>
+            </a:extLst>
+          </p:cNvPr>
+          <p:cNvCxnSpPr>
+            <a:cxnSpLocks/>
+          </p:cNvCxnSpPr>
+          <p:nvPr/>
+        </p:nvCxnSpPr>
+        <p:spPr>
+          <a:xfrm flipV="1">
+            <a:off x="4175486" y="4186241"/>
+            <a:ext cx="0" cy="344374"/>
+          </a:xfrm>
+          <a:prstGeom prst="straightConnector1">
+            <a:avLst/>
+          </a:prstGeom>
+          <a:ln w="12700">
+            <a:solidFill>
+              <a:srgbClr val="002060"/>
+            </a:solidFill>
+            <a:headEnd type="triangle" w="sm" len="sm"/>
+            <a:tailEnd type="triangle" w="sm" len="sm"/>
+          </a:ln>
+        </p:spPr>
+        <p:style>
+          <a:lnRef idx="1">
+            <a:schemeClr val="accent1"/>
+          </a:lnRef>
+          <a:fillRef idx="0">
+            <a:schemeClr val="accent1"/>
+          </a:fillRef>
+          <a:effectRef idx="0">
+            <a:schemeClr val="accent1"/>
+          </a:effectRef>
+          <a:fontRef idx="minor">
+            <a:schemeClr val="tx1"/>
+          </a:fontRef>
+        </p:style>
+      </p:cxnSp>
+      <p:cxnSp>
+        <p:nvCxnSpPr>
+          <p:cNvPr id="23" name="Straight Arrow Connector 22">
+            <a:extLst>
+              <a:ext uri="{FF2B5EF4-FFF2-40B4-BE49-F238E27FC236}">
+                <a16:creationId xmlns:a16="http://schemas.microsoft.com/office/drawing/2014/main" id="{AFCE2280-153B-9581-608D-37C5BB755E2B}"/>
+              </a:ext>
+            </a:extLst>
+          </p:cNvPr>
+          <p:cNvCxnSpPr>
+            <a:cxnSpLocks/>
+          </p:cNvCxnSpPr>
+          <p:nvPr/>
+        </p:nvCxnSpPr>
+        <p:spPr>
+          <a:xfrm flipV="1">
+            <a:off x="2157075" y="1474662"/>
+            <a:ext cx="0" cy="3055953"/>
+          </a:xfrm>
+          <a:prstGeom prst="straightConnector1">
+            <a:avLst/>
+          </a:prstGeom>
+          <a:ln w="12700">
+            <a:solidFill>
+              <a:srgbClr val="002060"/>
+            </a:solidFill>
+            <a:headEnd type="triangle" w="sm" len="sm"/>
+            <a:tailEnd type="triangle" w="sm" len="sm"/>
+          </a:ln>
+        </p:spPr>
+        <p:style>
+          <a:lnRef idx="1">
+            <a:schemeClr val="accent1"/>
+          </a:lnRef>
+          <a:fillRef idx="0">
+            <a:schemeClr val="accent1"/>
+          </a:fillRef>
+          <a:effectRef idx="0">
+            <a:schemeClr val="accent1"/>
+          </a:effectRef>
+          <a:fontRef idx="minor">
+            <a:schemeClr val="tx1"/>
+          </a:fontRef>
+        </p:style>
+      </p:cxnSp>
+      <mc:AlternateContent xmlns:mc="http://schemas.openxmlformats.org/markup-compatibility/2006">
+        <mc:Choice xmlns:a14="http://schemas.microsoft.com/office/drawing/2010/main" Requires="a14">
+          <p:sp>
+            <p:nvSpPr>
+              <p:cNvPr id="25" name="TextBox 24">
+                <a:extLst>
+                  <a:ext uri="{FF2B5EF4-FFF2-40B4-BE49-F238E27FC236}">
+                    <a16:creationId xmlns:a16="http://schemas.microsoft.com/office/drawing/2014/main" id="{5FFCE2AD-2204-1949-9E51-954BF6A9F056}"/>
+                  </a:ext>
+                </a:extLst>
+              </p:cNvPr>
+              <p:cNvSpPr txBox="1"/>
+              <p:nvPr/>
+            </p:nvSpPr>
+            <p:spPr>
+              <a:xfrm>
+                <a:off x="1661865" y="2313613"/>
+                <a:ext cx="534875" cy="293798"/>
+              </a:xfrm>
+              <a:prstGeom prst="rect">
+                <a:avLst/>
+              </a:prstGeom>
+              <a:noFill/>
+            </p:spPr>
+            <p:txBody>
+              <a:bodyPr wrap="square" rtlCol="0">
+                <a:spAutoFit/>
+              </a:bodyPr>
+              <a:lstStyle/>
+              <a:p>
+                <a:pPr/>
+                <a14:m>
+                  <m:oMathPara xmlns:m="http://schemas.openxmlformats.org/officeDocument/2006/math">
+                    <m:oMathParaPr>
+                      <m:jc m:val="centerGroup"/>
+                    </m:oMathParaPr>
+                    <m:oMath xmlns:m="http://schemas.openxmlformats.org/officeDocument/2006/math">
+                      <m:sSub>
+                        <m:sSubPr>
+                          <m:ctrlPr>
+                            <a:rPr lang="en-US" sz="1200" b="0" i="1" smtClean="0">
+                              <a:solidFill>
+                                <a:schemeClr val="accent1"/>
+                              </a:solidFill>
+                              <a:latin typeface="Cambria Math" panose="02040503050406030204" pitchFamily="18" charset="0"/>
+                            </a:rPr>
+                          </m:ctrlPr>
+                        </m:sSubPr>
+                        <m:e>
+                          <m:r>
+                            <a:rPr lang="en-US" sz="1200" b="0" i="1" smtClean="0">
+                              <a:solidFill>
+                                <a:schemeClr val="accent1"/>
+                              </a:solidFill>
+                              <a:latin typeface="Cambria Math" panose="02040503050406030204" pitchFamily="18" charset="0"/>
+                            </a:rPr>
+                            <m:t>𝑆</m:t>
+                          </m:r>
+                        </m:e>
+                        <m:sub>
+                          <m:sSub>
+                            <m:sSubPr>
+                              <m:ctrlPr>
+                                <a:rPr lang="en-US" sz="1200" b="0" i="1" smtClean="0">
+                                  <a:solidFill>
+                                    <a:schemeClr val="accent1"/>
+                                  </a:solidFill>
+                                  <a:latin typeface="Cambria Math" panose="02040503050406030204" pitchFamily="18" charset="0"/>
+                                </a:rPr>
+                              </m:ctrlPr>
+                            </m:sSubPr>
+                            <m:e>
+                              <m:r>
+                                <a:rPr lang="en-US" sz="1200" b="0" i="1" smtClean="0">
+                                  <a:solidFill>
+                                    <a:schemeClr val="accent1"/>
+                                  </a:solidFill>
+                                  <a:latin typeface="Cambria Math" panose="02040503050406030204" pitchFamily="18" charset="0"/>
+                                </a:rPr>
+                                <m:t>𝑤</m:t>
+                              </m:r>
+                            </m:e>
+                            <m:sub>
+                              <m:r>
+                                <a:rPr lang="en-US" sz="1200" b="0" i="1" smtClean="0">
+                                  <a:solidFill>
+                                    <a:schemeClr val="accent1"/>
+                                  </a:solidFill>
+                                  <a:latin typeface="Cambria Math" panose="02040503050406030204" pitchFamily="18" charset="0"/>
+                                </a:rPr>
+                                <m:t>3</m:t>
+                              </m:r>
+                            </m:sub>
+                          </m:sSub>
+                        </m:sub>
+                      </m:sSub>
+                    </m:oMath>
+                  </m:oMathPara>
+                </a14:m>
+                <a:endParaRPr lang="en-US" dirty="0"/>
+              </a:p>
+            </p:txBody>
+          </p:sp>
+        </mc:Choice>
+        <mc:Fallback>
+          <p:sp>
+            <p:nvSpPr>
+              <p:cNvPr id="25" name="TextBox 24">
+                <a:extLst>
+                  <a:ext uri="{FF2B5EF4-FFF2-40B4-BE49-F238E27FC236}">
+                    <a16:creationId xmlns:a16="http://schemas.microsoft.com/office/drawing/2014/main" id="{5FFCE2AD-2204-1949-9E51-954BF6A9F056}"/>
+                  </a:ext>
+                </a:extLst>
+              </p:cNvPr>
+              <p:cNvSpPr txBox="1">
+                <a:spLocks noRot="1" noChangeAspect="1" noMove="1" noResize="1" noEditPoints="1" noAdjustHandles="1" noChangeArrowheads="1" noChangeShapeType="1" noTextEdit="1"/>
+              </p:cNvSpPr>
+              <p:nvPr/>
+            </p:nvSpPr>
+            <p:spPr>
+              <a:xfrm>
+                <a:off x="1661865" y="2313613"/>
+                <a:ext cx="534875" cy="293798"/>
+              </a:xfrm>
+              <a:prstGeom prst="rect">
+                <a:avLst/>
+              </a:prstGeom>
+              <a:blipFill>
+                <a:blip r:embed="rId18"/>
+                <a:stretch>
+                  <a:fillRect/>
+                </a:stretch>
+              </a:blipFill>
+            </p:spPr>
+            <p:txBody>
+              <a:bodyPr/>
+              <a:lstStyle/>
+              <a:p>
+                <a:r>
+                  <a:rPr lang="en-US">
+                    <a:noFill/>
+                  </a:rPr>
+                  <a:t> </a:t>
+                </a:r>
+              </a:p>
+            </p:txBody>
+          </p:sp>
+        </mc:Fallback>
+      </mc:AlternateContent>
+      <p:cxnSp>
+        <p:nvCxnSpPr>
+          <p:cNvPr id="26" name="Straight Arrow Connector 25">
+            <a:extLst>
+              <a:ext uri="{FF2B5EF4-FFF2-40B4-BE49-F238E27FC236}">
+                <a16:creationId xmlns:a16="http://schemas.microsoft.com/office/drawing/2014/main" id="{3D19D5C3-42D8-CDC5-A455-DBC9E72B0982}"/>
+              </a:ext>
+            </a:extLst>
+          </p:cNvPr>
+          <p:cNvCxnSpPr>
+            <a:cxnSpLocks/>
+          </p:cNvCxnSpPr>
+          <p:nvPr/>
+        </p:nvCxnSpPr>
+        <p:spPr>
+          <a:xfrm flipV="1">
+            <a:off x="5235528" y="3308124"/>
+            <a:ext cx="0" cy="1222491"/>
+          </a:xfrm>
+          <a:prstGeom prst="straightConnector1">
+            <a:avLst/>
+          </a:prstGeom>
+          <a:ln w="12700">
+            <a:solidFill>
+              <a:srgbClr val="002060"/>
+            </a:solidFill>
+            <a:headEnd type="triangle" w="sm" len="sm"/>
+            <a:tailEnd type="triangle" w="sm" len="sm"/>
+          </a:ln>
+        </p:spPr>
+        <p:style>
+          <a:lnRef idx="1">
+            <a:schemeClr val="accent1"/>
+          </a:lnRef>
+          <a:fillRef idx="0">
+            <a:schemeClr val="accent1"/>
+          </a:fillRef>
+          <a:effectRef idx="0">
+            <a:schemeClr val="accent1"/>
+          </a:effectRef>
+          <a:fontRef idx="minor">
+            <a:schemeClr val="tx1"/>
+          </a:fontRef>
+        </p:style>
+      </p:cxnSp>
+      <mc:AlternateContent xmlns:mc="http://schemas.openxmlformats.org/markup-compatibility/2006">
+        <mc:Choice xmlns:a14="http://schemas.microsoft.com/office/drawing/2010/main" Requires="a14">
+          <p:sp>
+            <p:nvSpPr>
+              <p:cNvPr id="27" name="TextBox 26">
+                <a:extLst>
+                  <a:ext uri="{FF2B5EF4-FFF2-40B4-BE49-F238E27FC236}">
+                    <a16:creationId xmlns:a16="http://schemas.microsoft.com/office/drawing/2014/main" id="{3991290E-6C63-A7F3-EF45-306A62C3DB9A}"/>
+                  </a:ext>
+                </a:extLst>
+              </p:cNvPr>
+              <p:cNvSpPr txBox="1"/>
+              <p:nvPr/>
+            </p:nvSpPr>
+            <p:spPr>
+              <a:xfrm>
+                <a:off x="5256884" y="3327159"/>
+                <a:ext cx="345529" cy="292901"/>
+              </a:xfrm>
+              <a:prstGeom prst="rect">
+                <a:avLst/>
+              </a:prstGeom>
+              <a:noFill/>
+            </p:spPr>
+            <p:txBody>
+              <a:bodyPr wrap="square" rtlCol="0">
+                <a:spAutoFit/>
+              </a:bodyPr>
+              <a:lstStyle/>
+              <a:p>
+                <a:pPr/>
+                <a14:m>
+                  <m:oMathPara xmlns:m="http://schemas.openxmlformats.org/officeDocument/2006/math">
+                    <m:oMathParaPr>
+                      <m:jc m:val="centerGroup"/>
+                    </m:oMathParaPr>
+                    <m:oMath xmlns:m="http://schemas.openxmlformats.org/officeDocument/2006/math">
+                      <m:sSub>
+                        <m:sSubPr>
+                          <m:ctrlPr>
+                            <a:rPr lang="en-US" sz="1200" b="0" i="1" smtClean="0">
+                              <a:solidFill>
+                                <a:schemeClr val="accent1"/>
+                              </a:solidFill>
+                              <a:latin typeface="Cambria Math" panose="02040503050406030204" pitchFamily="18" charset="0"/>
+                            </a:rPr>
+                          </m:ctrlPr>
+                        </m:sSubPr>
+                        <m:e>
+                          <m:r>
+                            <a:rPr lang="en-US" sz="1200" b="0" i="1" smtClean="0">
+                              <a:solidFill>
+                                <a:schemeClr val="accent1"/>
+                              </a:solidFill>
+                              <a:latin typeface="Cambria Math" panose="02040503050406030204" pitchFamily="18" charset="0"/>
+                            </a:rPr>
+                            <m:t>𝑆</m:t>
+                          </m:r>
+                        </m:e>
+                        <m:sub>
+                          <m:sSub>
+                            <m:sSubPr>
+                              <m:ctrlPr>
+                                <a:rPr lang="en-US" sz="1200" b="0" i="1" smtClean="0">
+                                  <a:solidFill>
+                                    <a:schemeClr val="accent1"/>
+                                  </a:solidFill>
+                                  <a:latin typeface="Cambria Math" panose="02040503050406030204" pitchFamily="18" charset="0"/>
+                                </a:rPr>
+                              </m:ctrlPr>
+                            </m:sSubPr>
+                            <m:e>
+                              <m:r>
+                                <a:rPr lang="en-US" sz="1200" b="0" i="1" smtClean="0">
+                                  <a:solidFill>
+                                    <a:schemeClr val="accent1"/>
+                                  </a:solidFill>
+                                  <a:latin typeface="Cambria Math" panose="02040503050406030204" pitchFamily="18" charset="0"/>
+                                </a:rPr>
+                                <m:t>𝑒</m:t>
+                              </m:r>
+                            </m:e>
+                            <m:sub>
+                              <m:r>
+                                <a:rPr lang="en-US" sz="1200" b="0" i="1" smtClean="0">
+                                  <a:solidFill>
+                                    <a:schemeClr val="accent1"/>
+                                  </a:solidFill>
+                                  <a:latin typeface="Cambria Math" panose="02040503050406030204" pitchFamily="18" charset="0"/>
+                                </a:rPr>
+                                <m:t>1</m:t>
+                              </m:r>
+                            </m:sub>
+                          </m:sSub>
+                        </m:sub>
+                      </m:sSub>
+                    </m:oMath>
+                  </m:oMathPara>
+                </a14:m>
+                <a:endParaRPr lang="en-US" dirty="0"/>
+              </a:p>
+            </p:txBody>
+          </p:sp>
+        </mc:Choice>
+        <mc:Fallback>
+          <p:sp>
+            <p:nvSpPr>
+              <p:cNvPr id="27" name="TextBox 26">
+                <a:extLst>
+                  <a:ext uri="{FF2B5EF4-FFF2-40B4-BE49-F238E27FC236}">
+                    <a16:creationId xmlns:a16="http://schemas.microsoft.com/office/drawing/2014/main" id="{3991290E-6C63-A7F3-EF45-306A62C3DB9A}"/>
+                  </a:ext>
+                </a:extLst>
+              </p:cNvPr>
+              <p:cNvSpPr txBox="1">
+                <a:spLocks noRot="1" noChangeAspect="1" noMove="1" noResize="1" noEditPoints="1" noAdjustHandles="1" noChangeArrowheads="1" noChangeShapeType="1" noTextEdit="1"/>
+              </p:cNvSpPr>
+              <p:nvPr/>
+            </p:nvSpPr>
+            <p:spPr>
+              <a:xfrm>
+                <a:off x="5256884" y="3327159"/>
+                <a:ext cx="345529" cy="292901"/>
+              </a:xfrm>
+              <a:prstGeom prst="rect">
+                <a:avLst/>
+              </a:prstGeom>
+              <a:blipFill>
+                <a:blip r:embed="rId19"/>
+                <a:stretch>
+                  <a:fillRect/>
+                </a:stretch>
+              </a:blipFill>
+            </p:spPr>
+            <p:txBody>
+              <a:bodyPr/>
+              <a:lstStyle/>
+              <a:p>
+                <a:r>
+                  <a:rPr lang="en-US">
+                    <a:noFill/>
+                  </a:rPr>
+                  <a:t> </a:t>
+                </a:r>
+              </a:p>
+            </p:txBody>
+          </p:sp>
+        </mc:Fallback>
+      </mc:AlternateContent>
     </p:spTree>
     <p:extLst>
       <p:ext uri="{BB962C8B-B14F-4D97-AF65-F5344CB8AC3E}">
@@ -7395,8 +8171,8 @@
           </a:fontRef>
         </p:style>
       </p:cxnSp>
-      <mc:AlternateContent xmlns:mc="http://schemas.openxmlformats.org/markup-compatibility/2006" xmlns:a14="http://schemas.microsoft.com/office/drawing/2010/main">
-        <mc:Choice Requires="a14">
+      <mc:AlternateContent xmlns:mc="http://schemas.openxmlformats.org/markup-compatibility/2006">
+        <mc:Choice xmlns:a14="http://schemas.microsoft.com/office/drawing/2010/main" Requires="a14">
           <p:sp>
             <p:nvSpPr>
               <p:cNvPr id="25" name="TextBox 24">
@@ -7508,7 +8284,7 @@
             </p:txBody>
           </p:sp>
         </mc:Choice>
-        <mc:Fallback xmlns="">
+        <mc:Fallback>
           <p:sp>
             <p:nvSpPr>
               <p:cNvPr id="25" name="TextBox 24">
@@ -10887,8 +11663,8 @@
           </p:sp>
         </mc:Fallback>
       </mc:AlternateContent>
-      <mc:AlternateContent xmlns:mc="http://schemas.openxmlformats.org/markup-compatibility/2006" xmlns:a14="http://schemas.microsoft.com/office/drawing/2010/main">
-        <mc:Choice Requires="a14">
+      <mc:AlternateContent xmlns:mc="http://schemas.openxmlformats.org/markup-compatibility/2006">
+        <mc:Choice xmlns:a14="http://schemas.microsoft.com/office/drawing/2010/main" Requires="a14">
           <p:sp>
             <p:nvSpPr>
               <p:cNvPr id="19" name="TextBox 18">
@@ -10991,7 +11767,7 @@
             </p:txBody>
           </p:sp>
         </mc:Choice>
-        <mc:Fallback xmlns="">
+        <mc:Fallback>
           <p:sp>
             <p:nvSpPr>
               <p:cNvPr id="19" name="TextBox 18">
@@ -11955,8 +12731,8 @@
           </a:fontRef>
         </p:style>
       </p:cxnSp>
-      <mc:AlternateContent xmlns:mc="http://schemas.openxmlformats.org/markup-compatibility/2006" xmlns:a14="http://schemas.microsoft.com/office/drawing/2010/main">
-        <mc:Choice Requires="a14">
+      <mc:AlternateContent xmlns:mc="http://schemas.openxmlformats.org/markup-compatibility/2006">
+        <mc:Choice xmlns:a14="http://schemas.microsoft.com/office/drawing/2010/main" Requires="a14">
           <p:sp>
             <p:nvSpPr>
               <p:cNvPr id="59" name="TextBox 58">
@@ -12015,15 +12791,40 @@
                           </m:r>
                         </m:e>
                         <m:sub>
-                          <m:r>
-                            <a:rPr lang="en-US" sz="1200" b="0" i="1" smtClean="0">
-                              <a:solidFill>
-                                <a:schemeClr val="accent1"/>
-                              </a:solidFill>
-                              <a:latin typeface="Cambria Math" panose="02040503050406030204" pitchFamily="18" charset="0"/>
-                            </a:rPr>
-                            <m:t>𝑓</m:t>
-                          </m:r>
+                          <m:sSub>
+                            <m:sSubPr>
+                              <m:ctrlPr>
+                                <a:rPr lang="en-US" sz="1200" b="0" i="1" smtClean="0">
+                                  <a:solidFill>
+                                    <a:schemeClr val="accent1"/>
+                                  </a:solidFill>
+                                  <a:latin typeface="Cambria Math" panose="02040503050406030204" pitchFamily="18" charset="0"/>
+                                </a:rPr>
+                              </m:ctrlPr>
+                            </m:sSubPr>
+                            <m:e>
+                              <m:r>
+                                <a:rPr lang="en-US" sz="1200" b="0" i="1" smtClean="0">
+                                  <a:solidFill>
+                                    <a:schemeClr val="accent1"/>
+                                  </a:solidFill>
+                                  <a:latin typeface="Cambria Math" panose="02040503050406030204" pitchFamily="18" charset="0"/>
+                                </a:rPr>
+                                <m:t>𝑓</m:t>
+                              </m:r>
+                            </m:e>
+                            <m:sub>
+                              <m:r>
+                                <a:rPr lang="en-US" sz="1200" b="0" i="1" smtClean="0">
+                                  <a:solidFill>
+                                    <a:schemeClr val="accent1"/>
+                                  </a:solidFill>
+                                  <a:latin typeface="Cambria Math" panose="02040503050406030204" pitchFamily="18" charset="0"/>
+                                </a:rPr>
+                                <m:t>1</m:t>
+                              </m:r>
+                            </m:sub>
+                          </m:sSub>
                         </m:sub>
                       </m:sSub>
                     </m:oMath>
@@ -12034,7 +12835,7 @@
             </p:txBody>
           </p:sp>
         </mc:Choice>
-        <mc:Fallback xmlns="">
+        <mc:Fallback>
           <p:sp>
             <p:nvSpPr>
               <p:cNvPr id="59" name="TextBox 58">

--- a/TechnicalReport/Figures.pptx
+++ b/TechnicalReport/Figures.pptx
@@ -9,6 +9,8 @@
     <p:sldId id="256" r:id="rId3"/>
     <p:sldId id="259" r:id="rId4"/>
     <p:sldId id="258" r:id="rId5"/>
+    <p:sldId id="260" r:id="rId6"/>
+    <p:sldId id="261" r:id="rId7"/>
   </p:sldIdLst>
   <p:sldSz cx="12192000" cy="6858000"/>
   <p:notesSz cx="6858000" cy="9144000"/>
@@ -262,7 +264,7 @@
           <a:p>
             <a:fld id="{C1A24063-2F13-4A0D-BF3F-218053084915}" type="datetimeFigureOut">
               <a:rPr lang="en-US" smtClean="0"/>
-              <a:t>1/4/2023</a:t>
+              <a:t>1/8/2023</a:t>
             </a:fld>
             <a:endParaRPr lang="en-US"/>
           </a:p>
@@ -460,7 +462,7 @@
           <a:p>
             <a:fld id="{C1A24063-2F13-4A0D-BF3F-218053084915}" type="datetimeFigureOut">
               <a:rPr lang="en-US" smtClean="0"/>
-              <a:t>1/4/2023</a:t>
+              <a:t>1/8/2023</a:t>
             </a:fld>
             <a:endParaRPr lang="en-US"/>
           </a:p>
@@ -668,7 +670,7 @@
           <a:p>
             <a:fld id="{C1A24063-2F13-4A0D-BF3F-218053084915}" type="datetimeFigureOut">
               <a:rPr lang="en-US" smtClean="0"/>
-              <a:t>1/4/2023</a:t>
+              <a:t>1/8/2023</a:t>
             </a:fld>
             <a:endParaRPr lang="en-US"/>
           </a:p>
@@ -866,7 +868,7 @@
           <a:p>
             <a:fld id="{C1A24063-2F13-4A0D-BF3F-218053084915}" type="datetimeFigureOut">
               <a:rPr lang="en-US" smtClean="0"/>
-              <a:t>1/4/2023</a:t>
+              <a:t>1/8/2023</a:t>
             </a:fld>
             <a:endParaRPr lang="en-US"/>
           </a:p>
@@ -1141,7 +1143,7 @@
           <a:p>
             <a:fld id="{C1A24063-2F13-4A0D-BF3F-218053084915}" type="datetimeFigureOut">
               <a:rPr lang="en-US" smtClean="0"/>
-              <a:t>1/4/2023</a:t>
+              <a:t>1/8/2023</a:t>
             </a:fld>
             <a:endParaRPr lang="en-US"/>
           </a:p>
@@ -1406,7 +1408,7 @@
           <a:p>
             <a:fld id="{C1A24063-2F13-4A0D-BF3F-218053084915}" type="datetimeFigureOut">
               <a:rPr lang="en-US" smtClean="0"/>
-              <a:t>1/4/2023</a:t>
+              <a:t>1/8/2023</a:t>
             </a:fld>
             <a:endParaRPr lang="en-US"/>
           </a:p>
@@ -1818,7 +1820,7 @@
           <a:p>
             <a:fld id="{C1A24063-2F13-4A0D-BF3F-218053084915}" type="datetimeFigureOut">
               <a:rPr lang="en-US" smtClean="0"/>
-              <a:t>1/4/2023</a:t>
+              <a:t>1/8/2023</a:t>
             </a:fld>
             <a:endParaRPr lang="en-US"/>
           </a:p>
@@ -1959,7 +1961,7 @@
           <a:p>
             <a:fld id="{C1A24063-2F13-4A0D-BF3F-218053084915}" type="datetimeFigureOut">
               <a:rPr lang="en-US" smtClean="0"/>
-              <a:t>1/4/2023</a:t>
+              <a:t>1/8/2023</a:t>
             </a:fld>
             <a:endParaRPr lang="en-US"/>
           </a:p>
@@ -2072,7 +2074,7 @@
           <a:p>
             <a:fld id="{C1A24063-2F13-4A0D-BF3F-218053084915}" type="datetimeFigureOut">
               <a:rPr lang="en-US" smtClean="0"/>
-              <a:t>1/4/2023</a:t>
+              <a:t>1/8/2023</a:t>
             </a:fld>
             <a:endParaRPr lang="en-US"/>
           </a:p>
@@ -2383,7 +2385,7 @@
           <a:p>
             <a:fld id="{C1A24063-2F13-4A0D-BF3F-218053084915}" type="datetimeFigureOut">
               <a:rPr lang="en-US" smtClean="0"/>
-              <a:t>1/4/2023</a:t>
+              <a:t>1/8/2023</a:t>
             </a:fld>
             <a:endParaRPr lang="en-US"/>
           </a:p>
@@ -2671,7 +2673,7 @@
           <a:p>
             <a:fld id="{C1A24063-2F13-4A0D-BF3F-218053084915}" type="datetimeFigureOut">
               <a:rPr lang="en-US" smtClean="0"/>
-              <a:t>1/4/2023</a:t>
+              <a:t>1/8/2023</a:t>
             </a:fld>
             <a:endParaRPr lang="en-US"/>
           </a:p>
@@ -2912,7 +2914,7 @@
           <a:p>
             <a:fld id="{C1A24063-2F13-4A0D-BF3F-218053084915}" type="datetimeFigureOut">
               <a:rPr lang="en-US" smtClean="0"/>
-              <a:t>1/4/2023</a:t>
+              <a:t>1/8/2023</a:t>
             </a:fld>
             <a:endParaRPr lang="en-US"/>
           </a:p>
@@ -4333,8 +4335,8 @@
           </a:fontRef>
         </p:style>
       </p:cxnSp>
-      <mc:AlternateContent xmlns:mc="http://schemas.openxmlformats.org/markup-compatibility/2006">
-        <mc:Choice xmlns:a14="http://schemas.microsoft.com/office/drawing/2010/main" Requires="a14">
+      <mc:AlternateContent xmlns:mc="http://schemas.openxmlformats.org/markup-compatibility/2006" xmlns:a14="http://schemas.microsoft.com/office/drawing/2010/main">
+        <mc:Choice Requires="a14">
           <p:sp>
             <p:nvSpPr>
               <p:cNvPr id="61" name="TextBox 60">
@@ -4446,7 +4448,7 @@
             </p:txBody>
           </p:sp>
         </mc:Choice>
-        <mc:Fallback>
+        <mc:Fallback xmlns="">
           <p:sp>
             <p:nvSpPr>
               <p:cNvPr id="61" name="TextBox 60">
@@ -6897,8 +6899,8 @@
           </p:sp>
         </mc:Fallback>
       </mc:AlternateContent>
-      <mc:AlternateContent xmlns:mc="http://schemas.openxmlformats.org/markup-compatibility/2006">
-        <mc:Choice xmlns:a14="http://schemas.microsoft.com/office/drawing/2010/main" Requires="a14">
+      <mc:AlternateContent xmlns:mc="http://schemas.openxmlformats.org/markup-compatibility/2006" xmlns:a14="http://schemas.microsoft.com/office/drawing/2010/main">
+        <mc:Choice Requires="a14">
           <p:sp>
             <p:nvSpPr>
               <p:cNvPr id="2" name="TextBox 1">
@@ -6983,7 +6985,7 @@
             </p:txBody>
           </p:sp>
         </mc:Choice>
-        <mc:Fallback>
+        <mc:Fallback xmlns="">
           <p:sp>
             <p:nvSpPr>
               <p:cNvPr id="2" name="TextBox 1">
@@ -7069,8 +7071,8 @@
           </a:fontRef>
         </p:style>
       </p:cxnSp>
-      <mc:AlternateContent xmlns:mc="http://schemas.openxmlformats.org/markup-compatibility/2006">
-        <mc:Choice xmlns:a14="http://schemas.microsoft.com/office/drawing/2010/main" Requires="a14">
+      <mc:AlternateContent xmlns:mc="http://schemas.openxmlformats.org/markup-compatibility/2006" xmlns:a14="http://schemas.microsoft.com/office/drawing/2010/main">
+        <mc:Choice Requires="a14">
           <p:sp>
             <p:nvSpPr>
               <p:cNvPr id="15" name="TextBox 14">
@@ -7173,7 +7175,7 @@
             </p:txBody>
           </p:sp>
         </mc:Choice>
-        <mc:Fallback>
+        <mc:Fallback xmlns="">
           <p:sp>
             <p:nvSpPr>
               <p:cNvPr id="15" name="TextBox 14">
@@ -7263,8 +7265,8 @@
           </a:fontRef>
         </p:style>
       </p:cxnSp>
-      <mc:AlternateContent xmlns:mc="http://schemas.openxmlformats.org/markup-compatibility/2006">
-        <mc:Choice xmlns:a14="http://schemas.microsoft.com/office/drawing/2010/main" Requires="a14">
+      <mc:AlternateContent xmlns:mc="http://schemas.openxmlformats.org/markup-compatibility/2006" xmlns:a14="http://schemas.microsoft.com/office/drawing/2010/main">
+        <mc:Choice Requires="a14">
           <p:sp>
             <p:nvSpPr>
               <p:cNvPr id="20" name="TextBox 19">
@@ -7367,7 +7369,7 @@
             </p:txBody>
           </p:sp>
         </mc:Choice>
-        <mc:Fallback>
+        <mc:Fallback xmlns="">
           <p:sp>
             <p:nvSpPr>
               <p:cNvPr id="20" name="TextBox 19">
@@ -7502,8 +7504,8 @@
           </a:fontRef>
         </p:style>
       </p:cxnSp>
-      <mc:AlternateContent xmlns:mc="http://schemas.openxmlformats.org/markup-compatibility/2006">
-        <mc:Choice xmlns:a14="http://schemas.microsoft.com/office/drawing/2010/main" Requires="a14">
+      <mc:AlternateContent xmlns:mc="http://schemas.openxmlformats.org/markup-compatibility/2006" xmlns:a14="http://schemas.microsoft.com/office/drawing/2010/main">
+        <mc:Choice Requires="a14">
           <p:sp>
             <p:nvSpPr>
               <p:cNvPr id="25" name="TextBox 24">
@@ -7606,7 +7608,7 @@
             </p:txBody>
           </p:sp>
         </mc:Choice>
-        <mc:Fallback>
+        <mc:Fallback xmlns="">
           <p:sp>
             <p:nvSpPr>
               <p:cNvPr id="25" name="TextBox 24">
@@ -7696,8 +7698,8 @@
           </a:fontRef>
         </p:style>
       </p:cxnSp>
-      <mc:AlternateContent xmlns:mc="http://schemas.openxmlformats.org/markup-compatibility/2006">
-        <mc:Choice xmlns:a14="http://schemas.microsoft.com/office/drawing/2010/main" Requires="a14">
+      <mc:AlternateContent xmlns:mc="http://schemas.openxmlformats.org/markup-compatibility/2006" xmlns:a14="http://schemas.microsoft.com/office/drawing/2010/main">
+        <mc:Choice Requires="a14">
           <p:sp>
             <p:nvSpPr>
               <p:cNvPr id="27" name="TextBox 26">
@@ -7800,7 +7802,7 @@
             </p:txBody>
           </p:sp>
         </mc:Choice>
-        <mc:Fallback>
+        <mc:Fallback xmlns="">
           <p:sp>
             <p:nvSpPr>
               <p:cNvPr id="27" name="TextBox 26">
@@ -8171,8 +8173,8 @@
           </a:fontRef>
         </p:style>
       </p:cxnSp>
-      <mc:AlternateContent xmlns:mc="http://schemas.openxmlformats.org/markup-compatibility/2006">
-        <mc:Choice xmlns:a14="http://schemas.microsoft.com/office/drawing/2010/main" Requires="a14">
+      <mc:AlternateContent xmlns:mc="http://schemas.openxmlformats.org/markup-compatibility/2006" xmlns:a14="http://schemas.microsoft.com/office/drawing/2010/main">
+        <mc:Choice Requires="a14">
           <p:sp>
             <p:nvSpPr>
               <p:cNvPr id="25" name="TextBox 24">
@@ -8284,7 +8286,7 @@
             </p:txBody>
           </p:sp>
         </mc:Choice>
-        <mc:Fallback>
+        <mc:Fallback xmlns="">
           <p:sp>
             <p:nvSpPr>
               <p:cNvPr id="25" name="TextBox 24">
@@ -11663,8 +11665,8 @@
           </p:sp>
         </mc:Fallback>
       </mc:AlternateContent>
-      <mc:AlternateContent xmlns:mc="http://schemas.openxmlformats.org/markup-compatibility/2006">
-        <mc:Choice xmlns:a14="http://schemas.microsoft.com/office/drawing/2010/main" Requires="a14">
+      <mc:AlternateContent xmlns:mc="http://schemas.openxmlformats.org/markup-compatibility/2006" xmlns:a14="http://schemas.microsoft.com/office/drawing/2010/main">
+        <mc:Choice Requires="a14">
           <p:sp>
             <p:nvSpPr>
               <p:cNvPr id="19" name="TextBox 18">
@@ -11767,7 +11769,7 @@
             </p:txBody>
           </p:sp>
         </mc:Choice>
-        <mc:Fallback>
+        <mc:Fallback xmlns="">
           <p:sp>
             <p:nvSpPr>
               <p:cNvPr id="19" name="TextBox 18">
@@ -12731,8 +12733,8 @@
           </a:fontRef>
         </p:style>
       </p:cxnSp>
-      <mc:AlternateContent xmlns:mc="http://schemas.openxmlformats.org/markup-compatibility/2006">
-        <mc:Choice xmlns:a14="http://schemas.microsoft.com/office/drawing/2010/main" Requires="a14">
+      <mc:AlternateContent xmlns:mc="http://schemas.openxmlformats.org/markup-compatibility/2006" xmlns:a14="http://schemas.microsoft.com/office/drawing/2010/main">
+        <mc:Choice Requires="a14">
           <p:sp>
             <p:nvSpPr>
               <p:cNvPr id="59" name="TextBox 58">
@@ -12835,7 +12837,7 @@
             </p:txBody>
           </p:sp>
         </mc:Choice>
-        <mc:Fallback>
+        <mc:Fallback xmlns="">
           <p:sp>
             <p:nvSpPr>
               <p:cNvPr id="59" name="TextBox 58">
@@ -12884,6 +12886,276 @@
     <p:extLst>
       <p:ext uri="{BB962C8B-B14F-4D97-AF65-F5344CB8AC3E}">
         <p14:creationId xmlns:p14="http://schemas.microsoft.com/office/powerpoint/2010/main" val="3591047611"/>
+      </p:ext>
+    </p:extLst>
+  </p:cSld>
+  <p:clrMapOvr>
+    <a:masterClrMapping/>
+  </p:clrMapOvr>
+</p:sld>
+</file>
+
+<file path=ppt/slides/slide5.xml><?xml version="1.0" encoding="utf-8"?>
+<p:sld xmlns:a="http://schemas.openxmlformats.org/drawingml/2006/main" xmlns:r="http://schemas.openxmlformats.org/officeDocument/2006/relationships" xmlns:p="http://schemas.openxmlformats.org/presentationml/2006/main">
+  <p:cSld>
+    <p:spTree>
+      <p:nvGrpSpPr>
+        <p:cNvPr id="1" name=""/>
+        <p:cNvGrpSpPr/>
+        <p:nvPr/>
+      </p:nvGrpSpPr>
+      <p:grpSpPr>
+        <a:xfrm>
+          <a:off x="0" y="0"/>
+          <a:ext cx="0" cy="0"/>
+          <a:chOff x="0" y="0"/>
+          <a:chExt cx="0" cy="0"/>
+        </a:xfrm>
+      </p:grpSpPr>
+      <p:pic>
+        <p:nvPicPr>
+          <p:cNvPr id="5" name="Picture 4">
+            <a:extLst>
+              <a:ext uri="{FF2B5EF4-FFF2-40B4-BE49-F238E27FC236}">
+                <a16:creationId xmlns:a16="http://schemas.microsoft.com/office/drawing/2014/main" id="{7B955D96-9DC8-4A27-7939-411045D7CD37}"/>
+              </a:ext>
+            </a:extLst>
+          </p:cNvPr>
+          <p:cNvPicPr>
+            <a:picLocks noChangeAspect="1"/>
+          </p:cNvPicPr>
+          <p:nvPr/>
+        </p:nvPicPr>
+        <p:blipFill>
+          <a:blip r:embed="rId2"/>
+          <a:stretch>
+            <a:fillRect/>
+          </a:stretch>
+        </p:blipFill>
+        <p:spPr>
+          <a:xfrm>
+            <a:off x="573728" y="4542069"/>
+            <a:ext cx="7705725" cy="1381125"/>
+          </a:xfrm>
+          <a:prstGeom prst="rect">
+            <a:avLst/>
+          </a:prstGeom>
+        </p:spPr>
+      </p:pic>
+      <p:pic>
+        <p:nvPicPr>
+          <p:cNvPr id="9" name="Picture 8">
+            <a:extLst>
+              <a:ext uri="{FF2B5EF4-FFF2-40B4-BE49-F238E27FC236}">
+                <a16:creationId xmlns:a16="http://schemas.microsoft.com/office/drawing/2014/main" id="{37BB94AD-2B01-F711-F05E-D4B4C960B0C0}"/>
+              </a:ext>
+            </a:extLst>
+          </p:cNvPr>
+          <p:cNvPicPr>
+            <a:picLocks noChangeAspect="1"/>
+          </p:cNvPicPr>
+          <p:nvPr/>
+        </p:nvPicPr>
+        <p:blipFill>
+          <a:blip r:embed="rId3"/>
+          <a:stretch>
+            <a:fillRect/>
+          </a:stretch>
+        </p:blipFill>
+        <p:spPr>
+          <a:xfrm>
+            <a:off x="477735" y="2053598"/>
+            <a:ext cx="4743450" cy="2314575"/>
+          </a:xfrm>
+          <a:prstGeom prst="rect">
+            <a:avLst/>
+          </a:prstGeom>
+        </p:spPr>
+      </p:pic>
+      <p:pic>
+        <p:nvPicPr>
+          <p:cNvPr id="11" name="Picture 10">
+            <a:extLst>
+              <a:ext uri="{FF2B5EF4-FFF2-40B4-BE49-F238E27FC236}">
+                <a16:creationId xmlns:a16="http://schemas.microsoft.com/office/drawing/2014/main" id="{63EA7671-9235-7C40-FDF5-08385EC28960}"/>
+              </a:ext>
+            </a:extLst>
+          </p:cNvPr>
+          <p:cNvPicPr>
+            <a:picLocks noChangeAspect="1"/>
+          </p:cNvPicPr>
+          <p:nvPr/>
+        </p:nvPicPr>
+        <p:blipFill>
+          <a:blip r:embed="rId4"/>
+          <a:stretch>
+            <a:fillRect/>
+          </a:stretch>
+        </p:blipFill>
+        <p:spPr>
+          <a:xfrm>
+            <a:off x="985137" y="1552313"/>
+            <a:ext cx="1228725" cy="276225"/>
+          </a:xfrm>
+          <a:prstGeom prst="rect">
+            <a:avLst/>
+          </a:prstGeom>
+        </p:spPr>
+      </p:pic>
+    </p:spTree>
+    <p:extLst>
+      <p:ext uri="{BB962C8B-B14F-4D97-AF65-F5344CB8AC3E}">
+        <p14:creationId xmlns:p14="http://schemas.microsoft.com/office/powerpoint/2010/main" val="3622038331"/>
+      </p:ext>
+    </p:extLst>
+  </p:cSld>
+  <p:clrMapOvr>
+    <a:masterClrMapping/>
+  </p:clrMapOvr>
+</p:sld>
+</file>
+
+<file path=ppt/slides/slide6.xml><?xml version="1.0" encoding="utf-8"?>
+<p:sld xmlns:a="http://schemas.openxmlformats.org/drawingml/2006/main" xmlns:r="http://schemas.openxmlformats.org/officeDocument/2006/relationships" xmlns:p="http://schemas.openxmlformats.org/presentationml/2006/main">
+  <p:cSld>
+    <p:spTree>
+      <p:nvGrpSpPr>
+        <p:cNvPr id="1" name=""/>
+        <p:cNvGrpSpPr/>
+        <p:nvPr/>
+      </p:nvGrpSpPr>
+      <p:grpSpPr>
+        <a:xfrm>
+          <a:off x="0" y="0"/>
+          <a:ext cx="0" cy="0"/>
+          <a:chOff x="0" y="0"/>
+          <a:chExt cx="0" cy="0"/>
+        </a:xfrm>
+      </p:grpSpPr>
+      <p:pic>
+        <p:nvPicPr>
+          <p:cNvPr id="3" name="Picture 2">
+            <a:extLst>
+              <a:ext uri="{FF2B5EF4-FFF2-40B4-BE49-F238E27FC236}">
+                <a16:creationId xmlns:a16="http://schemas.microsoft.com/office/drawing/2014/main" id="{10211A64-1A60-C87E-12EB-6F0E3F25EC87}"/>
+              </a:ext>
+            </a:extLst>
+          </p:cNvPr>
+          <p:cNvPicPr>
+            <a:picLocks noChangeAspect="1"/>
+          </p:cNvPicPr>
+          <p:nvPr/>
+        </p:nvPicPr>
+        <p:blipFill>
+          <a:blip r:embed="rId2"/>
+          <a:stretch>
+            <a:fillRect/>
+          </a:stretch>
+        </p:blipFill>
+        <p:spPr>
+          <a:xfrm>
+            <a:off x="384277" y="4402559"/>
+            <a:ext cx="4992910" cy="2157631"/>
+          </a:xfrm>
+          <a:prstGeom prst="rect">
+            <a:avLst/>
+          </a:prstGeom>
+        </p:spPr>
+      </p:pic>
+      <p:pic>
+        <p:nvPicPr>
+          <p:cNvPr id="6" name="Picture 5">
+            <a:extLst>
+              <a:ext uri="{FF2B5EF4-FFF2-40B4-BE49-F238E27FC236}">
+                <a16:creationId xmlns:a16="http://schemas.microsoft.com/office/drawing/2014/main" id="{D5E3F976-2274-B5E7-CBD9-F062F883C083}"/>
+              </a:ext>
+            </a:extLst>
+          </p:cNvPr>
+          <p:cNvPicPr>
+            <a:picLocks noChangeAspect="1"/>
+          </p:cNvPicPr>
+          <p:nvPr/>
+        </p:nvPicPr>
+        <p:blipFill>
+          <a:blip r:embed="rId3"/>
+          <a:stretch>
+            <a:fillRect/>
+          </a:stretch>
+        </p:blipFill>
+        <p:spPr>
+          <a:xfrm>
+            <a:off x="587054" y="1963023"/>
+            <a:ext cx="3222136" cy="2044817"/>
+          </a:xfrm>
+          <a:prstGeom prst="rect">
+            <a:avLst/>
+          </a:prstGeom>
+        </p:spPr>
+      </p:pic>
+      <p:pic>
+        <p:nvPicPr>
+          <p:cNvPr id="8" name="Picture 7">
+            <a:extLst>
+              <a:ext uri="{FF2B5EF4-FFF2-40B4-BE49-F238E27FC236}">
+                <a16:creationId xmlns:a16="http://schemas.microsoft.com/office/drawing/2014/main" id="{440C9119-E5F0-C191-42BA-9DD3337EC08A}"/>
+              </a:ext>
+            </a:extLst>
+          </p:cNvPr>
+          <p:cNvPicPr>
+            <a:picLocks noChangeAspect="1"/>
+          </p:cNvPicPr>
+          <p:nvPr/>
+        </p:nvPicPr>
+        <p:blipFill>
+          <a:blip r:embed="rId4"/>
+          <a:stretch>
+            <a:fillRect/>
+          </a:stretch>
+        </p:blipFill>
+        <p:spPr>
+          <a:xfrm>
+            <a:off x="297851" y="241375"/>
+            <a:ext cx="5532497" cy="1326929"/>
+          </a:xfrm>
+          <a:prstGeom prst="rect">
+            <a:avLst/>
+          </a:prstGeom>
+        </p:spPr>
+      </p:pic>
+      <p:pic>
+        <p:nvPicPr>
+          <p:cNvPr id="12" name="Picture 11">
+            <a:extLst>
+              <a:ext uri="{FF2B5EF4-FFF2-40B4-BE49-F238E27FC236}">
+                <a16:creationId xmlns:a16="http://schemas.microsoft.com/office/drawing/2014/main" id="{67966FC3-49A5-B74F-115F-B9E4A6F3AA44}"/>
+              </a:ext>
+            </a:extLst>
+          </p:cNvPr>
+          <p:cNvPicPr>
+            <a:picLocks noChangeAspect="1"/>
+          </p:cNvPicPr>
+          <p:nvPr/>
+        </p:nvPicPr>
+        <p:blipFill>
+          <a:blip r:embed="rId5"/>
+          <a:stretch>
+            <a:fillRect/>
+          </a:stretch>
+        </p:blipFill>
+        <p:spPr>
+          <a:xfrm>
+            <a:off x="6160099" y="363041"/>
+            <a:ext cx="5734050" cy="2809875"/>
+          </a:xfrm>
+          <a:prstGeom prst="rect">
+            <a:avLst/>
+          </a:prstGeom>
+        </p:spPr>
+      </p:pic>
+    </p:spTree>
+    <p:extLst>
+      <p:ext uri="{BB962C8B-B14F-4D97-AF65-F5344CB8AC3E}">
+        <p14:creationId xmlns:p14="http://schemas.microsoft.com/office/powerpoint/2010/main" val="2782701362"/>
       </p:ext>
     </p:extLst>
   </p:cSld>

--- a/TechnicalReport/Figures.pptx
+++ b/TechnicalReport/Figures.pptx
@@ -11,6 +11,9 @@
     <p:sldId id="258" r:id="rId5"/>
     <p:sldId id="260" r:id="rId6"/>
     <p:sldId id="261" r:id="rId7"/>
+    <p:sldId id="262" r:id="rId8"/>
+    <p:sldId id="263" r:id="rId9"/>
+    <p:sldId id="264" r:id="rId10"/>
   </p:sldIdLst>
   <p:sldSz cx="12192000" cy="6858000"/>
   <p:notesSz cx="6858000" cy="9144000"/>
@@ -264,7 +267,7 @@
           <a:p>
             <a:fld id="{C1A24063-2F13-4A0D-BF3F-218053084915}" type="datetimeFigureOut">
               <a:rPr lang="en-US" smtClean="0"/>
-              <a:t>1/8/2023</a:t>
+              <a:t>2/8/2023</a:t>
             </a:fld>
             <a:endParaRPr lang="en-US"/>
           </a:p>
@@ -462,7 +465,7 @@
           <a:p>
             <a:fld id="{C1A24063-2F13-4A0D-BF3F-218053084915}" type="datetimeFigureOut">
               <a:rPr lang="en-US" smtClean="0"/>
-              <a:t>1/8/2023</a:t>
+              <a:t>2/8/2023</a:t>
             </a:fld>
             <a:endParaRPr lang="en-US"/>
           </a:p>
@@ -670,7 +673,7 @@
           <a:p>
             <a:fld id="{C1A24063-2F13-4A0D-BF3F-218053084915}" type="datetimeFigureOut">
               <a:rPr lang="en-US" smtClean="0"/>
-              <a:t>1/8/2023</a:t>
+              <a:t>2/8/2023</a:t>
             </a:fld>
             <a:endParaRPr lang="en-US"/>
           </a:p>
@@ -868,7 +871,7 @@
           <a:p>
             <a:fld id="{C1A24063-2F13-4A0D-BF3F-218053084915}" type="datetimeFigureOut">
               <a:rPr lang="en-US" smtClean="0"/>
-              <a:t>1/8/2023</a:t>
+              <a:t>2/8/2023</a:t>
             </a:fld>
             <a:endParaRPr lang="en-US"/>
           </a:p>
@@ -1143,7 +1146,7 @@
           <a:p>
             <a:fld id="{C1A24063-2F13-4A0D-BF3F-218053084915}" type="datetimeFigureOut">
               <a:rPr lang="en-US" smtClean="0"/>
-              <a:t>1/8/2023</a:t>
+              <a:t>2/8/2023</a:t>
             </a:fld>
             <a:endParaRPr lang="en-US"/>
           </a:p>
@@ -1408,7 +1411,7 @@
           <a:p>
             <a:fld id="{C1A24063-2F13-4A0D-BF3F-218053084915}" type="datetimeFigureOut">
               <a:rPr lang="en-US" smtClean="0"/>
-              <a:t>1/8/2023</a:t>
+              <a:t>2/8/2023</a:t>
             </a:fld>
             <a:endParaRPr lang="en-US"/>
           </a:p>
@@ -1820,7 +1823,7 @@
           <a:p>
             <a:fld id="{C1A24063-2F13-4A0D-BF3F-218053084915}" type="datetimeFigureOut">
               <a:rPr lang="en-US" smtClean="0"/>
-              <a:t>1/8/2023</a:t>
+              <a:t>2/8/2023</a:t>
             </a:fld>
             <a:endParaRPr lang="en-US"/>
           </a:p>
@@ -1961,7 +1964,7 @@
           <a:p>
             <a:fld id="{C1A24063-2F13-4A0D-BF3F-218053084915}" type="datetimeFigureOut">
               <a:rPr lang="en-US" smtClean="0"/>
-              <a:t>1/8/2023</a:t>
+              <a:t>2/8/2023</a:t>
             </a:fld>
             <a:endParaRPr lang="en-US"/>
           </a:p>
@@ -2074,7 +2077,7 @@
           <a:p>
             <a:fld id="{C1A24063-2F13-4A0D-BF3F-218053084915}" type="datetimeFigureOut">
               <a:rPr lang="en-US" smtClean="0"/>
-              <a:t>1/8/2023</a:t>
+              <a:t>2/8/2023</a:t>
             </a:fld>
             <a:endParaRPr lang="en-US"/>
           </a:p>
@@ -2385,7 +2388,7 @@
           <a:p>
             <a:fld id="{C1A24063-2F13-4A0D-BF3F-218053084915}" type="datetimeFigureOut">
               <a:rPr lang="en-US" smtClean="0"/>
-              <a:t>1/8/2023</a:t>
+              <a:t>2/8/2023</a:t>
             </a:fld>
             <a:endParaRPr lang="en-US"/>
           </a:p>
@@ -2673,7 +2676,7 @@
           <a:p>
             <a:fld id="{C1A24063-2F13-4A0D-BF3F-218053084915}" type="datetimeFigureOut">
               <a:rPr lang="en-US" smtClean="0"/>
-              <a:t>1/8/2023</a:t>
+              <a:t>2/8/2023</a:t>
             </a:fld>
             <a:endParaRPr lang="en-US"/>
           </a:p>
@@ -2914,7 +2917,7 @@
           <a:p>
             <a:fld id="{C1A24063-2F13-4A0D-BF3F-218053084915}" type="datetimeFigureOut">
               <a:rPr lang="en-US" smtClean="0"/>
-              <a:t>1/8/2023</a:t>
+              <a:t>2/8/2023</a:t>
             </a:fld>
             <a:endParaRPr lang="en-US"/>
           </a:p>
@@ -13165,6 +13168,533 @@
 </p:sld>
 </file>
 
+<file path=ppt/slides/slide7.xml><?xml version="1.0" encoding="utf-8"?>
+<p:sld xmlns:a="http://schemas.openxmlformats.org/drawingml/2006/main" xmlns:r="http://schemas.openxmlformats.org/officeDocument/2006/relationships" xmlns:p="http://schemas.openxmlformats.org/presentationml/2006/main">
+  <p:cSld>
+    <p:spTree>
+      <p:nvGrpSpPr>
+        <p:cNvPr id="1" name=""/>
+        <p:cNvGrpSpPr/>
+        <p:nvPr/>
+      </p:nvGrpSpPr>
+      <p:grpSpPr>
+        <a:xfrm>
+          <a:off x="0" y="0"/>
+          <a:ext cx="0" cy="0"/>
+          <a:chOff x="0" y="0"/>
+          <a:chExt cx="0" cy="0"/>
+        </a:xfrm>
+      </p:grpSpPr>
+      <p:pic>
+        <p:nvPicPr>
+          <p:cNvPr id="5" name="Picture 4">
+            <a:extLst>
+              <a:ext uri="{FF2B5EF4-FFF2-40B4-BE49-F238E27FC236}">
+                <a16:creationId xmlns:a16="http://schemas.microsoft.com/office/drawing/2014/main" id="{052B70B6-2FB9-4E35-B428-FB6ACD4FDFF0}"/>
+              </a:ext>
+            </a:extLst>
+          </p:cNvPr>
+          <p:cNvPicPr>
+            <a:picLocks noChangeAspect="1"/>
+          </p:cNvPicPr>
+          <p:nvPr/>
+        </p:nvPicPr>
+        <p:blipFill>
+          <a:blip r:embed="rId2"/>
+          <a:stretch>
+            <a:fillRect/>
+          </a:stretch>
+        </p:blipFill>
+        <p:spPr>
+          <a:xfrm>
+            <a:off x="1095374" y="1049426"/>
+            <a:ext cx="10001250" cy="2705100"/>
+          </a:xfrm>
+          <a:prstGeom prst="rect">
+            <a:avLst/>
+          </a:prstGeom>
+        </p:spPr>
+      </p:pic>
+      <p:sp>
+        <p:nvSpPr>
+          <p:cNvPr id="6" name="TextBox 5">
+            <a:extLst>
+              <a:ext uri="{FF2B5EF4-FFF2-40B4-BE49-F238E27FC236}">
+                <a16:creationId xmlns:a16="http://schemas.microsoft.com/office/drawing/2014/main" id="{B68A9736-0FE1-D02E-74D5-1B5A022FD70B}"/>
+              </a:ext>
+            </a:extLst>
+          </p:cNvPr>
+          <p:cNvSpPr txBox="1"/>
+          <p:nvPr/>
+        </p:nvSpPr>
+        <p:spPr>
+          <a:xfrm>
+            <a:off x="1225899" y="1294145"/>
+            <a:ext cx="2160396" cy="369332"/>
+          </a:xfrm>
+          <a:prstGeom prst="rect">
+            <a:avLst/>
+          </a:prstGeom>
+          <a:noFill/>
+        </p:spPr>
+        <p:txBody>
+          <a:bodyPr wrap="square" rtlCol="0">
+            <a:spAutoFit/>
+          </a:bodyPr>
+          <a:lstStyle/>
+          <a:p>
+            <a:r>
+              <a:rPr lang="en-US" dirty="0"/>
+              <a:t>Nasa MS(1) - 0313</a:t>
+            </a:r>
+          </a:p>
+        </p:txBody>
+      </p:sp>
+      <p:pic>
+        <p:nvPicPr>
+          <p:cNvPr id="8" name="Picture 7">
+            <a:extLst>
+              <a:ext uri="{FF2B5EF4-FFF2-40B4-BE49-F238E27FC236}">
+                <a16:creationId xmlns:a16="http://schemas.microsoft.com/office/drawing/2014/main" id="{22A7514E-A7F4-E9AD-305A-4592AA2405FE}"/>
+              </a:ext>
+            </a:extLst>
+          </p:cNvPr>
+          <p:cNvPicPr>
+            <a:picLocks noChangeAspect="1"/>
+          </p:cNvPicPr>
+          <p:nvPr/>
+        </p:nvPicPr>
+        <p:blipFill>
+          <a:blip r:embed="rId3"/>
+          <a:stretch>
+            <a:fillRect/>
+          </a:stretch>
+        </p:blipFill>
+        <p:spPr>
+          <a:xfrm>
+            <a:off x="1095374" y="3754526"/>
+            <a:ext cx="10001250" cy="2619375"/>
+          </a:xfrm>
+          <a:prstGeom prst="rect">
+            <a:avLst/>
+          </a:prstGeom>
+        </p:spPr>
+      </p:pic>
+      <p:sp>
+        <p:nvSpPr>
+          <p:cNvPr id="9" name="TextBox 8">
+            <a:extLst>
+              <a:ext uri="{FF2B5EF4-FFF2-40B4-BE49-F238E27FC236}">
+                <a16:creationId xmlns:a16="http://schemas.microsoft.com/office/drawing/2014/main" id="{157C5166-826D-C6D3-B395-E3F581FD6645}"/>
+              </a:ext>
+            </a:extLst>
+          </p:cNvPr>
+          <p:cNvSpPr txBox="1"/>
+          <p:nvPr/>
+        </p:nvSpPr>
+        <p:spPr>
+          <a:xfrm>
+            <a:off x="1348153" y="3941961"/>
+            <a:ext cx="2160396" cy="369332"/>
+          </a:xfrm>
+          <a:prstGeom prst="rect">
+            <a:avLst/>
+          </a:prstGeom>
+          <a:noFill/>
+        </p:spPr>
+        <p:txBody>
+          <a:bodyPr wrap="square" rtlCol="0">
+            <a:spAutoFit/>
+          </a:bodyPr>
+          <a:lstStyle/>
+          <a:p>
+            <a:r>
+              <a:rPr lang="en-US" dirty="0"/>
+              <a:t>NACA 0013</a:t>
+            </a:r>
+          </a:p>
+        </p:txBody>
+      </p:sp>
+    </p:spTree>
+    <p:extLst>
+      <p:ext uri="{BB962C8B-B14F-4D97-AF65-F5344CB8AC3E}">
+        <p14:creationId xmlns:p14="http://schemas.microsoft.com/office/powerpoint/2010/main" val="2037263508"/>
+      </p:ext>
+    </p:extLst>
+  </p:cSld>
+  <p:clrMapOvr>
+    <a:masterClrMapping/>
+  </p:clrMapOvr>
+</p:sld>
+</file>
+
+<file path=ppt/slides/slide8.xml><?xml version="1.0" encoding="utf-8"?>
+<p:sld xmlns:a="http://schemas.openxmlformats.org/drawingml/2006/main" xmlns:r="http://schemas.openxmlformats.org/officeDocument/2006/relationships" xmlns:p="http://schemas.openxmlformats.org/presentationml/2006/main">
+  <p:cSld>
+    <p:spTree>
+      <p:nvGrpSpPr>
+        <p:cNvPr id="1" name=""/>
+        <p:cNvGrpSpPr/>
+        <p:nvPr/>
+      </p:nvGrpSpPr>
+      <p:grpSpPr>
+        <a:xfrm>
+          <a:off x="0" y="0"/>
+          <a:ext cx="0" cy="0"/>
+          <a:chOff x="0" y="0"/>
+          <a:chExt cx="0" cy="0"/>
+        </a:xfrm>
+      </p:grpSpPr>
+      <p:pic>
+        <p:nvPicPr>
+          <p:cNvPr id="3" name="Picture 2">
+            <a:extLst>
+              <a:ext uri="{FF2B5EF4-FFF2-40B4-BE49-F238E27FC236}">
+                <a16:creationId xmlns:a16="http://schemas.microsoft.com/office/drawing/2014/main" id="{202E14CC-2017-59AC-F7A3-C32C5A86FAD3}"/>
+              </a:ext>
+            </a:extLst>
+          </p:cNvPr>
+          <p:cNvPicPr>
+            <a:picLocks noChangeAspect="1"/>
+          </p:cNvPicPr>
+          <p:nvPr/>
+        </p:nvPicPr>
+        <p:blipFill>
+          <a:blip r:embed="rId2"/>
+          <a:stretch>
+            <a:fillRect/>
+          </a:stretch>
+        </p:blipFill>
+        <p:spPr>
+          <a:xfrm>
+            <a:off x="1100137" y="2486025"/>
+            <a:ext cx="9991725" cy="1885950"/>
+          </a:xfrm>
+          <a:prstGeom prst="rect">
+            <a:avLst/>
+          </a:prstGeom>
+        </p:spPr>
+      </p:pic>
+      <p:sp>
+        <p:nvSpPr>
+          <p:cNvPr id="4" name="TextBox 3">
+            <a:extLst>
+              <a:ext uri="{FF2B5EF4-FFF2-40B4-BE49-F238E27FC236}">
+                <a16:creationId xmlns:a16="http://schemas.microsoft.com/office/drawing/2014/main" id="{4502A471-00FC-6404-A352-7D9BE3BE2876}"/>
+              </a:ext>
+            </a:extLst>
+          </p:cNvPr>
+          <p:cNvSpPr txBox="1"/>
+          <p:nvPr/>
+        </p:nvSpPr>
+        <p:spPr>
+          <a:xfrm>
+            <a:off x="1245996" y="2486025"/>
+            <a:ext cx="2160396" cy="369332"/>
+          </a:xfrm>
+          <a:prstGeom prst="rect">
+            <a:avLst/>
+          </a:prstGeom>
+          <a:noFill/>
+        </p:spPr>
+        <p:txBody>
+          <a:bodyPr wrap="square" rtlCol="0">
+            <a:spAutoFit/>
+          </a:bodyPr>
+          <a:lstStyle/>
+          <a:p>
+            <a:r>
+              <a:rPr lang="en-US" dirty="0"/>
+              <a:t>NACA with flaps</a:t>
+            </a:r>
+          </a:p>
+        </p:txBody>
+      </p:sp>
+    </p:spTree>
+    <p:extLst>
+      <p:ext uri="{BB962C8B-B14F-4D97-AF65-F5344CB8AC3E}">
+        <p14:creationId xmlns:p14="http://schemas.microsoft.com/office/powerpoint/2010/main" val="1377541627"/>
+      </p:ext>
+    </p:extLst>
+  </p:cSld>
+  <p:clrMapOvr>
+    <a:masterClrMapping/>
+  </p:clrMapOvr>
+</p:sld>
+</file>
+
+<file path=ppt/slides/slide9.xml><?xml version="1.0" encoding="utf-8"?>
+<p:sld xmlns:a="http://schemas.openxmlformats.org/drawingml/2006/main" xmlns:r="http://schemas.openxmlformats.org/officeDocument/2006/relationships" xmlns:p="http://schemas.openxmlformats.org/presentationml/2006/main">
+  <p:cSld>
+    <p:spTree>
+      <p:nvGrpSpPr>
+        <p:cNvPr id="1" name=""/>
+        <p:cNvGrpSpPr/>
+        <p:nvPr/>
+      </p:nvGrpSpPr>
+      <p:grpSpPr>
+        <a:xfrm>
+          <a:off x="0" y="0"/>
+          <a:ext cx="0" cy="0"/>
+          <a:chOff x="0" y="0"/>
+          <a:chExt cx="0" cy="0"/>
+        </a:xfrm>
+      </p:grpSpPr>
+      <p:pic>
+        <p:nvPicPr>
+          <p:cNvPr id="3" name="Picture 2">
+            <a:extLst>
+              <a:ext uri="{FF2B5EF4-FFF2-40B4-BE49-F238E27FC236}">
+                <a16:creationId xmlns:a16="http://schemas.microsoft.com/office/drawing/2014/main" id="{AE6DBC1B-F4CD-3B6B-3C1A-44A529D1F2E1}"/>
+              </a:ext>
+            </a:extLst>
+          </p:cNvPr>
+          <p:cNvPicPr>
+            <a:picLocks noChangeAspect="1"/>
+          </p:cNvPicPr>
+          <p:nvPr/>
+        </p:nvPicPr>
+        <p:blipFill>
+          <a:blip r:embed="rId2"/>
+          <a:stretch>
+            <a:fillRect/>
+          </a:stretch>
+        </p:blipFill>
+        <p:spPr>
+          <a:xfrm>
+            <a:off x="514350" y="1862137"/>
+            <a:ext cx="11163300" cy="3133725"/>
+          </a:xfrm>
+          <a:prstGeom prst="rect">
+            <a:avLst/>
+          </a:prstGeom>
+        </p:spPr>
+      </p:pic>
+      <mc:AlternateContent xmlns:mc="http://schemas.openxmlformats.org/markup-compatibility/2006">
+        <mc:Choice xmlns:a14="http://schemas.microsoft.com/office/drawing/2010/main" Requires="a14">
+          <p:sp>
+            <p:nvSpPr>
+              <p:cNvPr id="4" name="TextBox 3">
+                <a:extLst>
+                  <a:ext uri="{FF2B5EF4-FFF2-40B4-BE49-F238E27FC236}">
+                    <a16:creationId xmlns:a16="http://schemas.microsoft.com/office/drawing/2014/main" id="{C682ED06-2E4C-D805-5B36-27CB24B2E529}"/>
+                  </a:ext>
+                </a:extLst>
+              </p:cNvPr>
+              <p:cNvSpPr txBox="1"/>
+              <p:nvPr/>
+            </p:nvSpPr>
+            <p:spPr>
+              <a:xfrm>
+                <a:off x="819969" y="2028825"/>
+                <a:ext cx="2160396" cy="369332"/>
+              </a:xfrm>
+              <a:prstGeom prst="rect">
+                <a:avLst/>
+              </a:prstGeom>
+              <a:noFill/>
+            </p:spPr>
+            <p:txBody>
+              <a:bodyPr wrap="square" rtlCol="0">
+                <a:spAutoFit/>
+              </a:bodyPr>
+              <a:lstStyle/>
+              <a:p>
+                <a:r>
+                  <a:rPr lang="en-US" dirty="0">
+                    <a:solidFill>
+                      <a:schemeClr val="bg1"/>
+                    </a:solidFill>
+                  </a:rPr>
+                  <a:t>Re </a:t>
+                </a:r>
+                <a14:m>
+                  <m:oMath xmlns:m="http://schemas.openxmlformats.org/officeDocument/2006/math">
+                    <m:sSup>
+                      <m:sSupPr>
+                        <m:ctrlPr>
+                          <a:rPr lang="en-US" b="0" i="1" smtClean="0">
+                            <a:solidFill>
+                              <a:schemeClr val="bg1"/>
+                            </a:solidFill>
+                            <a:latin typeface="Cambria Math" panose="02040503050406030204" pitchFamily="18" charset="0"/>
+                          </a:rPr>
+                        </m:ctrlPr>
+                      </m:sSupPr>
+                      <m:e>
+                        <m:r>
+                          <a:rPr lang="en-US" b="0" i="1" smtClean="0">
+                            <a:solidFill>
+                              <a:schemeClr val="bg1"/>
+                            </a:solidFill>
+                            <a:latin typeface="Cambria Math" panose="02040503050406030204" pitchFamily="18" charset="0"/>
+                          </a:rPr>
+                          <m:t>10</m:t>
+                        </m:r>
+                      </m:e>
+                      <m:sup>
+                        <m:r>
+                          <a:rPr lang="en-US" b="0" i="1" smtClean="0">
+                            <a:solidFill>
+                              <a:schemeClr val="bg1"/>
+                            </a:solidFill>
+                            <a:latin typeface="Cambria Math" panose="02040503050406030204" pitchFamily="18" charset="0"/>
+                          </a:rPr>
+                          <m:t>6</m:t>
+                        </m:r>
+                      </m:sup>
+                    </m:sSup>
+                    <m:r>
+                      <a:rPr lang="en-US" b="0" i="1" smtClean="0">
+                        <a:solidFill>
+                          <a:schemeClr val="bg1"/>
+                        </a:solidFill>
+                        <a:latin typeface="Cambria Math" panose="02040503050406030204" pitchFamily="18" charset="0"/>
+                      </a:rPr>
+                      <m:t>−</m:t>
+                    </m:r>
+                    <m:sSup>
+                      <m:sSupPr>
+                        <m:ctrlPr>
+                          <a:rPr lang="en-US" b="0" i="1" smtClean="0">
+                            <a:solidFill>
+                              <a:schemeClr val="bg1"/>
+                            </a:solidFill>
+                            <a:latin typeface="Cambria Math" panose="02040503050406030204" pitchFamily="18" charset="0"/>
+                          </a:rPr>
+                        </m:ctrlPr>
+                      </m:sSupPr>
+                      <m:e>
+                        <m:r>
+                          <a:rPr lang="en-US" b="0" i="1" smtClean="0">
+                            <a:solidFill>
+                              <a:schemeClr val="bg1"/>
+                            </a:solidFill>
+                            <a:latin typeface="Cambria Math" panose="02040503050406030204" pitchFamily="18" charset="0"/>
+                          </a:rPr>
+                          <m:t>10</m:t>
+                        </m:r>
+                      </m:e>
+                      <m:sup>
+                        <m:r>
+                          <a:rPr lang="en-US" b="0" i="1" smtClean="0">
+                            <a:solidFill>
+                              <a:schemeClr val="bg1"/>
+                            </a:solidFill>
+                            <a:latin typeface="Cambria Math" panose="02040503050406030204" pitchFamily="18" charset="0"/>
+                          </a:rPr>
+                          <m:t>9</m:t>
+                        </m:r>
+                      </m:sup>
+                    </m:sSup>
+                  </m:oMath>
+                </a14:m>
+                <a:endParaRPr lang="en-US" dirty="0">
+                  <a:solidFill>
+                    <a:schemeClr val="bg1"/>
+                  </a:solidFill>
+                </a:endParaRPr>
+              </a:p>
+            </p:txBody>
+          </p:sp>
+        </mc:Choice>
+        <mc:Fallback>
+          <p:sp>
+            <p:nvSpPr>
+              <p:cNvPr id="4" name="TextBox 3">
+                <a:extLst>
+                  <a:ext uri="{FF2B5EF4-FFF2-40B4-BE49-F238E27FC236}">
+                    <a16:creationId xmlns:a16="http://schemas.microsoft.com/office/drawing/2014/main" id="{C682ED06-2E4C-D805-5B36-27CB24B2E529}"/>
+                  </a:ext>
+                </a:extLst>
+              </p:cNvPr>
+              <p:cNvSpPr txBox="1">
+                <a:spLocks noRot="1" noChangeAspect="1" noMove="1" noResize="1" noEditPoints="1" noAdjustHandles="1" noChangeArrowheads="1" noChangeShapeType="1" noTextEdit="1"/>
+              </p:cNvSpPr>
+              <p:nvPr/>
+            </p:nvSpPr>
+            <p:spPr>
+              <a:xfrm>
+                <a:off x="819969" y="2028825"/>
+                <a:ext cx="2160396" cy="369332"/>
+              </a:xfrm>
+              <a:prstGeom prst="rect">
+                <a:avLst/>
+              </a:prstGeom>
+              <a:blipFill>
+                <a:blip r:embed="rId3"/>
+                <a:stretch>
+                  <a:fillRect l="-2542" t="-10000" b="-26667"/>
+                </a:stretch>
+              </a:blipFill>
+            </p:spPr>
+            <p:txBody>
+              <a:bodyPr/>
+              <a:lstStyle/>
+              <a:p>
+                <a:r>
+                  <a:rPr lang="en-US">
+                    <a:noFill/>
+                  </a:rPr>
+                  <a:t> </a:t>
+                </a:r>
+              </a:p>
+            </p:txBody>
+          </p:sp>
+        </mc:Fallback>
+      </mc:AlternateContent>
+      <p:sp>
+        <p:nvSpPr>
+          <p:cNvPr id="5" name="TextBox 4">
+            <a:extLst>
+              <a:ext uri="{FF2B5EF4-FFF2-40B4-BE49-F238E27FC236}">
+                <a16:creationId xmlns:a16="http://schemas.microsoft.com/office/drawing/2014/main" id="{C8FB0067-67F7-1258-A4DB-BAB5B1DFDFE2}"/>
+              </a:ext>
+            </a:extLst>
+          </p:cNvPr>
+          <p:cNvSpPr txBox="1"/>
+          <p:nvPr/>
+        </p:nvSpPr>
+        <p:spPr>
+          <a:xfrm>
+            <a:off x="3285984" y="2028825"/>
+            <a:ext cx="2160396" cy="369332"/>
+          </a:xfrm>
+          <a:prstGeom prst="rect">
+            <a:avLst/>
+          </a:prstGeom>
+          <a:noFill/>
+        </p:spPr>
+        <p:txBody>
+          <a:bodyPr wrap="square" rtlCol="0">
+            <a:spAutoFit/>
+          </a:bodyPr>
+          <a:lstStyle/>
+          <a:p>
+            <a:r>
+              <a:rPr lang="en-US" dirty="0">
+                <a:solidFill>
+                  <a:schemeClr val="bg1"/>
+                </a:solidFill>
+              </a:rPr>
+              <a:t>NASA 0313</a:t>
+            </a:r>
+          </a:p>
+        </p:txBody>
+      </p:sp>
+    </p:spTree>
+    <p:extLst>
+      <p:ext uri="{BB962C8B-B14F-4D97-AF65-F5344CB8AC3E}">
+        <p14:creationId xmlns:p14="http://schemas.microsoft.com/office/powerpoint/2010/main" val="2892974697"/>
+      </p:ext>
+    </p:extLst>
+  </p:cSld>
+  <p:clrMapOvr>
+    <a:masterClrMapping/>
+  </p:clrMapOvr>
+</p:sld>
+</file>
+
 <file path=ppt/theme/theme1.xml><?xml version="1.0" encoding="utf-8"?>
 <a:theme xmlns:a="http://schemas.openxmlformats.org/drawingml/2006/main" name="Office Theme">
   <a:themeElements>

--- a/TechnicalReport/Figures.pptx
+++ b/TechnicalReport/Figures.pptx
@@ -16,6 +16,7 @@
     <p:sldId id="264" r:id="rId10"/>
     <p:sldId id="265" r:id="rId11"/>
     <p:sldId id="266" r:id="rId12"/>
+    <p:sldId id="267" r:id="rId13"/>
   </p:sldIdLst>
   <p:sldSz cx="12192000" cy="6858000"/>
   <p:notesSz cx="6858000" cy="9144000"/>
@@ -269,7 +270,7 @@
           <a:p>
             <a:fld id="{C1A24063-2F13-4A0D-BF3F-218053084915}" type="datetimeFigureOut">
               <a:rPr lang="en-US" smtClean="0"/>
-              <a:t>2/8/2023</a:t>
+              <a:t>2/9/2023</a:t>
             </a:fld>
             <a:endParaRPr lang="en-US"/>
           </a:p>
@@ -467,7 +468,7 @@
           <a:p>
             <a:fld id="{C1A24063-2F13-4A0D-BF3F-218053084915}" type="datetimeFigureOut">
               <a:rPr lang="en-US" smtClean="0"/>
-              <a:t>2/8/2023</a:t>
+              <a:t>2/9/2023</a:t>
             </a:fld>
             <a:endParaRPr lang="en-US"/>
           </a:p>
@@ -675,7 +676,7 @@
           <a:p>
             <a:fld id="{C1A24063-2F13-4A0D-BF3F-218053084915}" type="datetimeFigureOut">
               <a:rPr lang="en-US" smtClean="0"/>
-              <a:t>2/8/2023</a:t>
+              <a:t>2/9/2023</a:t>
             </a:fld>
             <a:endParaRPr lang="en-US"/>
           </a:p>
@@ -873,7 +874,7 @@
           <a:p>
             <a:fld id="{C1A24063-2F13-4A0D-BF3F-218053084915}" type="datetimeFigureOut">
               <a:rPr lang="en-US" smtClean="0"/>
-              <a:t>2/8/2023</a:t>
+              <a:t>2/9/2023</a:t>
             </a:fld>
             <a:endParaRPr lang="en-US"/>
           </a:p>
@@ -1148,7 +1149,7 @@
           <a:p>
             <a:fld id="{C1A24063-2F13-4A0D-BF3F-218053084915}" type="datetimeFigureOut">
               <a:rPr lang="en-US" smtClean="0"/>
-              <a:t>2/8/2023</a:t>
+              <a:t>2/9/2023</a:t>
             </a:fld>
             <a:endParaRPr lang="en-US"/>
           </a:p>
@@ -1413,7 +1414,7 @@
           <a:p>
             <a:fld id="{C1A24063-2F13-4A0D-BF3F-218053084915}" type="datetimeFigureOut">
               <a:rPr lang="en-US" smtClean="0"/>
-              <a:t>2/8/2023</a:t>
+              <a:t>2/9/2023</a:t>
             </a:fld>
             <a:endParaRPr lang="en-US"/>
           </a:p>
@@ -1825,7 +1826,7 @@
           <a:p>
             <a:fld id="{C1A24063-2F13-4A0D-BF3F-218053084915}" type="datetimeFigureOut">
               <a:rPr lang="en-US" smtClean="0"/>
-              <a:t>2/8/2023</a:t>
+              <a:t>2/9/2023</a:t>
             </a:fld>
             <a:endParaRPr lang="en-US"/>
           </a:p>
@@ -1966,7 +1967,7 @@
           <a:p>
             <a:fld id="{C1A24063-2F13-4A0D-BF3F-218053084915}" type="datetimeFigureOut">
               <a:rPr lang="en-US" smtClean="0"/>
-              <a:t>2/8/2023</a:t>
+              <a:t>2/9/2023</a:t>
             </a:fld>
             <a:endParaRPr lang="en-US"/>
           </a:p>
@@ -2079,7 +2080,7 @@
           <a:p>
             <a:fld id="{C1A24063-2F13-4A0D-BF3F-218053084915}" type="datetimeFigureOut">
               <a:rPr lang="en-US" smtClean="0"/>
-              <a:t>2/8/2023</a:t>
+              <a:t>2/9/2023</a:t>
             </a:fld>
             <a:endParaRPr lang="en-US"/>
           </a:p>
@@ -2390,7 +2391,7 @@
           <a:p>
             <a:fld id="{C1A24063-2F13-4A0D-BF3F-218053084915}" type="datetimeFigureOut">
               <a:rPr lang="en-US" smtClean="0"/>
-              <a:t>2/8/2023</a:t>
+              <a:t>2/9/2023</a:t>
             </a:fld>
             <a:endParaRPr lang="en-US"/>
           </a:p>
@@ -2678,7 +2679,7 @@
           <a:p>
             <a:fld id="{C1A24063-2F13-4A0D-BF3F-218053084915}" type="datetimeFigureOut">
               <a:rPr lang="en-US" smtClean="0"/>
-              <a:t>2/8/2023</a:t>
+              <a:t>2/9/2023</a:t>
             </a:fld>
             <a:endParaRPr lang="en-US"/>
           </a:p>
@@ -2919,7 +2920,7 @@
           <a:p>
             <a:fld id="{C1A24063-2F13-4A0D-BF3F-218053084915}" type="datetimeFigureOut">
               <a:rPr lang="en-US" smtClean="0"/>
-              <a:t>2/8/2023</a:t>
+              <a:t>2/9/2023</a:t>
             </a:fld>
             <a:endParaRPr lang="en-US"/>
           </a:p>
@@ -4686,8 +4687,8 @@
             </a:fontRef>
           </p:style>
         </p:cxnSp>
-        <mc:AlternateContent xmlns:mc="http://schemas.openxmlformats.org/markup-compatibility/2006">
-          <mc:Choice xmlns:a14="http://schemas.microsoft.com/office/drawing/2010/main" Requires="a14">
+        <mc:AlternateContent xmlns:mc="http://schemas.openxmlformats.org/markup-compatibility/2006" xmlns:a14="http://schemas.microsoft.com/office/drawing/2010/main">
+          <mc:Choice Requires="a14">
             <p:sp>
               <p:nvSpPr>
                 <p:cNvPr id="202" name="TextBox 201">
@@ -4790,7 +4791,7 @@
               </p:txBody>
             </p:sp>
           </mc:Choice>
-          <mc:Fallback>
+          <mc:Fallback xmlns="">
             <p:sp>
               <p:nvSpPr>
                 <p:cNvPr id="202" name="TextBox 201">
@@ -4835,8 +4836,8 @@
             </p:sp>
           </mc:Fallback>
         </mc:AlternateContent>
-        <mc:AlternateContent xmlns:mc="http://schemas.openxmlformats.org/markup-compatibility/2006">
-          <mc:Choice xmlns:a14="http://schemas.microsoft.com/office/drawing/2010/main" Requires="a14">
+        <mc:AlternateContent xmlns:mc="http://schemas.openxmlformats.org/markup-compatibility/2006" xmlns:a14="http://schemas.microsoft.com/office/drawing/2010/main">
+          <mc:Choice Requires="a14">
             <p:sp>
               <p:nvSpPr>
                 <p:cNvPr id="203" name="TextBox 202">
@@ -4939,7 +4940,7 @@
               </p:txBody>
             </p:sp>
           </mc:Choice>
-          <mc:Fallback>
+          <mc:Fallback xmlns="">
             <p:sp>
               <p:nvSpPr>
                 <p:cNvPr id="203" name="TextBox 202">
@@ -5119,8 +5120,8 @@
             </a:fontRef>
           </p:style>
         </p:cxnSp>
-        <mc:AlternateContent xmlns:mc="http://schemas.openxmlformats.org/markup-compatibility/2006">
-          <mc:Choice xmlns:a14="http://schemas.microsoft.com/office/drawing/2010/main" Requires="a14">
+        <mc:AlternateContent xmlns:mc="http://schemas.openxmlformats.org/markup-compatibility/2006" xmlns:a14="http://schemas.microsoft.com/office/drawing/2010/main">
+          <mc:Choice Requires="a14">
             <p:sp>
               <p:nvSpPr>
                 <p:cNvPr id="207" name="TextBox 206">
@@ -5223,7 +5224,7 @@
               </p:txBody>
             </p:sp>
           </mc:Choice>
-          <mc:Fallback>
+          <mc:Fallback xmlns="">
             <p:sp>
               <p:nvSpPr>
                 <p:cNvPr id="207" name="TextBox 206">
@@ -5313,8 +5314,8 @@
             </a:fontRef>
           </p:style>
         </p:cxnSp>
-        <mc:AlternateContent xmlns:mc="http://schemas.openxmlformats.org/markup-compatibility/2006">
-          <mc:Choice xmlns:a14="http://schemas.microsoft.com/office/drawing/2010/main" Requires="a14">
+        <mc:AlternateContent xmlns:mc="http://schemas.openxmlformats.org/markup-compatibility/2006" xmlns:a14="http://schemas.microsoft.com/office/drawing/2010/main">
+          <mc:Choice Requires="a14">
             <p:sp>
               <p:nvSpPr>
                 <p:cNvPr id="209" name="TextBox 208">
@@ -5417,7 +5418,7 @@
               </p:txBody>
             </p:sp>
           </mc:Choice>
-          <mc:Fallback>
+          <mc:Fallback xmlns="">
             <p:sp>
               <p:nvSpPr>
                 <p:cNvPr id="209" name="TextBox 208">
@@ -5462,8 +5463,8 @@
             </p:sp>
           </mc:Fallback>
         </mc:AlternateContent>
-        <mc:AlternateContent xmlns:mc="http://schemas.openxmlformats.org/markup-compatibility/2006">
-          <mc:Choice xmlns:a14="http://schemas.microsoft.com/office/drawing/2010/main" Requires="a14">
+        <mc:AlternateContent xmlns:mc="http://schemas.openxmlformats.org/markup-compatibility/2006" xmlns:a14="http://schemas.microsoft.com/office/drawing/2010/main">
+          <mc:Choice Requires="a14">
             <p:sp>
               <p:nvSpPr>
                 <p:cNvPr id="210" name="TextBox 209">
@@ -5548,7 +5549,7 @@
               </p:txBody>
             </p:sp>
           </mc:Choice>
-          <mc:Fallback>
+          <mc:Fallback xmlns="">
             <p:sp>
               <p:nvSpPr>
                 <p:cNvPr id="210" name="TextBox 209">
@@ -5732,8 +5733,8 @@
             </a:fontRef>
           </p:style>
         </p:cxnSp>
-        <mc:AlternateContent xmlns:mc="http://schemas.openxmlformats.org/markup-compatibility/2006">
-          <mc:Choice xmlns:a14="http://schemas.microsoft.com/office/drawing/2010/main" Requires="a14">
+        <mc:AlternateContent xmlns:mc="http://schemas.openxmlformats.org/markup-compatibility/2006" xmlns:a14="http://schemas.microsoft.com/office/drawing/2010/main">
+          <mc:Choice Requires="a14">
             <p:sp>
               <p:nvSpPr>
                 <p:cNvPr id="214" name="TextBox 213">
@@ -5813,7 +5814,7 @@
               </p:txBody>
             </p:sp>
           </mc:Choice>
-          <mc:Fallback>
+          <mc:Fallback xmlns="">
             <p:sp>
               <p:nvSpPr>
                 <p:cNvPr id="214" name="TextBox 213">
@@ -5903,8 +5904,8 @@
             </a:fontRef>
           </p:style>
         </p:cxnSp>
-        <mc:AlternateContent xmlns:mc="http://schemas.openxmlformats.org/markup-compatibility/2006">
-          <mc:Choice xmlns:a14="http://schemas.microsoft.com/office/drawing/2010/main" Requires="a14">
+        <mc:AlternateContent xmlns:mc="http://schemas.openxmlformats.org/markup-compatibility/2006" xmlns:a14="http://schemas.microsoft.com/office/drawing/2010/main">
+          <mc:Choice Requires="a14">
             <p:sp>
               <p:nvSpPr>
                 <p:cNvPr id="216" name="TextBox 215">
@@ -6007,7 +6008,7 @@
               </p:txBody>
             </p:sp>
           </mc:Choice>
-          <mc:Fallback>
+          <mc:Fallback xmlns="">
             <p:sp>
               <p:nvSpPr>
                 <p:cNvPr id="216" name="TextBox 215">
@@ -6150,8 +6151,8 @@
             </a:fontRef>
           </p:style>
         </p:cxnSp>
-        <mc:AlternateContent xmlns:mc="http://schemas.openxmlformats.org/markup-compatibility/2006">
-          <mc:Choice xmlns:a14="http://schemas.microsoft.com/office/drawing/2010/main" Requires="a14">
+        <mc:AlternateContent xmlns:mc="http://schemas.openxmlformats.org/markup-compatibility/2006" xmlns:a14="http://schemas.microsoft.com/office/drawing/2010/main">
+          <mc:Choice Requires="a14">
             <p:sp>
               <p:nvSpPr>
                 <p:cNvPr id="162" name="TextBox 161">
@@ -6238,7 +6239,7 @@
               </p:txBody>
             </p:sp>
           </mc:Choice>
-          <mc:Fallback>
+          <mc:Fallback xmlns="">
             <p:sp>
               <p:nvSpPr>
                 <p:cNvPr id="162" name="TextBox 161">
@@ -6369,8 +6370,8 @@
             </a:fontRef>
           </p:style>
         </p:cxnSp>
-        <mc:AlternateContent xmlns:mc="http://schemas.openxmlformats.org/markup-compatibility/2006">
-          <mc:Choice xmlns:a14="http://schemas.microsoft.com/office/drawing/2010/main" Requires="a14">
+        <mc:AlternateContent xmlns:mc="http://schemas.openxmlformats.org/markup-compatibility/2006" xmlns:a14="http://schemas.microsoft.com/office/drawing/2010/main">
+          <mc:Choice Requires="a14">
             <p:sp>
               <p:nvSpPr>
                 <p:cNvPr id="165" name="TextBox 164">
@@ -6482,7 +6483,7 @@
               </p:txBody>
             </p:sp>
           </mc:Choice>
-          <mc:Fallback>
+          <mc:Fallback xmlns="">
             <p:sp>
               <p:nvSpPr>
                 <p:cNvPr id="165" name="TextBox 164">
@@ -6709,8 +6710,8 @@
             </a:fontRef>
           </p:style>
         </p:cxnSp>
-        <mc:AlternateContent xmlns:mc="http://schemas.openxmlformats.org/markup-compatibility/2006">
-          <mc:Choice xmlns:a14="http://schemas.microsoft.com/office/drawing/2010/main" Requires="a14">
+        <mc:AlternateContent xmlns:mc="http://schemas.openxmlformats.org/markup-compatibility/2006" xmlns:a14="http://schemas.microsoft.com/office/drawing/2010/main">
+          <mc:Choice Requires="a14">
             <p:sp>
               <p:nvSpPr>
                 <p:cNvPr id="169" name="TextBox 168">
@@ -6797,7 +6798,7 @@
               </p:txBody>
             </p:sp>
           </mc:Choice>
-          <mc:Fallback>
+          <mc:Fallback xmlns="">
             <p:sp>
               <p:nvSpPr>
                 <p:cNvPr id="169" name="TextBox 168">
@@ -7307,8 +7308,8 @@
             </a:fontRef>
           </p:style>
         </p:cxnSp>
-        <mc:AlternateContent xmlns:mc="http://schemas.openxmlformats.org/markup-compatibility/2006">
-          <mc:Choice xmlns:a14="http://schemas.microsoft.com/office/drawing/2010/main" Requires="a14">
+        <mc:AlternateContent xmlns:mc="http://schemas.openxmlformats.org/markup-compatibility/2006" xmlns:a14="http://schemas.microsoft.com/office/drawing/2010/main">
+          <mc:Choice Requires="a14">
             <p:sp>
               <p:nvSpPr>
                 <p:cNvPr id="178" name="TextBox 177">
@@ -7395,7 +7396,7 @@
               </p:txBody>
             </p:sp>
           </mc:Choice>
-          <mc:Fallback>
+          <mc:Fallback xmlns="">
             <p:sp>
               <p:nvSpPr>
                 <p:cNvPr id="178" name="TextBox 177">
@@ -7440,8 +7441,8 @@
             </p:sp>
           </mc:Fallback>
         </mc:AlternateContent>
-        <mc:AlternateContent xmlns:mc="http://schemas.openxmlformats.org/markup-compatibility/2006">
-          <mc:Choice xmlns:a14="http://schemas.microsoft.com/office/drawing/2010/main" Requires="a14">
+        <mc:AlternateContent xmlns:mc="http://schemas.openxmlformats.org/markup-compatibility/2006" xmlns:a14="http://schemas.microsoft.com/office/drawing/2010/main">
+          <mc:Choice Requires="a14">
             <p:sp>
               <p:nvSpPr>
                 <p:cNvPr id="179" name="TextBox 178">
@@ -7528,7 +7529,7 @@
               </p:txBody>
             </p:sp>
           </mc:Choice>
-          <mc:Fallback>
+          <mc:Fallback xmlns="">
             <p:sp>
               <p:nvSpPr>
                 <p:cNvPr id="179" name="TextBox 178">
@@ -7713,8 +7714,8 @@
             </a:fontRef>
           </p:style>
         </p:cxnSp>
-        <mc:AlternateContent xmlns:mc="http://schemas.openxmlformats.org/markup-compatibility/2006">
-          <mc:Choice xmlns:a14="http://schemas.microsoft.com/office/drawing/2010/main" Requires="a14">
+        <mc:AlternateContent xmlns:mc="http://schemas.openxmlformats.org/markup-compatibility/2006" xmlns:a14="http://schemas.microsoft.com/office/drawing/2010/main">
+          <mc:Choice Requires="a14">
             <p:sp>
               <p:nvSpPr>
                 <p:cNvPr id="183" name="TextBox 182">
@@ -7801,7 +7802,7 @@
               </p:txBody>
             </p:sp>
           </mc:Choice>
-          <mc:Fallback>
+          <mc:Fallback xmlns="">
             <p:sp>
               <p:nvSpPr>
                 <p:cNvPr id="183" name="TextBox 182">
@@ -8121,8 +8122,8 @@
             </a:p>
           </p:txBody>
         </p:sp>
-        <mc:AlternateContent xmlns:mc="http://schemas.openxmlformats.org/markup-compatibility/2006">
-          <mc:Choice xmlns:a14="http://schemas.microsoft.com/office/drawing/2010/main" Requires="a14">
+        <mc:AlternateContent xmlns:mc="http://schemas.openxmlformats.org/markup-compatibility/2006" xmlns:a14="http://schemas.microsoft.com/office/drawing/2010/main">
+          <mc:Choice Requires="a14">
             <p:sp>
               <p:nvSpPr>
                 <p:cNvPr id="186" name="TextBox 185">
@@ -8207,7 +8208,7 @@
               </p:txBody>
             </p:sp>
           </mc:Choice>
-          <mc:Fallback>
+          <mc:Fallback xmlns="">
             <p:sp>
               <p:nvSpPr>
                 <p:cNvPr id="186" name="TextBox 185">
@@ -8252,8 +8253,8 @@
             </p:sp>
           </mc:Fallback>
         </mc:AlternateContent>
-        <mc:AlternateContent xmlns:mc="http://schemas.openxmlformats.org/markup-compatibility/2006">
-          <mc:Choice xmlns:a14="http://schemas.microsoft.com/office/drawing/2010/main" Requires="a14">
+        <mc:AlternateContent xmlns:mc="http://schemas.openxmlformats.org/markup-compatibility/2006" xmlns:a14="http://schemas.microsoft.com/office/drawing/2010/main">
+          <mc:Choice Requires="a14">
             <p:sp>
               <p:nvSpPr>
                 <p:cNvPr id="187" name="TextBox 186">
@@ -8338,7 +8339,7 @@
               </p:txBody>
             </p:sp>
           </mc:Choice>
-          <mc:Fallback>
+          <mc:Fallback xmlns="">
             <p:sp>
               <p:nvSpPr>
                 <p:cNvPr id="187" name="TextBox 186">
@@ -9522,8 +9523,8 @@
             </a:fontRef>
           </p:style>
         </p:cxnSp>
-        <mc:AlternateContent xmlns:mc="http://schemas.openxmlformats.org/markup-compatibility/2006">
-          <mc:Choice xmlns:a14="http://schemas.microsoft.com/office/drawing/2010/main" Requires="a14">
+        <mc:AlternateContent xmlns:mc="http://schemas.openxmlformats.org/markup-compatibility/2006" xmlns:a14="http://schemas.microsoft.com/office/drawing/2010/main">
+          <mc:Choice Requires="a14">
             <p:sp>
               <p:nvSpPr>
                 <p:cNvPr id="123" name="TextBox 122">
@@ -9635,7 +9636,7 @@
               </p:txBody>
             </p:sp>
           </mc:Choice>
-          <mc:Fallback>
+          <mc:Fallback xmlns="">
             <p:sp>
               <p:nvSpPr>
                 <p:cNvPr id="123" name="TextBox 122">
@@ -9725,8 +9726,8 @@
             </a:fontRef>
           </p:style>
         </p:cxnSp>
-        <mc:AlternateContent xmlns:mc="http://schemas.openxmlformats.org/markup-compatibility/2006">
-          <mc:Choice xmlns:a14="http://schemas.microsoft.com/office/drawing/2010/main" Requires="a14">
+        <mc:AlternateContent xmlns:mc="http://schemas.openxmlformats.org/markup-compatibility/2006" xmlns:a14="http://schemas.microsoft.com/office/drawing/2010/main">
+          <mc:Choice Requires="a14">
             <p:sp>
               <p:nvSpPr>
                 <p:cNvPr id="125" name="TextBox 124">
@@ -9829,7 +9830,7 @@
               </p:txBody>
             </p:sp>
           </mc:Choice>
-          <mc:Fallback>
+          <mc:Fallback xmlns="">
             <p:sp>
               <p:nvSpPr>
                 <p:cNvPr id="125" name="TextBox 124">
@@ -9919,8 +9920,8 @@
             </a:fontRef>
           </p:style>
         </p:cxnSp>
-        <mc:AlternateContent xmlns:mc="http://schemas.openxmlformats.org/markup-compatibility/2006">
-          <mc:Choice xmlns:a14="http://schemas.microsoft.com/office/drawing/2010/main" Requires="a14">
+        <mc:AlternateContent xmlns:mc="http://schemas.openxmlformats.org/markup-compatibility/2006" xmlns:a14="http://schemas.microsoft.com/office/drawing/2010/main">
+          <mc:Choice Requires="a14">
             <p:sp>
               <p:nvSpPr>
                 <p:cNvPr id="127" name="TextBox 126">
@@ -10023,7 +10024,7 @@
               </p:txBody>
             </p:sp>
           </mc:Choice>
-          <mc:Fallback>
+          <mc:Fallback xmlns="">
             <p:sp>
               <p:nvSpPr>
                 <p:cNvPr id="127" name="TextBox 126">
@@ -10113,8 +10114,8 @@
             </a:fontRef>
           </p:style>
         </p:cxnSp>
-        <mc:AlternateContent xmlns:mc="http://schemas.openxmlformats.org/markup-compatibility/2006">
-          <mc:Choice xmlns:a14="http://schemas.microsoft.com/office/drawing/2010/main" Requires="a14">
+        <mc:AlternateContent xmlns:mc="http://schemas.openxmlformats.org/markup-compatibility/2006" xmlns:a14="http://schemas.microsoft.com/office/drawing/2010/main">
+          <mc:Choice Requires="a14">
             <p:sp>
               <p:nvSpPr>
                 <p:cNvPr id="129" name="TextBox 128">
@@ -10217,7 +10218,7 @@
               </p:txBody>
             </p:sp>
           </mc:Choice>
-          <mc:Fallback>
+          <mc:Fallback xmlns="">
             <p:sp>
               <p:nvSpPr>
                 <p:cNvPr id="129" name="TextBox 128">
@@ -10396,8 +10397,8 @@
             </a:fontRef>
           </p:style>
         </p:cxnSp>
-        <mc:AlternateContent xmlns:mc="http://schemas.openxmlformats.org/markup-compatibility/2006">
-          <mc:Choice xmlns:a14="http://schemas.microsoft.com/office/drawing/2010/main" Requires="a14">
+        <mc:AlternateContent xmlns:mc="http://schemas.openxmlformats.org/markup-compatibility/2006" xmlns:a14="http://schemas.microsoft.com/office/drawing/2010/main">
+          <mc:Choice Requires="a14">
             <p:sp>
               <p:nvSpPr>
                 <p:cNvPr id="132" name="TextBox 131">
@@ -10500,7 +10501,7 @@
               </p:txBody>
             </p:sp>
           </mc:Choice>
-          <mc:Fallback>
+          <mc:Fallback xmlns="">
             <p:sp>
               <p:nvSpPr>
                 <p:cNvPr id="132" name="TextBox 131">
@@ -10590,8 +10591,8 @@
             </a:fontRef>
           </p:style>
         </p:cxnSp>
-        <mc:AlternateContent xmlns:mc="http://schemas.openxmlformats.org/markup-compatibility/2006">
-          <mc:Choice xmlns:a14="http://schemas.microsoft.com/office/drawing/2010/main" Requires="a14">
+        <mc:AlternateContent xmlns:mc="http://schemas.openxmlformats.org/markup-compatibility/2006" xmlns:a14="http://schemas.microsoft.com/office/drawing/2010/main">
+          <mc:Choice Requires="a14">
             <p:sp>
               <p:nvSpPr>
                 <p:cNvPr id="134" name="TextBox 133">
@@ -10694,7 +10695,7 @@
               </p:txBody>
             </p:sp>
           </mc:Choice>
-          <mc:Fallback>
+          <mc:Fallback xmlns="">
             <p:sp>
               <p:nvSpPr>
                 <p:cNvPr id="134" name="TextBox 133">
@@ -10784,8 +10785,8 @@
             </a:fontRef>
           </p:style>
         </p:cxnSp>
-        <mc:AlternateContent xmlns:mc="http://schemas.openxmlformats.org/markup-compatibility/2006">
-          <mc:Choice xmlns:a14="http://schemas.microsoft.com/office/drawing/2010/main" Requires="a14">
+        <mc:AlternateContent xmlns:mc="http://schemas.openxmlformats.org/markup-compatibility/2006" xmlns:a14="http://schemas.microsoft.com/office/drawing/2010/main">
+          <mc:Choice Requires="a14">
             <p:sp>
               <p:nvSpPr>
                 <p:cNvPr id="136" name="TextBox 135">
@@ -10888,7 +10889,7 @@
               </p:txBody>
             </p:sp>
           </mc:Choice>
-          <mc:Fallback>
+          <mc:Fallback xmlns="">
             <p:sp>
               <p:nvSpPr>
                 <p:cNvPr id="136" name="TextBox 135">
@@ -10978,8 +10979,8 @@
             </a:fontRef>
           </p:style>
         </p:cxnSp>
-        <mc:AlternateContent xmlns:mc="http://schemas.openxmlformats.org/markup-compatibility/2006">
-          <mc:Choice xmlns:a14="http://schemas.microsoft.com/office/drawing/2010/main" Requires="a14">
+        <mc:AlternateContent xmlns:mc="http://schemas.openxmlformats.org/markup-compatibility/2006" xmlns:a14="http://schemas.microsoft.com/office/drawing/2010/main">
+          <mc:Choice Requires="a14">
             <p:sp>
               <p:nvSpPr>
                 <p:cNvPr id="138" name="TextBox 137">
@@ -11082,7 +11083,7 @@
               </p:txBody>
             </p:sp>
           </mc:Choice>
-          <mc:Fallback>
+          <mc:Fallback xmlns="">
             <p:sp>
               <p:nvSpPr>
                 <p:cNvPr id="138" name="TextBox 137">
@@ -11127,8 +11128,8 @@
             </p:sp>
           </mc:Fallback>
         </mc:AlternateContent>
-        <mc:AlternateContent xmlns:mc="http://schemas.openxmlformats.org/markup-compatibility/2006">
-          <mc:Choice xmlns:a14="http://schemas.microsoft.com/office/drawing/2010/main" Requires="a14">
+        <mc:AlternateContent xmlns:mc="http://schemas.openxmlformats.org/markup-compatibility/2006" xmlns:a14="http://schemas.microsoft.com/office/drawing/2010/main">
+          <mc:Choice Requires="a14">
             <p:sp>
               <p:nvSpPr>
                 <p:cNvPr id="139" name="TextBox 138">
@@ -11231,7 +11232,7 @@
               </p:txBody>
             </p:sp>
           </mc:Choice>
-          <mc:Fallback>
+          <mc:Fallback xmlns="">
             <p:sp>
               <p:nvSpPr>
                 <p:cNvPr id="139" name="TextBox 138">
@@ -11460,8 +11461,8 @@
             </a:fontRef>
           </p:style>
         </p:cxnSp>
-        <mc:AlternateContent xmlns:mc="http://schemas.openxmlformats.org/markup-compatibility/2006">
-          <mc:Choice xmlns:a14="http://schemas.microsoft.com/office/drawing/2010/main" Requires="a14">
+        <mc:AlternateContent xmlns:mc="http://schemas.openxmlformats.org/markup-compatibility/2006" xmlns:a14="http://schemas.microsoft.com/office/drawing/2010/main">
+          <mc:Choice Requires="a14">
             <p:sp>
               <p:nvSpPr>
                 <p:cNvPr id="144" name="TextBox 143">
@@ -11541,7 +11542,7 @@
               </p:txBody>
             </p:sp>
           </mc:Choice>
-          <mc:Fallback>
+          <mc:Fallback xmlns="">
             <p:sp>
               <p:nvSpPr>
                 <p:cNvPr id="144" name="TextBox 143">
@@ -11682,8 +11683,8 @@
             </a:p>
           </p:txBody>
         </p:sp>
-        <mc:AlternateContent xmlns:mc="http://schemas.openxmlformats.org/markup-compatibility/2006">
-          <mc:Choice xmlns:a14="http://schemas.microsoft.com/office/drawing/2010/main" Requires="a14">
+        <mc:AlternateContent xmlns:mc="http://schemas.openxmlformats.org/markup-compatibility/2006" xmlns:a14="http://schemas.microsoft.com/office/drawing/2010/main">
+          <mc:Choice Requires="a14">
             <p:sp>
               <p:nvSpPr>
                 <p:cNvPr id="147" name="TextBox 146">
@@ -11765,7 +11766,7 @@
               </p:txBody>
             </p:sp>
           </mc:Choice>
-          <mc:Fallback>
+          <mc:Fallback xmlns="">
             <p:sp>
               <p:nvSpPr>
                 <p:cNvPr id="147" name="TextBox 146">
@@ -11810,8 +11811,8 @@
             </p:sp>
           </mc:Fallback>
         </mc:AlternateContent>
-        <mc:AlternateContent xmlns:mc="http://schemas.openxmlformats.org/markup-compatibility/2006">
-          <mc:Choice xmlns:a14="http://schemas.microsoft.com/office/drawing/2010/main" Requires="a14">
+        <mc:AlternateContent xmlns:mc="http://schemas.openxmlformats.org/markup-compatibility/2006" xmlns:a14="http://schemas.microsoft.com/office/drawing/2010/main">
+          <mc:Choice Requires="a14">
             <p:sp>
               <p:nvSpPr>
                 <p:cNvPr id="148" name="TextBox 147">
@@ -11896,7 +11897,7 @@
               </p:txBody>
             </p:sp>
           </mc:Choice>
-          <mc:Fallback>
+          <mc:Fallback xmlns="">
             <p:sp>
               <p:nvSpPr>
                 <p:cNvPr id="148" name="TextBox 147">
@@ -11941,8 +11942,8 @@
             </p:sp>
           </mc:Fallback>
         </mc:AlternateContent>
-        <mc:AlternateContent xmlns:mc="http://schemas.openxmlformats.org/markup-compatibility/2006">
-          <mc:Choice xmlns:a14="http://schemas.microsoft.com/office/drawing/2010/main" Requires="a14">
+        <mc:AlternateContent xmlns:mc="http://schemas.openxmlformats.org/markup-compatibility/2006" xmlns:a14="http://schemas.microsoft.com/office/drawing/2010/main">
+          <mc:Choice Requires="a14">
             <p:sp>
               <p:nvSpPr>
                 <p:cNvPr id="149" name="TextBox 148">
@@ -12027,7 +12028,7 @@
               </p:txBody>
             </p:sp>
           </mc:Choice>
-          <mc:Fallback>
+          <mc:Fallback xmlns="">
             <p:sp>
               <p:nvSpPr>
                 <p:cNvPr id="149" name="TextBox 148">
@@ -12113,8 +12114,8 @@
             </a:fontRef>
           </p:style>
         </p:cxnSp>
-        <mc:AlternateContent xmlns:mc="http://schemas.openxmlformats.org/markup-compatibility/2006">
-          <mc:Choice xmlns:a14="http://schemas.microsoft.com/office/drawing/2010/main" Requires="a14">
+        <mc:AlternateContent xmlns:mc="http://schemas.openxmlformats.org/markup-compatibility/2006" xmlns:a14="http://schemas.microsoft.com/office/drawing/2010/main">
+          <mc:Choice Requires="a14">
             <p:sp>
               <p:nvSpPr>
                 <p:cNvPr id="151" name="TextBox 150">
@@ -12217,7 +12218,7 @@
               </p:txBody>
             </p:sp>
           </mc:Choice>
-          <mc:Fallback>
+          <mc:Fallback xmlns="">
             <p:sp>
               <p:nvSpPr>
                 <p:cNvPr id="151" name="TextBox 150">
@@ -12307,8 +12308,8 @@
             </a:fontRef>
           </p:style>
         </p:cxnSp>
-        <mc:AlternateContent xmlns:mc="http://schemas.openxmlformats.org/markup-compatibility/2006">
-          <mc:Choice xmlns:a14="http://schemas.microsoft.com/office/drawing/2010/main" Requires="a14">
+        <mc:AlternateContent xmlns:mc="http://schemas.openxmlformats.org/markup-compatibility/2006" xmlns:a14="http://schemas.microsoft.com/office/drawing/2010/main">
+          <mc:Choice Requires="a14">
             <p:sp>
               <p:nvSpPr>
                 <p:cNvPr id="153" name="TextBox 152">
@@ -12411,7 +12412,7 @@
               </p:txBody>
             </p:sp>
           </mc:Choice>
-          <mc:Fallback>
+          <mc:Fallback xmlns="">
             <p:sp>
               <p:nvSpPr>
                 <p:cNvPr id="153" name="TextBox 152">
@@ -12546,8 +12547,8 @@
             </a:fontRef>
           </p:style>
         </p:cxnSp>
-        <mc:AlternateContent xmlns:mc="http://schemas.openxmlformats.org/markup-compatibility/2006">
-          <mc:Choice xmlns:a14="http://schemas.microsoft.com/office/drawing/2010/main" Requires="a14">
+        <mc:AlternateContent xmlns:mc="http://schemas.openxmlformats.org/markup-compatibility/2006" xmlns:a14="http://schemas.microsoft.com/office/drawing/2010/main">
+          <mc:Choice Requires="a14">
             <p:sp>
               <p:nvSpPr>
                 <p:cNvPr id="156" name="TextBox 155">
@@ -12650,7 +12651,7 @@
               </p:txBody>
             </p:sp>
           </mc:Choice>
-          <mc:Fallback>
+          <mc:Fallback xmlns="">
             <p:sp>
               <p:nvSpPr>
                 <p:cNvPr id="156" name="TextBox 155">
@@ -12740,8 +12741,8 @@
             </a:fontRef>
           </p:style>
         </p:cxnSp>
-        <mc:AlternateContent xmlns:mc="http://schemas.openxmlformats.org/markup-compatibility/2006">
-          <mc:Choice xmlns:a14="http://schemas.microsoft.com/office/drawing/2010/main" Requires="a14">
+        <mc:AlternateContent xmlns:mc="http://schemas.openxmlformats.org/markup-compatibility/2006" xmlns:a14="http://schemas.microsoft.com/office/drawing/2010/main">
+          <mc:Choice Requires="a14">
             <p:sp>
               <p:nvSpPr>
                 <p:cNvPr id="158" name="TextBox 157">
@@ -12844,7 +12845,7 @@
               </p:txBody>
             </p:sp>
           </mc:Choice>
-          <mc:Fallback>
+          <mc:Fallback xmlns="">
             <p:sp>
               <p:nvSpPr>
                 <p:cNvPr id="158" name="TextBox 157">
@@ -12973,7 +12974,7 @@
         <p:spPr>
           <a:xfrm>
             <a:off x="951634" y="487073"/>
-            <a:ext cx="5506849" cy="4282353"/>
+            <a:ext cx="6212646" cy="4831210"/>
           </a:xfrm>
           <a:prstGeom prst="rect">
             <a:avLst/>
@@ -12984,6 +12985,66 @@
     <p:extLst>
       <p:ext uri="{BB962C8B-B14F-4D97-AF65-F5344CB8AC3E}">
         <p14:creationId xmlns:p14="http://schemas.microsoft.com/office/powerpoint/2010/main" val="1630708820"/>
+      </p:ext>
+    </p:extLst>
+  </p:cSld>
+  <p:clrMapOvr>
+    <a:masterClrMapping/>
+  </p:clrMapOvr>
+</p:sld>
+</file>
+
+<file path=ppt/slides/slide12.xml><?xml version="1.0" encoding="utf-8"?>
+<p:sld xmlns:a="http://schemas.openxmlformats.org/drawingml/2006/main" xmlns:r="http://schemas.openxmlformats.org/officeDocument/2006/relationships" xmlns:p="http://schemas.openxmlformats.org/presentationml/2006/main">
+  <p:cSld>
+    <p:spTree>
+      <p:nvGrpSpPr>
+        <p:cNvPr id="1" name=""/>
+        <p:cNvGrpSpPr/>
+        <p:nvPr/>
+      </p:nvGrpSpPr>
+      <p:grpSpPr>
+        <a:xfrm>
+          <a:off x="0" y="0"/>
+          <a:ext cx="0" cy="0"/>
+          <a:chOff x="0" y="0"/>
+          <a:chExt cx="0" cy="0"/>
+        </a:xfrm>
+      </p:grpSpPr>
+      <p:pic>
+        <p:nvPicPr>
+          <p:cNvPr id="2" name="Picture 1">
+            <a:extLst>
+              <a:ext uri="{FF2B5EF4-FFF2-40B4-BE49-F238E27FC236}">
+                <a16:creationId xmlns:a16="http://schemas.microsoft.com/office/drawing/2014/main" id="{257E3E96-6469-CD9C-DB96-921B5838E546}"/>
+              </a:ext>
+            </a:extLst>
+          </p:cNvPr>
+          <p:cNvPicPr>
+            <a:picLocks noChangeAspect="1"/>
+          </p:cNvPicPr>
+          <p:nvPr/>
+        </p:nvPicPr>
+        <p:blipFill>
+          <a:blip r:embed="rId2"/>
+          <a:stretch>
+            <a:fillRect/>
+          </a:stretch>
+        </p:blipFill>
+        <p:spPr>
+          <a:xfrm>
+            <a:off x="2793365" y="1524952"/>
+            <a:ext cx="6605270" cy="3808095"/>
+          </a:xfrm>
+          <a:prstGeom prst="rect">
+            <a:avLst/>
+          </a:prstGeom>
+        </p:spPr>
+      </p:pic>
+    </p:spTree>
+    <p:extLst>
+      <p:ext uri="{BB962C8B-B14F-4D97-AF65-F5344CB8AC3E}">
+        <p14:creationId xmlns:p14="http://schemas.microsoft.com/office/powerpoint/2010/main" val="328655193"/>
       </p:ext>
     </p:extLst>
   </p:cSld>
@@ -14102,8 +14163,8 @@
             </a:fontRef>
           </p:style>
         </p:cxnSp>
-        <mc:AlternateContent xmlns:mc="http://schemas.openxmlformats.org/markup-compatibility/2006">
-          <mc:Choice xmlns:a14="http://schemas.microsoft.com/office/drawing/2010/main" Requires="a14">
+        <mc:AlternateContent xmlns:mc="http://schemas.openxmlformats.org/markup-compatibility/2006" xmlns:a14="http://schemas.microsoft.com/office/drawing/2010/main">
+          <mc:Choice Requires="a14">
             <p:sp>
               <p:nvSpPr>
                 <p:cNvPr id="61" name="TextBox 60">
@@ -14215,7 +14276,7 @@
               </p:txBody>
             </p:sp>
           </mc:Choice>
-          <mc:Fallback>
+          <mc:Fallback xmlns="">
             <p:sp>
               <p:nvSpPr>
                 <p:cNvPr id="61" name="TextBox 60">
@@ -14305,8 +14366,8 @@
             </a:fontRef>
           </p:style>
         </p:cxnSp>
-        <mc:AlternateContent xmlns:mc="http://schemas.openxmlformats.org/markup-compatibility/2006">
-          <mc:Choice xmlns:a14="http://schemas.microsoft.com/office/drawing/2010/main" Requires="a14">
+        <mc:AlternateContent xmlns:mc="http://schemas.openxmlformats.org/markup-compatibility/2006" xmlns:a14="http://schemas.microsoft.com/office/drawing/2010/main">
+          <mc:Choice Requires="a14">
             <p:sp>
               <p:nvSpPr>
                 <p:cNvPr id="65" name="TextBox 64">
@@ -14409,7 +14470,7 @@
               </p:txBody>
             </p:sp>
           </mc:Choice>
-          <mc:Fallback>
+          <mc:Fallback xmlns="">
             <p:sp>
               <p:nvSpPr>
                 <p:cNvPr id="65" name="TextBox 64">
@@ -14499,8 +14560,8 @@
             </a:fontRef>
           </p:style>
         </p:cxnSp>
-        <mc:AlternateContent xmlns:mc="http://schemas.openxmlformats.org/markup-compatibility/2006">
-          <mc:Choice xmlns:a14="http://schemas.microsoft.com/office/drawing/2010/main" Requires="a14">
+        <mc:AlternateContent xmlns:mc="http://schemas.openxmlformats.org/markup-compatibility/2006" xmlns:a14="http://schemas.microsoft.com/office/drawing/2010/main">
+          <mc:Choice Requires="a14">
             <p:sp>
               <p:nvSpPr>
                 <p:cNvPr id="72" name="TextBox 71">
@@ -14603,7 +14664,7 @@
               </p:txBody>
             </p:sp>
           </mc:Choice>
-          <mc:Fallback>
+          <mc:Fallback xmlns="">
             <p:sp>
               <p:nvSpPr>
                 <p:cNvPr id="72" name="TextBox 71">
@@ -14693,8 +14754,8 @@
             </a:fontRef>
           </p:style>
         </p:cxnSp>
-        <mc:AlternateContent xmlns:mc="http://schemas.openxmlformats.org/markup-compatibility/2006">
-          <mc:Choice xmlns:a14="http://schemas.microsoft.com/office/drawing/2010/main" Requires="a14">
+        <mc:AlternateContent xmlns:mc="http://schemas.openxmlformats.org/markup-compatibility/2006" xmlns:a14="http://schemas.microsoft.com/office/drawing/2010/main">
+          <mc:Choice Requires="a14">
             <p:sp>
               <p:nvSpPr>
                 <p:cNvPr id="86" name="TextBox 85">
@@ -14797,7 +14858,7 @@
               </p:txBody>
             </p:sp>
           </mc:Choice>
-          <mc:Fallback>
+          <mc:Fallback xmlns="">
             <p:sp>
               <p:nvSpPr>
                 <p:cNvPr id="86" name="TextBox 85">
@@ -14976,8 +15037,8 @@
             </a:fontRef>
           </p:style>
         </p:cxnSp>
-        <mc:AlternateContent xmlns:mc="http://schemas.openxmlformats.org/markup-compatibility/2006">
-          <mc:Choice xmlns:a14="http://schemas.microsoft.com/office/drawing/2010/main" Requires="a14">
+        <mc:AlternateContent xmlns:mc="http://schemas.openxmlformats.org/markup-compatibility/2006" xmlns:a14="http://schemas.microsoft.com/office/drawing/2010/main">
+          <mc:Choice Requires="a14">
             <p:sp>
               <p:nvSpPr>
                 <p:cNvPr id="118" name="TextBox 117">
@@ -15080,7 +15141,7 @@
               </p:txBody>
             </p:sp>
           </mc:Choice>
-          <mc:Fallback>
+          <mc:Fallback xmlns="">
             <p:sp>
               <p:nvSpPr>
                 <p:cNvPr id="118" name="TextBox 117">
@@ -15170,8 +15231,8 @@
             </a:fontRef>
           </p:style>
         </p:cxnSp>
-        <mc:AlternateContent xmlns:mc="http://schemas.openxmlformats.org/markup-compatibility/2006">
-          <mc:Choice xmlns:a14="http://schemas.microsoft.com/office/drawing/2010/main" Requires="a14">
+        <mc:AlternateContent xmlns:mc="http://schemas.openxmlformats.org/markup-compatibility/2006" xmlns:a14="http://schemas.microsoft.com/office/drawing/2010/main">
+          <mc:Choice Requires="a14">
             <p:sp>
               <p:nvSpPr>
                 <p:cNvPr id="121" name="TextBox 120">
@@ -15274,7 +15335,7 @@
               </p:txBody>
             </p:sp>
           </mc:Choice>
-          <mc:Fallback>
+          <mc:Fallback xmlns="">
             <p:sp>
               <p:nvSpPr>
                 <p:cNvPr id="121" name="TextBox 120">
@@ -15364,8 +15425,8 @@
             </a:fontRef>
           </p:style>
         </p:cxnSp>
-        <mc:AlternateContent xmlns:mc="http://schemas.openxmlformats.org/markup-compatibility/2006">
-          <mc:Choice xmlns:a14="http://schemas.microsoft.com/office/drawing/2010/main" Requires="a14">
+        <mc:AlternateContent xmlns:mc="http://schemas.openxmlformats.org/markup-compatibility/2006" xmlns:a14="http://schemas.microsoft.com/office/drawing/2010/main">
+          <mc:Choice Requires="a14">
             <p:sp>
               <p:nvSpPr>
                 <p:cNvPr id="125" name="TextBox 124">
@@ -15468,7 +15529,7 @@
               </p:txBody>
             </p:sp>
           </mc:Choice>
-          <mc:Fallback>
+          <mc:Fallback xmlns="">
             <p:sp>
               <p:nvSpPr>
                 <p:cNvPr id="125" name="TextBox 124">
@@ -15558,8 +15619,8 @@
             </a:fontRef>
           </p:style>
         </p:cxnSp>
-        <mc:AlternateContent xmlns:mc="http://schemas.openxmlformats.org/markup-compatibility/2006">
-          <mc:Choice xmlns:a14="http://schemas.microsoft.com/office/drawing/2010/main" Requires="a14">
+        <mc:AlternateContent xmlns:mc="http://schemas.openxmlformats.org/markup-compatibility/2006" xmlns:a14="http://schemas.microsoft.com/office/drawing/2010/main">
+          <mc:Choice Requires="a14">
             <p:sp>
               <p:nvSpPr>
                 <p:cNvPr id="133" name="TextBox 132">
@@ -15662,7 +15723,7 @@
               </p:txBody>
             </p:sp>
           </mc:Choice>
-          <mc:Fallback>
+          <mc:Fallback xmlns="">
             <p:sp>
               <p:nvSpPr>
                 <p:cNvPr id="133" name="TextBox 132">
@@ -15707,8 +15768,8 @@
             </p:sp>
           </mc:Fallback>
         </mc:AlternateContent>
-        <mc:AlternateContent xmlns:mc="http://schemas.openxmlformats.org/markup-compatibility/2006">
-          <mc:Choice xmlns:a14="http://schemas.microsoft.com/office/drawing/2010/main" Requires="a14">
+        <mc:AlternateContent xmlns:mc="http://schemas.openxmlformats.org/markup-compatibility/2006" xmlns:a14="http://schemas.microsoft.com/office/drawing/2010/main">
+          <mc:Choice Requires="a14">
             <p:sp>
               <p:nvSpPr>
                 <p:cNvPr id="134" name="TextBox 133">
@@ -15811,7 +15872,7 @@
               </p:txBody>
             </p:sp>
           </mc:Choice>
-          <mc:Fallback>
+          <mc:Fallback xmlns="">
             <p:sp>
               <p:nvSpPr>
                 <p:cNvPr id="134" name="TextBox 133">
@@ -16040,8 +16101,8 @@
             </a:fontRef>
           </p:style>
         </p:cxnSp>
-        <mc:AlternateContent xmlns:mc="http://schemas.openxmlformats.org/markup-compatibility/2006">
-          <mc:Choice xmlns:a14="http://schemas.microsoft.com/office/drawing/2010/main" Requires="a14">
+        <mc:AlternateContent xmlns:mc="http://schemas.openxmlformats.org/markup-compatibility/2006" xmlns:a14="http://schemas.microsoft.com/office/drawing/2010/main">
+          <mc:Choice Requires="a14">
             <p:sp>
               <p:nvSpPr>
                 <p:cNvPr id="148" name="TextBox 147">
@@ -16121,7 +16182,7 @@
               </p:txBody>
             </p:sp>
           </mc:Choice>
-          <mc:Fallback>
+          <mc:Fallback xmlns="">
             <p:sp>
               <p:nvSpPr>
                 <p:cNvPr id="148" name="TextBox 147">
@@ -16262,8 +16323,8 @@
             </a:p>
           </p:txBody>
         </p:sp>
-        <mc:AlternateContent xmlns:mc="http://schemas.openxmlformats.org/markup-compatibility/2006">
-          <mc:Choice xmlns:a14="http://schemas.microsoft.com/office/drawing/2010/main" Requires="a14">
+        <mc:AlternateContent xmlns:mc="http://schemas.openxmlformats.org/markup-compatibility/2006" xmlns:a14="http://schemas.microsoft.com/office/drawing/2010/main">
+          <mc:Choice Requires="a14">
             <p:sp>
               <p:nvSpPr>
                 <p:cNvPr id="12" name="TextBox 11">
@@ -16345,7 +16406,7 @@
               </p:txBody>
             </p:sp>
           </mc:Choice>
-          <mc:Fallback>
+          <mc:Fallback xmlns="">
             <p:sp>
               <p:nvSpPr>
                 <p:cNvPr id="12" name="TextBox 11">
@@ -16390,8 +16451,8 @@
             </p:sp>
           </mc:Fallback>
         </mc:AlternateContent>
-        <mc:AlternateContent xmlns:mc="http://schemas.openxmlformats.org/markup-compatibility/2006">
-          <mc:Choice xmlns:a14="http://schemas.microsoft.com/office/drawing/2010/main" Requires="a14">
+        <mc:AlternateContent xmlns:mc="http://schemas.openxmlformats.org/markup-compatibility/2006" xmlns:a14="http://schemas.microsoft.com/office/drawing/2010/main">
+          <mc:Choice Requires="a14">
             <p:sp>
               <p:nvSpPr>
                 <p:cNvPr id="13" name="TextBox 12">
@@ -16476,7 +16537,7 @@
               </p:txBody>
             </p:sp>
           </mc:Choice>
-          <mc:Fallback>
+          <mc:Fallback xmlns="">
             <p:sp>
               <p:nvSpPr>
                 <p:cNvPr id="13" name="TextBox 12">
@@ -16521,8 +16582,8 @@
             </p:sp>
           </mc:Fallback>
         </mc:AlternateContent>
-        <mc:AlternateContent xmlns:mc="http://schemas.openxmlformats.org/markup-compatibility/2006">
-          <mc:Choice xmlns:a14="http://schemas.microsoft.com/office/drawing/2010/main" Requires="a14">
+        <mc:AlternateContent xmlns:mc="http://schemas.openxmlformats.org/markup-compatibility/2006" xmlns:a14="http://schemas.microsoft.com/office/drawing/2010/main">
+          <mc:Choice Requires="a14">
             <p:sp>
               <p:nvSpPr>
                 <p:cNvPr id="2" name="TextBox 1">
@@ -16607,7 +16668,7 @@
               </p:txBody>
             </p:sp>
           </mc:Choice>
-          <mc:Fallback>
+          <mc:Fallback xmlns="">
             <p:sp>
               <p:nvSpPr>
                 <p:cNvPr id="2" name="TextBox 1">
@@ -16693,8 +16754,8 @@
             </a:fontRef>
           </p:style>
         </p:cxnSp>
-        <mc:AlternateContent xmlns:mc="http://schemas.openxmlformats.org/markup-compatibility/2006">
-          <mc:Choice xmlns:a14="http://schemas.microsoft.com/office/drawing/2010/main" Requires="a14">
+        <mc:AlternateContent xmlns:mc="http://schemas.openxmlformats.org/markup-compatibility/2006" xmlns:a14="http://schemas.microsoft.com/office/drawing/2010/main">
+          <mc:Choice Requires="a14">
             <p:sp>
               <p:nvSpPr>
                 <p:cNvPr id="15" name="TextBox 14">
@@ -16797,7 +16858,7 @@
               </p:txBody>
             </p:sp>
           </mc:Choice>
-          <mc:Fallback>
+          <mc:Fallback xmlns="">
             <p:sp>
               <p:nvSpPr>
                 <p:cNvPr id="15" name="TextBox 14">
@@ -16887,8 +16948,8 @@
             </a:fontRef>
           </p:style>
         </p:cxnSp>
-        <mc:AlternateContent xmlns:mc="http://schemas.openxmlformats.org/markup-compatibility/2006">
-          <mc:Choice xmlns:a14="http://schemas.microsoft.com/office/drawing/2010/main" Requires="a14">
+        <mc:AlternateContent xmlns:mc="http://schemas.openxmlformats.org/markup-compatibility/2006" xmlns:a14="http://schemas.microsoft.com/office/drawing/2010/main">
+          <mc:Choice Requires="a14">
             <p:sp>
               <p:nvSpPr>
                 <p:cNvPr id="20" name="TextBox 19">
@@ -16991,7 +17052,7 @@
               </p:txBody>
             </p:sp>
           </mc:Choice>
-          <mc:Fallback>
+          <mc:Fallback xmlns="">
             <p:sp>
               <p:nvSpPr>
                 <p:cNvPr id="20" name="TextBox 19">
@@ -17126,8 +17187,8 @@
             </a:fontRef>
           </p:style>
         </p:cxnSp>
-        <mc:AlternateContent xmlns:mc="http://schemas.openxmlformats.org/markup-compatibility/2006">
-          <mc:Choice xmlns:a14="http://schemas.microsoft.com/office/drawing/2010/main" Requires="a14">
+        <mc:AlternateContent xmlns:mc="http://schemas.openxmlformats.org/markup-compatibility/2006" xmlns:a14="http://schemas.microsoft.com/office/drawing/2010/main">
+          <mc:Choice Requires="a14">
             <p:sp>
               <p:nvSpPr>
                 <p:cNvPr id="25" name="TextBox 24">
@@ -17230,7 +17291,7 @@
               </p:txBody>
             </p:sp>
           </mc:Choice>
-          <mc:Fallback>
+          <mc:Fallback xmlns="">
             <p:sp>
               <p:nvSpPr>
                 <p:cNvPr id="25" name="TextBox 24">
@@ -17320,8 +17381,8 @@
             </a:fontRef>
           </p:style>
         </p:cxnSp>
-        <mc:AlternateContent xmlns:mc="http://schemas.openxmlformats.org/markup-compatibility/2006">
-          <mc:Choice xmlns:a14="http://schemas.microsoft.com/office/drawing/2010/main" Requires="a14">
+        <mc:AlternateContent xmlns:mc="http://schemas.openxmlformats.org/markup-compatibility/2006" xmlns:a14="http://schemas.microsoft.com/office/drawing/2010/main">
+          <mc:Choice Requires="a14">
             <p:sp>
               <p:nvSpPr>
                 <p:cNvPr id="27" name="TextBox 26">
@@ -17424,7 +17485,7 @@
               </p:txBody>
             </p:sp>
           </mc:Choice>
-          <mc:Fallback>
+          <mc:Fallback xmlns="">
             <p:sp>
               <p:nvSpPr>
                 <p:cNvPr id="27" name="TextBox 26">
@@ -17597,8 +17658,8 @@
             </a:fontRef>
           </p:style>
         </p:cxnSp>
-        <mc:AlternateContent xmlns:mc="http://schemas.openxmlformats.org/markup-compatibility/2006">
-          <mc:Choice xmlns:a14="http://schemas.microsoft.com/office/drawing/2010/main" Requires="a14">
+        <mc:AlternateContent xmlns:mc="http://schemas.openxmlformats.org/markup-compatibility/2006" xmlns:a14="http://schemas.microsoft.com/office/drawing/2010/main">
+          <mc:Choice Requires="a14">
             <p:sp>
               <p:nvSpPr>
                 <p:cNvPr id="16" name="TextBox 15">
@@ -17685,7 +17746,7 @@
               </p:txBody>
             </p:sp>
           </mc:Choice>
-          <mc:Fallback>
+          <mc:Fallback xmlns="">
             <p:sp>
               <p:nvSpPr>
                 <p:cNvPr id="16" name="TextBox 15">
@@ -17816,8 +17877,8 @@
             </a:fontRef>
           </p:style>
         </p:cxnSp>
-        <mc:AlternateContent xmlns:mc="http://schemas.openxmlformats.org/markup-compatibility/2006">
-          <mc:Choice xmlns:a14="http://schemas.microsoft.com/office/drawing/2010/main" Requires="a14">
+        <mc:AlternateContent xmlns:mc="http://schemas.openxmlformats.org/markup-compatibility/2006" xmlns:a14="http://schemas.microsoft.com/office/drawing/2010/main">
+          <mc:Choice Requires="a14">
             <p:sp>
               <p:nvSpPr>
                 <p:cNvPr id="25" name="TextBox 24">
@@ -17929,7 +17990,7 @@
               </p:txBody>
             </p:sp>
           </mc:Choice>
-          <mc:Fallback>
+          <mc:Fallback xmlns="">
             <p:sp>
               <p:nvSpPr>
                 <p:cNvPr id="25" name="TextBox 24">
@@ -18156,8 +18217,8 @@
             </a:fontRef>
           </p:style>
         </p:cxnSp>
-        <mc:AlternateContent xmlns:mc="http://schemas.openxmlformats.org/markup-compatibility/2006">
-          <mc:Choice xmlns:a14="http://schemas.microsoft.com/office/drawing/2010/main" Requires="a14">
+        <mc:AlternateContent xmlns:mc="http://schemas.openxmlformats.org/markup-compatibility/2006" xmlns:a14="http://schemas.microsoft.com/office/drawing/2010/main">
+          <mc:Choice Requires="a14">
             <p:sp>
               <p:nvSpPr>
                 <p:cNvPr id="12" name="TextBox 11">
@@ -18244,7 +18305,7 @@
               </p:txBody>
             </p:sp>
           </mc:Choice>
-          <mc:Fallback>
+          <mc:Fallback xmlns="">
             <p:sp>
               <p:nvSpPr>
                 <p:cNvPr id="12" name="TextBox 11">
@@ -18754,8 +18815,8 @@
             </a:fontRef>
           </p:style>
         </p:cxnSp>
-        <mc:AlternateContent xmlns:mc="http://schemas.openxmlformats.org/markup-compatibility/2006">
-          <mc:Choice xmlns:a14="http://schemas.microsoft.com/office/drawing/2010/main" Requires="a14">
+        <mc:AlternateContent xmlns:mc="http://schemas.openxmlformats.org/markup-compatibility/2006" xmlns:a14="http://schemas.microsoft.com/office/drawing/2010/main">
+          <mc:Choice Requires="a14">
             <p:sp>
               <p:nvSpPr>
                 <p:cNvPr id="52" name="TextBox 51">
@@ -18842,7 +18903,7 @@
               </p:txBody>
             </p:sp>
           </mc:Choice>
-          <mc:Fallback>
+          <mc:Fallback xmlns="">
             <p:sp>
               <p:nvSpPr>
                 <p:cNvPr id="52" name="TextBox 51">
@@ -18887,8 +18948,8 @@
             </p:sp>
           </mc:Fallback>
         </mc:AlternateContent>
-        <mc:AlternateContent xmlns:mc="http://schemas.openxmlformats.org/markup-compatibility/2006">
-          <mc:Choice xmlns:a14="http://schemas.microsoft.com/office/drawing/2010/main" Requires="a14">
+        <mc:AlternateContent xmlns:mc="http://schemas.openxmlformats.org/markup-compatibility/2006" xmlns:a14="http://schemas.microsoft.com/office/drawing/2010/main">
+          <mc:Choice Requires="a14">
             <p:sp>
               <p:nvSpPr>
                 <p:cNvPr id="53" name="TextBox 52">
@@ -18975,7 +19036,7 @@
               </p:txBody>
             </p:sp>
           </mc:Choice>
-          <mc:Fallback>
+          <mc:Fallback xmlns="">
             <p:sp>
               <p:nvSpPr>
                 <p:cNvPr id="53" name="TextBox 52">
@@ -19160,8 +19221,8 @@
             </a:fontRef>
           </p:style>
         </p:cxnSp>
-        <mc:AlternateContent xmlns:mc="http://schemas.openxmlformats.org/markup-compatibility/2006">
-          <mc:Choice xmlns:a14="http://schemas.microsoft.com/office/drawing/2010/main" Requires="a14">
+        <mc:AlternateContent xmlns:mc="http://schemas.openxmlformats.org/markup-compatibility/2006" xmlns:a14="http://schemas.microsoft.com/office/drawing/2010/main">
+          <mc:Choice Requires="a14">
             <p:sp>
               <p:nvSpPr>
                 <p:cNvPr id="60" name="TextBox 59">
@@ -19248,7 +19309,7 @@
               </p:txBody>
             </p:sp>
           </mc:Choice>
-          <mc:Fallback>
+          <mc:Fallback xmlns="">
             <p:sp>
               <p:nvSpPr>
                 <p:cNvPr id="60" name="TextBox 59">
@@ -19568,8 +19629,8 @@
             </a:p>
           </p:txBody>
         </p:sp>
-        <mc:AlternateContent xmlns:mc="http://schemas.openxmlformats.org/markup-compatibility/2006">
-          <mc:Choice xmlns:a14="http://schemas.microsoft.com/office/drawing/2010/main" Requires="a14">
+        <mc:AlternateContent xmlns:mc="http://schemas.openxmlformats.org/markup-compatibility/2006" xmlns:a14="http://schemas.microsoft.com/office/drawing/2010/main">
+          <mc:Choice Requires="a14">
             <p:sp>
               <p:nvSpPr>
                 <p:cNvPr id="76" name="TextBox 75">
@@ -19654,7 +19715,7 @@
               </p:txBody>
             </p:sp>
           </mc:Choice>
-          <mc:Fallback>
+          <mc:Fallback xmlns="">
             <p:sp>
               <p:nvSpPr>
                 <p:cNvPr id="76" name="TextBox 75">
@@ -19699,8 +19760,8 @@
             </p:sp>
           </mc:Fallback>
         </mc:AlternateContent>
-        <mc:AlternateContent xmlns:mc="http://schemas.openxmlformats.org/markup-compatibility/2006">
-          <mc:Choice xmlns:a14="http://schemas.microsoft.com/office/drawing/2010/main" Requires="a14">
+        <mc:AlternateContent xmlns:mc="http://schemas.openxmlformats.org/markup-compatibility/2006" xmlns:a14="http://schemas.microsoft.com/office/drawing/2010/main">
+          <mc:Choice Requires="a14">
             <p:sp>
               <p:nvSpPr>
                 <p:cNvPr id="77" name="TextBox 76">
@@ -19785,7 +19846,7 @@
               </p:txBody>
             </p:sp>
           </mc:Choice>
-          <mc:Fallback>
+          <mc:Fallback xmlns="">
             <p:sp>
               <p:nvSpPr>
                 <p:cNvPr id="77" name="TextBox 76">
@@ -21180,8 +21241,8 @@
             </a:fontRef>
           </p:style>
         </p:cxnSp>
-        <mc:AlternateContent xmlns:mc="http://schemas.openxmlformats.org/markup-compatibility/2006">
-          <mc:Choice xmlns:a14="http://schemas.microsoft.com/office/drawing/2010/main" Requires="a14">
+        <mc:AlternateContent xmlns:mc="http://schemas.openxmlformats.org/markup-compatibility/2006" xmlns:a14="http://schemas.microsoft.com/office/drawing/2010/main">
+          <mc:Choice Requires="a14">
             <p:sp>
               <p:nvSpPr>
                 <p:cNvPr id="18" name="TextBox 17">
@@ -21284,7 +21345,7 @@
               </p:txBody>
             </p:sp>
           </mc:Choice>
-          <mc:Fallback>
+          <mc:Fallback xmlns="">
             <p:sp>
               <p:nvSpPr>
                 <p:cNvPr id="18" name="TextBox 17">
@@ -21329,8 +21390,8 @@
             </p:sp>
           </mc:Fallback>
         </mc:AlternateContent>
-        <mc:AlternateContent xmlns:mc="http://schemas.openxmlformats.org/markup-compatibility/2006">
-          <mc:Choice xmlns:a14="http://schemas.microsoft.com/office/drawing/2010/main" Requires="a14">
+        <mc:AlternateContent xmlns:mc="http://schemas.openxmlformats.org/markup-compatibility/2006" xmlns:a14="http://schemas.microsoft.com/office/drawing/2010/main">
+          <mc:Choice Requires="a14">
             <p:sp>
               <p:nvSpPr>
                 <p:cNvPr id="19" name="TextBox 18">
@@ -21433,7 +21494,7 @@
               </p:txBody>
             </p:sp>
           </mc:Choice>
-          <mc:Fallback>
+          <mc:Fallback xmlns="">
             <p:sp>
               <p:nvSpPr>
                 <p:cNvPr id="19" name="TextBox 18">
@@ -21613,8 +21674,8 @@
             </a:fontRef>
           </p:style>
         </p:cxnSp>
-        <mc:AlternateContent xmlns:mc="http://schemas.openxmlformats.org/markup-compatibility/2006">
-          <mc:Choice xmlns:a14="http://schemas.microsoft.com/office/drawing/2010/main" Requires="a14">
+        <mc:AlternateContent xmlns:mc="http://schemas.openxmlformats.org/markup-compatibility/2006" xmlns:a14="http://schemas.microsoft.com/office/drawing/2010/main">
+          <mc:Choice Requires="a14">
             <p:sp>
               <p:nvSpPr>
                 <p:cNvPr id="26" name="TextBox 25">
@@ -21717,7 +21778,7 @@
               </p:txBody>
             </p:sp>
           </mc:Choice>
-          <mc:Fallback>
+          <mc:Fallback xmlns="">
             <p:sp>
               <p:nvSpPr>
                 <p:cNvPr id="26" name="TextBox 25">
@@ -21807,8 +21868,8 @@
             </a:fontRef>
           </p:style>
         </p:cxnSp>
-        <mc:AlternateContent xmlns:mc="http://schemas.openxmlformats.org/markup-compatibility/2006">
-          <mc:Choice xmlns:a14="http://schemas.microsoft.com/office/drawing/2010/main" Requires="a14">
+        <mc:AlternateContent xmlns:mc="http://schemas.openxmlformats.org/markup-compatibility/2006" xmlns:a14="http://schemas.microsoft.com/office/drawing/2010/main">
+          <mc:Choice Requires="a14">
             <p:sp>
               <p:nvSpPr>
                 <p:cNvPr id="30" name="TextBox 29">
@@ -21911,7 +21972,7 @@
               </p:txBody>
             </p:sp>
           </mc:Choice>
-          <mc:Fallback>
+          <mc:Fallback xmlns="">
             <p:sp>
               <p:nvSpPr>
                 <p:cNvPr id="30" name="TextBox 29">
@@ -21956,8 +22017,8 @@
             </p:sp>
           </mc:Fallback>
         </mc:AlternateContent>
-        <mc:AlternateContent xmlns:mc="http://schemas.openxmlformats.org/markup-compatibility/2006">
-          <mc:Choice xmlns:a14="http://schemas.microsoft.com/office/drawing/2010/main" Requires="a14">
+        <mc:AlternateContent xmlns:mc="http://schemas.openxmlformats.org/markup-compatibility/2006" xmlns:a14="http://schemas.microsoft.com/office/drawing/2010/main">
+          <mc:Choice Requires="a14">
             <p:sp>
               <p:nvSpPr>
                 <p:cNvPr id="35" name="TextBox 34">
@@ -22042,7 +22103,7 @@
               </p:txBody>
             </p:sp>
           </mc:Choice>
-          <mc:Fallback>
+          <mc:Fallback xmlns="">
             <p:sp>
               <p:nvSpPr>
                 <p:cNvPr id="35" name="TextBox 34">
@@ -22226,8 +22287,8 @@
             </a:fontRef>
           </p:style>
         </p:cxnSp>
-        <mc:AlternateContent xmlns:mc="http://schemas.openxmlformats.org/markup-compatibility/2006">
-          <mc:Choice xmlns:a14="http://schemas.microsoft.com/office/drawing/2010/main" Requires="a14">
+        <mc:AlternateContent xmlns:mc="http://schemas.openxmlformats.org/markup-compatibility/2006" xmlns:a14="http://schemas.microsoft.com/office/drawing/2010/main">
+          <mc:Choice Requires="a14">
             <p:sp>
               <p:nvSpPr>
                 <p:cNvPr id="48" name="TextBox 47">
@@ -22307,7 +22368,7 @@
               </p:txBody>
             </p:sp>
           </mc:Choice>
-          <mc:Fallback>
+          <mc:Fallback xmlns="">
             <p:sp>
               <p:nvSpPr>
                 <p:cNvPr id="48" name="TextBox 47">
@@ -22397,8 +22458,8 @@
             </a:fontRef>
           </p:style>
         </p:cxnSp>
-        <mc:AlternateContent xmlns:mc="http://schemas.openxmlformats.org/markup-compatibility/2006">
-          <mc:Choice xmlns:a14="http://schemas.microsoft.com/office/drawing/2010/main" Requires="a14">
+        <mc:AlternateContent xmlns:mc="http://schemas.openxmlformats.org/markup-compatibility/2006" xmlns:a14="http://schemas.microsoft.com/office/drawing/2010/main">
+          <mc:Choice Requires="a14">
             <p:sp>
               <p:nvSpPr>
                 <p:cNvPr id="59" name="TextBox 58">
@@ -22501,7 +22562,7 @@
               </p:txBody>
             </p:sp>
           </mc:Choice>
-          <mc:Fallback>
+          <mc:Fallback xmlns="">
             <p:sp>
               <p:nvSpPr>
                 <p:cNvPr id="59" name="TextBox 58">
@@ -23132,8 +23193,8 @@
           </a:prstGeom>
         </p:spPr>
       </p:pic>
-      <mc:AlternateContent xmlns:mc="http://schemas.openxmlformats.org/markup-compatibility/2006">
-        <mc:Choice xmlns:a14="http://schemas.microsoft.com/office/drawing/2010/main" Requires="a14">
+      <mc:AlternateContent xmlns:mc="http://schemas.openxmlformats.org/markup-compatibility/2006" xmlns:a14="http://schemas.microsoft.com/office/drawing/2010/main">
+        <mc:Choice Requires="a14">
           <p:sp>
             <p:nvSpPr>
               <p:cNvPr id="4" name="TextBox 3">
@@ -23260,7 +23321,7 @@
             </p:txBody>
           </p:sp>
         </mc:Choice>
-        <mc:Fallback>
+        <mc:Fallback xmlns="">
           <p:sp>
             <p:nvSpPr>
               <p:cNvPr id="4" name="TextBox 3">

--- a/TechnicalReport/Figures.pptx
+++ b/TechnicalReport/Figures.pptx
@@ -17,6 +17,10 @@
     <p:sldId id="265" r:id="rId11"/>
     <p:sldId id="266" r:id="rId12"/>
     <p:sldId id="267" r:id="rId13"/>
+    <p:sldId id="268" r:id="rId14"/>
+    <p:sldId id="269" r:id="rId15"/>
+    <p:sldId id="270" r:id="rId16"/>
+    <p:sldId id="271" r:id="rId17"/>
   </p:sldIdLst>
   <p:sldSz cx="12192000" cy="6858000"/>
   <p:notesSz cx="6858000" cy="9144000"/>
@@ -270,7 +274,7 @@
           <a:p>
             <a:fld id="{C1A24063-2F13-4A0D-BF3F-218053084915}" type="datetimeFigureOut">
               <a:rPr lang="en-US" smtClean="0"/>
-              <a:t>2/9/2023</a:t>
+              <a:t>2/11/2023</a:t>
             </a:fld>
             <a:endParaRPr lang="en-US"/>
           </a:p>
@@ -468,7 +472,7 @@
           <a:p>
             <a:fld id="{C1A24063-2F13-4A0D-BF3F-218053084915}" type="datetimeFigureOut">
               <a:rPr lang="en-US" smtClean="0"/>
-              <a:t>2/9/2023</a:t>
+              <a:t>2/11/2023</a:t>
             </a:fld>
             <a:endParaRPr lang="en-US"/>
           </a:p>
@@ -676,7 +680,7 @@
           <a:p>
             <a:fld id="{C1A24063-2F13-4A0D-BF3F-218053084915}" type="datetimeFigureOut">
               <a:rPr lang="en-US" smtClean="0"/>
-              <a:t>2/9/2023</a:t>
+              <a:t>2/11/2023</a:t>
             </a:fld>
             <a:endParaRPr lang="en-US"/>
           </a:p>
@@ -874,7 +878,7 @@
           <a:p>
             <a:fld id="{C1A24063-2F13-4A0D-BF3F-218053084915}" type="datetimeFigureOut">
               <a:rPr lang="en-US" smtClean="0"/>
-              <a:t>2/9/2023</a:t>
+              <a:t>2/11/2023</a:t>
             </a:fld>
             <a:endParaRPr lang="en-US"/>
           </a:p>
@@ -1149,7 +1153,7 @@
           <a:p>
             <a:fld id="{C1A24063-2F13-4A0D-BF3F-218053084915}" type="datetimeFigureOut">
               <a:rPr lang="en-US" smtClean="0"/>
-              <a:t>2/9/2023</a:t>
+              <a:t>2/11/2023</a:t>
             </a:fld>
             <a:endParaRPr lang="en-US"/>
           </a:p>
@@ -1414,7 +1418,7 @@
           <a:p>
             <a:fld id="{C1A24063-2F13-4A0D-BF3F-218053084915}" type="datetimeFigureOut">
               <a:rPr lang="en-US" smtClean="0"/>
-              <a:t>2/9/2023</a:t>
+              <a:t>2/11/2023</a:t>
             </a:fld>
             <a:endParaRPr lang="en-US"/>
           </a:p>
@@ -1826,7 +1830,7 @@
           <a:p>
             <a:fld id="{C1A24063-2F13-4A0D-BF3F-218053084915}" type="datetimeFigureOut">
               <a:rPr lang="en-US" smtClean="0"/>
-              <a:t>2/9/2023</a:t>
+              <a:t>2/11/2023</a:t>
             </a:fld>
             <a:endParaRPr lang="en-US"/>
           </a:p>
@@ -1967,7 +1971,7 @@
           <a:p>
             <a:fld id="{C1A24063-2F13-4A0D-BF3F-218053084915}" type="datetimeFigureOut">
               <a:rPr lang="en-US" smtClean="0"/>
-              <a:t>2/9/2023</a:t>
+              <a:t>2/11/2023</a:t>
             </a:fld>
             <a:endParaRPr lang="en-US"/>
           </a:p>
@@ -2080,7 +2084,7 @@
           <a:p>
             <a:fld id="{C1A24063-2F13-4A0D-BF3F-218053084915}" type="datetimeFigureOut">
               <a:rPr lang="en-US" smtClean="0"/>
-              <a:t>2/9/2023</a:t>
+              <a:t>2/11/2023</a:t>
             </a:fld>
             <a:endParaRPr lang="en-US"/>
           </a:p>
@@ -2391,7 +2395,7 @@
           <a:p>
             <a:fld id="{C1A24063-2F13-4A0D-BF3F-218053084915}" type="datetimeFigureOut">
               <a:rPr lang="en-US" smtClean="0"/>
-              <a:t>2/9/2023</a:t>
+              <a:t>2/11/2023</a:t>
             </a:fld>
             <a:endParaRPr lang="en-US"/>
           </a:p>
@@ -2679,7 +2683,7 @@
           <a:p>
             <a:fld id="{C1A24063-2F13-4A0D-BF3F-218053084915}" type="datetimeFigureOut">
               <a:rPr lang="en-US" smtClean="0"/>
-              <a:t>2/9/2023</a:t>
+              <a:t>2/11/2023</a:t>
             </a:fld>
             <a:endParaRPr lang="en-US"/>
           </a:p>
@@ -2920,7 +2924,7 @@
           <a:p>
             <a:fld id="{C1A24063-2F13-4A0D-BF3F-218053084915}" type="datetimeFigureOut">
               <a:rPr lang="en-US" smtClean="0"/>
-              <a:t>2/9/2023</a:t>
+              <a:t>2/11/2023</a:t>
             </a:fld>
             <a:endParaRPr lang="en-US"/>
           </a:p>
@@ -6056,2383 +6060,6 @@
       </p:grpSp>
       <p:grpSp>
         <p:nvGrpSpPr>
-          <p:cNvPr id="159" name="Group 158">
-            <a:extLst>
-              <a:ext uri="{FF2B5EF4-FFF2-40B4-BE49-F238E27FC236}">
-                <a16:creationId xmlns:a16="http://schemas.microsoft.com/office/drawing/2014/main" id="{F7DB88DC-2A90-5410-767A-84D8E8C01005}"/>
-              </a:ext>
-            </a:extLst>
-          </p:cNvPr>
-          <p:cNvGrpSpPr/>
-          <p:nvPr/>
-        </p:nvGrpSpPr>
-        <p:grpSpPr>
-          <a:xfrm>
-            <a:off x="150017" y="4285541"/>
-            <a:ext cx="8450390" cy="2713631"/>
-            <a:chOff x="1627060" y="1953619"/>
-            <a:chExt cx="8450390" cy="2713631"/>
-          </a:xfrm>
-        </p:grpSpPr>
-        <p:pic>
-          <p:nvPicPr>
-            <p:cNvPr id="160" name="Picture 159">
-              <a:extLst>
-                <a:ext uri="{FF2B5EF4-FFF2-40B4-BE49-F238E27FC236}">
-                  <a16:creationId xmlns:a16="http://schemas.microsoft.com/office/drawing/2014/main" id="{6BA58ADA-E69B-EE04-EEEE-8B8420DA3774}"/>
-                </a:ext>
-              </a:extLst>
-            </p:cNvPr>
-            <p:cNvPicPr>
-              <a:picLocks noChangeAspect="1"/>
-            </p:cNvPicPr>
-            <p:nvPr/>
-          </p:nvPicPr>
-          <p:blipFill>
-            <a:blip r:embed="rId10">
-              <a:extLst>
-                <a:ext uri="{28A0092B-C50C-407E-A947-70E740481C1C}">
-                  <a14:useLocalDpi xmlns:a14="http://schemas.microsoft.com/office/drawing/2010/main" val="0"/>
-                </a:ext>
-              </a:extLst>
-            </a:blip>
-            <a:stretch>
-              <a:fillRect/>
-            </a:stretch>
-          </p:blipFill>
-          <p:spPr>
-            <a:xfrm>
-              <a:off x="2632710" y="2251710"/>
-              <a:ext cx="6926580" cy="2354580"/>
-            </a:xfrm>
-            <a:prstGeom prst="rect">
-              <a:avLst/>
-            </a:prstGeom>
-          </p:spPr>
-        </p:pic>
-        <p:cxnSp>
-          <p:nvCxnSpPr>
-            <p:cNvPr id="161" name="Straight Connector 160">
-              <a:extLst>
-                <a:ext uri="{FF2B5EF4-FFF2-40B4-BE49-F238E27FC236}">
-                  <a16:creationId xmlns:a16="http://schemas.microsoft.com/office/drawing/2014/main" id="{8E88F01A-1C11-907C-0845-0BFFBC19E62E}"/>
-                </a:ext>
-              </a:extLst>
-            </p:cNvPr>
-            <p:cNvCxnSpPr>
-              <a:cxnSpLocks/>
-            </p:cNvCxnSpPr>
-            <p:nvPr/>
-          </p:nvCxnSpPr>
-          <p:spPr>
-            <a:xfrm>
-              <a:off x="2756977" y="3707122"/>
-              <a:ext cx="3038986" cy="0"/>
-            </a:xfrm>
-            <a:prstGeom prst="line">
-              <a:avLst/>
-            </a:prstGeom>
-            <a:ln w="19050">
-              <a:prstDash val="dashDot"/>
-            </a:ln>
-          </p:spPr>
-          <p:style>
-            <a:lnRef idx="1">
-              <a:schemeClr val="dk1"/>
-            </a:lnRef>
-            <a:fillRef idx="0">
-              <a:schemeClr val="dk1"/>
-            </a:fillRef>
-            <a:effectRef idx="0">
-              <a:schemeClr val="dk1"/>
-            </a:effectRef>
-            <a:fontRef idx="minor">
-              <a:schemeClr val="tx1"/>
-            </a:fontRef>
-          </p:style>
-        </p:cxnSp>
-        <mc:AlternateContent xmlns:mc="http://schemas.openxmlformats.org/markup-compatibility/2006" xmlns:a14="http://schemas.microsoft.com/office/drawing/2010/main">
-          <mc:Choice Requires="a14">
-            <p:sp>
-              <p:nvSpPr>
-                <p:cNvPr id="162" name="TextBox 161">
-                  <a:extLst>
-                    <a:ext uri="{FF2B5EF4-FFF2-40B4-BE49-F238E27FC236}">
-                      <a16:creationId xmlns:a16="http://schemas.microsoft.com/office/drawing/2014/main" id="{B0AB54C6-ADC7-7774-579B-AD41A06CE1C8}"/>
-                    </a:ext>
-                  </a:extLst>
-                </p:cNvPr>
-                <p:cNvSpPr txBox="1"/>
-                <p:nvPr/>
-              </p:nvSpPr>
-              <p:spPr>
-                <a:xfrm>
-                  <a:off x="3837407" y="3195310"/>
-                  <a:ext cx="345529" cy="276999"/>
-                </a:xfrm>
-                <a:prstGeom prst="rect">
-                  <a:avLst/>
-                </a:prstGeom>
-                <a:noFill/>
-              </p:spPr>
-              <p:txBody>
-                <a:bodyPr wrap="square" rtlCol="0">
-                  <a:spAutoFit/>
-                </a:bodyPr>
-                <a:lstStyle/>
-                <a:p>
-                  <a:pPr/>
-                  <a14:m>
-                    <m:oMathPara xmlns:m="http://schemas.openxmlformats.org/officeDocument/2006/math">
-                      <m:oMathParaPr>
-                        <m:jc m:val="centerGroup"/>
-                      </m:oMathParaPr>
-                      <m:oMath xmlns:m="http://schemas.openxmlformats.org/officeDocument/2006/math">
-                        <m:sSub>
-                          <m:sSubPr>
-                            <m:ctrlPr>
-                              <a:rPr lang="en-US" sz="1200" b="0" i="1" smtClean="0">
-                                <a:solidFill>
-                                  <a:schemeClr val="accent1"/>
-                                </a:solidFill>
-                                <a:latin typeface="Cambria Math" panose="02040503050406030204" pitchFamily="18" charset="0"/>
-                              </a:rPr>
-                            </m:ctrlPr>
-                          </m:sSubPr>
-                          <m:e>
-                            <m:r>
-                              <a:rPr lang="en-US" sz="1200" b="0" i="1" smtClean="0">
-                                <a:solidFill>
-                                  <a:schemeClr val="accent1"/>
-                                </a:solidFill>
-                                <a:latin typeface="Cambria Math" panose="02040503050406030204" pitchFamily="18" charset="0"/>
-                              </a:rPr>
-                              <m:t>𝑎</m:t>
-                            </m:r>
-                          </m:e>
-                          <m:sub>
-                            <m:r>
-                              <a:rPr lang="en-US" sz="1200" b="0" i="1" smtClean="0">
-                                <a:solidFill>
-                                  <a:schemeClr val="accent1"/>
-                                </a:solidFill>
-                                <a:latin typeface="Cambria Math" panose="02040503050406030204" pitchFamily="18" charset="0"/>
-                              </a:rPr>
-                              <m:t>𝑤</m:t>
-                            </m:r>
-                            <m:r>
-                              <a:rPr lang="en-US" sz="1200" b="0" i="1" smtClean="0">
-                                <a:solidFill>
-                                  <a:schemeClr val="accent1"/>
-                                </a:solidFill>
-                                <a:latin typeface="Cambria Math" panose="02040503050406030204" pitchFamily="18" charset="0"/>
-                              </a:rPr>
-                              <m:t>1</m:t>
-                            </m:r>
-                          </m:sub>
-                        </m:sSub>
-                      </m:oMath>
-                    </m:oMathPara>
-                  </a14:m>
-                  <a:endParaRPr lang="en-US" dirty="0"/>
-                </a:p>
-              </p:txBody>
-            </p:sp>
-          </mc:Choice>
-          <mc:Fallback xmlns="">
-            <p:sp>
-              <p:nvSpPr>
-                <p:cNvPr id="162" name="TextBox 161">
-                  <a:extLst>
-                    <a:ext uri="{FF2B5EF4-FFF2-40B4-BE49-F238E27FC236}">
-                      <a16:creationId xmlns:a16="http://schemas.microsoft.com/office/drawing/2014/main" id="{B0AB54C6-ADC7-7774-579B-AD41A06CE1C8}"/>
-                    </a:ext>
-                  </a:extLst>
-                </p:cNvPr>
-                <p:cNvSpPr txBox="1">
-                  <a:spLocks noRot="1" noChangeAspect="1" noMove="1" noResize="1" noEditPoints="1" noAdjustHandles="1" noChangeArrowheads="1" noChangeShapeType="1" noTextEdit="1"/>
-                </p:cNvSpPr>
-                <p:nvPr/>
-              </p:nvSpPr>
-              <p:spPr>
-                <a:xfrm>
-                  <a:off x="3837407" y="3195310"/>
-                  <a:ext cx="345529" cy="276999"/>
-                </a:xfrm>
-                <a:prstGeom prst="rect">
-                  <a:avLst/>
-                </a:prstGeom>
-                <a:blipFill>
-                  <a:blip r:embed="rId11"/>
-                  <a:stretch>
-                    <a:fillRect r="-5263"/>
-                  </a:stretch>
-                </a:blipFill>
-              </p:spPr>
-              <p:txBody>
-                <a:bodyPr/>
-                <a:lstStyle/>
-                <a:p>
-                  <a:r>
-                    <a:rPr lang="en-US">
-                      <a:noFill/>
-                    </a:rPr>
-                    <a:t> </a:t>
-                  </a:r>
-                </a:p>
-              </p:txBody>
-            </p:sp>
-          </mc:Fallback>
-        </mc:AlternateContent>
-        <p:cxnSp>
-          <p:nvCxnSpPr>
-            <p:cNvPr id="163" name="Straight Connector 162">
-              <a:extLst>
-                <a:ext uri="{FF2B5EF4-FFF2-40B4-BE49-F238E27FC236}">
-                  <a16:creationId xmlns:a16="http://schemas.microsoft.com/office/drawing/2014/main" id="{7E9B808D-A945-8A21-7331-82A3767B2AF4}"/>
-                </a:ext>
-              </a:extLst>
-            </p:cNvPr>
-            <p:cNvCxnSpPr>
-              <a:cxnSpLocks/>
-            </p:cNvCxnSpPr>
-            <p:nvPr/>
-          </p:nvCxnSpPr>
-          <p:spPr>
-            <a:xfrm>
-              <a:off x="4446092" y="3300412"/>
-              <a:ext cx="1649908" cy="0"/>
-            </a:xfrm>
-            <a:prstGeom prst="line">
-              <a:avLst/>
-            </a:prstGeom>
-            <a:ln w="19050">
-              <a:prstDash val="dashDot"/>
-            </a:ln>
-          </p:spPr>
-          <p:style>
-            <a:lnRef idx="1">
-              <a:schemeClr val="dk1"/>
-            </a:lnRef>
-            <a:fillRef idx="0">
-              <a:schemeClr val="dk1"/>
-            </a:fillRef>
-            <a:effectRef idx="0">
-              <a:schemeClr val="dk1"/>
-            </a:effectRef>
-            <a:fontRef idx="minor">
-              <a:schemeClr val="tx1"/>
-            </a:fontRef>
-          </p:style>
-        </p:cxnSp>
-        <p:cxnSp>
-          <p:nvCxnSpPr>
-            <p:cNvPr id="164" name="Straight Arrow Connector 163">
-              <a:extLst>
-                <a:ext uri="{FF2B5EF4-FFF2-40B4-BE49-F238E27FC236}">
-                  <a16:creationId xmlns:a16="http://schemas.microsoft.com/office/drawing/2014/main" id="{9A499090-5208-5899-3A80-02BFDBCEEA3B}"/>
-                </a:ext>
-              </a:extLst>
-            </p:cNvPr>
-            <p:cNvCxnSpPr>
-              <a:cxnSpLocks/>
-            </p:cNvCxnSpPr>
-            <p:nvPr/>
-          </p:nvCxnSpPr>
-          <p:spPr>
-            <a:xfrm>
-              <a:off x="4495800" y="3300412"/>
-              <a:ext cx="0" cy="410888"/>
-            </a:xfrm>
-            <a:prstGeom prst="straightConnector1">
-              <a:avLst/>
-            </a:prstGeom>
-            <a:ln w="12700">
-              <a:solidFill>
-                <a:srgbClr val="002060"/>
-              </a:solidFill>
-              <a:headEnd type="triangle" w="sm" len="med"/>
-              <a:tailEnd type="triangle" w="sm" len="med"/>
-            </a:ln>
-          </p:spPr>
-          <p:style>
-            <a:lnRef idx="1">
-              <a:schemeClr val="accent1"/>
-            </a:lnRef>
-            <a:fillRef idx="0">
-              <a:schemeClr val="accent1"/>
-            </a:fillRef>
-            <a:effectRef idx="0">
-              <a:schemeClr val="accent1"/>
-            </a:effectRef>
-            <a:fontRef idx="minor">
-              <a:schemeClr val="tx1"/>
-            </a:fontRef>
-          </p:style>
-        </p:cxnSp>
-        <mc:AlternateContent xmlns:mc="http://schemas.openxmlformats.org/markup-compatibility/2006" xmlns:a14="http://schemas.microsoft.com/office/drawing/2010/main">
-          <mc:Choice Requires="a14">
-            <p:sp>
-              <p:nvSpPr>
-                <p:cNvPr id="165" name="TextBox 164">
-                  <a:extLst>
-                    <a:ext uri="{FF2B5EF4-FFF2-40B4-BE49-F238E27FC236}">
-                      <a16:creationId xmlns:a16="http://schemas.microsoft.com/office/drawing/2014/main" id="{97AD2FA1-6684-E61D-659C-074525C23B4E}"/>
-                    </a:ext>
-                  </a:extLst>
-                </p:cNvPr>
-                <p:cNvSpPr txBox="1"/>
-                <p:nvPr/>
-              </p:nvSpPr>
-              <p:spPr>
-                <a:xfrm>
-                  <a:off x="4125242" y="2930819"/>
-                  <a:ext cx="345529" cy="292901"/>
-                </a:xfrm>
-                <a:prstGeom prst="rect">
-                  <a:avLst/>
-                </a:prstGeom>
-                <a:noFill/>
-              </p:spPr>
-              <p:txBody>
-                <a:bodyPr wrap="square" rtlCol="0">
-                  <a:spAutoFit/>
-                </a:bodyPr>
-                <a:lstStyle/>
-                <a:p>
-                  <a:pPr/>
-                  <a14:m>
-                    <m:oMathPara xmlns:m="http://schemas.openxmlformats.org/officeDocument/2006/math">
-                      <m:oMathParaPr>
-                        <m:jc m:val="centerGroup"/>
-                      </m:oMathParaPr>
-                      <m:oMath xmlns:m="http://schemas.openxmlformats.org/officeDocument/2006/math">
-                        <m:sSub>
-                          <m:sSubPr>
-                            <m:ctrlPr>
-                              <a:rPr lang="en-US" sz="1200" b="0" i="1" smtClean="0">
-                                <a:solidFill>
-                                  <a:schemeClr val="accent1"/>
-                                </a:solidFill>
-                                <a:latin typeface="Cambria Math" panose="02040503050406030204" pitchFamily="18" charset="0"/>
-                              </a:rPr>
-                            </m:ctrlPr>
-                          </m:sSubPr>
-                          <m:e>
-                            <m:r>
-                              <a:rPr lang="en-US" sz="1200" b="0" i="1" smtClean="0">
-                                <a:solidFill>
-                                  <a:schemeClr val="accent1"/>
-                                </a:solidFill>
-                                <a:latin typeface="Cambria Math" panose="02040503050406030204" pitchFamily="18" charset="0"/>
-                              </a:rPr>
-                              <m:t>𝑑</m:t>
-                            </m:r>
-                          </m:e>
-                          <m:sub>
-                            <m:r>
-                              <a:rPr lang="en-US" sz="1200" b="0" i="1" smtClean="0">
-                                <a:solidFill>
-                                  <a:schemeClr val="accent1"/>
-                                </a:solidFill>
-                                <a:latin typeface="Cambria Math" panose="02040503050406030204" pitchFamily="18" charset="0"/>
-                              </a:rPr>
-                              <m:t>𝑤</m:t>
-                            </m:r>
-                            <m:sSub>
-                              <m:sSubPr>
-                                <m:ctrlPr>
-                                  <a:rPr lang="en-US" sz="1200" b="0" i="1" smtClean="0">
-                                    <a:solidFill>
-                                      <a:schemeClr val="accent1"/>
-                                    </a:solidFill>
-                                    <a:latin typeface="Cambria Math" panose="02040503050406030204" pitchFamily="18" charset="0"/>
-                                  </a:rPr>
-                                </m:ctrlPr>
-                              </m:sSubPr>
-                              <m:e>
-                                <m:r>
-                                  <a:rPr lang="en-US" sz="1200" b="0" i="1" smtClean="0">
-                                    <a:solidFill>
-                                      <a:schemeClr val="accent1"/>
-                                    </a:solidFill>
-                                    <a:latin typeface="Cambria Math" panose="02040503050406030204" pitchFamily="18" charset="0"/>
-                                  </a:rPr>
-                                  <m:t>𝑒</m:t>
-                                </m:r>
-                              </m:e>
-                              <m:sub>
-                                <m:r>
-                                  <a:rPr lang="en-US" sz="1200" b="0" i="1" smtClean="0">
-                                    <a:solidFill>
-                                      <a:schemeClr val="accent1"/>
-                                    </a:solidFill>
-                                    <a:latin typeface="Cambria Math" panose="02040503050406030204" pitchFamily="18" charset="0"/>
-                                  </a:rPr>
-                                  <m:t>𝑧</m:t>
-                                </m:r>
-                              </m:sub>
-                            </m:sSub>
-                          </m:sub>
-                        </m:sSub>
-                      </m:oMath>
-                    </m:oMathPara>
-                  </a14:m>
-                  <a:endParaRPr lang="en-US" dirty="0"/>
-                </a:p>
-              </p:txBody>
-            </p:sp>
-          </mc:Choice>
-          <mc:Fallback xmlns="">
-            <p:sp>
-              <p:nvSpPr>
-                <p:cNvPr id="165" name="TextBox 164">
-                  <a:extLst>
-                    <a:ext uri="{FF2B5EF4-FFF2-40B4-BE49-F238E27FC236}">
-                      <a16:creationId xmlns:a16="http://schemas.microsoft.com/office/drawing/2014/main" id="{97AD2FA1-6684-E61D-659C-074525C23B4E}"/>
-                    </a:ext>
-                  </a:extLst>
-                </p:cNvPr>
-                <p:cNvSpPr txBox="1">
-                  <a:spLocks noRot="1" noChangeAspect="1" noMove="1" noResize="1" noEditPoints="1" noAdjustHandles="1" noChangeArrowheads="1" noChangeShapeType="1" noTextEdit="1"/>
-                </p:cNvSpPr>
-                <p:nvPr/>
-              </p:nvSpPr>
-              <p:spPr>
-                <a:xfrm>
-                  <a:off x="4125242" y="2930819"/>
-                  <a:ext cx="345529" cy="292901"/>
-                </a:xfrm>
-                <a:prstGeom prst="rect">
-                  <a:avLst/>
-                </a:prstGeom>
-                <a:blipFill>
-                  <a:blip r:embed="rId12"/>
-                  <a:stretch>
-                    <a:fillRect r="-17544"/>
-                  </a:stretch>
-                </a:blipFill>
-              </p:spPr>
-              <p:txBody>
-                <a:bodyPr/>
-                <a:lstStyle/>
-                <a:p>
-                  <a:r>
-                    <a:rPr lang="en-US">
-                      <a:noFill/>
-                    </a:rPr>
-                    <a:t> </a:t>
-                  </a:r>
-                </a:p>
-              </p:txBody>
-            </p:sp>
-          </mc:Fallback>
-        </mc:AlternateContent>
-        <p:sp>
-          <p:nvSpPr>
-            <p:cNvPr id="166" name="Freeform: Shape 165">
-              <a:extLst>
-                <a:ext uri="{FF2B5EF4-FFF2-40B4-BE49-F238E27FC236}">
-                  <a16:creationId xmlns:a16="http://schemas.microsoft.com/office/drawing/2014/main" id="{4F0E4540-EA9F-EB3D-C3BE-47219C8D961A}"/>
-                </a:ext>
-              </a:extLst>
-            </p:cNvPr>
-            <p:cNvSpPr/>
-            <p:nvPr/>
-          </p:nvSpPr>
-          <p:spPr>
-            <a:xfrm rot="5400000" flipV="1">
-              <a:off x="4256242" y="3237251"/>
-              <a:ext cx="228600" cy="144719"/>
-            </a:xfrm>
-            <a:custGeom>
-              <a:avLst/>
-              <a:gdLst>
-                <a:gd name="connsiteX0" fmla="*/ 0 w 228600"/>
-                <a:gd name="connsiteY0" fmla="*/ 16131 h 144719"/>
-                <a:gd name="connsiteX1" fmla="*/ 185737 w 228600"/>
-                <a:gd name="connsiteY1" fmla="*/ 11369 h 144719"/>
-                <a:gd name="connsiteX2" fmla="*/ 228600 w 228600"/>
-                <a:gd name="connsiteY2" fmla="*/ 144719 h 144719"/>
-              </a:gdLst>
-              <a:ahLst/>
-              <a:cxnLst>
-                <a:cxn ang="0">
-                  <a:pos x="connsiteX0" y="connsiteY0"/>
-                </a:cxn>
-                <a:cxn ang="0">
-                  <a:pos x="connsiteX1" y="connsiteY1"/>
-                </a:cxn>
-                <a:cxn ang="0">
-                  <a:pos x="connsiteX2" y="connsiteY2"/>
-                </a:cxn>
-              </a:cxnLst>
-              <a:rect l="l" t="t" r="r" b="b"/>
-              <a:pathLst>
-                <a:path w="228600" h="144719">
-                  <a:moveTo>
-                    <a:pt x="0" y="16131"/>
-                  </a:moveTo>
-                  <a:cubicBezTo>
-                    <a:pt x="73818" y="3034"/>
-                    <a:pt x="147637" y="-10062"/>
-                    <a:pt x="185737" y="11369"/>
-                  </a:cubicBezTo>
-                  <a:cubicBezTo>
-                    <a:pt x="223837" y="32800"/>
-                    <a:pt x="189706" y="104238"/>
-                    <a:pt x="228600" y="144719"/>
-                  </a:cubicBezTo>
-                </a:path>
-              </a:pathLst>
-            </a:custGeom>
-            <a:noFill/>
-            <a:ln>
-              <a:headEnd type="none" w="med" len="med"/>
-              <a:tailEnd type="triangle" w="med" len="med"/>
-            </a:ln>
-          </p:spPr>
-          <p:style>
-            <a:lnRef idx="2">
-              <a:schemeClr val="accent1">
-                <a:shade val="50000"/>
-              </a:schemeClr>
-            </a:lnRef>
-            <a:fillRef idx="1">
-              <a:schemeClr val="accent1"/>
-            </a:fillRef>
-            <a:effectRef idx="0">
-              <a:schemeClr val="accent1"/>
-            </a:effectRef>
-            <a:fontRef idx="minor">
-              <a:schemeClr val="lt1"/>
-            </a:fontRef>
-          </p:style>
-          <p:txBody>
-            <a:bodyPr rtlCol="0" anchor="ctr"/>
-            <a:lstStyle/>
-            <a:p>
-              <a:pPr algn="ctr"/>
-              <a:endParaRPr lang="en-US"/>
-            </a:p>
-          </p:txBody>
-        </p:sp>
-        <p:cxnSp>
-          <p:nvCxnSpPr>
-            <p:cNvPr id="167" name="Straight Connector 166">
-              <a:extLst>
-                <a:ext uri="{FF2B5EF4-FFF2-40B4-BE49-F238E27FC236}">
-                  <a16:creationId xmlns:a16="http://schemas.microsoft.com/office/drawing/2014/main" id="{6CAF65F7-D974-9825-E5F6-E70D688B4DB8}"/>
-                </a:ext>
-              </a:extLst>
-            </p:cNvPr>
-            <p:cNvCxnSpPr>
-              <a:cxnSpLocks/>
-            </p:cNvCxnSpPr>
-            <p:nvPr/>
-          </p:nvCxnSpPr>
-          <p:spPr>
-            <a:xfrm>
-              <a:off x="2419350" y="2371450"/>
-              <a:ext cx="3676650" cy="0"/>
-            </a:xfrm>
-            <a:prstGeom prst="line">
-              <a:avLst/>
-            </a:prstGeom>
-            <a:ln w="9525">
-              <a:solidFill>
-                <a:schemeClr val="bg2">
-                  <a:lumMod val="90000"/>
-                </a:schemeClr>
-              </a:solidFill>
-              <a:prstDash val="solid"/>
-            </a:ln>
-          </p:spPr>
-          <p:style>
-            <a:lnRef idx="1">
-              <a:schemeClr val="dk1"/>
-            </a:lnRef>
-            <a:fillRef idx="0">
-              <a:schemeClr val="dk1"/>
-            </a:fillRef>
-            <a:effectRef idx="0">
-              <a:schemeClr val="dk1"/>
-            </a:effectRef>
-            <a:fontRef idx="minor">
-              <a:schemeClr val="tx1"/>
-            </a:fontRef>
-          </p:style>
-        </p:cxnSp>
-        <p:cxnSp>
-          <p:nvCxnSpPr>
-            <p:cNvPr id="168" name="Straight Arrow Connector 167">
-              <a:extLst>
-                <a:ext uri="{FF2B5EF4-FFF2-40B4-BE49-F238E27FC236}">
-                  <a16:creationId xmlns:a16="http://schemas.microsoft.com/office/drawing/2014/main" id="{57CE90FA-2834-D2BD-DF1D-E91A3FA57A10}"/>
-                </a:ext>
-              </a:extLst>
-            </p:cNvPr>
-            <p:cNvCxnSpPr>
-              <a:cxnSpLocks/>
-            </p:cNvCxnSpPr>
-            <p:nvPr/>
-          </p:nvCxnSpPr>
-          <p:spPr>
-            <a:xfrm>
-              <a:off x="2578100" y="2371450"/>
-              <a:ext cx="0" cy="1835150"/>
-            </a:xfrm>
-            <a:prstGeom prst="straightConnector1">
-              <a:avLst/>
-            </a:prstGeom>
-            <a:ln w="12700">
-              <a:solidFill>
-                <a:schemeClr val="bg2">
-                  <a:lumMod val="90000"/>
-                </a:schemeClr>
-              </a:solidFill>
-              <a:headEnd type="triangle" w="sm" len="med"/>
-              <a:tailEnd type="triangle" w="sm" len="med"/>
-            </a:ln>
-          </p:spPr>
-          <p:style>
-            <a:lnRef idx="1">
-              <a:schemeClr val="accent1"/>
-            </a:lnRef>
-            <a:fillRef idx="0">
-              <a:schemeClr val="accent1"/>
-            </a:fillRef>
-            <a:effectRef idx="0">
-              <a:schemeClr val="accent1"/>
-            </a:effectRef>
-            <a:fontRef idx="minor">
-              <a:schemeClr val="tx1"/>
-            </a:fontRef>
-          </p:style>
-        </p:cxnSp>
-        <mc:AlternateContent xmlns:mc="http://schemas.openxmlformats.org/markup-compatibility/2006" xmlns:a14="http://schemas.microsoft.com/office/drawing/2010/main">
-          <mc:Choice Requires="a14">
-            <p:sp>
-              <p:nvSpPr>
-                <p:cNvPr id="169" name="TextBox 168">
-                  <a:extLst>
-                    <a:ext uri="{FF2B5EF4-FFF2-40B4-BE49-F238E27FC236}">
-                      <a16:creationId xmlns:a16="http://schemas.microsoft.com/office/drawing/2014/main" id="{90D6678B-585B-5393-34A1-099A12A7B133}"/>
-                    </a:ext>
-                  </a:extLst>
-                </p:cNvPr>
-                <p:cNvSpPr txBox="1"/>
-                <p:nvPr/>
-              </p:nvSpPr>
-              <p:spPr>
-                <a:xfrm>
-                  <a:off x="1872602" y="2930819"/>
-                  <a:ext cx="756918" cy="276999"/>
-                </a:xfrm>
-                <a:prstGeom prst="rect">
-                  <a:avLst/>
-                </a:prstGeom>
-                <a:noFill/>
-              </p:spPr>
-              <p:txBody>
-                <a:bodyPr wrap="square" rtlCol="0">
-                  <a:spAutoFit/>
-                </a:bodyPr>
-                <a:lstStyle/>
-                <a:p>
-                  <a:pPr/>
-                  <a14:m>
-                    <m:oMathPara xmlns:m="http://schemas.openxmlformats.org/officeDocument/2006/math">
-                      <m:oMathParaPr>
-                        <m:jc m:val="centerGroup"/>
-                      </m:oMathParaPr>
-                      <m:oMath xmlns:m="http://schemas.openxmlformats.org/officeDocument/2006/math">
-                        <m:sSup>
-                          <m:sSupPr>
-                            <m:ctrlPr>
-                              <a:rPr lang="en-US" sz="1200" b="0" i="1" smtClean="0">
-                                <a:solidFill>
-                                  <a:schemeClr val="tx1"/>
-                                </a:solidFill>
-                                <a:latin typeface="Cambria Math" panose="02040503050406030204" pitchFamily="18" charset="0"/>
-                              </a:rPr>
-                            </m:ctrlPr>
-                          </m:sSupPr>
-                          <m:e>
-                            <m:r>
-                              <a:rPr lang="en-US" sz="1200" b="0" i="1" smtClean="0">
-                                <a:solidFill>
-                                  <a:schemeClr val="tx1"/>
-                                </a:solidFill>
-                                <a:latin typeface="Cambria Math" panose="02040503050406030204" pitchFamily="18" charset="0"/>
-                              </a:rPr>
-                              <m:t>11</m:t>
-                            </m:r>
-                          </m:e>
-                          <m:sup>
-                            <m:r>
-                              <a:rPr lang="en-US" sz="1200" b="0" i="1" smtClean="0">
-                                <a:solidFill>
-                                  <a:schemeClr val="tx1"/>
-                                </a:solidFill>
-                                <a:latin typeface="Cambria Math" panose="02040503050406030204" pitchFamily="18" charset="0"/>
-                              </a:rPr>
-                              <m:t>′</m:t>
-                            </m:r>
-                          </m:sup>
-                        </m:sSup>
-                        <m:r>
-                          <a:rPr lang="en-US" sz="1200" b="0" i="1" smtClean="0">
-                            <a:solidFill>
-                              <a:schemeClr val="tx1"/>
-                            </a:solidFill>
-                            <a:latin typeface="Cambria Math" panose="02040503050406030204" pitchFamily="18" charset="0"/>
-                          </a:rPr>
-                          <m:t>−3"</m:t>
-                        </m:r>
-                      </m:oMath>
-                    </m:oMathPara>
-                  </a14:m>
-                  <a:endParaRPr lang="en-US" dirty="0"/>
-                </a:p>
-              </p:txBody>
-            </p:sp>
-          </mc:Choice>
-          <mc:Fallback xmlns="">
-            <p:sp>
-              <p:nvSpPr>
-                <p:cNvPr id="169" name="TextBox 168">
-                  <a:extLst>
-                    <a:ext uri="{FF2B5EF4-FFF2-40B4-BE49-F238E27FC236}">
-                      <a16:creationId xmlns:a16="http://schemas.microsoft.com/office/drawing/2014/main" id="{90D6678B-585B-5393-34A1-099A12A7B133}"/>
-                    </a:ext>
-                  </a:extLst>
-                </p:cNvPr>
-                <p:cNvSpPr txBox="1">
-                  <a:spLocks noRot="1" noChangeAspect="1" noMove="1" noResize="1" noEditPoints="1" noAdjustHandles="1" noChangeArrowheads="1" noChangeShapeType="1" noTextEdit="1"/>
-                </p:cNvSpPr>
-                <p:nvPr/>
-              </p:nvSpPr>
-              <p:spPr>
-                <a:xfrm>
-                  <a:off x="1872602" y="2930819"/>
-                  <a:ext cx="756918" cy="276999"/>
-                </a:xfrm>
-                <a:prstGeom prst="rect">
-                  <a:avLst/>
-                </a:prstGeom>
-                <a:blipFill>
-                  <a:blip r:embed="rId13"/>
-                  <a:stretch>
-                    <a:fillRect/>
-                  </a:stretch>
-                </a:blipFill>
-              </p:spPr>
-              <p:txBody>
-                <a:bodyPr/>
-                <a:lstStyle/>
-                <a:p>
-                  <a:r>
-                    <a:rPr lang="en-US">
-                      <a:noFill/>
-                    </a:rPr>
-                    <a:t> </a:t>
-                  </a:r>
-                </a:p>
-              </p:txBody>
-            </p:sp>
-          </mc:Fallback>
-        </mc:AlternateContent>
-        <p:sp>
-          <p:nvSpPr>
-            <p:cNvPr id="170" name="Right Triangle 169">
-              <a:extLst>
-                <a:ext uri="{FF2B5EF4-FFF2-40B4-BE49-F238E27FC236}">
-                  <a16:creationId xmlns:a16="http://schemas.microsoft.com/office/drawing/2014/main" id="{CA5844CB-6E4A-675B-8C7C-8C812FAF04ED}"/>
-                </a:ext>
-              </a:extLst>
-            </p:cNvPr>
-            <p:cNvSpPr/>
-            <p:nvPr/>
-          </p:nvSpPr>
-          <p:spPr>
-            <a:xfrm>
-              <a:off x="2764631" y="3471855"/>
-              <a:ext cx="3238499" cy="292902"/>
-            </a:xfrm>
-            <a:prstGeom prst="rtTriangle">
-              <a:avLst/>
-            </a:prstGeom>
-            <a:noFill/>
-            <a:ln>
-              <a:solidFill>
-                <a:srgbClr val="C00000"/>
-              </a:solidFill>
-            </a:ln>
-          </p:spPr>
-          <p:style>
-            <a:lnRef idx="2">
-              <a:schemeClr val="accent1">
-                <a:shade val="50000"/>
-              </a:schemeClr>
-            </a:lnRef>
-            <a:fillRef idx="1">
-              <a:schemeClr val="accent1"/>
-            </a:fillRef>
-            <a:effectRef idx="0">
-              <a:schemeClr val="accent1"/>
-            </a:effectRef>
-            <a:fontRef idx="minor">
-              <a:schemeClr val="lt1"/>
-            </a:fontRef>
-          </p:style>
-          <p:txBody>
-            <a:bodyPr rtlCol="0" anchor="ctr"/>
-            <a:lstStyle/>
-            <a:p>
-              <a:pPr algn="ctr"/>
-              <a:endParaRPr lang="en-US"/>
-            </a:p>
-          </p:txBody>
-        </p:sp>
-        <p:grpSp>
-          <p:nvGrpSpPr>
-            <p:cNvPr id="171" name="Group 170">
-              <a:extLst>
-                <a:ext uri="{FF2B5EF4-FFF2-40B4-BE49-F238E27FC236}">
-                  <a16:creationId xmlns:a16="http://schemas.microsoft.com/office/drawing/2014/main" id="{92066429-CC31-D672-E73F-25C5E4C9706D}"/>
-                </a:ext>
-              </a:extLst>
-            </p:cNvPr>
-            <p:cNvGrpSpPr/>
-            <p:nvPr/>
-          </p:nvGrpSpPr>
-          <p:grpSpPr>
-            <a:xfrm rot="16200000">
-              <a:off x="4076795" y="3441123"/>
-              <a:ext cx="377075" cy="351718"/>
-              <a:chOff x="2081853" y="3167990"/>
-              <a:chExt cx="377075" cy="351718"/>
-            </a:xfrm>
-          </p:grpSpPr>
-          <p:sp>
-            <p:nvSpPr>
-              <p:cNvPr id="189" name="Arc 188">
-                <a:extLst>
-                  <a:ext uri="{FF2B5EF4-FFF2-40B4-BE49-F238E27FC236}">
-                    <a16:creationId xmlns:a16="http://schemas.microsoft.com/office/drawing/2014/main" id="{1FF9F6D9-BFBE-8A31-5956-FBB4B23A1E64}"/>
-                  </a:ext>
-                </a:extLst>
-              </p:cNvPr>
-              <p:cNvSpPr/>
-              <p:nvPr/>
-            </p:nvSpPr>
-            <p:spPr>
-              <a:xfrm rot="19800000">
-                <a:off x="2081853" y="3322915"/>
-                <a:ext cx="196793" cy="196793"/>
-              </a:xfrm>
-              <a:prstGeom prst="arc">
-                <a:avLst/>
-              </a:prstGeom>
-              <a:ln w="12700">
-                <a:solidFill>
-                  <a:srgbClr val="002060"/>
-                </a:solidFill>
-              </a:ln>
-            </p:spPr>
-            <p:style>
-              <a:lnRef idx="1">
-                <a:schemeClr val="accent1"/>
-              </a:lnRef>
-              <a:fillRef idx="0">
-                <a:schemeClr val="accent1"/>
-              </a:fillRef>
-              <a:effectRef idx="0">
-                <a:schemeClr val="accent1"/>
-              </a:effectRef>
-              <a:fontRef idx="minor">
-                <a:schemeClr val="tx1"/>
-              </a:fontRef>
-            </p:style>
-            <p:txBody>
-              <a:bodyPr rtlCol="0" anchor="ctr"/>
-              <a:lstStyle/>
-              <a:p>
-                <a:pPr algn="ctr"/>
-                <a:endParaRPr lang="en-US"/>
-              </a:p>
-            </p:txBody>
-          </p:sp>
-          <p:sp>
-            <p:nvSpPr>
-              <p:cNvPr id="190" name="Freeform: Shape 189">
-                <a:extLst>
-                  <a:ext uri="{FF2B5EF4-FFF2-40B4-BE49-F238E27FC236}">
-                    <a16:creationId xmlns:a16="http://schemas.microsoft.com/office/drawing/2014/main" id="{3E5C6343-0016-1D0B-97E6-190670C07FEC}"/>
-                  </a:ext>
-                </a:extLst>
-              </p:cNvPr>
-              <p:cNvSpPr/>
-              <p:nvPr/>
-            </p:nvSpPr>
-            <p:spPr>
-              <a:xfrm rot="10800000" flipV="1">
-                <a:off x="2230328" y="3167990"/>
-                <a:ext cx="228600" cy="144719"/>
-              </a:xfrm>
-              <a:custGeom>
-                <a:avLst/>
-                <a:gdLst>
-                  <a:gd name="connsiteX0" fmla="*/ 0 w 228600"/>
-                  <a:gd name="connsiteY0" fmla="*/ 16131 h 144719"/>
-                  <a:gd name="connsiteX1" fmla="*/ 185737 w 228600"/>
-                  <a:gd name="connsiteY1" fmla="*/ 11369 h 144719"/>
-                  <a:gd name="connsiteX2" fmla="*/ 228600 w 228600"/>
-                  <a:gd name="connsiteY2" fmla="*/ 144719 h 144719"/>
-                </a:gdLst>
-                <a:ahLst/>
-                <a:cxnLst>
-                  <a:cxn ang="0">
-                    <a:pos x="connsiteX0" y="connsiteY0"/>
-                  </a:cxn>
-                  <a:cxn ang="0">
-                    <a:pos x="connsiteX1" y="connsiteY1"/>
-                  </a:cxn>
-                  <a:cxn ang="0">
-                    <a:pos x="connsiteX2" y="connsiteY2"/>
-                  </a:cxn>
-                </a:cxnLst>
-                <a:rect l="l" t="t" r="r" b="b"/>
-                <a:pathLst>
-                  <a:path w="228600" h="144719">
-                    <a:moveTo>
-                      <a:pt x="0" y="16131"/>
-                    </a:moveTo>
-                    <a:cubicBezTo>
-                      <a:pt x="73818" y="3034"/>
-                      <a:pt x="147637" y="-10062"/>
-                      <a:pt x="185737" y="11369"/>
-                    </a:cubicBezTo>
-                    <a:cubicBezTo>
-                      <a:pt x="223837" y="32800"/>
-                      <a:pt x="189706" y="104238"/>
-                      <a:pt x="228600" y="144719"/>
-                    </a:cubicBezTo>
-                  </a:path>
-                </a:pathLst>
-              </a:custGeom>
-              <a:noFill/>
-              <a:ln>
-                <a:headEnd type="none" w="med" len="med"/>
-                <a:tailEnd type="triangle" w="med" len="med"/>
-              </a:ln>
-            </p:spPr>
-            <p:style>
-              <a:lnRef idx="2">
-                <a:schemeClr val="accent1">
-                  <a:shade val="50000"/>
-                </a:schemeClr>
-              </a:lnRef>
-              <a:fillRef idx="1">
-                <a:schemeClr val="accent1"/>
-              </a:fillRef>
-              <a:effectRef idx="0">
-                <a:schemeClr val="accent1"/>
-              </a:effectRef>
-              <a:fontRef idx="minor">
-                <a:schemeClr val="lt1"/>
-              </a:fontRef>
-            </p:style>
-            <p:txBody>
-              <a:bodyPr rtlCol="0" anchor="ctr"/>
-              <a:lstStyle/>
-              <a:p>
-                <a:pPr algn="ctr"/>
-                <a:endParaRPr lang="en-US"/>
-              </a:p>
-            </p:txBody>
-          </p:sp>
-        </p:grpSp>
-        <p:cxnSp>
-          <p:nvCxnSpPr>
-            <p:cNvPr id="172" name="Straight Arrow Connector 171">
-              <a:extLst>
-                <a:ext uri="{FF2B5EF4-FFF2-40B4-BE49-F238E27FC236}">
-                  <a16:creationId xmlns:a16="http://schemas.microsoft.com/office/drawing/2014/main" id="{1B842ACE-6A89-7080-0D4C-5B0387663FEC}"/>
-                </a:ext>
-              </a:extLst>
-            </p:cNvPr>
-            <p:cNvCxnSpPr>
-              <a:cxnSpLocks/>
-            </p:cNvCxnSpPr>
-            <p:nvPr/>
-          </p:nvCxnSpPr>
-          <p:spPr>
-            <a:xfrm>
-              <a:off x="2666601" y="3471855"/>
-              <a:ext cx="0" cy="292902"/>
-            </a:xfrm>
-            <a:prstGeom prst="straightConnector1">
-              <a:avLst/>
-            </a:prstGeom>
-            <a:ln w="12700">
-              <a:solidFill>
-                <a:srgbClr val="002060"/>
-              </a:solidFill>
-              <a:headEnd type="triangle" w="sm" len="med"/>
-              <a:tailEnd type="triangle" w="sm" len="med"/>
-            </a:ln>
-          </p:spPr>
-          <p:style>
-            <a:lnRef idx="1">
-              <a:schemeClr val="accent1"/>
-            </a:lnRef>
-            <a:fillRef idx="0">
-              <a:schemeClr val="accent1"/>
-            </a:fillRef>
-            <a:effectRef idx="0">
-              <a:schemeClr val="accent1"/>
-            </a:effectRef>
-            <a:fontRef idx="minor">
-              <a:schemeClr val="tx1"/>
-            </a:fontRef>
-          </p:style>
-        </p:cxnSp>
-        <p:cxnSp>
-          <p:nvCxnSpPr>
-            <p:cNvPr id="173" name="Straight Connector 172">
-              <a:extLst>
-                <a:ext uri="{FF2B5EF4-FFF2-40B4-BE49-F238E27FC236}">
-                  <a16:creationId xmlns:a16="http://schemas.microsoft.com/office/drawing/2014/main" id="{83DB4357-9361-AFB5-9054-78C6ECEF1005}"/>
-                </a:ext>
-              </a:extLst>
-            </p:cNvPr>
-            <p:cNvCxnSpPr>
-              <a:cxnSpLocks/>
-            </p:cNvCxnSpPr>
-            <p:nvPr/>
-          </p:nvCxnSpPr>
-          <p:spPr>
-            <a:xfrm>
-              <a:off x="2578100" y="3764757"/>
-              <a:ext cx="186531" cy="0"/>
-            </a:xfrm>
-            <a:prstGeom prst="line">
-              <a:avLst/>
-            </a:prstGeom>
-            <a:ln w="19050">
-              <a:prstDash val="dashDot"/>
-            </a:ln>
-          </p:spPr>
-          <p:style>
-            <a:lnRef idx="1">
-              <a:schemeClr val="dk1"/>
-            </a:lnRef>
-            <a:fillRef idx="0">
-              <a:schemeClr val="dk1"/>
-            </a:fillRef>
-            <a:effectRef idx="0">
-              <a:schemeClr val="dk1"/>
-            </a:effectRef>
-            <a:fontRef idx="minor">
-              <a:schemeClr val="tx1"/>
-            </a:fontRef>
-          </p:style>
-        </p:cxnSp>
-        <p:cxnSp>
-          <p:nvCxnSpPr>
-            <p:cNvPr id="174" name="Straight Connector 173">
-              <a:extLst>
-                <a:ext uri="{FF2B5EF4-FFF2-40B4-BE49-F238E27FC236}">
-                  <a16:creationId xmlns:a16="http://schemas.microsoft.com/office/drawing/2014/main" id="{BF1EC6A3-58B7-A36F-267E-E2B145C50CA4}"/>
-                </a:ext>
-              </a:extLst>
-            </p:cNvPr>
-            <p:cNvCxnSpPr>
-              <a:cxnSpLocks/>
-            </p:cNvCxnSpPr>
-            <p:nvPr/>
-          </p:nvCxnSpPr>
-          <p:spPr>
-            <a:xfrm>
-              <a:off x="2578100" y="3471855"/>
-              <a:ext cx="186531" cy="0"/>
-            </a:xfrm>
-            <a:prstGeom prst="line">
-              <a:avLst/>
-            </a:prstGeom>
-            <a:ln w="19050">
-              <a:prstDash val="dashDot"/>
-            </a:ln>
-          </p:spPr>
-          <p:style>
-            <a:lnRef idx="1">
-              <a:schemeClr val="dk1"/>
-            </a:lnRef>
-            <a:fillRef idx="0">
-              <a:schemeClr val="dk1"/>
-            </a:fillRef>
-            <a:effectRef idx="0">
-              <a:schemeClr val="dk1"/>
-            </a:effectRef>
-            <a:fontRef idx="minor">
-              <a:schemeClr val="tx1"/>
-            </a:fontRef>
-          </p:style>
-        </p:cxnSp>
-        <p:cxnSp>
-          <p:nvCxnSpPr>
-            <p:cNvPr id="175" name="Straight Connector 174">
-              <a:extLst>
-                <a:ext uri="{FF2B5EF4-FFF2-40B4-BE49-F238E27FC236}">
-                  <a16:creationId xmlns:a16="http://schemas.microsoft.com/office/drawing/2014/main" id="{3B12380F-45F4-3A4F-E447-3785991F529B}"/>
-                </a:ext>
-              </a:extLst>
-            </p:cNvPr>
-            <p:cNvCxnSpPr>
-              <a:cxnSpLocks/>
-            </p:cNvCxnSpPr>
-            <p:nvPr/>
-          </p:nvCxnSpPr>
-          <p:spPr>
-            <a:xfrm>
-              <a:off x="2764631" y="3791566"/>
-              <a:ext cx="0" cy="188082"/>
-            </a:xfrm>
-            <a:prstGeom prst="line">
-              <a:avLst/>
-            </a:prstGeom>
-            <a:ln w="19050">
-              <a:prstDash val="dashDot"/>
-            </a:ln>
-          </p:spPr>
-          <p:style>
-            <a:lnRef idx="1">
-              <a:schemeClr val="dk1"/>
-            </a:lnRef>
-            <a:fillRef idx="0">
-              <a:schemeClr val="dk1"/>
-            </a:fillRef>
-            <a:effectRef idx="0">
-              <a:schemeClr val="dk1"/>
-            </a:effectRef>
-            <a:fontRef idx="minor">
-              <a:schemeClr val="tx1"/>
-            </a:fontRef>
-          </p:style>
-        </p:cxnSp>
-        <p:cxnSp>
-          <p:nvCxnSpPr>
-            <p:cNvPr id="176" name="Straight Connector 175">
-              <a:extLst>
-                <a:ext uri="{FF2B5EF4-FFF2-40B4-BE49-F238E27FC236}">
-                  <a16:creationId xmlns:a16="http://schemas.microsoft.com/office/drawing/2014/main" id="{6E657F8E-3727-A765-2D10-84BA380F0776}"/>
-                </a:ext>
-              </a:extLst>
-            </p:cNvPr>
-            <p:cNvCxnSpPr>
-              <a:cxnSpLocks/>
-            </p:cNvCxnSpPr>
-            <p:nvPr/>
-          </p:nvCxnSpPr>
-          <p:spPr>
-            <a:xfrm>
-              <a:off x="6003130" y="3791566"/>
-              <a:ext cx="0" cy="188082"/>
-            </a:xfrm>
-            <a:prstGeom prst="line">
-              <a:avLst/>
-            </a:prstGeom>
-            <a:ln w="19050">
-              <a:prstDash val="dashDot"/>
-            </a:ln>
-          </p:spPr>
-          <p:style>
-            <a:lnRef idx="1">
-              <a:schemeClr val="dk1"/>
-            </a:lnRef>
-            <a:fillRef idx="0">
-              <a:schemeClr val="dk1"/>
-            </a:fillRef>
-            <a:effectRef idx="0">
-              <a:schemeClr val="dk1"/>
-            </a:effectRef>
-            <a:fontRef idx="minor">
-              <a:schemeClr val="tx1"/>
-            </a:fontRef>
-          </p:style>
-        </p:cxnSp>
-        <p:cxnSp>
-          <p:nvCxnSpPr>
-            <p:cNvPr id="177" name="Straight Arrow Connector 176">
-              <a:extLst>
-                <a:ext uri="{FF2B5EF4-FFF2-40B4-BE49-F238E27FC236}">
-                  <a16:creationId xmlns:a16="http://schemas.microsoft.com/office/drawing/2014/main" id="{89561655-99B2-3748-A160-4E25184E6E1B}"/>
-                </a:ext>
-              </a:extLst>
-            </p:cNvPr>
-            <p:cNvCxnSpPr>
-              <a:cxnSpLocks/>
-            </p:cNvCxnSpPr>
-            <p:nvPr/>
-          </p:nvCxnSpPr>
-          <p:spPr>
-            <a:xfrm flipH="1">
-              <a:off x="2764631" y="3852321"/>
-              <a:ext cx="3238499" cy="33286"/>
-            </a:xfrm>
-            <a:prstGeom prst="straightConnector1">
-              <a:avLst/>
-            </a:prstGeom>
-            <a:ln w="12700">
-              <a:solidFill>
-                <a:srgbClr val="002060"/>
-              </a:solidFill>
-              <a:headEnd type="triangle" w="sm" len="med"/>
-              <a:tailEnd type="triangle" w="sm" len="med"/>
-            </a:ln>
-          </p:spPr>
-          <p:style>
-            <a:lnRef idx="1">
-              <a:schemeClr val="accent1"/>
-            </a:lnRef>
-            <a:fillRef idx="0">
-              <a:schemeClr val="accent1"/>
-            </a:fillRef>
-            <a:effectRef idx="0">
-              <a:schemeClr val="accent1"/>
-            </a:effectRef>
-            <a:fontRef idx="minor">
-              <a:schemeClr val="tx1"/>
-            </a:fontRef>
-          </p:style>
-        </p:cxnSp>
-        <mc:AlternateContent xmlns:mc="http://schemas.openxmlformats.org/markup-compatibility/2006" xmlns:a14="http://schemas.microsoft.com/office/drawing/2010/main">
-          <mc:Choice Requires="a14">
-            <p:sp>
-              <p:nvSpPr>
-                <p:cNvPr id="178" name="TextBox 177">
-                  <a:extLst>
-                    <a:ext uri="{FF2B5EF4-FFF2-40B4-BE49-F238E27FC236}">
-                      <a16:creationId xmlns:a16="http://schemas.microsoft.com/office/drawing/2014/main" id="{08E5643B-A3BE-E7BA-5E96-66671EDBC539}"/>
-                    </a:ext>
-                  </a:extLst>
-                </p:cNvPr>
-                <p:cNvSpPr txBox="1"/>
-                <p:nvPr/>
-              </p:nvSpPr>
-              <p:spPr>
-                <a:xfrm>
-                  <a:off x="3837407" y="3861769"/>
-                  <a:ext cx="345529" cy="276999"/>
-                </a:xfrm>
-                <a:prstGeom prst="rect">
-                  <a:avLst/>
-                </a:prstGeom>
-                <a:noFill/>
-              </p:spPr>
-              <p:txBody>
-                <a:bodyPr wrap="square" rtlCol="0">
-                  <a:spAutoFit/>
-                </a:bodyPr>
-                <a:lstStyle/>
-                <a:p>
-                  <a:pPr/>
-                  <a14:m>
-                    <m:oMathPara xmlns:m="http://schemas.openxmlformats.org/officeDocument/2006/math">
-                      <m:oMathParaPr>
-                        <m:jc m:val="centerGroup"/>
-                      </m:oMathParaPr>
-                      <m:oMath xmlns:m="http://schemas.openxmlformats.org/officeDocument/2006/math">
-                        <m:sSub>
-                          <m:sSubPr>
-                            <m:ctrlPr>
-                              <a:rPr lang="en-US" sz="1200" b="0" i="1" smtClean="0">
-                                <a:solidFill>
-                                  <a:schemeClr val="accent1"/>
-                                </a:solidFill>
-                                <a:latin typeface="Cambria Math" panose="02040503050406030204" pitchFamily="18" charset="0"/>
-                              </a:rPr>
-                            </m:ctrlPr>
-                          </m:sSubPr>
-                          <m:e>
-                            <m:r>
-                              <a:rPr lang="en-US" sz="1200" b="0" i="1" smtClean="0">
-                                <a:solidFill>
-                                  <a:schemeClr val="accent1"/>
-                                </a:solidFill>
-                                <a:latin typeface="Cambria Math" panose="02040503050406030204" pitchFamily="18" charset="0"/>
-                              </a:rPr>
-                              <m:t>𝑦</m:t>
-                            </m:r>
-                          </m:e>
-                          <m:sub>
-                            <m:r>
-                              <a:rPr lang="en-US" sz="1200" b="0" i="1" smtClean="0">
-                                <a:solidFill>
-                                  <a:schemeClr val="accent1"/>
-                                </a:solidFill>
-                                <a:latin typeface="Cambria Math" panose="02040503050406030204" pitchFamily="18" charset="0"/>
-                              </a:rPr>
-                              <m:t>𝑤</m:t>
-                            </m:r>
-                            <m:r>
-                              <a:rPr lang="en-US" sz="1200" b="0" i="1" smtClean="0">
-                                <a:solidFill>
-                                  <a:schemeClr val="accent1"/>
-                                </a:solidFill>
-                                <a:latin typeface="Cambria Math" panose="02040503050406030204" pitchFamily="18" charset="0"/>
-                              </a:rPr>
-                              <m:t>1</m:t>
-                            </m:r>
-                          </m:sub>
-                        </m:sSub>
-                      </m:oMath>
-                    </m:oMathPara>
-                  </a14:m>
-                  <a:endParaRPr lang="en-US" dirty="0"/>
-                </a:p>
-              </p:txBody>
-            </p:sp>
-          </mc:Choice>
-          <mc:Fallback xmlns="">
-            <p:sp>
-              <p:nvSpPr>
-                <p:cNvPr id="178" name="TextBox 177">
-                  <a:extLst>
-                    <a:ext uri="{FF2B5EF4-FFF2-40B4-BE49-F238E27FC236}">
-                      <a16:creationId xmlns:a16="http://schemas.microsoft.com/office/drawing/2014/main" id="{08E5643B-A3BE-E7BA-5E96-66671EDBC539}"/>
-                    </a:ext>
-                  </a:extLst>
-                </p:cNvPr>
-                <p:cNvSpPr txBox="1">
-                  <a:spLocks noRot="1" noChangeAspect="1" noMove="1" noResize="1" noEditPoints="1" noAdjustHandles="1" noChangeArrowheads="1" noChangeShapeType="1" noTextEdit="1"/>
-                </p:cNvSpPr>
-                <p:nvPr/>
-              </p:nvSpPr>
-              <p:spPr>
-                <a:xfrm>
-                  <a:off x="3837407" y="3861769"/>
-                  <a:ext cx="345529" cy="276999"/>
-                </a:xfrm>
-                <a:prstGeom prst="rect">
-                  <a:avLst/>
-                </a:prstGeom>
-                <a:blipFill>
-                  <a:blip r:embed="rId14"/>
-                  <a:stretch>
-                    <a:fillRect r="-3509"/>
-                  </a:stretch>
-                </a:blipFill>
-              </p:spPr>
-              <p:txBody>
-                <a:bodyPr/>
-                <a:lstStyle/>
-                <a:p>
-                  <a:r>
-                    <a:rPr lang="en-US">
-                      <a:noFill/>
-                    </a:rPr>
-                    <a:t> </a:t>
-                  </a:r>
-                </a:p>
-              </p:txBody>
-            </p:sp>
-          </mc:Fallback>
-        </mc:AlternateContent>
-        <mc:AlternateContent xmlns:mc="http://schemas.openxmlformats.org/markup-compatibility/2006" xmlns:a14="http://schemas.microsoft.com/office/drawing/2010/main">
-          <mc:Choice Requires="a14">
-            <p:sp>
-              <p:nvSpPr>
-                <p:cNvPr id="179" name="TextBox 178">
-                  <a:extLst>
-                    <a:ext uri="{FF2B5EF4-FFF2-40B4-BE49-F238E27FC236}">
-                      <a16:creationId xmlns:a16="http://schemas.microsoft.com/office/drawing/2014/main" id="{ACFE2B78-7C69-E28B-94F0-2886D2644BCA}"/>
-                    </a:ext>
-                  </a:extLst>
-                </p:cNvPr>
-                <p:cNvSpPr txBox="1"/>
-                <p:nvPr/>
-              </p:nvSpPr>
-              <p:spPr>
-                <a:xfrm>
-                  <a:off x="2224270" y="3434770"/>
-                  <a:ext cx="345529" cy="276999"/>
-                </a:xfrm>
-                <a:prstGeom prst="rect">
-                  <a:avLst/>
-                </a:prstGeom>
-                <a:noFill/>
-              </p:spPr>
-              <p:txBody>
-                <a:bodyPr wrap="square" rtlCol="0">
-                  <a:spAutoFit/>
-                </a:bodyPr>
-                <a:lstStyle/>
-                <a:p>
-                  <a:pPr/>
-                  <a14:m>
-                    <m:oMathPara xmlns:m="http://schemas.openxmlformats.org/officeDocument/2006/math">
-                      <m:oMathParaPr>
-                        <m:jc m:val="centerGroup"/>
-                      </m:oMathParaPr>
-                      <m:oMath xmlns:m="http://schemas.openxmlformats.org/officeDocument/2006/math">
-                        <m:sSub>
-                          <m:sSubPr>
-                            <m:ctrlPr>
-                              <a:rPr lang="en-US" sz="1200" b="0" i="1" smtClean="0">
-                                <a:solidFill>
-                                  <a:schemeClr val="accent1"/>
-                                </a:solidFill>
-                                <a:latin typeface="Cambria Math" panose="02040503050406030204" pitchFamily="18" charset="0"/>
-                              </a:rPr>
-                            </m:ctrlPr>
-                          </m:sSubPr>
-                          <m:e>
-                            <m:r>
-                              <a:rPr lang="en-US" sz="1200" b="0" i="1" smtClean="0">
-                                <a:solidFill>
-                                  <a:schemeClr val="accent1"/>
-                                </a:solidFill>
-                                <a:latin typeface="Cambria Math" panose="02040503050406030204" pitchFamily="18" charset="0"/>
-                              </a:rPr>
-                              <m:t>𝑧</m:t>
-                            </m:r>
-                          </m:e>
-                          <m:sub>
-                            <m:r>
-                              <a:rPr lang="en-US" sz="1200" b="0" i="1" smtClean="0">
-                                <a:solidFill>
-                                  <a:schemeClr val="accent1"/>
-                                </a:solidFill>
-                                <a:latin typeface="Cambria Math" panose="02040503050406030204" pitchFamily="18" charset="0"/>
-                              </a:rPr>
-                              <m:t>𝑤</m:t>
-                            </m:r>
-                            <m:r>
-                              <a:rPr lang="en-US" sz="1200" b="0" i="1" smtClean="0">
-                                <a:solidFill>
-                                  <a:schemeClr val="accent1"/>
-                                </a:solidFill>
-                                <a:latin typeface="Cambria Math" panose="02040503050406030204" pitchFamily="18" charset="0"/>
-                              </a:rPr>
-                              <m:t>1</m:t>
-                            </m:r>
-                          </m:sub>
-                        </m:sSub>
-                      </m:oMath>
-                    </m:oMathPara>
-                  </a14:m>
-                  <a:endParaRPr lang="en-US" dirty="0"/>
-                </a:p>
-              </p:txBody>
-            </p:sp>
-          </mc:Choice>
-          <mc:Fallback xmlns="">
-            <p:sp>
-              <p:nvSpPr>
-                <p:cNvPr id="179" name="TextBox 178">
-                  <a:extLst>
-                    <a:ext uri="{FF2B5EF4-FFF2-40B4-BE49-F238E27FC236}">
-                      <a16:creationId xmlns:a16="http://schemas.microsoft.com/office/drawing/2014/main" id="{ACFE2B78-7C69-E28B-94F0-2886D2644BCA}"/>
-                    </a:ext>
-                  </a:extLst>
-                </p:cNvPr>
-                <p:cNvSpPr txBox="1">
-                  <a:spLocks noRot="1" noChangeAspect="1" noMove="1" noResize="1" noEditPoints="1" noAdjustHandles="1" noChangeArrowheads="1" noChangeShapeType="1" noTextEdit="1"/>
-                </p:cNvSpPr>
-                <p:nvPr/>
-              </p:nvSpPr>
-              <p:spPr>
-                <a:xfrm>
-                  <a:off x="2224270" y="3434770"/>
-                  <a:ext cx="345529" cy="276999"/>
-                </a:xfrm>
-                <a:prstGeom prst="rect">
-                  <a:avLst/>
-                </a:prstGeom>
-                <a:blipFill>
-                  <a:blip r:embed="rId15"/>
-                  <a:stretch>
-                    <a:fillRect r="-1786"/>
-                  </a:stretch>
-                </a:blipFill>
-              </p:spPr>
-              <p:txBody>
-                <a:bodyPr/>
-                <a:lstStyle/>
-                <a:p>
-                  <a:r>
-                    <a:rPr lang="en-US">
-                      <a:noFill/>
-                    </a:rPr>
-                    <a:t> </a:t>
-                  </a:r>
-                </a:p>
-              </p:txBody>
-            </p:sp>
-          </mc:Fallback>
-        </mc:AlternateContent>
-        <p:cxnSp>
-          <p:nvCxnSpPr>
-            <p:cNvPr id="180" name="Straight Connector 179">
-              <a:extLst>
-                <a:ext uri="{FF2B5EF4-FFF2-40B4-BE49-F238E27FC236}">
-                  <a16:creationId xmlns:a16="http://schemas.microsoft.com/office/drawing/2014/main" id="{161CEEBF-2E6C-0BCC-752E-8EEC209EA814}"/>
-                </a:ext>
-              </a:extLst>
-            </p:cNvPr>
-            <p:cNvCxnSpPr>
-              <a:cxnSpLocks/>
-            </p:cNvCxnSpPr>
-            <p:nvPr/>
-          </p:nvCxnSpPr>
-          <p:spPr>
-            <a:xfrm>
-              <a:off x="2569799" y="2049780"/>
-              <a:ext cx="0" cy="321670"/>
-            </a:xfrm>
-            <a:prstGeom prst="line">
-              <a:avLst/>
-            </a:prstGeom>
-            <a:ln w="19050">
-              <a:solidFill>
-                <a:schemeClr val="bg2">
-                  <a:lumMod val="90000"/>
-                </a:schemeClr>
-              </a:solidFill>
-              <a:prstDash val="solid"/>
-            </a:ln>
-          </p:spPr>
-          <p:style>
-            <a:lnRef idx="1">
-              <a:schemeClr val="dk1"/>
-            </a:lnRef>
-            <a:fillRef idx="0">
-              <a:schemeClr val="dk1"/>
-            </a:fillRef>
-            <a:effectRef idx="0">
-              <a:schemeClr val="dk1"/>
-            </a:effectRef>
-            <a:fontRef idx="minor">
-              <a:schemeClr val="tx1"/>
-            </a:fontRef>
-          </p:style>
-        </p:cxnSp>
-        <p:cxnSp>
-          <p:nvCxnSpPr>
-            <p:cNvPr id="181" name="Straight Connector 180">
-              <a:extLst>
-                <a:ext uri="{FF2B5EF4-FFF2-40B4-BE49-F238E27FC236}">
-                  <a16:creationId xmlns:a16="http://schemas.microsoft.com/office/drawing/2014/main" id="{9295EB8E-0A41-2137-EDC6-60C764A824FE}"/>
-                </a:ext>
-              </a:extLst>
-            </p:cNvPr>
-            <p:cNvCxnSpPr>
-              <a:cxnSpLocks/>
-            </p:cNvCxnSpPr>
-            <p:nvPr/>
-          </p:nvCxnSpPr>
-          <p:spPr>
-            <a:xfrm>
-              <a:off x="6122035" y="2049780"/>
-              <a:ext cx="0" cy="321670"/>
-            </a:xfrm>
-            <a:prstGeom prst="line">
-              <a:avLst/>
-            </a:prstGeom>
-            <a:ln w="19050">
-              <a:solidFill>
-                <a:schemeClr val="bg2">
-                  <a:lumMod val="90000"/>
-                </a:schemeClr>
-              </a:solidFill>
-              <a:prstDash val="solid"/>
-            </a:ln>
-          </p:spPr>
-          <p:style>
-            <a:lnRef idx="1">
-              <a:schemeClr val="dk1"/>
-            </a:lnRef>
-            <a:fillRef idx="0">
-              <a:schemeClr val="dk1"/>
-            </a:fillRef>
-            <a:effectRef idx="0">
-              <a:schemeClr val="dk1"/>
-            </a:effectRef>
-            <a:fontRef idx="minor">
-              <a:schemeClr val="tx1"/>
-            </a:fontRef>
-          </p:style>
-        </p:cxnSp>
-        <p:cxnSp>
-          <p:nvCxnSpPr>
-            <p:cNvPr id="182" name="Straight Arrow Connector 181">
-              <a:extLst>
-                <a:ext uri="{FF2B5EF4-FFF2-40B4-BE49-F238E27FC236}">
-                  <a16:creationId xmlns:a16="http://schemas.microsoft.com/office/drawing/2014/main" id="{407AD473-B0A4-06E5-94B3-212370EE7AD1}"/>
-                </a:ext>
-              </a:extLst>
-            </p:cNvPr>
-            <p:cNvCxnSpPr>
-              <a:cxnSpLocks/>
-              <a:stCxn id="160" idx="0"/>
-            </p:cNvCxnSpPr>
-            <p:nvPr/>
-          </p:nvCxnSpPr>
-          <p:spPr>
-            <a:xfrm flipH="1">
-              <a:off x="2629520" y="2251710"/>
-              <a:ext cx="3466480" cy="0"/>
-            </a:xfrm>
-            <a:prstGeom prst="straightConnector1">
-              <a:avLst/>
-            </a:prstGeom>
-            <a:ln w="12700">
-              <a:solidFill>
-                <a:schemeClr val="bg2">
-                  <a:lumMod val="90000"/>
-                </a:schemeClr>
-              </a:solidFill>
-              <a:headEnd type="none" w="med" len="med"/>
-              <a:tailEnd type="triangle" w="med" len="med"/>
-            </a:ln>
-          </p:spPr>
-          <p:style>
-            <a:lnRef idx="1">
-              <a:schemeClr val="accent1"/>
-            </a:lnRef>
-            <a:fillRef idx="0">
-              <a:schemeClr val="accent1"/>
-            </a:fillRef>
-            <a:effectRef idx="0">
-              <a:schemeClr val="accent1"/>
-            </a:effectRef>
-            <a:fontRef idx="minor">
-              <a:schemeClr val="tx1"/>
-            </a:fontRef>
-          </p:style>
-        </p:cxnSp>
-        <mc:AlternateContent xmlns:mc="http://schemas.openxmlformats.org/markup-compatibility/2006" xmlns:a14="http://schemas.microsoft.com/office/drawing/2010/main">
-          <mc:Choice Requires="a14">
-            <p:sp>
-              <p:nvSpPr>
-                <p:cNvPr id="183" name="TextBox 182">
-                  <a:extLst>
-                    <a:ext uri="{FF2B5EF4-FFF2-40B4-BE49-F238E27FC236}">
-                      <a16:creationId xmlns:a16="http://schemas.microsoft.com/office/drawing/2014/main" id="{C8BD3E1E-2F79-1BA0-B842-7671128EB826}"/>
-                    </a:ext>
-                  </a:extLst>
-                </p:cNvPr>
-                <p:cNvSpPr txBox="1"/>
-                <p:nvPr/>
-              </p:nvSpPr>
-              <p:spPr>
-                <a:xfrm>
-                  <a:off x="4276470" y="1960357"/>
-                  <a:ext cx="920476" cy="276999"/>
-                </a:xfrm>
-                <a:prstGeom prst="rect">
-                  <a:avLst/>
-                </a:prstGeom>
-                <a:noFill/>
-              </p:spPr>
-              <p:txBody>
-                <a:bodyPr wrap="square" rtlCol="0">
-                  <a:spAutoFit/>
-                </a:bodyPr>
-                <a:lstStyle/>
-                <a:p>
-                  <a:pPr/>
-                  <a14:m>
-                    <m:oMathPara xmlns:m="http://schemas.openxmlformats.org/officeDocument/2006/math">
-                      <m:oMathParaPr>
-                        <m:jc m:val="centerGroup"/>
-                      </m:oMathParaPr>
-                      <m:oMath xmlns:m="http://schemas.openxmlformats.org/officeDocument/2006/math">
-                        <m:sSup>
-                          <m:sSupPr>
-                            <m:ctrlPr>
-                              <a:rPr lang="en-US" sz="1200" i="1" smtClean="0">
-                                <a:solidFill>
-                                  <a:schemeClr val="tx1"/>
-                                </a:solidFill>
-                                <a:latin typeface="Cambria Math" panose="02040503050406030204" pitchFamily="18" charset="0"/>
-                              </a:rPr>
-                            </m:ctrlPr>
-                          </m:sSupPr>
-                          <m:e>
-                            <m:r>
-                              <a:rPr lang="en-US" sz="1200" b="0" i="1" smtClean="0">
-                                <a:solidFill>
-                                  <a:schemeClr val="tx1"/>
-                                </a:solidFill>
-                                <a:latin typeface="Cambria Math" panose="02040503050406030204" pitchFamily="18" charset="0"/>
-                              </a:rPr>
-                              <m:t>29</m:t>
-                            </m:r>
-                          </m:e>
-                          <m:sup>
-                            <m:r>
-                              <a:rPr lang="en-US" sz="1200" b="0" i="1" smtClean="0">
-                                <a:solidFill>
-                                  <a:schemeClr val="tx1"/>
-                                </a:solidFill>
-                                <a:latin typeface="Cambria Math" panose="02040503050406030204" pitchFamily="18" charset="0"/>
-                              </a:rPr>
-                              <m:t>′</m:t>
-                            </m:r>
-                          </m:sup>
-                        </m:sSup>
-                        <m:r>
-                          <a:rPr lang="en-US" sz="1200" b="0" i="1" smtClean="0">
-                            <a:solidFill>
-                              <a:schemeClr val="tx1"/>
-                            </a:solidFill>
-                            <a:latin typeface="Cambria Math" panose="02040503050406030204" pitchFamily="18" charset="0"/>
-                          </a:rPr>
-                          <m:t>−7" </m:t>
-                        </m:r>
-                      </m:oMath>
-                    </m:oMathPara>
-                  </a14:m>
-                  <a:endParaRPr lang="en-US" dirty="0"/>
-                </a:p>
-              </p:txBody>
-            </p:sp>
-          </mc:Choice>
-          <mc:Fallback xmlns="">
-            <p:sp>
-              <p:nvSpPr>
-                <p:cNvPr id="183" name="TextBox 182">
-                  <a:extLst>
-                    <a:ext uri="{FF2B5EF4-FFF2-40B4-BE49-F238E27FC236}">
-                      <a16:creationId xmlns:a16="http://schemas.microsoft.com/office/drawing/2014/main" id="{C8BD3E1E-2F79-1BA0-B842-7671128EB826}"/>
-                    </a:ext>
-                  </a:extLst>
-                </p:cNvPr>
-                <p:cNvSpPr txBox="1">
-                  <a:spLocks noRot="1" noChangeAspect="1" noMove="1" noResize="1" noEditPoints="1" noAdjustHandles="1" noChangeArrowheads="1" noChangeShapeType="1" noTextEdit="1"/>
-                </p:cNvSpPr>
-                <p:nvPr/>
-              </p:nvSpPr>
-              <p:spPr>
-                <a:xfrm>
-                  <a:off x="4276470" y="1960357"/>
-                  <a:ext cx="920476" cy="276999"/>
-                </a:xfrm>
-                <a:prstGeom prst="rect">
-                  <a:avLst/>
-                </a:prstGeom>
-                <a:blipFill>
-                  <a:blip r:embed="rId16"/>
-                  <a:stretch>
-                    <a:fillRect/>
-                  </a:stretch>
-                </a:blipFill>
-              </p:spPr>
-              <p:txBody>
-                <a:bodyPr/>
-                <a:lstStyle/>
-                <a:p>
-                  <a:r>
-                    <a:rPr lang="en-US">
-                      <a:noFill/>
-                    </a:rPr>
-                    <a:t> </a:t>
-                  </a:r>
-                </a:p>
-              </p:txBody>
-            </p:sp>
-          </mc:Fallback>
-        </mc:AlternateContent>
-        <p:cxnSp>
-          <p:nvCxnSpPr>
-            <p:cNvPr id="184" name="Straight Connector 183">
-              <a:extLst>
-                <a:ext uri="{FF2B5EF4-FFF2-40B4-BE49-F238E27FC236}">
-                  <a16:creationId xmlns:a16="http://schemas.microsoft.com/office/drawing/2014/main" id="{B3A14221-FF98-78EC-47C3-418FC0CABD4A}"/>
-                </a:ext>
-              </a:extLst>
-            </p:cNvPr>
-            <p:cNvCxnSpPr>
-              <a:cxnSpLocks/>
-            </p:cNvCxnSpPr>
-            <p:nvPr/>
-          </p:nvCxnSpPr>
-          <p:spPr>
-            <a:xfrm flipV="1">
-              <a:off x="6122035" y="2050240"/>
-              <a:ext cx="0" cy="2346960"/>
-            </a:xfrm>
-            <a:prstGeom prst="line">
-              <a:avLst/>
-            </a:prstGeom>
-            <a:ln w="28575">
-              <a:solidFill>
-                <a:schemeClr val="tx1"/>
-              </a:solidFill>
-              <a:prstDash val="lgDashDot"/>
-            </a:ln>
-          </p:spPr>
-          <p:style>
-            <a:lnRef idx="1">
-              <a:schemeClr val="dk1"/>
-            </a:lnRef>
-            <a:fillRef idx="0">
-              <a:schemeClr val="dk1"/>
-            </a:fillRef>
-            <a:effectRef idx="0">
-              <a:schemeClr val="dk1"/>
-            </a:effectRef>
-            <a:fontRef idx="minor">
-              <a:schemeClr val="tx1"/>
-            </a:fontRef>
-          </p:style>
-        </p:cxnSp>
-        <p:sp>
-          <p:nvSpPr>
-            <p:cNvPr id="185" name="Freeform: Shape 184">
-              <a:extLst>
-                <a:ext uri="{FF2B5EF4-FFF2-40B4-BE49-F238E27FC236}">
-                  <a16:creationId xmlns:a16="http://schemas.microsoft.com/office/drawing/2014/main" id="{25F3BD6C-8185-D70F-3752-D9EE990CA05A}"/>
-                </a:ext>
-              </a:extLst>
-            </p:cNvPr>
-            <p:cNvSpPr/>
-            <p:nvPr/>
-          </p:nvSpPr>
-          <p:spPr>
-            <a:xfrm>
-              <a:off x="5054600" y="2006600"/>
-              <a:ext cx="5022850" cy="2660650"/>
-            </a:xfrm>
-            <a:custGeom>
-              <a:avLst/>
-              <a:gdLst>
-                <a:gd name="connsiteX0" fmla="*/ 0 w 3898900"/>
-                <a:gd name="connsiteY0" fmla="*/ 0 h 2660650"/>
-                <a:gd name="connsiteX1" fmla="*/ 0 w 3898900"/>
-                <a:gd name="connsiteY1" fmla="*/ 2343150 h 2660650"/>
-                <a:gd name="connsiteX2" fmla="*/ 165100 w 3898900"/>
-                <a:gd name="connsiteY2" fmla="*/ 2343150 h 2660650"/>
-                <a:gd name="connsiteX3" fmla="*/ 165100 w 3898900"/>
-                <a:gd name="connsiteY3" fmla="*/ 2660650 h 2660650"/>
-                <a:gd name="connsiteX4" fmla="*/ 3898900 w 3898900"/>
-                <a:gd name="connsiteY4" fmla="*/ 2660650 h 2660650"/>
-                <a:gd name="connsiteX5" fmla="*/ 3898900 w 3898900"/>
-                <a:gd name="connsiteY5" fmla="*/ 82550 h 2660650"/>
-                <a:gd name="connsiteX6" fmla="*/ 0 w 3898900"/>
-                <a:gd name="connsiteY6" fmla="*/ 0 h 2660650"/>
-                <a:gd name="connsiteX0" fmla="*/ 1111250 w 5010150"/>
-                <a:gd name="connsiteY0" fmla="*/ 0 h 2660650"/>
-                <a:gd name="connsiteX1" fmla="*/ 1111250 w 5010150"/>
-                <a:gd name="connsiteY1" fmla="*/ 2343150 h 2660650"/>
-                <a:gd name="connsiteX2" fmla="*/ 0 w 5010150"/>
-                <a:gd name="connsiteY2" fmla="*/ 2355850 h 2660650"/>
-                <a:gd name="connsiteX3" fmla="*/ 1276350 w 5010150"/>
-                <a:gd name="connsiteY3" fmla="*/ 2660650 h 2660650"/>
-                <a:gd name="connsiteX4" fmla="*/ 5010150 w 5010150"/>
-                <a:gd name="connsiteY4" fmla="*/ 2660650 h 2660650"/>
-                <a:gd name="connsiteX5" fmla="*/ 5010150 w 5010150"/>
-                <a:gd name="connsiteY5" fmla="*/ 82550 h 2660650"/>
-                <a:gd name="connsiteX6" fmla="*/ 1111250 w 5010150"/>
-                <a:gd name="connsiteY6" fmla="*/ 0 h 2660650"/>
-                <a:gd name="connsiteX0" fmla="*/ 1123950 w 5022850"/>
-                <a:gd name="connsiteY0" fmla="*/ 0 h 2660650"/>
-                <a:gd name="connsiteX1" fmla="*/ 1123950 w 5022850"/>
-                <a:gd name="connsiteY1" fmla="*/ 2343150 h 2660650"/>
-                <a:gd name="connsiteX2" fmla="*/ 12700 w 5022850"/>
-                <a:gd name="connsiteY2" fmla="*/ 2355850 h 2660650"/>
-                <a:gd name="connsiteX3" fmla="*/ 0 w 5022850"/>
-                <a:gd name="connsiteY3" fmla="*/ 2647950 h 2660650"/>
-                <a:gd name="connsiteX4" fmla="*/ 5022850 w 5022850"/>
-                <a:gd name="connsiteY4" fmla="*/ 2660650 h 2660650"/>
-                <a:gd name="connsiteX5" fmla="*/ 5022850 w 5022850"/>
-                <a:gd name="connsiteY5" fmla="*/ 82550 h 2660650"/>
-                <a:gd name="connsiteX6" fmla="*/ 1123950 w 5022850"/>
-                <a:gd name="connsiteY6" fmla="*/ 0 h 2660650"/>
-                <a:gd name="connsiteX0" fmla="*/ 1123950 w 5022850"/>
-                <a:gd name="connsiteY0" fmla="*/ 0 h 2660650"/>
-                <a:gd name="connsiteX1" fmla="*/ 1123950 w 5022850"/>
-                <a:gd name="connsiteY1" fmla="*/ 2343150 h 2660650"/>
-                <a:gd name="connsiteX2" fmla="*/ 704850 w 5022850"/>
-                <a:gd name="connsiteY2" fmla="*/ 2355850 h 2660650"/>
-                <a:gd name="connsiteX3" fmla="*/ 12700 w 5022850"/>
-                <a:gd name="connsiteY3" fmla="*/ 2355850 h 2660650"/>
-                <a:gd name="connsiteX4" fmla="*/ 0 w 5022850"/>
-                <a:gd name="connsiteY4" fmla="*/ 2647950 h 2660650"/>
-                <a:gd name="connsiteX5" fmla="*/ 5022850 w 5022850"/>
-                <a:gd name="connsiteY5" fmla="*/ 2660650 h 2660650"/>
-                <a:gd name="connsiteX6" fmla="*/ 5022850 w 5022850"/>
-                <a:gd name="connsiteY6" fmla="*/ 82550 h 2660650"/>
-                <a:gd name="connsiteX7" fmla="*/ 1123950 w 5022850"/>
-                <a:gd name="connsiteY7" fmla="*/ 0 h 2660650"/>
-                <a:gd name="connsiteX0" fmla="*/ 1123950 w 5022850"/>
-                <a:gd name="connsiteY0" fmla="*/ 0 h 2660650"/>
-                <a:gd name="connsiteX1" fmla="*/ 1123950 w 5022850"/>
-                <a:gd name="connsiteY1" fmla="*/ 2343150 h 2660650"/>
-                <a:gd name="connsiteX2" fmla="*/ 704850 w 5022850"/>
-                <a:gd name="connsiteY2" fmla="*/ 2355850 h 2660650"/>
-                <a:gd name="connsiteX3" fmla="*/ 228600 w 5022850"/>
-                <a:gd name="connsiteY3" fmla="*/ 2349500 h 2660650"/>
-                <a:gd name="connsiteX4" fmla="*/ 12700 w 5022850"/>
-                <a:gd name="connsiteY4" fmla="*/ 2355850 h 2660650"/>
-                <a:gd name="connsiteX5" fmla="*/ 0 w 5022850"/>
-                <a:gd name="connsiteY5" fmla="*/ 2647950 h 2660650"/>
-                <a:gd name="connsiteX6" fmla="*/ 5022850 w 5022850"/>
-                <a:gd name="connsiteY6" fmla="*/ 2660650 h 2660650"/>
-                <a:gd name="connsiteX7" fmla="*/ 5022850 w 5022850"/>
-                <a:gd name="connsiteY7" fmla="*/ 82550 h 2660650"/>
-                <a:gd name="connsiteX8" fmla="*/ 1123950 w 5022850"/>
-                <a:gd name="connsiteY8" fmla="*/ 0 h 2660650"/>
-                <a:gd name="connsiteX0" fmla="*/ 1123950 w 5022850"/>
-                <a:gd name="connsiteY0" fmla="*/ 0 h 2660650"/>
-                <a:gd name="connsiteX1" fmla="*/ 1123950 w 5022850"/>
-                <a:gd name="connsiteY1" fmla="*/ 2343150 h 2660650"/>
-                <a:gd name="connsiteX2" fmla="*/ 704850 w 5022850"/>
-                <a:gd name="connsiteY2" fmla="*/ 2355850 h 2660650"/>
-                <a:gd name="connsiteX3" fmla="*/ 717550 w 5022850"/>
-                <a:gd name="connsiteY3" fmla="*/ 2178050 h 2660650"/>
-                <a:gd name="connsiteX4" fmla="*/ 12700 w 5022850"/>
-                <a:gd name="connsiteY4" fmla="*/ 2355850 h 2660650"/>
-                <a:gd name="connsiteX5" fmla="*/ 0 w 5022850"/>
-                <a:gd name="connsiteY5" fmla="*/ 2647950 h 2660650"/>
-                <a:gd name="connsiteX6" fmla="*/ 5022850 w 5022850"/>
-                <a:gd name="connsiteY6" fmla="*/ 2660650 h 2660650"/>
-                <a:gd name="connsiteX7" fmla="*/ 5022850 w 5022850"/>
-                <a:gd name="connsiteY7" fmla="*/ 82550 h 2660650"/>
-                <a:gd name="connsiteX8" fmla="*/ 1123950 w 5022850"/>
-                <a:gd name="connsiteY8" fmla="*/ 0 h 2660650"/>
-                <a:gd name="connsiteX0" fmla="*/ 1123950 w 5022850"/>
-                <a:gd name="connsiteY0" fmla="*/ 0 h 2660650"/>
-                <a:gd name="connsiteX1" fmla="*/ 1123950 w 5022850"/>
-                <a:gd name="connsiteY1" fmla="*/ 2343150 h 2660650"/>
-                <a:gd name="connsiteX2" fmla="*/ 704850 w 5022850"/>
-                <a:gd name="connsiteY2" fmla="*/ 2355850 h 2660650"/>
-                <a:gd name="connsiteX3" fmla="*/ 717550 w 5022850"/>
-                <a:gd name="connsiteY3" fmla="*/ 2178050 h 2660650"/>
-                <a:gd name="connsiteX4" fmla="*/ 12700 w 5022850"/>
-                <a:gd name="connsiteY4" fmla="*/ 2184400 h 2660650"/>
-                <a:gd name="connsiteX5" fmla="*/ 0 w 5022850"/>
-                <a:gd name="connsiteY5" fmla="*/ 2647950 h 2660650"/>
-                <a:gd name="connsiteX6" fmla="*/ 5022850 w 5022850"/>
-                <a:gd name="connsiteY6" fmla="*/ 2660650 h 2660650"/>
-                <a:gd name="connsiteX7" fmla="*/ 5022850 w 5022850"/>
-                <a:gd name="connsiteY7" fmla="*/ 82550 h 2660650"/>
-                <a:gd name="connsiteX8" fmla="*/ 1123950 w 5022850"/>
-                <a:gd name="connsiteY8" fmla="*/ 0 h 2660650"/>
-              </a:gdLst>
-              <a:ahLst/>
-              <a:cxnLst>
-                <a:cxn ang="0">
-                  <a:pos x="connsiteX0" y="connsiteY0"/>
-                </a:cxn>
-                <a:cxn ang="0">
-                  <a:pos x="connsiteX1" y="connsiteY1"/>
-                </a:cxn>
-                <a:cxn ang="0">
-                  <a:pos x="connsiteX2" y="connsiteY2"/>
-                </a:cxn>
-                <a:cxn ang="0">
-                  <a:pos x="connsiteX3" y="connsiteY3"/>
-                </a:cxn>
-                <a:cxn ang="0">
-                  <a:pos x="connsiteX4" y="connsiteY4"/>
-                </a:cxn>
-                <a:cxn ang="0">
-                  <a:pos x="connsiteX5" y="connsiteY5"/>
-                </a:cxn>
-                <a:cxn ang="0">
-                  <a:pos x="connsiteX6" y="connsiteY6"/>
-                </a:cxn>
-                <a:cxn ang="0">
-                  <a:pos x="connsiteX7" y="connsiteY7"/>
-                </a:cxn>
-                <a:cxn ang="0">
-                  <a:pos x="connsiteX8" y="connsiteY8"/>
-                </a:cxn>
-              </a:cxnLst>
-              <a:rect l="l" t="t" r="r" b="b"/>
-              <a:pathLst>
-                <a:path w="5022850" h="2660650">
-                  <a:moveTo>
-                    <a:pt x="1123950" y="0"/>
-                  </a:moveTo>
-                  <a:lnTo>
-                    <a:pt x="1123950" y="2343150"/>
-                  </a:lnTo>
-                  <a:lnTo>
-                    <a:pt x="704850" y="2355850"/>
-                  </a:lnTo>
-                  <a:lnTo>
-                    <a:pt x="717550" y="2178050"/>
-                  </a:lnTo>
-                  <a:lnTo>
-                    <a:pt x="12700" y="2184400"/>
-                  </a:lnTo>
-                  <a:lnTo>
-                    <a:pt x="0" y="2647950"/>
-                  </a:lnTo>
-                  <a:lnTo>
-                    <a:pt x="5022850" y="2660650"/>
-                  </a:lnTo>
-                  <a:lnTo>
-                    <a:pt x="5022850" y="82550"/>
-                  </a:lnTo>
-                  <a:lnTo>
-                    <a:pt x="1123950" y="0"/>
-                  </a:lnTo>
-                  <a:close/>
-                </a:path>
-              </a:pathLst>
-            </a:custGeom>
-            <a:solidFill>
-              <a:schemeClr val="bg1"/>
-            </a:solidFill>
-            <a:ln>
-              <a:solidFill>
-                <a:schemeClr val="bg1"/>
-              </a:solidFill>
-            </a:ln>
-          </p:spPr>
-          <p:style>
-            <a:lnRef idx="2">
-              <a:schemeClr val="accent1">
-                <a:shade val="50000"/>
-              </a:schemeClr>
-            </a:lnRef>
-            <a:fillRef idx="1">
-              <a:schemeClr val="accent1"/>
-            </a:fillRef>
-            <a:effectRef idx="0">
-              <a:schemeClr val="accent1"/>
-            </a:effectRef>
-            <a:fontRef idx="minor">
-              <a:schemeClr val="lt1"/>
-            </a:fontRef>
-          </p:style>
-          <p:txBody>
-            <a:bodyPr rtlCol="0" anchor="ctr"/>
-            <a:lstStyle/>
-            <a:p>
-              <a:pPr algn="ctr"/>
-              <a:endParaRPr lang="en-US"/>
-            </a:p>
-          </p:txBody>
-        </p:sp>
-        <mc:AlternateContent xmlns:mc="http://schemas.openxmlformats.org/markup-compatibility/2006" xmlns:a14="http://schemas.microsoft.com/office/drawing/2010/main">
-          <mc:Choice Requires="a14">
-            <p:sp>
-              <p:nvSpPr>
-                <p:cNvPr id="186" name="TextBox 185">
-                  <a:extLst>
-                    <a:ext uri="{FF2B5EF4-FFF2-40B4-BE49-F238E27FC236}">
-                      <a16:creationId xmlns:a16="http://schemas.microsoft.com/office/drawing/2014/main" id="{1504795F-612B-32A9-5EA3-5AA943DAF213}"/>
-                    </a:ext>
-                  </a:extLst>
-                </p:cNvPr>
-                <p:cNvSpPr txBox="1"/>
-                <p:nvPr/>
-              </p:nvSpPr>
-              <p:spPr>
-                <a:xfrm>
-                  <a:off x="4125242" y="1953619"/>
-                  <a:ext cx="920476" cy="276999"/>
-                </a:xfrm>
-                <a:prstGeom prst="rect">
-                  <a:avLst/>
-                </a:prstGeom>
-                <a:solidFill>
-                  <a:schemeClr val="bg1"/>
-                </a:solidFill>
-              </p:spPr>
-              <p:txBody>
-                <a:bodyPr wrap="square" rtlCol="0">
-                  <a:spAutoFit/>
-                </a:bodyPr>
-                <a:lstStyle/>
-                <a:p>
-                  <a:pPr/>
-                  <a14:m>
-                    <m:oMathPara xmlns:m="http://schemas.openxmlformats.org/officeDocument/2006/math">
-                      <m:oMathParaPr>
-                        <m:jc m:val="centerGroup"/>
-                      </m:oMathParaPr>
-                      <m:oMath xmlns:m="http://schemas.openxmlformats.org/officeDocument/2006/math">
-                        <m:r>
-                          <a:rPr lang="en-US" sz="1200" i="1" smtClean="0">
-                            <a:latin typeface="Cambria Math" panose="02040503050406030204" pitchFamily="18" charset="0"/>
-                          </a:rPr>
-                          <m:t>9</m:t>
-                        </m:r>
-                        <m:r>
-                          <a:rPr lang="en-US" sz="1200" b="0" i="1" smtClean="0">
-                            <a:latin typeface="Cambria Math" panose="02040503050406030204" pitchFamily="18" charset="0"/>
-                          </a:rPr>
-                          <m:t>017</m:t>
-                        </m:r>
-                        <m:r>
-                          <a:rPr lang="en-US" sz="1200" b="0" i="1" smtClean="0">
-                            <a:solidFill>
-                              <a:schemeClr val="tx1"/>
-                            </a:solidFill>
-                            <a:latin typeface="Cambria Math" panose="02040503050406030204" pitchFamily="18" charset="0"/>
-                          </a:rPr>
-                          <m:t> [</m:t>
-                        </m:r>
-                        <m:r>
-                          <a:rPr lang="en-US" sz="1200" b="0" i="1" smtClean="0">
-                            <a:solidFill>
-                              <a:schemeClr val="tx1"/>
-                            </a:solidFill>
-                            <a:latin typeface="Cambria Math" panose="02040503050406030204" pitchFamily="18" charset="0"/>
-                          </a:rPr>
-                          <m:t>𝑚𝑚</m:t>
-                        </m:r>
-                        <m:r>
-                          <a:rPr lang="en-US" sz="1200" b="0" i="1" smtClean="0">
-                            <a:solidFill>
-                              <a:schemeClr val="tx1"/>
-                            </a:solidFill>
-                            <a:latin typeface="Cambria Math" panose="02040503050406030204" pitchFamily="18" charset="0"/>
-                          </a:rPr>
-                          <m:t>]</m:t>
-                        </m:r>
-                      </m:oMath>
-                    </m:oMathPara>
-                  </a14:m>
-                  <a:endParaRPr lang="en-US" dirty="0"/>
-                </a:p>
-              </p:txBody>
-            </p:sp>
-          </mc:Choice>
-          <mc:Fallback xmlns="">
-            <p:sp>
-              <p:nvSpPr>
-                <p:cNvPr id="186" name="TextBox 185">
-                  <a:extLst>
-                    <a:ext uri="{FF2B5EF4-FFF2-40B4-BE49-F238E27FC236}">
-                      <a16:creationId xmlns:a16="http://schemas.microsoft.com/office/drawing/2014/main" id="{1504795F-612B-32A9-5EA3-5AA943DAF213}"/>
-                    </a:ext>
-                  </a:extLst>
-                </p:cNvPr>
-                <p:cNvSpPr txBox="1">
-                  <a:spLocks noRot="1" noChangeAspect="1" noMove="1" noResize="1" noEditPoints="1" noAdjustHandles="1" noChangeArrowheads="1" noChangeShapeType="1" noTextEdit="1"/>
-                </p:cNvSpPr>
-                <p:nvPr/>
-              </p:nvSpPr>
-              <p:spPr>
-                <a:xfrm>
-                  <a:off x="4125242" y="1953619"/>
-                  <a:ext cx="920476" cy="276999"/>
-                </a:xfrm>
-                <a:prstGeom prst="rect">
-                  <a:avLst/>
-                </a:prstGeom>
-                <a:blipFill>
-                  <a:blip r:embed="rId17"/>
-                  <a:stretch>
-                    <a:fillRect b="-8889"/>
-                  </a:stretch>
-                </a:blipFill>
-              </p:spPr>
-              <p:txBody>
-                <a:bodyPr/>
-                <a:lstStyle/>
-                <a:p>
-                  <a:r>
-                    <a:rPr lang="en-US">
-                      <a:noFill/>
-                    </a:rPr>
-                    <a:t> </a:t>
-                  </a:r>
-                </a:p>
-              </p:txBody>
-            </p:sp>
-          </mc:Fallback>
-        </mc:AlternateContent>
-        <mc:AlternateContent xmlns:mc="http://schemas.openxmlformats.org/markup-compatibility/2006" xmlns:a14="http://schemas.microsoft.com/office/drawing/2010/main">
-          <mc:Choice Requires="a14">
-            <p:sp>
-              <p:nvSpPr>
-                <p:cNvPr id="187" name="TextBox 186">
-                  <a:extLst>
-                    <a:ext uri="{FF2B5EF4-FFF2-40B4-BE49-F238E27FC236}">
-                      <a16:creationId xmlns:a16="http://schemas.microsoft.com/office/drawing/2014/main" id="{98D2F15E-7CB5-FEA3-8C04-EB68B2703E59}"/>
-                    </a:ext>
-                  </a:extLst>
-                </p:cNvPr>
-                <p:cNvSpPr txBox="1"/>
-                <p:nvPr/>
-              </p:nvSpPr>
-              <p:spPr>
-                <a:xfrm>
-                  <a:off x="1627060" y="2938769"/>
-                  <a:ext cx="920476" cy="276999"/>
-                </a:xfrm>
-                <a:prstGeom prst="rect">
-                  <a:avLst/>
-                </a:prstGeom>
-                <a:solidFill>
-                  <a:schemeClr val="bg1"/>
-                </a:solidFill>
-              </p:spPr>
-              <p:txBody>
-                <a:bodyPr wrap="square" rtlCol="0">
-                  <a:spAutoFit/>
-                </a:bodyPr>
-                <a:lstStyle/>
-                <a:p>
-                  <a:pPr/>
-                  <a14:m>
-                    <m:oMathPara xmlns:m="http://schemas.openxmlformats.org/officeDocument/2006/math">
-                      <m:oMathParaPr>
-                        <m:jc m:val="centerGroup"/>
-                      </m:oMathParaPr>
-                      <m:oMath xmlns:m="http://schemas.openxmlformats.org/officeDocument/2006/math">
-                        <m:r>
-                          <a:rPr lang="en-US" sz="1200" i="1" smtClean="0">
-                            <a:latin typeface="Cambria Math" panose="02040503050406030204" pitchFamily="18" charset="0"/>
-                          </a:rPr>
-                          <m:t>3</m:t>
-                        </m:r>
-                        <m:r>
-                          <a:rPr lang="en-US" sz="1200" b="0" i="1" smtClean="0">
-                            <a:latin typeface="Cambria Math" panose="02040503050406030204" pitchFamily="18" charset="0"/>
-                          </a:rPr>
-                          <m:t>429</m:t>
-                        </m:r>
-                        <m:r>
-                          <a:rPr lang="en-US" sz="1200" b="0" i="1" smtClean="0">
-                            <a:solidFill>
-                              <a:schemeClr val="tx1"/>
-                            </a:solidFill>
-                            <a:latin typeface="Cambria Math" panose="02040503050406030204" pitchFamily="18" charset="0"/>
-                          </a:rPr>
-                          <m:t> [</m:t>
-                        </m:r>
-                        <m:r>
-                          <a:rPr lang="en-US" sz="1200" b="0" i="1" smtClean="0">
-                            <a:solidFill>
-                              <a:schemeClr val="tx1"/>
-                            </a:solidFill>
-                            <a:latin typeface="Cambria Math" panose="02040503050406030204" pitchFamily="18" charset="0"/>
-                          </a:rPr>
-                          <m:t>𝑚𝑚</m:t>
-                        </m:r>
-                        <m:r>
-                          <a:rPr lang="en-US" sz="1200" b="0" i="1" smtClean="0">
-                            <a:solidFill>
-                              <a:schemeClr val="tx1"/>
-                            </a:solidFill>
-                            <a:latin typeface="Cambria Math" panose="02040503050406030204" pitchFamily="18" charset="0"/>
-                          </a:rPr>
-                          <m:t>]</m:t>
-                        </m:r>
-                      </m:oMath>
-                    </m:oMathPara>
-                  </a14:m>
-                  <a:endParaRPr lang="en-US" dirty="0"/>
-                </a:p>
-              </p:txBody>
-            </p:sp>
-          </mc:Choice>
-          <mc:Fallback xmlns="">
-            <p:sp>
-              <p:nvSpPr>
-                <p:cNvPr id="187" name="TextBox 186">
-                  <a:extLst>
-                    <a:ext uri="{FF2B5EF4-FFF2-40B4-BE49-F238E27FC236}">
-                      <a16:creationId xmlns:a16="http://schemas.microsoft.com/office/drawing/2014/main" id="{98D2F15E-7CB5-FEA3-8C04-EB68B2703E59}"/>
-                    </a:ext>
-                  </a:extLst>
-                </p:cNvPr>
-                <p:cNvSpPr txBox="1">
-                  <a:spLocks noRot="1" noChangeAspect="1" noMove="1" noResize="1" noEditPoints="1" noAdjustHandles="1" noChangeArrowheads="1" noChangeShapeType="1" noTextEdit="1"/>
-                </p:cNvSpPr>
-                <p:nvPr/>
-              </p:nvSpPr>
-              <p:spPr>
-                <a:xfrm>
-                  <a:off x="1627060" y="2938769"/>
-                  <a:ext cx="920476" cy="276999"/>
-                </a:xfrm>
-                <a:prstGeom prst="rect">
-                  <a:avLst/>
-                </a:prstGeom>
-                <a:blipFill>
-                  <a:blip r:embed="rId18"/>
-                  <a:stretch>
-                    <a:fillRect b="-8889"/>
-                  </a:stretch>
-                </a:blipFill>
-              </p:spPr>
-              <p:txBody>
-                <a:bodyPr/>
-                <a:lstStyle/>
-                <a:p>
-                  <a:r>
-                    <a:rPr lang="en-US">
-                      <a:noFill/>
-                    </a:rPr>
-                    <a:t> </a:t>
-                  </a:r>
-                </a:p>
-              </p:txBody>
-            </p:sp>
-          </mc:Fallback>
-        </mc:AlternateContent>
-        <p:cxnSp>
-          <p:nvCxnSpPr>
-            <p:cNvPr id="188" name="Straight Connector 187">
-              <a:extLst>
-                <a:ext uri="{FF2B5EF4-FFF2-40B4-BE49-F238E27FC236}">
-                  <a16:creationId xmlns:a16="http://schemas.microsoft.com/office/drawing/2014/main" id="{981E1BC1-30CA-F046-9F77-1A9D7F4E9D12}"/>
-                </a:ext>
-              </a:extLst>
-            </p:cNvPr>
-            <p:cNvCxnSpPr>
-              <a:cxnSpLocks/>
-            </p:cNvCxnSpPr>
-            <p:nvPr/>
-          </p:nvCxnSpPr>
-          <p:spPr>
-            <a:xfrm>
-              <a:off x="2419350" y="4206600"/>
-              <a:ext cx="3676650" cy="0"/>
-            </a:xfrm>
-            <a:prstGeom prst="line">
-              <a:avLst/>
-            </a:prstGeom>
-            <a:ln w="9525">
-              <a:solidFill>
-                <a:schemeClr val="bg2">
-                  <a:lumMod val="90000"/>
-                </a:schemeClr>
-              </a:solidFill>
-              <a:prstDash val="solid"/>
-            </a:ln>
-          </p:spPr>
-          <p:style>
-            <a:lnRef idx="1">
-              <a:schemeClr val="dk1"/>
-            </a:lnRef>
-            <a:fillRef idx="0">
-              <a:schemeClr val="dk1"/>
-            </a:fillRef>
-            <a:effectRef idx="0">
-              <a:schemeClr val="dk1"/>
-            </a:effectRef>
-            <a:fontRef idx="minor">
-              <a:schemeClr val="tx1"/>
-            </a:fontRef>
-          </p:style>
-        </p:cxnSp>
-      </p:grpSp>
-      <p:grpSp>
-        <p:nvGrpSpPr>
           <p:cNvPr id="106" name="Group 105">
             <a:extLst>
               <a:ext uri="{FF2B5EF4-FFF2-40B4-BE49-F238E27FC236}">
@@ -8571,7 +6198,7 @@
               </a:pathLst>
             </a:custGeom>
             <a:blipFill dpi="0" rotWithShape="1">
-              <a:blip r:embed="rId19">
+              <a:blip r:embed="rId10">
                 <a:extLst>
                   <a:ext uri="{28A0092B-C50C-407E-A947-70E740481C1C}">
                     <a14:useLocalDpi xmlns:a14="http://schemas.microsoft.com/office/drawing/2010/main" val="0"/>
@@ -12893,10 +10520,10 @@
       </p:grpSp>
       <p:pic>
         <p:nvPicPr>
-          <p:cNvPr id="3" name="Picture 2">
+          <p:cNvPr id="4" name="Picture 3">
             <a:extLst>
               <a:ext uri="{FF2B5EF4-FFF2-40B4-BE49-F238E27FC236}">
-                <a16:creationId xmlns:a16="http://schemas.microsoft.com/office/drawing/2014/main" id="{1F15E7F9-8D34-7351-5A75-C8B3985DCB15}"/>
+                <a16:creationId xmlns:a16="http://schemas.microsoft.com/office/drawing/2014/main" id="{BB3599CB-051C-2A57-337D-E9479C7AE0C8}"/>
               </a:ext>
             </a:extLst>
           </p:cNvPr>
@@ -12913,14 +10540,2391 @@
         </p:blipFill>
         <p:spPr>
           <a:xfrm>
-            <a:off x="5300732" y="4597349"/>
-            <a:ext cx="4541683" cy="2017287"/>
+            <a:off x="534211" y="3429000"/>
+            <a:ext cx="4200369" cy="3285437"/>
           </a:xfrm>
           <a:prstGeom prst="rect">
             <a:avLst/>
           </a:prstGeom>
         </p:spPr>
       </p:pic>
+      <p:grpSp>
+        <p:nvGrpSpPr>
+          <p:cNvPr id="159" name="Group 158">
+            <a:extLst>
+              <a:ext uri="{FF2B5EF4-FFF2-40B4-BE49-F238E27FC236}">
+                <a16:creationId xmlns:a16="http://schemas.microsoft.com/office/drawing/2014/main" id="{F7DB88DC-2A90-5410-767A-84D8E8C01005}"/>
+              </a:ext>
+            </a:extLst>
+          </p:cNvPr>
+          <p:cNvGrpSpPr/>
+          <p:nvPr/>
+        </p:nvGrpSpPr>
+        <p:grpSpPr>
+          <a:xfrm>
+            <a:off x="5044633" y="4401988"/>
+            <a:ext cx="8450390" cy="2713631"/>
+            <a:chOff x="1627060" y="1953619"/>
+            <a:chExt cx="8450390" cy="2713631"/>
+          </a:xfrm>
+        </p:grpSpPr>
+        <p:pic>
+          <p:nvPicPr>
+            <p:cNvPr id="160" name="Picture 159">
+              <a:extLst>
+                <a:ext uri="{FF2B5EF4-FFF2-40B4-BE49-F238E27FC236}">
+                  <a16:creationId xmlns:a16="http://schemas.microsoft.com/office/drawing/2014/main" id="{6BA58ADA-E69B-EE04-EEEE-8B8420DA3774}"/>
+                </a:ext>
+              </a:extLst>
+            </p:cNvPr>
+            <p:cNvPicPr>
+              <a:picLocks noChangeAspect="1"/>
+            </p:cNvPicPr>
+            <p:nvPr/>
+          </p:nvPicPr>
+          <p:blipFill>
+            <a:blip r:embed="rId37">
+              <a:extLst>
+                <a:ext uri="{28A0092B-C50C-407E-A947-70E740481C1C}">
+                  <a14:useLocalDpi xmlns:a14="http://schemas.microsoft.com/office/drawing/2010/main" val="0"/>
+                </a:ext>
+              </a:extLst>
+            </a:blip>
+            <a:stretch>
+              <a:fillRect/>
+            </a:stretch>
+          </p:blipFill>
+          <p:spPr>
+            <a:xfrm>
+              <a:off x="2632710" y="2251710"/>
+              <a:ext cx="6926580" cy="2354580"/>
+            </a:xfrm>
+            <a:prstGeom prst="rect">
+              <a:avLst/>
+            </a:prstGeom>
+          </p:spPr>
+        </p:pic>
+        <p:cxnSp>
+          <p:nvCxnSpPr>
+            <p:cNvPr id="161" name="Straight Connector 160">
+              <a:extLst>
+                <a:ext uri="{FF2B5EF4-FFF2-40B4-BE49-F238E27FC236}">
+                  <a16:creationId xmlns:a16="http://schemas.microsoft.com/office/drawing/2014/main" id="{8E88F01A-1C11-907C-0845-0BFFBC19E62E}"/>
+                </a:ext>
+              </a:extLst>
+            </p:cNvPr>
+            <p:cNvCxnSpPr>
+              <a:cxnSpLocks/>
+            </p:cNvCxnSpPr>
+            <p:nvPr/>
+          </p:nvCxnSpPr>
+          <p:spPr>
+            <a:xfrm>
+              <a:off x="2756977" y="3707122"/>
+              <a:ext cx="3038986" cy="0"/>
+            </a:xfrm>
+            <a:prstGeom prst="line">
+              <a:avLst/>
+            </a:prstGeom>
+            <a:ln w="19050">
+              <a:prstDash val="dashDot"/>
+            </a:ln>
+          </p:spPr>
+          <p:style>
+            <a:lnRef idx="1">
+              <a:schemeClr val="dk1"/>
+            </a:lnRef>
+            <a:fillRef idx="0">
+              <a:schemeClr val="dk1"/>
+            </a:fillRef>
+            <a:effectRef idx="0">
+              <a:schemeClr val="dk1"/>
+            </a:effectRef>
+            <a:fontRef idx="minor">
+              <a:schemeClr val="tx1"/>
+            </a:fontRef>
+          </p:style>
+        </p:cxnSp>
+        <mc:AlternateContent xmlns:mc="http://schemas.openxmlformats.org/markup-compatibility/2006" xmlns:a14="http://schemas.microsoft.com/office/drawing/2010/main">
+          <mc:Choice Requires="a14">
+            <p:sp>
+              <p:nvSpPr>
+                <p:cNvPr id="162" name="TextBox 161">
+                  <a:extLst>
+                    <a:ext uri="{FF2B5EF4-FFF2-40B4-BE49-F238E27FC236}">
+                      <a16:creationId xmlns:a16="http://schemas.microsoft.com/office/drawing/2014/main" id="{B0AB54C6-ADC7-7774-579B-AD41A06CE1C8}"/>
+                    </a:ext>
+                  </a:extLst>
+                </p:cNvPr>
+                <p:cNvSpPr txBox="1"/>
+                <p:nvPr/>
+              </p:nvSpPr>
+              <p:spPr>
+                <a:xfrm>
+                  <a:off x="3837407" y="3195310"/>
+                  <a:ext cx="345529" cy="276999"/>
+                </a:xfrm>
+                <a:prstGeom prst="rect">
+                  <a:avLst/>
+                </a:prstGeom>
+                <a:noFill/>
+              </p:spPr>
+              <p:txBody>
+                <a:bodyPr wrap="square" rtlCol="0">
+                  <a:spAutoFit/>
+                </a:bodyPr>
+                <a:lstStyle/>
+                <a:p>
+                  <a:pPr/>
+                  <a14:m>
+                    <m:oMathPara xmlns:m="http://schemas.openxmlformats.org/officeDocument/2006/math">
+                      <m:oMathParaPr>
+                        <m:jc m:val="centerGroup"/>
+                      </m:oMathParaPr>
+                      <m:oMath xmlns:m="http://schemas.openxmlformats.org/officeDocument/2006/math">
+                        <m:sSub>
+                          <m:sSubPr>
+                            <m:ctrlPr>
+                              <a:rPr lang="en-US" sz="1200" b="0" i="1" smtClean="0">
+                                <a:solidFill>
+                                  <a:schemeClr val="accent1"/>
+                                </a:solidFill>
+                                <a:latin typeface="Cambria Math" panose="02040503050406030204" pitchFamily="18" charset="0"/>
+                              </a:rPr>
+                            </m:ctrlPr>
+                          </m:sSubPr>
+                          <m:e>
+                            <m:r>
+                              <a:rPr lang="en-US" sz="1200" b="0" i="1" smtClean="0">
+                                <a:solidFill>
+                                  <a:schemeClr val="accent1"/>
+                                </a:solidFill>
+                                <a:latin typeface="Cambria Math" panose="02040503050406030204" pitchFamily="18" charset="0"/>
+                              </a:rPr>
+                              <m:t>𝑎</m:t>
+                            </m:r>
+                          </m:e>
+                          <m:sub>
+                            <m:r>
+                              <a:rPr lang="en-US" sz="1200" b="0" i="1" smtClean="0">
+                                <a:solidFill>
+                                  <a:schemeClr val="accent1"/>
+                                </a:solidFill>
+                                <a:latin typeface="Cambria Math" panose="02040503050406030204" pitchFamily="18" charset="0"/>
+                              </a:rPr>
+                              <m:t>𝑤</m:t>
+                            </m:r>
+                            <m:r>
+                              <a:rPr lang="en-US" sz="1200" b="0" i="1" smtClean="0">
+                                <a:solidFill>
+                                  <a:schemeClr val="accent1"/>
+                                </a:solidFill>
+                                <a:latin typeface="Cambria Math" panose="02040503050406030204" pitchFamily="18" charset="0"/>
+                              </a:rPr>
+                              <m:t>1</m:t>
+                            </m:r>
+                          </m:sub>
+                        </m:sSub>
+                      </m:oMath>
+                    </m:oMathPara>
+                  </a14:m>
+                  <a:endParaRPr lang="en-US" dirty="0"/>
+                </a:p>
+              </p:txBody>
+            </p:sp>
+          </mc:Choice>
+          <mc:Fallback xmlns="">
+            <p:sp>
+              <p:nvSpPr>
+                <p:cNvPr id="162" name="TextBox 161">
+                  <a:extLst>
+                    <a:ext uri="{FF2B5EF4-FFF2-40B4-BE49-F238E27FC236}">
+                      <a16:creationId xmlns:a16="http://schemas.microsoft.com/office/drawing/2014/main" id="{B0AB54C6-ADC7-7774-579B-AD41A06CE1C8}"/>
+                    </a:ext>
+                  </a:extLst>
+                </p:cNvPr>
+                <p:cNvSpPr txBox="1">
+                  <a:spLocks noRot="1" noChangeAspect="1" noMove="1" noResize="1" noEditPoints="1" noAdjustHandles="1" noChangeArrowheads="1" noChangeShapeType="1" noTextEdit="1"/>
+                </p:cNvSpPr>
+                <p:nvPr/>
+              </p:nvSpPr>
+              <p:spPr>
+                <a:xfrm>
+                  <a:off x="3837407" y="3195310"/>
+                  <a:ext cx="345529" cy="276999"/>
+                </a:xfrm>
+                <a:prstGeom prst="rect">
+                  <a:avLst/>
+                </a:prstGeom>
+                <a:blipFill>
+                  <a:blip r:embed="rId11"/>
+                  <a:stretch>
+                    <a:fillRect r="-5263"/>
+                  </a:stretch>
+                </a:blipFill>
+              </p:spPr>
+              <p:txBody>
+                <a:bodyPr/>
+                <a:lstStyle/>
+                <a:p>
+                  <a:r>
+                    <a:rPr lang="en-US">
+                      <a:noFill/>
+                    </a:rPr>
+                    <a:t> </a:t>
+                  </a:r>
+                </a:p>
+              </p:txBody>
+            </p:sp>
+          </mc:Fallback>
+        </mc:AlternateContent>
+        <p:cxnSp>
+          <p:nvCxnSpPr>
+            <p:cNvPr id="163" name="Straight Connector 162">
+              <a:extLst>
+                <a:ext uri="{FF2B5EF4-FFF2-40B4-BE49-F238E27FC236}">
+                  <a16:creationId xmlns:a16="http://schemas.microsoft.com/office/drawing/2014/main" id="{7E9B808D-A945-8A21-7331-82A3767B2AF4}"/>
+                </a:ext>
+              </a:extLst>
+            </p:cNvPr>
+            <p:cNvCxnSpPr>
+              <a:cxnSpLocks/>
+            </p:cNvCxnSpPr>
+            <p:nvPr/>
+          </p:nvCxnSpPr>
+          <p:spPr>
+            <a:xfrm>
+              <a:off x="4446092" y="3300412"/>
+              <a:ext cx="1649908" cy="0"/>
+            </a:xfrm>
+            <a:prstGeom prst="line">
+              <a:avLst/>
+            </a:prstGeom>
+            <a:ln w="19050">
+              <a:prstDash val="dashDot"/>
+            </a:ln>
+          </p:spPr>
+          <p:style>
+            <a:lnRef idx="1">
+              <a:schemeClr val="dk1"/>
+            </a:lnRef>
+            <a:fillRef idx="0">
+              <a:schemeClr val="dk1"/>
+            </a:fillRef>
+            <a:effectRef idx="0">
+              <a:schemeClr val="dk1"/>
+            </a:effectRef>
+            <a:fontRef idx="minor">
+              <a:schemeClr val="tx1"/>
+            </a:fontRef>
+          </p:style>
+        </p:cxnSp>
+        <p:cxnSp>
+          <p:nvCxnSpPr>
+            <p:cNvPr id="164" name="Straight Arrow Connector 163">
+              <a:extLst>
+                <a:ext uri="{FF2B5EF4-FFF2-40B4-BE49-F238E27FC236}">
+                  <a16:creationId xmlns:a16="http://schemas.microsoft.com/office/drawing/2014/main" id="{9A499090-5208-5899-3A80-02BFDBCEEA3B}"/>
+                </a:ext>
+              </a:extLst>
+            </p:cNvPr>
+            <p:cNvCxnSpPr>
+              <a:cxnSpLocks/>
+            </p:cNvCxnSpPr>
+            <p:nvPr/>
+          </p:nvCxnSpPr>
+          <p:spPr>
+            <a:xfrm>
+              <a:off x="4495800" y="3300412"/>
+              <a:ext cx="0" cy="410888"/>
+            </a:xfrm>
+            <a:prstGeom prst="straightConnector1">
+              <a:avLst/>
+            </a:prstGeom>
+            <a:ln w="12700">
+              <a:solidFill>
+                <a:srgbClr val="002060"/>
+              </a:solidFill>
+              <a:headEnd type="triangle" w="sm" len="med"/>
+              <a:tailEnd type="triangle" w="sm" len="med"/>
+            </a:ln>
+          </p:spPr>
+          <p:style>
+            <a:lnRef idx="1">
+              <a:schemeClr val="accent1"/>
+            </a:lnRef>
+            <a:fillRef idx="0">
+              <a:schemeClr val="accent1"/>
+            </a:fillRef>
+            <a:effectRef idx="0">
+              <a:schemeClr val="accent1"/>
+            </a:effectRef>
+            <a:fontRef idx="minor">
+              <a:schemeClr val="tx1"/>
+            </a:fontRef>
+          </p:style>
+        </p:cxnSp>
+        <mc:AlternateContent xmlns:mc="http://schemas.openxmlformats.org/markup-compatibility/2006" xmlns:a14="http://schemas.microsoft.com/office/drawing/2010/main">
+          <mc:Choice Requires="a14">
+            <p:sp>
+              <p:nvSpPr>
+                <p:cNvPr id="165" name="TextBox 164">
+                  <a:extLst>
+                    <a:ext uri="{FF2B5EF4-FFF2-40B4-BE49-F238E27FC236}">
+                      <a16:creationId xmlns:a16="http://schemas.microsoft.com/office/drawing/2014/main" id="{97AD2FA1-6684-E61D-659C-074525C23B4E}"/>
+                    </a:ext>
+                  </a:extLst>
+                </p:cNvPr>
+                <p:cNvSpPr txBox="1"/>
+                <p:nvPr/>
+              </p:nvSpPr>
+              <p:spPr>
+                <a:xfrm>
+                  <a:off x="4125242" y="2930819"/>
+                  <a:ext cx="345529" cy="292901"/>
+                </a:xfrm>
+                <a:prstGeom prst="rect">
+                  <a:avLst/>
+                </a:prstGeom>
+                <a:noFill/>
+              </p:spPr>
+              <p:txBody>
+                <a:bodyPr wrap="square" rtlCol="0">
+                  <a:spAutoFit/>
+                </a:bodyPr>
+                <a:lstStyle/>
+                <a:p>
+                  <a:pPr/>
+                  <a14:m>
+                    <m:oMathPara xmlns:m="http://schemas.openxmlformats.org/officeDocument/2006/math">
+                      <m:oMathParaPr>
+                        <m:jc m:val="centerGroup"/>
+                      </m:oMathParaPr>
+                      <m:oMath xmlns:m="http://schemas.openxmlformats.org/officeDocument/2006/math">
+                        <m:sSub>
+                          <m:sSubPr>
+                            <m:ctrlPr>
+                              <a:rPr lang="en-US" sz="1200" b="0" i="1" smtClean="0">
+                                <a:solidFill>
+                                  <a:schemeClr val="accent1"/>
+                                </a:solidFill>
+                                <a:latin typeface="Cambria Math" panose="02040503050406030204" pitchFamily="18" charset="0"/>
+                              </a:rPr>
+                            </m:ctrlPr>
+                          </m:sSubPr>
+                          <m:e>
+                            <m:r>
+                              <a:rPr lang="en-US" sz="1200" b="0" i="1" smtClean="0">
+                                <a:solidFill>
+                                  <a:schemeClr val="accent1"/>
+                                </a:solidFill>
+                                <a:latin typeface="Cambria Math" panose="02040503050406030204" pitchFamily="18" charset="0"/>
+                              </a:rPr>
+                              <m:t>𝑑</m:t>
+                            </m:r>
+                          </m:e>
+                          <m:sub>
+                            <m:r>
+                              <a:rPr lang="en-US" sz="1200" b="0" i="1" smtClean="0">
+                                <a:solidFill>
+                                  <a:schemeClr val="accent1"/>
+                                </a:solidFill>
+                                <a:latin typeface="Cambria Math" panose="02040503050406030204" pitchFamily="18" charset="0"/>
+                              </a:rPr>
+                              <m:t>𝑤</m:t>
+                            </m:r>
+                            <m:sSub>
+                              <m:sSubPr>
+                                <m:ctrlPr>
+                                  <a:rPr lang="en-US" sz="1200" b="0" i="1" smtClean="0">
+                                    <a:solidFill>
+                                      <a:schemeClr val="accent1"/>
+                                    </a:solidFill>
+                                    <a:latin typeface="Cambria Math" panose="02040503050406030204" pitchFamily="18" charset="0"/>
+                                  </a:rPr>
+                                </m:ctrlPr>
+                              </m:sSubPr>
+                              <m:e>
+                                <m:r>
+                                  <a:rPr lang="en-US" sz="1200" b="0" i="1" smtClean="0">
+                                    <a:solidFill>
+                                      <a:schemeClr val="accent1"/>
+                                    </a:solidFill>
+                                    <a:latin typeface="Cambria Math" panose="02040503050406030204" pitchFamily="18" charset="0"/>
+                                  </a:rPr>
+                                  <m:t>𝑒</m:t>
+                                </m:r>
+                              </m:e>
+                              <m:sub>
+                                <m:r>
+                                  <a:rPr lang="en-US" sz="1200" b="0" i="1" smtClean="0">
+                                    <a:solidFill>
+                                      <a:schemeClr val="accent1"/>
+                                    </a:solidFill>
+                                    <a:latin typeface="Cambria Math" panose="02040503050406030204" pitchFamily="18" charset="0"/>
+                                  </a:rPr>
+                                  <m:t>𝑧</m:t>
+                                </m:r>
+                              </m:sub>
+                            </m:sSub>
+                          </m:sub>
+                        </m:sSub>
+                      </m:oMath>
+                    </m:oMathPara>
+                  </a14:m>
+                  <a:endParaRPr lang="en-US" dirty="0"/>
+                </a:p>
+              </p:txBody>
+            </p:sp>
+          </mc:Choice>
+          <mc:Fallback xmlns="">
+            <p:sp>
+              <p:nvSpPr>
+                <p:cNvPr id="165" name="TextBox 164">
+                  <a:extLst>
+                    <a:ext uri="{FF2B5EF4-FFF2-40B4-BE49-F238E27FC236}">
+                      <a16:creationId xmlns:a16="http://schemas.microsoft.com/office/drawing/2014/main" id="{97AD2FA1-6684-E61D-659C-074525C23B4E}"/>
+                    </a:ext>
+                  </a:extLst>
+                </p:cNvPr>
+                <p:cNvSpPr txBox="1">
+                  <a:spLocks noRot="1" noChangeAspect="1" noMove="1" noResize="1" noEditPoints="1" noAdjustHandles="1" noChangeArrowheads="1" noChangeShapeType="1" noTextEdit="1"/>
+                </p:cNvSpPr>
+                <p:nvPr/>
+              </p:nvSpPr>
+              <p:spPr>
+                <a:xfrm>
+                  <a:off x="4125242" y="2930819"/>
+                  <a:ext cx="345529" cy="292901"/>
+                </a:xfrm>
+                <a:prstGeom prst="rect">
+                  <a:avLst/>
+                </a:prstGeom>
+                <a:blipFill>
+                  <a:blip r:embed="rId12"/>
+                  <a:stretch>
+                    <a:fillRect r="-17544"/>
+                  </a:stretch>
+                </a:blipFill>
+              </p:spPr>
+              <p:txBody>
+                <a:bodyPr/>
+                <a:lstStyle/>
+                <a:p>
+                  <a:r>
+                    <a:rPr lang="en-US">
+                      <a:noFill/>
+                    </a:rPr>
+                    <a:t> </a:t>
+                  </a:r>
+                </a:p>
+              </p:txBody>
+            </p:sp>
+          </mc:Fallback>
+        </mc:AlternateContent>
+        <p:sp>
+          <p:nvSpPr>
+            <p:cNvPr id="166" name="Freeform: Shape 165">
+              <a:extLst>
+                <a:ext uri="{FF2B5EF4-FFF2-40B4-BE49-F238E27FC236}">
+                  <a16:creationId xmlns:a16="http://schemas.microsoft.com/office/drawing/2014/main" id="{4F0E4540-EA9F-EB3D-C3BE-47219C8D961A}"/>
+                </a:ext>
+              </a:extLst>
+            </p:cNvPr>
+            <p:cNvSpPr/>
+            <p:nvPr/>
+          </p:nvSpPr>
+          <p:spPr>
+            <a:xfrm rot="5400000" flipV="1">
+              <a:off x="4256242" y="3237251"/>
+              <a:ext cx="228600" cy="144719"/>
+            </a:xfrm>
+            <a:custGeom>
+              <a:avLst/>
+              <a:gdLst>
+                <a:gd name="connsiteX0" fmla="*/ 0 w 228600"/>
+                <a:gd name="connsiteY0" fmla="*/ 16131 h 144719"/>
+                <a:gd name="connsiteX1" fmla="*/ 185737 w 228600"/>
+                <a:gd name="connsiteY1" fmla="*/ 11369 h 144719"/>
+                <a:gd name="connsiteX2" fmla="*/ 228600 w 228600"/>
+                <a:gd name="connsiteY2" fmla="*/ 144719 h 144719"/>
+              </a:gdLst>
+              <a:ahLst/>
+              <a:cxnLst>
+                <a:cxn ang="0">
+                  <a:pos x="connsiteX0" y="connsiteY0"/>
+                </a:cxn>
+                <a:cxn ang="0">
+                  <a:pos x="connsiteX1" y="connsiteY1"/>
+                </a:cxn>
+                <a:cxn ang="0">
+                  <a:pos x="connsiteX2" y="connsiteY2"/>
+                </a:cxn>
+              </a:cxnLst>
+              <a:rect l="l" t="t" r="r" b="b"/>
+              <a:pathLst>
+                <a:path w="228600" h="144719">
+                  <a:moveTo>
+                    <a:pt x="0" y="16131"/>
+                  </a:moveTo>
+                  <a:cubicBezTo>
+                    <a:pt x="73818" y="3034"/>
+                    <a:pt x="147637" y="-10062"/>
+                    <a:pt x="185737" y="11369"/>
+                  </a:cubicBezTo>
+                  <a:cubicBezTo>
+                    <a:pt x="223837" y="32800"/>
+                    <a:pt x="189706" y="104238"/>
+                    <a:pt x="228600" y="144719"/>
+                  </a:cubicBezTo>
+                </a:path>
+              </a:pathLst>
+            </a:custGeom>
+            <a:noFill/>
+            <a:ln>
+              <a:headEnd type="none" w="med" len="med"/>
+              <a:tailEnd type="triangle" w="med" len="med"/>
+            </a:ln>
+          </p:spPr>
+          <p:style>
+            <a:lnRef idx="2">
+              <a:schemeClr val="accent1">
+                <a:shade val="50000"/>
+              </a:schemeClr>
+            </a:lnRef>
+            <a:fillRef idx="1">
+              <a:schemeClr val="accent1"/>
+            </a:fillRef>
+            <a:effectRef idx="0">
+              <a:schemeClr val="accent1"/>
+            </a:effectRef>
+            <a:fontRef idx="minor">
+              <a:schemeClr val="lt1"/>
+            </a:fontRef>
+          </p:style>
+          <p:txBody>
+            <a:bodyPr rtlCol="0" anchor="ctr"/>
+            <a:lstStyle/>
+            <a:p>
+              <a:pPr algn="ctr"/>
+              <a:endParaRPr lang="en-US"/>
+            </a:p>
+          </p:txBody>
+        </p:sp>
+        <p:cxnSp>
+          <p:nvCxnSpPr>
+            <p:cNvPr id="167" name="Straight Connector 166">
+              <a:extLst>
+                <a:ext uri="{FF2B5EF4-FFF2-40B4-BE49-F238E27FC236}">
+                  <a16:creationId xmlns:a16="http://schemas.microsoft.com/office/drawing/2014/main" id="{6CAF65F7-D974-9825-E5F6-E70D688B4DB8}"/>
+                </a:ext>
+              </a:extLst>
+            </p:cNvPr>
+            <p:cNvCxnSpPr>
+              <a:cxnSpLocks/>
+            </p:cNvCxnSpPr>
+            <p:nvPr/>
+          </p:nvCxnSpPr>
+          <p:spPr>
+            <a:xfrm>
+              <a:off x="2419350" y="2371450"/>
+              <a:ext cx="3676650" cy="0"/>
+            </a:xfrm>
+            <a:prstGeom prst="line">
+              <a:avLst/>
+            </a:prstGeom>
+            <a:ln w="9525">
+              <a:solidFill>
+                <a:schemeClr val="bg2">
+                  <a:lumMod val="90000"/>
+                </a:schemeClr>
+              </a:solidFill>
+              <a:prstDash val="solid"/>
+            </a:ln>
+          </p:spPr>
+          <p:style>
+            <a:lnRef idx="1">
+              <a:schemeClr val="dk1"/>
+            </a:lnRef>
+            <a:fillRef idx="0">
+              <a:schemeClr val="dk1"/>
+            </a:fillRef>
+            <a:effectRef idx="0">
+              <a:schemeClr val="dk1"/>
+            </a:effectRef>
+            <a:fontRef idx="minor">
+              <a:schemeClr val="tx1"/>
+            </a:fontRef>
+          </p:style>
+        </p:cxnSp>
+        <p:cxnSp>
+          <p:nvCxnSpPr>
+            <p:cNvPr id="168" name="Straight Arrow Connector 167">
+              <a:extLst>
+                <a:ext uri="{FF2B5EF4-FFF2-40B4-BE49-F238E27FC236}">
+                  <a16:creationId xmlns:a16="http://schemas.microsoft.com/office/drawing/2014/main" id="{57CE90FA-2834-D2BD-DF1D-E91A3FA57A10}"/>
+                </a:ext>
+              </a:extLst>
+            </p:cNvPr>
+            <p:cNvCxnSpPr>
+              <a:cxnSpLocks/>
+            </p:cNvCxnSpPr>
+            <p:nvPr/>
+          </p:nvCxnSpPr>
+          <p:spPr>
+            <a:xfrm>
+              <a:off x="2578100" y="2371450"/>
+              <a:ext cx="0" cy="1835150"/>
+            </a:xfrm>
+            <a:prstGeom prst="straightConnector1">
+              <a:avLst/>
+            </a:prstGeom>
+            <a:ln w="12700">
+              <a:solidFill>
+                <a:schemeClr val="bg2">
+                  <a:lumMod val="90000"/>
+                </a:schemeClr>
+              </a:solidFill>
+              <a:headEnd type="triangle" w="sm" len="med"/>
+              <a:tailEnd type="triangle" w="sm" len="med"/>
+            </a:ln>
+          </p:spPr>
+          <p:style>
+            <a:lnRef idx="1">
+              <a:schemeClr val="accent1"/>
+            </a:lnRef>
+            <a:fillRef idx="0">
+              <a:schemeClr val="accent1"/>
+            </a:fillRef>
+            <a:effectRef idx="0">
+              <a:schemeClr val="accent1"/>
+            </a:effectRef>
+            <a:fontRef idx="minor">
+              <a:schemeClr val="tx1"/>
+            </a:fontRef>
+          </p:style>
+        </p:cxnSp>
+        <mc:AlternateContent xmlns:mc="http://schemas.openxmlformats.org/markup-compatibility/2006" xmlns:a14="http://schemas.microsoft.com/office/drawing/2010/main">
+          <mc:Choice Requires="a14">
+            <p:sp>
+              <p:nvSpPr>
+                <p:cNvPr id="169" name="TextBox 168">
+                  <a:extLst>
+                    <a:ext uri="{FF2B5EF4-FFF2-40B4-BE49-F238E27FC236}">
+                      <a16:creationId xmlns:a16="http://schemas.microsoft.com/office/drawing/2014/main" id="{90D6678B-585B-5393-34A1-099A12A7B133}"/>
+                    </a:ext>
+                  </a:extLst>
+                </p:cNvPr>
+                <p:cNvSpPr txBox="1"/>
+                <p:nvPr/>
+              </p:nvSpPr>
+              <p:spPr>
+                <a:xfrm>
+                  <a:off x="1872602" y="2930819"/>
+                  <a:ext cx="756918" cy="276999"/>
+                </a:xfrm>
+                <a:prstGeom prst="rect">
+                  <a:avLst/>
+                </a:prstGeom>
+                <a:noFill/>
+              </p:spPr>
+              <p:txBody>
+                <a:bodyPr wrap="square" rtlCol="0">
+                  <a:spAutoFit/>
+                </a:bodyPr>
+                <a:lstStyle/>
+                <a:p>
+                  <a:pPr/>
+                  <a14:m>
+                    <m:oMathPara xmlns:m="http://schemas.openxmlformats.org/officeDocument/2006/math">
+                      <m:oMathParaPr>
+                        <m:jc m:val="centerGroup"/>
+                      </m:oMathParaPr>
+                      <m:oMath xmlns:m="http://schemas.openxmlformats.org/officeDocument/2006/math">
+                        <m:sSup>
+                          <m:sSupPr>
+                            <m:ctrlPr>
+                              <a:rPr lang="en-US" sz="1200" b="0" i="1" smtClean="0">
+                                <a:solidFill>
+                                  <a:schemeClr val="tx1"/>
+                                </a:solidFill>
+                                <a:latin typeface="Cambria Math" panose="02040503050406030204" pitchFamily="18" charset="0"/>
+                              </a:rPr>
+                            </m:ctrlPr>
+                          </m:sSupPr>
+                          <m:e>
+                            <m:r>
+                              <a:rPr lang="en-US" sz="1200" b="0" i="1" smtClean="0">
+                                <a:solidFill>
+                                  <a:schemeClr val="tx1"/>
+                                </a:solidFill>
+                                <a:latin typeface="Cambria Math" panose="02040503050406030204" pitchFamily="18" charset="0"/>
+                              </a:rPr>
+                              <m:t>11</m:t>
+                            </m:r>
+                          </m:e>
+                          <m:sup>
+                            <m:r>
+                              <a:rPr lang="en-US" sz="1200" b="0" i="1" smtClean="0">
+                                <a:solidFill>
+                                  <a:schemeClr val="tx1"/>
+                                </a:solidFill>
+                                <a:latin typeface="Cambria Math" panose="02040503050406030204" pitchFamily="18" charset="0"/>
+                              </a:rPr>
+                              <m:t>′</m:t>
+                            </m:r>
+                          </m:sup>
+                        </m:sSup>
+                        <m:r>
+                          <a:rPr lang="en-US" sz="1200" b="0" i="1" smtClean="0">
+                            <a:solidFill>
+                              <a:schemeClr val="tx1"/>
+                            </a:solidFill>
+                            <a:latin typeface="Cambria Math" panose="02040503050406030204" pitchFamily="18" charset="0"/>
+                          </a:rPr>
+                          <m:t>−3"</m:t>
+                        </m:r>
+                      </m:oMath>
+                    </m:oMathPara>
+                  </a14:m>
+                  <a:endParaRPr lang="en-US" dirty="0"/>
+                </a:p>
+              </p:txBody>
+            </p:sp>
+          </mc:Choice>
+          <mc:Fallback xmlns="">
+            <p:sp>
+              <p:nvSpPr>
+                <p:cNvPr id="169" name="TextBox 168">
+                  <a:extLst>
+                    <a:ext uri="{FF2B5EF4-FFF2-40B4-BE49-F238E27FC236}">
+                      <a16:creationId xmlns:a16="http://schemas.microsoft.com/office/drawing/2014/main" id="{90D6678B-585B-5393-34A1-099A12A7B133}"/>
+                    </a:ext>
+                  </a:extLst>
+                </p:cNvPr>
+                <p:cNvSpPr txBox="1">
+                  <a:spLocks noRot="1" noChangeAspect="1" noMove="1" noResize="1" noEditPoints="1" noAdjustHandles="1" noChangeArrowheads="1" noChangeShapeType="1" noTextEdit="1"/>
+                </p:cNvSpPr>
+                <p:nvPr/>
+              </p:nvSpPr>
+              <p:spPr>
+                <a:xfrm>
+                  <a:off x="1872602" y="2930819"/>
+                  <a:ext cx="756918" cy="276999"/>
+                </a:xfrm>
+                <a:prstGeom prst="rect">
+                  <a:avLst/>
+                </a:prstGeom>
+                <a:blipFill>
+                  <a:blip r:embed="rId13"/>
+                  <a:stretch>
+                    <a:fillRect/>
+                  </a:stretch>
+                </a:blipFill>
+              </p:spPr>
+              <p:txBody>
+                <a:bodyPr/>
+                <a:lstStyle/>
+                <a:p>
+                  <a:r>
+                    <a:rPr lang="en-US">
+                      <a:noFill/>
+                    </a:rPr>
+                    <a:t> </a:t>
+                  </a:r>
+                </a:p>
+              </p:txBody>
+            </p:sp>
+          </mc:Fallback>
+        </mc:AlternateContent>
+        <p:sp>
+          <p:nvSpPr>
+            <p:cNvPr id="170" name="Right Triangle 169">
+              <a:extLst>
+                <a:ext uri="{FF2B5EF4-FFF2-40B4-BE49-F238E27FC236}">
+                  <a16:creationId xmlns:a16="http://schemas.microsoft.com/office/drawing/2014/main" id="{CA5844CB-6E4A-675B-8C7C-8C812FAF04ED}"/>
+                </a:ext>
+              </a:extLst>
+            </p:cNvPr>
+            <p:cNvSpPr/>
+            <p:nvPr/>
+          </p:nvSpPr>
+          <p:spPr>
+            <a:xfrm>
+              <a:off x="2764631" y="3471855"/>
+              <a:ext cx="3238499" cy="292902"/>
+            </a:xfrm>
+            <a:prstGeom prst="rtTriangle">
+              <a:avLst/>
+            </a:prstGeom>
+            <a:noFill/>
+            <a:ln>
+              <a:solidFill>
+                <a:srgbClr val="C00000"/>
+              </a:solidFill>
+            </a:ln>
+          </p:spPr>
+          <p:style>
+            <a:lnRef idx="2">
+              <a:schemeClr val="accent1">
+                <a:shade val="50000"/>
+              </a:schemeClr>
+            </a:lnRef>
+            <a:fillRef idx="1">
+              <a:schemeClr val="accent1"/>
+            </a:fillRef>
+            <a:effectRef idx="0">
+              <a:schemeClr val="accent1"/>
+            </a:effectRef>
+            <a:fontRef idx="minor">
+              <a:schemeClr val="lt1"/>
+            </a:fontRef>
+          </p:style>
+          <p:txBody>
+            <a:bodyPr rtlCol="0" anchor="ctr"/>
+            <a:lstStyle/>
+            <a:p>
+              <a:pPr algn="ctr"/>
+              <a:endParaRPr lang="en-US"/>
+            </a:p>
+          </p:txBody>
+        </p:sp>
+        <p:grpSp>
+          <p:nvGrpSpPr>
+            <p:cNvPr id="171" name="Group 170">
+              <a:extLst>
+                <a:ext uri="{FF2B5EF4-FFF2-40B4-BE49-F238E27FC236}">
+                  <a16:creationId xmlns:a16="http://schemas.microsoft.com/office/drawing/2014/main" id="{92066429-CC31-D672-E73F-25C5E4C9706D}"/>
+                </a:ext>
+              </a:extLst>
+            </p:cNvPr>
+            <p:cNvGrpSpPr/>
+            <p:nvPr/>
+          </p:nvGrpSpPr>
+          <p:grpSpPr>
+            <a:xfrm rot="16200000">
+              <a:off x="4076795" y="3441123"/>
+              <a:ext cx="377075" cy="351718"/>
+              <a:chOff x="2081853" y="3167990"/>
+              <a:chExt cx="377075" cy="351718"/>
+            </a:xfrm>
+          </p:grpSpPr>
+          <p:sp>
+            <p:nvSpPr>
+              <p:cNvPr id="189" name="Arc 188">
+                <a:extLst>
+                  <a:ext uri="{FF2B5EF4-FFF2-40B4-BE49-F238E27FC236}">
+                    <a16:creationId xmlns:a16="http://schemas.microsoft.com/office/drawing/2014/main" id="{1FF9F6D9-BFBE-8A31-5956-FBB4B23A1E64}"/>
+                  </a:ext>
+                </a:extLst>
+              </p:cNvPr>
+              <p:cNvSpPr/>
+              <p:nvPr/>
+            </p:nvSpPr>
+            <p:spPr>
+              <a:xfrm rot="19800000">
+                <a:off x="2081853" y="3322915"/>
+                <a:ext cx="196793" cy="196793"/>
+              </a:xfrm>
+              <a:prstGeom prst="arc">
+                <a:avLst/>
+              </a:prstGeom>
+              <a:ln w="12700">
+                <a:solidFill>
+                  <a:srgbClr val="002060"/>
+                </a:solidFill>
+              </a:ln>
+            </p:spPr>
+            <p:style>
+              <a:lnRef idx="1">
+                <a:schemeClr val="accent1"/>
+              </a:lnRef>
+              <a:fillRef idx="0">
+                <a:schemeClr val="accent1"/>
+              </a:fillRef>
+              <a:effectRef idx="0">
+                <a:schemeClr val="accent1"/>
+              </a:effectRef>
+              <a:fontRef idx="minor">
+                <a:schemeClr val="tx1"/>
+              </a:fontRef>
+            </p:style>
+            <p:txBody>
+              <a:bodyPr rtlCol="0" anchor="ctr"/>
+              <a:lstStyle/>
+              <a:p>
+                <a:pPr algn="ctr"/>
+                <a:endParaRPr lang="en-US"/>
+              </a:p>
+            </p:txBody>
+          </p:sp>
+          <p:sp>
+            <p:nvSpPr>
+              <p:cNvPr id="190" name="Freeform: Shape 189">
+                <a:extLst>
+                  <a:ext uri="{FF2B5EF4-FFF2-40B4-BE49-F238E27FC236}">
+                    <a16:creationId xmlns:a16="http://schemas.microsoft.com/office/drawing/2014/main" id="{3E5C6343-0016-1D0B-97E6-190670C07FEC}"/>
+                  </a:ext>
+                </a:extLst>
+              </p:cNvPr>
+              <p:cNvSpPr/>
+              <p:nvPr/>
+            </p:nvSpPr>
+            <p:spPr>
+              <a:xfrm rot="10800000" flipV="1">
+                <a:off x="2230328" y="3167990"/>
+                <a:ext cx="228600" cy="144719"/>
+              </a:xfrm>
+              <a:custGeom>
+                <a:avLst/>
+                <a:gdLst>
+                  <a:gd name="connsiteX0" fmla="*/ 0 w 228600"/>
+                  <a:gd name="connsiteY0" fmla="*/ 16131 h 144719"/>
+                  <a:gd name="connsiteX1" fmla="*/ 185737 w 228600"/>
+                  <a:gd name="connsiteY1" fmla="*/ 11369 h 144719"/>
+                  <a:gd name="connsiteX2" fmla="*/ 228600 w 228600"/>
+                  <a:gd name="connsiteY2" fmla="*/ 144719 h 144719"/>
+                </a:gdLst>
+                <a:ahLst/>
+                <a:cxnLst>
+                  <a:cxn ang="0">
+                    <a:pos x="connsiteX0" y="connsiteY0"/>
+                  </a:cxn>
+                  <a:cxn ang="0">
+                    <a:pos x="connsiteX1" y="connsiteY1"/>
+                  </a:cxn>
+                  <a:cxn ang="0">
+                    <a:pos x="connsiteX2" y="connsiteY2"/>
+                  </a:cxn>
+                </a:cxnLst>
+                <a:rect l="l" t="t" r="r" b="b"/>
+                <a:pathLst>
+                  <a:path w="228600" h="144719">
+                    <a:moveTo>
+                      <a:pt x="0" y="16131"/>
+                    </a:moveTo>
+                    <a:cubicBezTo>
+                      <a:pt x="73818" y="3034"/>
+                      <a:pt x="147637" y="-10062"/>
+                      <a:pt x="185737" y="11369"/>
+                    </a:cubicBezTo>
+                    <a:cubicBezTo>
+                      <a:pt x="223837" y="32800"/>
+                      <a:pt x="189706" y="104238"/>
+                      <a:pt x="228600" y="144719"/>
+                    </a:cubicBezTo>
+                  </a:path>
+                </a:pathLst>
+              </a:custGeom>
+              <a:noFill/>
+              <a:ln>
+                <a:headEnd type="none" w="med" len="med"/>
+                <a:tailEnd type="triangle" w="med" len="med"/>
+              </a:ln>
+            </p:spPr>
+            <p:style>
+              <a:lnRef idx="2">
+                <a:schemeClr val="accent1">
+                  <a:shade val="50000"/>
+                </a:schemeClr>
+              </a:lnRef>
+              <a:fillRef idx="1">
+                <a:schemeClr val="accent1"/>
+              </a:fillRef>
+              <a:effectRef idx="0">
+                <a:schemeClr val="accent1"/>
+              </a:effectRef>
+              <a:fontRef idx="minor">
+                <a:schemeClr val="lt1"/>
+              </a:fontRef>
+            </p:style>
+            <p:txBody>
+              <a:bodyPr rtlCol="0" anchor="ctr"/>
+              <a:lstStyle/>
+              <a:p>
+                <a:pPr algn="ctr"/>
+                <a:endParaRPr lang="en-US"/>
+              </a:p>
+            </p:txBody>
+          </p:sp>
+        </p:grpSp>
+        <p:cxnSp>
+          <p:nvCxnSpPr>
+            <p:cNvPr id="172" name="Straight Arrow Connector 171">
+              <a:extLst>
+                <a:ext uri="{FF2B5EF4-FFF2-40B4-BE49-F238E27FC236}">
+                  <a16:creationId xmlns:a16="http://schemas.microsoft.com/office/drawing/2014/main" id="{1B842ACE-6A89-7080-0D4C-5B0387663FEC}"/>
+                </a:ext>
+              </a:extLst>
+            </p:cNvPr>
+            <p:cNvCxnSpPr>
+              <a:cxnSpLocks/>
+            </p:cNvCxnSpPr>
+            <p:nvPr/>
+          </p:nvCxnSpPr>
+          <p:spPr>
+            <a:xfrm>
+              <a:off x="2666601" y="3471855"/>
+              <a:ext cx="0" cy="292902"/>
+            </a:xfrm>
+            <a:prstGeom prst="straightConnector1">
+              <a:avLst/>
+            </a:prstGeom>
+            <a:ln w="12700">
+              <a:solidFill>
+                <a:srgbClr val="002060"/>
+              </a:solidFill>
+              <a:headEnd type="triangle" w="sm" len="med"/>
+              <a:tailEnd type="triangle" w="sm" len="med"/>
+            </a:ln>
+          </p:spPr>
+          <p:style>
+            <a:lnRef idx="1">
+              <a:schemeClr val="accent1"/>
+            </a:lnRef>
+            <a:fillRef idx="0">
+              <a:schemeClr val="accent1"/>
+            </a:fillRef>
+            <a:effectRef idx="0">
+              <a:schemeClr val="accent1"/>
+            </a:effectRef>
+            <a:fontRef idx="minor">
+              <a:schemeClr val="tx1"/>
+            </a:fontRef>
+          </p:style>
+        </p:cxnSp>
+        <p:cxnSp>
+          <p:nvCxnSpPr>
+            <p:cNvPr id="173" name="Straight Connector 172">
+              <a:extLst>
+                <a:ext uri="{FF2B5EF4-FFF2-40B4-BE49-F238E27FC236}">
+                  <a16:creationId xmlns:a16="http://schemas.microsoft.com/office/drawing/2014/main" id="{83DB4357-9361-AFB5-9054-78C6ECEF1005}"/>
+                </a:ext>
+              </a:extLst>
+            </p:cNvPr>
+            <p:cNvCxnSpPr>
+              <a:cxnSpLocks/>
+            </p:cNvCxnSpPr>
+            <p:nvPr/>
+          </p:nvCxnSpPr>
+          <p:spPr>
+            <a:xfrm>
+              <a:off x="2578100" y="3764757"/>
+              <a:ext cx="186531" cy="0"/>
+            </a:xfrm>
+            <a:prstGeom prst="line">
+              <a:avLst/>
+            </a:prstGeom>
+            <a:ln w="19050">
+              <a:prstDash val="dashDot"/>
+            </a:ln>
+          </p:spPr>
+          <p:style>
+            <a:lnRef idx="1">
+              <a:schemeClr val="dk1"/>
+            </a:lnRef>
+            <a:fillRef idx="0">
+              <a:schemeClr val="dk1"/>
+            </a:fillRef>
+            <a:effectRef idx="0">
+              <a:schemeClr val="dk1"/>
+            </a:effectRef>
+            <a:fontRef idx="minor">
+              <a:schemeClr val="tx1"/>
+            </a:fontRef>
+          </p:style>
+        </p:cxnSp>
+        <p:cxnSp>
+          <p:nvCxnSpPr>
+            <p:cNvPr id="174" name="Straight Connector 173">
+              <a:extLst>
+                <a:ext uri="{FF2B5EF4-FFF2-40B4-BE49-F238E27FC236}">
+                  <a16:creationId xmlns:a16="http://schemas.microsoft.com/office/drawing/2014/main" id="{BF1EC6A3-58B7-A36F-267E-E2B145C50CA4}"/>
+                </a:ext>
+              </a:extLst>
+            </p:cNvPr>
+            <p:cNvCxnSpPr>
+              <a:cxnSpLocks/>
+            </p:cNvCxnSpPr>
+            <p:nvPr/>
+          </p:nvCxnSpPr>
+          <p:spPr>
+            <a:xfrm>
+              <a:off x="2578100" y="3471855"/>
+              <a:ext cx="186531" cy="0"/>
+            </a:xfrm>
+            <a:prstGeom prst="line">
+              <a:avLst/>
+            </a:prstGeom>
+            <a:ln w="19050">
+              <a:prstDash val="dashDot"/>
+            </a:ln>
+          </p:spPr>
+          <p:style>
+            <a:lnRef idx="1">
+              <a:schemeClr val="dk1"/>
+            </a:lnRef>
+            <a:fillRef idx="0">
+              <a:schemeClr val="dk1"/>
+            </a:fillRef>
+            <a:effectRef idx="0">
+              <a:schemeClr val="dk1"/>
+            </a:effectRef>
+            <a:fontRef idx="minor">
+              <a:schemeClr val="tx1"/>
+            </a:fontRef>
+          </p:style>
+        </p:cxnSp>
+        <p:cxnSp>
+          <p:nvCxnSpPr>
+            <p:cNvPr id="175" name="Straight Connector 174">
+              <a:extLst>
+                <a:ext uri="{FF2B5EF4-FFF2-40B4-BE49-F238E27FC236}">
+                  <a16:creationId xmlns:a16="http://schemas.microsoft.com/office/drawing/2014/main" id="{3B12380F-45F4-3A4F-E447-3785991F529B}"/>
+                </a:ext>
+              </a:extLst>
+            </p:cNvPr>
+            <p:cNvCxnSpPr>
+              <a:cxnSpLocks/>
+            </p:cNvCxnSpPr>
+            <p:nvPr/>
+          </p:nvCxnSpPr>
+          <p:spPr>
+            <a:xfrm>
+              <a:off x="2764631" y="3791566"/>
+              <a:ext cx="0" cy="188082"/>
+            </a:xfrm>
+            <a:prstGeom prst="line">
+              <a:avLst/>
+            </a:prstGeom>
+            <a:ln w="19050">
+              <a:prstDash val="dashDot"/>
+            </a:ln>
+          </p:spPr>
+          <p:style>
+            <a:lnRef idx="1">
+              <a:schemeClr val="dk1"/>
+            </a:lnRef>
+            <a:fillRef idx="0">
+              <a:schemeClr val="dk1"/>
+            </a:fillRef>
+            <a:effectRef idx="0">
+              <a:schemeClr val="dk1"/>
+            </a:effectRef>
+            <a:fontRef idx="minor">
+              <a:schemeClr val="tx1"/>
+            </a:fontRef>
+          </p:style>
+        </p:cxnSp>
+        <p:cxnSp>
+          <p:nvCxnSpPr>
+            <p:cNvPr id="176" name="Straight Connector 175">
+              <a:extLst>
+                <a:ext uri="{FF2B5EF4-FFF2-40B4-BE49-F238E27FC236}">
+                  <a16:creationId xmlns:a16="http://schemas.microsoft.com/office/drawing/2014/main" id="{6E657F8E-3727-A765-2D10-84BA380F0776}"/>
+                </a:ext>
+              </a:extLst>
+            </p:cNvPr>
+            <p:cNvCxnSpPr>
+              <a:cxnSpLocks/>
+            </p:cNvCxnSpPr>
+            <p:nvPr/>
+          </p:nvCxnSpPr>
+          <p:spPr>
+            <a:xfrm>
+              <a:off x="6003130" y="3791566"/>
+              <a:ext cx="0" cy="188082"/>
+            </a:xfrm>
+            <a:prstGeom prst="line">
+              <a:avLst/>
+            </a:prstGeom>
+            <a:ln w="19050">
+              <a:prstDash val="dashDot"/>
+            </a:ln>
+          </p:spPr>
+          <p:style>
+            <a:lnRef idx="1">
+              <a:schemeClr val="dk1"/>
+            </a:lnRef>
+            <a:fillRef idx="0">
+              <a:schemeClr val="dk1"/>
+            </a:fillRef>
+            <a:effectRef idx="0">
+              <a:schemeClr val="dk1"/>
+            </a:effectRef>
+            <a:fontRef idx="minor">
+              <a:schemeClr val="tx1"/>
+            </a:fontRef>
+          </p:style>
+        </p:cxnSp>
+        <p:cxnSp>
+          <p:nvCxnSpPr>
+            <p:cNvPr id="177" name="Straight Arrow Connector 176">
+              <a:extLst>
+                <a:ext uri="{FF2B5EF4-FFF2-40B4-BE49-F238E27FC236}">
+                  <a16:creationId xmlns:a16="http://schemas.microsoft.com/office/drawing/2014/main" id="{89561655-99B2-3748-A160-4E25184E6E1B}"/>
+                </a:ext>
+              </a:extLst>
+            </p:cNvPr>
+            <p:cNvCxnSpPr>
+              <a:cxnSpLocks/>
+            </p:cNvCxnSpPr>
+            <p:nvPr/>
+          </p:nvCxnSpPr>
+          <p:spPr>
+            <a:xfrm flipH="1">
+              <a:off x="2764631" y="3852321"/>
+              <a:ext cx="3238499" cy="33286"/>
+            </a:xfrm>
+            <a:prstGeom prst="straightConnector1">
+              <a:avLst/>
+            </a:prstGeom>
+            <a:ln w="12700">
+              <a:solidFill>
+                <a:srgbClr val="002060"/>
+              </a:solidFill>
+              <a:headEnd type="triangle" w="sm" len="med"/>
+              <a:tailEnd type="triangle" w="sm" len="med"/>
+            </a:ln>
+          </p:spPr>
+          <p:style>
+            <a:lnRef idx="1">
+              <a:schemeClr val="accent1"/>
+            </a:lnRef>
+            <a:fillRef idx="0">
+              <a:schemeClr val="accent1"/>
+            </a:fillRef>
+            <a:effectRef idx="0">
+              <a:schemeClr val="accent1"/>
+            </a:effectRef>
+            <a:fontRef idx="minor">
+              <a:schemeClr val="tx1"/>
+            </a:fontRef>
+          </p:style>
+        </p:cxnSp>
+        <mc:AlternateContent xmlns:mc="http://schemas.openxmlformats.org/markup-compatibility/2006" xmlns:a14="http://schemas.microsoft.com/office/drawing/2010/main">
+          <mc:Choice Requires="a14">
+            <p:sp>
+              <p:nvSpPr>
+                <p:cNvPr id="178" name="TextBox 177">
+                  <a:extLst>
+                    <a:ext uri="{FF2B5EF4-FFF2-40B4-BE49-F238E27FC236}">
+                      <a16:creationId xmlns:a16="http://schemas.microsoft.com/office/drawing/2014/main" id="{08E5643B-A3BE-E7BA-5E96-66671EDBC539}"/>
+                    </a:ext>
+                  </a:extLst>
+                </p:cNvPr>
+                <p:cNvSpPr txBox="1"/>
+                <p:nvPr/>
+              </p:nvSpPr>
+              <p:spPr>
+                <a:xfrm>
+                  <a:off x="3837407" y="3861769"/>
+                  <a:ext cx="345529" cy="276999"/>
+                </a:xfrm>
+                <a:prstGeom prst="rect">
+                  <a:avLst/>
+                </a:prstGeom>
+                <a:noFill/>
+              </p:spPr>
+              <p:txBody>
+                <a:bodyPr wrap="square" rtlCol="0">
+                  <a:spAutoFit/>
+                </a:bodyPr>
+                <a:lstStyle/>
+                <a:p>
+                  <a:pPr/>
+                  <a14:m>
+                    <m:oMathPara xmlns:m="http://schemas.openxmlformats.org/officeDocument/2006/math">
+                      <m:oMathParaPr>
+                        <m:jc m:val="centerGroup"/>
+                      </m:oMathParaPr>
+                      <m:oMath xmlns:m="http://schemas.openxmlformats.org/officeDocument/2006/math">
+                        <m:sSub>
+                          <m:sSubPr>
+                            <m:ctrlPr>
+                              <a:rPr lang="en-US" sz="1200" b="0" i="1" smtClean="0">
+                                <a:solidFill>
+                                  <a:schemeClr val="accent1"/>
+                                </a:solidFill>
+                                <a:latin typeface="Cambria Math" panose="02040503050406030204" pitchFamily="18" charset="0"/>
+                              </a:rPr>
+                            </m:ctrlPr>
+                          </m:sSubPr>
+                          <m:e>
+                            <m:r>
+                              <a:rPr lang="en-US" sz="1200" b="0" i="1" smtClean="0">
+                                <a:solidFill>
+                                  <a:schemeClr val="accent1"/>
+                                </a:solidFill>
+                                <a:latin typeface="Cambria Math" panose="02040503050406030204" pitchFamily="18" charset="0"/>
+                              </a:rPr>
+                              <m:t>𝑦</m:t>
+                            </m:r>
+                          </m:e>
+                          <m:sub>
+                            <m:r>
+                              <a:rPr lang="en-US" sz="1200" b="0" i="1" smtClean="0">
+                                <a:solidFill>
+                                  <a:schemeClr val="accent1"/>
+                                </a:solidFill>
+                                <a:latin typeface="Cambria Math" panose="02040503050406030204" pitchFamily="18" charset="0"/>
+                              </a:rPr>
+                              <m:t>𝑤</m:t>
+                            </m:r>
+                            <m:r>
+                              <a:rPr lang="en-US" sz="1200" b="0" i="1" smtClean="0">
+                                <a:solidFill>
+                                  <a:schemeClr val="accent1"/>
+                                </a:solidFill>
+                                <a:latin typeface="Cambria Math" panose="02040503050406030204" pitchFamily="18" charset="0"/>
+                              </a:rPr>
+                              <m:t>1</m:t>
+                            </m:r>
+                          </m:sub>
+                        </m:sSub>
+                      </m:oMath>
+                    </m:oMathPara>
+                  </a14:m>
+                  <a:endParaRPr lang="en-US" dirty="0"/>
+                </a:p>
+              </p:txBody>
+            </p:sp>
+          </mc:Choice>
+          <mc:Fallback xmlns="">
+            <p:sp>
+              <p:nvSpPr>
+                <p:cNvPr id="178" name="TextBox 177">
+                  <a:extLst>
+                    <a:ext uri="{FF2B5EF4-FFF2-40B4-BE49-F238E27FC236}">
+                      <a16:creationId xmlns:a16="http://schemas.microsoft.com/office/drawing/2014/main" id="{08E5643B-A3BE-E7BA-5E96-66671EDBC539}"/>
+                    </a:ext>
+                  </a:extLst>
+                </p:cNvPr>
+                <p:cNvSpPr txBox="1">
+                  <a:spLocks noRot="1" noChangeAspect="1" noMove="1" noResize="1" noEditPoints="1" noAdjustHandles="1" noChangeArrowheads="1" noChangeShapeType="1" noTextEdit="1"/>
+                </p:cNvSpPr>
+                <p:nvPr/>
+              </p:nvSpPr>
+              <p:spPr>
+                <a:xfrm>
+                  <a:off x="3837407" y="3861769"/>
+                  <a:ext cx="345529" cy="276999"/>
+                </a:xfrm>
+                <a:prstGeom prst="rect">
+                  <a:avLst/>
+                </a:prstGeom>
+                <a:blipFill>
+                  <a:blip r:embed="rId14"/>
+                  <a:stretch>
+                    <a:fillRect r="-3509"/>
+                  </a:stretch>
+                </a:blipFill>
+              </p:spPr>
+              <p:txBody>
+                <a:bodyPr/>
+                <a:lstStyle/>
+                <a:p>
+                  <a:r>
+                    <a:rPr lang="en-US">
+                      <a:noFill/>
+                    </a:rPr>
+                    <a:t> </a:t>
+                  </a:r>
+                </a:p>
+              </p:txBody>
+            </p:sp>
+          </mc:Fallback>
+        </mc:AlternateContent>
+        <mc:AlternateContent xmlns:mc="http://schemas.openxmlformats.org/markup-compatibility/2006" xmlns:a14="http://schemas.microsoft.com/office/drawing/2010/main">
+          <mc:Choice Requires="a14">
+            <p:sp>
+              <p:nvSpPr>
+                <p:cNvPr id="179" name="TextBox 178">
+                  <a:extLst>
+                    <a:ext uri="{FF2B5EF4-FFF2-40B4-BE49-F238E27FC236}">
+                      <a16:creationId xmlns:a16="http://schemas.microsoft.com/office/drawing/2014/main" id="{ACFE2B78-7C69-E28B-94F0-2886D2644BCA}"/>
+                    </a:ext>
+                  </a:extLst>
+                </p:cNvPr>
+                <p:cNvSpPr txBox="1"/>
+                <p:nvPr/>
+              </p:nvSpPr>
+              <p:spPr>
+                <a:xfrm>
+                  <a:off x="2224270" y="3434770"/>
+                  <a:ext cx="345529" cy="276999"/>
+                </a:xfrm>
+                <a:prstGeom prst="rect">
+                  <a:avLst/>
+                </a:prstGeom>
+                <a:noFill/>
+              </p:spPr>
+              <p:txBody>
+                <a:bodyPr wrap="square" rtlCol="0">
+                  <a:spAutoFit/>
+                </a:bodyPr>
+                <a:lstStyle/>
+                <a:p>
+                  <a:pPr/>
+                  <a14:m>
+                    <m:oMathPara xmlns:m="http://schemas.openxmlformats.org/officeDocument/2006/math">
+                      <m:oMathParaPr>
+                        <m:jc m:val="centerGroup"/>
+                      </m:oMathParaPr>
+                      <m:oMath xmlns:m="http://schemas.openxmlformats.org/officeDocument/2006/math">
+                        <m:sSub>
+                          <m:sSubPr>
+                            <m:ctrlPr>
+                              <a:rPr lang="en-US" sz="1200" b="0" i="1" smtClean="0">
+                                <a:solidFill>
+                                  <a:schemeClr val="accent1"/>
+                                </a:solidFill>
+                                <a:latin typeface="Cambria Math" panose="02040503050406030204" pitchFamily="18" charset="0"/>
+                              </a:rPr>
+                            </m:ctrlPr>
+                          </m:sSubPr>
+                          <m:e>
+                            <m:r>
+                              <a:rPr lang="en-US" sz="1200" b="0" i="1" smtClean="0">
+                                <a:solidFill>
+                                  <a:schemeClr val="accent1"/>
+                                </a:solidFill>
+                                <a:latin typeface="Cambria Math" panose="02040503050406030204" pitchFamily="18" charset="0"/>
+                              </a:rPr>
+                              <m:t>𝑧</m:t>
+                            </m:r>
+                          </m:e>
+                          <m:sub>
+                            <m:r>
+                              <a:rPr lang="en-US" sz="1200" b="0" i="1" smtClean="0">
+                                <a:solidFill>
+                                  <a:schemeClr val="accent1"/>
+                                </a:solidFill>
+                                <a:latin typeface="Cambria Math" panose="02040503050406030204" pitchFamily="18" charset="0"/>
+                              </a:rPr>
+                              <m:t>𝑤</m:t>
+                            </m:r>
+                            <m:r>
+                              <a:rPr lang="en-US" sz="1200" b="0" i="1" smtClean="0">
+                                <a:solidFill>
+                                  <a:schemeClr val="accent1"/>
+                                </a:solidFill>
+                                <a:latin typeface="Cambria Math" panose="02040503050406030204" pitchFamily="18" charset="0"/>
+                              </a:rPr>
+                              <m:t>1</m:t>
+                            </m:r>
+                          </m:sub>
+                        </m:sSub>
+                      </m:oMath>
+                    </m:oMathPara>
+                  </a14:m>
+                  <a:endParaRPr lang="en-US" dirty="0"/>
+                </a:p>
+              </p:txBody>
+            </p:sp>
+          </mc:Choice>
+          <mc:Fallback xmlns="">
+            <p:sp>
+              <p:nvSpPr>
+                <p:cNvPr id="179" name="TextBox 178">
+                  <a:extLst>
+                    <a:ext uri="{FF2B5EF4-FFF2-40B4-BE49-F238E27FC236}">
+                      <a16:creationId xmlns:a16="http://schemas.microsoft.com/office/drawing/2014/main" id="{ACFE2B78-7C69-E28B-94F0-2886D2644BCA}"/>
+                    </a:ext>
+                  </a:extLst>
+                </p:cNvPr>
+                <p:cNvSpPr txBox="1">
+                  <a:spLocks noRot="1" noChangeAspect="1" noMove="1" noResize="1" noEditPoints="1" noAdjustHandles="1" noChangeArrowheads="1" noChangeShapeType="1" noTextEdit="1"/>
+                </p:cNvSpPr>
+                <p:nvPr/>
+              </p:nvSpPr>
+              <p:spPr>
+                <a:xfrm>
+                  <a:off x="2224270" y="3434770"/>
+                  <a:ext cx="345529" cy="276999"/>
+                </a:xfrm>
+                <a:prstGeom prst="rect">
+                  <a:avLst/>
+                </a:prstGeom>
+                <a:blipFill>
+                  <a:blip r:embed="rId15"/>
+                  <a:stretch>
+                    <a:fillRect r="-1786"/>
+                  </a:stretch>
+                </a:blipFill>
+              </p:spPr>
+              <p:txBody>
+                <a:bodyPr/>
+                <a:lstStyle/>
+                <a:p>
+                  <a:r>
+                    <a:rPr lang="en-US">
+                      <a:noFill/>
+                    </a:rPr>
+                    <a:t> </a:t>
+                  </a:r>
+                </a:p>
+              </p:txBody>
+            </p:sp>
+          </mc:Fallback>
+        </mc:AlternateContent>
+        <p:cxnSp>
+          <p:nvCxnSpPr>
+            <p:cNvPr id="180" name="Straight Connector 179">
+              <a:extLst>
+                <a:ext uri="{FF2B5EF4-FFF2-40B4-BE49-F238E27FC236}">
+                  <a16:creationId xmlns:a16="http://schemas.microsoft.com/office/drawing/2014/main" id="{161CEEBF-2E6C-0BCC-752E-8EEC209EA814}"/>
+                </a:ext>
+              </a:extLst>
+            </p:cNvPr>
+            <p:cNvCxnSpPr>
+              <a:cxnSpLocks/>
+            </p:cNvCxnSpPr>
+            <p:nvPr/>
+          </p:nvCxnSpPr>
+          <p:spPr>
+            <a:xfrm>
+              <a:off x="2569799" y="2049780"/>
+              <a:ext cx="0" cy="321670"/>
+            </a:xfrm>
+            <a:prstGeom prst="line">
+              <a:avLst/>
+            </a:prstGeom>
+            <a:ln w="19050">
+              <a:solidFill>
+                <a:schemeClr val="bg2">
+                  <a:lumMod val="90000"/>
+                </a:schemeClr>
+              </a:solidFill>
+              <a:prstDash val="solid"/>
+            </a:ln>
+          </p:spPr>
+          <p:style>
+            <a:lnRef idx="1">
+              <a:schemeClr val="dk1"/>
+            </a:lnRef>
+            <a:fillRef idx="0">
+              <a:schemeClr val="dk1"/>
+            </a:fillRef>
+            <a:effectRef idx="0">
+              <a:schemeClr val="dk1"/>
+            </a:effectRef>
+            <a:fontRef idx="minor">
+              <a:schemeClr val="tx1"/>
+            </a:fontRef>
+          </p:style>
+        </p:cxnSp>
+        <p:cxnSp>
+          <p:nvCxnSpPr>
+            <p:cNvPr id="181" name="Straight Connector 180">
+              <a:extLst>
+                <a:ext uri="{FF2B5EF4-FFF2-40B4-BE49-F238E27FC236}">
+                  <a16:creationId xmlns:a16="http://schemas.microsoft.com/office/drawing/2014/main" id="{9295EB8E-0A41-2137-EDC6-60C764A824FE}"/>
+                </a:ext>
+              </a:extLst>
+            </p:cNvPr>
+            <p:cNvCxnSpPr>
+              <a:cxnSpLocks/>
+            </p:cNvCxnSpPr>
+            <p:nvPr/>
+          </p:nvCxnSpPr>
+          <p:spPr>
+            <a:xfrm>
+              <a:off x="6122035" y="2049780"/>
+              <a:ext cx="0" cy="321670"/>
+            </a:xfrm>
+            <a:prstGeom prst="line">
+              <a:avLst/>
+            </a:prstGeom>
+            <a:ln w="19050">
+              <a:solidFill>
+                <a:schemeClr val="bg2">
+                  <a:lumMod val="90000"/>
+                </a:schemeClr>
+              </a:solidFill>
+              <a:prstDash val="solid"/>
+            </a:ln>
+          </p:spPr>
+          <p:style>
+            <a:lnRef idx="1">
+              <a:schemeClr val="dk1"/>
+            </a:lnRef>
+            <a:fillRef idx="0">
+              <a:schemeClr val="dk1"/>
+            </a:fillRef>
+            <a:effectRef idx="0">
+              <a:schemeClr val="dk1"/>
+            </a:effectRef>
+            <a:fontRef idx="minor">
+              <a:schemeClr val="tx1"/>
+            </a:fontRef>
+          </p:style>
+        </p:cxnSp>
+        <p:cxnSp>
+          <p:nvCxnSpPr>
+            <p:cNvPr id="182" name="Straight Arrow Connector 181">
+              <a:extLst>
+                <a:ext uri="{FF2B5EF4-FFF2-40B4-BE49-F238E27FC236}">
+                  <a16:creationId xmlns:a16="http://schemas.microsoft.com/office/drawing/2014/main" id="{407AD473-B0A4-06E5-94B3-212370EE7AD1}"/>
+                </a:ext>
+              </a:extLst>
+            </p:cNvPr>
+            <p:cNvCxnSpPr>
+              <a:cxnSpLocks/>
+              <a:stCxn id="160" idx="0"/>
+            </p:cNvCxnSpPr>
+            <p:nvPr/>
+          </p:nvCxnSpPr>
+          <p:spPr>
+            <a:xfrm flipH="1">
+              <a:off x="2629520" y="2251710"/>
+              <a:ext cx="3466480" cy="0"/>
+            </a:xfrm>
+            <a:prstGeom prst="straightConnector1">
+              <a:avLst/>
+            </a:prstGeom>
+            <a:ln w="12700">
+              <a:solidFill>
+                <a:schemeClr val="bg2">
+                  <a:lumMod val="90000"/>
+                </a:schemeClr>
+              </a:solidFill>
+              <a:headEnd type="none" w="med" len="med"/>
+              <a:tailEnd type="triangle" w="med" len="med"/>
+            </a:ln>
+          </p:spPr>
+          <p:style>
+            <a:lnRef idx="1">
+              <a:schemeClr val="accent1"/>
+            </a:lnRef>
+            <a:fillRef idx="0">
+              <a:schemeClr val="accent1"/>
+            </a:fillRef>
+            <a:effectRef idx="0">
+              <a:schemeClr val="accent1"/>
+            </a:effectRef>
+            <a:fontRef idx="minor">
+              <a:schemeClr val="tx1"/>
+            </a:fontRef>
+          </p:style>
+        </p:cxnSp>
+        <mc:AlternateContent xmlns:mc="http://schemas.openxmlformats.org/markup-compatibility/2006" xmlns:a14="http://schemas.microsoft.com/office/drawing/2010/main">
+          <mc:Choice Requires="a14">
+            <p:sp>
+              <p:nvSpPr>
+                <p:cNvPr id="183" name="TextBox 182">
+                  <a:extLst>
+                    <a:ext uri="{FF2B5EF4-FFF2-40B4-BE49-F238E27FC236}">
+                      <a16:creationId xmlns:a16="http://schemas.microsoft.com/office/drawing/2014/main" id="{C8BD3E1E-2F79-1BA0-B842-7671128EB826}"/>
+                    </a:ext>
+                  </a:extLst>
+                </p:cNvPr>
+                <p:cNvSpPr txBox="1"/>
+                <p:nvPr/>
+              </p:nvSpPr>
+              <p:spPr>
+                <a:xfrm>
+                  <a:off x="4276470" y="1960357"/>
+                  <a:ext cx="920476" cy="276999"/>
+                </a:xfrm>
+                <a:prstGeom prst="rect">
+                  <a:avLst/>
+                </a:prstGeom>
+                <a:noFill/>
+              </p:spPr>
+              <p:txBody>
+                <a:bodyPr wrap="square" rtlCol="0">
+                  <a:spAutoFit/>
+                </a:bodyPr>
+                <a:lstStyle/>
+                <a:p>
+                  <a:pPr/>
+                  <a14:m>
+                    <m:oMathPara xmlns:m="http://schemas.openxmlformats.org/officeDocument/2006/math">
+                      <m:oMathParaPr>
+                        <m:jc m:val="centerGroup"/>
+                      </m:oMathParaPr>
+                      <m:oMath xmlns:m="http://schemas.openxmlformats.org/officeDocument/2006/math">
+                        <m:sSup>
+                          <m:sSupPr>
+                            <m:ctrlPr>
+                              <a:rPr lang="en-US" sz="1200" i="1" smtClean="0">
+                                <a:solidFill>
+                                  <a:schemeClr val="tx1"/>
+                                </a:solidFill>
+                                <a:latin typeface="Cambria Math" panose="02040503050406030204" pitchFamily="18" charset="0"/>
+                              </a:rPr>
+                            </m:ctrlPr>
+                          </m:sSupPr>
+                          <m:e>
+                            <m:r>
+                              <a:rPr lang="en-US" sz="1200" b="0" i="1" smtClean="0">
+                                <a:solidFill>
+                                  <a:schemeClr val="tx1"/>
+                                </a:solidFill>
+                                <a:latin typeface="Cambria Math" panose="02040503050406030204" pitchFamily="18" charset="0"/>
+                              </a:rPr>
+                              <m:t>29</m:t>
+                            </m:r>
+                          </m:e>
+                          <m:sup>
+                            <m:r>
+                              <a:rPr lang="en-US" sz="1200" b="0" i="1" smtClean="0">
+                                <a:solidFill>
+                                  <a:schemeClr val="tx1"/>
+                                </a:solidFill>
+                                <a:latin typeface="Cambria Math" panose="02040503050406030204" pitchFamily="18" charset="0"/>
+                              </a:rPr>
+                              <m:t>′</m:t>
+                            </m:r>
+                          </m:sup>
+                        </m:sSup>
+                        <m:r>
+                          <a:rPr lang="en-US" sz="1200" b="0" i="1" smtClean="0">
+                            <a:solidFill>
+                              <a:schemeClr val="tx1"/>
+                            </a:solidFill>
+                            <a:latin typeface="Cambria Math" panose="02040503050406030204" pitchFamily="18" charset="0"/>
+                          </a:rPr>
+                          <m:t>−7" </m:t>
+                        </m:r>
+                      </m:oMath>
+                    </m:oMathPara>
+                  </a14:m>
+                  <a:endParaRPr lang="en-US" dirty="0"/>
+                </a:p>
+              </p:txBody>
+            </p:sp>
+          </mc:Choice>
+          <mc:Fallback xmlns="">
+            <p:sp>
+              <p:nvSpPr>
+                <p:cNvPr id="183" name="TextBox 182">
+                  <a:extLst>
+                    <a:ext uri="{FF2B5EF4-FFF2-40B4-BE49-F238E27FC236}">
+                      <a16:creationId xmlns:a16="http://schemas.microsoft.com/office/drawing/2014/main" id="{C8BD3E1E-2F79-1BA0-B842-7671128EB826}"/>
+                    </a:ext>
+                  </a:extLst>
+                </p:cNvPr>
+                <p:cNvSpPr txBox="1">
+                  <a:spLocks noRot="1" noChangeAspect="1" noMove="1" noResize="1" noEditPoints="1" noAdjustHandles="1" noChangeArrowheads="1" noChangeShapeType="1" noTextEdit="1"/>
+                </p:cNvSpPr>
+                <p:nvPr/>
+              </p:nvSpPr>
+              <p:spPr>
+                <a:xfrm>
+                  <a:off x="4276470" y="1960357"/>
+                  <a:ext cx="920476" cy="276999"/>
+                </a:xfrm>
+                <a:prstGeom prst="rect">
+                  <a:avLst/>
+                </a:prstGeom>
+                <a:blipFill>
+                  <a:blip r:embed="rId16"/>
+                  <a:stretch>
+                    <a:fillRect/>
+                  </a:stretch>
+                </a:blipFill>
+              </p:spPr>
+              <p:txBody>
+                <a:bodyPr/>
+                <a:lstStyle/>
+                <a:p>
+                  <a:r>
+                    <a:rPr lang="en-US">
+                      <a:noFill/>
+                    </a:rPr>
+                    <a:t> </a:t>
+                  </a:r>
+                </a:p>
+              </p:txBody>
+            </p:sp>
+          </mc:Fallback>
+        </mc:AlternateContent>
+        <p:cxnSp>
+          <p:nvCxnSpPr>
+            <p:cNvPr id="184" name="Straight Connector 183">
+              <a:extLst>
+                <a:ext uri="{FF2B5EF4-FFF2-40B4-BE49-F238E27FC236}">
+                  <a16:creationId xmlns:a16="http://schemas.microsoft.com/office/drawing/2014/main" id="{B3A14221-FF98-78EC-47C3-418FC0CABD4A}"/>
+                </a:ext>
+              </a:extLst>
+            </p:cNvPr>
+            <p:cNvCxnSpPr>
+              <a:cxnSpLocks/>
+            </p:cNvCxnSpPr>
+            <p:nvPr/>
+          </p:nvCxnSpPr>
+          <p:spPr>
+            <a:xfrm flipV="1">
+              <a:off x="6122035" y="2050240"/>
+              <a:ext cx="0" cy="2346960"/>
+            </a:xfrm>
+            <a:prstGeom prst="line">
+              <a:avLst/>
+            </a:prstGeom>
+            <a:ln w="28575">
+              <a:solidFill>
+                <a:schemeClr val="tx1"/>
+              </a:solidFill>
+              <a:prstDash val="lgDashDot"/>
+            </a:ln>
+          </p:spPr>
+          <p:style>
+            <a:lnRef idx="1">
+              <a:schemeClr val="dk1"/>
+            </a:lnRef>
+            <a:fillRef idx="0">
+              <a:schemeClr val="dk1"/>
+            </a:fillRef>
+            <a:effectRef idx="0">
+              <a:schemeClr val="dk1"/>
+            </a:effectRef>
+            <a:fontRef idx="minor">
+              <a:schemeClr val="tx1"/>
+            </a:fontRef>
+          </p:style>
+        </p:cxnSp>
+        <p:sp>
+          <p:nvSpPr>
+            <p:cNvPr id="185" name="Freeform: Shape 184">
+              <a:extLst>
+                <a:ext uri="{FF2B5EF4-FFF2-40B4-BE49-F238E27FC236}">
+                  <a16:creationId xmlns:a16="http://schemas.microsoft.com/office/drawing/2014/main" id="{25F3BD6C-8185-D70F-3752-D9EE990CA05A}"/>
+                </a:ext>
+              </a:extLst>
+            </p:cNvPr>
+            <p:cNvSpPr/>
+            <p:nvPr/>
+          </p:nvSpPr>
+          <p:spPr>
+            <a:xfrm>
+              <a:off x="5054600" y="2006600"/>
+              <a:ext cx="5022850" cy="2660650"/>
+            </a:xfrm>
+            <a:custGeom>
+              <a:avLst/>
+              <a:gdLst>
+                <a:gd name="connsiteX0" fmla="*/ 0 w 3898900"/>
+                <a:gd name="connsiteY0" fmla="*/ 0 h 2660650"/>
+                <a:gd name="connsiteX1" fmla="*/ 0 w 3898900"/>
+                <a:gd name="connsiteY1" fmla="*/ 2343150 h 2660650"/>
+                <a:gd name="connsiteX2" fmla="*/ 165100 w 3898900"/>
+                <a:gd name="connsiteY2" fmla="*/ 2343150 h 2660650"/>
+                <a:gd name="connsiteX3" fmla="*/ 165100 w 3898900"/>
+                <a:gd name="connsiteY3" fmla="*/ 2660650 h 2660650"/>
+                <a:gd name="connsiteX4" fmla="*/ 3898900 w 3898900"/>
+                <a:gd name="connsiteY4" fmla="*/ 2660650 h 2660650"/>
+                <a:gd name="connsiteX5" fmla="*/ 3898900 w 3898900"/>
+                <a:gd name="connsiteY5" fmla="*/ 82550 h 2660650"/>
+                <a:gd name="connsiteX6" fmla="*/ 0 w 3898900"/>
+                <a:gd name="connsiteY6" fmla="*/ 0 h 2660650"/>
+                <a:gd name="connsiteX0" fmla="*/ 1111250 w 5010150"/>
+                <a:gd name="connsiteY0" fmla="*/ 0 h 2660650"/>
+                <a:gd name="connsiteX1" fmla="*/ 1111250 w 5010150"/>
+                <a:gd name="connsiteY1" fmla="*/ 2343150 h 2660650"/>
+                <a:gd name="connsiteX2" fmla="*/ 0 w 5010150"/>
+                <a:gd name="connsiteY2" fmla="*/ 2355850 h 2660650"/>
+                <a:gd name="connsiteX3" fmla="*/ 1276350 w 5010150"/>
+                <a:gd name="connsiteY3" fmla="*/ 2660650 h 2660650"/>
+                <a:gd name="connsiteX4" fmla="*/ 5010150 w 5010150"/>
+                <a:gd name="connsiteY4" fmla="*/ 2660650 h 2660650"/>
+                <a:gd name="connsiteX5" fmla="*/ 5010150 w 5010150"/>
+                <a:gd name="connsiteY5" fmla="*/ 82550 h 2660650"/>
+                <a:gd name="connsiteX6" fmla="*/ 1111250 w 5010150"/>
+                <a:gd name="connsiteY6" fmla="*/ 0 h 2660650"/>
+                <a:gd name="connsiteX0" fmla="*/ 1123950 w 5022850"/>
+                <a:gd name="connsiteY0" fmla="*/ 0 h 2660650"/>
+                <a:gd name="connsiteX1" fmla="*/ 1123950 w 5022850"/>
+                <a:gd name="connsiteY1" fmla="*/ 2343150 h 2660650"/>
+                <a:gd name="connsiteX2" fmla="*/ 12700 w 5022850"/>
+                <a:gd name="connsiteY2" fmla="*/ 2355850 h 2660650"/>
+                <a:gd name="connsiteX3" fmla="*/ 0 w 5022850"/>
+                <a:gd name="connsiteY3" fmla="*/ 2647950 h 2660650"/>
+                <a:gd name="connsiteX4" fmla="*/ 5022850 w 5022850"/>
+                <a:gd name="connsiteY4" fmla="*/ 2660650 h 2660650"/>
+                <a:gd name="connsiteX5" fmla="*/ 5022850 w 5022850"/>
+                <a:gd name="connsiteY5" fmla="*/ 82550 h 2660650"/>
+                <a:gd name="connsiteX6" fmla="*/ 1123950 w 5022850"/>
+                <a:gd name="connsiteY6" fmla="*/ 0 h 2660650"/>
+                <a:gd name="connsiteX0" fmla="*/ 1123950 w 5022850"/>
+                <a:gd name="connsiteY0" fmla="*/ 0 h 2660650"/>
+                <a:gd name="connsiteX1" fmla="*/ 1123950 w 5022850"/>
+                <a:gd name="connsiteY1" fmla="*/ 2343150 h 2660650"/>
+                <a:gd name="connsiteX2" fmla="*/ 704850 w 5022850"/>
+                <a:gd name="connsiteY2" fmla="*/ 2355850 h 2660650"/>
+                <a:gd name="connsiteX3" fmla="*/ 12700 w 5022850"/>
+                <a:gd name="connsiteY3" fmla="*/ 2355850 h 2660650"/>
+                <a:gd name="connsiteX4" fmla="*/ 0 w 5022850"/>
+                <a:gd name="connsiteY4" fmla="*/ 2647950 h 2660650"/>
+                <a:gd name="connsiteX5" fmla="*/ 5022850 w 5022850"/>
+                <a:gd name="connsiteY5" fmla="*/ 2660650 h 2660650"/>
+                <a:gd name="connsiteX6" fmla="*/ 5022850 w 5022850"/>
+                <a:gd name="connsiteY6" fmla="*/ 82550 h 2660650"/>
+                <a:gd name="connsiteX7" fmla="*/ 1123950 w 5022850"/>
+                <a:gd name="connsiteY7" fmla="*/ 0 h 2660650"/>
+                <a:gd name="connsiteX0" fmla="*/ 1123950 w 5022850"/>
+                <a:gd name="connsiteY0" fmla="*/ 0 h 2660650"/>
+                <a:gd name="connsiteX1" fmla="*/ 1123950 w 5022850"/>
+                <a:gd name="connsiteY1" fmla="*/ 2343150 h 2660650"/>
+                <a:gd name="connsiteX2" fmla="*/ 704850 w 5022850"/>
+                <a:gd name="connsiteY2" fmla="*/ 2355850 h 2660650"/>
+                <a:gd name="connsiteX3" fmla="*/ 228600 w 5022850"/>
+                <a:gd name="connsiteY3" fmla="*/ 2349500 h 2660650"/>
+                <a:gd name="connsiteX4" fmla="*/ 12700 w 5022850"/>
+                <a:gd name="connsiteY4" fmla="*/ 2355850 h 2660650"/>
+                <a:gd name="connsiteX5" fmla="*/ 0 w 5022850"/>
+                <a:gd name="connsiteY5" fmla="*/ 2647950 h 2660650"/>
+                <a:gd name="connsiteX6" fmla="*/ 5022850 w 5022850"/>
+                <a:gd name="connsiteY6" fmla="*/ 2660650 h 2660650"/>
+                <a:gd name="connsiteX7" fmla="*/ 5022850 w 5022850"/>
+                <a:gd name="connsiteY7" fmla="*/ 82550 h 2660650"/>
+                <a:gd name="connsiteX8" fmla="*/ 1123950 w 5022850"/>
+                <a:gd name="connsiteY8" fmla="*/ 0 h 2660650"/>
+                <a:gd name="connsiteX0" fmla="*/ 1123950 w 5022850"/>
+                <a:gd name="connsiteY0" fmla="*/ 0 h 2660650"/>
+                <a:gd name="connsiteX1" fmla="*/ 1123950 w 5022850"/>
+                <a:gd name="connsiteY1" fmla="*/ 2343150 h 2660650"/>
+                <a:gd name="connsiteX2" fmla="*/ 704850 w 5022850"/>
+                <a:gd name="connsiteY2" fmla="*/ 2355850 h 2660650"/>
+                <a:gd name="connsiteX3" fmla="*/ 717550 w 5022850"/>
+                <a:gd name="connsiteY3" fmla="*/ 2178050 h 2660650"/>
+                <a:gd name="connsiteX4" fmla="*/ 12700 w 5022850"/>
+                <a:gd name="connsiteY4" fmla="*/ 2355850 h 2660650"/>
+                <a:gd name="connsiteX5" fmla="*/ 0 w 5022850"/>
+                <a:gd name="connsiteY5" fmla="*/ 2647950 h 2660650"/>
+                <a:gd name="connsiteX6" fmla="*/ 5022850 w 5022850"/>
+                <a:gd name="connsiteY6" fmla="*/ 2660650 h 2660650"/>
+                <a:gd name="connsiteX7" fmla="*/ 5022850 w 5022850"/>
+                <a:gd name="connsiteY7" fmla="*/ 82550 h 2660650"/>
+                <a:gd name="connsiteX8" fmla="*/ 1123950 w 5022850"/>
+                <a:gd name="connsiteY8" fmla="*/ 0 h 2660650"/>
+                <a:gd name="connsiteX0" fmla="*/ 1123950 w 5022850"/>
+                <a:gd name="connsiteY0" fmla="*/ 0 h 2660650"/>
+                <a:gd name="connsiteX1" fmla="*/ 1123950 w 5022850"/>
+                <a:gd name="connsiteY1" fmla="*/ 2343150 h 2660650"/>
+                <a:gd name="connsiteX2" fmla="*/ 704850 w 5022850"/>
+                <a:gd name="connsiteY2" fmla="*/ 2355850 h 2660650"/>
+                <a:gd name="connsiteX3" fmla="*/ 717550 w 5022850"/>
+                <a:gd name="connsiteY3" fmla="*/ 2178050 h 2660650"/>
+                <a:gd name="connsiteX4" fmla="*/ 12700 w 5022850"/>
+                <a:gd name="connsiteY4" fmla="*/ 2184400 h 2660650"/>
+                <a:gd name="connsiteX5" fmla="*/ 0 w 5022850"/>
+                <a:gd name="connsiteY5" fmla="*/ 2647950 h 2660650"/>
+                <a:gd name="connsiteX6" fmla="*/ 5022850 w 5022850"/>
+                <a:gd name="connsiteY6" fmla="*/ 2660650 h 2660650"/>
+                <a:gd name="connsiteX7" fmla="*/ 5022850 w 5022850"/>
+                <a:gd name="connsiteY7" fmla="*/ 82550 h 2660650"/>
+                <a:gd name="connsiteX8" fmla="*/ 1123950 w 5022850"/>
+                <a:gd name="connsiteY8" fmla="*/ 0 h 2660650"/>
+              </a:gdLst>
+              <a:ahLst/>
+              <a:cxnLst>
+                <a:cxn ang="0">
+                  <a:pos x="connsiteX0" y="connsiteY0"/>
+                </a:cxn>
+                <a:cxn ang="0">
+                  <a:pos x="connsiteX1" y="connsiteY1"/>
+                </a:cxn>
+                <a:cxn ang="0">
+                  <a:pos x="connsiteX2" y="connsiteY2"/>
+                </a:cxn>
+                <a:cxn ang="0">
+                  <a:pos x="connsiteX3" y="connsiteY3"/>
+                </a:cxn>
+                <a:cxn ang="0">
+                  <a:pos x="connsiteX4" y="connsiteY4"/>
+                </a:cxn>
+                <a:cxn ang="0">
+                  <a:pos x="connsiteX5" y="connsiteY5"/>
+                </a:cxn>
+                <a:cxn ang="0">
+                  <a:pos x="connsiteX6" y="connsiteY6"/>
+                </a:cxn>
+                <a:cxn ang="0">
+                  <a:pos x="connsiteX7" y="connsiteY7"/>
+                </a:cxn>
+                <a:cxn ang="0">
+                  <a:pos x="connsiteX8" y="connsiteY8"/>
+                </a:cxn>
+              </a:cxnLst>
+              <a:rect l="l" t="t" r="r" b="b"/>
+              <a:pathLst>
+                <a:path w="5022850" h="2660650">
+                  <a:moveTo>
+                    <a:pt x="1123950" y="0"/>
+                  </a:moveTo>
+                  <a:lnTo>
+                    <a:pt x="1123950" y="2343150"/>
+                  </a:lnTo>
+                  <a:lnTo>
+                    <a:pt x="704850" y="2355850"/>
+                  </a:lnTo>
+                  <a:lnTo>
+                    <a:pt x="717550" y="2178050"/>
+                  </a:lnTo>
+                  <a:lnTo>
+                    <a:pt x="12700" y="2184400"/>
+                  </a:lnTo>
+                  <a:lnTo>
+                    <a:pt x="0" y="2647950"/>
+                  </a:lnTo>
+                  <a:lnTo>
+                    <a:pt x="5022850" y="2660650"/>
+                  </a:lnTo>
+                  <a:lnTo>
+                    <a:pt x="5022850" y="82550"/>
+                  </a:lnTo>
+                  <a:lnTo>
+                    <a:pt x="1123950" y="0"/>
+                  </a:lnTo>
+                  <a:close/>
+                </a:path>
+              </a:pathLst>
+            </a:custGeom>
+            <a:solidFill>
+              <a:schemeClr val="bg1"/>
+            </a:solidFill>
+            <a:ln>
+              <a:solidFill>
+                <a:schemeClr val="bg1"/>
+              </a:solidFill>
+            </a:ln>
+          </p:spPr>
+          <p:style>
+            <a:lnRef idx="2">
+              <a:schemeClr val="accent1">
+                <a:shade val="50000"/>
+              </a:schemeClr>
+            </a:lnRef>
+            <a:fillRef idx="1">
+              <a:schemeClr val="accent1"/>
+            </a:fillRef>
+            <a:effectRef idx="0">
+              <a:schemeClr val="accent1"/>
+            </a:effectRef>
+            <a:fontRef idx="minor">
+              <a:schemeClr val="lt1"/>
+            </a:fontRef>
+          </p:style>
+          <p:txBody>
+            <a:bodyPr rtlCol="0" anchor="ctr"/>
+            <a:lstStyle/>
+            <a:p>
+              <a:pPr algn="ctr"/>
+              <a:endParaRPr lang="en-US"/>
+            </a:p>
+          </p:txBody>
+        </p:sp>
+        <mc:AlternateContent xmlns:mc="http://schemas.openxmlformats.org/markup-compatibility/2006" xmlns:a14="http://schemas.microsoft.com/office/drawing/2010/main">
+          <mc:Choice Requires="a14">
+            <p:sp>
+              <p:nvSpPr>
+                <p:cNvPr id="186" name="TextBox 185">
+                  <a:extLst>
+                    <a:ext uri="{FF2B5EF4-FFF2-40B4-BE49-F238E27FC236}">
+                      <a16:creationId xmlns:a16="http://schemas.microsoft.com/office/drawing/2014/main" id="{1504795F-612B-32A9-5EA3-5AA943DAF213}"/>
+                    </a:ext>
+                  </a:extLst>
+                </p:cNvPr>
+                <p:cNvSpPr txBox="1"/>
+                <p:nvPr/>
+              </p:nvSpPr>
+              <p:spPr>
+                <a:xfrm>
+                  <a:off x="4125242" y="1953619"/>
+                  <a:ext cx="920476" cy="276999"/>
+                </a:xfrm>
+                <a:prstGeom prst="rect">
+                  <a:avLst/>
+                </a:prstGeom>
+                <a:solidFill>
+                  <a:schemeClr val="bg1"/>
+                </a:solidFill>
+              </p:spPr>
+              <p:txBody>
+                <a:bodyPr wrap="square" rtlCol="0">
+                  <a:spAutoFit/>
+                </a:bodyPr>
+                <a:lstStyle/>
+                <a:p>
+                  <a:pPr/>
+                  <a14:m>
+                    <m:oMathPara xmlns:m="http://schemas.openxmlformats.org/officeDocument/2006/math">
+                      <m:oMathParaPr>
+                        <m:jc m:val="centerGroup"/>
+                      </m:oMathParaPr>
+                      <m:oMath xmlns:m="http://schemas.openxmlformats.org/officeDocument/2006/math">
+                        <m:r>
+                          <a:rPr lang="en-US" sz="1200" i="1" smtClean="0">
+                            <a:latin typeface="Cambria Math" panose="02040503050406030204" pitchFamily="18" charset="0"/>
+                          </a:rPr>
+                          <m:t>9</m:t>
+                        </m:r>
+                        <m:r>
+                          <a:rPr lang="en-US" sz="1200" b="0" i="1" smtClean="0">
+                            <a:latin typeface="Cambria Math" panose="02040503050406030204" pitchFamily="18" charset="0"/>
+                          </a:rPr>
+                          <m:t>017</m:t>
+                        </m:r>
+                        <m:r>
+                          <a:rPr lang="en-US" sz="1200" b="0" i="1" smtClean="0">
+                            <a:solidFill>
+                              <a:schemeClr val="tx1"/>
+                            </a:solidFill>
+                            <a:latin typeface="Cambria Math" panose="02040503050406030204" pitchFamily="18" charset="0"/>
+                          </a:rPr>
+                          <m:t> [</m:t>
+                        </m:r>
+                        <m:r>
+                          <a:rPr lang="en-US" sz="1200" b="0" i="1" smtClean="0">
+                            <a:solidFill>
+                              <a:schemeClr val="tx1"/>
+                            </a:solidFill>
+                            <a:latin typeface="Cambria Math" panose="02040503050406030204" pitchFamily="18" charset="0"/>
+                          </a:rPr>
+                          <m:t>𝑚𝑚</m:t>
+                        </m:r>
+                        <m:r>
+                          <a:rPr lang="en-US" sz="1200" b="0" i="1" smtClean="0">
+                            <a:solidFill>
+                              <a:schemeClr val="tx1"/>
+                            </a:solidFill>
+                            <a:latin typeface="Cambria Math" panose="02040503050406030204" pitchFamily="18" charset="0"/>
+                          </a:rPr>
+                          <m:t>]</m:t>
+                        </m:r>
+                      </m:oMath>
+                    </m:oMathPara>
+                  </a14:m>
+                  <a:endParaRPr lang="en-US" dirty="0"/>
+                </a:p>
+              </p:txBody>
+            </p:sp>
+          </mc:Choice>
+          <mc:Fallback xmlns="">
+            <p:sp>
+              <p:nvSpPr>
+                <p:cNvPr id="186" name="TextBox 185">
+                  <a:extLst>
+                    <a:ext uri="{FF2B5EF4-FFF2-40B4-BE49-F238E27FC236}">
+                      <a16:creationId xmlns:a16="http://schemas.microsoft.com/office/drawing/2014/main" id="{1504795F-612B-32A9-5EA3-5AA943DAF213}"/>
+                    </a:ext>
+                  </a:extLst>
+                </p:cNvPr>
+                <p:cNvSpPr txBox="1">
+                  <a:spLocks noRot="1" noChangeAspect="1" noMove="1" noResize="1" noEditPoints="1" noAdjustHandles="1" noChangeArrowheads="1" noChangeShapeType="1" noTextEdit="1"/>
+                </p:cNvSpPr>
+                <p:nvPr/>
+              </p:nvSpPr>
+              <p:spPr>
+                <a:xfrm>
+                  <a:off x="4125242" y="1953619"/>
+                  <a:ext cx="920476" cy="276999"/>
+                </a:xfrm>
+                <a:prstGeom prst="rect">
+                  <a:avLst/>
+                </a:prstGeom>
+                <a:blipFill>
+                  <a:blip r:embed="rId17"/>
+                  <a:stretch>
+                    <a:fillRect b="-8889"/>
+                  </a:stretch>
+                </a:blipFill>
+              </p:spPr>
+              <p:txBody>
+                <a:bodyPr/>
+                <a:lstStyle/>
+                <a:p>
+                  <a:r>
+                    <a:rPr lang="en-US">
+                      <a:noFill/>
+                    </a:rPr>
+                    <a:t> </a:t>
+                  </a:r>
+                </a:p>
+              </p:txBody>
+            </p:sp>
+          </mc:Fallback>
+        </mc:AlternateContent>
+        <mc:AlternateContent xmlns:mc="http://schemas.openxmlformats.org/markup-compatibility/2006" xmlns:a14="http://schemas.microsoft.com/office/drawing/2010/main">
+          <mc:Choice Requires="a14">
+            <p:sp>
+              <p:nvSpPr>
+                <p:cNvPr id="187" name="TextBox 186">
+                  <a:extLst>
+                    <a:ext uri="{FF2B5EF4-FFF2-40B4-BE49-F238E27FC236}">
+                      <a16:creationId xmlns:a16="http://schemas.microsoft.com/office/drawing/2014/main" id="{98D2F15E-7CB5-FEA3-8C04-EB68B2703E59}"/>
+                    </a:ext>
+                  </a:extLst>
+                </p:cNvPr>
+                <p:cNvSpPr txBox="1"/>
+                <p:nvPr/>
+              </p:nvSpPr>
+              <p:spPr>
+                <a:xfrm>
+                  <a:off x="1627060" y="2938769"/>
+                  <a:ext cx="920476" cy="276999"/>
+                </a:xfrm>
+                <a:prstGeom prst="rect">
+                  <a:avLst/>
+                </a:prstGeom>
+                <a:solidFill>
+                  <a:schemeClr val="bg1"/>
+                </a:solidFill>
+              </p:spPr>
+              <p:txBody>
+                <a:bodyPr wrap="square" rtlCol="0">
+                  <a:spAutoFit/>
+                </a:bodyPr>
+                <a:lstStyle/>
+                <a:p>
+                  <a:pPr/>
+                  <a14:m>
+                    <m:oMathPara xmlns:m="http://schemas.openxmlformats.org/officeDocument/2006/math">
+                      <m:oMathParaPr>
+                        <m:jc m:val="centerGroup"/>
+                      </m:oMathParaPr>
+                      <m:oMath xmlns:m="http://schemas.openxmlformats.org/officeDocument/2006/math">
+                        <m:r>
+                          <a:rPr lang="en-US" sz="1200" i="1" smtClean="0">
+                            <a:latin typeface="Cambria Math" panose="02040503050406030204" pitchFamily="18" charset="0"/>
+                          </a:rPr>
+                          <m:t>3</m:t>
+                        </m:r>
+                        <m:r>
+                          <a:rPr lang="en-US" sz="1200" b="0" i="1" smtClean="0">
+                            <a:latin typeface="Cambria Math" panose="02040503050406030204" pitchFamily="18" charset="0"/>
+                          </a:rPr>
+                          <m:t>429</m:t>
+                        </m:r>
+                        <m:r>
+                          <a:rPr lang="en-US" sz="1200" b="0" i="1" smtClean="0">
+                            <a:solidFill>
+                              <a:schemeClr val="tx1"/>
+                            </a:solidFill>
+                            <a:latin typeface="Cambria Math" panose="02040503050406030204" pitchFamily="18" charset="0"/>
+                          </a:rPr>
+                          <m:t> [</m:t>
+                        </m:r>
+                        <m:r>
+                          <a:rPr lang="en-US" sz="1200" b="0" i="1" smtClean="0">
+                            <a:solidFill>
+                              <a:schemeClr val="tx1"/>
+                            </a:solidFill>
+                            <a:latin typeface="Cambria Math" panose="02040503050406030204" pitchFamily="18" charset="0"/>
+                          </a:rPr>
+                          <m:t>𝑚𝑚</m:t>
+                        </m:r>
+                        <m:r>
+                          <a:rPr lang="en-US" sz="1200" b="0" i="1" smtClean="0">
+                            <a:solidFill>
+                              <a:schemeClr val="tx1"/>
+                            </a:solidFill>
+                            <a:latin typeface="Cambria Math" panose="02040503050406030204" pitchFamily="18" charset="0"/>
+                          </a:rPr>
+                          <m:t>]</m:t>
+                        </m:r>
+                      </m:oMath>
+                    </m:oMathPara>
+                  </a14:m>
+                  <a:endParaRPr lang="en-US" dirty="0"/>
+                </a:p>
+              </p:txBody>
+            </p:sp>
+          </mc:Choice>
+          <mc:Fallback xmlns="">
+            <p:sp>
+              <p:nvSpPr>
+                <p:cNvPr id="187" name="TextBox 186">
+                  <a:extLst>
+                    <a:ext uri="{FF2B5EF4-FFF2-40B4-BE49-F238E27FC236}">
+                      <a16:creationId xmlns:a16="http://schemas.microsoft.com/office/drawing/2014/main" id="{98D2F15E-7CB5-FEA3-8C04-EB68B2703E59}"/>
+                    </a:ext>
+                  </a:extLst>
+                </p:cNvPr>
+                <p:cNvSpPr txBox="1">
+                  <a:spLocks noRot="1" noChangeAspect="1" noMove="1" noResize="1" noEditPoints="1" noAdjustHandles="1" noChangeArrowheads="1" noChangeShapeType="1" noTextEdit="1"/>
+                </p:cNvSpPr>
+                <p:nvPr/>
+              </p:nvSpPr>
+              <p:spPr>
+                <a:xfrm>
+                  <a:off x="1627060" y="2938769"/>
+                  <a:ext cx="920476" cy="276999"/>
+                </a:xfrm>
+                <a:prstGeom prst="rect">
+                  <a:avLst/>
+                </a:prstGeom>
+                <a:blipFill>
+                  <a:blip r:embed="rId18"/>
+                  <a:stretch>
+                    <a:fillRect b="-8889"/>
+                  </a:stretch>
+                </a:blipFill>
+              </p:spPr>
+              <p:txBody>
+                <a:bodyPr/>
+                <a:lstStyle/>
+                <a:p>
+                  <a:r>
+                    <a:rPr lang="en-US">
+                      <a:noFill/>
+                    </a:rPr>
+                    <a:t> </a:t>
+                  </a:r>
+                </a:p>
+              </p:txBody>
+            </p:sp>
+          </mc:Fallback>
+        </mc:AlternateContent>
+        <p:cxnSp>
+          <p:nvCxnSpPr>
+            <p:cNvPr id="188" name="Straight Connector 187">
+              <a:extLst>
+                <a:ext uri="{FF2B5EF4-FFF2-40B4-BE49-F238E27FC236}">
+                  <a16:creationId xmlns:a16="http://schemas.microsoft.com/office/drawing/2014/main" id="{981E1BC1-30CA-F046-9F77-1A9D7F4E9D12}"/>
+                </a:ext>
+              </a:extLst>
+            </p:cNvPr>
+            <p:cNvCxnSpPr>
+              <a:cxnSpLocks/>
+            </p:cNvCxnSpPr>
+            <p:nvPr/>
+          </p:nvCxnSpPr>
+          <p:spPr>
+            <a:xfrm>
+              <a:off x="2419350" y="4206600"/>
+              <a:ext cx="3676650" cy="0"/>
+            </a:xfrm>
+            <a:prstGeom prst="line">
+              <a:avLst/>
+            </a:prstGeom>
+            <a:ln w="9525">
+              <a:solidFill>
+                <a:schemeClr val="bg2">
+                  <a:lumMod val="90000"/>
+                </a:schemeClr>
+              </a:solidFill>
+              <a:prstDash val="solid"/>
+            </a:ln>
+          </p:spPr>
+          <p:style>
+            <a:lnRef idx="1">
+              <a:schemeClr val="dk1"/>
+            </a:lnRef>
+            <a:fillRef idx="0">
+              <a:schemeClr val="dk1"/>
+            </a:fillRef>
+            <a:effectRef idx="0">
+              <a:schemeClr val="dk1"/>
+            </a:effectRef>
+            <a:fontRef idx="minor">
+              <a:schemeClr val="tx1"/>
+            </a:fontRef>
+          </p:style>
+        </p:cxnSp>
+      </p:grpSp>
     </p:spTree>
     <p:extLst>
       <p:ext uri="{BB962C8B-B14F-4D97-AF65-F5344CB8AC3E}">
@@ -13045,6 +13049,1606 @@
     <p:extLst>
       <p:ext uri="{BB962C8B-B14F-4D97-AF65-F5344CB8AC3E}">
         <p14:creationId xmlns:p14="http://schemas.microsoft.com/office/powerpoint/2010/main" val="328655193"/>
+      </p:ext>
+    </p:extLst>
+  </p:cSld>
+  <p:clrMapOvr>
+    <a:masterClrMapping/>
+  </p:clrMapOvr>
+</p:sld>
+</file>
+
+<file path=ppt/slides/slide13.xml><?xml version="1.0" encoding="utf-8"?>
+<p:sld xmlns:a="http://schemas.openxmlformats.org/drawingml/2006/main" xmlns:r="http://schemas.openxmlformats.org/officeDocument/2006/relationships" xmlns:p="http://schemas.openxmlformats.org/presentationml/2006/main">
+  <p:cSld>
+    <p:spTree>
+      <p:nvGrpSpPr>
+        <p:cNvPr id="1" name=""/>
+        <p:cNvGrpSpPr/>
+        <p:nvPr/>
+      </p:nvGrpSpPr>
+      <p:grpSpPr>
+        <a:xfrm>
+          <a:off x="0" y="0"/>
+          <a:ext cx="0" cy="0"/>
+          <a:chOff x="0" y="0"/>
+          <a:chExt cx="0" cy="0"/>
+        </a:xfrm>
+      </p:grpSpPr>
+      <p:pic>
+        <p:nvPicPr>
+          <p:cNvPr id="5" name="Picture 4">
+            <a:extLst>
+              <a:ext uri="{FF2B5EF4-FFF2-40B4-BE49-F238E27FC236}">
+                <a16:creationId xmlns:a16="http://schemas.microsoft.com/office/drawing/2014/main" id="{0806494D-C153-DC32-FE70-4FF2FCB50107}"/>
+              </a:ext>
+            </a:extLst>
+          </p:cNvPr>
+          <p:cNvPicPr>
+            <a:picLocks noChangeAspect="1"/>
+          </p:cNvPicPr>
+          <p:nvPr/>
+        </p:nvPicPr>
+        <p:blipFill>
+          <a:blip r:embed="rId2"/>
+          <a:stretch>
+            <a:fillRect/>
+          </a:stretch>
+        </p:blipFill>
+        <p:spPr>
+          <a:xfrm>
+            <a:off x="340543" y="366562"/>
+            <a:ext cx="2893545" cy="2082879"/>
+          </a:xfrm>
+          <a:prstGeom prst="rect">
+            <a:avLst/>
+          </a:prstGeom>
+        </p:spPr>
+      </p:pic>
+      <p:pic>
+        <p:nvPicPr>
+          <p:cNvPr id="7" name="Picture 6">
+            <a:extLst>
+              <a:ext uri="{FF2B5EF4-FFF2-40B4-BE49-F238E27FC236}">
+                <a16:creationId xmlns:a16="http://schemas.microsoft.com/office/drawing/2014/main" id="{1B849B10-EC13-690F-FC03-0F7BE084B6CF}"/>
+              </a:ext>
+            </a:extLst>
+          </p:cNvPr>
+          <p:cNvPicPr>
+            <a:picLocks noChangeAspect="1"/>
+          </p:cNvPicPr>
+          <p:nvPr/>
+        </p:nvPicPr>
+        <p:blipFill>
+          <a:blip r:embed="rId3"/>
+          <a:stretch>
+            <a:fillRect/>
+          </a:stretch>
+        </p:blipFill>
+        <p:spPr>
+          <a:xfrm>
+            <a:off x="3234088" y="366562"/>
+            <a:ext cx="2975541" cy="2082879"/>
+          </a:xfrm>
+          <a:prstGeom prst="rect">
+            <a:avLst/>
+          </a:prstGeom>
+        </p:spPr>
+      </p:pic>
+      <p:pic>
+        <p:nvPicPr>
+          <p:cNvPr id="9" name="Picture 8">
+            <a:extLst>
+              <a:ext uri="{FF2B5EF4-FFF2-40B4-BE49-F238E27FC236}">
+                <a16:creationId xmlns:a16="http://schemas.microsoft.com/office/drawing/2014/main" id="{D5837D65-BB3A-3ED5-6B78-BB614964B6B0}"/>
+              </a:ext>
+            </a:extLst>
+          </p:cNvPr>
+          <p:cNvPicPr>
+            <a:picLocks noChangeAspect="1"/>
+          </p:cNvPicPr>
+          <p:nvPr/>
+        </p:nvPicPr>
+        <p:blipFill>
+          <a:blip r:embed="rId4"/>
+          <a:stretch>
+            <a:fillRect/>
+          </a:stretch>
+        </p:blipFill>
+        <p:spPr>
+          <a:xfrm>
+            <a:off x="6212837" y="366562"/>
+            <a:ext cx="2661656" cy="2082287"/>
+          </a:xfrm>
+          <a:prstGeom prst="rect">
+            <a:avLst/>
+          </a:prstGeom>
+        </p:spPr>
+      </p:pic>
+      <p:pic>
+        <p:nvPicPr>
+          <p:cNvPr id="11" name="Picture 10">
+            <a:extLst>
+              <a:ext uri="{FF2B5EF4-FFF2-40B4-BE49-F238E27FC236}">
+                <a16:creationId xmlns:a16="http://schemas.microsoft.com/office/drawing/2014/main" id="{0679624E-EAB5-68F7-F6C2-8D8637D92C2A}"/>
+              </a:ext>
+            </a:extLst>
+          </p:cNvPr>
+          <p:cNvPicPr>
+            <a:picLocks noChangeAspect="1"/>
+          </p:cNvPicPr>
+          <p:nvPr/>
+        </p:nvPicPr>
+        <p:blipFill>
+          <a:blip r:embed="rId4"/>
+          <a:stretch>
+            <a:fillRect/>
+          </a:stretch>
+        </p:blipFill>
+        <p:spPr>
+          <a:xfrm>
+            <a:off x="340543" y="2679773"/>
+            <a:ext cx="2662414" cy="2082880"/>
+          </a:xfrm>
+          <a:prstGeom prst="rect">
+            <a:avLst/>
+          </a:prstGeom>
+        </p:spPr>
+      </p:pic>
+      <p:pic>
+        <p:nvPicPr>
+          <p:cNvPr id="13" name="Picture 12">
+            <a:extLst>
+              <a:ext uri="{FF2B5EF4-FFF2-40B4-BE49-F238E27FC236}">
+                <a16:creationId xmlns:a16="http://schemas.microsoft.com/office/drawing/2014/main" id="{BA3D9F1D-59AE-9012-215C-FF10C4F5B4B0}"/>
+              </a:ext>
+            </a:extLst>
+          </p:cNvPr>
+          <p:cNvPicPr>
+            <a:picLocks noChangeAspect="1"/>
+          </p:cNvPicPr>
+          <p:nvPr/>
+        </p:nvPicPr>
+        <p:blipFill>
+          <a:blip r:embed="rId5"/>
+          <a:stretch>
+            <a:fillRect/>
+          </a:stretch>
+        </p:blipFill>
+        <p:spPr>
+          <a:xfrm>
+            <a:off x="3002958" y="2679773"/>
+            <a:ext cx="2733778" cy="2082879"/>
+          </a:xfrm>
+          <a:prstGeom prst="rect">
+            <a:avLst/>
+          </a:prstGeom>
+        </p:spPr>
+      </p:pic>
+      <p:pic>
+        <p:nvPicPr>
+          <p:cNvPr id="15" name="Picture 14">
+            <a:extLst>
+              <a:ext uri="{FF2B5EF4-FFF2-40B4-BE49-F238E27FC236}">
+                <a16:creationId xmlns:a16="http://schemas.microsoft.com/office/drawing/2014/main" id="{CF7822CA-C4DB-66DA-AB94-65075901ADF0}"/>
+              </a:ext>
+            </a:extLst>
+          </p:cNvPr>
+          <p:cNvPicPr>
+            <a:picLocks noChangeAspect="1"/>
+          </p:cNvPicPr>
+          <p:nvPr/>
+        </p:nvPicPr>
+        <p:blipFill>
+          <a:blip r:embed="rId6"/>
+          <a:stretch>
+            <a:fillRect/>
+          </a:stretch>
+        </p:blipFill>
+        <p:spPr>
+          <a:xfrm>
+            <a:off x="5736736" y="2679773"/>
+            <a:ext cx="2811676" cy="2082287"/>
+          </a:xfrm>
+          <a:prstGeom prst="rect">
+            <a:avLst/>
+          </a:prstGeom>
+        </p:spPr>
+      </p:pic>
+      <p:pic>
+        <p:nvPicPr>
+          <p:cNvPr id="17" name="Picture 16">
+            <a:extLst>
+              <a:ext uri="{FF2B5EF4-FFF2-40B4-BE49-F238E27FC236}">
+                <a16:creationId xmlns:a16="http://schemas.microsoft.com/office/drawing/2014/main" id="{824008ED-0560-4CC9-9484-1EB0DB24DAC1}"/>
+              </a:ext>
+            </a:extLst>
+          </p:cNvPr>
+          <p:cNvPicPr>
+            <a:picLocks noChangeAspect="1"/>
+          </p:cNvPicPr>
+          <p:nvPr/>
+        </p:nvPicPr>
+        <p:blipFill>
+          <a:blip r:embed="rId7"/>
+          <a:stretch>
+            <a:fillRect/>
+          </a:stretch>
+        </p:blipFill>
+        <p:spPr>
+          <a:xfrm>
+            <a:off x="7385786" y="365970"/>
+            <a:ext cx="1488707" cy="875118"/>
+          </a:xfrm>
+          <a:prstGeom prst="rect">
+            <a:avLst/>
+          </a:prstGeom>
+        </p:spPr>
+      </p:pic>
+      <p:pic>
+        <p:nvPicPr>
+          <p:cNvPr id="19" name="Picture 18">
+            <a:extLst>
+              <a:ext uri="{FF2B5EF4-FFF2-40B4-BE49-F238E27FC236}">
+                <a16:creationId xmlns:a16="http://schemas.microsoft.com/office/drawing/2014/main" id="{1714985F-F1E7-0080-5431-81325D8DCB8D}"/>
+              </a:ext>
+            </a:extLst>
+          </p:cNvPr>
+          <p:cNvPicPr>
+            <a:picLocks noChangeAspect="1"/>
+          </p:cNvPicPr>
+          <p:nvPr/>
+        </p:nvPicPr>
+        <p:blipFill>
+          <a:blip r:embed="rId8"/>
+          <a:stretch>
+            <a:fillRect/>
+          </a:stretch>
+        </p:blipFill>
+        <p:spPr>
+          <a:xfrm>
+            <a:off x="7157762" y="2679181"/>
+            <a:ext cx="1390650" cy="828675"/>
+          </a:xfrm>
+          <a:prstGeom prst="rect">
+            <a:avLst/>
+          </a:prstGeom>
+        </p:spPr>
+      </p:pic>
+      <p:sp>
+        <p:nvSpPr>
+          <p:cNvPr id="20" name="TextBox 19">
+            <a:extLst>
+              <a:ext uri="{FF2B5EF4-FFF2-40B4-BE49-F238E27FC236}">
+                <a16:creationId xmlns:a16="http://schemas.microsoft.com/office/drawing/2014/main" id="{84DE4698-9ADC-7A35-B394-D1B2D8A73334}"/>
+              </a:ext>
+            </a:extLst>
+          </p:cNvPr>
+          <p:cNvSpPr txBox="1"/>
+          <p:nvPr/>
+        </p:nvSpPr>
+        <p:spPr>
+          <a:xfrm>
+            <a:off x="337335" y="365970"/>
+            <a:ext cx="2407920" cy="369332"/>
+          </a:xfrm>
+          <a:prstGeom prst="rect">
+            <a:avLst/>
+          </a:prstGeom>
+          <a:noFill/>
+        </p:spPr>
+        <p:txBody>
+          <a:bodyPr wrap="square" rtlCol="0">
+            <a:spAutoFit/>
+          </a:bodyPr>
+          <a:lstStyle/>
+          <a:p>
+            <a:pPr algn="ctr"/>
+            <a:r>
+              <a:rPr lang="en-US" dirty="0"/>
+              <a:t>Short period mode</a:t>
+            </a:r>
+          </a:p>
+        </p:txBody>
+      </p:sp>
+      <p:sp>
+        <p:nvSpPr>
+          <p:cNvPr id="21" name="TextBox 20">
+            <a:extLst>
+              <a:ext uri="{FF2B5EF4-FFF2-40B4-BE49-F238E27FC236}">
+                <a16:creationId xmlns:a16="http://schemas.microsoft.com/office/drawing/2014/main" id="{4C7E7524-9BE1-FB8C-E59A-3B33133F4E1E}"/>
+              </a:ext>
+            </a:extLst>
+          </p:cNvPr>
+          <p:cNvSpPr txBox="1"/>
+          <p:nvPr/>
+        </p:nvSpPr>
+        <p:spPr>
+          <a:xfrm>
+            <a:off x="337335" y="2679181"/>
+            <a:ext cx="2407920" cy="369332"/>
+          </a:xfrm>
+          <a:prstGeom prst="rect">
+            <a:avLst/>
+          </a:prstGeom>
+          <a:noFill/>
+        </p:spPr>
+        <p:txBody>
+          <a:bodyPr wrap="square" rtlCol="0">
+            <a:spAutoFit/>
+          </a:bodyPr>
+          <a:lstStyle/>
+          <a:p>
+            <a:pPr algn="ctr"/>
+            <a:r>
+              <a:rPr lang="en-US" dirty="0"/>
+              <a:t>Phugoid mode</a:t>
+            </a:r>
+          </a:p>
+        </p:txBody>
+      </p:sp>
+    </p:spTree>
+    <p:extLst>
+      <p:ext uri="{BB962C8B-B14F-4D97-AF65-F5344CB8AC3E}">
+        <p14:creationId xmlns:p14="http://schemas.microsoft.com/office/powerpoint/2010/main" val="1285713249"/>
+      </p:ext>
+    </p:extLst>
+  </p:cSld>
+  <p:clrMapOvr>
+    <a:masterClrMapping/>
+  </p:clrMapOvr>
+</p:sld>
+</file>
+
+<file path=ppt/slides/slide14.xml><?xml version="1.0" encoding="utf-8"?>
+<p:sld xmlns:a="http://schemas.openxmlformats.org/drawingml/2006/main" xmlns:r="http://schemas.openxmlformats.org/officeDocument/2006/relationships" xmlns:p="http://schemas.openxmlformats.org/presentationml/2006/main">
+  <p:cSld>
+    <p:spTree>
+      <p:nvGrpSpPr>
+        <p:cNvPr id="1" name=""/>
+        <p:cNvGrpSpPr/>
+        <p:nvPr/>
+      </p:nvGrpSpPr>
+      <p:grpSpPr>
+        <a:xfrm>
+          <a:off x="0" y="0"/>
+          <a:ext cx="0" cy="0"/>
+          <a:chOff x="0" y="0"/>
+          <a:chExt cx="0" cy="0"/>
+        </a:xfrm>
+      </p:grpSpPr>
+      <p:pic>
+        <p:nvPicPr>
+          <p:cNvPr id="3" name="Picture 2">
+            <a:extLst>
+              <a:ext uri="{FF2B5EF4-FFF2-40B4-BE49-F238E27FC236}">
+                <a16:creationId xmlns:a16="http://schemas.microsoft.com/office/drawing/2014/main" id="{3D469486-DB8A-2164-1FAB-E3A61EE6C9B2}"/>
+              </a:ext>
+            </a:extLst>
+          </p:cNvPr>
+          <p:cNvPicPr>
+            <a:picLocks noChangeAspect="1"/>
+          </p:cNvPicPr>
+          <p:nvPr/>
+        </p:nvPicPr>
+        <p:blipFill>
+          <a:blip r:embed="rId2"/>
+          <a:stretch>
+            <a:fillRect/>
+          </a:stretch>
+        </p:blipFill>
+        <p:spPr>
+          <a:xfrm>
+            <a:off x="6011348" y="4983748"/>
+            <a:ext cx="2863145" cy="2082287"/>
+          </a:xfrm>
+          <a:prstGeom prst="rect">
+            <a:avLst/>
+          </a:prstGeom>
+        </p:spPr>
+      </p:pic>
+      <p:pic>
+        <p:nvPicPr>
+          <p:cNvPr id="6" name="Picture 5">
+            <a:extLst>
+              <a:ext uri="{FF2B5EF4-FFF2-40B4-BE49-F238E27FC236}">
+                <a16:creationId xmlns:a16="http://schemas.microsoft.com/office/drawing/2014/main" id="{27C9B409-B6D0-DFE1-02ED-21A293377EF2}"/>
+              </a:ext>
+            </a:extLst>
+          </p:cNvPr>
+          <p:cNvPicPr>
+            <a:picLocks noChangeAspect="1"/>
+          </p:cNvPicPr>
+          <p:nvPr/>
+        </p:nvPicPr>
+        <p:blipFill>
+          <a:blip r:embed="rId3"/>
+          <a:stretch>
+            <a:fillRect/>
+          </a:stretch>
+        </p:blipFill>
+        <p:spPr>
+          <a:xfrm>
+            <a:off x="221726" y="4983156"/>
+            <a:ext cx="2925663" cy="2082879"/>
+          </a:xfrm>
+          <a:prstGeom prst="rect">
+            <a:avLst/>
+          </a:prstGeom>
+        </p:spPr>
+      </p:pic>
+      <p:pic>
+        <p:nvPicPr>
+          <p:cNvPr id="10" name="Picture 9">
+            <a:extLst>
+              <a:ext uri="{FF2B5EF4-FFF2-40B4-BE49-F238E27FC236}">
+                <a16:creationId xmlns:a16="http://schemas.microsoft.com/office/drawing/2014/main" id="{0431A051-501A-4974-2D7A-CD405C4F3A4D}"/>
+              </a:ext>
+            </a:extLst>
+          </p:cNvPr>
+          <p:cNvPicPr>
+            <a:picLocks noChangeAspect="1"/>
+          </p:cNvPicPr>
+          <p:nvPr/>
+        </p:nvPicPr>
+        <p:blipFill>
+          <a:blip r:embed="rId2"/>
+          <a:stretch>
+            <a:fillRect/>
+          </a:stretch>
+        </p:blipFill>
+        <p:spPr>
+          <a:xfrm>
+            <a:off x="3147389" y="4983155"/>
+            <a:ext cx="2863959" cy="2082879"/>
+          </a:xfrm>
+          <a:prstGeom prst="rect">
+            <a:avLst/>
+          </a:prstGeom>
+        </p:spPr>
+      </p:pic>
+      <p:pic>
+        <p:nvPicPr>
+          <p:cNvPr id="14" name="Picture 13">
+            <a:extLst>
+              <a:ext uri="{FF2B5EF4-FFF2-40B4-BE49-F238E27FC236}">
+                <a16:creationId xmlns:a16="http://schemas.microsoft.com/office/drawing/2014/main" id="{E753AD93-8D3C-54B2-7F25-68497CEF1ADC}"/>
+              </a:ext>
+            </a:extLst>
+          </p:cNvPr>
+          <p:cNvPicPr>
+            <a:picLocks noChangeAspect="1"/>
+          </p:cNvPicPr>
+          <p:nvPr/>
+        </p:nvPicPr>
+        <p:blipFill>
+          <a:blip r:embed="rId4"/>
+          <a:stretch>
+            <a:fillRect/>
+          </a:stretch>
+        </p:blipFill>
+        <p:spPr>
+          <a:xfrm>
+            <a:off x="220122" y="2781813"/>
+            <a:ext cx="3227230" cy="2082287"/>
+          </a:xfrm>
+          <a:prstGeom prst="rect">
+            <a:avLst/>
+          </a:prstGeom>
+        </p:spPr>
+      </p:pic>
+      <p:pic>
+        <p:nvPicPr>
+          <p:cNvPr id="17" name="Picture 16">
+            <a:extLst>
+              <a:ext uri="{FF2B5EF4-FFF2-40B4-BE49-F238E27FC236}">
+                <a16:creationId xmlns:a16="http://schemas.microsoft.com/office/drawing/2014/main" id="{2C869F0F-6C61-34A3-B9C3-8A3D21AB3654}"/>
+              </a:ext>
+            </a:extLst>
+          </p:cNvPr>
+          <p:cNvPicPr>
+            <a:picLocks noChangeAspect="1"/>
+          </p:cNvPicPr>
+          <p:nvPr/>
+        </p:nvPicPr>
+        <p:blipFill>
+          <a:blip r:embed="rId5"/>
+          <a:stretch>
+            <a:fillRect/>
+          </a:stretch>
+        </p:blipFill>
+        <p:spPr>
+          <a:xfrm>
+            <a:off x="3447352" y="2781813"/>
+            <a:ext cx="3227230" cy="2091837"/>
+          </a:xfrm>
+          <a:prstGeom prst="rect">
+            <a:avLst/>
+          </a:prstGeom>
+        </p:spPr>
+      </p:pic>
+      <p:pic>
+        <p:nvPicPr>
+          <p:cNvPr id="19" name="Picture 18">
+            <a:extLst>
+              <a:ext uri="{FF2B5EF4-FFF2-40B4-BE49-F238E27FC236}">
+                <a16:creationId xmlns:a16="http://schemas.microsoft.com/office/drawing/2014/main" id="{D1A8443A-B942-C166-6D92-C30C2238DE2A}"/>
+              </a:ext>
+            </a:extLst>
+          </p:cNvPr>
+          <p:cNvPicPr>
+            <a:picLocks noChangeAspect="1"/>
+          </p:cNvPicPr>
+          <p:nvPr/>
+        </p:nvPicPr>
+        <p:blipFill>
+          <a:blip r:embed="rId6"/>
+          <a:stretch>
+            <a:fillRect/>
+          </a:stretch>
+        </p:blipFill>
+        <p:spPr>
+          <a:xfrm>
+            <a:off x="6674582" y="2781813"/>
+            <a:ext cx="3251967" cy="2082287"/>
+          </a:xfrm>
+          <a:prstGeom prst="rect">
+            <a:avLst/>
+          </a:prstGeom>
+        </p:spPr>
+      </p:pic>
+      <p:pic>
+        <p:nvPicPr>
+          <p:cNvPr id="21" name="Picture 20">
+            <a:extLst>
+              <a:ext uri="{FF2B5EF4-FFF2-40B4-BE49-F238E27FC236}">
+                <a16:creationId xmlns:a16="http://schemas.microsoft.com/office/drawing/2014/main" id="{AFCF7AF6-8AE2-018C-076B-FA3730E1FA5C}"/>
+              </a:ext>
+            </a:extLst>
+          </p:cNvPr>
+          <p:cNvPicPr>
+            <a:picLocks noChangeAspect="1"/>
+          </p:cNvPicPr>
+          <p:nvPr/>
+        </p:nvPicPr>
+        <p:blipFill>
+          <a:blip r:embed="rId7"/>
+          <a:stretch>
+            <a:fillRect/>
+          </a:stretch>
+        </p:blipFill>
+        <p:spPr>
+          <a:xfrm>
+            <a:off x="226404" y="358775"/>
+            <a:ext cx="2986696" cy="2087228"/>
+          </a:xfrm>
+          <a:prstGeom prst="rect">
+            <a:avLst/>
+          </a:prstGeom>
+        </p:spPr>
+      </p:pic>
+      <p:pic>
+        <p:nvPicPr>
+          <p:cNvPr id="23" name="Picture 22">
+            <a:extLst>
+              <a:ext uri="{FF2B5EF4-FFF2-40B4-BE49-F238E27FC236}">
+                <a16:creationId xmlns:a16="http://schemas.microsoft.com/office/drawing/2014/main" id="{081ADF9B-DD97-6FD0-32A7-7DFC1379310D}"/>
+              </a:ext>
+            </a:extLst>
+          </p:cNvPr>
+          <p:cNvPicPr>
+            <a:picLocks noChangeAspect="1"/>
+          </p:cNvPicPr>
+          <p:nvPr/>
+        </p:nvPicPr>
+        <p:blipFill>
+          <a:blip r:embed="rId8"/>
+          <a:stretch>
+            <a:fillRect/>
+          </a:stretch>
+        </p:blipFill>
+        <p:spPr>
+          <a:xfrm>
+            <a:off x="3217763" y="358775"/>
+            <a:ext cx="3402762" cy="2082287"/>
+          </a:xfrm>
+          <a:prstGeom prst="rect">
+            <a:avLst/>
+          </a:prstGeom>
+        </p:spPr>
+      </p:pic>
+      <p:pic>
+        <p:nvPicPr>
+          <p:cNvPr id="25" name="Picture 24">
+            <a:extLst>
+              <a:ext uri="{FF2B5EF4-FFF2-40B4-BE49-F238E27FC236}">
+                <a16:creationId xmlns:a16="http://schemas.microsoft.com/office/drawing/2014/main" id="{C3FA37C0-F031-8FA8-8EAC-5203DB56024C}"/>
+              </a:ext>
+            </a:extLst>
+          </p:cNvPr>
+          <p:cNvPicPr>
+            <a:picLocks noChangeAspect="1"/>
+          </p:cNvPicPr>
+          <p:nvPr/>
+        </p:nvPicPr>
+        <p:blipFill>
+          <a:blip r:embed="rId9"/>
+          <a:stretch>
+            <a:fillRect/>
+          </a:stretch>
+        </p:blipFill>
+        <p:spPr>
+          <a:xfrm>
+            <a:off x="6620525" y="358775"/>
+            <a:ext cx="3353772" cy="2082287"/>
+          </a:xfrm>
+          <a:prstGeom prst="rect">
+            <a:avLst/>
+          </a:prstGeom>
+        </p:spPr>
+      </p:pic>
+      <p:pic>
+        <p:nvPicPr>
+          <p:cNvPr id="27" name="Picture 26">
+            <a:extLst>
+              <a:ext uri="{FF2B5EF4-FFF2-40B4-BE49-F238E27FC236}">
+                <a16:creationId xmlns:a16="http://schemas.microsoft.com/office/drawing/2014/main" id="{B8D304B5-3C93-4A33-59F5-689E434E6A73}"/>
+              </a:ext>
+            </a:extLst>
+          </p:cNvPr>
+          <p:cNvPicPr>
+            <a:picLocks noChangeAspect="1"/>
+          </p:cNvPicPr>
+          <p:nvPr/>
+        </p:nvPicPr>
+        <p:blipFill>
+          <a:blip r:embed="rId10"/>
+          <a:stretch>
+            <a:fillRect/>
+          </a:stretch>
+        </p:blipFill>
+        <p:spPr>
+          <a:xfrm>
+            <a:off x="7569568" y="4983155"/>
+            <a:ext cx="1304925" cy="533400"/>
+          </a:xfrm>
+          <a:prstGeom prst="rect">
+            <a:avLst/>
+          </a:prstGeom>
+        </p:spPr>
+      </p:pic>
+      <p:pic>
+        <p:nvPicPr>
+          <p:cNvPr id="29" name="Picture 28">
+            <a:extLst>
+              <a:ext uri="{FF2B5EF4-FFF2-40B4-BE49-F238E27FC236}">
+                <a16:creationId xmlns:a16="http://schemas.microsoft.com/office/drawing/2014/main" id="{BBBCF666-23F9-75C6-30F1-E5BFAA6F8D9D}"/>
+              </a:ext>
+            </a:extLst>
+          </p:cNvPr>
+          <p:cNvPicPr>
+            <a:picLocks noChangeAspect="1"/>
+          </p:cNvPicPr>
+          <p:nvPr/>
+        </p:nvPicPr>
+        <p:blipFill>
+          <a:blip r:embed="rId11"/>
+          <a:stretch>
+            <a:fillRect/>
+          </a:stretch>
+        </p:blipFill>
+        <p:spPr>
+          <a:xfrm>
+            <a:off x="8535899" y="2781813"/>
+            <a:ext cx="1390650" cy="838200"/>
+          </a:xfrm>
+          <a:prstGeom prst="rect">
+            <a:avLst/>
+          </a:prstGeom>
+        </p:spPr>
+      </p:pic>
+      <p:pic>
+        <p:nvPicPr>
+          <p:cNvPr id="31" name="Picture 30">
+            <a:extLst>
+              <a:ext uri="{FF2B5EF4-FFF2-40B4-BE49-F238E27FC236}">
+                <a16:creationId xmlns:a16="http://schemas.microsoft.com/office/drawing/2014/main" id="{23F05A32-3BD0-EF66-0766-1B4F1EA445E7}"/>
+              </a:ext>
+            </a:extLst>
+          </p:cNvPr>
+          <p:cNvPicPr>
+            <a:picLocks noChangeAspect="1"/>
+          </p:cNvPicPr>
+          <p:nvPr/>
+        </p:nvPicPr>
+        <p:blipFill>
+          <a:blip r:embed="rId12"/>
+          <a:stretch>
+            <a:fillRect/>
+          </a:stretch>
+        </p:blipFill>
+        <p:spPr>
+          <a:xfrm>
+            <a:off x="8697947" y="358775"/>
+            <a:ext cx="1276350" cy="552450"/>
+          </a:xfrm>
+          <a:prstGeom prst="rect">
+            <a:avLst/>
+          </a:prstGeom>
+        </p:spPr>
+      </p:pic>
+      <p:sp>
+        <p:nvSpPr>
+          <p:cNvPr id="32" name="TextBox 31">
+            <a:extLst>
+              <a:ext uri="{FF2B5EF4-FFF2-40B4-BE49-F238E27FC236}">
+                <a16:creationId xmlns:a16="http://schemas.microsoft.com/office/drawing/2014/main" id="{FD266037-2AEF-FA18-1B36-B77A5B025E32}"/>
+              </a:ext>
+            </a:extLst>
+          </p:cNvPr>
+          <p:cNvSpPr txBox="1"/>
+          <p:nvPr/>
+        </p:nvSpPr>
+        <p:spPr>
+          <a:xfrm>
+            <a:off x="220122" y="358775"/>
+            <a:ext cx="2407920" cy="369332"/>
+          </a:xfrm>
+          <a:prstGeom prst="rect">
+            <a:avLst/>
+          </a:prstGeom>
+          <a:noFill/>
+        </p:spPr>
+        <p:txBody>
+          <a:bodyPr wrap="square" rtlCol="0">
+            <a:spAutoFit/>
+          </a:bodyPr>
+          <a:lstStyle/>
+          <a:p>
+            <a:pPr algn="ctr"/>
+            <a:r>
+              <a:rPr lang="en-US" dirty="0"/>
+              <a:t>Dutch roll mode</a:t>
+            </a:r>
+          </a:p>
+        </p:txBody>
+      </p:sp>
+      <p:sp>
+        <p:nvSpPr>
+          <p:cNvPr id="33" name="TextBox 32">
+            <a:extLst>
+              <a:ext uri="{FF2B5EF4-FFF2-40B4-BE49-F238E27FC236}">
+                <a16:creationId xmlns:a16="http://schemas.microsoft.com/office/drawing/2014/main" id="{D6545910-19B1-6021-1091-7E6C4461914F}"/>
+              </a:ext>
+            </a:extLst>
+          </p:cNvPr>
+          <p:cNvSpPr txBox="1"/>
+          <p:nvPr/>
+        </p:nvSpPr>
+        <p:spPr>
+          <a:xfrm>
+            <a:off x="220122" y="2781813"/>
+            <a:ext cx="2407920" cy="369332"/>
+          </a:xfrm>
+          <a:prstGeom prst="rect">
+            <a:avLst/>
+          </a:prstGeom>
+          <a:noFill/>
+        </p:spPr>
+        <p:txBody>
+          <a:bodyPr wrap="square" rtlCol="0">
+            <a:spAutoFit/>
+          </a:bodyPr>
+          <a:lstStyle/>
+          <a:p>
+            <a:pPr algn="ctr"/>
+            <a:r>
+              <a:rPr lang="en-US" dirty="0"/>
+              <a:t>Spiral divergence mode</a:t>
+            </a:r>
+          </a:p>
+        </p:txBody>
+      </p:sp>
+      <p:sp>
+        <p:nvSpPr>
+          <p:cNvPr id="34" name="TextBox 33">
+            <a:extLst>
+              <a:ext uri="{FF2B5EF4-FFF2-40B4-BE49-F238E27FC236}">
+                <a16:creationId xmlns:a16="http://schemas.microsoft.com/office/drawing/2014/main" id="{FD59ECF2-1133-C5E8-3429-25EF00627452}"/>
+              </a:ext>
+            </a:extLst>
+          </p:cNvPr>
+          <p:cNvSpPr txBox="1"/>
+          <p:nvPr/>
+        </p:nvSpPr>
+        <p:spPr>
+          <a:xfrm>
+            <a:off x="220122" y="4983155"/>
+            <a:ext cx="2407920" cy="369332"/>
+          </a:xfrm>
+          <a:prstGeom prst="rect">
+            <a:avLst/>
+          </a:prstGeom>
+          <a:noFill/>
+        </p:spPr>
+        <p:txBody>
+          <a:bodyPr wrap="square" rtlCol="0">
+            <a:spAutoFit/>
+          </a:bodyPr>
+          <a:lstStyle/>
+          <a:p>
+            <a:pPr algn="ctr"/>
+            <a:r>
+              <a:rPr lang="en-US" dirty="0"/>
+              <a:t>Roll subsidence mode</a:t>
+            </a:r>
+          </a:p>
+        </p:txBody>
+      </p:sp>
+    </p:spTree>
+    <p:extLst>
+      <p:ext uri="{BB962C8B-B14F-4D97-AF65-F5344CB8AC3E}">
+        <p14:creationId xmlns:p14="http://schemas.microsoft.com/office/powerpoint/2010/main" val="3565409745"/>
+      </p:ext>
+    </p:extLst>
+  </p:cSld>
+  <p:clrMapOvr>
+    <a:masterClrMapping/>
+  </p:clrMapOvr>
+</p:sld>
+</file>
+
+<file path=ppt/slides/slide15.xml><?xml version="1.0" encoding="utf-8"?>
+<p:sld xmlns:a="http://schemas.openxmlformats.org/drawingml/2006/main" xmlns:r="http://schemas.openxmlformats.org/officeDocument/2006/relationships" xmlns:p="http://schemas.openxmlformats.org/presentationml/2006/main">
+  <p:cSld>
+    <p:spTree>
+      <p:nvGrpSpPr>
+        <p:cNvPr id="1" name=""/>
+        <p:cNvGrpSpPr/>
+        <p:nvPr/>
+      </p:nvGrpSpPr>
+      <p:grpSpPr>
+        <a:xfrm>
+          <a:off x="0" y="0"/>
+          <a:ext cx="0" cy="0"/>
+          <a:chOff x="0" y="0"/>
+          <a:chExt cx="0" cy="0"/>
+        </a:xfrm>
+      </p:grpSpPr>
+      <p:pic>
+        <p:nvPicPr>
+          <p:cNvPr id="3" name="Picture 2">
+            <a:extLst>
+              <a:ext uri="{FF2B5EF4-FFF2-40B4-BE49-F238E27FC236}">
+                <a16:creationId xmlns:a16="http://schemas.microsoft.com/office/drawing/2014/main" id="{01E8A4DD-294D-4431-8310-35584D5C320E}"/>
+              </a:ext>
+            </a:extLst>
+          </p:cNvPr>
+          <p:cNvPicPr>
+            <a:picLocks noChangeAspect="1"/>
+          </p:cNvPicPr>
+          <p:nvPr/>
+        </p:nvPicPr>
+        <p:blipFill>
+          <a:blip r:embed="rId2"/>
+          <a:stretch>
+            <a:fillRect/>
+          </a:stretch>
+        </p:blipFill>
+        <p:spPr>
+          <a:xfrm>
+            <a:off x="4331619" y="860910"/>
+            <a:ext cx="6756685" cy="4804904"/>
+          </a:xfrm>
+          <a:prstGeom prst="rect">
+            <a:avLst/>
+          </a:prstGeom>
+        </p:spPr>
+      </p:pic>
+      <p:sp>
+        <p:nvSpPr>
+          <p:cNvPr id="4" name="TextBox 3">
+            <a:extLst>
+              <a:ext uri="{FF2B5EF4-FFF2-40B4-BE49-F238E27FC236}">
+                <a16:creationId xmlns:a16="http://schemas.microsoft.com/office/drawing/2014/main" id="{89C58364-8650-D585-5408-9EC3FEA1AD7C}"/>
+              </a:ext>
+            </a:extLst>
+          </p:cNvPr>
+          <p:cNvSpPr txBox="1"/>
+          <p:nvPr/>
+        </p:nvSpPr>
+        <p:spPr>
+          <a:xfrm>
+            <a:off x="1338162" y="173464"/>
+            <a:ext cx="2407920" cy="369332"/>
+          </a:xfrm>
+          <a:prstGeom prst="rect">
+            <a:avLst/>
+          </a:prstGeom>
+          <a:noFill/>
+        </p:spPr>
+        <p:txBody>
+          <a:bodyPr wrap="square" rtlCol="0">
+            <a:spAutoFit/>
+          </a:bodyPr>
+          <a:lstStyle/>
+          <a:p>
+            <a:pPr algn="ctr"/>
+            <a:r>
+              <a:rPr lang="en-US" dirty="0"/>
+              <a:t>Short period mode</a:t>
+            </a:r>
+          </a:p>
+        </p:txBody>
+      </p:sp>
+      <p:sp>
+        <p:nvSpPr>
+          <p:cNvPr id="5" name="TextBox 4">
+            <a:extLst>
+              <a:ext uri="{FF2B5EF4-FFF2-40B4-BE49-F238E27FC236}">
+                <a16:creationId xmlns:a16="http://schemas.microsoft.com/office/drawing/2014/main" id="{EBB5045C-649D-3359-148A-093601A8DF19}"/>
+              </a:ext>
+            </a:extLst>
+          </p:cNvPr>
+          <p:cNvSpPr txBox="1"/>
+          <p:nvPr/>
+        </p:nvSpPr>
+        <p:spPr>
+          <a:xfrm>
+            <a:off x="4484019" y="860910"/>
+            <a:ext cx="2407920" cy="369332"/>
+          </a:xfrm>
+          <a:prstGeom prst="rect">
+            <a:avLst/>
+          </a:prstGeom>
+          <a:noFill/>
+        </p:spPr>
+        <p:txBody>
+          <a:bodyPr wrap="square" rtlCol="0">
+            <a:spAutoFit/>
+          </a:bodyPr>
+          <a:lstStyle/>
+          <a:p>
+            <a:r>
+              <a:rPr lang="en-US" dirty="0">
+                <a:solidFill>
+                  <a:schemeClr val="bg2">
+                    <a:lumMod val="90000"/>
+                  </a:schemeClr>
+                </a:solidFill>
+              </a:rPr>
+              <a:t>Dutch roll mode</a:t>
+            </a:r>
+          </a:p>
+        </p:txBody>
+      </p:sp>
+      <p:sp>
+        <p:nvSpPr>
+          <p:cNvPr id="6" name="TextBox 5">
+            <a:extLst>
+              <a:ext uri="{FF2B5EF4-FFF2-40B4-BE49-F238E27FC236}">
+                <a16:creationId xmlns:a16="http://schemas.microsoft.com/office/drawing/2014/main" id="{66ACA0C3-4CAF-4A43-0009-6AFAE30C0382}"/>
+              </a:ext>
+            </a:extLst>
+          </p:cNvPr>
+          <p:cNvSpPr txBox="1"/>
+          <p:nvPr/>
+        </p:nvSpPr>
+        <p:spPr>
+          <a:xfrm>
+            <a:off x="4484019" y="4098284"/>
+            <a:ext cx="2407920" cy="369332"/>
+          </a:xfrm>
+          <a:prstGeom prst="rect">
+            <a:avLst/>
+          </a:prstGeom>
+          <a:noFill/>
+        </p:spPr>
+        <p:txBody>
+          <a:bodyPr wrap="square" rtlCol="0">
+            <a:spAutoFit/>
+          </a:bodyPr>
+          <a:lstStyle/>
+          <a:p>
+            <a:r>
+              <a:rPr lang="en-US" dirty="0">
+                <a:solidFill>
+                  <a:schemeClr val="bg2">
+                    <a:lumMod val="90000"/>
+                  </a:schemeClr>
+                </a:solidFill>
+              </a:rPr>
+              <a:t>Spiral divergence mode</a:t>
+            </a:r>
+          </a:p>
+        </p:txBody>
+      </p:sp>
+      <p:sp>
+        <p:nvSpPr>
+          <p:cNvPr id="7" name="TextBox 6">
+            <a:extLst>
+              <a:ext uri="{FF2B5EF4-FFF2-40B4-BE49-F238E27FC236}">
+                <a16:creationId xmlns:a16="http://schemas.microsoft.com/office/drawing/2014/main" id="{A3289348-1589-3C60-0B85-EADEF57FE9EC}"/>
+              </a:ext>
+            </a:extLst>
+          </p:cNvPr>
+          <p:cNvSpPr txBox="1"/>
+          <p:nvPr/>
+        </p:nvSpPr>
+        <p:spPr>
+          <a:xfrm>
+            <a:off x="4484019" y="1459462"/>
+            <a:ext cx="2407920" cy="369332"/>
+          </a:xfrm>
+          <a:prstGeom prst="rect">
+            <a:avLst/>
+          </a:prstGeom>
+          <a:noFill/>
+        </p:spPr>
+        <p:txBody>
+          <a:bodyPr wrap="square" rtlCol="0">
+            <a:spAutoFit/>
+          </a:bodyPr>
+          <a:lstStyle/>
+          <a:p>
+            <a:r>
+              <a:rPr lang="en-US" dirty="0">
+                <a:solidFill>
+                  <a:schemeClr val="bg2">
+                    <a:lumMod val="90000"/>
+                  </a:schemeClr>
+                </a:solidFill>
+              </a:rPr>
+              <a:t>Roll subsidence mode</a:t>
+            </a:r>
+          </a:p>
+        </p:txBody>
+      </p:sp>
+      <p:cxnSp>
+        <p:nvCxnSpPr>
+          <p:cNvPr id="9" name="Straight Arrow Connector 8">
+            <a:extLst>
+              <a:ext uri="{FF2B5EF4-FFF2-40B4-BE49-F238E27FC236}">
+                <a16:creationId xmlns:a16="http://schemas.microsoft.com/office/drawing/2014/main" id="{26A6B69F-F84E-42AD-7182-072449D3FEB2}"/>
+              </a:ext>
+            </a:extLst>
+          </p:cNvPr>
+          <p:cNvCxnSpPr>
+            <a:cxnSpLocks/>
+          </p:cNvCxnSpPr>
+          <p:nvPr/>
+        </p:nvCxnSpPr>
+        <p:spPr>
+          <a:xfrm>
+            <a:off x="6381549" y="1097280"/>
+            <a:ext cx="2002055" cy="731514"/>
+          </a:xfrm>
+          <a:prstGeom prst="straightConnector1">
+            <a:avLst/>
+          </a:prstGeom>
+          <a:ln w="28575">
+            <a:solidFill>
+              <a:schemeClr val="bg2"/>
+            </a:solidFill>
+            <a:tailEnd type="triangle"/>
+          </a:ln>
+        </p:spPr>
+        <p:style>
+          <a:lnRef idx="1">
+            <a:schemeClr val="accent1"/>
+          </a:lnRef>
+          <a:fillRef idx="0">
+            <a:schemeClr val="accent1"/>
+          </a:fillRef>
+          <a:effectRef idx="0">
+            <a:schemeClr val="accent1"/>
+          </a:effectRef>
+          <a:fontRef idx="minor">
+            <a:schemeClr val="tx1"/>
+          </a:fontRef>
+        </p:style>
+      </p:cxnSp>
+      <p:cxnSp>
+        <p:nvCxnSpPr>
+          <p:cNvPr id="11" name="Straight Arrow Connector 10">
+            <a:extLst>
+              <a:ext uri="{FF2B5EF4-FFF2-40B4-BE49-F238E27FC236}">
+                <a16:creationId xmlns:a16="http://schemas.microsoft.com/office/drawing/2014/main" id="{61E2E50F-9C89-5FCA-304B-C61C7662C563}"/>
+              </a:ext>
+            </a:extLst>
+          </p:cNvPr>
+          <p:cNvCxnSpPr>
+            <a:cxnSpLocks/>
+            <a:stCxn id="7" idx="2"/>
+          </p:cNvCxnSpPr>
+          <p:nvPr/>
+        </p:nvCxnSpPr>
+        <p:spPr>
+          <a:xfrm flipH="1">
+            <a:off x="5592278" y="1828794"/>
+            <a:ext cx="95701" cy="1193539"/>
+          </a:xfrm>
+          <a:prstGeom prst="straightConnector1">
+            <a:avLst/>
+          </a:prstGeom>
+          <a:ln w="28575">
+            <a:solidFill>
+              <a:schemeClr val="bg2"/>
+            </a:solidFill>
+            <a:tailEnd type="triangle"/>
+          </a:ln>
+        </p:spPr>
+        <p:style>
+          <a:lnRef idx="1">
+            <a:schemeClr val="accent1"/>
+          </a:lnRef>
+          <a:fillRef idx="0">
+            <a:schemeClr val="accent1"/>
+          </a:fillRef>
+          <a:effectRef idx="0">
+            <a:schemeClr val="accent1"/>
+          </a:effectRef>
+          <a:fontRef idx="minor">
+            <a:schemeClr val="tx1"/>
+          </a:fontRef>
+        </p:style>
+      </p:cxnSp>
+      <p:cxnSp>
+        <p:nvCxnSpPr>
+          <p:cNvPr id="15" name="Straight Arrow Connector 14">
+            <a:extLst>
+              <a:ext uri="{FF2B5EF4-FFF2-40B4-BE49-F238E27FC236}">
+                <a16:creationId xmlns:a16="http://schemas.microsoft.com/office/drawing/2014/main" id="{E1B76822-8D3C-2392-7746-FBAEEBC728E1}"/>
+              </a:ext>
+            </a:extLst>
+          </p:cNvPr>
+          <p:cNvCxnSpPr>
+            <a:cxnSpLocks/>
+          </p:cNvCxnSpPr>
+          <p:nvPr/>
+        </p:nvCxnSpPr>
+        <p:spPr>
+          <a:xfrm flipV="1">
+            <a:off x="6796238" y="3339966"/>
+            <a:ext cx="1683619" cy="847023"/>
+          </a:xfrm>
+          <a:prstGeom prst="straightConnector1">
+            <a:avLst/>
+          </a:prstGeom>
+          <a:ln w="28575">
+            <a:solidFill>
+              <a:schemeClr val="bg2"/>
+            </a:solidFill>
+            <a:tailEnd type="triangle"/>
+          </a:ln>
+        </p:spPr>
+        <p:style>
+          <a:lnRef idx="1">
+            <a:schemeClr val="accent1"/>
+          </a:lnRef>
+          <a:fillRef idx="0">
+            <a:schemeClr val="accent1"/>
+          </a:fillRef>
+          <a:effectRef idx="0">
+            <a:schemeClr val="accent1"/>
+          </a:effectRef>
+          <a:fontRef idx="minor">
+            <a:schemeClr val="tx1"/>
+          </a:fontRef>
+        </p:style>
+      </p:cxnSp>
+    </p:spTree>
+    <p:extLst>
+      <p:ext uri="{BB962C8B-B14F-4D97-AF65-F5344CB8AC3E}">
+        <p14:creationId xmlns:p14="http://schemas.microsoft.com/office/powerpoint/2010/main" val="4130842166"/>
+      </p:ext>
+    </p:extLst>
+  </p:cSld>
+  <p:clrMapOvr>
+    <a:masterClrMapping/>
+  </p:clrMapOvr>
+</p:sld>
+</file>
+
+<file path=ppt/slides/slide16.xml><?xml version="1.0" encoding="utf-8"?>
+<p:sld xmlns:a="http://schemas.openxmlformats.org/drawingml/2006/main" xmlns:r="http://schemas.openxmlformats.org/officeDocument/2006/relationships" xmlns:p="http://schemas.openxmlformats.org/presentationml/2006/main">
+  <p:cSld>
+    <p:spTree>
+      <p:nvGrpSpPr>
+        <p:cNvPr id="1" name=""/>
+        <p:cNvGrpSpPr/>
+        <p:nvPr/>
+      </p:nvGrpSpPr>
+      <p:grpSpPr>
+        <a:xfrm>
+          <a:off x="0" y="0"/>
+          <a:ext cx="0" cy="0"/>
+          <a:chOff x="0" y="0"/>
+          <a:chExt cx="0" cy="0"/>
+        </a:xfrm>
+      </p:grpSpPr>
+      <p:pic>
+        <p:nvPicPr>
+          <p:cNvPr id="3" name="Picture 2">
+            <a:extLst>
+              <a:ext uri="{FF2B5EF4-FFF2-40B4-BE49-F238E27FC236}">
+                <a16:creationId xmlns:a16="http://schemas.microsoft.com/office/drawing/2014/main" id="{D1A65D5D-93C3-DECA-3EF6-CABCC266788E}"/>
+              </a:ext>
+            </a:extLst>
+          </p:cNvPr>
+          <p:cNvPicPr>
+            <a:picLocks noChangeAspect="1"/>
+          </p:cNvPicPr>
+          <p:nvPr/>
+        </p:nvPicPr>
+        <p:blipFill>
+          <a:blip r:embed="rId2"/>
+          <a:stretch>
+            <a:fillRect/>
+          </a:stretch>
+        </p:blipFill>
+        <p:spPr>
+          <a:xfrm>
+            <a:off x="2895416" y="1203325"/>
+            <a:ext cx="6401167" cy="4451350"/>
+          </a:xfrm>
+          <a:prstGeom prst="rect">
+            <a:avLst/>
+          </a:prstGeom>
+        </p:spPr>
+      </p:pic>
+      <p:sp>
+        <p:nvSpPr>
+          <p:cNvPr id="4" name="Rectangle 3">
+            <a:extLst>
+              <a:ext uri="{FF2B5EF4-FFF2-40B4-BE49-F238E27FC236}">
+                <a16:creationId xmlns:a16="http://schemas.microsoft.com/office/drawing/2014/main" id="{8FB77DCE-69A4-79D9-E523-760402FA9EDC}"/>
+              </a:ext>
+            </a:extLst>
+          </p:cNvPr>
+          <p:cNvSpPr/>
+          <p:nvPr/>
+        </p:nvSpPr>
+        <p:spPr>
+          <a:xfrm>
+            <a:off x="6845300" y="2959100"/>
+            <a:ext cx="317500" cy="292100"/>
+          </a:xfrm>
+          <a:prstGeom prst="rect">
+            <a:avLst/>
+          </a:prstGeom>
+          <a:noFill/>
+          <a:ln>
+            <a:solidFill>
+              <a:srgbClr val="C00000"/>
+            </a:solidFill>
+          </a:ln>
+        </p:spPr>
+        <p:style>
+          <a:lnRef idx="2">
+            <a:schemeClr val="accent1">
+              <a:shade val="50000"/>
+            </a:schemeClr>
+          </a:lnRef>
+          <a:fillRef idx="1">
+            <a:schemeClr val="accent1"/>
+          </a:fillRef>
+          <a:effectRef idx="0">
+            <a:schemeClr val="accent1"/>
+          </a:effectRef>
+          <a:fontRef idx="minor">
+            <a:schemeClr val="lt1"/>
+          </a:fontRef>
+        </p:style>
+        <p:txBody>
+          <a:bodyPr rtlCol="0" anchor="ctr"/>
+          <a:lstStyle/>
+          <a:p>
+            <a:pPr algn="ctr"/>
+            <a:endParaRPr lang="en-US"/>
+          </a:p>
+        </p:txBody>
+      </p:sp>
+      <p:pic>
+        <p:nvPicPr>
+          <p:cNvPr id="6" name="Picture 5">
+            <a:extLst>
+              <a:ext uri="{FF2B5EF4-FFF2-40B4-BE49-F238E27FC236}">
+                <a16:creationId xmlns:a16="http://schemas.microsoft.com/office/drawing/2014/main" id="{4894446C-0981-08D5-EB12-D95573789A0D}"/>
+              </a:ext>
+            </a:extLst>
+          </p:cNvPr>
+          <p:cNvPicPr>
+            <a:picLocks noChangeAspect="1"/>
+          </p:cNvPicPr>
+          <p:nvPr/>
+        </p:nvPicPr>
+        <p:blipFill>
+          <a:blip r:embed="rId3"/>
+          <a:stretch>
+            <a:fillRect/>
+          </a:stretch>
+        </p:blipFill>
+        <p:spPr>
+          <a:xfrm>
+            <a:off x="7492896" y="3628231"/>
+            <a:ext cx="1803687" cy="1629569"/>
+          </a:xfrm>
+          <a:prstGeom prst="rect">
+            <a:avLst/>
+          </a:prstGeom>
+          <a:ln w="28575">
+            <a:solidFill>
+              <a:srgbClr val="C00000"/>
+            </a:solidFill>
+          </a:ln>
+        </p:spPr>
+      </p:pic>
+      <p:cxnSp>
+        <p:nvCxnSpPr>
+          <p:cNvPr id="8" name="Straight Arrow Connector 7">
+            <a:extLst>
+              <a:ext uri="{FF2B5EF4-FFF2-40B4-BE49-F238E27FC236}">
+                <a16:creationId xmlns:a16="http://schemas.microsoft.com/office/drawing/2014/main" id="{63AE5DE0-3AAD-2E04-ACBF-74CD64836D50}"/>
+              </a:ext>
+            </a:extLst>
+          </p:cNvPr>
+          <p:cNvCxnSpPr>
+            <a:cxnSpLocks/>
+          </p:cNvCxnSpPr>
+          <p:nvPr/>
+        </p:nvCxnSpPr>
+        <p:spPr>
+          <a:xfrm flipH="1" flipV="1">
+            <a:off x="7162800" y="2959100"/>
+            <a:ext cx="2133783" cy="669131"/>
+          </a:xfrm>
+          <a:prstGeom prst="straightConnector1">
+            <a:avLst/>
+          </a:prstGeom>
+          <a:ln w="38100">
+            <a:solidFill>
+              <a:srgbClr val="C00000"/>
+            </a:solidFill>
+            <a:headEnd type="triangle" w="med" len="med"/>
+            <a:tailEnd type="none" w="med" len="med"/>
+          </a:ln>
+        </p:spPr>
+        <p:style>
+          <a:lnRef idx="1">
+            <a:schemeClr val="accent1"/>
+          </a:lnRef>
+          <a:fillRef idx="0">
+            <a:schemeClr val="accent1"/>
+          </a:fillRef>
+          <a:effectRef idx="0">
+            <a:schemeClr val="accent1"/>
+          </a:effectRef>
+          <a:fontRef idx="minor">
+            <a:schemeClr val="tx1"/>
+          </a:fontRef>
+        </p:style>
+      </p:cxnSp>
+      <p:cxnSp>
+        <p:nvCxnSpPr>
+          <p:cNvPr id="12" name="Straight Arrow Connector 11">
+            <a:extLst>
+              <a:ext uri="{FF2B5EF4-FFF2-40B4-BE49-F238E27FC236}">
+                <a16:creationId xmlns:a16="http://schemas.microsoft.com/office/drawing/2014/main" id="{368C2FC3-4D4C-0B4D-424E-C0D01503B2E8}"/>
+              </a:ext>
+            </a:extLst>
+          </p:cNvPr>
+          <p:cNvCxnSpPr>
+            <a:cxnSpLocks/>
+          </p:cNvCxnSpPr>
+          <p:nvPr/>
+        </p:nvCxnSpPr>
+        <p:spPr>
+          <a:xfrm flipH="1" flipV="1">
+            <a:off x="6845300" y="3293665"/>
+            <a:ext cx="647596" cy="1983979"/>
+          </a:xfrm>
+          <a:prstGeom prst="straightConnector1">
+            <a:avLst/>
+          </a:prstGeom>
+          <a:ln w="38100">
+            <a:solidFill>
+              <a:srgbClr val="C00000"/>
+            </a:solidFill>
+            <a:headEnd type="triangle" w="med" len="med"/>
+            <a:tailEnd type="none" w="med" len="med"/>
+          </a:ln>
+        </p:spPr>
+        <p:style>
+          <a:lnRef idx="1">
+            <a:schemeClr val="accent1"/>
+          </a:lnRef>
+          <a:fillRef idx="0">
+            <a:schemeClr val="accent1"/>
+          </a:fillRef>
+          <a:effectRef idx="0">
+            <a:schemeClr val="accent1"/>
+          </a:effectRef>
+          <a:fontRef idx="minor">
+            <a:schemeClr val="tx1"/>
+          </a:fontRef>
+        </p:style>
+      </p:cxnSp>
+      <p:sp>
+        <p:nvSpPr>
+          <p:cNvPr id="15" name="TextBox 14">
+            <a:extLst>
+              <a:ext uri="{FF2B5EF4-FFF2-40B4-BE49-F238E27FC236}">
+                <a16:creationId xmlns:a16="http://schemas.microsoft.com/office/drawing/2014/main" id="{8DF210C4-4277-A15E-9A02-BA5DABBE4AD1}"/>
+              </a:ext>
+            </a:extLst>
+          </p:cNvPr>
+          <p:cNvSpPr txBox="1"/>
+          <p:nvPr/>
+        </p:nvSpPr>
+        <p:spPr>
+          <a:xfrm>
+            <a:off x="5793792" y="1838229"/>
+            <a:ext cx="2407920" cy="369332"/>
+          </a:xfrm>
+          <a:prstGeom prst="rect">
+            <a:avLst/>
+          </a:prstGeom>
+          <a:noFill/>
+        </p:spPr>
+        <p:txBody>
+          <a:bodyPr wrap="square" rtlCol="0">
+            <a:spAutoFit/>
+          </a:bodyPr>
+          <a:lstStyle/>
+          <a:p>
+            <a:r>
+              <a:rPr lang="en-US" dirty="0">
+                <a:solidFill>
+                  <a:schemeClr val="bg2">
+                    <a:lumMod val="90000"/>
+                  </a:schemeClr>
+                </a:solidFill>
+              </a:rPr>
+              <a:t>Short period mode</a:t>
+            </a:r>
+          </a:p>
+        </p:txBody>
+      </p:sp>
+      <p:sp>
+        <p:nvSpPr>
+          <p:cNvPr id="16" name="TextBox 15">
+            <a:extLst>
+              <a:ext uri="{FF2B5EF4-FFF2-40B4-BE49-F238E27FC236}">
+                <a16:creationId xmlns:a16="http://schemas.microsoft.com/office/drawing/2014/main" id="{43FC3A68-4077-574F-BE7E-9AF025D41282}"/>
+              </a:ext>
+            </a:extLst>
+          </p:cNvPr>
+          <p:cNvSpPr txBox="1"/>
+          <p:nvPr/>
+        </p:nvSpPr>
+        <p:spPr>
+          <a:xfrm>
+            <a:off x="3227122" y="1838229"/>
+            <a:ext cx="2407920" cy="369332"/>
+          </a:xfrm>
+          <a:prstGeom prst="rect">
+            <a:avLst/>
+          </a:prstGeom>
+          <a:noFill/>
+        </p:spPr>
+        <p:txBody>
+          <a:bodyPr wrap="square" rtlCol="0">
+            <a:spAutoFit/>
+          </a:bodyPr>
+          <a:lstStyle/>
+          <a:p>
+            <a:r>
+              <a:rPr lang="en-US" dirty="0">
+                <a:solidFill>
+                  <a:schemeClr val="bg2">
+                    <a:lumMod val="90000"/>
+                  </a:schemeClr>
+                </a:solidFill>
+              </a:rPr>
+              <a:t>Phugoid mode</a:t>
+            </a:r>
+          </a:p>
+        </p:txBody>
+      </p:sp>
+      <p:cxnSp>
+        <p:nvCxnSpPr>
+          <p:cNvPr id="17" name="Straight Arrow Connector 16">
+            <a:extLst>
+              <a:ext uri="{FF2B5EF4-FFF2-40B4-BE49-F238E27FC236}">
+                <a16:creationId xmlns:a16="http://schemas.microsoft.com/office/drawing/2014/main" id="{CA0FF82D-BB61-77B3-D9C5-5AECC8AF8247}"/>
+              </a:ext>
+            </a:extLst>
+          </p:cNvPr>
+          <p:cNvCxnSpPr>
+            <a:cxnSpLocks/>
+          </p:cNvCxnSpPr>
+          <p:nvPr/>
+        </p:nvCxnSpPr>
+        <p:spPr>
+          <a:xfrm flipH="1">
+            <a:off x="3771000" y="2207561"/>
+            <a:ext cx="115200" cy="345139"/>
+          </a:xfrm>
+          <a:prstGeom prst="straightConnector1">
+            <a:avLst/>
+          </a:prstGeom>
+          <a:ln w="28575">
+            <a:solidFill>
+              <a:schemeClr val="bg2"/>
+            </a:solidFill>
+            <a:tailEnd type="triangle"/>
+          </a:ln>
+        </p:spPr>
+        <p:style>
+          <a:lnRef idx="1">
+            <a:schemeClr val="accent1"/>
+          </a:lnRef>
+          <a:fillRef idx="0">
+            <a:schemeClr val="accent1"/>
+          </a:fillRef>
+          <a:effectRef idx="0">
+            <a:schemeClr val="accent1"/>
+          </a:effectRef>
+          <a:fontRef idx="minor">
+            <a:schemeClr val="tx1"/>
+          </a:fontRef>
+        </p:style>
+      </p:cxnSp>
+      <p:cxnSp>
+        <p:nvCxnSpPr>
+          <p:cNvPr id="18" name="Straight Arrow Connector 17">
+            <a:extLst>
+              <a:ext uri="{FF2B5EF4-FFF2-40B4-BE49-F238E27FC236}">
+                <a16:creationId xmlns:a16="http://schemas.microsoft.com/office/drawing/2014/main" id="{FD92BE2C-517B-CCBF-23D8-E18BAE4E63A2}"/>
+              </a:ext>
+            </a:extLst>
+          </p:cNvPr>
+          <p:cNvCxnSpPr>
+            <a:cxnSpLocks/>
+            <a:stCxn id="15" idx="2"/>
+          </p:cNvCxnSpPr>
+          <p:nvPr/>
+        </p:nvCxnSpPr>
+        <p:spPr>
+          <a:xfrm>
+            <a:off x="6997752" y="2207561"/>
+            <a:ext cx="8081" cy="751539"/>
+          </a:xfrm>
+          <a:prstGeom prst="straightConnector1">
+            <a:avLst/>
+          </a:prstGeom>
+          <a:ln w="28575">
+            <a:solidFill>
+              <a:schemeClr val="bg2"/>
+            </a:solidFill>
+            <a:tailEnd type="triangle"/>
+          </a:ln>
+        </p:spPr>
+        <p:style>
+          <a:lnRef idx="1">
+            <a:schemeClr val="accent1"/>
+          </a:lnRef>
+          <a:fillRef idx="0">
+            <a:schemeClr val="accent1"/>
+          </a:fillRef>
+          <a:effectRef idx="0">
+            <a:schemeClr val="accent1"/>
+          </a:effectRef>
+          <a:fontRef idx="minor">
+            <a:schemeClr val="tx1"/>
+          </a:fontRef>
+        </p:style>
+      </p:cxnSp>
+    </p:spTree>
+    <p:extLst>
+      <p:ext uri="{BB962C8B-B14F-4D97-AF65-F5344CB8AC3E}">
+        <p14:creationId xmlns:p14="http://schemas.microsoft.com/office/powerpoint/2010/main" val="1004872656"/>
       </p:ext>
     </p:extLst>
   </p:cSld>

--- a/TechnicalReport/Figures.pptx
+++ b/TechnicalReport/Figures.pptx
@@ -21,6 +21,9 @@
     <p:sldId id="269" r:id="rId15"/>
     <p:sldId id="270" r:id="rId16"/>
     <p:sldId id="271" r:id="rId17"/>
+    <p:sldId id="272" r:id="rId18"/>
+    <p:sldId id="273" r:id="rId19"/>
+    <p:sldId id="274" r:id="rId20"/>
   </p:sldIdLst>
   <p:sldSz cx="12192000" cy="6858000"/>
   <p:notesSz cx="6858000" cy="9144000"/>
@@ -14658,6 +14661,3608 @@
 </p:sld>
 </file>
 
+<file path=ppt/slides/slide17.xml><?xml version="1.0" encoding="utf-8"?>
+<p:sld xmlns:a="http://schemas.openxmlformats.org/drawingml/2006/main" xmlns:r="http://schemas.openxmlformats.org/officeDocument/2006/relationships" xmlns:p="http://schemas.openxmlformats.org/presentationml/2006/main">
+  <p:cSld>
+    <p:spTree>
+      <p:nvGrpSpPr>
+        <p:cNvPr id="1" name=""/>
+        <p:cNvGrpSpPr/>
+        <p:nvPr/>
+      </p:nvGrpSpPr>
+      <p:grpSpPr>
+        <a:xfrm>
+          <a:off x="0" y="0"/>
+          <a:ext cx="0" cy="0"/>
+          <a:chOff x="0" y="0"/>
+          <a:chExt cx="0" cy="0"/>
+        </a:xfrm>
+      </p:grpSpPr>
+      <p:grpSp>
+        <p:nvGrpSpPr>
+          <p:cNvPr id="19" name="Group 18">
+            <a:extLst>
+              <a:ext uri="{FF2B5EF4-FFF2-40B4-BE49-F238E27FC236}">
+                <a16:creationId xmlns:a16="http://schemas.microsoft.com/office/drawing/2014/main" id="{D8B95F1F-BDCB-6BE9-50DF-047BC542E6F5}"/>
+              </a:ext>
+            </a:extLst>
+          </p:cNvPr>
+          <p:cNvGrpSpPr/>
+          <p:nvPr/>
+        </p:nvGrpSpPr>
+        <p:grpSpPr>
+          <a:xfrm>
+            <a:off x="2233612" y="76200"/>
+            <a:ext cx="9058275" cy="6705600"/>
+            <a:chOff x="2233612" y="76200"/>
+            <a:chExt cx="9058275" cy="6705600"/>
+          </a:xfrm>
+        </p:grpSpPr>
+        <p:pic>
+          <p:nvPicPr>
+            <p:cNvPr id="18" name="Picture 17">
+              <a:extLst>
+                <a:ext uri="{FF2B5EF4-FFF2-40B4-BE49-F238E27FC236}">
+                  <a16:creationId xmlns:a16="http://schemas.microsoft.com/office/drawing/2014/main" id="{568A8195-33E5-1D77-C4C6-8433BC4ED8B5}"/>
+                </a:ext>
+              </a:extLst>
+            </p:cNvPr>
+            <p:cNvPicPr>
+              <a:picLocks noChangeAspect="1"/>
+            </p:cNvPicPr>
+            <p:nvPr/>
+          </p:nvPicPr>
+          <p:blipFill>
+            <a:blip r:embed="rId2"/>
+            <a:stretch>
+              <a:fillRect/>
+            </a:stretch>
+          </p:blipFill>
+          <p:spPr>
+            <a:xfrm>
+              <a:off x="2233612" y="76200"/>
+              <a:ext cx="9058275" cy="6705600"/>
+            </a:xfrm>
+            <a:prstGeom prst="rect">
+              <a:avLst/>
+            </a:prstGeom>
+          </p:spPr>
+        </p:pic>
+        <mc:AlternateContent xmlns:mc="http://schemas.openxmlformats.org/markup-compatibility/2006">
+          <mc:Choice xmlns:a14="http://schemas.microsoft.com/office/drawing/2010/main" Requires="a14">
+            <p:sp>
+              <p:nvSpPr>
+                <p:cNvPr id="4" name="TextBox 3">
+                  <a:extLst>
+                    <a:ext uri="{FF2B5EF4-FFF2-40B4-BE49-F238E27FC236}">
+                      <a16:creationId xmlns:a16="http://schemas.microsoft.com/office/drawing/2014/main" id="{2C3664E8-B2A7-1B06-6C98-728F13254F79}"/>
+                    </a:ext>
+                  </a:extLst>
+                </p:cNvPr>
+                <p:cNvSpPr txBox="1"/>
+                <p:nvPr/>
+              </p:nvSpPr>
+              <p:spPr>
+                <a:xfrm>
+                  <a:off x="2851737" y="3059668"/>
+                  <a:ext cx="2407920" cy="369332"/>
+                </a:xfrm>
+                <a:prstGeom prst="rect">
+                  <a:avLst/>
+                </a:prstGeom>
+                <a:noFill/>
+              </p:spPr>
+              <p:txBody>
+                <a:bodyPr wrap="square" rtlCol="0">
+                  <a:spAutoFit/>
+                </a:bodyPr>
+                <a:lstStyle/>
+                <a:p>
+                  <a14:m>
+                    <m:oMathPara xmlns:m="http://schemas.openxmlformats.org/officeDocument/2006/math">
+                      <m:oMathParaPr>
+                        <m:jc m:val="centerGroup"/>
+                      </m:oMathParaPr>
+                      <m:oMath xmlns:m="http://schemas.openxmlformats.org/officeDocument/2006/math">
+                        <m:r>
+                          <a:rPr lang="en-US" b="0" i="1" smtClean="0">
+                            <a:solidFill>
+                              <a:schemeClr val="bg2">
+                                <a:lumMod val="90000"/>
+                              </a:schemeClr>
+                            </a:solidFill>
+                            <a:latin typeface="Cambria Math" panose="02040503050406030204" pitchFamily="18" charset="0"/>
+                          </a:rPr>
+                          <m:t>𝑇</m:t>
+                        </m:r>
+                        <m:r>
+                          <a:rPr lang="en-US" b="0" i="1" smtClean="0">
+                            <a:solidFill>
+                              <a:schemeClr val="bg2">
+                                <a:lumMod val="90000"/>
+                              </a:schemeClr>
+                            </a:solidFill>
+                            <a:latin typeface="Cambria Math" panose="02040503050406030204" pitchFamily="18" charset="0"/>
+                          </a:rPr>
+                          <m:t>~ 66.67 [</m:t>
+                        </m:r>
+                        <m:r>
+                          <a:rPr lang="en-US" b="0" i="1" smtClean="0">
+                            <a:solidFill>
+                              <a:schemeClr val="bg2">
+                                <a:lumMod val="90000"/>
+                              </a:schemeClr>
+                            </a:solidFill>
+                            <a:latin typeface="Cambria Math" panose="02040503050406030204" pitchFamily="18" charset="0"/>
+                          </a:rPr>
+                          <m:t>𝑠𝑒𝑐</m:t>
+                        </m:r>
+                        <m:r>
+                          <a:rPr lang="en-US" b="0" i="1" smtClean="0">
+                            <a:solidFill>
+                              <a:schemeClr val="bg2">
+                                <a:lumMod val="90000"/>
+                              </a:schemeClr>
+                            </a:solidFill>
+                            <a:latin typeface="Cambria Math" panose="02040503050406030204" pitchFamily="18" charset="0"/>
+                          </a:rPr>
+                          <m:t>] </m:t>
+                        </m:r>
+                      </m:oMath>
+                    </m:oMathPara>
+                  </a14:m>
+                  <a:endParaRPr lang="en-US" dirty="0">
+                    <a:solidFill>
+                      <a:schemeClr val="bg2">
+                        <a:lumMod val="90000"/>
+                      </a:schemeClr>
+                    </a:solidFill>
+                  </a:endParaRPr>
+                </a:p>
+              </p:txBody>
+            </p:sp>
+          </mc:Choice>
+          <mc:Fallback>
+            <p:sp>
+              <p:nvSpPr>
+                <p:cNvPr id="4" name="TextBox 3">
+                  <a:extLst>
+                    <a:ext uri="{FF2B5EF4-FFF2-40B4-BE49-F238E27FC236}">
+                      <a16:creationId xmlns:a16="http://schemas.microsoft.com/office/drawing/2014/main" id="{2C3664E8-B2A7-1B06-6C98-728F13254F79}"/>
+                    </a:ext>
+                  </a:extLst>
+                </p:cNvPr>
+                <p:cNvSpPr txBox="1">
+                  <a:spLocks noRot="1" noChangeAspect="1" noMove="1" noResize="1" noEditPoints="1" noAdjustHandles="1" noChangeArrowheads="1" noChangeShapeType="1" noTextEdit="1"/>
+                </p:cNvSpPr>
+                <p:nvPr/>
+              </p:nvSpPr>
+              <p:spPr>
+                <a:xfrm>
+                  <a:off x="2851737" y="3059668"/>
+                  <a:ext cx="2407920" cy="369332"/>
+                </a:xfrm>
+                <a:prstGeom prst="rect">
+                  <a:avLst/>
+                </a:prstGeom>
+                <a:blipFill>
+                  <a:blip r:embed="rId3"/>
+                  <a:stretch>
+                    <a:fillRect b="-14754"/>
+                  </a:stretch>
+                </a:blipFill>
+              </p:spPr>
+              <p:txBody>
+                <a:bodyPr/>
+                <a:lstStyle/>
+                <a:p>
+                  <a:r>
+                    <a:rPr lang="en-US">
+                      <a:noFill/>
+                    </a:rPr>
+                    <a:t> </a:t>
+                  </a:r>
+                </a:p>
+              </p:txBody>
+            </p:sp>
+          </mc:Fallback>
+        </mc:AlternateContent>
+        <p:cxnSp>
+          <p:nvCxnSpPr>
+            <p:cNvPr id="6" name="Straight Arrow Connector 5">
+              <a:extLst>
+                <a:ext uri="{FF2B5EF4-FFF2-40B4-BE49-F238E27FC236}">
+                  <a16:creationId xmlns:a16="http://schemas.microsoft.com/office/drawing/2014/main" id="{40E29B41-7A9E-2193-F3AE-1D96EAA88B5C}"/>
+                </a:ext>
+              </a:extLst>
+            </p:cNvPr>
+            <p:cNvCxnSpPr>
+              <a:cxnSpLocks/>
+            </p:cNvCxnSpPr>
+            <p:nvPr/>
+          </p:nvCxnSpPr>
+          <p:spPr>
+            <a:xfrm>
+              <a:off x="3311091" y="3021167"/>
+              <a:ext cx="1183907" cy="0"/>
+            </a:xfrm>
+            <a:prstGeom prst="straightConnector1">
+              <a:avLst/>
+            </a:prstGeom>
+            <a:ln w="19050">
+              <a:solidFill>
+                <a:schemeClr val="bg1"/>
+              </a:solidFill>
+              <a:headEnd type="triangle" w="med" len="med"/>
+              <a:tailEnd type="triangle" w="med" len="med"/>
+            </a:ln>
+          </p:spPr>
+          <p:style>
+            <a:lnRef idx="1">
+              <a:schemeClr val="accent1"/>
+            </a:lnRef>
+            <a:fillRef idx="0">
+              <a:schemeClr val="accent1"/>
+            </a:fillRef>
+            <a:effectRef idx="0">
+              <a:schemeClr val="accent1"/>
+            </a:effectRef>
+            <a:fontRef idx="minor">
+              <a:schemeClr val="tx1"/>
+            </a:fontRef>
+          </p:style>
+        </p:cxnSp>
+        <p:cxnSp>
+          <p:nvCxnSpPr>
+            <p:cNvPr id="12" name="Straight Connector 11">
+              <a:extLst>
+                <a:ext uri="{FF2B5EF4-FFF2-40B4-BE49-F238E27FC236}">
+                  <a16:creationId xmlns:a16="http://schemas.microsoft.com/office/drawing/2014/main" id="{C480C131-DA3B-9548-C747-745F8A08420C}"/>
+                </a:ext>
+              </a:extLst>
+            </p:cNvPr>
+            <p:cNvCxnSpPr>
+              <a:cxnSpLocks/>
+            </p:cNvCxnSpPr>
+            <p:nvPr/>
+          </p:nvCxnSpPr>
+          <p:spPr>
+            <a:xfrm>
+              <a:off x="4494998" y="2579571"/>
+              <a:ext cx="0" cy="480097"/>
+            </a:xfrm>
+            <a:prstGeom prst="line">
+              <a:avLst/>
+            </a:prstGeom>
+            <a:ln w="19050">
+              <a:solidFill>
+                <a:schemeClr val="bg1"/>
+              </a:solidFill>
+              <a:prstDash val="dash"/>
+            </a:ln>
+          </p:spPr>
+          <p:style>
+            <a:lnRef idx="1">
+              <a:schemeClr val="accent1"/>
+            </a:lnRef>
+            <a:fillRef idx="0">
+              <a:schemeClr val="accent1"/>
+            </a:fillRef>
+            <a:effectRef idx="0">
+              <a:schemeClr val="accent1"/>
+            </a:effectRef>
+            <a:fontRef idx="minor">
+              <a:schemeClr val="tx1"/>
+            </a:fontRef>
+          </p:style>
+        </p:cxnSp>
+        <p:cxnSp>
+          <p:nvCxnSpPr>
+            <p:cNvPr id="15" name="Straight Connector 14">
+              <a:extLst>
+                <a:ext uri="{FF2B5EF4-FFF2-40B4-BE49-F238E27FC236}">
+                  <a16:creationId xmlns:a16="http://schemas.microsoft.com/office/drawing/2014/main" id="{BD9E53F3-A417-6AF9-DB4C-DFD00FE8751C}"/>
+                </a:ext>
+              </a:extLst>
+            </p:cNvPr>
+            <p:cNvCxnSpPr>
+              <a:cxnSpLocks/>
+            </p:cNvCxnSpPr>
+            <p:nvPr/>
+          </p:nvCxnSpPr>
+          <p:spPr>
+            <a:xfrm>
+              <a:off x="3311091" y="2906829"/>
+              <a:ext cx="0" cy="152839"/>
+            </a:xfrm>
+            <a:prstGeom prst="line">
+              <a:avLst/>
+            </a:prstGeom>
+            <a:ln w="19050">
+              <a:solidFill>
+                <a:schemeClr val="bg1"/>
+              </a:solidFill>
+              <a:prstDash val="dash"/>
+            </a:ln>
+          </p:spPr>
+          <p:style>
+            <a:lnRef idx="1">
+              <a:schemeClr val="accent1"/>
+            </a:lnRef>
+            <a:fillRef idx="0">
+              <a:schemeClr val="accent1"/>
+            </a:fillRef>
+            <a:effectRef idx="0">
+              <a:schemeClr val="accent1"/>
+            </a:effectRef>
+            <a:fontRef idx="minor">
+              <a:schemeClr val="tx1"/>
+            </a:fontRef>
+          </p:style>
+        </p:cxnSp>
+      </p:grpSp>
+    </p:spTree>
+    <p:extLst>
+      <p:ext uri="{BB962C8B-B14F-4D97-AF65-F5344CB8AC3E}">
+        <p14:creationId xmlns:p14="http://schemas.microsoft.com/office/powerpoint/2010/main" val="3777747364"/>
+      </p:ext>
+    </p:extLst>
+  </p:cSld>
+  <p:clrMapOvr>
+    <a:masterClrMapping/>
+  </p:clrMapOvr>
+</p:sld>
+</file>
+
+<file path=ppt/slides/slide18.xml><?xml version="1.0" encoding="utf-8"?>
+<p:sld xmlns:a="http://schemas.openxmlformats.org/drawingml/2006/main" xmlns:r="http://schemas.openxmlformats.org/officeDocument/2006/relationships" xmlns:p="http://schemas.openxmlformats.org/presentationml/2006/main">
+  <p:cSld>
+    <p:spTree>
+      <p:nvGrpSpPr>
+        <p:cNvPr id="1" name=""/>
+        <p:cNvGrpSpPr/>
+        <p:nvPr/>
+      </p:nvGrpSpPr>
+      <p:grpSpPr>
+        <a:xfrm>
+          <a:off x="0" y="0"/>
+          <a:ext cx="0" cy="0"/>
+          <a:chOff x="0" y="0"/>
+          <a:chExt cx="0" cy="0"/>
+        </a:xfrm>
+      </p:grpSpPr>
+      <p:pic>
+        <p:nvPicPr>
+          <p:cNvPr id="27" name="Picture 26">
+            <a:extLst>
+              <a:ext uri="{FF2B5EF4-FFF2-40B4-BE49-F238E27FC236}">
+                <a16:creationId xmlns:a16="http://schemas.microsoft.com/office/drawing/2014/main" id="{245E93C8-26BC-F568-B9E8-BAB43A7F0048}"/>
+              </a:ext>
+            </a:extLst>
+          </p:cNvPr>
+          <p:cNvPicPr>
+            <a:picLocks noChangeAspect="1"/>
+          </p:cNvPicPr>
+          <p:nvPr/>
+        </p:nvPicPr>
+        <p:blipFill>
+          <a:blip r:embed="rId2"/>
+          <a:stretch>
+            <a:fillRect/>
+          </a:stretch>
+        </p:blipFill>
+        <p:spPr>
+          <a:xfrm>
+            <a:off x="787927" y="128588"/>
+            <a:ext cx="4687634" cy="3519486"/>
+          </a:xfrm>
+          <a:prstGeom prst="rect">
+            <a:avLst/>
+          </a:prstGeom>
+        </p:spPr>
+      </p:pic>
+      <mc:AlternateContent xmlns:mc="http://schemas.openxmlformats.org/markup-compatibility/2006">
+        <mc:Choice xmlns:a14="http://schemas.microsoft.com/office/drawing/2010/main" Requires="a14">
+          <p:sp>
+            <p:nvSpPr>
+              <p:cNvPr id="4" name="TextBox 3">
+                <a:extLst>
+                  <a:ext uri="{FF2B5EF4-FFF2-40B4-BE49-F238E27FC236}">
+                    <a16:creationId xmlns:a16="http://schemas.microsoft.com/office/drawing/2014/main" id="{6BEF40EB-1E3D-0A1B-909D-696B58AEE572}"/>
+                  </a:ext>
+                </a:extLst>
+              </p:cNvPr>
+              <p:cNvSpPr txBox="1"/>
+              <p:nvPr/>
+            </p:nvSpPr>
+            <p:spPr>
+              <a:xfrm>
+                <a:off x="958688" y="1802136"/>
+                <a:ext cx="1265614" cy="369332"/>
+              </a:xfrm>
+              <a:prstGeom prst="rect">
+                <a:avLst/>
+              </a:prstGeom>
+              <a:noFill/>
+            </p:spPr>
+            <p:txBody>
+              <a:bodyPr wrap="square" rtlCol="0">
+                <a:spAutoFit/>
+              </a:bodyPr>
+              <a:lstStyle/>
+              <a:p>
+                <a14:m>
+                  <m:oMathPara xmlns:m="http://schemas.openxmlformats.org/officeDocument/2006/math">
+                    <m:oMathParaPr>
+                      <m:jc m:val="centerGroup"/>
+                    </m:oMathParaPr>
+                    <m:oMath xmlns:m="http://schemas.openxmlformats.org/officeDocument/2006/math">
+                      <m:r>
+                        <a:rPr lang="en-US" b="0" i="1" smtClean="0">
+                          <a:solidFill>
+                            <a:schemeClr val="bg1"/>
+                          </a:solidFill>
+                          <a:latin typeface="Cambria Math" panose="02040503050406030204" pitchFamily="18" charset="0"/>
+                        </a:rPr>
+                        <m:t>𝑇</m:t>
+                      </m:r>
+                      <m:r>
+                        <a:rPr lang="en-US" b="0" i="1" smtClean="0">
+                          <a:solidFill>
+                            <a:schemeClr val="bg1"/>
+                          </a:solidFill>
+                          <a:latin typeface="Cambria Math" panose="02040503050406030204" pitchFamily="18" charset="0"/>
+                        </a:rPr>
+                        <m:t>~ 0.60 [</m:t>
+                      </m:r>
+                      <m:r>
+                        <a:rPr lang="en-US" b="0" i="1" smtClean="0">
+                          <a:solidFill>
+                            <a:schemeClr val="bg1"/>
+                          </a:solidFill>
+                          <a:latin typeface="Cambria Math" panose="02040503050406030204" pitchFamily="18" charset="0"/>
+                        </a:rPr>
+                        <m:t>𝑠𝑒𝑐</m:t>
+                      </m:r>
+                      <m:r>
+                        <a:rPr lang="en-US" b="0" i="1" smtClean="0">
+                          <a:solidFill>
+                            <a:schemeClr val="bg1"/>
+                          </a:solidFill>
+                          <a:latin typeface="Cambria Math" panose="02040503050406030204" pitchFamily="18" charset="0"/>
+                        </a:rPr>
+                        <m:t>] </m:t>
+                      </m:r>
+                    </m:oMath>
+                  </m:oMathPara>
+                </a14:m>
+                <a:endParaRPr lang="en-US" dirty="0">
+                  <a:solidFill>
+                    <a:schemeClr val="bg2">
+                      <a:lumMod val="90000"/>
+                    </a:schemeClr>
+                  </a:solidFill>
+                </a:endParaRPr>
+              </a:p>
+            </p:txBody>
+          </p:sp>
+        </mc:Choice>
+        <mc:Fallback>
+          <p:sp>
+            <p:nvSpPr>
+              <p:cNvPr id="4" name="TextBox 3">
+                <a:extLst>
+                  <a:ext uri="{FF2B5EF4-FFF2-40B4-BE49-F238E27FC236}">
+                    <a16:creationId xmlns:a16="http://schemas.microsoft.com/office/drawing/2014/main" id="{6BEF40EB-1E3D-0A1B-909D-696B58AEE572}"/>
+                  </a:ext>
+                </a:extLst>
+              </p:cNvPr>
+              <p:cNvSpPr txBox="1">
+                <a:spLocks noRot="1" noChangeAspect="1" noMove="1" noResize="1" noEditPoints="1" noAdjustHandles="1" noChangeArrowheads="1" noChangeShapeType="1" noTextEdit="1"/>
+              </p:cNvSpPr>
+              <p:nvPr/>
+            </p:nvSpPr>
+            <p:spPr>
+              <a:xfrm>
+                <a:off x="958688" y="1802136"/>
+                <a:ext cx="1265614" cy="369332"/>
+              </a:xfrm>
+              <a:prstGeom prst="rect">
+                <a:avLst/>
+              </a:prstGeom>
+              <a:blipFill>
+                <a:blip r:embed="rId3"/>
+                <a:stretch>
+                  <a:fillRect r="-20673" b="-16667"/>
+                </a:stretch>
+              </a:blipFill>
+            </p:spPr>
+            <p:txBody>
+              <a:bodyPr/>
+              <a:lstStyle/>
+              <a:p>
+                <a:r>
+                  <a:rPr lang="en-US">
+                    <a:noFill/>
+                  </a:rPr>
+                  <a:t> </a:t>
+                </a:r>
+              </a:p>
+            </p:txBody>
+          </p:sp>
+        </mc:Fallback>
+      </mc:AlternateContent>
+      <p:cxnSp>
+        <p:nvCxnSpPr>
+          <p:cNvPr id="5" name="Straight Arrow Connector 4">
+            <a:extLst>
+              <a:ext uri="{FF2B5EF4-FFF2-40B4-BE49-F238E27FC236}">
+                <a16:creationId xmlns:a16="http://schemas.microsoft.com/office/drawing/2014/main" id="{535A065C-FFFE-14F6-E4E2-2FB98F692B8A}"/>
+              </a:ext>
+            </a:extLst>
+          </p:cNvPr>
+          <p:cNvCxnSpPr>
+            <a:cxnSpLocks/>
+          </p:cNvCxnSpPr>
+          <p:nvPr/>
+        </p:nvCxnSpPr>
+        <p:spPr>
+          <a:xfrm>
+            <a:off x="1061306" y="1694485"/>
+            <a:ext cx="324582" cy="0"/>
+          </a:xfrm>
+          <a:prstGeom prst="straightConnector1">
+            <a:avLst/>
+          </a:prstGeom>
+          <a:ln w="19050">
+            <a:solidFill>
+              <a:schemeClr val="bg1"/>
+            </a:solidFill>
+            <a:headEnd type="triangle" w="med" len="med"/>
+            <a:tailEnd type="triangle" w="med" len="med"/>
+          </a:ln>
+        </p:spPr>
+        <p:style>
+          <a:lnRef idx="1">
+            <a:schemeClr val="accent1"/>
+          </a:lnRef>
+          <a:fillRef idx="0">
+            <a:schemeClr val="accent1"/>
+          </a:fillRef>
+          <a:effectRef idx="0">
+            <a:schemeClr val="accent1"/>
+          </a:effectRef>
+          <a:fontRef idx="minor">
+            <a:schemeClr val="tx1"/>
+          </a:fontRef>
+        </p:style>
+      </p:cxnSp>
+      <p:cxnSp>
+        <p:nvCxnSpPr>
+          <p:cNvPr id="6" name="Straight Connector 5">
+            <a:extLst>
+              <a:ext uri="{FF2B5EF4-FFF2-40B4-BE49-F238E27FC236}">
+                <a16:creationId xmlns:a16="http://schemas.microsoft.com/office/drawing/2014/main" id="{A202AFD0-9341-EA3C-94A4-295A38D7579C}"/>
+              </a:ext>
+            </a:extLst>
+          </p:cNvPr>
+          <p:cNvCxnSpPr>
+            <a:cxnSpLocks/>
+          </p:cNvCxnSpPr>
+          <p:nvPr/>
+        </p:nvCxnSpPr>
+        <p:spPr>
+          <a:xfrm>
+            <a:off x="1385888" y="1505064"/>
+            <a:ext cx="0" cy="218403"/>
+          </a:xfrm>
+          <a:prstGeom prst="line">
+            <a:avLst/>
+          </a:prstGeom>
+          <a:ln w="19050">
+            <a:solidFill>
+              <a:schemeClr val="bg1"/>
+            </a:solidFill>
+            <a:prstDash val="dash"/>
+          </a:ln>
+        </p:spPr>
+        <p:style>
+          <a:lnRef idx="1">
+            <a:schemeClr val="accent1"/>
+          </a:lnRef>
+          <a:fillRef idx="0">
+            <a:schemeClr val="accent1"/>
+          </a:fillRef>
+          <a:effectRef idx="0">
+            <a:schemeClr val="accent1"/>
+          </a:effectRef>
+          <a:fontRef idx="minor">
+            <a:schemeClr val="tx1"/>
+          </a:fontRef>
+        </p:style>
+      </p:cxnSp>
+      <p:cxnSp>
+        <p:nvCxnSpPr>
+          <p:cNvPr id="7" name="Straight Connector 6">
+            <a:extLst>
+              <a:ext uri="{FF2B5EF4-FFF2-40B4-BE49-F238E27FC236}">
+                <a16:creationId xmlns:a16="http://schemas.microsoft.com/office/drawing/2014/main" id="{A01727DD-5E82-082A-282A-9AECCA11E6F0}"/>
+              </a:ext>
+            </a:extLst>
+          </p:cNvPr>
+          <p:cNvCxnSpPr>
+            <a:cxnSpLocks/>
+          </p:cNvCxnSpPr>
+          <p:nvPr/>
+        </p:nvCxnSpPr>
+        <p:spPr>
+          <a:xfrm flipH="1">
+            <a:off x="1059842" y="1568493"/>
+            <a:ext cx="1464" cy="161173"/>
+          </a:xfrm>
+          <a:prstGeom prst="line">
+            <a:avLst/>
+          </a:prstGeom>
+          <a:ln w="19050">
+            <a:solidFill>
+              <a:schemeClr val="bg1"/>
+            </a:solidFill>
+            <a:prstDash val="dash"/>
+          </a:ln>
+        </p:spPr>
+        <p:style>
+          <a:lnRef idx="1">
+            <a:schemeClr val="accent1"/>
+          </a:lnRef>
+          <a:fillRef idx="0">
+            <a:schemeClr val="accent1"/>
+          </a:fillRef>
+          <a:effectRef idx="0">
+            <a:schemeClr val="accent1"/>
+          </a:effectRef>
+          <a:fontRef idx="minor">
+            <a:schemeClr val="tx1"/>
+          </a:fontRef>
+        </p:style>
+      </p:cxnSp>
+      <p:sp>
+        <p:nvSpPr>
+          <p:cNvPr id="23" name="TextBox 22">
+            <a:extLst>
+              <a:ext uri="{FF2B5EF4-FFF2-40B4-BE49-F238E27FC236}">
+                <a16:creationId xmlns:a16="http://schemas.microsoft.com/office/drawing/2014/main" id="{4E8981BA-88CB-C125-E133-BAD5B7C23CE0}"/>
+              </a:ext>
+            </a:extLst>
+          </p:cNvPr>
+          <p:cNvSpPr txBox="1"/>
+          <p:nvPr/>
+        </p:nvSpPr>
+        <p:spPr>
+          <a:xfrm>
+            <a:off x="4664159" y="409271"/>
+            <a:ext cx="1265614" cy="646331"/>
+          </a:xfrm>
+          <a:prstGeom prst="rect">
+            <a:avLst/>
+          </a:prstGeom>
+          <a:noFill/>
+        </p:spPr>
+        <p:txBody>
+          <a:bodyPr wrap="square" rtlCol="0">
+            <a:spAutoFit/>
+          </a:bodyPr>
+          <a:lstStyle/>
+          <a:p>
+            <a:r>
+              <a:rPr lang="en-US" dirty="0"/>
+              <a:t>Short period</a:t>
+            </a:r>
+          </a:p>
+        </p:txBody>
+      </p:sp>
+      <p:grpSp>
+        <p:nvGrpSpPr>
+          <p:cNvPr id="17" name="Group 16">
+            <a:extLst>
+              <a:ext uri="{FF2B5EF4-FFF2-40B4-BE49-F238E27FC236}">
+                <a16:creationId xmlns:a16="http://schemas.microsoft.com/office/drawing/2014/main" id="{9CD4F587-FFA2-D65F-D5FE-295AA3A46B46}"/>
+              </a:ext>
+            </a:extLst>
+          </p:cNvPr>
+          <p:cNvGrpSpPr/>
+          <p:nvPr/>
+        </p:nvGrpSpPr>
+        <p:grpSpPr>
+          <a:xfrm>
+            <a:off x="5475561" y="128588"/>
+            <a:ext cx="4754308" cy="3519488"/>
+            <a:chOff x="2233612" y="76200"/>
+            <a:chExt cx="9058275" cy="6705600"/>
+          </a:xfrm>
+        </p:grpSpPr>
+        <p:pic>
+          <p:nvPicPr>
+            <p:cNvPr id="18" name="Picture 17">
+              <a:extLst>
+                <a:ext uri="{FF2B5EF4-FFF2-40B4-BE49-F238E27FC236}">
+                  <a16:creationId xmlns:a16="http://schemas.microsoft.com/office/drawing/2014/main" id="{026F004E-562E-6F3F-76A8-05973CAA192C}"/>
+                </a:ext>
+              </a:extLst>
+            </p:cNvPr>
+            <p:cNvPicPr>
+              <a:picLocks noChangeAspect="1"/>
+            </p:cNvPicPr>
+            <p:nvPr/>
+          </p:nvPicPr>
+          <p:blipFill>
+            <a:blip r:embed="rId4"/>
+            <a:stretch>
+              <a:fillRect/>
+            </a:stretch>
+          </p:blipFill>
+          <p:spPr>
+            <a:xfrm>
+              <a:off x="2233612" y="76200"/>
+              <a:ext cx="9058275" cy="6705600"/>
+            </a:xfrm>
+            <a:prstGeom prst="rect">
+              <a:avLst/>
+            </a:prstGeom>
+          </p:spPr>
+        </p:pic>
+        <mc:AlternateContent xmlns:mc="http://schemas.openxmlformats.org/markup-compatibility/2006">
+          <mc:Choice xmlns:a14="http://schemas.microsoft.com/office/drawing/2010/main" Requires="a14">
+            <p:sp>
+              <p:nvSpPr>
+                <p:cNvPr id="19" name="TextBox 18">
+                  <a:extLst>
+                    <a:ext uri="{FF2B5EF4-FFF2-40B4-BE49-F238E27FC236}">
+                      <a16:creationId xmlns:a16="http://schemas.microsoft.com/office/drawing/2014/main" id="{9D8BF706-BED4-FB6C-1E47-983F7CFD186B}"/>
+                    </a:ext>
+                  </a:extLst>
+                </p:cNvPr>
+                <p:cNvSpPr txBox="1"/>
+                <p:nvPr/>
+              </p:nvSpPr>
+              <p:spPr>
+                <a:xfrm>
+                  <a:off x="2506930" y="3244333"/>
+                  <a:ext cx="2407920" cy="703680"/>
+                </a:xfrm>
+                <a:prstGeom prst="rect">
+                  <a:avLst/>
+                </a:prstGeom>
+                <a:noFill/>
+                <a:ln>
+                  <a:noFill/>
+                </a:ln>
+              </p:spPr>
+              <p:txBody>
+                <a:bodyPr wrap="square" rtlCol="0">
+                  <a:spAutoFit/>
+                </a:bodyPr>
+                <a:lstStyle/>
+                <a:p>
+                  <a14:m>
+                    <m:oMathPara xmlns:m="http://schemas.openxmlformats.org/officeDocument/2006/math">
+                      <m:oMathParaPr>
+                        <m:jc m:val="centerGroup"/>
+                      </m:oMathParaPr>
+                      <m:oMath xmlns:m="http://schemas.openxmlformats.org/officeDocument/2006/math">
+                        <m:r>
+                          <a:rPr lang="en-US" b="0" i="1" smtClean="0">
+                            <a:solidFill>
+                              <a:schemeClr val="bg1"/>
+                            </a:solidFill>
+                            <a:latin typeface="Cambria Math" panose="02040503050406030204" pitchFamily="18" charset="0"/>
+                          </a:rPr>
+                          <m:t>𝑇</m:t>
+                        </m:r>
+                        <m:r>
+                          <a:rPr lang="en-US" b="0" i="1" smtClean="0">
+                            <a:solidFill>
+                              <a:schemeClr val="bg1"/>
+                            </a:solidFill>
+                            <a:latin typeface="Cambria Math" panose="02040503050406030204" pitchFamily="18" charset="0"/>
+                          </a:rPr>
+                          <m:t>~ 66.67 [</m:t>
+                        </m:r>
+                        <m:r>
+                          <a:rPr lang="en-US" b="0" i="1" smtClean="0">
+                            <a:solidFill>
+                              <a:schemeClr val="bg1"/>
+                            </a:solidFill>
+                            <a:latin typeface="Cambria Math" panose="02040503050406030204" pitchFamily="18" charset="0"/>
+                          </a:rPr>
+                          <m:t>𝑠𝑒𝑐</m:t>
+                        </m:r>
+                        <m:r>
+                          <a:rPr lang="en-US" b="0" i="1" smtClean="0">
+                            <a:solidFill>
+                              <a:schemeClr val="bg1"/>
+                            </a:solidFill>
+                            <a:latin typeface="Cambria Math" panose="02040503050406030204" pitchFamily="18" charset="0"/>
+                          </a:rPr>
+                          <m:t>] </m:t>
+                        </m:r>
+                      </m:oMath>
+                    </m:oMathPara>
+                  </a14:m>
+                  <a:endParaRPr lang="en-US" dirty="0">
+                    <a:solidFill>
+                      <a:schemeClr val="bg1"/>
+                    </a:solidFill>
+                  </a:endParaRPr>
+                </a:p>
+              </p:txBody>
+            </p:sp>
+          </mc:Choice>
+          <mc:Fallback>
+            <p:sp>
+              <p:nvSpPr>
+                <p:cNvPr id="19" name="TextBox 18">
+                  <a:extLst>
+                    <a:ext uri="{FF2B5EF4-FFF2-40B4-BE49-F238E27FC236}">
+                      <a16:creationId xmlns:a16="http://schemas.microsoft.com/office/drawing/2014/main" id="{9D8BF706-BED4-FB6C-1E47-983F7CFD186B}"/>
+                    </a:ext>
+                  </a:extLst>
+                </p:cNvPr>
+                <p:cNvSpPr txBox="1">
+                  <a:spLocks noRot="1" noChangeAspect="1" noMove="1" noResize="1" noEditPoints="1" noAdjustHandles="1" noChangeArrowheads="1" noChangeShapeType="1" noTextEdit="1"/>
+                </p:cNvSpPr>
+                <p:nvPr/>
+              </p:nvSpPr>
+              <p:spPr>
+                <a:xfrm>
+                  <a:off x="2506930" y="3244333"/>
+                  <a:ext cx="2407920" cy="703680"/>
+                </a:xfrm>
+                <a:prstGeom prst="rect">
+                  <a:avLst/>
+                </a:prstGeom>
+                <a:blipFill>
+                  <a:blip r:embed="rId5"/>
+                  <a:stretch>
+                    <a:fillRect r="-30918" b="-16667"/>
+                  </a:stretch>
+                </a:blipFill>
+                <a:ln>
+                  <a:noFill/>
+                </a:ln>
+              </p:spPr>
+              <p:txBody>
+                <a:bodyPr/>
+                <a:lstStyle/>
+                <a:p>
+                  <a:r>
+                    <a:rPr lang="en-US">
+                      <a:noFill/>
+                    </a:rPr>
+                    <a:t> </a:t>
+                  </a:r>
+                </a:p>
+              </p:txBody>
+            </p:sp>
+          </mc:Fallback>
+        </mc:AlternateContent>
+        <p:cxnSp>
+          <p:nvCxnSpPr>
+            <p:cNvPr id="20" name="Straight Arrow Connector 19">
+              <a:extLst>
+                <a:ext uri="{FF2B5EF4-FFF2-40B4-BE49-F238E27FC236}">
+                  <a16:creationId xmlns:a16="http://schemas.microsoft.com/office/drawing/2014/main" id="{E2DF3315-0EEB-AEBE-8E40-CAF367EAB2B2}"/>
+                </a:ext>
+              </a:extLst>
+            </p:cNvPr>
+            <p:cNvCxnSpPr>
+              <a:cxnSpLocks/>
+            </p:cNvCxnSpPr>
+            <p:nvPr/>
+          </p:nvCxnSpPr>
+          <p:spPr>
+            <a:xfrm>
+              <a:off x="3311091" y="3021167"/>
+              <a:ext cx="1183907" cy="0"/>
+            </a:xfrm>
+            <a:prstGeom prst="straightConnector1">
+              <a:avLst/>
+            </a:prstGeom>
+            <a:ln w="19050">
+              <a:solidFill>
+                <a:schemeClr val="bg1"/>
+              </a:solidFill>
+              <a:headEnd type="triangle" w="med" len="med"/>
+              <a:tailEnd type="triangle" w="med" len="med"/>
+            </a:ln>
+          </p:spPr>
+          <p:style>
+            <a:lnRef idx="1">
+              <a:schemeClr val="accent1"/>
+            </a:lnRef>
+            <a:fillRef idx="0">
+              <a:schemeClr val="accent1"/>
+            </a:fillRef>
+            <a:effectRef idx="0">
+              <a:schemeClr val="accent1"/>
+            </a:effectRef>
+            <a:fontRef idx="minor">
+              <a:schemeClr val="tx1"/>
+            </a:fontRef>
+          </p:style>
+        </p:cxnSp>
+        <p:cxnSp>
+          <p:nvCxnSpPr>
+            <p:cNvPr id="21" name="Straight Connector 20">
+              <a:extLst>
+                <a:ext uri="{FF2B5EF4-FFF2-40B4-BE49-F238E27FC236}">
+                  <a16:creationId xmlns:a16="http://schemas.microsoft.com/office/drawing/2014/main" id="{D0C5F5B4-E2AF-F981-0967-4D773A69A6F0}"/>
+                </a:ext>
+              </a:extLst>
+            </p:cNvPr>
+            <p:cNvCxnSpPr>
+              <a:cxnSpLocks/>
+            </p:cNvCxnSpPr>
+            <p:nvPr/>
+          </p:nvCxnSpPr>
+          <p:spPr>
+            <a:xfrm>
+              <a:off x="4494998" y="2579571"/>
+              <a:ext cx="0" cy="480097"/>
+            </a:xfrm>
+            <a:prstGeom prst="line">
+              <a:avLst/>
+            </a:prstGeom>
+            <a:ln w="19050">
+              <a:solidFill>
+                <a:schemeClr val="bg1"/>
+              </a:solidFill>
+              <a:prstDash val="dash"/>
+            </a:ln>
+          </p:spPr>
+          <p:style>
+            <a:lnRef idx="1">
+              <a:schemeClr val="accent1"/>
+            </a:lnRef>
+            <a:fillRef idx="0">
+              <a:schemeClr val="accent1"/>
+            </a:fillRef>
+            <a:effectRef idx="0">
+              <a:schemeClr val="accent1"/>
+            </a:effectRef>
+            <a:fontRef idx="minor">
+              <a:schemeClr val="tx1"/>
+            </a:fontRef>
+          </p:style>
+        </p:cxnSp>
+        <p:cxnSp>
+          <p:nvCxnSpPr>
+            <p:cNvPr id="22" name="Straight Connector 21">
+              <a:extLst>
+                <a:ext uri="{FF2B5EF4-FFF2-40B4-BE49-F238E27FC236}">
+                  <a16:creationId xmlns:a16="http://schemas.microsoft.com/office/drawing/2014/main" id="{512911F0-4A9C-E434-9841-726578DBDF91}"/>
+                </a:ext>
+              </a:extLst>
+            </p:cNvPr>
+            <p:cNvCxnSpPr>
+              <a:cxnSpLocks/>
+            </p:cNvCxnSpPr>
+            <p:nvPr/>
+          </p:nvCxnSpPr>
+          <p:spPr>
+            <a:xfrm>
+              <a:off x="3311091" y="2906829"/>
+              <a:ext cx="0" cy="152839"/>
+            </a:xfrm>
+            <a:prstGeom prst="line">
+              <a:avLst/>
+            </a:prstGeom>
+            <a:ln w="19050">
+              <a:solidFill>
+                <a:schemeClr val="bg1"/>
+              </a:solidFill>
+              <a:prstDash val="dash"/>
+            </a:ln>
+          </p:spPr>
+          <p:style>
+            <a:lnRef idx="1">
+              <a:schemeClr val="accent1"/>
+            </a:lnRef>
+            <a:fillRef idx="0">
+              <a:schemeClr val="accent1"/>
+            </a:fillRef>
+            <a:effectRef idx="0">
+              <a:schemeClr val="accent1"/>
+            </a:effectRef>
+            <a:fontRef idx="minor">
+              <a:schemeClr val="tx1"/>
+            </a:fontRef>
+          </p:style>
+        </p:cxnSp>
+      </p:grpSp>
+      <p:sp>
+        <p:nvSpPr>
+          <p:cNvPr id="25" name="TextBox 24">
+            <a:extLst>
+              <a:ext uri="{FF2B5EF4-FFF2-40B4-BE49-F238E27FC236}">
+                <a16:creationId xmlns:a16="http://schemas.microsoft.com/office/drawing/2014/main" id="{C04594E9-4FAC-1F59-5790-3518A8353396}"/>
+              </a:ext>
+            </a:extLst>
+          </p:cNvPr>
+          <p:cNvSpPr txBox="1"/>
+          <p:nvPr/>
+        </p:nvSpPr>
+        <p:spPr>
+          <a:xfrm>
+            <a:off x="9353908" y="547771"/>
+            <a:ext cx="1265614" cy="369332"/>
+          </a:xfrm>
+          <a:prstGeom prst="rect">
+            <a:avLst/>
+          </a:prstGeom>
+          <a:noFill/>
+        </p:spPr>
+        <p:txBody>
+          <a:bodyPr wrap="square" rtlCol="0">
+            <a:spAutoFit/>
+          </a:bodyPr>
+          <a:lstStyle/>
+          <a:p>
+            <a:r>
+              <a:rPr lang="en-US" dirty="0"/>
+              <a:t>Phugoid</a:t>
+            </a:r>
+          </a:p>
+        </p:txBody>
+      </p:sp>
+      <mc:AlternateContent xmlns:mc="http://schemas.openxmlformats.org/markup-compatibility/2006">
+        <mc:Choice xmlns:a14="http://schemas.microsoft.com/office/drawing/2010/main" Requires="a14">
+          <p:sp>
+            <p:nvSpPr>
+              <p:cNvPr id="31" name="TextBox 30">
+                <a:extLst>
+                  <a:ext uri="{FF2B5EF4-FFF2-40B4-BE49-F238E27FC236}">
+                    <a16:creationId xmlns:a16="http://schemas.microsoft.com/office/drawing/2014/main" id="{D340B3A8-C4D5-A01B-EC53-334B577458DC}"/>
+                  </a:ext>
+                </a:extLst>
+              </p:cNvPr>
+              <p:cNvSpPr txBox="1"/>
+              <p:nvPr/>
+            </p:nvSpPr>
+            <p:spPr>
+              <a:xfrm>
+                <a:off x="1191418" y="630725"/>
+                <a:ext cx="1265614" cy="369332"/>
+              </a:xfrm>
+              <a:prstGeom prst="rect">
+                <a:avLst/>
+              </a:prstGeom>
+              <a:noFill/>
+            </p:spPr>
+            <p:txBody>
+              <a:bodyPr wrap="square" rtlCol="0">
+                <a:spAutoFit/>
+              </a:bodyPr>
+              <a:lstStyle/>
+              <a:p>
+                <a14:m>
+                  <m:oMathPara xmlns:m="http://schemas.openxmlformats.org/officeDocument/2006/math">
+                    <m:oMathParaPr>
+                      <m:jc m:val="centerGroup"/>
+                    </m:oMathParaPr>
+                    <m:oMath xmlns:m="http://schemas.openxmlformats.org/officeDocument/2006/math">
+                      <m:r>
+                        <a:rPr lang="en-US" b="0" i="1" smtClean="0">
+                          <a:solidFill>
+                            <a:schemeClr val="bg1"/>
+                          </a:solidFill>
+                          <a:latin typeface="Cambria Math" panose="02040503050406030204" pitchFamily="18" charset="0"/>
+                        </a:rPr>
+                        <m:t>1) </m:t>
+                      </m:r>
+                      <m:r>
+                        <a:rPr lang="en-US" b="0" i="1" smtClean="0">
+                          <a:solidFill>
+                            <a:schemeClr val="bg1"/>
+                          </a:solidFill>
+                          <a:latin typeface="Cambria Math" panose="02040503050406030204" pitchFamily="18" charset="0"/>
+                        </a:rPr>
+                        <m:t>𝑢</m:t>
+                      </m:r>
+                      <m:d>
+                        <m:dPr>
+                          <m:begChr m:val="["/>
+                          <m:endChr m:val="]"/>
+                          <m:ctrlPr>
+                            <a:rPr lang="en-US" b="0" i="1" smtClean="0">
+                              <a:solidFill>
+                                <a:schemeClr val="bg1"/>
+                              </a:solidFill>
+                              <a:latin typeface="Cambria Math" panose="02040503050406030204" pitchFamily="18" charset="0"/>
+                            </a:rPr>
+                          </m:ctrlPr>
+                        </m:dPr>
+                        <m:e>
+                          <m:r>
+                            <a:rPr lang="en-US" b="0" i="1" smtClean="0">
+                              <a:solidFill>
+                                <a:schemeClr val="bg1"/>
+                              </a:solidFill>
+                              <a:latin typeface="Cambria Math" panose="02040503050406030204" pitchFamily="18" charset="0"/>
+                            </a:rPr>
+                            <m:t>𝑚</m:t>
+                          </m:r>
+                          <m:r>
+                            <a:rPr lang="en-US" b="0" i="1" smtClean="0">
+                              <a:solidFill>
+                                <a:schemeClr val="bg1"/>
+                              </a:solidFill>
+                              <a:latin typeface="Cambria Math" panose="02040503050406030204" pitchFamily="18" charset="0"/>
+                            </a:rPr>
+                            <m:t>\</m:t>
+                          </m:r>
+                          <m:r>
+                            <m:rPr>
+                              <m:sty m:val="p"/>
+                            </m:rPr>
+                            <a:rPr lang="en-US" b="0" i="1" smtClean="0">
+                              <a:solidFill>
+                                <a:schemeClr val="bg1"/>
+                              </a:solidFill>
+                              <a:latin typeface="Cambria Math" panose="02040503050406030204" pitchFamily="18" charset="0"/>
+                            </a:rPr>
+                            <m:t>s</m:t>
+                          </m:r>
+                        </m:e>
+                      </m:d>
+                    </m:oMath>
+                  </m:oMathPara>
+                </a14:m>
+                <a:endParaRPr lang="en-US" dirty="0">
+                  <a:solidFill>
+                    <a:schemeClr val="bg2">
+                      <a:lumMod val="90000"/>
+                    </a:schemeClr>
+                  </a:solidFill>
+                </a:endParaRPr>
+              </a:p>
+            </p:txBody>
+          </p:sp>
+        </mc:Choice>
+        <mc:Fallback>
+          <p:sp>
+            <p:nvSpPr>
+              <p:cNvPr id="31" name="TextBox 30">
+                <a:extLst>
+                  <a:ext uri="{FF2B5EF4-FFF2-40B4-BE49-F238E27FC236}">
+                    <a16:creationId xmlns:a16="http://schemas.microsoft.com/office/drawing/2014/main" id="{D340B3A8-C4D5-A01B-EC53-334B577458DC}"/>
+                  </a:ext>
+                </a:extLst>
+              </p:cNvPr>
+              <p:cNvSpPr txBox="1">
+                <a:spLocks noRot="1" noChangeAspect="1" noMove="1" noResize="1" noEditPoints="1" noAdjustHandles="1" noChangeArrowheads="1" noChangeShapeType="1" noTextEdit="1"/>
+              </p:cNvSpPr>
+              <p:nvPr/>
+            </p:nvSpPr>
+            <p:spPr>
+              <a:xfrm>
+                <a:off x="1191418" y="630725"/>
+                <a:ext cx="1265614" cy="369332"/>
+              </a:xfrm>
+              <a:prstGeom prst="rect">
+                <a:avLst/>
+              </a:prstGeom>
+              <a:blipFill>
+                <a:blip r:embed="rId6"/>
+                <a:stretch>
+                  <a:fillRect b="-13115"/>
+                </a:stretch>
+              </a:blipFill>
+            </p:spPr>
+            <p:txBody>
+              <a:bodyPr/>
+              <a:lstStyle/>
+              <a:p>
+                <a:r>
+                  <a:rPr lang="en-US">
+                    <a:noFill/>
+                  </a:rPr>
+                  <a:t> </a:t>
+                </a:r>
+              </a:p>
+            </p:txBody>
+          </p:sp>
+        </mc:Fallback>
+      </mc:AlternateContent>
+      <mc:AlternateContent xmlns:mc="http://schemas.openxmlformats.org/markup-compatibility/2006">
+        <mc:Choice xmlns:a14="http://schemas.microsoft.com/office/drawing/2010/main" Requires="a14">
+          <p:sp>
+            <p:nvSpPr>
+              <p:cNvPr id="32" name="TextBox 31">
+                <a:extLst>
+                  <a:ext uri="{FF2B5EF4-FFF2-40B4-BE49-F238E27FC236}">
+                    <a16:creationId xmlns:a16="http://schemas.microsoft.com/office/drawing/2014/main" id="{A9390C55-E31D-5AFA-B9B5-6D6990840A6A}"/>
+                  </a:ext>
+                </a:extLst>
+              </p:cNvPr>
+              <p:cNvSpPr txBox="1"/>
+              <p:nvPr/>
+            </p:nvSpPr>
+            <p:spPr>
+              <a:xfrm>
+                <a:off x="2935765" y="630725"/>
+                <a:ext cx="1265614" cy="369332"/>
+              </a:xfrm>
+              <a:prstGeom prst="rect">
+                <a:avLst/>
+              </a:prstGeom>
+              <a:noFill/>
+            </p:spPr>
+            <p:txBody>
+              <a:bodyPr wrap="square" rtlCol="0">
+                <a:spAutoFit/>
+              </a:bodyPr>
+              <a:lstStyle/>
+              <a:p>
+                <a14:m>
+                  <m:oMathPara xmlns:m="http://schemas.openxmlformats.org/officeDocument/2006/math">
+                    <m:oMathParaPr>
+                      <m:jc m:val="centerGroup"/>
+                    </m:oMathParaPr>
+                    <m:oMath xmlns:m="http://schemas.openxmlformats.org/officeDocument/2006/math">
+                      <m:r>
+                        <a:rPr lang="en-US" b="0" i="1" smtClean="0">
+                          <a:solidFill>
+                            <a:schemeClr val="bg1"/>
+                          </a:solidFill>
+                          <a:latin typeface="Cambria Math" panose="02040503050406030204" pitchFamily="18" charset="0"/>
+                        </a:rPr>
+                        <m:t>2) </m:t>
+                      </m:r>
+                      <m:r>
+                        <a:rPr lang="en-US" b="0" i="1" smtClean="0">
+                          <a:solidFill>
+                            <a:schemeClr val="bg1"/>
+                          </a:solidFill>
+                          <a:latin typeface="Cambria Math" panose="02040503050406030204" pitchFamily="18" charset="0"/>
+                        </a:rPr>
+                        <m:t>𝑤</m:t>
+                      </m:r>
+                      <m:r>
+                        <a:rPr lang="en-US" b="0" i="1" smtClean="0">
+                          <a:solidFill>
+                            <a:schemeClr val="bg1"/>
+                          </a:solidFill>
+                          <a:latin typeface="Cambria Math" panose="02040503050406030204" pitchFamily="18" charset="0"/>
+                        </a:rPr>
+                        <m:t> [</m:t>
+                      </m:r>
+                      <m:r>
+                        <a:rPr lang="en-US" b="0" i="1" smtClean="0">
+                          <a:solidFill>
+                            <a:schemeClr val="bg1"/>
+                          </a:solidFill>
+                          <a:latin typeface="Cambria Math" panose="02040503050406030204" pitchFamily="18" charset="0"/>
+                        </a:rPr>
+                        <m:t>𝑚</m:t>
+                      </m:r>
+                      <m:r>
+                        <m:rPr>
+                          <m:lit/>
+                        </m:rPr>
+                        <a:rPr lang="en-US" b="0" i="1" smtClean="0">
+                          <a:solidFill>
+                            <a:schemeClr val="bg1"/>
+                          </a:solidFill>
+                          <a:latin typeface="Cambria Math" panose="02040503050406030204" pitchFamily="18" charset="0"/>
+                        </a:rPr>
+                        <m:t>/</m:t>
+                      </m:r>
+                      <m:r>
+                        <a:rPr lang="en-US" b="0" i="1" smtClean="0">
+                          <a:solidFill>
+                            <a:schemeClr val="bg1"/>
+                          </a:solidFill>
+                          <a:latin typeface="Cambria Math" panose="02040503050406030204" pitchFamily="18" charset="0"/>
+                        </a:rPr>
+                        <m:t>𝑠</m:t>
+                      </m:r>
+                      <m:r>
+                        <a:rPr lang="en-US" b="0" i="1" smtClean="0">
+                          <a:solidFill>
+                            <a:schemeClr val="bg1"/>
+                          </a:solidFill>
+                          <a:latin typeface="Cambria Math" panose="02040503050406030204" pitchFamily="18" charset="0"/>
+                        </a:rPr>
+                        <m:t>]</m:t>
+                      </m:r>
+                    </m:oMath>
+                  </m:oMathPara>
+                </a14:m>
+                <a:endParaRPr lang="en-US" dirty="0">
+                  <a:solidFill>
+                    <a:schemeClr val="bg2">
+                      <a:lumMod val="90000"/>
+                    </a:schemeClr>
+                  </a:solidFill>
+                </a:endParaRPr>
+              </a:p>
+            </p:txBody>
+          </p:sp>
+        </mc:Choice>
+        <mc:Fallback>
+          <p:sp>
+            <p:nvSpPr>
+              <p:cNvPr id="32" name="TextBox 31">
+                <a:extLst>
+                  <a:ext uri="{FF2B5EF4-FFF2-40B4-BE49-F238E27FC236}">
+                    <a16:creationId xmlns:a16="http://schemas.microsoft.com/office/drawing/2014/main" id="{A9390C55-E31D-5AFA-B9B5-6D6990840A6A}"/>
+                  </a:ext>
+                </a:extLst>
+              </p:cNvPr>
+              <p:cNvSpPr txBox="1">
+                <a:spLocks noRot="1" noChangeAspect="1" noMove="1" noResize="1" noEditPoints="1" noAdjustHandles="1" noChangeArrowheads="1" noChangeShapeType="1" noTextEdit="1"/>
+              </p:cNvSpPr>
+              <p:nvPr/>
+            </p:nvSpPr>
+            <p:spPr>
+              <a:xfrm>
+                <a:off x="2935765" y="630725"/>
+                <a:ext cx="1265614" cy="369332"/>
+              </a:xfrm>
+              <a:prstGeom prst="rect">
+                <a:avLst/>
+              </a:prstGeom>
+              <a:blipFill>
+                <a:blip r:embed="rId7"/>
+                <a:stretch>
+                  <a:fillRect r="-1449" b="-14754"/>
+                </a:stretch>
+              </a:blipFill>
+            </p:spPr>
+            <p:txBody>
+              <a:bodyPr/>
+              <a:lstStyle/>
+              <a:p>
+                <a:r>
+                  <a:rPr lang="en-US">
+                    <a:noFill/>
+                  </a:rPr>
+                  <a:t> </a:t>
+                </a:r>
+              </a:p>
+            </p:txBody>
+          </p:sp>
+        </mc:Fallback>
+      </mc:AlternateContent>
+      <mc:AlternateContent xmlns:mc="http://schemas.openxmlformats.org/markup-compatibility/2006">
+        <mc:Choice xmlns:a14="http://schemas.microsoft.com/office/drawing/2010/main" Requires="a14">
+          <p:sp>
+            <p:nvSpPr>
+              <p:cNvPr id="33" name="TextBox 32">
+                <a:extLst>
+                  <a:ext uri="{FF2B5EF4-FFF2-40B4-BE49-F238E27FC236}">
+                    <a16:creationId xmlns:a16="http://schemas.microsoft.com/office/drawing/2014/main" id="{B18B920F-29FF-89B2-EF04-499413DB6A53}"/>
+                  </a:ext>
+                </a:extLst>
+              </p:cNvPr>
+              <p:cNvSpPr txBox="1"/>
+              <p:nvPr/>
+            </p:nvSpPr>
+            <p:spPr>
+              <a:xfrm>
+                <a:off x="2935765" y="2411900"/>
+                <a:ext cx="1265614" cy="369332"/>
+              </a:xfrm>
+              <a:prstGeom prst="rect">
+                <a:avLst/>
+              </a:prstGeom>
+              <a:noFill/>
+            </p:spPr>
+            <p:txBody>
+              <a:bodyPr wrap="square" rtlCol="0">
+                <a:spAutoFit/>
+              </a:bodyPr>
+              <a:lstStyle/>
+              <a:p>
+                <a14:m>
+                  <m:oMathPara xmlns:m="http://schemas.openxmlformats.org/officeDocument/2006/math">
+                    <m:oMathParaPr>
+                      <m:jc m:val="centerGroup"/>
+                    </m:oMathParaPr>
+                    <m:oMath xmlns:m="http://schemas.openxmlformats.org/officeDocument/2006/math">
+                      <m:r>
+                        <a:rPr lang="en-US" b="0" i="1" smtClean="0">
+                          <a:solidFill>
+                            <a:schemeClr val="bg2">
+                              <a:lumMod val="90000"/>
+                            </a:schemeClr>
+                          </a:solidFill>
+                          <a:latin typeface="Cambria Math" panose="02040503050406030204" pitchFamily="18" charset="0"/>
+                        </a:rPr>
+                        <m:t>4) </m:t>
+                      </m:r>
+                      <m:r>
+                        <a:rPr lang="el-GR" b="0" i="1" smtClean="0">
+                          <a:solidFill>
+                            <a:schemeClr val="bg2">
+                              <a:lumMod val="90000"/>
+                            </a:schemeClr>
+                          </a:solidFill>
+                          <a:latin typeface="Cambria Math" panose="02040503050406030204" pitchFamily="18" charset="0"/>
+                        </a:rPr>
+                        <m:t>𝜃</m:t>
+                      </m:r>
+                      <m:r>
+                        <a:rPr lang="el-GR" b="0" i="1" smtClean="0">
+                          <a:solidFill>
+                            <a:schemeClr val="bg2">
+                              <a:lumMod val="90000"/>
+                            </a:schemeClr>
+                          </a:solidFill>
+                          <a:latin typeface="Cambria Math" panose="02040503050406030204" pitchFamily="18" charset="0"/>
+                        </a:rPr>
+                        <m:t> [</m:t>
+                      </m:r>
+                      <m:r>
+                        <a:rPr lang="en-US" b="0" i="1" smtClean="0">
+                          <a:solidFill>
+                            <a:schemeClr val="bg2">
+                              <a:lumMod val="90000"/>
+                            </a:schemeClr>
+                          </a:solidFill>
+                          <a:latin typeface="Cambria Math" panose="02040503050406030204" pitchFamily="18" charset="0"/>
+                        </a:rPr>
+                        <m:t>𝑑𝑒𝑔</m:t>
+                      </m:r>
+                      <m:r>
+                        <a:rPr lang="en-US" b="0" i="1" smtClean="0">
+                          <a:solidFill>
+                            <a:schemeClr val="bg2">
+                              <a:lumMod val="90000"/>
+                            </a:schemeClr>
+                          </a:solidFill>
+                          <a:latin typeface="Cambria Math" panose="02040503050406030204" pitchFamily="18" charset="0"/>
+                        </a:rPr>
+                        <m:t>]</m:t>
+                      </m:r>
+                    </m:oMath>
+                  </m:oMathPara>
+                </a14:m>
+                <a:endParaRPr lang="en-US" dirty="0">
+                  <a:solidFill>
+                    <a:schemeClr val="bg2">
+                      <a:lumMod val="90000"/>
+                    </a:schemeClr>
+                  </a:solidFill>
+                </a:endParaRPr>
+              </a:p>
+            </p:txBody>
+          </p:sp>
+        </mc:Choice>
+        <mc:Fallback>
+          <p:sp>
+            <p:nvSpPr>
+              <p:cNvPr id="33" name="TextBox 32">
+                <a:extLst>
+                  <a:ext uri="{FF2B5EF4-FFF2-40B4-BE49-F238E27FC236}">
+                    <a16:creationId xmlns:a16="http://schemas.microsoft.com/office/drawing/2014/main" id="{B18B920F-29FF-89B2-EF04-499413DB6A53}"/>
+                  </a:ext>
+                </a:extLst>
+              </p:cNvPr>
+              <p:cNvSpPr txBox="1">
+                <a:spLocks noRot="1" noChangeAspect="1" noMove="1" noResize="1" noEditPoints="1" noAdjustHandles="1" noChangeArrowheads="1" noChangeShapeType="1" noTextEdit="1"/>
+              </p:cNvSpPr>
+              <p:nvPr/>
+            </p:nvSpPr>
+            <p:spPr>
+              <a:xfrm>
+                <a:off x="2935765" y="2411900"/>
+                <a:ext cx="1265614" cy="369332"/>
+              </a:xfrm>
+              <a:prstGeom prst="rect">
+                <a:avLst/>
+              </a:prstGeom>
+              <a:blipFill>
+                <a:blip r:embed="rId8"/>
+                <a:stretch>
+                  <a:fillRect b="-16667"/>
+                </a:stretch>
+              </a:blipFill>
+            </p:spPr>
+            <p:txBody>
+              <a:bodyPr/>
+              <a:lstStyle/>
+              <a:p>
+                <a:r>
+                  <a:rPr lang="en-US">
+                    <a:noFill/>
+                  </a:rPr>
+                  <a:t> </a:t>
+                </a:r>
+              </a:p>
+            </p:txBody>
+          </p:sp>
+        </mc:Fallback>
+      </mc:AlternateContent>
+      <mc:AlternateContent xmlns:mc="http://schemas.openxmlformats.org/markup-compatibility/2006">
+        <mc:Choice xmlns:a14="http://schemas.microsoft.com/office/drawing/2010/main" Requires="a14">
+          <p:sp>
+            <p:nvSpPr>
+              <p:cNvPr id="34" name="TextBox 33">
+                <a:extLst>
+                  <a:ext uri="{FF2B5EF4-FFF2-40B4-BE49-F238E27FC236}">
+                    <a16:creationId xmlns:a16="http://schemas.microsoft.com/office/drawing/2014/main" id="{A3DF14BC-A17D-196E-8B8D-93599C0F4F9D}"/>
+                  </a:ext>
+                </a:extLst>
+              </p:cNvPr>
+              <p:cNvSpPr txBox="1"/>
+              <p:nvPr/>
+            </p:nvSpPr>
+            <p:spPr>
+              <a:xfrm>
+                <a:off x="1191417" y="2411900"/>
+                <a:ext cx="1440439" cy="382477"/>
+              </a:xfrm>
+              <a:prstGeom prst="rect">
+                <a:avLst/>
+              </a:prstGeom>
+              <a:noFill/>
+            </p:spPr>
+            <p:txBody>
+              <a:bodyPr wrap="square" rtlCol="0">
+                <a:spAutoFit/>
+              </a:bodyPr>
+              <a:lstStyle/>
+              <a:p>
+                <a14:m>
+                  <m:oMathPara xmlns:m="http://schemas.openxmlformats.org/officeDocument/2006/math">
+                    <m:oMathParaPr>
+                      <m:jc m:val="centerGroup"/>
+                    </m:oMathParaPr>
+                    <m:oMath xmlns:m="http://schemas.openxmlformats.org/officeDocument/2006/math">
+                      <m:r>
+                        <a:rPr lang="en-US" i="1" smtClean="0">
+                          <a:solidFill>
+                            <a:schemeClr val="bg2">
+                              <a:lumMod val="90000"/>
+                            </a:schemeClr>
+                          </a:solidFill>
+                          <a:latin typeface="Cambria Math" panose="02040503050406030204" pitchFamily="18" charset="0"/>
+                        </a:rPr>
+                        <m:t>3</m:t>
+                      </m:r>
+                      <m:r>
+                        <a:rPr lang="en-US" b="0" i="1" smtClean="0">
+                          <a:solidFill>
+                            <a:schemeClr val="bg2">
+                              <a:lumMod val="90000"/>
+                            </a:schemeClr>
+                          </a:solidFill>
+                          <a:latin typeface="Cambria Math" panose="02040503050406030204" pitchFamily="18" charset="0"/>
+                        </a:rPr>
+                        <m:t>) </m:t>
+                      </m:r>
+                      <m:acc>
+                        <m:accPr>
+                          <m:chr m:val="̇"/>
+                          <m:ctrlPr>
+                            <a:rPr lang="en-US" b="0" i="1" smtClean="0">
+                              <a:solidFill>
+                                <a:schemeClr val="bg2">
+                                  <a:lumMod val="90000"/>
+                                </a:schemeClr>
+                              </a:solidFill>
+                              <a:latin typeface="Cambria Math" panose="02040503050406030204" pitchFamily="18" charset="0"/>
+                            </a:rPr>
+                          </m:ctrlPr>
+                        </m:accPr>
+                        <m:e>
+                          <m:r>
+                            <a:rPr lang="el-GR" b="0" i="1" smtClean="0">
+                              <a:solidFill>
+                                <a:schemeClr val="bg2">
+                                  <a:lumMod val="90000"/>
+                                </a:schemeClr>
+                              </a:solidFill>
+                              <a:latin typeface="Cambria Math" panose="02040503050406030204" pitchFamily="18" charset="0"/>
+                            </a:rPr>
+                            <m:t>𝜃</m:t>
+                          </m:r>
+                        </m:e>
+                      </m:acc>
+                      <m:r>
+                        <a:rPr lang="el-GR" b="0" i="1" smtClean="0">
+                          <a:solidFill>
+                            <a:schemeClr val="bg2">
+                              <a:lumMod val="90000"/>
+                            </a:schemeClr>
+                          </a:solidFill>
+                          <a:latin typeface="Cambria Math" panose="02040503050406030204" pitchFamily="18" charset="0"/>
+                        </a:rPr>
+                        <m:t> [</m:t>
+                      </m:r>
+                      <m:r>
+                        <a:rPr lang="en-US" b="0" i="1" smtClean="0">
+                          <a:solidFill>
+                            <a:schemeClr val="bg2">
+                              <a:lumMod val="90000"/>
+                            </a:schemeClr>
+                          </a:solidFill>
+                          <a:latin typeface="Cambria Math" panose="02040503050406030204" pitchFamily="18" charset="0"/>
+                        </a:rPr>
+                        <m:t>𝑑𝑒𝑔</m:t>
+                      </m:r>
+                      <m:r>
+                        <a:rPr lang="en-US" b="0" i="1" smtClean="0">
+                          <a:solidFill>
+                            <a:schemeClr val="bg2">
+                              <a:lumMod val="90000"/>
+                            </a:schemeClr>
+                          </a:solidFill>
+                          <a:latin typeface="Cambria Math" panose="02040503050406030204" pitchFamily="18" charset="0"/>
+                        </a:rPr>
+                        <m:t>/</m:t>
+                      </m:r>
+                      <m:r>
+                        <a:rPr lang="en-US" b="0" i="1" smtClean="0">
+                          <a:solidFill>
+                            <a:schemeClr val="bg2">
+                              <a:lumMod val="90000"/>
+                            </a:schemeClr>
+                          </a:solidFill>
+                          <a:latin typeface="Cambria Math" panose="02040503050406030204" pitchFamily="18" charset="0"/>
+                        </a:rPr>
+                        <m:t>𝑠</m:t>
+                      </m:r>
+                      <m:r>
+                        <a:rPr lang="en-US" b="0" i="1" smtClean="0">
+                          <a:solidFill>
+                            <a:schemeClr val="bg2">
+                              <a:lumMod val="90000"/>
+                            </a:schemeClr>
+                          </a:solidFill>
+                          <a:latin typeface="Cambria Math" panose="02040503050406030204" pitchFamily="18" charset="0"/>
+                        </a:rPr>
+                        <m:t>]</m:t>
+                      </m:r>
+                    </m:oMath>
+                  </m:oMathPara>
+                </a14:m>
+                <a:endParaRPr lang="en-US" dirty="0">
+                  <a:solidFill>
+                    <a:schemeClr val="bg2">
+                      <a:lumMod val="90000"/>
+                    </a:schemeClr>
+                  </a:solidFill>
+                </a:endParaRPr>
+              </a:p>
+            </p:txBody>
+          </p:sp>
+        </mc:Choice>
+        <mc:Fallback>
+          <p:sp>
+            <p:nvSpPr>
+              <p:cNvPr id="34" name="TextBox 33">
+                <a:extLst>
+                  <a:ext uri="{FF2B5EF4-FFF2-40B4-BE49-F238E27FC236}">
+                    <a16:creationId xmlns:a16="http://schemas.microsoft.com/office/drawing/2014/main" id="{A3DF14BC-A17D-196E-8B8D-93599C0F4F9D}"/>
+                  </a:ext>
+                </a:extLst>
+              </p:cNvPr>
+              <p:cNvSpPr txBox="1">
+                <a:spLocks noRot="1" noChangeAspect="1" noMove="1" noResize="1" noEditPoints="1" noAdjustHandles="1" noChangeArrowheads="1" noChangeShapeType="1" noTextEdit="1"/>
+              </p:cNvSpPr>
+              <p:nvPr/>
+            </p:nvSpPr>
+            <p:spPr>
+              <a:xfrm>
+                <a:off x="1191417" y="2411900"/>
+                <a:ext cx="1440439" cy="382477"/>
+              </a:xfrm>
+              <a:prstGeom prst="rect">
+                <a:avLst/>
+              </a:prstGeom>
+              <a:blipFill>
+                <a:blip r:embed="rId9"/>
+                <a:stretch>
+                  <a:fillRect r="-422" b="-17742"/>
+                </a:stretch>
+              </a:blipFill>
+            </p:spPr>
+            <p:txBody>
+              <a:bodyPr/>
+              <a:lstStyle/>
+              <a:p>
+                <a:r>
+                  <a:rPr lang="en-US">
+                    <a:noFill/>
+                  </a:rPr>
+                  <a:t> </a:t>
+                </a:r>
+              </a:p>
+            </p:txBody>
+          </p:sp>
+        </mc:Fallback>
+      </mc:AlternateContent>
+      <p:pic>
+        <p:nvPicPr>
+          <p:cNvPr id="37" name="Picture 36">
+            <a:extLst>
+              <a:ext uri="{FF2B5EF4-FFF2-40B4-BE49-F238E27FC236}">
+                <a16:creationId xmlns:a16="http://schemas.microsoft.com/office/drawing/2014/main" id="{8492A82B-A1E7-39CE-D478-F418C9FC7A3D}"/>
+              </a:ext>
+            </a:extLst>
+          </p:cNvPr>
+          <p:cNvPicPr>
+            <a:picLocks noChangeAspect="1"/>
+          </p:cNvPicPr>
+          <p:nvPr/>
+        </p:nvPicPr>
+        <p:blipFill>
+          <a:blip r:embed="rId10"/>
+          <a:stretch>
+            <a:fillRect/>
+          </a:stretch>
+        </p:blipFill>
+        <p:spPr>
+          <a:xfrm>
+            <a:off x="3021510" y="2794378"/>
+            <a:ext cx="1419407" cy="685781"/>
+          </a:xfrm>
+          <a:prstGeom prst="rect">
+            <a:avLst/>
+          </a:prstGeom>
+        </p:spPr>
+      </p:pic>
+      <p:pic>
+        <p:nvPicPr>
+          <p:cNvPr id="39" name="Picture 38">
+            <a:extLst>
+              <a:ext uri="{FF2B5EF4-FFF2-40B4-BE49-F238E27FC236}">
+                <a16:creationId xmlns:a16="http://schemas.microsoft.com/office/drawing/2014/main" id="{C881202B-49C5-9B74-D8D3-6891CC820EC8}"/>
+              </a:ext>
+            </a:extLst>
+          </p:cNvPr>
+          <p:cNvPicPr>
+            <a:picLocks noChangeAspect="1"/>
+          </p:cNvPicPr>
+          <p:nvPr/>
+        </p:nvPicPr>
+        <p:blipFill>
+          <a:blip r:embed="rId11"/>
+          <a:stretch>
+            <a:fillRect/>
+          </a:stretch>
+        </p:blipFill>
+        <p:spPr>
+          <a:xfrm>
+            <a:off x="7692176" y="2785556"/>
+            <a:ext cx="1419406" cy="694603"/>
+          </a:xfrm>
+          <a:prstGeom prst="rect">
+            <a:avLst/>
+          </a:prstGeom>
+        </p:spPr>
+      </p:pic>
+    </p:spTree>
+    <p:extLst>
+      <p:ext uri="{BB962C8B-B14F-4D97-AF65-F5344CB8AC3E}">
+        <p14:creationId xmlns:p14="http://schemas.microsoft.com/office/powerpoint/2010/main" val="2520950145"/>
+      </p:ext>
+    </p:extLst>
+  </p:cSld>
+  <p:clrMapOvr>
+    <a:masterClrMapping/>
+  </p:clrMapOvr>
+</p:sld>
+</file>
+
+<file path=ppt/slides/slide19.xml><?xml version="1.0" encoding="utf-8"?>
+<p:sld xmlns:a="http://schemas.openxmlformats.org/drawingml/2006/main" xmlns:r="http://schemas.openxmlformats.org/officeDocument/2006/relationships" xmlns:p="http://schemas.openxmlformats.org/presentationml/2006/main">
+  <p:cSld>
+    <p:spTree>
+      <p:nvGrpSpPr>
+        <p:cNvPr id="1" name=""/>
+        <p:cNvGrpSpPr/>
+        <p:nvPr/>
+      </p:nvGrpSpPr>
+      <p:grpSpPr>
+        <a:xfrm>
+          <a:off x="0" y="0"/>
+          <a:ext cx="0" cy="0"/>
+          <a:chOff x="0" y="0"/>
+          <a:chExt cx="0" cy="0"/>
+        </a:xfrm>
+      </p:grpSpPr>
+      <p:pic>
+        <p:nvPicPr>
+          <p:cNvPr id="19" name="Picture 18">
+            <a:extLst>
+              <a:ext uri="{FF2B5EF4-FFF2-40B4-BE49-F238E27FC236}">
+                <a16:creationId xmlns:a16="http://schemas.microsoft.com/office/drawing/2014/main" id="{F4955C07-A309-E3A7-62D5-72367EDCDCB6}"/>
+              </a:ext>
+            </a:extLst>
+          </p:cNvPr>
+          <p:cNvPicPr>
+            <a:picLocks noChangeAspect="1"/>
+          </p:cNvPicPr>
+          <p:nvPr/>
+        </p:nvPicPr>
+        <p:blipFill>
+          <a:blip r:embed="rId2"/>
+          <a:stretch>
+            <a:fillRect/>
+          </a:stretch>
+        </p:blipFill>
+        <p:spPr>
+          <a:xfrm>
+            <a:off x="35961" y="61913"/>
+            <a:ext cx="5817721" cy="4253494"/>
+          </a:xfrm>
+          <a:prstGeom prst="rect">
+            <a:avLst/>
+          </a:prstGeom>
+        </p:spPr>
+      </p:pic>
+      <p:sp>
+        <p:nvSpPr>
+          <p:cNvPr id="6" name="TextBox 5">
+            <a:extLst>
+              <a:ext uri="{FF2B5EF4-FFF2-40B4-BE49-F238E27FC236}">
+                <a16:creationId xmlns:a16="http://schemas.microsoft.com/office/drawing/2014/main" id="{1EB4F576-007D-272B-9854-3FD8E1B8D2EB}"/>
+              </a:ext>
+            </a:extLst>
+          </p:cNvPr>
+          <p:cNvSpPr txBox="1"/>
+          <p:nvPr/>
+        </p:nvSpPr>
+        <p:spPr>
+          <a:xfrm>
+            <a:off x="4588069" y="500147"/>
+            <a:ext cx="1265614" cy="923330"/>
+          </a:xfrm>
+          <a:prstGeom prst="rect">
+            <a:avLst/>
+          </a:prstGeom>
+          <a:noFill/>
+        </p:spPr>
+        <p:txBody>
+          <a:bodyPr wrap="square" rtlCol="0">
+            <a:spAutoFit/>
+          </a:bodyPr>
+          <a:lstStyle/>
+          <a:p>
+            <a:r>
+              <a:rPr lang="en-US" dirty="0"/>
+              <a:t>Roll subsidence mode</a:t>
+            </a:r>
+          </a:p>
+        </p:txBody>
+      </p:sp>
+      <mc:AlternateContent xmlns:mc="http://schemas.openxmlformats.org/markup-compatibility/2006">
+        <mc:Choice xmlns:a14="http://schemas.microsoft.com/office/drawing/2010/main" Requires="a14">
+          <p:sp>
+            <p:nvSpPr>
+              <p:cNvPr id="11" name="TextBox 10">
+                <a:extLst>
+                  <a:ext uri="{FF2B5EF4-FFF2-40B4-BE49-F238E27FC236}">
+                    <a16:creationId xmlns:a16="http://schemas.microsoft.com/office/drawing/2014/main" id="{AD6F0A6E-97B8-4E7D-4D7F-900BDDB4911F}"/>
+                  </a:ext>
+                </a:extLst>
+              </p:cNvPr>
+              <p:cNvSpPr txBox="1"/>
+              <p:nvPr/>
+            </p:nvSpPr>
+            <p:spPr>
+              <a:xfrm>
+                <a:off x="0" y="2089860"/>
+                <a:ext cx="2407920" cy="369332"/>
+              </a:xfrm>
+              <a:prstGeom prst="rect">
+                <a:avLst/>
+              </a:prstGeom>
+              <a:noFill/>
+            </p:spPr>
+            <p:txBody>
+              <a:bodyPr wrap="square" rtlCol="0">
+                <a:spAutoFit/>
+              </a:bodyPr>
+              <a:lstStyle/>
+              <a:p>
+                <a14:m>
+                  <m:oMathPara xmlns:m="http://schemas.openxmlformats.org/officeDocument/2006/math">
+                    <m:oMathParaPr>
+                      <m:jc m:val="centerGroup"/>
+                    </m:oMathParaPr>
+                    <m:oMath xmlns:m="http://schemas.openxmlformats.org/officeDocument/2006/math">
+                      <m:sSub>
+                        <m:sSubPr>
+                          <m:ctrlPr>
+                            <a:rPr lang="en-US" b="0" i="1" smtClean="0">
+                              <a:solidFill>
+                                <a:schemeClr val="bg1"/>
+                              </a:solidFill>
+                              <a:latin typeface="Cambria Math" panose="02040503050406030204" pitchFamily="18" charset="0"/>
+                            </a:rPr>
+                          </m:ctrlPr>
+                        </m:sSubPr>
+                        <m:e>
+                          <m:r>
+                            <a:rPr lang="en-US" b="0" i="1" smtClean="0">
+                              <a:solidFill>
+                                <a:schemeClr val="bg1"/>
+                              </a:solidFill>
+                              <a:latin typeface="Cambria Math" panose="02040503050406030204" pitchFamily="18" charset="0"/>
+                            </a:rPr>
+                            <m:t>𝑡</m:t>
+                          </m:r>
+                        </m:e>
+                        <m:sub>
+                          <m:r>
+                            <a:rPr lang="en-US" b="0" i="1" smtClean="0">
+                              <a:solidFill>
+                                <a:schemeClr val="bg1"/>
+                              </a:solidFill>
+                              <a:latin typeface="Cambria Math" panose="02040503050406030204" pitchFamily="18" charset="0"/>
+                            </a:rPr>
+                            <m:t>𝑠</m:t>
+                          </m:r>
+                        </m:sub>
+                      </m:sSub>
+                      <m:r>
+                        <a:rPr lang="en-US" b="0" i="1" smtClean="0">
+                          <a:solidFill>
+                            <a:schemeClr val="bg1"/>
+                          </a:solidFill>
+                          <a:latin typeface="Cambria Math" panose="02040503050406030204" pitchFamily="18" charset="0"/>
+                        </a:rPr>
+                        <m:t>~ 0.028 [</m:t>
+                      </m:r>
+                      <m:r>
+                        <a:rPr lang="en-US" b="0" i="1" smtClean="0">
+                          <a:solidFill>
+                            <a:schemeClr val="bg1"/>
+                          </a:solidFill>
+                          <a:latin typeface="Cambria Math" panose="02040503050406030204" pitchFamily="18" charset="0"/>
+                        </a:rPr>
+                        <m:t>𝑠𝑒𝑐</m:t>
+                      </m:r>
+                      <m:r>
+                        <a:rPr lang="en-US" b="0" i="1" smtClean="0">
+                          <a:solidFill>
+                            <a:schemeClr val="bg1"/>
+                          </a:solidFill>
+                          <a:latin typeface="Cambria Math" panose="02040503050406030204" pitchFamily="18" charset="0"/>
+                        </a:rPr>
+                        <m:t>] </m:t>
+                      </m:r>
+                    </m:oMath>
+                  </m:oMathPara>
+                </a14:m>
+                <a:endParaRPr lang="en-US" dirty="0">
+                  <a:solidFill>
+                    <a:schemeClr val="bg2">
+                      <a:lumMod val="90000"/>
+                    </a:schemeClr>
+                  </a:solidFill>
+                </a:endParaRPr>
+              </a:p>
+            </p:txBody>
+          </p:sp>
+        </mc:Choice>
+        <mc:Fallback>
+          <p:sp>
+            <p:nvSpPr>
+              <p:cNvPr id="11" name="TextBox 10">
+                <a:extLst>
+                  <a:ext uri="{FF2B5EF4-FFF2-40B4-BE49-F238E27FC236}">
+                    <a16:creationId xmlns:a16="http://schemas.microsoft.com/office/drawing/2014/main" id="{AD6F0A6E-97B8-4E7D-4D7F-900BDDB4911F}"/>
+                  </a:ext>
+                </a:extLst>
+              </p:cNvPr>
+              <p:cNvSpPr txBox="1">
+                <a:spLocks noRot="1" noChangeAspect="1" noMove="1" noResize="1" noEditPoints="1" noAdjustHandles="1" noChangeArrowheads="1" noChangeShapeType="1" noTextEdit="1"/>
+              </p:cNvSpPr>
+              <p:nvPr/>
+            </p:nvSpPr>
+            <p:spPr>
+              <a:xfrm>
+                <a:off x="0" y="2089860"/>
+                <a:ext cx="2407920" cy="369332"/>
+              </a:xfrm>
+              <a:prstGeom prst="rect">
+                <a:avLst/>
+              </a:prstGeom>
+              <a:blipFill>
+                <a:blip r:embed="rId3"/>
+                <a:stretch>
+                  <a:fillRect b="-16667"/>
+                </a:stretch>
+              </a:blipFill>
+            </p:spPr>
+            <p:txBody>
+              <a:bodyPr/>
+              <a:lstStyle/>
+              <a:p>
+                <a:r>
+                  <a:rPr lang="en-US">
+                    <a:noFill/>
+                  </a:rPr>
+                  <a:t> </a:t>
+                </a:r>
+              </a:p>
+            </p:txBody>
+          </p:sp>
+        </mc:Fallback>
+      </mc:AlternateContent>
+      <p:cxnSp>
+        <p:nvCxnSpPr>
+          <p:cNvPr id="12" name="Straight Arrow Connector 11">
+            <a:extLst>
+              <a:ext uri="{FF2B5EF4-FFF2-40B4-BE49-F238E27FC236}">
+                <a16:creationId xmlns:a16="http://schemas.microsoft.com/office/drawing/2014/main" id="{563F69B6-133D-7024-D368-ABE71309D5DB}"/>
+              </a:ext>
+            </a:extLst>
+          </p:cNvPr>
+          <p:cNvCxnSpPr>
+            <a:cxnSpLocks/>
+          </p:cNvCxnSpPr>
+          <p:nvPr/>
+        </p:nvCxnSpPr>
+        <p:spPr>
+          <a:xfrm flipV="1">
+            <a:off x="361399" y="2013440"/>
+            <a:ext cx="1685123" cy="7602"/>
+          </a:xfrm>
+          <a:prstGeom prst="straightConnector1">
+            <a:avLst/>
+          </a:prstGeom>
+          <a:ln w="19050">
+            <a:solidFill>
+              <a:schemeClr val="bg1"/>
+            </a:solidFill>
+            <a:headEnd type="triangle" w="med" len="med"/>
+            <a:tailEnd type="triangle" w="med" len="med"/>
+          </a:ln>
+        </p:spPr>
+        <p:style>
+          <a:lnRef idx="1">
+            <a:schemeClr val="accent1"/>
+          </a:lnRef>
+          <a:fillRef idx="0">
+            <a:schemeClr val="accent1"/>
+          </a:fillRef>
+          <a:effectRef idx="0">
+            <a:schemeClr val="accent1"/>
+          </a:effectRef>
+          <a:fontRef idx="minor">
+            <a:schemeClr val="tx1"/>
+          </a:fontRef>
+        </p:style>
+      </p:cxnSp>
+      <p:cxnSp>
+        <p:nvCxnSpPr>
+          <p:cNvPr id="13" name="Straight Connector 12">
+            <a:extLst>
+              <a:ext uri="{FF2B5EF4-FFF2-40B4-BE49-F238E27FC236}">
+                <a16:creationId xmlns:a16="http://schemas.microsoft.com/office/drawing/2014/main" id="{AE1BD68C-6C3C-182A-C24F-0A89D4A08DB1}"/>
+              </a:ext>
+            </a:extLst>
+          </p:cNvPr>
+          <p:cNvCxnSpPr>
+            <a:cxnSpLocks/>
+          </p:cNvCxnSpPr>
+          <p:nvPr/>
+        </p:nvCxnSpPr>
+        <p:spPr>
+          <a:xfrm>
+            <a:off x="2046522" y="1799011"/>
+            <a:ext cx="0" cy="264739"/>
+          </a:xfrm>
+          <a:prstGeom prst="line">
+            <a:avLst/>
+          </a:prstGeom>
+          <a:ln w="19050">
+            <a:solidFill>
+              <a:schemeClr val="bg1"/>
+            </a:solidFill>
+            <a:prstDash val="dash"/>
+          </a:ln>
+        </p:spPr>
+        <p:style>
+          <a:lnRef idx="1">
+            <a:schemeClr val="accent1"/>
+          </a:lnRef>
+          <a:fillRef idx="0">
+            <a:schemeClr val="accent1"/>
+          </a:fillRef>
+          <a:effectRef idx="0">
+            <a:schemeClr val="accent1"/>
+          </a:effectRef>
+          <a:fontRef idx="minor">
+            <a:schemeClr val="tx1"/>
+          </a:fontRef>
+        </p:style>
+      </p:cxnSp>
+      <p:cxnSp>
+        <p:nvCxnSpPr>
+          <p:cNvPr id="14" name="Straight Connector 13">
+            <a:extLst>
+              <a:ext uri="{FF2B5EF4-FFF2-40B4-BE49-F238E27FC236}">
+                <a16:creationId xmlns:a16="http://schemas.microsoft.com/office/drawing/2014/main" id="{281514FE-8902-0731-AF64-8224DE0A095F}"/>
+              </a:ext>
+            </a:extLst>
+          </p:cNvPr>
+          <p:cNvCxnSpPr>
+            <a:cxnSpLocks/>
+          </p:cNvCxnSpPr>
+          <p:nvPr/>
+        </p:nvCxnSpPr>
+        <p:spPr>
+          <a:xfrm>
+            <a:off x="354615" y="1937021"/>
+            <a:ext cx="0" cy="152839"/>
+          </a:xfrm>
+          <a:prstGeom prst="line">
+            <a:avLst/>
+          </a:prstGeom>
+          <a:ln w="19050">
+            <a:solidFill>
+              <a:schemeClr val="bg1"/>
+            </a:solidFill>
+            <a:prstDash val="dash"/>
+          </a:ln>
+        </p:spPr>
+        <p:style>
+          <a:lnRef idx="1">
+            <a:schemeClr val="accent1"/>
+          </a:lnRef>
+          <a:fillRef idx="0">
+            <a:schemeClr val="accent1"/>
+          </a:fillRef>
+          <a:effectRef idx="0">
+            <a:schemeClr val="accent1"/>
+          </a:effectRef>
+          <a:fontRef idx="minor">
+            <a:schemeClr val="tx1"/>
+          </a:fontRef>
+        </p:style>
+      </p:cxnSp>
+      <p:pic>
+        <p:nvPicPr>
+          <p:cNvPr id="21" name="Picture 20">
+            <a:extLst>
+              <a:ext uri="{FF2B5EF4-FFF2-40B4-BE49-F238E27FC236}">
+                <a16:creationId xmlns:a16="http://schemas.microsoft.com/office/drawing/2014/main" id="{A537194F-6804-425E-7B30-9B2B731B9FBE}"/>
+              </a:ext>
+            </a:extLst>
+          </p:cNvPr>
+          <p:cNvPicPr>
+            <a:picLocks noChangeAspect="1"/>
+          </p:cNvPicPr>
+          <p:nvPr/>
+        </p:nvPicPr>
+        <p:blipFill>
+          <a:blip r:embed="rId4"/>
+          <a:stretch>
+            <a:fillRect/>
+          </a:stretch>
+        </p:blipFill>
+        <p:spPr>
+          <a:xfrm>
+            <a:off x="5853682" y="80962"/>
+            <a:ext cx="6153993" cy="4253495"/>
+          </a:xfrm>
+          <a:prstGeom prst="rect">
+            <a:avLst/>
+          </a:prstGeom>
+        </p:spPr>
+      </p:pic>
+      <mc:AlternateContent xmlns:mc="http://schemas.openxmlformats.org/markup-compatibility/2006">
+        <mc:Choice xmlns:a14="http://schemas.microsoft.com/office/drawing/2010/main" Requires="a14">
+          <p:sp>
+            <p:nvSpPr>
+              <p:cNvPr id="22" name="TextBox 21">
+                <a:extLst>
+                  <a:ext uri="{FF2B5EF4-FFF2-40B4-BE49-F238E27FC236}">
+                    <a16:creationId xmlns:a16="http://schemas.microsoft.com/office/drawing/2014/main" id="{10D608FC-5859-E96D-D999-A02D39D114FA}"/>
+                  </a:ext>
+                </a:extLst>
+              </p:cNvPr>
+              <p:cNvSpPr txBox="1"/>
+              <p:nvPr/>
+            </p:nvSpPr>
+            <p:spPr>
+              <a:xfrm>
+                <a:off x="6096000" y="2119623"/>
+                <a:ext cx="2407920" cy="369332"/>
+              </a:xfrm>
+              <a:prstGeom prst="rect">
+                <a:avLst/>
+              </a:prstGeom>
+              <a:noFill/>
+            </p:spPr>
+            <p:txBody>
+              <a:bodyPr wrap="square" rtlCol="0">
+                <a:spAutoFit/>
+              </a:bodyPr>
+              <a:lstStyle/>
+              <a:p>
+                <a14:m>
+                  <m:oMathPara xmlns:m="http://schemas.openxmlformats.org/officeDocument/2006/math">
+                    <m:oMathParaPr>
+                      <m:jc m:val="centerGroup"/>
+                    </m:oMathParaPr>
+                    <m:oMath xmlns:m="http://schemas.openxmlformats.org/officeDocument/2006/math">
+                      <m:sSub>
+                        <m:sSubPr>
+                          <m:ctrlPr>
+                            <a:rPr lang="en-US" b="0" i="1" smtClean="0">
+                              <a:solidFill>
+                                <a:schemeClr val="bg1"/>
+                              </a:solidFill>
+                              <a:latin typeface="Cambria Math" panose="02040503050406030204" pitchFamily="18" charset="0"/>
+                            </a:rPr>
+                          </m:ctrlPr>
+                        </m:sSubPr>
+                        <m:e>
+                          <m:r>
+                            <a:rPr lang="en-US" b="0" i="1" smtClean="0">
+                              <a:solidFill>
+                                <a:schemeClr val="bg1"/>
+                              </a:solidFill>
+                              <a:latin typeface="Cambria Math" panose="02040503050406030204" pitchFamily="18" charset="0"/>
+                            </a:rPr>
+                            <m:t>𝑡</m:t>
+                          </m:r>
+                        </m:e>
+                        <m:sub>
+                          <m:r>
+                            <a:rPr lang="en-US" b="0" i="1" smtClean="0">
+                              <a:solidFill>
+                                <a:schemeClr val="bg1"/>
+                              </a:solidFill>
+                              <a:latin typeface="Cambria Math" panose="02040503050406030204" pitchFamily="18" charset="0"/>
+                            </a:rPr>
+                            <m:t>𝑠</m:t>
+                          </m:r>
+                        </m:sub>
+                      </m:sSub>
+                      <m:r>
+                        <a:rPr lang="en-US" b="0" i="1" smtClean="0">
+                          <a:solidFill>
+                            <a:schemeClr val="bg1"/>
+                          </a:solidFill>
+                          <a:latin typeface="Cambria Math" panose="02040503050406030204" pitchFamily="18" charset="0"/>
+                        </a:rPr>
+                        <m:t>~ 0.85 [</m:t>
+                      </m:r>
+                      <m:r>
+                        <a:rPr lang="en-US" b="0" i="1" smtClean="0">
+                          <a:solidFill>
+                            <a:schemeClr val="bg1"/>
+                          </a:solidFill>
+                          <a:latin typeface="Cambria Math" panose="02040503050406030204" pitchFamily="18" charset="0"/>
+                        </a:rPr>
+                        <m:t>𝑠𝑒𝑐</m:t>
+                      </m:r>
+                      <m:r>
+                        <a:rPr lang="en-US" b="0" i="1" smtClean="0">
+                          <a:solidFill>
+                            <a:schemeClr val="bg1"/>
+                          </a:solidFill>
+                          <a:latin typeface="Cambria Math" panose="02040503050406030204" pitchFamily="18" charset="0"/>
+                        </a:rPr>
+                        <m:t>] </m:t>
+                      </m:r>
+                    </m:oMath>
+                  </m:oMathPara>
+                </a14:m>
+                <a:endParaRPr lang="en-US" dirty="0">
+                  <a:solidFill>
+                    <a:schemeClr val="bg2">
+                      <a:lumMod val="90000"/>
+                    </a:schemeClr>
+                  </a:solidFill>
+                </a:endParaRPr>
+              </a:p>
+            </p:txBody>
+          </p:sp>
+        </mc:Choice>
+        <mc:Fallback>
+          <p:sp>
+            <p:nvSpPr>
+              <p:cNvPr id="22" name="TextBox 21">
+                <a:extLst>
+                  <a:ext uri="{FF2B5EF4-FFF2-40B4-BE49-F238E27FC236}">
+                    <a16:creationId xmlns:a16="http://schemas.microsoft.com/office/drawing/2014/main" id="{10D608FC-5859-E96D-D999-A02D39D114FA}"/>
+                  </a:ext>
+                </a:extLst>
+              </p:cNvPr>
+              <p:cNvSpPr txBox="1">
+                <a:spLocks noRot="1" noChangeAspect="1" noMove="1" noResize="1" noEditPoints="1" noAdjustHandles="1" noChangeArrowheads="1" noChangeShapeType="1" noTextEdit="1"/>
+              </p:cNvSpPr>
+              <p:nvPr/>
+            </p:nvSpPr>
+            <p:spPr>
+              <a:xfrm>
+                <a:off x="6096000" y="2119623"/>
+                <a:ext cx="2407920" cy="369332"/>
+              </a:xfrm>
+              <a:prstGeom prst="rect">
+                <a:avLst/>
+              </a:prstGeom>
+              <a:blipFill>
+                <a:blip r:embed="rId5"/>
+                <a:stretch>
+                  <a:fillRect b="-16667"/>
+                </a:stretch>
+              </a:blipFill>
+            </p:spPr>
+            <p:txBody>
+              <a:bodyPr/>
+              <a:lstStyle/>
+              <a:p>
+                <a:r>
+                  <a:rPr lang="en-US">
+                    <a:noFill/>
+                  </a:rPr>
+                  <a:t> </a:t>
+                </a:r>
+              </a:p>
+            </p:txBody>
+          </p:sp>
+        </mc:Fallback>
+      </mc:AlternateContent>
+      <p:cxnSp>
+        <p:nvCxnSpPr>
+          <p:cNvPr id="23" name="Straight Arrow Connector 22">
+            <a:extLst>
+              <a:ext uri="{FF2B5EF4-FFF2-40B4-BE49-F238E27FC236}">
+                <a16:creationId xmlns:a16="http://schemas.microsoft.com/office/drawing/2014/main" id="{22F67960-F2D5-AA20-4E98-B8083A24EBBE}"/>
+              </a:ext>
+            </a:extLst>
+          </p:cNvPr>
+          <p:cNvCxnSpPr>
+            <a:cxnSpLocks/>
+          </p:cNvCxnSpPr>
+          <p:nvPr/>
+        </p:nvCxnSpPr>
+        <p:spPr>
+          <a:xfrm>
+            <a:off x="6533735" y="2021042"/>
+            <a:ext cx="666486" cy="0"/>
+          </a:xfrm>
+          <a:prstGeom prst="straightConnector1">
+            <a:avLst/>
+          </a:prstGeom>
+          <a:ln w="19050">
+            <a:solidFill>
+              <a:schemeClr val="bg1"/>
+            </a:solidFill>
+            <a:headEnd type="triangle" w="med" len="med"/>
+            <a:tailEnd type="triangle" w="med" len="med"/>
+          </a:ln>
+        </p:spPr>
+        <p:style>
+          <a:lnRef idx="1">
+            <a:schemeClr val="accent1"/>
+          </a:lnRef>
+          <a:fillRef idx="0">
+            <a:schemeClr val="accent1"/>
+          </a:fillRef>
+          <a:effectRef idx="0">
+            <a:schemeClr val="accent1"/>
+          </a:effectRef>
+          <a:fontRef idx="minor">
+            <a:schemeClr val="tx1"/>
+          </a:fontRef>
+        </p:style>
+      </p:cxnSp>
+      <p:cxnSp>
+        <p:nvCxnSpPr>
+          <p:cNvPr id="24" name="Straight Connector 23">
+            <a:extLst>
+              <a:ext uri="{FF2B5EF4-FFF2-40B4-BE49-F238E27FC236}">
+                <a16:creationId xmlns:a16="http://schemas.microsoft.com/office/drawing/2014/main" id="{BB2DD4B0-1632-3981-E395-E67B8F1F98B1}"/>
+              </a:ext>
+            </a:extLst>
+          </p:cNvPr>
+          <p:cNvCxnSpPr>
+            <a:cxnSpLocks/>
+          </p:cNvCxnSpPr>
+          <p:nvPr/>
+        </p:nvCxnSpPr>
+        <p:spPr>
+          <a:xfrm>
+            <a:off x="7219959" y="1531620"/>
+            <a:ext cx="0" cy="602452"/>
+          </a:xfrm>
+          <a:prstGeom prst="line">
+            <a:avLst/>
+          </a:prstGeom>
+          <a:ln w="19050">
+            <a:solidFill>
+              <a:schemeClr val="bg1"/>
+            </a:solidFill>
+            <a:prstDash val="dash"/>
+          </a:ln>
+        </p:spPr>
+        <p:style>
+          <a:lnRef idx="1">
+            <a:schemeClr val="accent1"/>
+          </a:lnRef>
+          <a:fillRef idx="0">
+            <a:schemeClr val="accent1"/>
+          </a:fillRef>
+          <a:effectRef idx="0">
+            <a:schemeClr val="accent1"/>
+          </a:effectRef>
+          <a:fontRef idx="minor">
+            <a:schemeClr val="tx1"/>
+          </a:fontRef>
+        </p:style>
+      </p:cxnSp>
+      <p:cxnSp>
+        <p:nvCxnSpPr>
+          <p:cNvPr id="25" name="Straight Connector 24">
+            <a:extLst>
+              <a:ext uri="{FF2B5EF4-FFF2-40B4-BE49-F238E27FC236}">
+                <a16:creationId xmlns:a16="http://schemas.microsoft.com/office/drawing/2014/main" id="{E526F138-756A-6E52-4E93-53FB6A804C76}"/>
+              </a:ext>
+            </a:extLst>
+          </p:cNvPr>
+          <p:cNvCxnSpPr>
+            <a:cxnSpLocks/>
+          </p:cNvCxnSpPr>
+          <p:nvPr/>
+        </p:nvCxnSpPr>
+        <p:spPr>
+          <a:xfrm>
+            <a:off x="6526951" y="1937021"/>
+            <a:ext cx="0" cy="152839"/>
+          </a:xfrm>
+          <a:prstGeom prst="line">
+            <a:avLst/>
+          </a:prstGeom>
+          <a:ln w="19050">
+            <a:solidFill>
+              <a:schemeClr val="bg1"/>
+            </a:solidFill>
+            <a:prstDash val="dash"/>
+          </a:ln>
+        </p:spPr>
+        <p:style>
+          <a:lnRef idx="1">
+            <a:schemeClr val="accent1"/>
+          </a:lnRef>
+          <a:fillRef idx="0">
+            <a:schemeClr val="accent1"/>
+          </a:fillRef>
+          <a:effectRef idx="0">
+            <a:schemeClr val="accent1"/>
+          </a:effectRef>
+          <a:fontRef idx="minor">
+            <a:schemeClr val="tx1"/>
+          </a:fontRef>
+        </p:style>
+      </p:cxnSp>
+      <p:sp>
+        <p:nvSpPr>
+          <p:cNvPr id="28" name="TextBox 27">
+            <a:extLst>
+              <a:ext uri="{FF2B5EF4-FFF2-40B4-BE49-F238E27FC236}">
+                <a16:creationId xmlns:a16="http://schemas.microsoft.com/office/drawing/2014/main" id="{B5B6BFE0-5E2D-52BC-A174-543B4D198B43}"/>
+              </a:ext>
+            </a:extLst>
+          </p:cNvPr>
+          <p:cNvSpPr txBox="1"/>
+          <p:nvPr/>
+        </p:nvSpPr>
+        <p:spPr>
+          <a:xfrm>
+            <a:off x="10620569" y="500147"/>
+            <a:ext cx="1265614" cy="369332"/>
+          </a:xfrm>
+          <a:prstGeom prst="rect">
+            <a:avLst/>
+          </a:prstGeom>
+          <a:noFill/>
+        </p:spPr>
+        <p:txBody>
+          <a:bodyPr wrap="square" rtlCol="0">
+            <a:spAutoFit/>
+          </a:bodyPr>
+          <a:lstStyle/>
+          <a:p>
+            <a:r>
+              <a:rPr lang="en-US" dirty="0"/>
+              <a:t>Dutch roll</a:t>
+            </a:r>
+          </a:p>
+        </p:txBody>
+      </p:sp>
+      <p:pic>
+        <p:nvPicPr>
+          <p:cNvPr id="30" name="Picture 29">
+            <a:extLst>
+              <a:ext uri="{FF2B5EF4-FFF2-40B4-BE49-F238E27FC236}">
+                <a16:creationId xmlns:a16="http://schemas.microsoft.com/office/drawing/2014/main" id="{BF4BC3B3-5CE0-3F54-B090-7067B38D5AAC}"/>
+              </a:ext>
+            </a:extLst>
+          </p:cNvPr>
+          <p:cNvPicPr>
+            <a:picLocks noChangeAspect="1"/>
+          </p:cNvPicPr>
+          <p:nvPr/>
+        </p:nvPicPr>
+        <p:blipFill>
+          <a:blip r:embed="rId6"/>
+          <a:stretch>
+            <a:fillRect/>
+          </a:stretch>
+        </p:blipFill>
+        <p:spPr>
+          <a:xfrm>
+            <a:off x="11967107" y="73760"/>
+            <a:ext cx="6097423" cy="4284018"/>
+          </a:xfrm>
+          <a:prstGeom prst="rect">
+            <a:avLst/>
+          </a:prstGeom>
+        </p:spPr>
+      </p:pic>
+      <mc:AlternateContent xmlns:mc="http://schemas.openxmlformats.org/markup-compatibility/2006">
+        <mc:Choice xmlns:a14="http://schemas.microsoft.com/office/drawing/2010/main" Requires="a14">
+          <p:sp>
+            <p:nvSpPr>
+              <p:cNvPr id="31" name="TextBox 30">
+                <a:extLst>
+                  <a:ext uri="{FF2B5EF4-FFF2-40B4-BE49-F238E27FC236}">
+                    <a16:creationId xmlns:a16="http://schemas.microsoft.com/office/drawing/2014/main" id="{0CF4017B-8BC7-66CC-7918-0B4830809420}"/>
+                  </a:ext>
+                </a:extLst>
+              </p:cNvPr>
+              <p:cNvSpPr txBox="1"/>
+              <p:nvPr/>
+            </p:nvSpPr>
+            <p:spPr>
+              <a:xfrm>
+                <a:off x="12007675" y="2089860"/>
+                <a:ext cx="2407920" cy="369332"/>
+              </a:xfrm>
+              <a:prstGeom prst="rect">
+                <a:avLst/>
+              </a:prstGeom>
+              <a:noFill/>
+            </p:spPr>
+            <p:txBody>
+              <a:bodyPr wrap="square" rtlCol="0">
+                <a:spAutoFit/>
+              </a:bodyPr>
+              <a:lstStyle/>
+              <a:p>
+                <a14:m>
+                  <m:oMathPara xmlns:m="http://schemas.openxmlformats.org/officeDocument/2006/math">
+                    <m:oMathParaPr>
+                      <m:jc m:val="centerGroup"/>
+                    </m:oMathParaPr>
+                    <m:oMath xmlns:m="http://schemas.openxmlformats.org/officeDocument/2006/math">
+                      <m:sSub>
+                        <m:sSubPr>
+                          <m:ctrlPr>
+                            <a:rPr lang="en-US" b="0" i="1" smtClean="0">
+                              <a:solidFill>
+                                <a:schemeClr val="bg1"/>
+                              </a:solidFill>
+                              <a:latin typeface="Cambria Math" panose="02040503050406030204" pitchFamily="18" charset="0"/>
+                            </a:rPr>
+                          </m:ctrlPr>
+                        </m:sSubPr>
+                        <m:e>
+                          <m:r>
+                            <a:rPr lang="en-US" b="0" i="1" smtClean="0">
+                              <a:solidFill>
+                                <a:schemeClr val="bg1"/>
+                              </a:solidFill>
+                              <a:latin typeface="Cambria Math" panose="02040503050406030204" pitchFamily="18" charset="0"/>
+                            </a:rPr>
+                            <m:t>𝑡</m:t>
+                          </m:r>
+                        </m:e>
+                        <m:sub>
+                          <m:r>
+                            <a:rPr lang="en-US" b="0" i="1" smtClean="0">
+                              <a:solidFill>
+                                <a:schemeClr val="bg1"/>
+                              </a:solidFill>
+                              <a:latin typeface="Cambria Math" panose="02040503050406030204" pitchFamily="18" charset="0"/>
+                            </a:rPr>
+                            <m:t>𝑠</m:t>
+                          </m:r>
+                        </m:sub>
+                      </m:sSub>
+                      <m:r>
+                        <a:rPr lang="en-US" b="0" i="1" smtClean="0">
+                          <a:solidFill>
+                            <a:schemeClr val="bg1"/>
+                          </a:solidFill>
+                          <a:latin typeface="Cambria Math" panose="02040503050406030204" pitchFamily="18" charset="0"/>
+                        </a:rPr>
+                        <m:t>~ 550 [</m:t>
+                      </m:r>
+                      <m:r>
+                        <a:rPr lang="en-US" b="0" i="1" smtClean="0">
+                          <a:solidFill>
+                            <a:schemeClr val="bg1"/>
+                          </a:solidFill>
+                          <a:latin typeface="Cambria Math" panose="02040503050406030204" pitchFamily="18" charset="0"/>
+                        </a:rPr>
+                        <m:t>𝑠𝑒𝑐</m:t>
+                      </m:r>
+                      <m:r>
+                        <a:rPr lang="en-US" b="0" i="1" smtClean="0">
+                          <a:solidFill>
+                            <a:schemeClr val="bg1"/>
+                          </a:solidFill>
+                          <a:latin typeface="Cambria Math" panose="02040503050406030204" pitchFamily="18" charset="0"/>
+                        </a:rPr>
+                        <m:t>] </m:t>
+                      </m:r>
+                    </m:oMath>
+                  </m:oMathPara>
+                </a14:m>
+                <a:endParaRPr lang="en-US" dirty="0">
+                  <a:solidFill>
+                    <a:schemeClr val="bg2">
+                      <a:lumMod val="90000"/>
+                    </a:schemeClr>
+                  </a:solidFill>
+                </a:endParaRPr>
+              </a:p>
+            </p:txBody>
+          </p:sp>
+        </mc:Choice>
+        <mc:Fallback>
+          <p:sp>
+            <p:nvSpPr>
+              <p:cNvPr id="31" name="TextBox 30">
+                <a:extLst>
+                  <a:ext uri="{FF2B5EF4-FFF2-40B4-BE49-F238E27FC236}">
+                    <a16:creationId xmlns:a16="http://schemas.microsoft.com/office/drawing/2014/main" id="{0CF4017B-8BC7-66CC-7918-0B4830809420}"/>
+                  </a:ext>
+                </a:extLst>
+              </p:cNvPr>
+              <p:cNvSpPr txBox="1">
+                <a:spLocks noRot="1" noChangeAspect="1" noMove="1" noResize="1" noEditPoints="1" noAdjustHandles="1" noChangeArrowheads="1" noChangeShapeType="1" noTextEdit="1"/>
+              </p:cNvSpPr>
+              <p:nvPr/>
+            </p:nvSpPr>
+            <p:spPr>
+              <a:xfrm>
+                <a:off x="12007675" y="2089860"/>
+                <a:ext cx="2407920" cy="369332"/>
+              </a:xfrm>
+              <a:prstGeom prst="rect">
+                <a:avLst/>
+              </a:prstGeom>
+              <a:blipFill>
+                <a:blip r:embed="rId7"/>
+                <a:stretch>
+                  <a:fillRect b="-16667"/>
+                </a:stretch>
+              </a:blipFill>
+            </p:spPr>
+            <p:txBody>
+              <a:bodyPr/>
+              <a:lstStyle/>
+              <a:p>
+                <a:r>
+                  <a:rPr lang="en-US">
+                    <a:noFill/>
+                  </a:rPr>
+                  <a:t> </a:t>
+                </a:r>
+              </a:p>
+            </p:txBody>
+          </p:sp>
+        </mc:Fallback>
+      </mc:AlternateContent>
+      <p:cxnSp>
+        <p:nvCxnSpPr>
+          <p:cNvPr id="32" name="Straight Arrow Connector 31">
+            <a:extLst>
+              <a:ext uri="{FF2B5EF4-FFF2-40B4-BE49-F238E27FC236}">
+                <a16:creationId xmlns:a16="http://schemas.microsoft.com/office/drawing/2014/main" id="{467351F4-AE56-5935-7206-7E85E7663441}"/>
+              </a:ext>
+            </a:extLst>
+          </p:cNvPr>
+          <p:cNvCxnSpPr>
+            <a:cxnSpLocks/>
+          </p:cNvCxnSpPr>
+          <p:nvPr/>
+        </p:nvCxnSpPr>
+        <p:spPr>
+          <a:xfrm flipV="1">
+            <a:off x="12369074" y="2013440"/>
+            <a:ext cx="1685123" cy="7602"/>
+          </a:xfrm>
+          <a:prstGeom prst="straightConnector1">
+            <a:avLst/>
+          </a:prstGeom>
+          <a:ln w="19050">
+            <a:solidFill>
+              <a:schemeClr val="bg1"/>
+            </a:solidFill>
+            <a:headEnd type="triangle" w="med" len="med"/>
+            <a:tailEnd type="triangle" w="med" len="med"/>
+          </a:ln>
+        </p:spPr>
+        <p:style>
+          <a:lnRef idx="1">
+            <a:schemeClr val="accent1"/>
+          </a:lnRef>
+          <a:fillRef idx="0">
+            <a:schemeClr val="accent1"/>
+          </a:fillRef>
+          <a:effectRef idx="0">
+            <a:schemeClr val="accent1"/>
+          </a:effectRef>
+          <a:fontRef idx="minor">
+            <a:schemeClr val="tx1"/>
+          </a:fontRef>
+        </p:style>
+      </p:cxnSp>
+      <p:cxnSp>
+        <p:nvCxnSpPr>
+          <p:cNvPr id="33" name="Straight Connector 32">
+            <a:extLst>
+              <a:ext uri="{FF2B5EF4-FFF2-40B4-BE49-F238E27FC236}">
+                <a16:creationId xmlns:a16="http://schemas.microsoft.com/office/drawing/2014/main" id="{3D7022A4-F348-2AA1-968D-1FAC30FF3356}"/>
+              </a:ext>
+            </a:extLst>
+          </p:cNvPr>
+          <p:cNvCxnSpPr>
+            <a:cxnSpLocks/>
+          </p:cNvCxnSpPr>
+          <p:nvPr/>
+        </p:nvCxnSpPr>
+        <p:spPr>
+          <a:xfrm>
+            <a:off x="14054197" y="1799011"/>
+            <a:ext cx="0" cy="264739"/>
+          </a:xfrm>
+          <a:prstGeom prst="line">
+            <a:avLst/>
+          </a:prstGeom>
+          <a:ln w="19050">
+            <a:solidFill>
+              <a:schemeClr val="bg1"/>
+            </a:solidFill>
+            <a:prstDash val="dash"/>
+          </a:ln>
+        </p:spPr>
+        <p:style>
+          <a:lnRef idx="1">
+            <a:schemeClr val="accent1"/>
+          </a:lnRef>
+          <a:fillRef idx="0">
+            <a:schemeClr val="accent1"/>
+          </a:fillRef>
+          <a:effectRef idx="0">
+            <a:schemeClr val="accent1"/>
+          </a:effectRef>
+          <a:fontRef idx="minor">
+            <a:schemeClr val="tx1"/>
+          </a:fontRef>
+        </p:style>
+      </p:cxnSp>
+      <p:cxnSp>
+        <p:nvCxnSpPr>
+          <p:cNvPr id="34" name="Straight Connector 33">
+            <a:extLst>
+              <a:ext uri="{FF2B5EF4-FFF2-40B4-BE49-F238E27FC236}">
+                <a16:creationId xmlns:a16="http://schemas.microsoft.com/office/drawing/2014/main" id="{4F73FD53-88A7-4D28-03D1-43BD894A97F0}"/>
+              </a:ext>
+            </a:extLst>
+          </p:cNvPr>
+          <p:cNvCxnSpPr>
+            <a:cxnSpLocks/>
+          </p:cNvCxnSpPr>
+          <p:nvPr/>
+        </p:nvCxnSpPr>
+        <p:spPr>
+          <a:xfrm>
+            <a:off x="12362290" y="1937021"/>
+            <a:ext cx="0" cy="152839"/>
+          </a:xfrm>
+          <a:prstGeom prst="line">
+            <a:avLst/>
+          </a:prstGeom>
+          <a:ln w="19050">
+            <a:solidFill>
+              <a:schemeClr val="bg1"/>
+            </a:solidFill>
+            <a:prstDash val="dash"/>
+          </a:ln>
+        </p:spPr>
+        <p:style>
+          <a:lnRef idx="1">
+            <a:schemeClr val="accent1"/>
+          </a:lnRef>
+          <a:fillRef idx="0">
+            <a:schemeClr val="accent1"/>
+          </a:fillRef>
+          <a:effectRef idx="0">
+            <a:schemeClr val="accent1"/>
+          </a:effectRef>
+          <a:fontRef idx="minor">
+            <a:schemeClr val="tx1"/>
+          </a:fontRef>
+        </p:style>
+      </p:cxnSp>
+      <p:sp>
+        <p:nvSpPr>
+          <p:cNvPr id="35" name="TextBox 34">
+            <a:extLst>
+              <a:ext uri="{FF2B5EF4-FFF2-40B4-BE49-F238E27FC236}">
+                <a16:creationId xmlns:a16="http://schemas.microsoft.com/office/drawing/2014/main" id="{9ACEA41A-5285-EACD-DDD6-0C2B034E5A3C}"/>
+              </a:ext>
+            </a:extLst>
+          </p:cNvPr>
+          <p:cNvSpPr txBox="1"/>
+          <p:nvPr/>
+        </p:nvSpPr>
+        <p:spPr>
+          <a:xfrm>
+            <a:off x="16633331" y="500147"/>
+            <a:ext cx="1265614" cy="646331"/>
+          </a:xfrm>
+          <a:prstGeom prst="rect">
+            <a:avLst/>
+          </a:prstGeom>
+          <a:noFill/>
+        </p:spPr>
+        <p:txBody>
+          <a:bodyPr wrap="square" rtlCol="0">
+            <a:spAutoFit/>
+          </a:bodyPr>
+          <a:lstStyle/>
+          <a:p>
+            <a:r>
+              <a:rPr lang="en-US" dirty="0"/>
+              <a:t>Spiral divergence</a:t>
+            </a:r>
+          </a:p>
+        </p:txBody>
+      </p:sp>
+      <mc:AlternateContent xmlns:mc="http://schemas.openxmlformats.org/markup-compatibility/2006">
+        <mc:Choice xmlns:a14="http://schemas.microsoft.com/office/drawing/2010/main" Requires="a14">
+          <p:sp>
+            <p:nvSpPr>
+              <p:cNvPr id="39" name="TextBox 38">
+                <a:extLst>
+                  <a:ext uri="{FF2B5EF4-FFF2-40B4-BE49-F238E27FC236}">
+                    <a16:creationId xmlns:a16="http://schemas.microsoft.com/office/drawing/2014/main" id="{BB93848B-57B9-BD47-0427-215D65D26D4C}"/>
+                  </a:ext>
+                </a:extLst>
+              </p:cNvPr>
+              <p:cNvSpPr txBox="1"/>
+              <p:nvPr/>
+            </p:nvSpPr>
+            <p:spPr>
+              <a:xfrm>
+                <a:off x="571153" y="638646"/>
+                <a:ext cx="1265614" cy="369332"/>
+              </a:xfrm>
+              <a:prstGeom prst="rect">
+                <a:avLst/>
+              </a:prstGeom>
+              <a:noFill/>
+            </p:spPr>
+            <p:txBody>
+              <a:bodyPr wrap="square" rtlCol="0">
+                <a:spAutoFit/>
+              </a:bodyPr>
+              <a:lstStyle/>
+              <a:p>
+                <a14:m>
+                  <m:oMathPara xmlns:m="http://schemas.openxmlformats.org/officeDocument/2006/math">
+                    <m:oMathParaPr>
+                      <m:jc m:val="centerGroup"/>
+                    </m:oMathParaPr>
+                    <m:oMath xmlns:m="http://schemas.openxmlformats.org/officeDocument/2006/math">
+                      <m:r>
+                        <a:rPr lang="en-US" b="0" i="1" smtClean="0">
+                          <a:solidFill>
+                            <a:schemeClr val="bg1"/>
+                          </a:solidFill>
+                          <a:latin typeface="Cambria Math" panose="02040503050406030204" pitchFamily="18" charset="0"/>
+                        </a:rPr>
+                        <m:t>1) </m:t>
+                      </m:r>
+                      <m:r>
+                        <a:rPr lang="en-US" b="0" i="1" smtClean="0">
+                          <a:solidFill>
+                            <a:schemeClr val="bg1"/>
+                          </a:solidFill>
+                          <a:latin typeface="Cambria Math" panose="02040503050406030204" pitchFamily="18" charset="0"/>
+                        </a:rPr>
+                        <m:t>𝑣</m:t>
+                      </m:r>
+                      <m:d>
+                        <m:dPr>
+                          <m:begChr m:val="["/>
+                          <m:endChr m:val="]"/>
+                          <m:ctrlPr>
+                            <a:rPr lang="en-US" b="0" i="1" smtClean="0">
+                              <a:solidFill>
+                                <a:schemeClr val="bg1"/>
+                              </a:solidFill>
+                              <a:latin typeface="Cambria Math" panose="02040503050406030204" pitchFamily="18" charset="0"/>
+                            </a:rPr>
+                          </m:ctrlPr>
+                        </m:dPr>
+                        <m:e>
+                          <m:r>
+                            <a:rPr lang="en-US" b="0" i="1" smtClean="0">
+                              <a:solidFill>
+                                <a:schemeClr val="bg1"/>
+                              </a:solidFill>
+                              <a:latin typeface="Cambria Math" panose="02040503050406030204" pitchFamily="18" charset="0"/>
+                            </a:rPr>
+                            <m:t>𝑚</m:t>
+                          </m:r>
+                          <m:r>
+                            <a:rPr lang="en-US" b="0" i="1" smtClean="0">
+                              <a:solidFill>
+                                <a:schemeClr val="bg1"/>
+                              </a:solidFill>
+                              <a:latin typeface="Cambria Math" panose="02040503050406030204" pitchFamily="18" charset="0"/>
+                            </a:rPr>
+                            <m:t>\</m:t>
+                          </m:r>
+                          <m:r>
+                            <m:rPr>
+                              <m:sty m:val="p"/>
+                            </m:rPr>
+                            <a:rPr lang="en-US" b="0" i="1" smtClean="0">
+                              <a:solidFill>
+                                <a:schemeClr val="bg1"/>
+                              </a:solidFill>
+                              <a:latin typeface="Cambria Math" panose="02040503050406030204" pitchFamily="18" charset="0"/>
+                            </a:rPr>
+                            <m:t>s</m:t>
+                          </m:r>
+                        </m:e>
+                      </m:d>
+                    </m:oMath>
+                  </m:oMathPara>
+                </a14:m>
+                <a:endParaRPr lang="en-US" dirty="0">
+                  <a:solidFill>
+                    <a:schemeClr val="bg2">
+                      <a:lumMod val="90000"/>
+                    </a:schemeClr>
+                  </a:solidFill>
+                </a:endParaRPr>
+              </a:p>
+            </p:txBody>
+          </p:sp>
+        </mc:Choice>
+        <mc:Fallback>
+          <p:sp>
+            <p:nvSpPr>
+              <p:cNvPr id="39" name="TextBox 38">
+                <a:extLst>
+                  <a:ext uri="{FF2B5EF4-FFF2-40B4-BE49-F238E27FC236}">
+                    <a16:creationId xmlns:a16="http://schemas.microsoft.com/office/drawing/2014/main" id="{BB93848B-57B9-BD47-0427-215D65D26D4C}"/>
+                  </a:ext>
+                </a:extLst>
+              </p:cNvPr>
+              <p:cNvSpPr txBox="1">
+                <a:spLocks noRot="1" noChangeAspect="1" noMove="1" noResize="1" noEditPoints="1" noAdjustHandles="1" noChangeArrowheads="1" noChangeShapeType="1" noTextEdit="1"/>
+              </p:cNvSpPr>
+              <p:nvPr/>
+            </p:nvSpPr>
+            <p:spPr>
+              <a:xfrm>
+                <a:off x="571153" y="638646"/>
+                <a:ext cx="1265614" cy="369332"/>
+              </a:xfrm>
+              <a:prstGeom prst="rect">
+                <a:avLst/>
+              </a:prstGeom>
+              <a:blipFill>
+                <a:blip r:embed="rId8"/>
+                <a:stretch>
+                  <a:fillRect b="-13333"/>
+                </a:stretch>
+              </a:blipFill>
+            </p:spPr>
+            <p:txBody>
+              <a:bodyPr/>
+              <a:lstStyle/>
+              <a:p>
+                <a:r>
+                  <a:rPr lang="en-US">
+                    <a:noFill/>
+                  </a:rPr>
+                  <a:t> </a:t>
+                </a:r>
+              </a:p>
+            </p:txBody>
+          </p:sp>
+        </mc:Fallback>
+      </mc:AlternateContent>
+      <mc:AlternateContent xmlns:mc="http://schemas.openxmlformats.org/markup-compatibility/2006">
+        <mc:Choice xmlns:a14="http://schemas.microsoft.com/office/drawing/2010/main" Requires="a14">
+          <p:sp>
+            <p:nvSpPr>
+              <p:cNvPr id="40" name="TextBox 39">
+                <a:extLst>
+                  <a:ext uri="{FF2B5EF4-FFF2-40B4-BE49-F238E27FC236}">
+                    <a16:creationId xmlns:a16="http://schemas.microsoft.com/office/drawing/2014/main" id="{0421F847-7216-F4FB-7B3B-76AF9FCE6B7E}"/>
+                  </a:ext>
+                </a:extLst>
+              </p:cNvPr>
+              <p:cNvSpPr txBox="1"/>
+              <p:nvPr/>
+            </p:nvSpPr>
+            <p:spPr>
+              <a:xfrm>
+                <a:off x="2883981" y="638646"/>
+                <a:ext cx="1265614" cy="369332"/>
+              </a:xfrm>
+              <a:prstGeom prst="rect">
+                <a:avLst/>
+              </a:prstGeom>
+              <a:noFill/>
+            </p:spPr>
+            <p:txBody>
+              <a:bodyPr wrap="square" rtlCol="0">
+                <a:spAutoFit/>
+              </a:bodyPr>
+              <a:lstStyle/>
+              <a:p>
+                <a14:m>
+                  <m:oMathPara xmlns:m="http://schemas.openxmlformats.org/officeDocument/2006/math">
+                    <m:oMathParaPr>
+                      <m:jc m:val="centerGroup"/>
+                    </m:oMathParaPr>
+                    <m:oMath xmlns:m="http://schemas.openxmlformats.org/officeDocument/2006/math">
+                      <m:r>
+                        <a:rPr lang="en-US" b="0" i="1" smtClean="0">
+                          <a:solidFill>
+                            <a:schemeClr val="bg1"/>
+                          </a:solidFill>
+                          <a:latin typeface="Cambria Math" panose="02040503050406030204" pitchFamily="18" charset="0"/>
+                        </a:rPr>
+                        <m:t>2) </m:t>
+                      </m:r>
+                      <m:r>
+                        <a:rPr lang="en-US" b="0" i="1" smtClean="0">
+                          <a:solidFill>
+                            <a:schemeClr val="bg1"/>
+                          </a:solidFill>
+                          <a:latin typeface="Cambria Math" panose="02040503050406030204" pitchFamily="18" charset="0"/>
+                        </a:rPr>
+                        <m:t>𝑝</m:t>
+                      </m:r>
+                      <m:d>
+                        <m:dPr>
+                          <m:begChr m:val="["/>
+                          <m:endChr m:val="]"/>
+                          <m:ctrlPr>
+                            <a:rPr lang="en-US" b="0" i="1" smtClean="0">
+                              <a:solidFill>
+                                <a:schemeClr val="bg1"/>
+                              </a:solidFill>
+                              <a:latin typeface="Cambria Math" panose="02040503050406030204" pitchFamily="18" charset="0"/>
+                            </a:rPr>
+                          </m:ctrlPr>
+                        </m:dPr>
+                        <m:e>
+                          <m:r>
+                            <a:rPr lang="en-US" b="0" i="1" smtClean="0">
+                              <a:solidFill>
+                                <a:schemeClr val="bg1"/>
+                              </a:solidFill>
+                              <a:latin typeface="Cambria Math" panose="02040503050406030204" pitchFamily="18" charset="0"/>
+                            </a:rPr>
+                            <m:t>𝑑𝑒𝑔</m:t>
+                          </m:r>
+                          <m:r>
+                            <a:rPr lang="en-US" b="0" i="1" smtClean="0">
+                              <a:solidFill>
+                                <a:schemeClr val="bg1"/>
+                              </a:solidFill>
+                              <a:latin typeface="Cambria Math" panose="02040503050406030204" pitchFamily="18" charset="0"/>
+                            </a:rPr>
+                            <m:t>\</m:t>
+                          </m:r>
+                          <m:r>
+                            <m:rPr>
+                              <m:sty m:val="p"/>
+                            </m:rPr>
+                            <a:rPr lang="en-US" b="0" i="1" smtClean="0">
+                              <a:solidFill>
+                                <a:schemeClr val="bg1"/>
+                              </a:solidFill>
+                              <a:latin typeface="Cambria Math" panose="02040503050406030204" pitchFamily="18" charset="0"/>
+                            </a:rPr>
+                            <m:t>s</m:t>
+                          </m:r>
+                        </m:e>
+                      </m:d>
+                    </m:oMath>
+                  </m:oMathPara>
+                </a14:m>
+                <a:endParaRPr lang="en-US" dirty="0">
+                  <a:solidFill>
+                    <a:schemeClr val="bg2">
+                      <a:lumMod val="90000"/>
+                    </a:schemeClr>
+                  </a:solidFill>
+                </a:endParaRPr>
+              </a:p>
+            </p:txBody>
+          </p:sp>
+        </mc:Choice>
+        <mc:Fallback>
+          <p:sp>
+            <p:nvSpPr>
+              <p:cNvPr id="40" name="TextBox 39">
+                <a:extLst>
+                  <a:ext uri="{FF2B5EF4-FFF2-40B4-BE49-F238E27FC236}">
+                    <a16:creationId xmlns:a16="http://schemas.microsoft.com/office/drawing/2014/main" id="{0421F847-7216-F4FB-7B3B-76AF9FCE6B7E}"/>
+                  </a:ext>
+                </a:extLst>
+              </p:cNvPr>
+              <p:cNvSpPr txBox="1">
+                <a:spLocks noRot="1" noChangeAspect="1" noMove="1" noResize="1" noEditPoints="1" noAdjustHandles="1" noChangeArrowheads="1" noChangeShapeType="1" noTextEdit="1"/>
+              </p:cNvSpPr>
+              <p:nvPr/>
+            </p:nvSpPr>
+            <p:spPr>
+              <a:xfrm>
+                <a:off x="2883981" y="638646"/>
+                <a:ext cx="1265614" cy="369332"/>
+              </a:xfrm>
+              <a:prstGeom prst="rect">
+                <a:avLst/>
+              </a:prstGeom>
+              <a:blipFill>
+                <a:blip r:embed="rId9"/>
+                <a:stretch>
+                  <a:fillRect b="-13333"/>
+                </a:stretch>
+              </a:blipFill>
+            </p:spPr>
+            <p:txBody>
+              <a:bodyPr/>
+              <a:lstStyle/>
+              <a:p>
+                <a:r>
+                  <a:rPr lang="en-US">
+                    <a:noFill/>
+                  </a:rPr>
+                  <a:t> </a:t>
+                </a:r>
+              </a:p>
+            </p:txBody>
+          </p:sp>
+        </mc:Fallback>
+      </mc:AlternateContent>
+      <mc:AlternateContent xmlns:mc="http://schemas.openxmlformats.org/markup-compatibility/2006">
+        <mc:Choice xmlns:a14="http://schemas.microsoft.com/office/drawing/2010/main" Requires="a14">
+          <p:sp>
+            <p:nvSpPr>
+              <p:cNvPr id="41" name="TextBox 40">
+                <a:extLst>
+                  <a:ext uri="{FF2B5EF4-FFF2-40B4-BE49-F238E27FC236}">
+                    <a16:creationId xmlns:a16="http://schemas.microsoft.com/office/drawing/2014/main" id="{75AF354C-AA77-9B1E-9EB9-9ED861C81519}"/>
+                  </a:ext>
+                </a:extLst>
+              </p:cNvPr>
+              <p:cNvSpPr txBox="1"/>
+              <p:nvPr/>
+            </p:nvSpPr>
+            <p:spPr>
+              <a:xfrm>
+                <a:off x="571153" y="2770975"/>
+                <a:ext cx="1265614" cy="369332"/>
+              </a:xfrm>
+              <a:prstGeom prst="rect">
+                <a:avLst/>
+              </a:prstGeom>
+              <a:noFill/>
+            </p:spPr>
+            <p:txBody>
+              <a:bodyPr wrap="square" rtlCol="0">
+                <a:spAutoFit/>
+              </a:bodyPr>
+              <a:lstStyle/>
+              <a:p>
+                <a14:m>
+                  <m:oMathPara xmlns:m="http://schemas.openxmlformats.org/officeDocument/2006/math">
+                    <m:oMathParaPr>
+                      <m:jc m:val="centerGroup"/>
+                    </m:oMathParaPr>
+                    <m:oMath xmlns:m="http://schemas.openxmlformats.org/officeDocument/2006/math">
+                      <m:r>
+                        <a:rPr lang="en-US" b="0" i="1" smtClean="0">
+                          <a:solidFill>
+                            <a:schemeClr val="bg1"/>
+                          </a:solidFill>
+                          <a:latin typeface="Cambria Math" panose="02040503050406030204" pitchFamily="18" charset="0"/>
+                        </a:rPr>
+                        <m:t>3) </m:t>
+                      </m:r>
+                      <m:r>
+                        <a:rPr lang="en-US" b="0" i="1" smtClean="0">
+                          <a:solidFill>
+                            <a:schemeClr val="bg1"/>
+                          </a:solidFill>
+                          <a:latin typeface="Cambria Math" panose="02040503050406030204" pitchFamily="18" charset="0"/>
+                        </a:rPr>
+                        <m:t>𝑟</m:t>
+                      </m:r>
+                      <m:d>
+                        <m:dPr>
+                          <m:begChr m:val="["/>
+                          <m:endChr m:val="]"/>
+                          <m:ctrlPr>
+                            <a:rPr lang="en-US" b="0" i="1" smtClean="0">
+                              <a:solidFill>
+                                <a:schemeClr val="bg1"/>
+                              </a:solidFill>
+                              <a:latin typeface="Cambria Math" panose="02040503050406030204" pitchFamily="18" charset="0"/>
+                            </a:rPr>
+                          </m:ctrlPr>
+                        </m:dPr>
+                        <m:e>
+                          <m:r>
+                            <a:rPr lang="en-US" b="0" i="1" smtClean="0">
+                              <a:solidFill>
+                                <a:schemeClr val="bg1"/>
+                              </a:solidFill>
+                              <a:latin typeface="Cambria Math" panose="02040503050406030204" pitchFamily="18" charset="0"/>
+                            </a:rPr>
+                            <m:t>𝑑𝑒𝑔</m:t>
+                          </m:r>
+                          <m:r>
+                            <a:rPr lang="en-US" b="0" i="1" smtClean="0">
+                              <a:solidFill>
+                                <a:schemeClr val="bg1"/>
+                              </a:solidFill>
+                              <a:latin typeface="Cambria Math" panose="02040503050406030204" pitchFamily="18" charset="0"/>
+                            </a:rPr>
+                            <m:t>\</m:t>
+                          </m:r>
+                          <m:r>
+                            <m:rPr>
+                              <m:sty m:val="p"/>
+                            </m:rPr>
+                            <a:rPr lang="en-US" b="0" i="1" smtClean="0">
+                              <a:solidFill>
+                                <a:schemeClr val="bg1"/>
+                              </a:solidFill>
+                              <a:latin typeface="Cambria Math" panose="02040503050406030204" pitchFamily="18" charset="0"/>
+                            </a:rPr>
+                            <m:t>s</m:t>
+                          </m:r>
+                        </m:e>
+                      </m:d>
+                    </m:oMath>
+                  </m:oMathPara>
+                </a14:m>
+                <a:endParaRPr lang="en-US" dirty="0">
+                  <a:solidFill>
+                    <a:schemeClr val="bg2">
+                      <a:lumMod val="90000"/>
+                    </a:schemeClr>
+                  </a:solidFill>
+                </a:endParaRPr>
+              </a:p>
+            </p:txBody>
+          </p:sp>
+        </mc:Choice>
+        <mc:Fallback>
+          <p:sp>
+            <p:nvSpPr>
+              <p:cNvPr id="41" name="TextBox 40">
+                <a:extLst>
+                  <a:ext uri="{FF2B5EF4-FFF2-40B4-BE49-F238E27FC236}">
+                    <a16:creationId xmlns:a16="http://schemas.microsoft.com/office/drawing/2014/main" id="{75AF354C-AA77-9B1E-9EB9-9ED861C81519}"/>
+                  </a:ext>
+                </a:extLst>
+              </p:cNvPr>
+              <p:cNvSpPr txBox="1">
+                <a:spLocks noRot="1" noChangeAspect="1" noMove="1" noResize="1" noEditPoints="1" noAdjustHandles="1" noChangeArrowheads="1" noChangeShapeType="1" noTextEdit="1"/>
+              </p:cNvSpPr>
+              <p:nvPr/>
+            </p:nvSpPr>
+            <p:spPr>
+              <a:xfrm>
+                <a:off x="571153" y="2770975"/>
+                <a:ext cx="1265614" cy="369332"/>
+              </a:xfrm>
+              <a:prstGeom prst="rect">
+                <a:avLst/>
+              </a:prstGeom>
+              <a:blipFill>
+                <a:blip r:embed="rId10"/>
+                <a:stretch>
+                  <a:fillRect b="-13333"/>
+                </a:stretch>
+              </a:blipFill>
+            </p:spPr>
+            <p:txBody>
+              <a:bodyPr/>
+              <a:lstStyle/>
+              <a:p>
+                <a:r>
+                  <a:rPr lang="en-US">
+                    <a:noFill/>
+                  </a:rPr>
+                  <a:t> </a:t>
+                </a:r>
+              </a:p>
+            </p:txBody>
+          </p:sp>
+        </mc:Fallback>
+      </mc:AlternateContent>
+      <mc:AlternateContent xmlns:mc="http://schemas.openxmlformats.org/markup-compatibility/2006">
+        <mc:Choice xmlns:a14="http://schemas.microsoft.com/office/drawing/2010/main" Requires="a14">
+          <p:sp>
+            <p:nvSpPr>
+              <p:cNvPr id="42" name="TextBox 41">
+                <a:extLst>
+                  <a:ext uri="{FF2B5EF4-FFF2-40B4-BE49-F238E27FC236}">
+                    <a16:creationId xmlns:a16="http://schemas.microsoft.com/office/drawing/2014/main" id="{507CC374-C4EA-31F0-425D-1310B974DB92}"/>
+                  </a:ext>
+                </a:extLst>
+              </p:cNvPr>
+              <p:cNvSpPr txBox="1"/>
+              <p:nvPr/>
+            </p:nvSpPr>
+            <p:spPr>
+              <a:xfrm>
+                <a:off x="2886062" y="2770975"/>
+                <a:ext cx="1265614" cy="369332"/>
+              </a:xfrm>
+              <a:prstGeom prst="rect">
+                <a:avLst/>
+              </a:prstGeom>
+              <a:noFill/>
+            </p:spPr>
+            <p:txBody>
+              <a:bodyPr wrap="square" rtlCol="0">
+                <a:spAutoFit/>
+              </a:bodyPr>
+              <a:lstStyle/>
+              <a:p>
+                <a14:m>
+                  <m:oMathPara xmlns:m="http://schemas.openxmlformats.org/officeDocument/2006/math">
+                    <m:oMathParaPr>
+                      <m:jc m:val="centerGroup"/>
+                    </m:oMathParaPr>
+                    <m:oMath xmlns:m="http://schemas.openxmlformats.org/officeDocument/2006/math">
+                      <m:r>
+                        <a:rPr lang="en-US" b="0" i="1" smtClean="0">
+                          <a:solidFill>
+                            <a:schemeClr val="bg1"/>
+                          </a:solidFill>
+                          <a:latin typeface="Cambria Math" panose="02040503050406030204" pitchFamily="18" charset="0"/>
+                        </a:rPr>
+                        <m:t>4) </m:t>
+                      </m:r>
+                      <m:r>
+                        <a:rPr lang="el-GR" b="0" i="1" smtClean="0">
+                          <a:solidFill>
+                            <a:schemeClr val="bg1"/>
+                          </a:solidFill>
+                          <a:latin typeface="Cambria Math" panose="02040503050406030204" pitchFamily="18" charset="0"/>
+                        </a:rPr>
+                        <m:t>𝜑</m:t>
+                      </m:r>
+                      <m:r>
+                        <a:rPr lang="el-GR" b="0" i="1" smtClean="0">
+                          <a:solidFill>
+                            <a:schemeClr val="bg1"/>
+                          </a:solidFill>
+                          <a:latin typeface="Cambria Math" panose="02040503050406030204" pitchFamily="18" charset="0"/>
+                        </a:rPr>
+                        <m:t> </m:t>
+                      </m:r>
+                      <m:d>
+                        <m:dPr>
+                          <m:begChr m:val="["/>
+                          <m:endChr m:val="]"/>
+                          <m:ctrlPr>
+                            <a:rPr lang="en-US" b="0" i="1" smtClean="0">
+                              <a:solidFill>
+                                <a:schemeClr val="bg1"/>
+                              </a:solidFill>
+                              <a:latin typeface="Cambria Math" panose="02040503050406030204" pitchFamily="18" charset="0"/>
+                            </a:rPr>
+                          </m:ctrlPr>
+                        </m:dPr>
+                        <m:e>
+                          <m:r>
+                            <a:rPr lang="en-US" b="0" i="1" smtClean="0">
+                              <a:solidFill>
+                                <a:schemeClr val="bg1"/>
+                              </a:solidFill>
+                              <a:latin typeface="Cambria Math" panose="02040503050406030204" pitchFamily="18" charset="0"/>
+                            </a:rPr>
+                            <m:t>𝑑𝑒𝑔</m:t>
+                          </m:r>
+                        </m:e>
+                      </m:d>
+                    </m:oMath>
+                  </m:oMathPara>
+                </a14:m>
+                <a:endParaRPr lang="en-US" dirty="0">
+                  <a:solidFill>
+                    <a:schemeClr val="bg2">
+                      <a:lumMod val="90000"/>
+                    </a:schemeClr>
+                  </a:solidFill>
+                </a:endParaRPr>
+              </a:p>
+            </p:txBody>
+          </p:sp>
+        </mc:Choice>
+        <mc:Fallback>
+          <p:sp>
+            <p:nvSpPr>
+              <p:cNvPr id="42" name="TextBox 41">
+                <a:extLst>
+                  <a:ext uri="{FF2B5EF4-FFF2-40B4-BE49-F238E27FC236}">
+                    <a16:creationId xmlns:a16="http://schemas.microsoft.com/office/drawing/2014/main" id="{507CC374-C4EA-31F0-425D-1310B974DB92}"/>
+                  </a:ext>
+                </a:extLst>
+              </p:cNvPr>
+              <p:cNvSpPr txBox="1">
+                <a:spLocks noRot="1" noChangeAspect="1" noMove="1" noResize="1" noEditPoints="1" noAdjustHandles="1" noChangeArrowheads="1" noChangeShapeType="1" noTextEdit="1"/>
+              </p:cNvSpPr>
+              <p:nvPr/>
+            </p:nvSpPr>
+            <p:spPr>
+              <a:xfrm>
+                <a:off x="2886062" y="2770975"/>
+                <a:ext cx="1265614" cy="369332"/>
+              </a:xfrm>
+              <a:prstGeom prst="rect">
+                <a:avLst/>
+              </a:prstGeom>
+              <a:blipFill>
+                <a:blip r:embed="rId11"/>
+                <a:stretch>
+                  <a:fillRect b="-13333"/>
+                </a:stretch>
+              </a:blipFill>
+            </p:spPr>
+            <p:txBody>
+              <a:bodyPr/>
+              <a:lstStyle/>
+              <a:p>
+                <a:r>
+                  <a:rPr lang="en-US">
+                    <a:noFill/>
+                  </a:rPr>
+                  <a:t> </a:t>
+                </a:r>
+              </a:p>
+            </p:txBody>
+          </p:sp>
+        </mc:Fallback>
+      </mc:AlternateContent>
+      <p:pic>
+        <p:nvPicPr>
+          <p:cNvPr id="46" name="Picture 45">
+            <a:extLst>
+              <a:ext uri="{FF2B5EF4-FFF2-40B4-BE49-F238E27FC236}">
+                <a16:creationId xmlns:a16="http://schemas.microsoft.com/office/drawing/2014/main" id="{308B34F1-A9F4-478C-47AF-7C2DC639C6DE}"/>
+              </a:ext>
+            </a:extLst>
+          </p:cNvPr>
+          <p:cNvPicPr>
+            <a:picLocks noChangeAspect="1"/>
+          </p:cNvPicPr>
+          <p:nvPr/>
+        </p:nvPicPr>
+        <p:blipFill>
+          <a:blip r:embed="rId12"/>
+          <a:stretch>
+            <a:fillRect/>
+          </a:stretch>
+        </p:blipFill>
+        <p:spPr>
+          <a:xfrm>
+            <a:off x="15022528" y="3499806"/>
+            <a:ext cx="1431197" cy="685782"/>
+          </a:xfrm>
+          <a:prstGeom prst="rect">
+            <a:avLst/>
+          </a:prstGeom>
+        </p:spPr>
+      </p:pic>
+      <p:pic>
+        <p:nvPicPr>
+          <p:cNvPr id="48" name="Picture 47">
+            <a:extLst>
+              <a:ext uri="{FF2B5EF4-FFF2-40B4-BE49-F238E27FC236}">
+                <a16:creationId xmlns:a16="http://schemas.microsoft.com/office/drawing/2014/main" id="{3CB02D80-5F4E-38B4-57AD-4AFC5F892FCD}"/>
+              </a:ext>
+            </a:extLst>
+          </p:cNvPr>
+          <p:cNvPicPr>
+            <a:picLocks noChangeAspect="1"/>
+          </p:cNvPicPr>
+          <p:nvPr/>
+        </p:nvPicPr>
+        <p:blipFill>
+          <a:blip r:embed="rId13"/>
+          <a:stretch>
+            <a:fillRect/>
+          </a:stretch>
+        </p:blipFill>
+        <p:spPr>
+          <a:xfrm>
+            <a:off x="8968737" y="3496298"/>
+            <a:ext cx="1371564" cy="685782"/>
+          </a:xfrm>
+          <a:prstGeom prst="rect">
+            <a:avLst/>
+          </a:prstGeom>
+        </p:spPr>
+      </p:pic>
+      <p:pic>
+        <p:nvPicPr>
+          <p:cNvPr id="50" name="Picture 49">
+            <a:extLst>
+              <a:ext uri="{FF2B5EF4-FFF2-40B4-BE49-F238E27FC236}">
+                <a16:creationId xmlns:a16="http://schemas.microsoft.com/office/drawing/2014/main" id="{70E754A8-3411-5551-205C-0C4B5E81F90B}"/>
+              </a:ext>
+            </a:extLst>
+          </p:cNvPr>
+          <p:cNvPicPr>
+            <a:picLocks noChangeAspect="1"/>
+          </p:cNvPicPr>
+          <p:nvPr/>
+        </p:nvPicPr>
+        <p:blipFill>
+          <a:blip r:embed="rId14"/>
+          <a:stretch>
+            <a:fillRect/>
+          </a:stretch>
+        </p:blipFill>
+        <p:spPr>
+          <a:xfrm>
+            <a:off x="3151989" y="3496298"/>
+            <a:ext cx="1386472" cy="685782"/>
+          </a:xfrm>
+          <a:prstGeom prst="rect">
+            <a:avLst/>
+          </a:prstGeom>
+        </p:spPr>
+      </p:pic>
+    </p:spTree>
+    <p:extLst>
+      <p:ext uri="{BB962C8B-B14F-4D97-AF65-F5344CB8AC3E}">
+        <p14:creationId xmlns:p14="http://schemas.microsoft.com/office/powerpoint/2010/main" val="4265045628"/>
+      </p:ext>
+    </p:extLst>
+  </p:cSld>
+  <p:clrMapOvr>
+    <a:masterClrMapping/>
+  </p:clrMapOvr>
+</p:sld>
+</file>
+
 <file path=ppt/slides/slide2.xml><?xml version="1.0" encoding="utf-8"?>
 <p:sld xmlns:a="http://schemas.openxmlformats.org/drawingml/2006/main" xmlns:r="http://schemas.openxmlformats.org/officeDocument/2006/relationships" xmlns:p="http://schemas.openxmlformats.org/presentationml/2006/main">
   <p:cSld>

--- a/TechnicalReport/Figures.pptx
+++ b/TechnicalReport/Figures.pptx
@@ -24,6 +24,7 @@
     <p:sldId id="272" r:id="rId18"/>
     <p:sldId id="273" r:id="rId19"/>
     <p:sldId id="274" r:id="rId20"/>
+    <p:sldId id="275" r:id="rId21"/>
   </p:sldIdLst>
   <p:sldSz cx="12192000" cy="6858000"/>
   <p:notesSz cx="6858000" cy="9144000"/>
@@ -10543,7 +10544,7 @@
         </p:blipFill>
         <p:spPr>
           <a:xfrm>
-            <a:off x="534211" y="3429000"/>
+            <a:off x="11277373" y="-838338"/>
             <a:ext cx="4200369" cy="3285437"/>
           </a:xfrm>
           <a:prstGeom prst="rect">
@@ -10565,7 +10566,7 @@
         </p:nvGrpSpPr>
         <p:grpSpPr>
           <a:xfrm>
-            <a:off x="5044633" y="4401988"/>
+            <a:off x="244785" y="4061866"/>
             <a:ext cx="8450390" cy="2713631"/>
             <a:chOff x="1627060" y="1953619"/>
             <a:chExt cx="8450390" cy="2713631"/>
@@ -12928,6 +12929,36 @@
           </p:style>
         </p:cxnSp>
       </p:grpSp>
+      <p:pic>
+        <p:nvPicPr>
+          <p:cNvPr id="6" name="Picture 5">
+            <a:extLst>
+              <a:ext uri="{FF2B5EF4-FFF2-40B4-BE49-F238E27FC236}">
+                <a16:creationId xmlns:a16="http://schemas.microsoft.com/office/drawing/2014/main" id="{A56F8D83-3396-2BD3-3555-5F124DCB2618}"/>
+              </a:ext>
+            </a:extLst>
+          </p:cNvPr>
+          <p:cNvPicPr>
+            <a:picLocks noChangeAspect="1"/>
+          </p:cNvPicPr>
+          <p:nvPr/>
+        </p:nvPicPr>
+        <p:blipFill>
+          <a:blip r:embed="rId38"/>
+          <a:stretch>
+            <a:fillRect/>
+          </a:stretch>
+        </p:blipFill>
+        <p:spPr>
+          <a:xfrm>
+            <a:off x="5111036" y="4559421"/>
+            <a:ext cx="4994497" cy="2021582"/>
+          </a:xfrm>
+          <a:prstGeom prst="rect">
+            <a:avLst/>
+          </a:prstGeom>
+        </p:spPr>
+      </p:pic>
     </p:spTree>
     <p:extLst>
       <p:ext uri="{BB962C8B-B14F-4D97-AF65-F5344CB8AC3E}">
@@ -22753,6 +22784,66 @@
 </p:sld>
 </file>
 
+<file path=ppt/slides/slide20.xml><?xml version="1.0" encoding="utf-8"?>
+<p:sld xmlns:a="http://schemas.openxmlformats.org/drawingml/2006/main" xmlns:r="http://schemas.openxmlformats.org/officeDocument/2006/relationships" xmlns:p="http://schemas.openxmlformats.org/presentationml/2006/main">
+  <p:cSld>
+    <p:spTree>
+      <p:nvGrpSpPr>
+        <p:cNvPr id="1" name=""/>
+        <p:cNvGrpSpPr/>
+        <p:nvPr/>
+      </p:nvGrpSpPr>
+      <p:grpSpPr>
+        <a:xfrm>
+          <a:off x="0" y="0"/>
+          <a:ext cx="0" cy="0"/>
+          <a:chOff x="0" y="0"/>
+          <a:chExt cx="0" cy="0"/>
+        </a:xfrm>
+      </p:grpSpPr>
+      <p:pic>
+        <p:nvPicPr>
+          <p:cNvPr id="2" name="Picture 1">
+            <a:extLst>
+              <a:ext uri="{FF2B5EF4-FFF2-40B4-BE49-F238E27FC236}">
+                <a16:creationId xmlns:a16="http://schemas.microsoft.com/office/drawing/2014/main" id="{07226F8B-899E-6C79-8C44-ACB838D03904}"/>
+              </a:ext>
+            </a:extLst>
+          </p:cNvPr>
+          <p:cNvPicPr>
+            <a:picLocks noChangeAspect="1"/>
+          </p:cNvPicPr>
+          <p:nvPr/>
+        </p:nvPicPr>
+        <p:blipFill>
+          <a:blip r:embed="rId2"/>
+          <a:stretch>
+            <a:fillRect/>
+          </a:stretch>
+        </p:blipFill>
+        <p:spPr>
+          <a:xfrm>
+            <a:off x="1204411" y="2371725"/>
+            <a:ext cx="6029325" cy="2114550"/>
+          </a:xfrm>
+          <a:prstGeom prst="rect">
+            <a:avLst/>
+          </a:prstGeom>
+        </p:spPr>
+      </p:pic>
+    </p:spTree>
+    <p:extLst>
+      <p:ext uri="{BB962C8B-B14F-4D97-AF65-F5344CB8AC3E}">
+        <p14:creationId xmlns:p14="http://schemas.microsoft.com/office/powerpoint/2010/main" val="2885889072"/>
+      </p:ext>
+    </p:extLst>
+  </p:cSld>
+  <p:clrMapOvr>
+    <a:masterClrMapping/>
+  </p:clrMapOvr>
+</p:sld>
+</file>
+
 <file path=ppt/slides/slide3.xml><?xml version="1.0" encoding="utf-8"?>
 <p:sld xmlns:a="http://schemas.openxmlformats.org/drawingml/2006/main" xmlns:r="http://schemas.openxmlformats.org/officeDocument/2006/relationships" xmlns:p="http://schemas.openxmlformats.org/presentationml/2006/main">
   <p:cSld>

--- a/TechnicalReport/Figures.pptx
+++ b/TechnicalReport/Figures.pptx
@@ -25,6 +25,11 @@
     <p:sldId id="273" r:id="rId19"/>
     <p:sldId id="274" r:id="rId20"/>
     <p:sldId id="275" r:id="rId21"/>
+    <p:sldId id="276" r:id="rId22"/>
+    <p:sldId id="277" r:id="rId23"/>
+    <p:sldId id="278" r:id="rId24"/>
+    <p:sldId id="280" r:id="rId25"/>
+    <p:sldId id="281" r:id="rId26"/>
   </p:sldIdLst>
   <p:sldSz cx="12192000" cy="6858000"/>
   <p:notesSz cx="6858000" cy="9144000"/>
@@ -278,7 +283,7 @@
           <a:p>
             <a:fld id="{C1A24063-2F13-4A0D-BF3F-218053084915}" type="datetimeFigureOut">
               <a:rPr lang="en-US" smtClean="0"/>
-              <a:t>2/11/2023</a:t>
+              <a:t>2/12/2023</a:t>
             </a:fld>
             <a:endParaRPr lang="en-US"/>
           </a:p>
@@ -476,7 +481,7 @@
           <a:p>
             <a:fld id="{C1A24063-2F13-4A0D-BF3F-218053084915}" type="datetimeFigureOut">
               <a:rPr lang="en-US" smtClean="0"/>
-              <a:t>2/11/2023</a:t>
+              <a:t>2/12/2023</a:t>
             </a:fld>
             <a:endParaRPr lang="en-US"/>
           </a:p>
@@ -684,7 +689,7 @@
           <a:p>
             <a:fld id="{C1A24063-2F13-4A0D-BF3F-218053084915}" type="datetimeFigureOut">
               <a:rPr lang="en-US" smtClean="0"/>
-              <a:t>2/11/2023</a:t>
+              <a:t>2/12/2023</a:t>
             </a:fld>
             <a:endParaRPr lang="en-US"/>
           </a:p>
@@ -882,7 +887,7 @@
           <a:p>
             <a:fld id="{C1A24063-2F13-4A0D-BF3F-218053084915}" type="datetimeFigureOut">
               <a:rPr lang="en-US" smtClean="0"/>
-              <a:t>2/11/2023</a:t>
+              <a:t>2/12/2023</a:t>
             </a:fld>
             <a:endParaRPr lang="en-US"/>
           </a:p>
@@ -1157,7 +1162,7 @@
           <a:p>
             <a:fld id="{C1A24063-2F13-4A0D-BF3F-218053084915}" type="datetimeFigureOut">
               <a:rPr lang="en-US" smtClean="0"/>
-              <a:t>2/11/2023</a:t>
+              <a:t>2/12/2023</a:t>
             </a:fld>
             <a:endParaRPr lang="en-US"/>
           </a:p>
@@ -1422,7 +1427,7 @@
           <a:p>
             <a:fld id="{C1A24063-2F13-4A0D-BF3F-218053084915}" type="datetimeFigureOut">
               <a:rPr lang="en-US" smtClean="0"/>
-              <a:t>2/11/2023</a:t>
+              <a:t>2/12/2023</a:t>
             </a:fld>
             <a:endParaRPr lang="en-US"/>
           </a:p>
@@ -1834,7 +1839,7 @@
           <a:p>
             <a:fld id="{C1A24063-2F13-4A0D-BF3F-218053084915}" type="datetimeFigureOut">
               <a:rPr lang="en-US" smtClean="0"/>
-              <a:t>2/11/2023</a:t>
+              <a:t>2/12/2023</a:t>
             </a:fld>
             <a:endParaRPr lang="en-US"/>
           </a:p>
@@ -1975,7 +1980,7 @@
           <a:p>
             <a:fld id="{C1A24063-2F13-4A0D-BF3F-218053084915}" type="datetimeFigureOut">
               <a:rPr lang="en-US" smtClean="0"/>
-              <a:t>2/11/2023</a:t>
+              <a:t>2/12/2023</a:t>
             </a:fld>
             <a:endParaRPr lang="en-US"/>
           </a:p>
@@ -2088,7 +2093,7 @@
           <a:p>
             <a:fld id="{C1A24063-2F13-4A0D-BF3F-218053084915}" type="datetimeFigureOut">
               <a:rPr lang="en-US" smtClean="0"/>
-              <a:t>2/11/2023</a:t>
+              <a:t>2/12/2023</a:t>
             </a:fld>
             <a:endParaRPr lang="en-US"/>
           </a:p>
@@ -2399,7 +2404,7 @@
           <a:p>
             <a:fld id="{C1A24063-2F13-4A0D-BF3F-218053084915}" type="datetimeFigureOut">
               <a:rPr lang="en-US" smtClean="0"/>
-              <a:t>2/11/2023</a:t>
+              <a:t>2/12/2023</a:t>
             </a:fld>
             <a:endParaRPr lang="en-US"/>
           </a:p>
@@ -2687,7 +2692,7 @@
           <a:p>
             <a:fld id="{C1A24063-2F13-4A0D-BF3F-218053084915}" type="datetimeFigureOut">
               <a:rPr lang="en-US" smtClean="0"/>
-              <a:t>2/11/2023</a:t>
+              <a:t>2/12/2023</a:t>
             </a:fld>
             <a:endParaRPr lang="en-US"/>
           </a:p>
@@ -2928,7 +2933,7 @@
           <a:p>
             <a:fld id="{C1A24063-2F13-4A0D-BF3F-218053084915}" type="datetimeFigureOut">
               <a:rPr lang="en-US" smtClean="0"/>
-              <a:t>2/11/2023</a:t>
+              <a:t>2/12/2023</a:t>
             </a:fld>
             <a:endParaRPr lang="en-US"/>
           </a:p>
@@ -14759,8 +14764,8 @@
             </a:prstGeom>
           </p:spPr>
         </p:pic>
-        <mc:AlternateContent xmlns:mc="http://schemas.openxmlformats.org/markup-compatibility/2006">
-          <mc:Choice xmlns:a14="http://schemas.microsoft.com/office/drawing/2010/main" Requires="a14">
+        <mc:AlternateContent xmlns:mc="http://schemas.openxmlformats.org/markup-compatibility/2006" xmlns:a14="http://schemas.microsoft.com/office/drawing/2010/main">
+          <mc:Choice Requires="a14">
             <p:sp>
               <p:nvSpPr>
                 <p:cNvPr id="4" name="TextBox 3">
@@ -14789,6 +14794,7 @@
                 </a:bodyPr>
                 <a:lstStyle/>
                 <a:p>
+                  <a:pPr/>
                   <a14:m>
                     <m:oMathPara xmlns:m="http://schemas.openxmlformats.org/officeDocument/2006/math">
                       <m:oMathParaPr>
@@ -14853,7 +14859,7 @@
               </p:txBody>
             </p:sp>
           </mc:Choice>
-          <mc:Fallback>
+          <mc:Fallback xmlns="">
             <p:sp>
               <p:nvSpPr>
                 <p:cNvPr id="4" name="TextBox 3">
@@ -15092,8 +15098,8 @@
           </a:prstGeom>
         </p:spPr>
       </p:pic>
-      <mc:AlternateContent xmlns:mc="http://schemas.openxmlformats.org/markup-compatibility/2006">
-        <mc:Choice xmlns:a14="http://schemas.microsoft.com/office/drawing/2010/main" Requires="a14">
+      <mc:AlternateContent xmlns:mc="http://schemas.openxmlformats.org/markup-compatibility/2006" xmlns:a14="http://schemas.microsoft.com/office/drawing/2010/main">
+        <mc:Choice Requires="a14">
           <p:sp>
             <p:nvSpPr>
               <p:cNvPr id="4" name="TextBox 3">
@@ -15122,6 +15128,7 @@
               </a:bodyPr>
               <a:lstStyle/>
               <a:p>
+                <a:pPr/>
                 <a14:m>
                   <m:oMathPara xmlns:m="http://schemas.openxmlformats.org/officeDocument/2006/math">
                     <m:oMathParaPr>
@@ -15178,7 +15185,7 @@
             </p:txBody>
           </p:sp>
         </mc:Choice>
-        <mc:Fallback>
+        <mc:Fallback xmlns="">
           <p:sp>
             <p:nvSpPr>
               <p:cNvPr id="4" name="TextBox 3">
@@ -15441,8 +15448,8 @@
             </a:prstGeom>
           </p:spPr>
         </p:pic>
-        <mc:AlternateContent xmlns:mc="http://schemas.openxmlformats.org/markup-compatibility/2006">
-          <mc:Choice xmlns:a14="http://schemas.microsoft.com/office/drawing/2010/main" Requires="a14">
+        <mc:AlternateContent xmlns:mc="http://schemas.openxmlformats.org/markup-compatibility/2006" xmlns:a14="http://schemas.microsoft.com/office/drawing/2010/main">
+          <mc:Choice Requires="a14">
             <p:sp>
               <p:nvSpPr>
                 <p:cNvPr id="19" name="TextBox 18">
@@ -15474,6 +15481,7 @@
                 </a:bodyPr>
                 <a:lstStyle/>
                 <a:p>
+                  <a:pPr/>
                   <a14:m>
                     <m:oMathPara xmlns:m="http://schemas.openxmlformats.org/officeDocument/2006/math">
                       <m:oMathParaPr>
@@ -15528,7 +15536,7 @@
               </p:txBody>
             </p:sp>
           </mc:Choice>
-          <mc:Fallback>
+          <mc:Fallback xmlns="">
             <p:sp>
               <p:nvSpPr>
                 <p:cNvPr id="19" name="TextBox 18">
@@ -15745,8 +15753,8 @@
           </a:p>
         </p:txBody>
       </p:sp>
-      <mc:AlternateContent xmlns:mc="http://schemas.openxmlformats.org/markup-compatibility/2006">
-        <mc:Choice xmlns:a14="http://schemas.microsoft.com/office/drawing/2010/main" Requires="a14">
+      <mc:AlternateContent xmlns:mc="http://schemas.openxmlformats.org/markup-compatibility/2006" xmlns:a14="http://schemas.microsoft.com/office/drawing/2010/main">
+        <mc:Choice Requires="a14">
           <p:sp>
             <p:nvSpPr>
               <p:cNvPr id="31" name="TextBox 30">
@@ -15775,6 +15783,7 @@
               </a:bodyPr>
               <a:lstStyle/>
               <a:p>
+                <a:pPr/>
                 <a14:m>
                   <m:oMathPara xmlns:m="http://schemas.openxmlformats.org/officeDocument/2006/math">
                     <m:oMathParaPr>
@@ -15859,7 +15868,7 @@
             </p:txBody>
           </p:sp>
         </mc:Choice>
-        <mc:Fallback>
+        <mc:Fallback xmlns="">
           <p:sp>
             <p:nvSpPr>
               <p:cNvPr id="31" name="TextBox 30">
@@ -15904,8 +15913,8 @@
           </p:sp>
         </mc:Fallback>
       </mc:AlternateContent>
-      <mc:AlternateContent xmlns:mc="http://schemas.openxmlformats.org/markup-compatibility/2006">
-        <mc:Choice xmlns:a14="http://schemas.microsoft.com/office/drawing/2010/main" Requires="a14">
+      <mc:AlternateContent xmlns:mc="http://schemas.openxmlformats.org/markup-compatibility/2006" xmlns:a14="http://schemas.microsoft.com/office/drawing/2010/main">
+        <mc:Choice Requires="a14">
           <p:sp>
             <p:nvSpPr>
               <p:cNvPr id="32" name="TextBox 31">
@@ -15934,6 +15943,7 @@
               </a:bodyPr>
               <a:lstStyle/>
               <a:p>
+                <a:pPr/>
                 <a14:m>
                   <m:oMathPara xmlns:m="http://schemas.openxmlformats.org/officeDocument/2006/math">
                     <m:oMathParaPr>
@@ -16020,7 +16030,7 @@
             </p:txBody>
           </p:sp>
         </mc:Choice>
-        <mc:Fallback>
+        <mc:Fallback xmlns="">
           <p:sp>
             <p:nvSpPr>
               <p:cNvPr id="32" name="TextBox 31">
@@ -16065,8 +16075,8 @@
           </p:sp>
         </mc:Fallback>
       </mc:AlternateContent>
-      <mc:AlternateContent xmlns:mc="http://schemas.openxmlformats.org/markup-compatibility/2006">
-        <mc:Choice xmlns:a14="http://schemas.microsoft.com/office/drawing/2010/main" Requires="a14">
+      <mc:AlternateContent xmlns:mc="http://schemas.openxmlformats.org/markup-compatibility/2006" xmlns:a14="http://schemas.microsoft.com/office/drawing/2010/main">
+        <mc:Choice Requires="a14">
           <p:sp>
             <p:nvSpPr>
               <p:cNvPr id="33" name="TextBox 32">
@@ -16095,6 +16105,7 @@
               </a:bodyPr>
               <a:lstStyle/>
               <a:p>
+                <a:pPr/>
                 <a14:m>
                   <m:oMathPara xmlns:m="http://schemas.openxmlformats.org/officeDocument/2006/math">
                     <m:oMathParaPr>
@@ -16170,7 +16181,7 @@
             </p:txBody>
           </p:sp>
         </mc:Choice>
-        <mc:Fallback>
+        <mc:Fallback xmlns="">
           <p:sp>
             <p:nvSpPr>
               <p:cNvPr id="33" name="TextBox 32">
@@ -16215,8 +16226,8 @@
           </p:sp>
         </mc:Fallback>
       </mc:AlternateContent>
-      <mc:AlternateContent xmlns:mc="http://schemas.openxmlformats.org/markup-compatibility/2006">
-        <mc:Choice xmlns:a14="http://schemas.microsoft.com/office/drawing/2010/main" Requires="a14">
+      <mc:AlternateContent xmlns:mc="http://schemas.openxmlformats.org/markup-compatibility/2006" xmlns:a14="http://schemas.microsoft.com/office/drawing/2010/main">
+        <mc:Choice Requires="a14">
           <p:sp>
             <p:nvSpPr>
               <p:cNvPr id="34" name="TextBox 33">
@@ -16245,6 +16256,7 @@
               </a:bodyPr>
               <a:lstStyle/>
               <a:p>
+                <a:pPr/>
                 <a14:m>
                   <m:oMathPara xmlns:m="http://schemas.openxmlformats.org/officeDocument/2006/math">
                     <m:oMathParaPr>
@@ -16370,7 +16382,7 @@
             </p:txBody>
           </p:sp>
         </mc:Choice>
-        <mc:Fallback>
+        <mc:Fallback xmlns="">
           <p:sp>
             <p:nvSpPr>
               <p:cNvPr id="34" name="TextBox 33">
@@ -16570,8 +16582,8 @@
           </a:p>
         </p:txBody>
       </p:sp>
-      <mc:AlternateContent xmlns:mc="http://schemas.openxmlformats.org/markup-compatibility/2006">
-        <mc:Choice xmlns:a14="http://schemas.microsoft.com/office/drawing/2010/main" Requires="a14">
+      <mc:AlternateContent xmlns:mc="http://schemas.openxmlformats.org/markup-compatibility/2006" xmlns:a14="http://schemas.microsoft.com/office/drawing/2010/main">
+        <mc:Choice Requires="a14">
           <p:sp>
             <p:nvSpPr>
               <p:cNvPr id="11" name="TextBox 10">
@@ -16600,6 +16612,7 @@
               </a:bodyPr>
               <a:lstStyle/>
               <a:p>
+                <a:pPr/>
                 <a14:m>
                   <m:oMathPara xmlns:m="http://schemas.openxmlformats.org/officeDocument/2006/math">
                     <m:oMathParaPr>
@@ -16681,7 +16694,7 @@
             </p:txBody>
           </p:sp>
         </mc:Choice>
-        <mc:Fallback>
+        <mc:Fallback xmlns="">
           <p:sp>
             <p:nvSpPr>
               <p:cNvPr id="11" name="TextBox 10">
@@ -16889,8 +16902,8 @@
           </a:prstGeom>
         </p:spPr>
       </p:pic>
-      <mc:AlternateContent xmlns:mc="http://schemas.openxmlformats.org/markup-compatibility/2006">
-        <mc:Choice xmlns:a14="http://schemas.microsoft.com/office/drawing/2010/main" Requires="a14">
+      <mc:AlternateContent xmlns:mc="http://schemas.openxmlformats.org/markup-compatibility/2006" xmlns:a14="http://schemas.microsoft.com/office/drawing/2010/main">
+        <mc:Choice Requires="a14">
           <p:sp>
             <p:nvSpPr>
               <p:cNvPr id="22" name="TextBox 21">
@@ -16919,6 +16932,7 @@
               </a:bodyPr>
               <a:lstStyle/>
               <a:p>
+                <a:pPr/>
                 <a14:m>
                   <m:oMathPara xmlns:m="http://schemas.openxmlformats.org/officeDocument/2006/math">
                     <m:oMathParaPr>
@@ -17000,7 +17014,7 @@
             </p:txBody>
           </p:sp>
         </mc:Choice>
-        <mc:Fallback>
+        <mc:Fallback xmlns="">
           <p:sp>
             <p:nvSpPr>
               <p:cNvPr id="22" name="TextBox 21">
@@ -17243,8 +17257,8 @@
           </a:prstGeom>
         </p:spPr>
       </p:pic>
-      <mc:AlternateContent xmlns:mc="http://schemas.openxmlformats.org/markup-compatibility/2006">
-        <mc:Choice xmlns:a14="http://schemas.microsoft.com/office/drawing/2010/main" Requires="a14">
+      <mc:AlternateContent xmlns:mc="http://schemas.openxmlformats.org/markup-compatibility/2006" xmlns:a14="http://schemas.microsoft.com/office/drawing/2010/main">
+        <mc:Choice Requires="a14">
           <p:sp>
             <p:nvSpPr>
               <p:cNvPr id="31" name="TextBox 30">
@@ -17273,6 +17287,7 @@
               </a:bodyPr>
               <a:lstStyle/>
               <a:p>
+                <a:pPr/>
                 <a14:m>
                   <m:oMathPara xmlns:m="http://schemas.openxmlformats.org/officeDocument/2006/math">
                     <m:oMathParaPr>
@@ -17354,7 +17369,7 @@
             </p:txBody>
           </p:sp>
         </mc:Choice>
-        <mc:Fallback>
+        <mc:Fallback xmlns="">
           <p:sp>
             <p:nvSpPr>
               <p:cNvPr id="31" name="TextBox 30">
@@ -17567,8 +17582,8 @@
           </a:p>
         </p:txBody>
       </p:sp>
-      <mc:AlternateContent xmlns:mc="http://schemas.openxmlformats.org/markup-compatibility/2006">
-        <mc:Choice xmlns:a14="http://schemas.microsoft.com/office/drawing/2010/main" Requires="a14">
+      <mc:AlternateContent xmlns:mc="http://schemas.openxmlformats.org/markup-compatibility/2006" xmlns:a14="http://schemas.microsoft.com/office/drawing/2010/main">
+        <mc:Choice Requires="a14">
           <p:sp>
             <p:nvSpPr>
               <p:cNvPr id="39" name="TextBox 38">
@@ -17597,6 +17612,7 @@
               </a:bodyPr>
               <a:lstStyle/>
               <a:p>
+                <a:pPr/>
                 <a14:m>
                   <m:oMathPara xmlns:m="http://schemas.openxmlformats.org/officeDocument/2006/math">
                     <m:oMathParaPr>
@@ -17681,7 +17697,7 @@
             </p:txBody>
           </p:sp>
         </mc:Choice>
-        <mc:Fallback>
+        <mc:Fallback xmlns="">
           <p:sp>
             <p:nvSpPr>
               <p:cNvPr id="39" name="TextBox 38">
@@ -17726,8 +17742,8 @@
           </p:sp>
         </mc:Fallback>
       </mc:AlternateContent>
-      <mc:AlternateContent xmlns:mc="http://schemas.openxmlformats.org/markup-compatibility/2006">
-        <mc:Choice xmlns:a14="http://schemas.microsoft.com/office/drawing/2010/main" Requires="a14">
+      <mc:AlternateContent xmlns:mc="http://schemas.openxmlformats.org/markup-compatibility/2006" xmlns:a14="http://schemas.microsoft.com/office/drawing/2010/main">
+        <mc:Choice Requires="a14">
           <p:sp>
             <p:nvSpPr>
               <p:cNvPr id="40" name="TextBox 39">
@@ -17756,6 +17772,7 @@
               </a:bodyPr>
               <a:lstStyle/>
               <a:p>
+                <a:pPr/>
                 <a14:m>
                   <m:oMathPara xmlns:m="http://schemas.openxmlformats.org/officeDocument/2006/math">
                     <m:oMathParaPr>
@@ -17840,7 +17857,7 @@
             </p:txBody>
           </p:sp>
         </mc:Choice>
-        <mc:Fallback>
+        <mc:Fallback xmlns="">
           <p:sp>
             <p:nvSpPr>
               <p:cNvPr id="40" name="TextBox 39">
@@ -17885,8 +17902,8 @@
           </p:sp>
         </mc:Fallback>
       </mc:AlternateContent>
-      <mc:AlternateContent xmlns:mc="http://schemas.openxmlformats.org/markup-compatibility/2006">
-        <mc:Choice xmlns:a14="http://schemas.microsoft.com/office/drawing/2010/main" Requires="a14">
+      <mc:AlternateContent xmlns:mc="http://schemas.openxmlformats.org/markup-compatibility/2006" xmlns:a14="http://schemas.microsoft.com/office/drawing/2010/main">
+        <mc:Choice Requires="a14">
           <p:sp>
             <p:nvSpPr>
               <p:cNvPr id="41" name="TextBox 40">
@@ -17915,6 +17932,7 @@
               </a:bodyPr>
               <a:lstStyle/>
               <a:p>
+                <a:pPr/>
                 <a14:m>
                   <m:oMathPara xmlns:m="http://schemas.openxmlformats.org/officeDocument/2006/math">
                     <m:oMathParaPr>
@@ -17999,7 +18017,7 @@
             </p:txBody>
           </p:sp>
         </mc:Choice>
-        <mc:Fallback>
+        <mc:Fallback xmlns="">
           <p:sp>
             <p:nvSpPr>
               <p:cNvPr id="41" name="TextBox 40">
@@ -18044,8 +18062,8 @@
           </p:sp>
         </mc:Fallback>
       </mc:AlternateContent>
-      <mc:AlternateContent xmlns:mc="http://schemas.openxmlformats.org/markup-compatibility/2006">
-        <mc:Choice xmlns:a14="http://schemas.microsoft.com/office/drawing/2010/main" Requires="a14">
+      <mc:AlternateContent xmlns:mc="http://schemas.openxmlformats.org/markup-compatibility/2006" xmlns:a14="http://schemas.microsoft.com/office/drawing/2010/main">
+        <mc:Choice Requires="a14">
           <p:sp>
             <p:nvSpPr>
               <p:cNvPr id="42" name="TextBox 41">
@@ -18074,6 +18092,7 @@
               </a:bodyPr>
               <a:lstStyle/>
               <a:p>
+                <a:pPr/>
                 <a14:m>
                   <m:oMathPara xmlns:m="http://schemas.openxmlformats.org/officeDocument/2006/math">
                     <m:oMathParaPr>
@@ -18146,7 +18165,7 @@
             </p:txBody>
           </p:sp>
         </mc:Choice>
-        <mc:Fallback>
+        <mc:Fallback xmlns="">
           <p:sp>
             <p:nvSpPr>
               <p:cNvPr id="42" name="TextBox 41">
@@ -22835,6 +22854,2890 @@
     <p:extLst>
       <p:ext uri="{BB962C8B-B14F-4D97-AF65-F5344CB8AC3E}">
         <p14:creationId xmlns:p14="http://schemas.microsoft.com/office/powerpoint/2010/main" val="2885889072"/>
+      </p:ext>
+    </p:extLst>
+  </p:cSld>
+  <p:clrMapOvr>
+    <a:masterClrMapping/>
+  </p:clrMapOvr>
+</p:sld>
+</file>
+
+<file path=ppt/slides/slide21.xml><?xml version="1.0" encoding="utf-8"?>
+<p:sld xmlns:a="http://schemas.openxmlformats.org/drawingml/2006/main" xmlns:r="http://schemas.openxmlformats.org/officeDocument/2006/relationships" xmlns:p="http://schemas.openxmlformats.org/presentationml/2006/main">
+  <p:cSld>
+    <p:spTree>
+      <p:nvGrpSpPr>
+        <p:cNvPr id="1" name=""/>
+        <p:cNvGrpSpPr/>
+        <p:nvPr/>
+      </p:nvGrpSpPr>
+      <p:grpSpPr>
+        <a:xfrm>
+          <a:off x="0" y="0"/>
+          <a:ext cx="0" cy="0"/>
+          <a:chOff x="0" y="0"/>
+          <a:chExt cx="0" cy="0"/>
+        </a:xfrm>
+      </p:grpSpPr>
+      <p:pic>
+        <p:nvPicPr>
+          <p:cNvPr id="3" name="Picture 2">
+            <a:extLst>
+              <a:ext uri="{FF2B5EF4-FFF2-40B4-BE49-F238E27FC236}">
+                <a16:creationId xmlns:a16="http://schemas.microsoft.com/office/drawing/2014/main" id="{B3DD53EE-33FB-B100-EEA1-6745E690187A}"/>
+              </a:ext>
+            </a:extLst>
+          </p:cNvPr>
+          <p:cNvPicPr>
+            <a:picLocks noChangeAspect="1"/>
+          </p:cNvPicPr>
+          <p:nvPr/>
+        </p:nvPicPr>
+        <p:blipFill>
+          <a:blip r:embed="rId2"/>
+          <a:stretch>
+            <a:fillRect/>
+          </a:stretch>
+        </p:blipFill>
+        <p:spPr>
+          <a:xfrm>
+            <a:off x="0" y="844824"/>
+            <a:ext cx="6279637" cy="3996133"/>
+          </a:xfrm>
+          <a:prstGeom prst="rect">
+            <a:avLst/>
+          </a:prstGeom>
+        </p:spPr>
+      </p:pic>
+      <p:pic>
+        <p:nvPicPr>
+          <p:cNvPr id="9" name="Picture 8">
+            <a:extLst>
+              <a:ext uri="{FF2B5EF4-FFF2-40B4-BE49-F238E27FC236}">
+                <a16:creationId xmlns:a16="http://schemas.microsoft.com/office/drawing/2014/main" id="{57FE7ADF-3793-9FE2-8EA4-F4193EDEDE19}"/>
+              </a:ext>
+            </a:extLst>
+          </p:cNvPr>
+          <p:cNvPicPr>
+            <a:picLocks noChangeAspect="1"/>
+          </p:cNvPicPr>
+          <p:nvPr/>
+        </p:nvPicPr>
+        <p:blipFill>
+          <a:blip r:embed="rId3"/>
+          <a:stretch>
+            <a:fillRect/>
+          </a:stretch>
+        </p:blipFill>
+        <p:spPr>
+          <a:xfrm>
+            <a:off x="5912362" y="844825"/>
+            <a:ext cx="6279638" cy="3996133"/>
+          </a:xfrm>
+          <a:prstGeom prst="rect">
+            <a:avLst/>
+          </a:prstGeom>
+        </p:spPr>
+      </p:pic>
+    </p:spTree>
+    <p:extLst>
+      <p:ext uri="{BB962C8B-B14F-4D97-AF65-F5344CB8AC3E}">
+        <p14:creationId xmlns:p14="http://schemas.microsoft.com/office/powerpoint/2010/main" val="1046097273"/>
+      </p:ext>
+    </p:extLst>
+  </p:cSld>
+  <p:clrMapOvr>
+    <a:masterClrMapping/>
+  </p:clrMapOvr>
+</p:sld>
+</file>
+
+<file path=ppt/slides/slide22.xml><?xml version="1.0" encoding="utf-8"?>
+<p:sld xmlns:a="http://schemas.openxmlformats.org/drawingml/2006/main" xmlns:r="http://schemas.openxmlformats.org/officeDocument/2006/relationships" xmlns:p="http://schemas.openxmlformats.org/presentationml/2006/main">
+  <p:cSld>
+    <p:spTree>
+      <p:nvGrpSpPr>
+        <p:cNvPr id="1" name=""/>
+        <p:cNvGrpSpPr/>
+        <p:nvPr/>
+      </p:nvGrpSpPr>
+      <p:grpSpPr>
+        <a:xfrm>
+          <a:off x="0" y="0"/>
+          <a:ext cx="0" cy="0"/>
+          <a:chOff x="0" y="0"/>
+          <a:chExt cx="0" cy="0"/>
+        </a:xfrm>
+      </p:grpSpPr>
+      <p:grpSp>
+        <p:nvGrpSpPr>
+          <p:cNvPr id="8" name="Group 7">
+            <a:extLst>
+              <a:ext uri="{FF2B5EF4-FFF2-40B4-BE49-F238E27FC236}">
+                <a16:creationId xmlns:a16="http://schemas.microsoft.com/office/drawing/2014/main" id="{F88BA4A9-35BD-4BC8-4273-EC398E2FB179}"/>
+              </a:ext>
+            </a:extLst>
+          </p:cNvPr>
+          <p:cNvGrpSpPr/>
+          <p:nvPr/>
+        </p:nvGrpSpPr>
+        <p:grpSpPr>
+          <a:xfrm>
+            <a:off x="2047461" y="1029751"/>
+            <a:ext cx="7722704" cy="4798498"/>
+            <a:chOff x="0" y="-717492"/>
+            <a:chExt cx="12192000" cy="7575492"/>
+          </a:xfrm>
+        </p:grpSpPr>
+        <p:pic>
+          <p:nvPicPr>
+            <p:cNvPr id="5" name="Picture 4">
+              <a:extLst>
+                <a:ext uri="{FF2B5EF4-FFF2-40B4-BE49-F238E27FC236}">
+                  <a16:creationId xmlns:a16="http://schemas.microsoft.com/office/drawing/2014/main" id="{F6275C3A-57A0-163A-F717-5348FE20090E}"/>
+                </a:ext>
+              </a:extLst>
+            </p:cNvPr>
+            <p:cNvPicPr>
+              <a:picLocks noChangeAspect="1"/>
+            </p:cNvPicPr>
+            <p:nvPr/>
+          </p:nvPicPr>
+          <p:blipFill>
+            <a:blip r:embed="rId2"/>
+            <a:stretch>
+              <a:fillRect/>
+            </a:stretch>
+          </p:blipFill>
+          <p:spPr>
+            <a:xfrm>
+              <a:off x="0" y="3070254"/>
+              <a:ext cx="12192000" cy="3787746"/>
+            </a:xfrm>
+            <a:prstGeom prst="rect">
+              <a:avLst/>
+            </a:prstGeom>
+          </p:spPr>
+        </p:pic>
+        <p:pic>
+          <p:nvPicPr>
+            <p:cNvPr id="7" name="Picture 6">
+              <a:extLst>
+                <a:ext uri="{FF2B5EF4-FFF2-40B4-BE49-F238E27FC236}">
+                  <a16:creationId xmlns:a16="http://schemas.microsoft.com/office/drawing/2014/main" id="{EDB1E965-6F7D-9129-10CD-3EB109870C4B}"/>
+                </a:ext>
+              </a:extLst>
+            </p:cNvPr>
+            <p:cNvPicPr>
+              <a:picLocks noChangeAspect="1"/>
+            </p:cNvPicPr>
+            <p:nvPr/>
+          </p:nvPicPr>
+          <p:blipFill>
+            <a:blip r:embed="rId3"/>
+            <a:stretch>
+              <a:fillRect/>
+            </a:stretch>
+          </p:blipFill>
+          <p:spPr>
+            <a:xfrm>
+              <a:off x="0" y="-717492"/>
+              <a:ext cx="12192000" cy="3787746"/>
+            </a:xfrm>
+            <a:prstGeom prst="rect">
+              <a:avLst/>
+            </a:prstGeom>
+          </p:spPr>
+        </p:pic>
+      </p:grpSp>
+      <mc:AlternateContent xmlns:mc="http://schemas.openxmlformats.org/markup-compatibility/2006">
+        <mc:Choice xmlns:a14="http://schemas.microsoft.com/office/drawing/2010/main" Requires="a14">
+          <p:sp>
+            <p:nvSpPr>
+              <p:cNvPr id="9" name="TextBox 8">
+                <a:extLst>
+                  <a:ext uri="{FF2B5EF4-FFF2-40B4-BE49-F238E27FC236}">
+                    <a16:creationId xmlns:a16="http://schemas.microsoft.com/office/drawing/2014/main" id="{6970E818-857B-A047-F6FA-72EBDDCC6317}"/>
+                  </a:ext>
+                </a:extLst>
+              </p:cNvPr>
+              <p:cNvSpPr txBox="1"/>
+              <p:nvPr/>
+            </p:nvSpPr>
+            <p:spPr>
+              <a:xfrm>
+                <a:off x="2703609" y="383420"/>
+                <a:ext cx="6784782" cy="646331"/>
+              </a:xfrm>
+              <a:prstGeom prst="rect">
+                <a:avLst/>
+              </a:prstGeom>
+              <a:noFill/>
+            </p:spPr>
+            <p:txBody>
+              <a:bodyPr wrap="square" rtlCol="0">
+                <a:spAutoFit/>
+              </a:bodyPr>
+              <a:lstStyle/>
+              <a:p>
+                <a:pPr algn="ctr"/>
+                <a:r>
+                  <a:rPr lang="en-US" dirty="0"/>
+                  <a:t>Time response to initial conditions </a:t>
+                </a:r>
+                <a14:m>
+                  <m:oMath xmlns:m="http://schemas.openxmlformats.org/officeDocument/2006/math">
+                    <m:sSub>
+                      <m:sSubPr>
+                        <m:ctrlPr>
+                          <a:rPr lang="en-US" b="0" i="1" smtClean="0">
+                            <a:latin typeface="Cambria Math" panose="02040503050406030204" pitchFamily="18" charset="0"/>
+                          </a:rPr>
+                        </m:ctrlPr>
+                      </m:sSubPr>
+                      <m:e>
+                        <m:r>
+                          <a:rPr lang="en-US" b="0" i="1" smtClean="0">
+                            <a:latin typeface="Cambria Math" panose="02040503050406030204" pitchFamily="18" charset="0"/>
+                          </a:rPr>
+                          <m:t>𝑞</m:t>
+                        </m:r>
+                      </m:e>
+                      <m:sub>
+                        <m:r>
+                          <a:rPr lang="en-US" b="0" i="1" smtClean="0">
+                            <a:latin typeface="Cambria Math" panose="02040503050406030204" pitchFamily="18" charset="0"/>
+                          </a:rPr>
+                          <m:t>0</m:t>
+                        </m:r>
+                      </m:sub>
+                    </m:sSub>
+                    <m:r>
+                      <a:rPr lang="en-US" b="0" i="1" smtClean="0">
+                        <a:latin typeface="Cambria Math" panose="02040503050406030204" pitchFamily="18" charset="0"/>
+                      </a:rPr>
+                      <m:t>=1 </m:t>
+                    </m:r>
+                    <m:d>
+                      <m:dPr>
+                        <m:begChr m:val="["/>
+                        <m:endChr m:val="]"/>
+                        <m:ctrlPr>
+                          <a:rPr lang="en-US" b="0" i="1" smtClean="0">
+                            <a:latin typeface="Cambria Math" panose="02040503050406030204" pitchFamily="18" charset="0"/>
+                          </a:rPr>
+                        </m:ctrlPr>
+                      </m:dPr>
+                      <m:e>
+                        <m:r>
+                          <a:rPr lang="en-US" b="0" i="1" smtClean="0">
+                            <a:latin typeface="Cambria Math" panose="02040503050406030204" pitchFamily="18" charset="0"/>
+                          </a:rPr>
+                          <m:t>𝑑𝑒𝑔</m:t>
+                        </m:r>
+                        <m:r>
+                          <m:rPr>
+                            <m:lit/>
+                          </m:rPr>
+                          <a:rPr lang="en-US" b="0" i="1" smtClean="0">
+                            <a:latin typeface="Cambria Math" panose="02040503050406030204" pitchFamily="18" charset="0"/>
+                          </a:rPr>
+                          <m:t>/</m:t>
+                        </m:r>
+                        <m:r>
+                          <a:rPr lang="en-US" b="0" i="1" smtClean="0">
+                            <a:latin typeface="Cambria Math" panose="02040503050406030204" pitchFamily="18" charset="0"/>
+                          </a:rPr>
+                          <m:t>𝑠𝑒𝑐</m:t>
+                        </m:r>
+                      </m:e>
+                    </m:d>
+                  </m:oMath>
+                </a14:m>
+                <a:r>
+                  <a:rPr lang="en-US" dirty="0"/>
+                  <a:t> for : The entire system, The short period system and The open loop system</a:t>
+                </a:r>
+              </a:p>
+            </p:txBody>
+          </p:sp>
+        </mc:Choice>
+        <mc:Fallback>
+          <p:sp>
+            <p:nvSpPr>
+              <p:cNvPr id="9" name="TextBox 8">
+                <a:extLst>
+                  <a:ext uri="{FF2B5EF4-FFF2-40B4-BE49-F238E27FC236}">
+                    <a16:creationId xmlns:a16="http://schemas.microsoft.com/office/drawing/2014/main" id="{6970E818-857B-A047-F6FA-72EBDDCC6317}"/>
+                  </a:ext>
+                </a:extLst>
+              </p:cNvPr>
+              <p:cNvSpPr txBox="1">
+                <a:spLocks noRot="1" noChangeAspect="1" noMove="1" noResize="1" noEditPoints="1" noAdjustHandles="1" noChangeArrowheads="1" noChangeShapeType="1" noTextEdit="1"/>
+              </p:cNvSpPr>
+              <p:nvPr/>
+            </p:nvSpPr>
+            <p:spPr>
+              <a:xfrm>
+                <a:off x="2703609" y="383420"/>
+                <a:ext cx="6784782" cy="646331"/>
+              </a:xfrm>
+              <a:prstGeom prst="rect">
+                <a:avLst/>
+              </a:prstGeom>
+              <a:blipFill>
+                <a:blip r:embed="rId4"/>
+                <a:stretch>
+                  <a:fillRect t="-5660" b="-14151"/>
+                </a:stretch>
+              </a:blipFill>
+            </p:spPr>
+            <p:txBody>
+              <a:bodyPr/>
+              <a:lstStyle/>
+              <a:p>
+                <a:r>
+                  <a:rPr lang="en-US">
+                    <a:noFill/>
+                  </a:rPr>
+                  <a:t> </a:t>
+                </a:r>
+              </a:p>
+            </p:txBody>
+          </p:sp>
+        </mc:Fallback>
+      </mc:AlternateContent>
+      <mc:AlternateContent xmlns:mc="http://schemas.openxmlformats.org/markup-compatibility/2006">
+        <mc:Choice xmlns:a14="http://schemas.microsoft.com/office/drawing/2010/main" Requires="a14">
+          <p:sp>
+            <p:nvSpPr>
+              <p:cNvPr id="10" name="TextBox 9">
+                <a:extLst>
+                  <a:ext uri="{FF2B5EF4-FFF2-40B4-BE49-F238E27FC236}">
+                    <a16:creationId xmlns:a16="http://schemas.microsoft.com/office/drawing/2014/main" id="{1D354E80-21D4-C054-7E94-6C5E4EC44B14}"/>
+                  </a:ext>
+                </a:extLst>
+              </p:cNvPr>
+              <p:cNvSpPr txBox="1"/>
+              <p:nvPr/>
+            </p:nvSpPr>
+            <p:spPr>
+              <a:xfrm>
+                <a:off x="2703609" y="5828249"/>
+                <a:ext cx="6784782" cy="369332"/>
+              </a:xfrm>
+              <a:prstGeom prst="rect">
+                <a:avLst/>
+              </a:prstGeom>
+              <a:noFill/>
+            </p:spPr>
+            <p:txBody>
+              <a:bodyPr wrap="square" rtlCol="0">
+                <a:spAutoFit/>
+              </a:bodyPr>
+              <a:lstStyle/>
+              <a:p>
+                <a:pPr algn="ctr"/>
+                <a:r>
+                  <a:rPr lang="en-US" dirty="0"/>
+                  <a:t>Time </a:t>
+                </a:r>
+                <a14:m>
+                  <m:oMath xmlns:m="http://schemas.openxmlformats.org/officeDocument/2006/math">
+                    <m:r>
+                      <a:rPr lang="en-US" b="0" i="1" smtClean="0">
+                        <a:latin typeface="Cambria Math" panose="02040503050406030204" pitchFamily="18" charset="0"/>
+                      </a:rPr>
+                      <m:t>[</m:t>
+                    </m:r>
+                    <m:r>
+                      <a:rPr lang="en-US" b="0" i="1" smtClean="0">
+                        <a:latin typeface="Cambria Math" panose="02040503050406030204" pitchFamily="18" charset="0"/>
+                      </a:rPr>
+                      <m:t>𝑠𝑒𝑐</m:t>
+                    </m:r>
+                    <m:r>
+                      <a:rPr lang="en-US" b="0" i="1" smtClean="0">
+                        <a:latin typeface="Cambria Math" panose="02040503050406030204" pitchFamily="18" charset="0"/>
+                      </a:rPr>
+                      <m:t>]</m:t>
+                    </m:r>
+                  </m:oMath>
+                </a14:m>
+                <a:endParaRPr lang="en-US" dirty="0"/>
+              </a:p>
+            </p:txBody>
+          </p:sp>
+        </mc:Choice>
+        <mc:Fallback>
+          <p:sp>
+            <p:nvSpPr>
+              <p:cNvPr id="10" name="TextBox 9">
+                <a:extLst>
+                  <a:ext uri="{FF2B5EF4-FFF2-40B4-BE49-F238E27FC236}">
+                    <a16:creationId xmlns:a16="http://schemas.microsoft.com/office/drawing/2014/main" id="{1D354E80-21D4-C054-7E94-6C5E4EC44B14}"/>
+                  </a:ext>
+                </a:extLst>
+              </p:cNvPr>
+              <p:cNvSpPr txBox="1">
+                <a:spLocks noRot="1" noChangeAspect="1" noMove="1" noResize="1" noEditPoints="1" noAdjustHandles="1" noChangeArrowheads="1" noChangeShapeType="1" noTextEdit="1"/>
+              </p:cNvSpPr>
+              <p:nvPr/>
+            </p:nvSpPr>
+            <p:spPr>
+              <a:xfrm>
+                <a:off x="2703609" y="5828249"/>
+                <a:ext cx="6784782" cy="369332"/>
+              </a:xfrm>
+              <a:prstGeom prst="rect">
+                <a:avLst/>
+              </a:prstGeom>
+              <a:blipFill>
+                <a:blip r:embed="rId5"/>
+                <a:stretch>
+                  <a:fillRect t="-8197" b="-24590"/>
+                </a:stretch>
+              </a:blipFill>
+            </p:spPr>
+            <p:txBody>
+              <a:bodyPr/>
+              <a:lstStyle/>
+              <a:p>
+                <a:r>
+                  <a:rPr lang="en-US">
+                    <a:noFill/>
+                  </a:rPr>
+                  <a:t> </a:t>
+                </a:r>
+              </a:p>
+            </p:txBody>
+          </p:sp>
+        </mc:Fallback>
+      </mc:AlternateContent>
+      <mc:AlternateContent xmlns:mc="http://schemas.openxmlformats.org/markup-compatibility/2006">
+        <mc:Choice xmlns:a14="http://schemas.microsoft.com/office/drawing/2010/main" Requires="a14">
+          <p:sp>
+            <p:nvSpPr>
+              <p:cNvPr id="11" name="TextBox 10">
+                <a:extLst>
+                  <a:ext uri="{FF2B5EF4-FFF2-40B4-BE49-F238E27FC236}">
+                    <a16:creationId xmlns:a16="http://schemas.microsoft.com/office/drawing/2014/main" id="{6BFDC600-21A1-C684-085F-85BF212CED4B}"/>
+                  </a:ext>
+                </a:extLst>
+              </p:cNvPr>
+              <p:cNvSpPr txBox="1"/>
+              <p:nvPr/>
+            </p:nvSpPr>
+            <p:spPr>
+              <a:xfrm rot="16200000">
+                <a:off x="822240" y="4305458"/>
+                <a:ext cx="1429693" cy="646331"/>
+              </a:xfrm>
+              <a:prstGeom prst="rect">
+                <a:avLst/>
+              </a:prstGeom>
+              <a:noFill/>
+            </p:spPr>
+            <p:txBody>
+              <a:bodyPr wrap="square" rtlCol="0">
+                <a:spAutoFit/>
+              </a:bodyPr>
+              <a:lstStyle/>
+              <a:p>
+                <a:pPr algn="ctr"/>
+                <a:r>
+                  <a:rPr lang="en-US" dirty="0"/>
+                  <a:t>Elevator angle </a:t>
+                </a:r>
+                <a14:m>
+                  <m:oMath xmlns:m="http://schemas.openxmlformats.org/officeDocument/2006/math">
+                    <m:r>
+                      <a:rPr lang="en-US" b="0" i="1" smtClean="0">
+                        <a:latin typeface="Cambria Math" panose="02040503050406030204" pitchFamily="18" charset="0"/>
+                      </a:rPr>
+                      <m:t>[</m:t>
+                    </m:r>
+                    <m:r>
+                      <a:rPr lang="en-US" b="0" i="1" smtClean="0">
+                        <a:latin typeface="Cambria Math" panose="02040503050406030204" pitchFamily="18" charset="0"/>
+                      </a:rPr>
+                      <m:t>𝑑𝑒𝑔</m:t>
+                    </m:r>
+                    <m:r>
+                      <a:rPr lang="en-US" b="0" i="1" smtClean="0">
+                        <a:latin typeface="Cambria Math" panose="02040503050406030204" pitchFamily="18" charset="0"/>
+                      </a:rPr>
+                      <m:t>]</m:t>
+                    </m:r>
+                  </m:oMath>
+                </a14:m>
+                <a:endParaRPr lang="en-US" dirty="0"/>
+              </a:p>
+            </p:txBody>
+          </p:sp>
+        </mc:Choice>
+        <mc:Fallback>
+          <p:sp>
+            <p:nvSpPr>
+              <p:cNvPr id="11" name="TextBox 10">
+                <a:extLst>
+                  <a:ext uri="{FF2B5EF4-FFF2-40B4-BE49-F238E27FC236}">
+                    <a16:creationId xmlns:a16="http://schemas.microsoft.com/office/drawing/2014/main" id="{6BFDC600-21A1-C684-085F-85BF212CED4B}"/>
+                  </a:ext>
+                </a:extLst>
+              </p:cNvPr>
+              <p:cNvSpPr txBox="1">
+                <a:spLocks noRot="1" noChangeAspect="1" noMove="1" noResize="1" noEditPoints="1" noAdjustHandles="1" noChangeArrowheads="1" noChangeShapeType="1" noTextEdit="1"/>
+              </p:cNvSpPr>
+              <p:nvPr/>
+            </p:nvSpPr>
+            <p:spPr>
+              <a:xfrm rot="16200000">
+                <a:off x="822240" y="4305458"/>
+                <a:ext cx="1429693" cy="646331"/>
+              </a:xfrm>
+              <a:prstGeom prst="rect">
+                <a:avLst/>
+              </a:prstGeom>
+              <a:blipFill>
+                <a:blip r:embed="rId6"/>
+                <a:stretch>
+                  <a:fillRect l="-4717" r="-14151"/>
+                </a:stretch>
+              </a:blipFill>
+            </p:spPr>
+            <p:txBody>
+              <a:bodyPr/>
+              <a:lstStyle/>
+              <a:p>
+                <a:r>
+                  <a:rPr lang="en-US">
+                    <a:noFill/>
+                  </a:rPr>
+                  <a:t> </a:t>
+                </a:r>
+              </a:p>
+            </p:txBody>
+          </p:sp>
+        </mc:Fallback>
+      </mc:AlternateContent>
+      <mc:AlternateContent xmlns:mc="http://schemas.openxmlformats.org/markup-compatibility/2006">
+        <mc:Choice xmlns:a14="http://schemas.microsoft.com/office/drawing/2010/main" Requires="a14">
+          <p:sp>
+            <p:nvSpPr>
+              <p:cNvPr id="12" name="TextBox 11">
+                <a:extLst>
+                  <a:ext uri="{FF2B5EF4-FFF2-40B4-BE49-F238E27FC236}">
+                    <a16:creationId xmlns:a16="http://schemas.microsoft.com/office/drawing/2014/main" id="{6B7EF5DC-D258-F417-9EA9-03DC92FB6BA1}"/>
+                  </a:ext>
+                </a:extLst>
+              </p:cNvPr>
+              <p:cNvSpPr txBox="1"/>
+              <p:nvPr/>
+            </p:nvSpPr>
+            <p:spPr>
+              <a:xfrm rot="16200000">
+                <a:off x="641445" y="1906210"/>
+                <a:ext cx="1791282" cy="646331"/>
+              </a:xfrm>
+              <a:prstGeom prst="rect">
+                <a:avLst/>
+              </a:prstGeom>
+              <a:noFill/>
+            </p:spPr>
+            <p:txBody>
+              <a:bodyPr wrap="square" rtlCol="0">
+                <a:spAutoFit/>
+              </a:bodyPr>
+              <a:lstStyle/>
+              <a:p>
+                <a:pPr algn="ctr"/>
+                <a:r>
+                  <a:rPr lang="en-US" dirty="0"/>
+                  <a:t>Pitch rate </a:t>
+                </a:r>
+                <a14:m>
+                  <m:oMath xmlns:m="http://schemas.openxmlformats.org/officeDocument/2006/math">
+                    <m:r>
+                      <a:rPr lang="en-US" b="0" i="1" smtClean="0">
+                        <a:latin typeface="Cambria Math" panose="02040503050406030204" pitchFamily="18" charset="0"/>
+                      </a:rPr>
+                      <m:t>[</m:t>
+                    </m:r>
+                    <m:r>
+                      <a:rPr lang="en-US" b="0" i="1" smtClean="0">
+                        <a:latin typeface="Cambria Math" panose="02040503050406030204" pitchFamily="18" charset="0"/>
+                      </a:rPr>
+                      <m:t>𝑑𝑒𝑔</m:t>
+                    </m:r>
+                    <m:r>
+                      <m:rPr>
+                        <m:lit/>
+                      </m:rPr>
+                      <a:rPr lang="en-US" b="0" i="1" smtClean="0">
+                        <a:latin typeface="Cambria Math" panose="02040503050406030204" pitchFamily="18" charset="0"/>
+                      </a:rPr>
+                      <m:t>/</m:t>
+                    </m:r>
+                    <m:r>
+                      <a:rPr lang="en-US" b="0" i="1" smtClean="0">
+                        <a:latin typeface="Cambria Math" panose="02040503050406030204" pitchFamily="18" charset="0"/>
+                      </a:rPr>
+                      <m:t>𝑠𝑒𝑐</m:t>
+                    </m:r>
+                    <m:r>
+                      <a:rPr lang="en-US" b="0" i="1" smtClean="0">
+                        <a:latin typeface="Cambria Math" panose="02040503050406030204" pitchFamily="18" charset="0"/>
+                      </a:rPr>
+                      <m:t>]</m:t>
+                    </m:r>
+                  </m:oMath>
+                </a14:m>
+                <a:endParaRPr lang="en-US" dirty="0"/>
+              </a:p>
+            </p:txBody>
+          </p:sp>
+        </mc:Choice>
+        <mc:Fallback>
+          <p:sp>
+            <p:nvSpPr>
+              <p:cNvPr id="12" name="TextBox 11">
+                <a:extLst>
+                  <a:ext uri="{FF2B5EF4-FFF2-40B4-BE49-F238E27FC236}">
+                    <a16:creationId xmlns:a16="http://schemas.microsoft.com/office/drawing/2014/main" id="{6B7EF5DC-D258-F417-9EA9-03DC92FB6BA1}"/>
+                  </a:ext>
+                </a:extLst>
+              </p:cNvPr>
+              <p:cNvSpPr txBox="1">
+                <a:spLocks noRot="1" noChangeAspect="1" noMove="1" noResize="1" noEditPoints="1" noAdjustHandles="1" noChangeArrowheads="1" noChangeShapeType="1" noTextEdit="1"/>
+              </p:cNvSpPr>
+              <p:nvPr/>
+            </p:nvSpPr>
+            <p:spPr>
+              <a:xfrm rot="16200000">
+                <a:off x="641445" y="1906210"/>
+                <a:ext cx="1791282" cy="646331"/>
+              </a:xfrm>
+              <a:prstGeom prst="rect">
+                <a:avLst/>
+              </a:prstGeom>
+              <a:blipFill>
+                <a:blip r:embed="rId7"/>
+                <a:stretch>
+                  <a:fillRect l="-4717" r="-8491"/>
+                </a:stretch>
+              </a:blipFill>
+            </p:spPr>
+            <p:txBody>
+              <a:bodyPr/>
+              <a:lstStyle/>
+              <a:p>
+                <a:r>
+                  <a:rPr lang="en-US">
+                    <a:noFill/>
+                  </a:rPr>
+                  <a:t> </a:t>
+                </a:r>
+              </a:p>
+            </p:txBody>
+          </p:sp>
+        </mc:Fallback>
+      </mc:AlternateContent>
+    </p:spTree>
+    <p:extLst>
+      <p:ext uri="{BB962C8B-B14F-4D97-AF65-F5344CB8AC3E}">
+        <p14:creationId xmlns:p14="http://schemas.microsoft.com/office/powerpoint/2010/main" val="148965317"/>
+      </p:ext>
+    </p:extLst>
+  </p:cSld>
+  <p:clrMapOvr>
+    <a:masterClrMapping/>
+  </p:clrMapOvr>
+</p:sld>
+</file>
+
+<file path=ppt/slides/slide23.xml><?xml version="1.0" encoding="utf-8"?>
+<p:sld xmlns:a="http://schemas.openxmlformats.org/drawingml/2006/main" xmlns:r="http://schemas.openxmlformats.org/officeDocument/2006/relationships" xmlns:p="http://schemas.openxmlformats.org/presentationml/2006/main">
+  <p:cSld>
+    <p:spTree>
+      <p:nvGrpSpPr>
+        <p:cNvPr id="1" name=""/>
+        <p:cNvGrpSpPr/>
+        <p:nvPr/>
+      </p:nvGrpSpPr>
+      <p:grpSpPr>
+        <a:xfrm>
+          <a:off x="0" y="0"/>
+          <a:ext cx="0" cy="0"/>
+          <a:chOff x="0" y="0"/>
+          <a:chExt cx="0" cy="0"/>
+        </a:xfrm>
+      </p:grpSpPr>
+      <p:pic>
+        <p:nvPicPr>
+          <p:cNvPr id="16" name="Picture 15">
+            <a:extLst>
+              <a:ext uri="{FF2B5EF4-FFF2-40B4-BE49-F238E27FC236}">
+                <a16:creationId xmlns:a16="http://schemas.microsoft.com/office/drawing/2014/main" id="{96262C5E-60A7-9076-ED48-78BAA0991E88}"/>
+              </a:ext>
+            </a:extLst>
+          </p:cNvPr>
+          <p:cNvPicPr>
+            <a:picLocks noChangeAspect="1"/>
+          </p:cNvPicPr>
+          <p:nvPr/>
+        </p:nvPicPr>
+        <p:blipFill>
+          <a:blip r:embed="rId2"/>
+          <a:stretch>
+            <a:fillRect/>
+          </a:stretch>
+        </p:blipFill>
+        <p:spPr>
+          <a:xfrm>
+            <a:off x="2047461" y="1029749"/>
+            <a:ext cx="7722704" cy="2399249"/>
+          </a:xfrm>
+          <a:prstGeom prst="rect">
+            <a:avLst/>
+          </a:prstGeom>
+        </p:spPr>
+      </p:pic>
+      <mc:AlternateContent xmlns:mc="http://schemas.openxmlformats.org/markup-compatibility/2006">
+        <mc:Choice xmlns:a14="http://schemas.microsoft.com/office/drawing/2010/main" Requires="a14">
+          <p:sp>
+            <p:nvSpPr>
+              <p:cNvPr id="5" name="TextBox 4">
+                <a:extLst>
+                  <a:ext uri="{FF2B5EF4-FFF2-40B4-BE49-F238E27FC236}">
+                    <a16:creationId xmlns:a16="http://schemas.microsoft.com/office/drawing/2014/main" id="{0EF5BA4E-4701-2931-395D-B0C895630126}"/>
+                  </a:ext>
+                </a:extLst>
+              </p:cNvPr>
+              <p:cNvSpPr txBox="1"/>
+              <p:nvPr/>
+            </p:nvSpPr>
+            <p:spPr>
+              <a:xfrm>
+                <a:off x="2703609" y="383420"/>
+                <a:ext cx="6784782" cy="646331"/>
+              </a:xfrm>
+              <a:prstGeom prst="rect">
+                <a:avLst/>
+              </a:prstGeom>
+              <a:noFill/>
+            </p:spPr>
+            <p:txBody>
+              <a:bodyPr wrap="square" rtlCol="0">
+                <a:spAutoFit/>
+              </a:bodyPr>
+              <a:lstStyle/>
+              <a:p>
+                <a:pPr algn="ctr"/>
+                <a:r>
+                  <a:rPr lang="en-US" dirty="0"/>
+                  <a:t>Time response to initial conditions </a:t>
+                </a:r>
+                <a14:m>
+                  <m:oMath xmlns:m="http://schemas.openxmlformats.org/officeDocument/2006/math">
+                    <m:sSub>
+                      <m:sSubPr>
+                        <m:ctrlPr>
+                          <a:rPr lang="en-US" b="0" i="1" smtClean="0">
+                            <a:latin typeface="Cambria Math" panose="02040503050406030204" pitchFamily="18" charset="0"/>
+                          </a:rPr>
+                        </m:ctrlPr>
+                      </m:sSubPr>
+                      <m:e>
+                        <m:r>
+                          <a:rPr lang="en-US" b="0" i="1" smtClean="0">
+                            <a:latin typeface="Cambria Math" panose="02040503050406030204" pitchFamily="18" charset="0"/>
+                          </a:rPr>
+                          <m:t>𝑞</m:t>
+                        </m:r>
+                      </m:e>
+                      <m:sub>
+                        <m:r>
+                          <a:rPr lang="en-US" b="0" i="1" smtClean="0">
+                            <a:latin typeface="Cambria Math" panose="02040503050406030204" pitchFamily="18" charset="0"/>
+                          </a:rPr>
+                          <m:t>0</m:t>
+                        </m:r>
+                      </m:sub>
+                    </m:sSub>
+                    <m:r>
+                      <a:rPr lang="en-US" b="0" i="1" smtClean="0">
+                        <a:latin typeface="Cambria Math" panose="02040503050406030204" pitchFamily="18" charset="0"/>
+                      </a:rPr>
+                      <m:t>=1 </m:t>
+                    </m:r>
+                    <m:d>
+                      <m:dPr>
+                        <m:begChr m:val="["/>
+                        <m:endChr m:val="]"/>
+                        <m:ctrlPr>
+                          <a:rPr lang="en-US" b="0" i="1" smtClean="0">
+                            <a:latin typeface="Cambria Math" panose="02040503050406030204" pitchFamily="18" charset="0"/>
+                          </a:rPr>
+                        </m:ctrlPr>
+                      </m:dPr>
+                      <m:e>
+                        <m:r>
+                          <a:rPr lang="en-US" b="0" i="1" smtClean="0">
+                            <a:latin typeface="Cambria Math" panose="02040503050406030204" pitchFamily="18" charset="0"/>
+                          </a:rPr>
+                          <m:t>𝑑𝑒𝑔</m:t>
+                        </m:r>
+                        <m:r>
+                          <m:rPr>
+                            <m:lit/>
+                          </m:rPr>
+                          <a:rPr lang="en-US" b="0" i="1" smtClean="0">
+                            <a:latin typeface="Cambria Math" panose="02040503050406030204" pitchFamily="18" charset="0"/>
+                          </a:rPr>
+                          <m:t>/</m:t>
+                        </m:r>
+                        <m:r>
+                          <a:rPr lang="en-US" b="0" i="1" smtClean="0">
+                            <a:latin typeface="Cambria Math" panose="02040503050406030204" pitchFamily="18" charset="0"/>
+                          </a:rPr>
+                          <m:t>𝑠𝑒𝑐</m:t>
+                        </m:r>
+                      </m:e>
+                    </m:d>
+                  </m:oMath>
+                </a14:m>
+                <a:r>
+                  <a:rPr lang="en-US" dirty="0"/>
+                  <a:t> for : The entire phugoid mode observation</a:t>
+                </a:r>
+              </a:p>
+            </p:txBody>
+          </p:sp>
+        </mc:Choice>
+        <mc:Fallback>
+          <p:sp>
+            <p:nvSpPr>
+              <p:cNvPr id="5" name="TextBox 4">
+                <a:extLst>
+                  <a:ext uri="{FF2B5EF4-FFF2-40B4-BE49-F238E27FC236}">
+                    <a16:creationId xmlns:a16="http://schemas.microsoft.com/office/drawing/2014/main" id="{0EF5BA4E-4701-2931-395D-B0C895630126}"/>
+                  </a:ext>
+                </a:extLst>
+              </p:cNvPr>
+              <p:cNvSpPr txBox="1">
+                <a:spLocks noRot="1" noChangeAspect="1" noMove="1" noResize="1" noEditPoints="1" noAdjustHandles="1" noChangeArrowheads="1" noChangeShapeType="1" noTextEdit="1"/>
+              </p:cNvSpPr>
+              <p:nvPr/>
+            </p:nvSpPr>
+            <p:spPr>
+              <a:xfrm>
+                <a:off x="2703609" y="383420"/>
+                <a:ext cx="6784782" cy="646331"/>
+              </a:xfrm>
+              <a:prstGeom prst="rect">
+                <a:avLst/>
+              </a:prstGeom>
+              <a:blipFill>
+                <a:blip r:embed="rId3"/>
+                <a:stretch>
+                  <a:fillRect t="-5660" b="-14151"/>
+                </a:stretch>
+              </a:blipFill>
+            </p:spPr>
+            <p:txBody>
+              <a:bodyPr/>
+              <a:lstStyle/>
+              <a:p>
+                <a:r>
+                  <a:rPr lang="en-US">
+                    <a:noFill/>
+                  </a:rPr>
+                  <a:t> </a:t>
+                </a:r>
+              </a:p>
+            </p:txBody>
+          </p:sp>
+        </mc:Fallback>
+      </mc:AlternateContent>
+      <mc:AlternateContent xmlns:mc="http://schemas.openxmlformats.org/markup-compatibility/2006">
+        <mc:Choice xmlns:a14="http://schemas.microsoft.com/office/drawing/2010/main" Requires="a14">
+          <p:sp>
+            <p:nvSpPr>
+              <p:cNvPr id="6" name="TextBox 5">
+                <a:extLst>
+                  <a:ext uri="{FF2B5EF4-FFF2-40B4-BE49-F238E27FC236}">
+                    <a16:creationId xmlns:a16="http://schemas.microsoft.com/office/drawing/2014/main" id="{67086608-F77A-EC00-8003-A1DE2699E171}"/>
+                  </a:ext>
+                </a:extLst>
+              </p:cNvPr>
+              <p:cNvSpPr txBox="1"/>
+              <p:nvPr/>
+            </p:nvSpPr>
+            <p:spPr>
+              <a:xfrm>
+                <a:off x="2703609" y="3544445"/>
+                <a:ext cx="6784782" cy="369332"/>
+              </a:xfrm>
+              <a:prstGeom prst="rect">
+                <a:avLst/>
+              </a:prstGeom>
+              <a:noFill/>
+            </p:spPr>
+            <p:txBody>
+              <a:bodyPr wrap="square" rtlCol="0">
+                <a:spAutoFit/>
+              </a:bodyPr>
+              <a:lstStyle/>
+              <a:p>
+                <a:pPr algn="ctr"/>
+                <a:r>
+                  <a:rPr lang="en-US" dirty="0"/>
+                  <a:t>Time </a:t>
+                </a:r>
+                <a14:m>
+                  <m:oMath xmlns:m="http://schemas.openxmlformats.org/officeDocument/2006/math">
+                    <m:r>
+                      <a:rPr lang="en-US" b="0" i="1" smtClean="0">
+                        <a:latin typeface="Cambria Math" panose="02040503050406030204" pitchFamily="18" charset="0"/>
+                      </a:rPr>
+                      <m:t>[</m:t>
+                    </m:r>
+                    <m:r>
+                      <a:rPr lang="en-US" b="0" i="1" smtClean="0">
+                        <a:latin typeface="Cambria Math" panose="02040503050406030204" pitchFamily="18" charset="0"/>
+                      </a:rPr>
+                      <m:t>𝑠𝑒𝑐</m:t>
+                    </m:r>
+                    <m:r>
+                      <a:rPr lang="en-US" b="0" i="1" smtClean="0">
+                        <a:latin typeface="Cambria Math" panose="02040503050406030204" pitchFamily="18" charset="0"/>
+                      </a:rPr>
+                      <m:t>]</m:t>
+                    </m:r>
+                  </m:oMath>
+                </a14:m>
+                <a:endParaRPr lang="en-US" dirty="0"/>
+              </a:p>
+            </p:txBody>
+          </p:sp>
+        </mc:Choice>
+        <mc:Fallback>
+          <p:sp>
+            <p:nvSpPr>
+              <p:cNvPr id="6" name="TextBox 5">
+                <a:extLst>
+                  <a:ext uri="{FF2B5EF4-FFF2-40B4-BE49-F238E27FC236}">
+                    <a16:creationId xmlns:a16="http://schemas.microsoft.com/office/drawing/2014/main" id="{67086608-F77A-EC00-8003-A1DE2699E171}"/>
+                  </a:ext>
+                </a:extLst>
+              </p:cNvPr>
+              <p:cNvSpPr txBox="1">
+                <a:spLocks noRot="1" noChangeAspect="1" noMove="1" noResize="1" noEditPoints="1" noAdjustHandles="1" noChangeArrowheads="1" noChangeShapeType="1" noTextEdit="1"/>
+              </p:cNvSpPr>
+              <p:nvPr/>
+            </p:nvSpPr>
+            <p:spPr>
+              <a:xfrm>
+                <a:off x="2703609" y="3544445"/>
+                <a:ext cx="6784782" cy="369332"/>
+              </a:xfrm>
+              <a:prstGeom prst="rect">
+                <a:avLst/>
+              </a:prstGeom>
+              <a:blipFill>
+                <a:blip r:embed="rId4"/>
+                <a:stretch>
+                  <a:fillRect t="-8197" b="-24590"/>
+                </a:stretch>
+              </a:blipFill>
+            </p:spPr>
+            <p:txBody>
+              <a:bodyPr/>
+              <a:lstStyle/>
+              <a:p>
+                <a:r>
+                  <a:rPr lang="en-US">
+                    <a:noFill/>
+                  </a:rPr>
+                  <a:t> </a:t>
+                </a:r>
+              </a:p>
+            </p:txBody>
+          </p:sp>
+        </mc:Fallback>
+      </mc:AlternateContent>
+      <mc:AlternateContent xmlns:mc="http://schemas.openxmlformats.org/markup-compatibility/2006">
+        <mc:Choice xmlns:a14="http://schemas.microsoft.com/office/drawing/2010/main" Requires="a14">
+          <p:sp>
+            <p:nvSpPr>
+              <p:cNvPr id="19" name="TextBox 18">
+                <a:extLst>
+                  <a:ext uri="{FF2B5EF4-FFF2-40B4-BE49-F238E27FC236}">
+                    <a16:creationId xmlns:a16="http://schemas.microsoft.com/office/drawing/2014/main" id="{ABFE124F-77B6-677C-0BD6-2D283236C9D6}"/>
+                  </a:ext>
+                </a:extLst>
+              </p:cNvPr>
+              <p:cNvSpPr txBox="1"/>
+              <p:nvPr/>
+            </p:nvSpPr>
+            <p:spPr>
+              <a:xfrm rot="16200000">
+                <a:off x="755745" y="1906208"/>
+                <a:ext cx="1791282" cy="646331"/>
+              </a:xfrm>
+              <a:prstGeom prst="rect">
+                <a:avLst/>
+              </a:prstGeom>
+              <a:noFill/>
+            </p:spPr>
+            <p:txBody>
+              <a:bodyPr wrap="square" rtlCol="0">
+                <a:spAutoFit/>
+              </a:bodyPr>
+              <a:lstStyle/>
+              <a:p>
+                <a:pPr algn="ctr"/>
+                <a:r>
+                  <a:rPr lang="en-US" dirty="0"/>
+                  <a:t>Pitch rate </a:t>
+                </a:r>
+                <a14:m>
+                  <m:oMath xmlns:m="http://schemas.openxmlformats.org/officeDocument/2006/math">
+                    <m:r>
+                      <a:rPr lang="en-US" b="0" i="1" smtClean="0">
+                        <a:latin typeface="Cambria Math" panose="02040503050406030204" pitchFamily="18" charset="0"/>
+                      </a:rPr>
+                      <m:t>[</m:t>
+                    </m:r>
+                    <m:r>
+                      <a:rPr lang="en-US" b="0" i="1" smtClean="0">
+                        <a:latin typeface="Cambria Math" panose="02040503050406030204" pitchFamily="18" charset="0"/>
+                      </a:rPr>
+                      <m:t>𝑑𝑒𝑔</m:t>
+                    </m:r>
+                    <m:r>
+                      <m:rPr>
+                        <m:lit/>
+                      </m:rPr>
+                      <a:rPr lang="en-US" b="0" i="1" smtClean="0">
+                        <a:latin typeface="Cambria Math" panose="02040503050406030204" pitchFamily="18" charset="0"/>
+                      </a:rPr>
+                      <m:t>/</m:t>
+                    </m:r>
+                    <m:r>
+                      <a:rPr lang="en-US" b="0" i="1" smtClean="0">
+                        <a:latin typeface="Cambria Math" panose="02040503050406030204" pitchFamily="18" charset="0"/>
+                      </a:rPr>
+                      <m:t>𝑠𝑒𝑐</m:t>
+                    </m:r>
+                    <m:r>
+                      <a:rPr lang="en-US" b="0" i="1" smtClean="0">
+                        <a:latin typeface="Cambria Math" panose="02040503050406030204" pitchFamily="18" charset="0"/>
+                      </a:rPr>
+                      <m:t>]</m:t>
+                    </m:r>
+                  </m:oMath>
+                </a14:m>
+                <a:endParaRPr lang="en-US" dirty="0"/>
+              </a:p>
+            </p:txBody>
+          </p:sp>
+        </mc:Choice>
+        <mc:Fallback>
+          <p:sp>
+            <p:nvSpPr>
+              <p:cNvPr id="19" name="TextBox 18">
+                <a:extLst>
+                  <a:ext uri="{FF2B5EF4-FFF2-40B4-BE49-F238E27FC236}">
+                    <a16:creationId xmlns:a16="http://schemas.microsoft.com/office/drawing/2014/main" id="{ABFE124F-77B6-677C-0BD6-2D283236C9D6}"/>
+                  </a:ext>
+                </a:extLst>
+              </p:cNvPr>
+              <p:cNvSpPr txBox="1">
+                <a:spLocks noRot="1" noChangeAspect="1" noMove="1" noResize="1" noEditPoints="1" noAdjustHandles="1" noChangeArrowheads="1" noChangeShapeType="1" noTextEdit="1"/>
+              </p:cNvSpPr>
+              <p:nvPr/>
+            </p:nvSpPr>
+            <p:spPr>
+              <a:xfrm rot="16200000">
+                <a:off x="755745" y="1906208"/>
+                <a:ext cx="1791282" cy="646331"/>
+              </a:xfrm>
+              <a:prstGeom prst="rect">
+                <a:avLst/>
+              </a:prstGeom>
+              <a:blipFill>
+                <a:blip r:embed="rId5"/>
+                <a:stretch>
+                  <a:fillRect l="-5660" r="-8491"/>
+                </a:stretch>
+              </a:blipFill>
+            </p:spPr>
+            <p:txBody>
+              <a:bodyPr/>
+              <a:lstStyle/>
+              <a:p>
+                <a:r>
+                  <a:rPr lang="en-US">
+                    <a:noFill/>
+                  </a:rPr>
+                  <a:t> </a:t>
+                </a:r>
+              </a:p>
+            </p:txBody>
+          </p:sp>
+        </mc:Fallback>
+      </mc:AlternateContent>
+    </p:spTree>
+    <p:extLst>
+      <p:ext uri="{BB962C8B-B14F-4D97-AF65-F5344CB8AC3E}">
+        <p14:creationId xmlns:p14="http://schemas.microsoft.com/office/powerpoint/2010/main" val="3838755279"/>
+      </p:ext>
+    </p:extLst>
+  </p:cSld>
+  <p:clrMapOvr>
+    <a:masterClrMapping/>
+  </p:clrMapOvr>
+</p:sld>
+</file>
+
+<file path=ppt/slides/slide24.xml><?xml version="1.0" encoding="utf-8"?>
+<p:sld xmlns:a="http://schemas.openxmlformats.org/drawingml/2006/main" xmlns:r="http://schemas.openxmlformats.org/officeDocument/2006/relationships" xmlns:p="http://schemas.openxmlformats.org/presentationml/2006/main">
+  <p:cSld>
+    <p:spTree>
+      <p:nvGrpSpPr>
+        <p:cNvPr id="1" name=""/>
+        <p:cNvGrpSpPr/>
+        <p:nvPr/>
+      </p:nvGrpSpPr>
+      <p:grpSpPr>
+        <a:xfrm>
+          <a:off x="0" y="0"/>
+          <a:ext cx="0" cy="0"/>
+          <a:chOff x="0" y="0"/>
+          <a:chExt cx="0" cy="0"/>
+        </a:xfrm>
+      </p:grpSpPr>
+      <p:sp>
+        <p:nvSpPr>
+          <p:cNvPr id="9" name="TextBox 8">
+            <a:extLst>
+              <a:ext uri="{FF2B5EF4-FFF2-40B4-BE49-F238E27FC236}">
+                <a16:creationId xmlns:a16="http://schemas.microsoft.com/office/drawing/2014/main" id="{6970E818-857B-A047-F6FA-72EBDDCC6317}"/>
+              </a:ext>
+            </a:extLst>
+          </p:cNvPr>
+          <p:cNvSpPr txBox="1"/>
+          <p:nvPr/>
+        </p:nvSpPr>
+        <p:spPr>
+          <a:xfrm>
+            <a:off x="2703609" y="383420"/>
+            <a:ext cx="6784782" cy="646331"/>
+          </a:xfrm>
+          <a:prstGeom prst="rect">
+            <a:avLst/>
+          </a:prstGeom>
+          <a:noFill/>
+        </p:spPr>
+        <p:txBody>
+          <a:bodyPr wrap="square" rtlCol="0">
+            <a:spAutoFit/>
+          </a:bodyPr>
+          <a:lstStyle/>
+          <a:p>
+            <a:pPr algn="ctr"/>
+            <a:r>
+              <a:rPr lang="en-US" dirty="0"/>
+              <a:t>Time response to pitch rate command. Short period system response versus total system response</a:t>
+            </a:r>
+          </a:p>
+        </p:txBody>
+      </p:sp>
+      <mc:AlternateContent xmlns:mc="http://schemas.openxmlformats.org/markup-compatibility/2006">
+        <mc:Choice xmlns:a14="http://schemas.microsoft.com/office/drawing/2010/main" Requires="a14">
+          <p:sp>
+            <p:nvSpPr>
+              <p:cNvPr id="10" name="TextBox 9">
+                <a:extLst>
+                  <a:ext uri="{FF2B5EF4-FFF2-40B4-BE49-F238E27FC236}">
+                    <a16:creationId xmlns:a16="http://schemas.microsoft.com/office/drawing/2014/main" id="{1D354E80-21D4-C054-7E94-6C5E4EC44B14}"/>
+                  </a:ext>
+                </a:extLst>
+              </p:cNvPr>
+              <p:cNvSpPr txBox="1"/>
+              <p:nvPr/>
+            </p:nvSpPr>
+            <p:spPr>
+              <a:xfrm>
+                <a:off x="2703609" y="5828249"/>
+                <a:ext cx="6784782" cy="369332"/>
+              </a:xfrm>
+              <a:prstGeom prst="rect">
+                <a:avLst/>
+              </a:prstGeom>
+              <a:noFill/>
+            </p:spPr>
+            <p:txBody>
+              <a:bodyPr wrap="square" rtlCol="0">
+                <a:spAutoFit/>
+              </a:bodyPr>
+              <a:lstStyle/>
+              <a:p>
+                <a:pPr algn="ctr"/>
+                <a:r>
+                  <a:rPr lang="en-US" dirty="0"/>
+                  <a:t>Time </a:t>
+                </a:r>
+                <a14:m>
+                  <m:oMath xmlns:m="http://schemas.openxmlformats.org/officeDocument/2006/math">
+                    <m:r>
+                      <a:rPr lang="en-US" b="0" i="1" smtClean="0">
+                        <a:latin typeface="Cambria Math" panose="02040503050406030204" pitchFamily="18" charset="0"/>
+                      </a:rPr>
+                      <m:t>[</m:t>
+                    </m:r>
+                    <m:r>
+                      <a:rPr lang="en-US" b="0" i="1" smtClean="0">
+                        <a:latin typeface="Cambria Math" panose="02040503050406030204" pitchFamily="18" charset="0"/>
+                      </a:rPr>
+                      <m:t>𝑠𝑒𝑐</m:t>
+                    </m:r>
+                    <m:r>
+                      <a:rPr lang="en-US" b="0" i="1" smtClean="0">
+                        <a:latin typeface="Cambria Math" panose="02040503050406030204" pitchFamily="18" charset="0"/>
+                      </a:rPr>
+                      <m:t>]</m:t>
+                    </m:r>
+                  </m:oMath>
+                </a14:m>
+                <a:endParaRPr lang="en-US" dirty="0"/>
+              </a:p>
+            </p:txBody>
+          </p:sp>
+        </mc:Choice>
+        <mc:Fallback>
+          <p:sp>
+            <p:nvSpPr>
+              <p:cNvPr id="10" name="TextBox 9">
+                <a:extLst>
+                  <a:ext uri="{FF2B5EF4-FFF2-40B4-BE49-F238E27FC236}">
+                    <a16:creationId xmlns:a16="http://schemas.microsoft.com/office/drawing/2014/main" id="{1D354E80-21D4-C054-7E94-6C5E4EC44B14}"/>
+                  </a:ext>
+                </a:extLst>
+              </p:cNvPr>
+              <p:cNvSpPr txBox="1">
+                <a:spLocks noRot="1" noChangeAspect="1" noMove="1" noResize="1" noEditPoints="1" noAdjustHandles="1" noChangeArrowheads="1" noChangeShapeType="1" noTextEdit="1"/>
+              </p:cNvSpPr>
+              <p:nvPr/>
+            </p:nvSpPr>
+            <p:spPr>
+              <a:xfrm>
+                <a:off x="2703609" y="5828249"/>
+                <a:ext cx="6784782" cy="369332"/>
+              </a:xfrm>
+              <a:prstGeom prst="rect">
+                <a:avLst/>
+              </a:prstGeom>
+              <a:blipFill>
+                <a:blip r:embed="rId2"/>
+                <a:stretch>
+                  <a:fillRect t="-8197" b="-24590"/>
+                </a:stretch>
+              </a:blipFill>
+            </p:spPr>
+            <p:txBody>
+              <a:bodyPr/>
+              <a:lstStyle/>
+              <a:p>
+                <a:r>
+                  <a:rPr lang="en-US">
+                    <a:noFill/>
+                  </a:rPr>
+                  <a:t> </a:t>
+                </a:r>
+              </a:p>
+            </p:txBody>
+          </p:sp>
+        </mc:Fallback>
+      </mc:AlternateContent>
+      <mc:AlternateContent xmlns:mc="http://schemas.openxmlformats.org/markup-compatibility/2006">
+        <mc:Choice xmlns:a14="http://schemas.microsoft.com/office/drawing/2010/main" Requires="a14">
+          <p:sp>
+            <p:nvSpPr>
+              <p:cNvPr id="12" name="TextBox 11">
+                <a:extLst>
+                  <a:ext uri="{FF2B5EF4-FFF2-40B4-BE49-F238E27FC236}">
+                    <a16:creationId xmlns:a16="http://schemas.microsoft.com/office/drawing/2014/main" id="{6B7EF5DC-D258-F417-9EA9-03DC92FB6BA1}"/>
+                  </a:ext>
+                </a:extLst>
+              </p:cNvPr>
+              <p:cNvSpPr txBox="1"/>
+              <p:nvPr/>
+            </p:nvSpPr>
+            <p:spPr>
+              <a:xfrm rot="16200000">
+                <a:off x="641445" y="1906210"/>
+                <a:ext cx="1791282" cy="646331"/>
+              </a:xfrm>
+              <a:prstGeom prst="rect">
+                <a:avLst/>
+              </a:prstGeom>
+              <a:noFill/>
+            </p:spPr>
+            <p:txBody>
+              <a:bodyPr wrap="square" rtlCol="0">
+                <a:spAutoFit/>
+              </a:bodyPr>
+              <a:lstStyle/>
+              <a:p>
+                <a:pPr algn="ctr"/>
+                <a:r>
+                  <a:rPr lang="en-US" dirty="0"/>
+                  <a:t>Pitch rate </a:t>
+                </a:r>
+                <a14:m>
+                  <m:oMath xmlns:m="http://schemas.openxmlformats.org/officeDocument/2006/math">
+                    <m:r>
+                      <a:rPr lang="en-US" b="0" i="1" smtClean="0">
+                        <a:latin typeface="Cambria Math" panose="02040503050406030204" pitchFamily="18" charset="0"/>
+                      </a:rPr>
+                      <m:t>[</m:t>
+                    </m:r>
+                    <m:r>
+                      <a:rPr lang="en-US" b="0" i="1" smtClean="0">
+                        <a:latin typeface="Cambria Math" panose="02040503050406030204" pitchFamily="18" charset="0"/>
+                      </a:rPr>
+                      <m:t>𝑑𝑒𝑔</m:t>
+                    </m:r>
+                    <m:r>
+                      <m:rPr>
+                        <m:lit/>
+                      </m:rPr>
+                      <a:rPr lang="en-US" b="0" i="1" smtClean="0">
+                        <a:latin typeface="Cambria Math" panose="02040503050406030204" pitchFamily="18" charset="0"/>
+                      </a:rPr>
+                      <m:t>/</m:t>
+                    </m:r>
+                    <m:r>
+                      <a:rPr lang="en-US" b="0" i="1" smtClean="0">
+                        <a:latin typeface="Cambria Math" panose="02040503050406030204" pitchFamily="18" charset="0"/>
+                      </a:rPr>
+                      <m:t>𝑠𝑒𝑐</m:t>
+                    </m:r>
+                    <m:r>
+                      <a:rPr lang="en-US" b="0" i="1" smtClean="0">
+                        <a:latin typeface="Cambria Math" panose="02040503050406030204" pitchFamily="18" charset="0"/>
+                      </a:rPr>
+                      <m:t>]</m:t>
+                    </m:r>
+                  </m:oMath>
+                </a14:m>
+                <a:endParaRPr lang="en-US" dirty="0"/>
+              </a:p>
+            </p:txBody>
+          </p:sp>
+        </mc:Choice>
+        <mc:Fallback>
+          <p:sp>
+            <p:nvSpPr>
+              <p:cNvPr id="12" name="TextBox 11">
+                <a:extLst>
+                  <a:ext uri="{FF2B5EF4-FFF2-40B4-BE49-F238E27FC236}">
+                    <a16:creationId xmlns:a16="http://schemas.microsoft.com/office/drawing/2014/main" id="{6B7EF5DC-D258-F417-9EA9-03DC92FB6BA1}"/>
+                  </a:ext>
+                </a:extLst>
+              </p:cNvPr>
+              <p:cNvSpPr txBox="1">
+                <a:spLocks noRot="1" noChangeAspect="1" noMove="1" noResize="1" noEditPoints="1" noAdjustHandles="1" noChangeArrowheads="1" noChangeShapeType="1" noTextEdit="1"/>
+              </p:cNvSpPr>
+              <p:nvPr/>
+            </p:nvSpPr>
+            <p:spPr>
+              <a:xfrm rot="16200000">
+                <a:off x="641445" y="1906210"/>
+                <a:ext cx="1791282" cy="646331"/>
+              </a:xfrm>
+              <a:prstGeom prst="rect">
+                <a:avLst/>
+              </a:prstGeom>
+              <a:blipFill>
+                <a:blip r:embed="rId3"/>
+                <a:stretch>
+                  <a:fillRect l="-4717" r="-8491"/>
+                </a:stretch>
+              </a:blipFill>
+            </p:spPr>
+            <p:txBody>
+              <a:bodyPr/>
+              <a:lstStyle/>
+              <a:p>
+                <a:r>
+                  <a:rPr lang="en-US">
+                    <a:noFill/>
+                  </a:rPr>
+                  <a:t> </a:t>
+                </a:r>
+              </a:p>
+            </p:txBody>
+          </p:sp>
+        </mc:Fallback>
+      </mc:AlternateContent>
+      <p:pic>
+        <p:nvPicPr>
+          <p:cNvPr id="4" name="Picture 3">
+            <a:extLst>
+              <a:ext uri="{FF2B5EF4-FFF2-40B4-BE49-F238E27FC236}">
+                <a16:creationId xmlns:a16="http://schemas.microsoft.com/office/drawing/2014/main" id="{529366EE-B76D-4537-AF89-8460B80069C1}"/>
+              </a:ext>
+            </a:extLst>
+          </p:cNvPr>
+          <p:cNvPicPr>
+            <a:picLocks noChangeAspect="1"/>
+          </p:cNvPicPr>
+          <p:nvPr/>
+        </p:nvPicPr>
+        <p:blipFill>
+          <a:blip r:embed="rId4"/>
+          <a:stretch>
+            <a:fillRect/>
+          </a:stretch>
+        </p:blipFill>
+        <p:spPr>
+          <a:xfrm>
+            <a:off x="2047461" y="3429000"/>
+            <a:ext cx="7722704" cy="2395361"/>
+          </a:xfrm>
+          <a:prstGeom prst="rect">
+            <a:avLst/>
+          </a:prstGeom>
+        </p:spPr>
+      </p:pic>
+      <p:pic>
+        <p:nvPicPr>
+          <p:cNvPr id="13" name="Picture 12">
+            <a:extLst>
+              <a:ext uri="{FF2B5EF4-FFF2-40B4-BE49-F238E27FC236}">
+                <a16:creationId xmlns:a16="http://schemas.microsoft.com/office/drawing/2014/main" id="{51D95579-AA9A-90CB-EC08-9D26CA7EC8F0}"/>
+              </a:ext>
+            </a:extLst>
+          </p:cNvPr>
+          <p:cNvPicPr>
+            <a:picLocks noChangeAspect="1"/>
+          </p:cNvPicPr>
+          <p:nvPr/>
+        </p:nvPicPr>
+        <p:blipFill>
+          <a:blip r:embed="rId5"/>
+          <a:stretch>
+            <a:fillRect/>
+          </a:stretch>
+        </p:blipFill>
+        <p:spPr>
+          <a:xfrm>
+            <a:off x="2047459" y="1029751"/>
+            <a:ext cx="7722706" cy="2395361"/>
+          </a:xfrm>
+          <a:prstGeom prst="rect">
+            <a:avLst/>
+          </a:prstGeom>
+        </p:spPr>
+      </p:pic>
+      <p:sp>
+        <p:nvSpPr>
+          <p:cNvPr id="14" name="Rectangle 13">
+            <a:extLst>
+              <a:ext uri="{FF2B5EF4-FFF2-40B4-BE49-F238E27FC236}">
+                <a16:creationId xmlns:a16="http://schemas.microsoft.com/office/drawing/2014/main" id="{417A1A5E-0BF9-713A-2192-D634E91B2228}"/>
+              </a:ext>
+            </a:extLst>
+          </p:cNvPr>
+          <p:cNvSpPr/>
+          <p:nvPr/>
+        </p:nvSpPr>
+        <p:spPr>
+          <a:xfrm>
+            <a:off x="2152649" y="2038350"/>
+            <a:ext cx="142875" cy="266700"/>
+          </a:xfrm>
+          <a:prstGeom prst="rect">
+            <a:avLst/>
+          </a:prstGeom>
+          <a:noFill/>
+          <a:ln w="28575">
+            <a:solidFill>
+              <a:schemeClr val="tx1"/>
+            </a:solidFill>
+          </a:ln>
+        </p:spPr>
+        <p:style>
+          <a:lnRef idx="2">
+            <a:schemeClr val="accent1">
+              <a:shade val="50000"/>
+            </a:schemeClr>
+          </a:lnRef>
+          <a:fillRef idx="1">
+            <a:schemeClr val="accent1"/>
+          </a:fillRef>
+          <a:effectRef idx="0">
+            <a:schemeClr val="accent1"/>
+          </a:effectRef>
+          <a:fontRef idx="minor">
+            <a:schemeClr val="lt1"/>
+          </a:fontRef>
+        </p:style>
+        <p:txBody>
+          <a:bodyPr rtlCol="0" anchor="ctr"/>
+          <a:lstStyle/>
+          <a:p>
+            <a:pPr algn="ctr"/>
+            <a:endParaRPr lang="en-US"/>
+          </a:p>
+        </p:txBody>
+      </p:sp>
+      <p:cxnSp>
+        <p:nvCxnSpPr>
+          <p:cNvPr id="16" name="Straight Arrow Connector 15">
+            <a:extLst>
+              <a:ext uri="{FF2B5EF4-FFF2-40B4-BE49-F238E27FC236}">
+                <a16:creationId xmlns:a16="http://schemas.microsoft.com/office/drawing/2014/main" id="{D5369A70-6637-1E2C-4D53-D194E4D53A88}"/>
+              </a:ext>
+            </a:extLst>
+          </p:cNvPr>
+          <p:cNvCxnSpPr>
+            <a:cxnSpLocks/>
+          </p:cNvCxnSpPr>
+          <p:nvPr/>
+        </p:nvCxnSpPr>
+        <p:spPr>
+          <a:xfrm flipV="1">
+            <a:off x="2047459" y="2305050"/>
+            <a:ext cx="105190" cy="1127839"/>
+          </a:xfrm>
+          <a:prstGeom prst="straightConnector1">
+            <a:avLst/>
+          </a:prstGeom>
+          <a:ln>
+            <a:solidFill>
+              <a:schemeClr val="tx1"/>
+            </a:solidFill>
+            <a:tailEnd type="triangle"/>
+          </a:ln>
+        </p:spPr>
+        <p:style>
+          <a:lnRef idx="1">
+            <a:schemeClr val="accent1"/>
+          </a:lnRef>
+          <a:fillRef idx="0">
+            <a:schemeClr val="accent1"/>
+          </a:fillRef>
+          <a:effectRef idx="0">
+            <a:schemeClr val="accent1"/>
+          </a:effectRef>
+          <a:fontRef idx="minor">
+            <a:schemeClr val="tx1"/>
+          </a:fontRef>
+        </p:style>
+      </p:cxnSp>
+      <p:cxnSp>
+        <p:nvCxnSpPr>
+          <p:cNvPr id="18" name="Straight Arrow Connector 17">
+            <a:extLst>
+              <a:ext uri="{FF2B5EF4-FFF2-40B4-BE49-F238E27FC236}">
+                <a16:creationId xmlns:a16="http://schemas.microsoft.com/office/drawing/2014/main" id="{D900C8ED-AE13-D5CB-9094-CAF57EC36B86}"/>
+              </a:ext>
+            </a:extLst>
+          </p:cNvPr>
+          <p:cNvCxnSpPr>
+            <a:cxnSpLocks/>
+          </p:cNvCxnSpPr>
+          <p:nvPr/>
+        </p:nvCxnSpPr>
+        <p:spPr>
+          <a:xfrm flipH="1" flipV="1">
+            <a:off x="2295525" y="2305050"/>
+            <a:ext cx="7474640" cy="1120062"/>
+          </a:xfrm>
+          <a:prstGeom prst="straightConnector1">
+            <a:avLst/>
+          </a:prstGeom>
+          <a:ln>
+            <a:solidFill>
+              <a:schemeClr val="tx1"/>
+            </a:solidFill>
+            <a:tailEnd type="triangle"/>
+          </a:ln>
+        </p:spPr>
+        <p:style>
+          <a:lnRef idx="1">
+            <a:schemeClr val="accent1"/>
+          </a:lnRef>
+          <a:fillRef idx="0">
+            <a:schemeClr val="accent1"/>
+          </a:fillRef>
+          <a:effectRef idx="0">
+            <a:schemeClr val="accent1"/>
+          </a:effectRef>
+          <a:fontRef idx="minor">
+            <a:schemeClr val="tx1"/>
+          </a:fontRef>
+        </p:style>
+      </p:cxnSp>
+      <mc:AlternateContent xmlns:mc="http://schemas.openxmlformats.org/markup-compatibility/2006">
+        <mc:Choice xmlns:a14="http://schemas.microsoft.com/office/drawing/2010/main" Requires="a14">
+          <p:sp>
+            <p:nvSpPr>
+              <p:cNvPr id="22" name="TextBox 21">
+                <a:extLst>
+                  <a:ext uri="{FF2B5EF4-FFF2-40B4-BE49-F238E27FC236}">
+                    <a16:creationId xmlns:a16="http://schemas.microsoft.com/office/drawing/2014/main" id="{6A5F51B7-6D03-52A0-105D-07CCAAF5B05B}"/>
+                  </a:ext>
+                </a:extLst>
+              </p:cNvPr>
+              <p:cNvSpPr txBox="1"/>
+              <p:nvPr/>
+            </p:nvSpPr>
+            <p:spPr>
+              <a:xfrm rot="16200000">
+                <a:off x="641446" y="4303515"/>
+                <a:ext cx="1791282" cy="646331"/>
+              </a:xfrm>
+              <a:prstGeom prst="rect">
+                <a:avLst/>
+              </a:prstGeom>
+              <a:noFill/>
+            </p:spPr>
+            <p:txBody>
+              <a:bodyPr wrap="square" rtlCol="0">
+                <a:spAutoFit/>
+              </a:bodyPr>
+              <a:lstStyle/>
+              <a:p>
+                <a:pPr algn="ctr"/>
+                <a:r>
+                  <a:rPr lang="en-US" dirty="0"/>
+                  <a:t>Pitch rate </a:t>
+                </a:r>
+                <a14:m>
+                  <m:oMath xmlns:m="http://schemas.openxmlformats.org/officeDocument/2006/math">
+                    <m:r>
+                      <a:rPr lang="en-US" b="0" i="1" smtClean="0">
+                        <a:latin typeface="Cambria Math" panose="02040503050406030204" pitchFamily="18" charset="0"/>
+                      </a:rPr>
+                      <m:t>[</m:t>
+                    </m:r>
+                    <m:r>
+                      <a:rPr lang="en-US" b="0" i="1" smtClean="0">
+                        <a:latin typeface="Cambria Math" panose="02040503050406030204" pitchFamily="18" charset="0"/>
+                      </a:rPr>
+                      <m:t>𝑑𝑒𝑔</m:t>
+                    </m:r>
+                    <m:r>
+                      <m:rPr>
+                        <m:lit/>
+                      </m:rPr>
+                      <a:rPr lang="en-US" b="0" i="1" smtClean="0">
+                        <a:latin typeface="Cambria Math" panose="02040503050406030204" pitchFamily="18" charset="0"/>
+                      </a:rPr>
+                      <m:t>/</m:t>
+                    </m:r>
+                    <m:r>
+                      <a:rPr lang="en-US" b="0" i="1" smtClean="0">
+                        <a:latin typeface="Cambria Math" panose="02040503050406030204" pitchFamily="18" charset="0"/>
+                      </a:rPr>
+                      <m:t>𝑠𝑒𝑐</m:t>
+                    </m:r>
+                    <m:r>
+                      <a:rPr lang="en-US" b="0" i="1" smtClean="0">
+                        <a:latin typeface="Cambria Math" panose="02040503050406030204" pitchFamily="18" charset="0"/>
+                      </a:rPr>
+                      <m:t>]</m:t>
+                    </m:r>
+                  </m:oMath>
+                </a14:m>
+                <a:endParaRPr lang="en-US" dirty="0"/>
+              </a:p>
+            </p:txBody>
+          </p:sp>
+        </mc:Choice>
+        <mc:Fallback>
+          <p:sp>
+            <p:nvSpPr>
+              <p:cNvPr id="22" name="TextBox 21">
+                <a:extLst>
+                  <a:ext uri="{FF2B5EF4-FFF2-40B4-BE49-F238E27FC236}">
+                    <a16:creationId xmlns:a16="http://schemas.microsoft.com/office/drawing/2014/main" id="{6A5F51B7-6D03-52A0-105D-07CCAAF5B05B}"/>
+                  </a:ext>
+                </a:extLst>
+              </p:cNvPr>
+              <p:cNvSpPr txBox="1">
+                <a:spLocks noRot="1" noChangeAspect="1" noMove="1" noResize="1" noEditPoints="1" noAdjustHandles="1" noChangeArrowheads="1" noChangeShapeType="1" noTextEdit="1"/>
+              </p:cNvSpPr>
+              <p:nvPr/>
+            </p:nvSpPr>
+            <p:spPr>
+              <a:xfrm rot="16200000">
+                <a:off x="641446" y="4303515"/>
+                <a:ext cx="1791282" cy="646331"/>
+              </a:xfrm>
+              <a:prstGeom prst="rect">
+                <a:avLst/>
+              </a:prstGeom>
+              <a:blipFill>
+                <a:blip r:embed="rId6"/>
+                <a:stretch>
+                  <a:fillRect l="-4717" r="-8491"/>
+                </a:stretch>
+              </a:blipFill>
+            </p:spPr>
+            <p:txBody>
+              <a:bodyPr/>
+              <a:lstStyle/>
+              <a:p>
+                <a:r>
+                  <a:rPr lang="en-US">
+                    <a:noFill/>
+                  </a:rPr>
+                  <a:t> </a:t>
+                </a:r>
+              </a:p>
+            </p:txBody>
+          </p:sp>
+        </mc:Fallback>
+      </mc:AlternateContent>
+      <p:sp>
+        <p:nvSpPr>
+          <p:cNvPr id="23" name="TextBox 22">
+            <a:extLst>
+              <a:ext uri="{FF2B5EF4-FFF2-40B4-BE49-F238E27FC236}">
+                <a16:creationId xmlns:a16="http://schemas.microsoft.com/office/drawing/2014/main" id="{1ED022E5-B6A8-0B88-31E7-DB1C4D91132C}"/>
+              </a:ext>
+            </a:extLst>
+          </p:cNvPr>
+          <p:cNvSpPr txBox="1"/>
+          <p:nvPr/>
+        </p:nvSpPr>
+        <p:spPr>
+          <a:xfrm>
+            <a:off x="5008659" y="3361707"/>
+            <a:ext cx="1467926" cy="369332"/>
+          </a:xfrm>
+          <a:prstGeom prst="rect">
+            <a:avLst/>
+          </a:prstGeom>
+          <a:noFill/>
+        </p:spPr>
+        <p:txBody>
+          <a:bodyPr wrap="square" rtlCol="0">
+            <a:spAutoFit/>
+          </a:bodyPr>
+          <a:lstStyle/>
+          <a:p>
+            <a:pPr algn="ctr"/>
+            <a:r>
+              <a:rPr lang="en-US" dirty="0"/>
+              <a:t>Zoom in</a:t>
+            </a:r>
+          </a:p>
+        </p:txBody>
+      </p:sp>
+    </p:spTree>
+    <p:extLst>
+      <p:ext uri="{BB962C8B-B14F-4D97-AF65-F5344CB8AC3E}">
+        <p14:creationId xmlns:p14="http://schemas.microsoft.com/office/powerpoint/2010/main" val="1640023823"/>
+      </p:ext>
+    </p:extLst>
+  </p:cSld>
+  <p:clrMapOvr>
+    <a:masterClrMapping/>
+  </p:clrMapOvr>
+</p:sld>
+</file>
+
+<file path=ppt/slides/slide25.xml><?xml version="1.0" encoding="utf-8"?>
+<p:sld xmlns:a="http://schemas.openxmlformats.org/drawingml/2006/main" xmlns:r="http://schemas.openxmlformats.org/officeDocument/2006/relationships" xmlns:p="http://schemas.openxmlformats.org/presentationml/2006/main">
+  <p:cSld>
+    <p:spTree>
+      <p:nvGrpSpPr>
+        <p:cNvPr id="1" name=""/>
+        <p:cNvGrpSpPr/>
+        <p:nvPr/>
+      </p:nvGrpSpPr>
+      <p:grpSpPr>
+        <a:xfrm>
+          <a:off x="0" y="0"/>
+          <a:ext cx="0" cy="0"/>
+          <a:chOff x="0" y="0"/>
+          <a:chExt cx="0" cy="0"/>
+        </a:xfrm>
+      </p:grpSpPr>
+      <p:pic>
+        <p:nvPicPr>
+          <p:cNvPr id="14" name="Picture 13">
+            <a:extLst>
+              <a:ext uri="{FF2B5EF4-FFF2-40B4-BE49-F238E27FC236}">
+                <a16:creationId xmlns:a16="http://schemas.microsoft.com/office/drawing/2014/main" id="{395153A5-5965-9B2F-654A-04F3E1B5A918}"/>
+              </a:ext>
+            </a:extLst>
+          </p:cNvPr>
+          <p:cNvPicPr>
+            <a:picLocks noChangeAspect="1"/>
+          </p:cNvPicPr>
+          <p:nvPr/>
+        </p:nvPicPr>
+        <p:blipFill>
+          <a:blip r:embed="rId2"/>
+          <a:stretch>
+            <a:fillRect/>
+          </a:stretch>
+        </p:blipFill>
+        <p:spPr>
+          <a:xfrm>
+            <a:off x="2234648" y="120291"/>
+            <a:ext cx="7722703" cy="2395360"/>
+          </a:xfrm>
+          <a:prstGeom prst="rect">
+            <a:avLst/>
+          </a:prstGeom>
+        </p:spPr>
+      </p:pic>
+      <p:pic>
+        <p:nvPicPr>
+          <p:cNvPr id="36" name="Picture 35">
+            <a:extLst>
+              <a:ext uri="{FF2B5EF4-FFF2-40B4-BE49-F238E27FC236}">
+                <a16:creationId xmlns:a16="http://schemas.microsoft.com/office/drawing/2014/main" id="{B921FBD9-93F1-AD8C-DA8A-C17816F0B06A}"/>
+              </a:ext>
+            </a:extLst>
+          </p:cNvPr>
+          <p:cNvPicPr>
+            <a:picLocks noChangeAspect="1"/>
+          </p:cNvPicPr>
+          <p:nvPr/>
+        </p:nvPicPr>
+        <p:blipFill>
+          <a:blip r:embed="rId3"/>
+          <a:stretch>
+            <a:fillRect/>
+          </a:stretch>
+        </p:blipFill>
+        <p:spPr>
+          <a:xfrm>
+            <a:off x="5269692" y="851828"/>
+            <a:ext cx="4687659" cy="1453977"/>
+          </a:xfrm>
+          <a:prstGeom prst="rect">
+            <a:avLst/>
+          </a:prstGeom>
+          <a:ln w="19050">
+            <a:solidFill>
+              <a:schemeClr val="accent6"/>
+            </a:solidFill>
+          </a:ln>
+        </p:spPr>
+      </p:pic>
+      <p:sp>
+        <p:nvSpPr>
+          <p:cNvPr id="9" name="TextBox 8">
+            <a:extLst>
+              <a:ext uri="{FF2B5EF4-FFF2-40B4-BE49-F238E27FC236}">
+                <a16:creationId xmlns:a16="http://schemas.microsoft.com/office/drawing/2014/main" id="{6970E818-857B-A047-F6FA-72EBDDCC6317}"/>
+              </a:ext>
+            </a:extLst>
+          </p:cNvPr>
+          <p:cNvSpPr txBox="1"/>
+          <p:nvPr/>
+        </p:nvSpPr>
+        <p:spPr>
+          <a:xfrm>
+            <a:off x="2890797" y="-646331"/>
+            <a:ext cx="6784782" cy="646331"/>
+          </a:xfrm>
+          <a:prstGeom prst="rect">
+            <a:avLst/>
+          </a:prstGeom>
+          <a:noFill/>
+        </p:spPr>
+        <p:txBody>
+          <a:bodyPr wrap="square" rtlCol="0">
+            <a:spAutoFit/>
+          </a:bodyPr>
+          <a:lstStyle/>
+          <a:p>
+            <a:pPr algn="ctr"/>
+            <a:r>
+              <a:rPr lang="en-US" dirty="0"/>
+              <a:t>Time response to pitch rate command for the system including the integrative gyroscope</a:t>
+            </a:r>
+          </a:p>
+        </p:txBody>
+      </p:sp>
+      <mc:AlternateContent xmlns:mc="http://schemas.openxmlformats.org/markup-compatibility/2006">
+        <mc:Choice xmlns:a14="http://schemas.microsoft.com/office/drawing/2010/main" Requires="a14">
+          <p:sp>
+            <p:nvSpPr>
+              <p:cNvPr id="10" name="TextBox 9">
+                <a:extLst>
+                  <a:ext uri="{FF2B5EF4-FFF2-40B4-BE49-F238E27FC236}">
+                    <a16:creationId xmlns:a16="http://schemas.microsoft.com/office/drawing/2014/main" id="{1D354E80-21D4-C054-7E94-6C5E4EC44B14}"/>
+                  </a:ext>
+                </a:extLst>
+              </p:cNvPr>
+              <p:cNvSpPr txBox="1"/>
+              <p:nvPr/>
+            </p:nvSpPr>
+            <p:spPr>
+              <a:xfrm>
+                <a:off x="2890797" y="7314149"/>
+                <a:ext cx="6784782" cy="369332"/>
+              </a:xfrm>
+              <a:prstGeom prst="rect">
+                <a:avLst/>
+              </a:prstGeom>
+              <a:noFill/>
+            </p:spPr>
+            <p:txBody>
+              <a:bodyPr wrap="square" rtlCol="0">
+                <a:spAutoFit/>
+              </a:bodyPr>
+              <a:lstStyle/>
+              <a:p>
+                <a:pPr algn="ctr"/>
+                <a:r>
+                  <a:rPr lang="en-US" dirty="0"/>
+                  <a:t>Time </a:t>
+                </a:r>
+                <a14:m>
+                  <m:oMath xmlns:m="http://schemas.openxmlformats.org/officeDocument/2006/math">
+                    <m:r>
+                      <a:rPr lang="en-US" b="0" i="1" smtClean="0">
+                        <a:latin typeface="Cambria Math" panose="02040503050406030204" pitchFamily="18" charset="0"/>
+                      </a:rPr>
+                      <m:t>[</m:t>
+                    </m:r>
+                    <m:r>
+                      <a:rPr lang="en-US" b="0" i="1" smtClean="0">
+                        <a:latin typeface="Cambria Math" panose="02040503050406030204" pitchFamily="18" charset="0"/>
+                      </a:rPr>
+                      <m:t>𝑠𝑒𝑐</m:t>
+                    </m:r>
+                    <m:r>
+                      <a:rPr lang="en-US" b="0" i="1" smtClean="0">
+                        <a:latin typeface="Cambria Math" panose="02040503050406030204" pitchFamily="18" charset="0"/>
+                      </a:rPr>
+                      <m:t>]</m:t>
+                    </m:r>
+                  </m:oMath>
+                </a14:m>
+                <a:endParaRPr lang="en-US" dirty="0"/>
+              </a:p>
+            </p:txBody>
+          </p:sp>
+        </mc:Choice>
+        <mc:Fallback>
+          <p:sp>
+            <p:nvSpPr>
+              <p:cNvPr id="10" name="TextBox 9">
+                <a:extLst>
+                  <a:ext uri="{FF2B5EF4-FFF2-40B4-BE49-F238E27FC236}">
+                    <a16:creationId xmlns:a16="http://schemas.microsoft.com/office/drawing/2014/main" id="{1D354E80-21D4-C054-7E94-6C5E4EC44B14}"/>
+                  </a:ext>
+                </a:extLst>
+              </p:cNvPr>
+              <p:cNvSpPr txBox="1">
+                <a:spLocks noRot="1" noChangeAspect="1" noMove="1" noResize="1" noEditPoints="1" noAdjustHandles="1" noChangeArrowheads="1" noChangeShapeType="1" noTextEdit="1"/>
+              </p:cNvSpPr>
+              <p:nvPr/>
+            </p:nvSpPr>
+            <p:spPr>
+              <a:xfrm>
+                <a:off x="2890797" y="7314149"/>
+                <a:ext cx="6784782" cy="369332"/>
+              </a:xfrm>
+              <a:prstGeom prst="rect">
+                <a:avLst/>
+              </a:prstGeom>
+              <a:blipFill>
+                <a:blip r:embed="rId4"/>
+                <a:stretch>
+                  <a:fillRect t="-10000" b="-26667"/>
+                </a:stretch>
+              </a:blipFill>
+            </p:spPr>
+            <p:txBody>
+              <a:bodyPr/>
+              <a:lstStyle/>
+              <a:p>
+                <a:r>
+                  <a:rPr lang="en-US">
+                    <a:noFill/>
+                  </a:rPr>
+                  <a:t> </a:t>
+                </a:r>
+              </a:p>
+            </p:txBody>
+          </p:sp>
+        </mc:Fallback>
+      </mc:AlternateContent>
+      <mc:AlternateContent xmlns:mc="http://schemas.openxmlformats.org/markup-compatibility/2006">
+        <mc:Choice xmlns:a14="http://schemas.microsoft.com/office/drawing/2010/main" Requires="a14">
+          <p:sp>
+            <p:nvSpPr>
+              <p:cNvPr id="11" name="TextBox 10">
+                <a:extLst>
+                  <a:ext uri="{FF2B5EF4-FFF2-40B4-BE49-F238E27FC236}">
+                    <a16:creationId xmlns:a16="http://schemas.microsoft.com/office/drawing/2014/main" id="{6BFDC600-21A1-C684-085F-85BF212CED4B}"/>
+                  </a:ext>
+                </a:extLst>
+              </p:cNvPr>
+              <p:cNvSpPr txBox="1"/>
+              <p:nvPr/>
+            </p:nvSpPr>
+            <p:spPr>
+              <a:xfrm rot="16200000">
+                <a:off x="1009428" y="5791358"/>
+                <a:ext cx="1429693" cy="646331"/>
+              </a:xfrm>
+              <a:prstGeom prst="rect">
+                <a:avLst/>
+              </a:prstGeom>
+              <a:noFill/>
+            </p:spPr>
+            <p:txBody>
+              <a:bodyPr wrap="square" rtlCol="0">
+                <a:spAutoFit/>
+              </a:bodyPr>
+              <a:lstStyle/>
+              <a:p>
+                <a:pPr algn="ctr"/>
+                <a:r>
+                  <a:rPr lang="en-US" dirty="0"/>
+                  <a:t>Elevator angle </a:t>
+                </a:r>
+                <a14:m>
+                  <m:oMath xmlns:m="http://schemas.openxmlformats.org/officeDocument/2006/math">
+                    <m:r>
+                      <a:rPr lang="en-US" b="0" i="1" smtClean="0">
+                        <a:latin typeface="Cambria Math" panose="02040503050406030204" pitchFamily="18" charset="0"/>
+                      </a:rPr>
+                      <m:t>[</m:t>
+                    </m:r>
+                    <m:r>
+                      <a:rPr lang="en-US" b="0" i="1" smtClean="0">
+                        <a:latin typeface="Cambria Math" panose="02040503050406030204" pitchFamily="18" charset="0"/>
+                      </a:rPr>
+                      <m:t>𝑑𝑒𝑔</m:t>
+                    </m:r>
+                    <m:r>
+                      <a:rPr lang="en-US" b="0" i="1" smtClean="0">
+                        <a:latin typeface="Cambria Math" panose="02040503050406030204" pitchFamily="18" charset="0"/>
+                      </a:rPr>
+                      <m:t>]</m:t>
+                    </m:r>
+                  </m:oMath>
+                </a14:m>
+                <a:endParaRPr lang="en-US" dirty="0"/>
+              </a:p>
+            </p:txBody>
+          </p:sp>
+        </mc:Choice>
+        <mc:Fallback>
+          <p:sp>
+            <p:nvSpPr>
+              <p:cNvPr id="11" name="TextBox 10">
+                <a:extLst>
+                  <a:ext uri="{FF2B5EF4-FFF2-40B4-BE49-F238E27FC236}">
+                    <a16:creationId xmlns:a16="http://schemas.microsoft.com/office/drawing/2014/main" id="{6BFDC600-21A1-C684-085F-85BF212CED4B}"/>
+                  </a:ext>
+                </a:extLst>
+              </p:cNvPr>
+              <p:cNvSpPr txBox="1">
+                <a:spLocks noRot="1" noChangeAspect="1" noMove="1" noResize="1" noEditPoints="1" noAdjustHandles="1" noChangeArrowheads="1" noChangeShapeType="1" noTextEdit="1"/>
+              </p:cNvSpPr>
+              <p:nvPr/>
+            </p:nvSpPr>
+            <p:spPr>
+              <a:xfrm rot="16200000">
+                <a:off x="1009428" y="5791358"/>
+                <a:ext cx="1429693" cy="646331"/>
+              </a:xfrm>
+              <a:prstGeom prst="rect">
+                <a:avLst/>
+              </a:prstGeom>
+              <a:blipFill>
+                <a:blip r:embed="rId5"/>
+                <a:stretch>
+                  <a:fillRect l="-5660" r="-14151"/>
+                </a:stretch>
+              </a:blipFill>
+            </p:spPr>
+            <p:txBody>
+              <a:bodyPr/>
+              <a:lstStyle/>
+              <a:p>
+                <a:r>
+                  <a:rPr lang="en-US">
+                    <a:noFill/>
+                  </a:rPr>
+                  <a:t> </a:t>
+                </a:r>
+              </a:p>
+            </p:txBody>
+          </p:sp>
+        </mc:Fallback>
+      </mc:AlternateContent>
+      <mc:AlternateContent xmlns:mc="http://schemas.openxmlformats.org/markup-compatibility/2006">
+        <mc:Choice xmlns:a14="http://schemas.microsoft.com/office/drawing/2010/main" Requires="a14">
+          <p:sp>
+            <p:nvSpPr>
+              <p:cNvPr id="12" name="TextBox 11">
+                <a:extLst>
+                  <a:ext uri="{FF2B5EF4-FFF2-40B4-BE49-F238E27FC236}">
+                    <a16:creationId xmlns:a16="http://schemas.microsoft.com/office/drawing/2014/main" id="{6B7EF5DC-D258-F417-9EA9-03DC92FB6BA1}"/>
+                  </a:ext>
+                </a:extLst>
+              </p:cNvPr>
+              <p:cNvSpPr txBox="1"/>
+              <p:nvPr/>
+            </p:nvSpPr>
+            <p:spPr>
+              <a:xfrm rot="16200000">
+                <a:off x="828633" y="3392110"/>
+                <a:ext cx="1791282" cy="646331"/>
+              </a:xfrm>
+              <a:prstGeom prst="rect">
+                <a:avLst/>
+              </a:prstGeom>
+              <a:noFill/>
+            </p:spPr>
+            <p:txBody>
+              <a:bodyPr wrap="square" rtlCol="0">
+                <a:spAutoFit/>
+              </a:bodyPr>
+              <a:lstStyle/>
+              <a:p>
+                <a:pPr algn="ctr"/>
+                <a:r>
+                  <a:rPr lang="en-US" dirty="0"/>
+                  <a:t>Pitch rate </a:t>
+                </a:r>
+                <a14:m>
+                  <m:oMath xmlns:m="http://schemas.openxmlformats.org/officeDocument/2006/math">
+                    <m:r>
+                      <a:rPr lang="en-US" b="0" i="1" smtClean="0">
+                        <a:latin typeface="Cambria Math" panose="02040503050406030204" pitchFamily="18" charset="0"/>
+                      </a:rPr>
+                      <m:t>[</m:t>
+                    </m:r>
+                    <m:r>
+                      <a:rPr lang="en-US" b="0" i="1" smtClean="0">
+                        <a:latin typeface="Cambria Math" panose="02040503050406030204" pitchFamily="18" charset="0"/>
+                      </a:rPr>
+                      <m:t>𝑑𝑒𝑔</m:t>
+                    </m:r>
+                    <m:r>
+                      <m:rPr>
+                        <m:lit/>
+                      </m:rPr>
+                      <a:rPr lang="en-US" b="0" i="1" smtClean="0">
+                        <a:latin typeface="Cambria Math" panose="02040503050406030204" pitchFamily="18" charset="0"/>
+                      </a:rPr>
+                      <m:t>/</m:t>
+                    </m:r>
+                    <m:r>
+                      <a:rPr lang="en-US" b="0" i="1" smtClean="0">
+                        <a:latin typeface="Cambria Math" panose="02040503050406030204" pitchFamily="18" charset="0"/>
+                      </a:rPr>
+                      <m:t>𝑠𝑒𝑐</m:t>
+                    </m:r>
+                    <m:r>
+                      <a:rPr lang="en-US" b="0" i="1" smtClean="0">
+                        <a:latin typeface="Cambria Math" panose="02040503050406030204" pitchFamily="18" charset="0"/>
+                      </a:rPr>
+                      <m:t>]</m:t>
+                    </m:r>
+                  </m:oMath>
+                </a14:m>
+                <a:endParaRPr lang="en-US" dirty="0"/>
+              </a:p>
+            </p:txBody>
+          </p:sp>
+        </mc:Choice>
+        <mc:Fallback>
+          <p:sp>
+            <p:nvSpPr>
+              <p:cNvPr id="12" name="TextBox 11">
+                <a:extLst>
+                  <a:ext uri="{FF2B5EF4-FFF2-40B4-BE49-F238E27FC236}">
+                    <a16:creationId xmlns:a16="http://schemas.microsoft.com/office/drawing/2014/main" id="{6B7EF5DC-D258-F417-9EA9-03DC92FB6BA1}"/>
+                  </a:ext>
+                </a:extLst>
+              </p:cNvPr>
+              <p:cNvSpPr txBox="1">
+                <a:spLocks noRot="1" noChangeAspect="1" noMove="1" noResize="1" noEditPoints="1" noAdjustHandles="1" noChangeArrowheads="1" noChangeShapeType="1" noTextEdit="1"/>
+              </p:cNvSpPr>
+              <p:nvPr/>
+            </p:nvSpPr>
+            <p:spPr>
+              <a:xfrm rot="16200000">
+                <a:off x="828633" y="3392110"/>
+                <a:ext cx="1791282" cy="646331"/>
+              </a:xfrm>
+              <a:prstGeom prst="rect">
+                <a:avLst/>
+              </a:prstGeom>
+              <a:blipFill>
+                <a:blip r:embed="rId6"/>
+                <a:stretch>
+                  <a:fillRect l="-5660" r="-8491"/>
+                </a:stretch>
+              </a:blipFill>
+            </p:spPr>
+            <p:txBody>
+              <a:bodyPr/>
+              <a:lstStyle/>
+              <a:p>
+                <a:r>
+                  <a:rPr lang="en-US">
+                    <a:noFill/>
+                  </a:rPr>
+                  <a:t> </a:t>
+                </a:r>
+              </a:p>
+            </p:txBody>
+          </p:sp>
+        </mc:Fallback>
+      </mc:AlternateContent>
+      <p:pic>
+        <p:nvPicPr>
+          <p:cNvPr id="3" name="Picture 2">
+            <a:extLst>
+              <a:ext uri="{FF2B5EF4-FFF2-40B4-BE49-F238E27FC236}">
+                <a16:creationId xmlns:a16="http://schemas.microsoft.com/office/drawing/2014/main" id="{4C325384-4CA3-ADE8-C6B5-64C01848F1ED}"/>
+              </a:ext>
+            </a:extLst>
+          </p:cNvPr>
+          <p:cNvPicPr>
+            <a:picLocks noChangeAspect="1"/>
+          </p:cNvPicPr>
+          <p:nvPr/>
+        </p:nvPicPr>
+        <p:blipFill>
+          <a:blip r:embed="rId7"/>
+          <a:stretch>
+            <a:fillRect/>
+          </a:stretch>
+        </p:blipFill>
+        <p:spPr>
+          <a:xfrm>
+            <a:off x="2234648" y="2519539"/>
+            <a:ext cx="7722703" cy="2395361"/>
+          </a:xfrm>
+          <a:prstGeom prst="rect">
+            <a:avLst/>
+          </a:prstGeom>
+        </p:spPr>
+      </p:pic>
+      <p:pic>
+        <p:nvPicPr>
+          <p:cNvPr id="6" name="Picture 5">
+            <a:extLst>
+              <a:ext uri="{FF2B5EF4-FFF2-40B4-BE49-F238E27FC236}">
+                <a16:creationId xmlns:a16="http://schemas.microsoft.com/office/drawing/2014/main" id="{1154D17B-B23C-62B7-4703-F1837364E620}"/>
+              </a:ext>
+            </a:extLst>
+          </p:cNvPr>
+          <p:cNvPicPr>
+            <a:picLocks noChangeAspect="1"/>
+          </p:cNvPicPr>
+          <p:nvPr/>
+        </p:nvPicPr>
+        <p:blipFill>
+          <a:blip r:embed="rId8"/>
+          <a:stretch>
+            <a:fillRect/>
+          </a:stretch>
+        </p:blipFill>
+        <p:spPr>
+          <a:xfrm>
+            <a:off x="2234648" y="4914901"/>
+            <a:ext cx="7722703" cy="2395360"/>
+          </a:xfrm>
+          <a:prstGeom prst="rect">
+            <a:avLst/>
+          </a:prstGeom>
+        </p:spPr>
+      </p:pic>
+      <p:sp>
+        <p:nvSpPr>
+          <p:cNvPr id="15" name="Rectangle 14">
+            <a:extLst>
+              <a:ext uri="{FF2B5EF4-FFF2-40B4-BE49-F238E27FC236}">
+                <a16:creationId xmlns:a16="http://schemas.microsoft.com/office/drawing/2014/main" id="{88262140-25E7-35DE-D56B-59A976D7BF7E}"/>
+              </a:ext>
+            </a:extLst>
+          </p:cNvPr>
+          <p:cNvSpPr/>
+          <p:nvPr/>
+        </p:nvSpPr>
+        <p:spPr>
+          <a:xfrm>
+            <a:off x="2448232" y="232112"/>
+            <a:ext cx="169794" cy="2091988"/>
+          </a:xfrm>
+          <a:prstGeom prst="rect">
+            <a:avLst/>
+          </a:prstGeom>
+          <a:noFill/>
+          <a:ln w="28575">
+            <a:solidFill>
+              <a:schemeClr val="tx1"/>
+            </a:solidFill>
+          </a:ln>
+        </p:spPr>
+        <p:style>
+          <a:lnRef idx="2">
+            <a:schemeClr val="accent1">
+              <a:shade val="50000"/>
+            </a:schemeClr>
+          </a:lnRef>
+          <a:fillRef idx="1">
+            <a:schemeClr val="accent1"/>
+          </a:fillRef>
+          <a:effectRef idx="0">
+            <a:schemeClr val="accent1"/>
+          </a:effectRef>
+          <a:fontRef idx="minor">
+            <a:schemeClr val="lt1"/>
+          </a:fontRef>
+        </p:style>
+        <p:txBody>
+          <a:bodyPr rtlCol="0" anchor="ctr"/>
+          <a:lstStyle/>
+          <a:p>
+            <a:pPr algn="ctr"/>
+            <a:endParaRPr lang="en-US"/>
+          </a:p>
+        </p:txBody>
+      </p:sp>
+      <p:cxnSp>
+        <p:nvCxnSpPr>
+          <p:cNvPr id="16" name="Straight Arrow Connector 15">
+            <a:extLst>
+              <a:ext uri="{FF2B5EF4-FFF2-40B4-BE49-F238E27FC236}">
+                <a16:creationId xmlns:a16="http://schemas.microsoft.com/office/drawing/2014/main" id="{C5133800-3825-3D35-4122-A414EA518C87}"/>
+              </a:ext>
+            </a:extLst>
+          </p:cNvPr>
+          <p:cNvCxnSpPr>
+            <a:cxnSpLocks/>
+            <a:endCxn id="15" idx="1"/>
+          </p:cNvCxnSpPr>
+          <p:nvPr/>
+        </p:nvCxnSpPr>
+        <p:spPr>
+          <a:xfrm flipV="1">
+            <a:off x="2234648" y="1278106"/>
+            <a:ext cx="213584" cy="1237545"/>
+          </a:xfrm>
+          <a:prstGeom prst="straightConnector1">
+            <a:avLst/>
+          </a:prstGeom>
+          <a:ln>
+            <a:solidFill>
+              <a:schemeClr val="tx1"/>
+            </a:solidFill>
+            <a:tailEnd type="triangle"/>
+          </a:ln>
+        </p:spPr>
+        <p:style>
+          <a:lnRef idx="1">
+            <a:schemeClr val="accent1"/>
+          </a:lnRef>
+          <a:fillRef idx="0">
+            <a:schemeClr val="accent1"/>
+          </a:fillRef>
+          <a:effectRef idx="0">
+            <a:schemeClr val="accent1"/>
+          </a:effectRef>
+          <a:fontRef idx="minor">
+            <a:schemeClr val="tx1"/>
+          </a:fontRef>
+        </p:style>
+      </p:cxnSp>
+      <mc:AlternateContent xmlns:mc="http://schemas.openxmlformats.org/markup-compatibility/2006">
+        <mc:Choice xmlns:a14="http://schemas.microsoft.com/office/drawing/2010/main" Requires="a14">
+          <p:sp>
+            <p:nvSpPr>
+              <p:cNvPr id="23" name="TextBox 22">
+                <a:extLst>
+                  <a:ext uri="{FF2B5EF4-FFF2-40B4-BE49-F238E27FC236}">
+                    <a16:creationId xmlns:a16="http://schemas.microsoft.com/office/drawing/2014/main" id="{D3B0D70F-65CE-505D-BF87-E2C2E6B72A9A}"/>
+                  </a:ext>
+                </a:extLst>
+              </p:cNvPr>
+              <p:cNvSpPr txBox="1"/>
+              <p:nvPr/>
+            </p:nvSpPr>
+            <p:spPr>
+              <a:xfrm rot="16200000">
+                <a:off x="828634" y="994806"/>
+                <a:ext cx="1791282" cy="646331"/>
+              </a:xfrm>
+              <a:prstGeom prst="rect">
+                <a:avLst/>
+              </a:prstGeom>
+              <a:noFill/>
+            </p:spPr>
+            <p:txBody>
+              <a:bodyPr wrap="square" rtlCol="0">
+                <a:spAutoFit/>
+              </a:bodyPr>
+              <a:lstStyle/>
+              <a:p>
+                <a:pPr algn="ctr"/>
+                <a:r>
+                  <a:rPr lang="en-US" dirty="0"/>
+                  <a:t>Pitch rate </a:t>
+                </a:r>
+                <a14:m>
+                  <m:oMath xmlns:m="http://schemas.openxmlformats.org/officeDocument/2006/math">
+                    <m:r>
+                      <a:rPr lang="en-US" b="0" i="1" smtClean="0">
+                        <a:latin typeface="Cambria Math" panose="02040503050406030204" pitchFamily="18" charset="0"/>
+                      </a:rPr>
+                      <m:t>[</m:t>
+                    </m:r>
+                    <m:r>
+                      <a:rPr lang="en-US" b="0" i="1" smtClean="0">
+                        <a:latin typeface="Cambria Math" panose="02040503050406030204" pitchFamily="18" charset="0"/>
+                      </a:rPr>
+                      <m:t>𝑑𝑒𝑔</m:t>
+                    </m:r>
+                    <m:r>
+                      <m:rPr>
+                        <m:lit/>
+                      </m:rPr>
+                      <a:rPr lang="en-US" b="0" i="1" smtClean="0">
+                        <a:latin typeface="Cambria Math" panose="02040503050406030204" pitchFamily="18" charset="0"/>
+                      </a:rPr>
+                      <m:t>/</m:t>
+                    </m:r>
+                    <m:r>
+                      <a:rPr lang="en-US" b="0" i="1" smtClean="0">
+                        <a:latin typeface="Cambria Math" panose="02040503050406030204" pitchFamily="18" charset="0"/>
+                      </a:rPr>
+                      <m:t>𝑠𝑒𝑐</m:t>
+                    </m:r>
+                    <m:r>
+                      <a:rPr lang="en-US" b="0" i="1" smtClean="0">
+                        <a:latin typeface="Cambria Math" panose="02040503050406030204" pitchFamily="18" charset="0"/>
+                      </a:rPr>
+                      <m:t>]</m:t>
+                    </m:r>
+                  </m:oMath>
+                </a14:m>
+                <a:endParaRPr lang="en-US" dirty="0"/>
+              </a:p>
+            </p:txBody>
+          </p:sp>
+        </mc:Choice>
+        <mc:Fallback>
+          <p:sp>
+            <p:nvSpPr>
+              <p:cNvPr id="23" name="TextBox 22">
+                <a:extLst>
+                  <a:ext uri="{FF2B5EF4-FFF2-40B4-BE49-F238E27FC236}">
+                    <a16:creationId xmlns:a16="http://schemas.microsoft.com/office/drawing/2014/main" id="{D3B0D70F-65CE-505D-BF87-E2C2E6B72A9A}"/>
+                  </a:ext>
+                </a:extLst>
+              </p:cNvPr>
+              <p:cNvSpPr txBox="1">
+                <a:spLocks noRot="1" noChangeAspect="1" noMove="1" noResize="1" noEditPoints="1" noAdjustHandles="1" noChangeArrowheads="1" noChangeShapeType="1" noTextEdit="1"/>
+              </p:cNvSpPr>
+              <p:nvPr/>
+            </p:nvSpPr>
+            <p:spPr>
+              <a:xfrm rot="16200000">
+                <a:off x="828634" y="994806"/>
+                <a:ext cx="1791282" cy="646331"/>
+              </a:xfrm>
+              <a:prstGeom prst="rect">
+                <a:avLst/>
+              </a:prstGeom>
+              <a:blipFill>
+                <a:blip r:embed="rId9"/>
+                <a:stretch>
+                  <a:fillRect l="-5660" r="-8491"/>
+                </a:stretch>
+              </a:blipFill>
+            </p:spPr>
+            <p:txBody>
+              <a:bodyPr/>
+              <a:lstStyle/>
+              <a:p>
+                <a:r>
+                  <a:rPr lang="en-US">
+                    <a:noFill/>
+                  </a:rPr>
+                  <a:t> </a:t>
+                </a:r>
+              </a:p>
+            </p:txBody>
+          </p:sp>
+        </mc:Fallback>
+      </mc:AlternateContent>
+      <p:cxnSp>
+        <p:nvCxnSpPr>
+          <p:cNvPr id="24" name="Straight Arrow Connector 23">
+            <a:extLst>
+              <a:ext uri="{FF2B5EF4-FFF2-40B4-BE49-F238E27FC236}">
+                <a16:creationId xmlns:a16="http://schemas.microsoft.com/office/drawing/2014/main" id="{DDB063B8-6BEF-4926-9DB2-5F84C6AE268C}"/>
+              </a:ext>
+            </a:extLst>
+          </p:cNvPr>
+          <p:cNvCxnSpPr>
+            <a:cxnSpLocks/>
+          </p:cNvCxnSpPr>
+          <p:nvPr/>
+        </p:nvCxnSpPr>
+        <p:spPr>
+          <a:xfrm flipV="1">
+            <a:off x="9743768" y="444500"/>
+            <a:ext cx="0" cy="342900"/>
+          </a:xfrm>
+          <a:prstGeom prst="straightConnector1">
+            <a:avLst/>
+          </a:prstGeom>
+          <a:ln>
+            <a:solidFill>
+              <a:srgbClr val="FF0000"/>
+            </a:solidFill>
+            <a:tailEnd type="triangle"/>
+          </a:ln>
+        </p:spPr>
+        <p:style>
+          <a:lnRef idx="1">
+            <a:schemeClr val="accent1"/>
+          </a:lnRef>
+          <a:fillRef idx="0">
+            <a:schemeClr val="accent1"/>
+          </a:fillRef>
+          <a:effectRef idx="0">
+            <a:schemeClr val="accent1"/>
+          </a:effectRef>
+          <a:fontRef idx="minor">
+            <a:schemeClr val="tx1"/>
+          </a:fontRef>
+        </p:style>
+      </p:cxnSp>
+      <p:cxnSp>
+        <p:nvCxnSpPr>
+          <p:cNvPr id="27" name="Straight Arrow Connector 26">
+            <a:extLst>
+              <a:ext uri="{FF2B5EF4-FFF2-40B4-BE49-F238E27FC236}">
+                <a16:creationId xmlns:a16="http://schemas.microsoft.com/office/drawing/2014/main" id="{24107BA4-833B-2EB6-F053-1572A4C05EEE}"/>
+              </a:ext>
+            </a:extLst>
+          </p:cNvPr>
+          <p:cNvCxnSpPr>
+            <a:cxnSpLocks/>
+          </p:cNvCxnSpPr>
+          <p:nvPr/>
+        </p:nvCxnSpPr>
+        <p:spPr>
+          <a:xfrm>
+            <a:off x="9743767" y="42506"/>
+            <a:ext cx="0" cy="305157"/>
+          </a:xfrm>
+          <a:prstGeom prst="straightConnector1">
+            <a:avLst/>
+          </a:prstGeom>
+          <a:ln>
+            <a:solidFill>
+              <a:srgbClr val="FF0000"/>
+            </a:solidFill>
+            <a:tailEnd type="triangle"/>
+          </a:ln>
+        </p:spPr>
+        <p:style>
+          <a:lnRef idx="1">
+            <a:schemeClr val="accent1"/>
+          </a:lnRef>
+          <a:fillRef idx="0">
+            <a:schemeClr val="accent1"/>
+          </a:fillRef>
+          <a:effectRef idx="0">
+            <a:schemeClr val="accent1"/>
+          </a:effectRef>
+          <a:fontRef idx="minor">
+            <a:schemeClr val="tx1"/>
+          </a:fontRef>
+        </p:style>
+      </p:cxnSp>
+      <p:sp>
+        <p:nvSpPr>
+          <p:cNvPr id="32" name="TextBox 31">
+            <a:extLst>
+              <a:ext uri="{FF2B5EF4-FFF2-40B4-BE49-F238E27FC236}">
+                <a16:creationId xmlns:a16="http://schemas.microsoft.com/office/drawing/2014/main" id="{7B6BFBC9-D76A-23E1-1C40-72B255F62392}"/>
+              </a:ext>
+            </a:extLst>
+          </p:cNvPr>
+          <p:cNvSpPr txBox="1"/>
+          <p:nvPr/>
+        </p:nvSpPr>
+        <p:spPr>
+          <a:xfrm>
+            <a:off x="8129497" y="424393"/>
+            <a:ext cx="1626108" cy="369332"/>
+          </a:xfrm>
+          <a:prstGeom prst="rect">
+            <a:avLst/>
+          </a:prstGeom>
+          <a:noFill/>
+        </p:spPr>
+        <p:txBody>
+          <a:bodyPr wrap="square" rtlCol="0">
+            <a:spAutoFit/>
+          </a:bodyPr>
+          <a:lstStyle/>
+          <a:p>
+            <a:pPr algn="ctr"/>
+            <a:r>
+              <a:rPr lang="en-US" dirty="0">
+                <a:solidFill>
+                  <a:srgbClr val="FF0000"/>
+                </a:solidFill>
+              </a:rPr>
+              <a:t>Constant error</a:t>
+            </a:r>
+          </a:p>
+        </p:txBody>
+      </p:sp>
+      <p:sp>
+        <p:nvSpPr>
+          <p:cNvPr id="33" name="TextBox 32">
+            <a:extLst>
+              <a:ext uri="{FF2B5EF4-FFF2-40B4-BE49-F238E27FC236}">
+                <a16:creationId xmlns:a16="http://schemas.microsoft.com/office/drawing/2014/main" id="{6EDD635E-4BAA-EE43-83A5-2C2B480DEC4B}"/>
+              </a:ext>
+            </a:extLst>
+          </p:cNvPr>
+          <p:cNvSpPr txBox="1"/>
+          <p:nvPr/>
+        </p:nvSpPr>
+        <p:spPr>
+          <a:xfrm>
+            <a:off x="6095999" y="923288"/>
+            <a:ext cx="3239982" cy="369332"/>
+          </a:xfrm>
+          <a:prstGeom prst="rect">
+            <a:avLst/>
+          </a:prstGeom>
+          <a:noFill/>
+        </p:spPr>
+        <p:txBody>
+          <a:bodyPr wrap="square" rtlCol="0">
+            <a:spAutoFit/>
+          </a:bodyPr>
+          <a:lstStyle/>
+          <a:p>
+            <a:pPr algn="ctr"/>
+            <a:r>
+              <a:rPr lang="en-US" dirty="0">
+                <a:solidFill>
+                  <a:schemeClr val="accent6"/>
+                </a:solidFill>
+              </a:rPr>
+              <a:t>Zoom in: No phugoid dynamics </a:t>
+            </a:r>
+          </a:p>
+        </p:txBody>
+      </p:sp>
+      <p:sp>
+        <p:nvSpPr>
+          <p:cNvPr id="34" name="Rectangle 33">
+            <a:extLst>
+              <a:ext uri="{FF2B5EF4-FFF2-40B4-BE49-F238E27FC236}">
+                <a16:creationId xmlns:a16="http://schemas.microsoft.com/office/drawing/2014/main" id="{2C4417CE-5E32-B339-D892-58025C5B2BD0}"/>
+              </a:ext>
+            </a:extLst>
+          </p:cNvPr>
+          <p:cNvSpPr/>
+          <p:nvPr/>
+        </p:nvSpPr>
+        <p:spPr>
+          <a:xfrm rot="5400000">
+            <a:off x="6007380" y="-1592720"/>
+            <a:ext cx="108892" cy="4135342"/>
+          </a:xfrm>
+          <a:prstGeom prst="rect">
+            <a:avLst/>
+          </a:prstGeom>
+          <a:noFill/>
+          <a:ln w="28575">
+            <a:solidFill>
+              <a:schemeClr val="accent6"/>
+            </a:solidFill>
+          </a:ln>
+        </p:spPr>
+        <p:style>
+          <a:lnRef idx="2">
+            <a:schemeClr val="accent1">
+              <a:shade val="50000"/>
+            </a:schemeClr>
+          </a:lnRef>
+          <a:fillRef idx="1">
+            <a:schemeClr val="accent1"/>
+          </a:fillRef>
+          <a:effectRef idx="0">
+            <a:schemeClr val="accent1"/>
+          </a:effectRef>
+          <a:fontRef idx="minor">
+            <a:schemeClr val="lt1"/>
+          </a:fontRef>
+        </p:style>
+        <p:txBody>
+          <a:bodyPr rtlCol="0" anchor="ctr"/>
+          <a:lstStyle/>
+          <a:p>
+            <a:pPr algn="ctr"/>
+            <a:endParaRPr lang="en-US"/>
+          </a:p>
+        </p:txBody>
+      </p:sp>
+      <p:cxnSp>
+        <p:nvCxnSpPr>
+          <p:cNvPr id="17" name="Straight Arrow Connector 16">
+            <a:extLst>
+              <a:ext uri="{FF2B5EF4-FFF2-40B4-BE49-F238E27FC236}">
+                <a16:creationId xmlns:a16="http://schemas.microsoft.com/office/drawing/2014/main" id="{8F290C55-4F8A-4ACB-C883-609BE8B56837}"/>
+              </a:ext>
+            </a:extLst>
+          </p:cNvPr>
+          <p:cNvCxnSpPr>
+            <a:cxnSpLocks/>
+            <a:endCxn id="15" idx="3"/>
+          </p:cNvCxnSpPr>
+          <p:nvPr/>
+        </p:nvCxnSpPr>
+        <p:spPr>
+          <a:xfrm flipH="1" flipV="1">
+            <a:off x="2618026" y="1278106"/>
+            <a:ext cx="7271398" cy="1237545"/>
+          </a:xfrm>
+          <a:prstGeom prst="straightConnector1">
+            <a:avLst/>
+          </a:prstGeom>
+          <a:ln>
+            <a:solidFill>
+              <a:schemeClr val="tx1"/>
+            </a:solidFill>
+            <a:tailEnd type="triangle"/>
+          </a:ln>
+        </p:spPr>
+        <p:style>
+          <a:lnRef idx="1">
+            <a:schemeClr val="accent1"/>
+          </a:lnRef>
+          <a:fillRef idx="0">
+            <a:schemeClr val="accent1"/>
+          </a:fillRef>
+          <a:effectRef idx="0">
+            <a:schemeClr val="accent1"/>
+          </a:effectRef>
+          <a:fontRef idx="minor">
+            <a:schemeClr val="tx1"/>
+          </a:fontRef>
+        </p:style>
+      </p:cxnSp>
+      <p:cxnSp>
+        <p:nvCxnSpPr>
+          <p:cNvPr id="37" name="Straight Arrow Connector 36">
+            <a:extLst>
+              <a:ext uri="{FF2B5EF4-FFF2-40B4-BE49-F238E27FC236}">
+                <a16:creationId xmlns:a16="http://schemas.microsoft.com/office/drawing/2014/main" id="{D86D6F09-9C08-8C9F-DD3B-AD01FEA2FCC2}"/>
+              </a:ext>
+            </a:extLst>
+          </p:cNvPr>
+          <p:cNvCxnSpPr>
+            <a:cxnSpLocks/>
+          </p:cNvCxnSpPr>
+          <p:nvPr/>
+        </p:nvCxnSpPr>
+        <p:spPr>
+          <a:xfrm flipH="1" flipV="1">
+            <a:off x="6499563" y="549503"/>
+            <a:ext cx="449877" cy="315682"/>
+          </a:xfrm>
+          <a:prstGeom prst="straightConnector1">
+            <a:avLst/>
+          </a:prstGeom>
+          <a:ln>
+            <a:solidFill>
+              <a:schemeClr val="accent6"/>
+            </a:solidFill>
+            <a:tailEnd type="triangle"/>
+          </a:ln>
+        </p:spPr>
+        <p:style>
+          <a:lnRef idx="1">
+            <a:schemeClr val="accent1"/>
+          </a:lnRef>
+          <a:fillRef idx="0">
+            <a:schemeClr val="accent1"/>
+          </a:fillRef>
+          <a:effectRef idx="0">
+            <a:schemeClr val="accent1"/>
+          </a:effectRef>
+          <a:fontRef idx="minor">
+            <a:schemeClr val="tx1"/>
+          </a:fontRef>
+        </p:style>
+      </p:cxnSp>
+      <p:sp>
+        <p:nvSpPr>
+          <p:cNvPr id="41" name="TextBox 40">
+            <a:extLst>
+              <a:ext uri="{FF2B5EF4-FFF2-40B4-BE49-F238E27FC236}">
+                <a16:creationId xmlns:a16="http://schemas.microsoft.com/office/drawing/2014/main" id="{6E92BE2C-F168-B3DC-2FBB-C891E4DB6A70}"/>
+              </a:ext>
+            </a:extLst>
+          </p:cNvPr>
+          <p:cNvSpPr txBox="1"/>
+          <p:nvPr/>
+        </p:nvSpPr>
+        <p:spPr>
+          <a:xfrm>
+            <a:off x="5327863" y="2423464"/>
+            <a:ext cx="1467926" cy="369332"/>
+          </a:xfrm>
+          <a:prstGeom prst="rect">
+            <a:avLst/>
+          </a:prstGeom>
+          <a:noFill/>
+        </p:spPr>
+        <p:txBody>
+          <a:bodyPr wrap="square" rtlCol="0">
+            <a:spAutoFit/>
+          </a:bodyPr>
+          <a:lstStyle/>
+          <a:p>
+            <a:pPr algn="ctr"/>
+            <a:r>
+              <a:rPr lang="en-US" dirty="0"/>
+              <a:t>Zoom in</a:t>
+            </a:r>
+          </a:p>
+        </p:txBody>
+      </p:sp>
+    </p:spTree>
+    <p:extLst>
+      <p:ext uri="{BB962C8B-B14F-4D97-AF65-F5344CB8AC3E}">
+        <p14:creationId xmlns:p14="http://schemas.microsoft.com/office/powerpoint/2010/main" val="336044923"/>
       </p:ext>
     </p:extLst>
   </p:cSld>

--- a/TechnicalReport/Figures.pptx
+++ b/TechnicalReport/Figures.pptx
@@ -25,11 +25,15 @@
     <p:sldId id="273" r:id="rId19"/>
     <p:sldId id="274" r:id="rId20"/>
     <p:sldId id="275" r:id="rId21"/>
-    <p:sldId id="276" r:id="rId22"/>
-    <p:sldId id="277" r:id="rId23"/>
-    <p:sldId id="278" r:id="rId24"/>
-    <p:sldId id="280" r:id="rId25"/>
-    <p:sldId id="281" r:id="rId26"/>
+    <p:sldId id="283" r:id="rId22"/>
+    <p:sldId id="276" r:id="rId23"/>
+    <p:sldId id="277" r:id="rId24"/>
+    <p:sldId id="278" r:id="rId25"/>
+    <p:sldId id="280" r:id="rId26"/>
+    <p:sldId id="281" r:id="rId27"/>
+    <p:sldId id="282" r:id="rId28"/>
+    <p:sldId id="284" r:id="rId29"/>
+    <p:sldId id="286" r:id="rId30"/>
   </p:sldIdLst>
   <p:sldSz cx="12192000" cy="6858000"/>
   <p:notesSz cx="6858000" cy="9144000"/>
@@ -22885,6 +22889,66 @@
           <p:cNvPr id="3" name="Picture 2">
             <a:extLst>
               <a:ext uri="{FF2B5EF4-FFF2-40B4-BE49-F238E27FC236}">
+                <a16:creationId xmlns:a16="http://schemas.microsoft.com/office/drawing/2014/main" id="{0C5D5CCD-0BDA-7D68-6DFD-67D63ACBACCB}"/>
+              </a:ext>
+            </a:extLst>
+          </p:cNvPr>
+          <p:cNvPicPr>
+            <a:picLocks noChangeAspect="1"/>
+          </p:cNvPicPr>
+          <p:nvPr/>
+        </p:nvPicPr>
+        <p:blipFill>
+          <a:blip r:embed="rId2"/>
+          <a:stretch>
+            <a:fillRect/>
+          </a:stretch>
+        </p:blipFill>
+        <p:spPr>
+          <a:xfrm>
+            <a:off x="2709862" y="704850"/>
+            <a:ext cx="6772275" cy="5448300"/>
+          </a:xfrm>
+          <a:prstGeom prst="rect">
+            <a:avLst/>
+          </a:prstGeom>
+        </p:spPr>
+      </p:pic>
+    </p:spTree>
+    <p:extLst>
+      <p:ext uri="{BB962C8B-B14F-4D97-AF65-F5344CB8AC3E}">
+        <p14:creationId xmlns:p14="http://schemas.microsoft.com/office/powerpoint/2010/main" val="3401590315"/>
+      </p:ext>
+    </p:extLst>
+  </p:cSld>
+  <p:clrMapOvr>
+    <a:masterClrMapping/>
+  </p:clrMapOvr>
+</p:sld>
+</file>
+
+<file path=ppt/slides/slide22.xml><?xml version="1.0" encoding="utf-8"?>
+<p:sld xmlns:a="http://schemas.openxmlformats.org/drawingml/2006/main" xmlns:r="http://schemas.openxmlformats.org/officeDocument/2006/relationships" xmlns:p="http://schemas.openxmlformats.org/presentationml/2006/main">
+  <p:cSld>
+    <p:spTree>
+      <p:nvGrpSpPr>
+        <p:cNvPr id="1" name=""/>
+        <p:cNvGrpSpPr/>
+        <p:nvPr/>
+      </p:nvGrpSpPr>
+      <p:grpSpPr>
+        <a:xfrm>
+          <a:off x="0" y="0"/>
+          <a:ext cx="0" cy="0"/>
+          <a:chOff x="0" y="0"/>
+          <a:chExt cx="0" cy="0"/>
+        </a:xfrm>
+      </p:grpSpPr>
+      <p:pic>
+        <p:nvPicPr>
+          <p:cNvPr id="3" name="Picture 2">
+            <a:extLst>
+              <a:ext uri="{FF2B5EF4-FFF2-40B4-BE49-F238E27FC236}">
                 <a16:creationId xmlns:a16="http://schemas.microsoft.com/office/drawing/2014/main" id="{B3DD53EE-33FB-B100-EEA1-6745E690187A}"/>
               </a:ext>
             </a:extLst>
@@ -22953,7 +23017,7 @@
 </p:sld>
 </file>
 
-<file path=ppt/slides/slide22.xml><?xml version="1.0" encoding="utf-8"?>
+<file path=ppt/slides/slide23.xml><?xml version="1.0" encoding="utf-8"?>
 <p:sld xmlns:a="http://schemas.openxmlformats.org/drawingml/2006/main" xmlns:r="http://schemas.openxmlformats.org/officeDocument/2006/relationships" xmlns:p="http://schemas.openxmlformats.org/presentationml/2006/main">
   <p:cSld>
     <p:spTree>
@@ -23557,7 +23621,7 @@
 </p:sld>
 </file>
 
-<file path=ppt/slides/slide23.xml><?xml version="1.0" encoding="utf-8"?>
+<file path=ppt/slides/slide24.xml><?xml version="1.0" encoding="utf-8"?>
 <p:sld xmlns:a="http://schemas.openxmlformats.org/drawingml/2006/main" xmlns:r="http://schemas.openxmlformats.org/officeDocument/2006/relationships" xmlns:p="http://schemas.openxmlformats.org/presentationml/2006/main">
   <p:cSld>
     <p:spTree>
@@ -24003,7 +24067,7 @@
 </p:sld>
 </file>
 
-<file path=ppt/slides/slide24.xml><?xml version="1.0" encoding="utf-8"?>
+<file path=ppt/slides/slide25.xml><?xml version="1.0" encoding="utf-8"?>
 <p:sld xmlns:a="http://schemas.openxmlformats.org/drawingml/2006/main" xmlns:r="http://schemas.openxmlformats.org/officeDocument/2006/relationships" xmlns:p="http://schemas.openxmlformats.org/presentationml/2006/main">
   <p:cSld>
     <p:spTree>
@@ -24656,7 +24720,7 @@
 </p:sld>
 </file>
 
-<file path=ppt/slides/slide25.xml><?xml version="1.0" encoding="utf-8"?>
+<file path=ppt/slides/slide26.xml><?xml version="1.0" encoding="utf-8"?>
 <p:sld xmlns:a="http://schemas.openxmlformats.org/drawingml/2006/main" xmlns:r="http://schemas.openxmlformats.org/officeDocument/2006/relationships" xmlns:p="http://schemas.openxmlformats.org/presentationml/2006/main">
   <p:cSld>
     <p:spTree>
@@ -25738,6 +25802,765 @@
     <p:extLst>
       <p:ext uri="{BB962C8B-B14F-4D97-AF65-F5344CB8AC3E}">
         <p14:creationId xmlns:p14="http://schemas.microsoft.com/office/powerpoint/2010/main" val="336044923"/>
+      </p:ext>
+    </p:extLst>
+  </p:cSld>
+  <p:clrMapOvr>
+    <a:masterClrMapping/>
+  </p:clrMapOvr>
+</p:sld>
+</file>
+
+<file path=ppt/slides/slide27.xml><?xml version="1.0" encoding="utf-8"?>
+<p:sld xmlns:a="http://schemas.openxmlformats.org/drawingml/2006/main" xmlns:r="http://schemas.openxmlformats.org/officeDocument/2006/relationships" xmlns:p="http://schemas.openxmlformats.org/presentationml/2006/main">
+  <p:cSld>
+    <p:spTree>
+      <p:nvGrpSpPr>
+        <p:cNvPr id="1" name=""/>
+        <p:cNvGrpSpPr/>
+        <p:nvPr/>
+      </p:nvGrpSpPr>
+      <p:grpSpPr>
+        <a:xfrm>
+          <a:off x="0" y="0"/>
+          <a:ext cx="0" cy="0"/>
+          <a:chOff x="0" y="0"/>
+          <a:chExt cx="0" cy="0"/>
+        </a:xfrm>
+      </p:grpSpPr>
+      <p:pic>
+        <p:nvPicPr>
+          <p:cNvPr id="2" name="Picture 1">
+            <a:extLst>
+              <a:ext uri="{FF2B5EF4-FFF2-40B4-BE49-F238E27FC236}">
+                <a16:creationId xmlns:a16="http://schemas.microsoft.com/office/drawing/2014/main" id="{C1A72A57-65D2-AAF1-5A06-B271949C645E}"/>
+              </a:ext>
+            </a:extLst>
+          </p:cNvPr>
+          <p:cNvPicPr>
+            <a:picLocks noChangeAspect="1"/>
+          </p:cNvPicPr>
+          <p:nvPr/>
+        </p:nvPicPr>
+        <p:blipFill>
+          <a:blip r:embed="rId2"/>
+          <a:stretch>
+            <a:fillRect/>
+          </a:stretch>
+        </p:blipFill>
+        <p:spPr>
+          <a:xfrm>
+            <a:off x="405767" y="2146734"/>
+            <a:ext cx="10376533" cy="2564531"/>
+          </a:xfrm>
+          <a:prstGeom prst="rect">
+            <a:avLst/>
+          </a:prstGeom>
+        </p:spPr>
+      </p:pic>
+      <p:sp>
+        <p:nvSpPr>
+          <p:cNvPr id="3" name="Rectangle 2">
+            <a:extLst>
+              <a:ext uri="{FF2B5EF4-FFF2-40B4-BE49-F238E27FC236}">
+                <a16:creationId xmlns:a16="http://schemas.microsoft.com/office/drawing/2014/main" id="{ED51CD18-AF6F-6FCE-1D2C-F9BDE0A96D08}"/>
+              </a:ext>
+            </a:extLst>
+          </p:cNvPr>
+          <p:cNvSpPr/>
+          <p:nvPr/>
+        </p:nvSpPr>
+        <p:spPr>
+          <a:xfrm>
+            <a:off x="2247900" y="3149600"/>
+            <a:ext cx="3759200" cy="279399"/>
+          </a:xfrm>
+          <a:prstGeom prst="rect">
+            <a:avLst/>
+          </a:prstGeom>
+          <a:solidFill>
+            <a:srgbClr val="FF0000">
+              <a:alpha val="36000"/>
+            </a:srgbClr>
+          </a:solidFill>
+          <a:ln>
+            <a:solidFill>
+              <a:schemeClr val="tx1"/>
+            </a:solidFill>
+          </a:ln>
+        </p:spPr>
+        <p:style>
+          <a:lnRef idx="2">
+            <a:schemeClr val="accent1">
+              <a:shade val="50000"/>
+            </a:schemeClr>
+          </a:lnRef>
+          <a:fillRef idx="1">
+            <a:schemeClr val="accent1"/>
+          </a:fillRef>
+          <a:effectRef idx="0">
+            <a:schemeClr val="accent1"/>
+          </a:effectRef>
+          <a:fontRef idx="minor">
+            <a:schemeClr val="lt1"/>
+          </a:fontRef>
+        </p:style>
+        <p:txBody>
+          <a:bodyPr rtlCol="0" anchor="ctr"/>
+          <a:lstStyle/>
+          <a:p>
+            <a:pPr algn="ctr"/>
+            <a:endParaRPr lang="en-US"/>
+          </a:p>
+        </p:txBody>
+      </p:sp>
+    </p:spTree>
+    <p:extLst>
+      <p:ext uri="{BB962C8B-B14F-4D97-AF65-F5344CB8AC3E}">
+        <p14:creationId xmlns:p14="http://schemas.microsoft.com/office/powerpoint/2010/main" val="878981215"/>
+      </p:ext>
+    </p:extLst>
+  </p:cSld>
+  <p:clrMapOvr>
+    <a:masterClrMapping/>
+  </p:clrMapOvr>
+</p:sld>
+</file>
+
+<file path=ppt/slides/slide28.xml><?xml version="1.0" encoding="utf-8"?>
+<p:sld xmlns:a="http://schemas.openxmlformats.org/drawingml/2006/main" xmlns:r="http://schemas.openxmlformats.org/officeDocument/2006/relationships" xmlns:p="http://schemas.openxmlformats.org/presentationml/2006/main">
+  <p:cSld>
+    <p:spTree>
+      <p:nvGrpSpPr>
+        <p:cNvPr id="1" name=""/>
+        <p:cNvGrpSpPr/>
+        <p:nvPr/>
+      </p:nvGrpSpPr>
+      <p:grpSpPr>
+        <a:xfrm>
+          <a:off x="0" y="0"/>
+          <a:ext cx="0" cy="0"/>
+          <a:chOff x="0" y="0"/>
+          <a:chExt cx="0" cy="0"/>
+        </a:xfrm>
+      </p:grpSpPr>
+      <p:pic>
+        <p:nvPicPr>
+          <p:cNvPr id="7" name="Picture 6">
+            <a:extLst>
+              <a:ext uri="{FF2B5EF4-FFF2-40B4-BE49-F238E27FC236}">
+                <a16:creationId xmlns:a16="http://schemas.microsoft.com/office/drawing/2014/main" id="{8601DECA-16DE-F001-2077-48B0351ADFC7}"/>
+              </a:ext>
+            </a:extLst>
+          </p:cNvPr>
+          <p:cNvPicPr>
+            <a:picLocks noChangeAspect="1"/>
+          </p:cNvPicPr>
+          <p:nvPr/>
+        </p:nvPicPr>
+        <p:blipFill>
+          <a:blip r:embed="rId2"/>
+          <a:stretch>
+            <a:fillRect/>
+          </a:stretch>
+        </p:blipFill>
+        <p:spPr>
+          <a:xfrm>
+            <a:off x="0" y="853440"/>
+            <a:ext cx="7755709" cy="4935451"/>
+          </a:xfrm>
+          <a:prstGeom prst="rect">
+            <a:avLst/>
+          </a:prstGeom>
+        </p:spPr>
+      </p:pic>
+    </p:spTree>
+    <p:extLst>
+      <p:ext uri="{BB962C8B-B14F-4D97-AF65-F5344CB8AC3E}">
+        <p14:creationId xmlns:p14="http://schemas.microsoft.com/office/powerpoint/2010/main" val="2254744327"/>
+      </p:ext>
+    </p:extLst>
+  </p:cSld>
+  <p:clrMapOvr>
+    <a:masterClrMapping/>
+  </p:clrMapOvr>
+</p:sld>
+</file>
+
+<file path=ppt/slides/slide29.xml><?xml version="1.0" encoding="utf-8"?>
+<p:sld xmlns:a="http://schemas.openxmlformats.org/drawingml/2006/main" xmlns:r="http://schemas.openxmlformats.org/officeDocument/2006/relationships" xmlns:p="http://schemas.openxmlformats.org/presentationml/2006/main">
+  <p:cSld>
+    <p:spTree>
+      <p:nvGrpSpPr>
+        <p:cNvPr id="1" name=""/>
+        <p:cNvGrpSpPr/>
+        <p:nvPr/>
+      </p:nvGrpSpPr>
+      <p:grpSpPr>
+        <a:xfrm>
+          <a:off x="0" y="0"/>
+          <a:ext cx="0" cy="0"/>
+          <a:chOff x="0" y="0"/>
+          <a:chExt cx="0" cy="0"/>
+        </a:xfrm>
+      </p:grpSpPr>
+      <p:pic>
+        <p:nvPicPr>
+          <p:cNvPr id="2" name="Picture 1">
+            <a:extLst>
+              <a:ext uri="{FF2B5EF4-FFF2-40B4-BE49-F238E27FC236}">
+                <a16:creationId xmlns:a16="http://schemas.microsoft.com/office/drawing/2014/main" id="{FD87387B-AE03-344A-8F1B-DDB8A208C894}"/>
+              </a:ext>
+            </a:extLst>
+          </p:cNvPr>
+          <p:cNvPicPr>
+            <a:picLocks noChangeAspect="1"/>
+          </p:cNvPicPr>
+          <p:nvPr/>
+        </p:nvPicPr>
+        <p:blipFill>
+          <a:blip r:embed="rId2"/>
+          <a:stretch>
+            <a:fillRect/>
+          </a:stretch>
+        </p:blipFill>
+        <p:spPr>
+          <a:xfrm>
+            <a:off x="2047461" y="1033640"/>
+            <a:ext cx="7722704" cy="2395360"/>
+          </a:xfrm>
+          <a:prstGeom prst="rect">
+            <a:avLst/>
+          </a:prstGeom>
+        </p:spPr>
+      </p:pic>
+      <mc:AlternateContent xmlns:mc="http://schemas.openxmlformats.org/markup-compatibility/2006">
+        <mc:Choice xmlns:a14="http://schemas.microsoft.com/office/drawing/2010/main" Requires="a14">
+          <p:sp>
+            <p:nvSpPr>
+              <p:cNvPr id="9" name="TextBox 8">
+                <a:extLst>
+                  <a:ext uri="{FF2B5EF4-FFF2-40B4-BE49-F238E27FC236}">
+                    <a16:creationId xmlns:a16="http://schemas.microsoft.com/office/drawing/2014/main" id="{6970E818-857B-A047-F6FA-72EBDDCC6317}"/>
+                  </a:ext>
+                </a:extLst>
+              </p:cNvPr>
+              <p:cNvSpPr txBox="1"/>
+              <p:nvPr/>
+            </p:nvSpPr>
+            <p:spPr>
+              <a:xfrm>
+                <a:off x="2703609" y="383420"/>
+                <a:ext cx="6784782" cy="646331"/>
+              </a:xfrm>
+              <a:prstGeom prst="rect">
+                <a:avLst/>
+              </a:prstGeom>
+              <a:noFill/>
+            </p:spPr>
+            <p:txBody>
+              <a:bodyPr wrap="square" rtlCol="0">
+                <a:spAutoFit/>
+              </a:bodyPr>
+              <a:lstStyle/>
+              <a:p>
+                <a:pPr algn="ctr"/>
+                <a:r>
+                  <a:rPr lang="en-US" dirty="0"/>
+                  <a:t>Time response to initial conditions </a:t>
+                </a:r>
+                <a14:m>
+                  <m:oMath xmlns:m="http://schemas.openxmlformats.org/officeDocument/2006/math">
+                    <m:sSub>
+                      <m:sSubPr>
+                        <m:ctrlPr>
+                          <a:rPr lang="en-US" b="0" i="1" smtClean="0">
+                            <a:latin typeface="Cambria Math" panose="02040503050406030204" pitchFamily="18" charset="0"/>
+                          </a:rPr>
+                        </m:ctrlPr>
+                      </m:sSubPr>
+                      <m:e>
+                        <m:r>
+                          <a:rPr lang="en-US" b="0" i="1" smtClean="0">
+                            <a:latin typeface="Cambria Math" panose="02040503050406030204" pitchFamily="18" charset="0"/>
+                          </a:rPr>
+                          <m:t>𝑞</m:t>
+                        </m:r>
+                      </m:e>
+                      <m:sub>
+                        <m:r>
+                          <a:rPr lang="en-US" b="0" i="1" smtClean="0">
+                            <a:latin typeface="Cambria Math" panose="02040503050406030204" pitchFamily="18" charset="0"/>
+                          </a:rPr>
+                          <m:t>0</m:t>
+                        </m:r>
+                      </m:sub>
+                    </m:sSub>
+                    <m:r>
+                      <a:rPr lang="en-US" b="0" i="1" smtClean="0">
+                        <a:latin typeface="Cambria Math" panose="02040503050406030204" pitchFamily="18" charset="0"/>
+                      </a:rPr>
+                      <m:t>=1 </m:t>
+                    </m:r>
+                    <m:d>
+                      <m:dPr>
+                        <m:begChr m:val="["/>
+                        <m:endChr m:val="]"/>
+                        <m:ctrlPr>
+                          <a:rPr lang="en-US" b="0" i="1" smtClean="0">
+                            <a:latin typeface="Cambria Math" panose="02040503050406030204" pitchFamily="18" charset="0"/>
+                          </a:rPr>
+                        </m:ctrlPr>
+                      </m:dPr>
+                      <m:e>
+                        <m:r>
+                          <a:rPr lang="en-US" b="0" i="1" smtClean="0">
+                            <a:latin typeface="Cambria Math" panose="02040503050406030204" pitchFamily="18" charset="0"/>
+                          </a:rPr>
+                          <m:t>𝑑𝑒𝑔</m:t>
+                        </m:r>
+                        <m:r>
+                          <m:rPr>
+                            <m:lit/>
+                          </m:rPr>
+                          <a:rPr lang="en-US" b="0" i="1" smtClean="0">
+                            <a:latin typeface="Cambria Math" panose="02040503050406030204" pitchFamily="18" charset="0"/>
+                          </a:rPr>
+                          <m:t>/</m:t>
+                        </m:r>
+                        <m:r>
+                          <a:rPr lang="en-US" b="0" i="1" smtClean="0">
+                            <a:latin typeface="Cambria Math" panose="02040503050406030204" pitchFamily="18" charset="0"/>
+                          </a:rPr>
+                          <m:t>𝑠𝑒𝑐</m:t>
+                        </m:r>
+                      </m:e>
+                    </m:d>
+                  </m:oMath>
+                </a14:m>
+                <a:r>
+                  <a:rPr lang="en-US" dirty="0"/>
+                  <a:t> for : The entire system, The short period system and The open loop system</a:t>
+                </a:r>
+              </a:p>
+            </p:txBody>
+          </p:sp>
+        </mc:Choice>
+        <mc:Fallback>
+          <p:sp>
+            <p:nvSpPr>
+              <p:cNvPr id="9" name="TextBox 8">
+                <a:extLst>
+                  <a:ext uri="{FF2B5EF4-FFF2-40B4-BE49-F238E27FC236}">
+                    <a16:creationId xmlns:a16="http://schemas.microsoft.com/office/drawing/2014/main" id="{6970E818-857B-A047-F6FA-72EBDDCC6317}"/>
+                  </a:ext>
+                </a:extLst>
+              </p:cNvPr>
+              <p:cNvSpPr txBox="1">
+                <a:spLocks noRot="1" noChangeAspect="1" noMove="1" noResize="1" noEditPoints="1" noAdjustHandles="1" noChangeArrowheads="1" noChangeShapeType="1" noTextEdit="1"/>
+              </p:cNvSpPr>
+              <p:nvPr/>
+            </p:nvSpPr>
+            <p:spPr>
+              <a:xfrm>
+                <a:off x="2703609" y="383420"/>
+                <a:ext cx="6784782" cy="646331"/>
+              </a:xfrm>
+              <a:prstGeom prst="rect">
+                <a:avLst/>
+              </a:prstGeom>
+              <a:blipFill>
+                <a:blip r:embed="rId3"/>
+                <a:stretch>
+                  <a:fillRect t="-5660" b="-14151"/>
+                </a:stretch>
+              </a:blipFill>
+            </p:spPr>
+            <p:txBody>
+              <a:bodyPr/>
+              <a:lstStyle/>
+              <a:p>
+                <a:r>
+                  <a:rPr lang="en-US">
+                    <a:noFill/>
+                  </a:rPr>
+                  <a:t> </a:t>
+                </a:r>
+              </a:p>
+            </p:txBody>
+          </p:sp>
+        </mc:Fallback>
+      </mc:AlternateContent>
+      <mc:AlternateContent xmlns:mc="http://schemas.openxmlformats.org/markup-compatibility/2006">
+        <mc:Choice xmlns:a14="http://schemas.microsoft.com/office/drawing/2010/main" Requires="a14">
+          <p:sp>
+            <p:nvSpPr>
+              <p:cNvPr id="10" name="TextBox 9">
+                <a:extLst>
+                  <a:ext uri="{FF2B5EF4-FFF2-40B4-BE49-F238E27FC236}">
+                    <a16:creationId xmlns:a16="http://schemas.microsoft.com/office/drawing/2014/main" id="{1D354E80-21D4-C054-7E94-6C5E4EC44B14}"/>
+                  </a:ext>
+                </a:extLst>
+              </p:cNvPr>
+              <p:cNvSpPr txBox="1"/>
+              <p:nvPr/>
+            </p:nvSpPr>
+            <p:spPr>
+              <a:xfrm>
+                <a:off x="2703609" y="5828249"/>
+                <a:ext cx="6784782" cy="369332"/>
+              </a:xfrm>
+              <a:prstGeom prst="rect">
+                <a:avLst/>
+              </a:prstGeom>
+              <a:noFill/>
+            </p:spPr>
+            <p:txBody>
+              <a:bodyPr wrap="square" rtlCol="0">
+                <a:spAutoFit/>
+              </a:bodyPr>
+              <a:lstStyle/>
+              <a:p>
+                <a:pPr algn="ctr"/>
+                <a:r>
+                  <a:rPr lang="en-US" dirty="0"/>
+                  <a:t>Time </a:t>
+                </a:r>
+                <a14:m>
+                  <m:oMath xmlns:m="http://schemas.openxmlformats.org/officeDocument/2006/math">
+                    <m:r>
+                      <a:rPr lang="en-US" b="0" i="1" smtClean="0">
+                        <a:latin typeface="Cambria Math" panose="02040503050406030204" pitchFamily="18" charset="0"/>
+                      </a:rPr>
+                      <m:t>[</m:t>
+                    </m:r>
+                    <m:r>
+                      <a:rPr lang="en-US" b="0" i="1" smtClean="0">
+                        <a:latin typeface="Cambria Math" panose="02040503050406030204" pitchFamily="18" charset="0"/>
+                      </a:rPr>
+                      <m:t>𝑠𝑒𝑐</m:t>
+                    </m:r>
+                    <m:r>
+                      <a:rPr lang="en-US" b="0" i="1" smtClean="0">
+                        <a:latin typeface="Cambria Math" panose="02040503050406030204" pitchFamily="18" charset="0"/>
+                      </a:rPr>
+                      <m:t>]</m:t>
+                    </m:r>
+                  </m:oMath>
+                </a14:m>
+                <a:endParaRPr lang="en-US" dirty="0"/>
+              </a:p>
+            </p:txBody>
+          </p:sp>
+        </mc:Choice>
+        <mc:Fallback>
+          <p:sp>
+            <p:nvSpPr>
+              <p:cNvPr id="10" name="TextBox 9">
+                <a:extLst>
+                  <a:ext uri="{FF2B5EF4-FFF2-40B4-BE49-F238E27FC236}">
+                    <a16:creationId xmlns:a16="http://schemas.microsoft.com/office/drawing/2014/main" id="{1D354E80-21D4-C054-7E94-6C5E4EC44B14}"/>
+                  </a:ext>
+                </a:extLst>
+              </p:cNvPr>
+              <p:cNvSpPr txBox="1">
+                <a:spLocks noRot="1" noChangeAspect="1" noMove="1" noResize="1" noEditPoints="1" noAdjustHandles="1" noChangeArrowheads="1" noChangeShapeType="1" noTextEdit="1"/>
+              </p:cNvSpPr>
+              <p:nvPr/>
+            </p:nvSpPr>
+            <p:spPr>
+              <a:xfrm>
+                <a:off x="2703609" y="5828249"/>
+                <a:ext cx="6784782" cy="369332"/>
+              </a:xfrm>
+              <a:prstGeom prst="rect">
+                <a:avLst/>
+              </a:prstGeom>
+              <a:blipFill>
+                <a:blip r:embed="rId4"/>
+                <a:stretch>
+                  <a:fillRect t="-8197" b="-24590"/>
+                </a:stretch>
+              </a:blipFill>
+            </p:spPr>
+            <p:txBody>
+              <a:bodyPr/>
+              <a:lstStyle/>
+              <a:p>
+                <a:r>
+                  <a:rPr lang="en-US">
+                    <a:noFill/>
+                  </a:rPr>
+                  <a:t> </a:t>
+                </a:r>
+              </a:p>
+            </p:txBody>
+          </p:sp>
+        </mc:Fallback>
+      </mc:AlternateContent>
+      <mc:AlternateContent xmlns:mc="http://schemas.openxmlformats.org/markup-compatibility/2006">
+        <mc:Choice xmlns:a14="http://schemas.microsoft.com/office/drawing/2010/main" Requires="a14">
+          <p:sp>
+            <p:nvSpPr>
+              <p:cNvPr id="11" name="TextBox 10">
+                <a:extLst>
+                  <a:ext uri="{FF2B5EF4-FFF2-40B4-BE49-F238E27FC236}">
+                    <a16:creationId xmlns:a16="http://schemas.microsoft.com/office/drawing/2014/main" id="{6BFDC600-21A1-C684-085F-85BF212CED4B}"/>
+                  </a:ext>
+                </a:extLst>
+              </p:cNvPr>
+              <p:cNvSpPr txBox="1"/>
+              <p:nvPr/>
+            </p:nvSpPr>
+            <p:spPr>
+              <a:xfrm rot="16200000">
+                <a:off x="822240" y="4305458"/>
+                <a:ext cx="1429693" cy="646331"/>
+              </a:xfrm>
+              <a:prstGeom prst="rect">
+                <a:avLst/>
+              </a:prstGeom>
+              <a:noFill/>
+            </p:spPr>
+            <p:txBody>
+              <a:bodyPr wrap="square" rtlCol="0">
+                <a:spAutoFit/>
+              </a:bodyPr>
+              <a:lstStyle/>
+              <a:p>
+                <a:pPr algn="ctr"/>
+                <a:r>
+                  <a:rPr lang="en-US" dirty="0"/>
+                  <a:t>Rudder angle </a:t>
+                </a:r>
+                <a14:m>
+                  <m:oMath xmlns:m="http://schemas.openxmlformats.org/officeDocument/2006/math">
+                    <m:r>
+                      <a:rPr lang="en-US" b="0" i="1" smtClean="0">
+                        <a:latin typeface="Cambria Math" panose="02040503050406030204" pitchFamily="18" charset="0"/>
+                      </a:rPr>
+                      <m:t>[</m:t>
+                    </m:r>
+                    <m:r>
+                      <a:rPr lang="en-US" b="0" i="1" smtClean="0">
+                        <a:latin typeface="Cambria Math" panose="02040503050406030204" pitchFamily="18" charset="0"/>
+                      </a:rPr>
+                      <m:t>𝑑𝑒𝑔</m:t>
+                    </m:r>
+                    <m:r>
+                      <a:rPr lang="en-US" b="0" i="1" smtClean="0">
+                        <a:latin typeface="Cambria Math" panose="02040503050406030204" pitchFamily="18" charset="0"/>
+                      </a:rPr>
+                      <m:t>]</m:t>
+                    </m:r>
+                  </m:oMath>
+                </a14:m>
+                <a:endParaRPr lang="en-US" dirty="0"/>
+              </a:p>
+            </p:txBody>
+          </p:sp>
+        </mc:Choice>
+        <mc:Fallback>
+          <p:sp>
+            <p:nvSpPr>
+              <p:cNvPr id="11" name="TextBox 10">
+                <a:extLst>
+                  <a:ext uri="{FF2B5EF4-FFF2-40B4-BE49-F238E27FC236}">
+                    <a16:creationId xmlns:a16="http://schemas.microsoft.com/office/drawing/2014/main" id="{6BFDC600-21A1-C684-085F-85BF212CED4B}"/>
+                  </a:ext>
+                </a:extLst>
+              </p:cNvPr>
+              <p:cNvSpPr txBox="1">
+                <a:spLocks noRot="1" noChangeAspect="1" noMove="1" noResize="1" noEditPoints="1" noAdjustHandles="1" noChangeArrowheads="1" noChangeShapeType="1" noTextEdit="1"/>
+              </p:cNvSpPr>
+              <p:nvPr/>
+            </p:nvSpPr>
+            <p:spPr>
+              <a:xfrm rot="16200000">
+                <a:off x="822240" y="4305458"/>
+                <a:ext cx="1429693" cy="646331"/>
+              </a:xfrm>
+              <a:prstGeom prst="rect">
+                <a:avLst/>
+              </a:prstGeom>
+              <a:blipFill>
+                <a:blip r:embed="rId5"/>
+                <a:stretch>
+                  <a:fillRect l="-4717" t="-6383" r="-8491" b="-3404"/>
+                </a:stretch>
+              </a:blipFill>
+            </p:spPr>
+            <p:txBody>
+              <a:bodyPr/>
+              <a:lstStyle/>
+              <a:p>
+                <a:r>
+                  <a:rPr lang="en-US">
+                    <a:noFill/>
+                  </a:rPr>
+                  <a:t> </a:t>
+                </a:r>
+              </a:p>
+            </p:txBody>
+          </p:sp>
+        </mc:Fallback>
+      </mc:AlternateContent>
+      <mc:AlternateContent xmlns:mc="http://schemas.openxmlformats.org/markup-compatibility/2006">
+        <mc:Choice xmlns:a14="http://schemas.microsoft.com/office/drawing/2010/main" Requires="a14">
+          <p:sp>
+            <p:nvSpPr>
+              <p:cNvPr id="12" name="TextBox 11">
+                <a:extLst>
+                  <a:ext uri="{FF2B5EF4-FFF2-40B4-BE49-F238E27FC236}">
+                    <a16:creationId xmlns:a16="http://schemas.microsoft.com/office/drawing/2014/main" id="{6B7EF5DC-D258-F417-9EA9-03DC92FB6BA1}"/>
+                  </a:ext>
+                </a:extLst>
+              </p:cNvPr>
+              <p:cNvSpPr txBox="1"/>
+              <p:nvPr/>
+            </p:nvSpPr>
+            <p:spPr>
+              <a:xfrm rot="16200000">
+                <a:off x="641445" y="1906210"/>
+                <a:ext cx="1791282" cy="646331"/>
+              </a:xfrm>
+              <a:prstGeom prst="rect">
+                <a:avLst/>
+              </a:prstGeom>
+              <a:noFill/>
+            </p:spPr>
+            <p:txBody>
+              <a:bodyPr wrap="square" rtlCol="0">
+                <a:spAutoFit/>
+              </a:bodyPr>
+              <a:lstStyle/>
+              <a:p>
+                <a:pPr algn="ctr"/>
+                <a:r>
+                  <a:rPr lang="en-US" dirty="0"/>
+                  <a:t>Yaw rate </a:t>
+                </a:r>
+                <a14:m>
+                  <m:oMath xmlns:m="http://schemas.openxmlformats.org/officeDocument/2006/math">
+                    <m:r>
+                      <a:rPr lang="en-US" b="0" i="1" smtClean="0">
+                        <a:latin typeface="Cambria Math" panose="02040503050406030204" pitchFamily="18" charset="0"/>
+                      </a:rPr>
+                      <m:t>[</m:t>
+                    </m:r>
+                    <m:r>
+                      <a:rPr lang="en-US" b="0" i="1" smtClean="0">
+                        <a:latin typeface="Cambria Math" panose="02040503050406030204" pitchFamily="18" charset="0"/>
+                      </a:rPr>
+                      <m:t>𝑑𝑒𝑔</m:t>
+                    </m:r>
+                    <m:r>
+                      <m:rPr>
+                        <m:lit/>
+                      </m:rPr>
+                      <a:rPr lang="en-US" b="0" i="1" smtClean="0">
+                        <a:latin typeface="Cambria Math" panose="02040503050406030204" pitchFamily="18" charset="0"/>
+                      </a:rPr>
+                      <m:t>/</m:t>
+                    </m:r>
+                    <m:r>
+                      <a:rPr lang="en-US" b="0" i="1" smtClean="0">
+                        <a:latin typeface="Cambria Math" panose="02040503050406030204" pitchFamily="18" charset="0"/>
+                      </a:rPr>
+                      <m:t>𝑠𝑒𝑐</m:t>
+                    </m:r>
+                    <m:r>
+                      <a:rPr lang="en-US" b="0" i="1" smtClean="0">
+                        <a:latin typeface="Cambria Math" panose="02040503050406030204" pitchFamily="18" charset="0"/>
+                      </a:rPr>
+                      <m:t>]</m:t>
+                    </m:r>
+                  </m:oMath>
+                </a14:m>
+                <a:endParaRPr lang="en-US" dirty="0"/>
+              </a:p>
+            </p:txBody>
+          </p:sp>
+        </mc:Choice>
+        <mc:Fallback>
+          <p:sp>
+            <p:nvSpPr>
+              <p:cNvPr id="12" name="TextBox 11">
+                <a:extLst>
+                  <a:ext uri="{FF2B5EF4-FFF2-40B4-BE49-F238E27FC236}">
+                    <a16:creationId xmlns:a16="http://schemas.microsoft.com/office/drawing/2014/main" id="{6B7EF5DC-D258-F417-9EA9-03DC92FB6BA1}"/>
+                  </a:ext>
+                </a:extLst>
+              </p:cNvPr>
+              <p:cNvSpPr txBox="1">
+                <a:spLocks noRot="1" noChangeAspect="1" noMove="1" noResize="1" noEditPoints="1" noAdjustHandles="1" noChangeArrowheads="1" noChangeShapeType="1" noTextEdit="1"/>
+              </p:cNvSpPr>
+              <p:nvPr/>
+            </p:nvSpPr>
+            <p:spPr>
+              <a:xfrm rot="16200000">
+                <a:off x="641445" y="1906210"/>
+                <a:ext cx="1791282" cy="646331"/>
+              </a:xfrm>
+              <a:prstGeom prst="rect">
+                <a:avLst/>
+              </a:prstGeom>
+              <a:blipFill>
+                <a:blip r:embed="rId6"/>
+                <a:stretch>
+                  <a:fillRect l="-4717" r="-8491"/>
+                </a:stretch>
+              </a:blipFill>
+            </p:spPr>
+            <p:txBody>
+              <a:bodyPr/>
+              <a:lstStyle/>
+              <a:p>
+                <a:r>
+                  <a:rPr lang="en-US">
+                    <a:noFill/>
+                  </a:rPr>
+                  <a:t> </a:t>
+                </a:r>
+              </a:p>
+            </p:txBody>
+          </p:sp>
+        </mc:Fallback>
+      </mc:AlternateContent>
+      <p:pic>
+        <p:nvPicPr>
+          <p:cNvPr id="4" name="Picture 3">
+            <a:extLst>
+              <a:ext uri="{FF2B5EF4-FFF2-40B4-BE49-F238E27FC236}">
+                <a16:creationId xmlns:a16="http://schemas.microsoft.com/office/drawing/2014/main" id="{ABA1322F-0E47-B112-1B0A-9F1AF1B91A10}"/>
+              </a:ext>
+            </a:extLst>
+          </p:cNvPr>
+          <p:cNvPicPr>
+            <a:picLocks noChangeAspect="1"/>
+          </p:cNvPicPr>
+          <p:nvPr/>
+        </p:nvPicPr>
+        <p:blipFill>
+          <a:blip r:embed="rId7"/>
+          <a:stretch>
+            <a:fillRect/>
+          </a:stretch>
+        </p:blipFill>
+        <p:spPr>
+          <a:xfrm>
+            <a:off x="2047463" y="3429000"/>
+            <a:ext cx="7722702" cy="2395360"/>
+          </a:xfrm>
+          <a:prstGeom prst="rect">
+            <a:avLst/>
+          </a:prstGeom>
+        </p:spPr>
+      </p:pic>
+    </p:spTree>
+    <p:extLst>
+      <p:ext uri="{BB962C8B-B14F-4D97-AF65-F5344CB8AC3E}">
+        <p14:creationId xmlns:p14="http://schemas.microsoft.com/office/powerpoint/2010/main" val="3490340217"/>
       </p:ext>
     </p:extLst>
   </p:cSld>

--- a/TechnicalReport/Figures.pptx
+++ b/TechnicalReport/Figures.pptx
@@ -34,6 +34,7 @@
     <p:sldId id="282" r:id="rId28"/>
     <p:sldId id="284" r:id="rId29"/>
     <p:sldId id="286" r:id="rId30"/>
+    <p:sldId id="288" r:id="rId31"/>
   </p:sldIdLst>
   <p:sldSz cx="12192000" cy="6858000"/>
   <p:notesSz cx="6858000" cy="9144000"/>
@@ -26004,193 +26005,50 @@
           <a:chExt cx="0" cy="0"/>
         </a:xfrm>
       </p:grpSpPr>
-      <p:pic>
-        <p:nvPicPr>
-          <p:cNvPr id="2" name="Picture 1">
+      <p:sp>
+        <p:nvSpPr>
+          <p:cNvPr id="9" name="TextBox 8">
             <a:extLst>
               <a:ext uri="{FF2B5EF4-FFF2-40B4-BE49-F238E27FC236}">
-                <a16:creationId xmlns:a16="http://schemas.microsoft.com/office/drawing/2014/main" id="{FD87387B-AE03-344A-8F1B-DDB8A208C894}"/>
+                <a16:creationId xmlns:a16="http://schemas.microsoft.com/office/drawing/2014/main" id="{6970E818-857B-A047-F6FA-72EBDDCC6317}"/>
               </a:ext>
             </a:extLst>
           </p:cNvPr>
-          <p:cNvPicPr>
-            <a:picLocks noChangeAspect="1"/>
-          </p:cNvPicPr>
+          <p:cNvSpPr txBox="1"/>
           <p:nvPr/>
-        </p:nvPicPr>
-        <p:blipFill>
-          <a:blip r:embed="rId2"/>
-          <a:stretch>
-            <a:fillRect/>
-          </a:stretch>
-        </p:blipFill>
+        </p:nvSpPr>
         <p:spPr>
           <a:xfrm>
-            <a:off x="2047461" y="1033640"/>
-            <a:ext cx="7722704" cy="2395360"/>
+            <a:off x="2703609" y="477698"/>
+            <a:ext cx="6784782" cy="369332"/>
           </a:xfrm>
           <a:prstGeom prst="rect">
             <a:avLst/>
           </a:prstGeom>
+          <a:noFill/>
         </p:spPr>
-      </p:pic>
-      <mc:AlternateContent xmlns:mc="http://schemas.openxmlformats.org/markup-compatibility/2006">
-        <mc:Choice xmlns:a14="http://schemas.microsoft.com/office/drawing/2010/main" Requires="a14">
-          <p:sp>
-            <p:nvSpPr>
-              <p:cNvPr id="9" name="TextBox 8">
-                <a:extLst>
-                  <a:ext uri="{FF2B5EF4-FFF2-40B4-BE49-F238E27FC236}">
-                    <a16:creationId xmlns:a16="http://schemas.microsoft.com/office/drawing/2014/main" id="{6970E818-857B-A047-F6FA-72EBDDCC6317}"/>
-                  </a:ext>
-                </a:extLst>
-              </p:cNvPr>
-              <p:cNvSpPr txBox="1"/>
-              <p:nvPr/>
-            </p:nvSpPr>
-            <p:spPr>
-              <a:xfrm>
-                <a:off x="2703609" y="383420"/>
-                <a:ext cx="6784782" cy="646331"/>
-              </a:xfrm>
-              <a:prstGeom prst="rect">
-                <a:avLst/>
-              </a:prstGeom>
-              <a:noFill/>
-            </p:spPr>
-            <p:txBody>
-              <a:bodyPr wrap="square" rtlCol="0">
-                <a:spAutoFit/>
-              </a:bodyPr>
-              <a:lstStyle/>
-              <a:p>
-                <a:pPr algn="ctr"/>
-                <a:r>
-                  <a:rPr lang="en-US" dirty="0"/>
-                  <a:t>Time response to initial conditions </a:t>
-                </a:r>
-                <a14:m>
-                  <m:oMath xmlns:m="http://schemas.openxmlformats.org/officeDocument/2006/math">
-                    <m:sSub>
-                      <m:sSubPr>
-                        <m:ctrlPr>
-                          <a:rPr lang="en-US" b="0" i="1" smtClean="0">
-                            <a:latin typeface="Cambria Math" panose="02040503050406030204" pitchFamily="18" charset="0"/>
-                          </a:rPr>
-                        </m:ctrlPr>
-                      </m:sSubPr>
-                      <m:e>
-                        <m:r>
-                          <a:rPr lang="en-US" b="0" i="1" smtClean="0">
-                            <a:latin typeface="Cambria Math" panose="02040503050406030204" pitchFamily="18" charset="0"/>
-                          </a:rPr>
-                          <m:t>𝑞</m:t>
-                        </m:r>
-                      </m:e>
-                      <m:sub>
-                        <m:r>
-                          <a:rPr lang="en-US" b="0" i="1" smtClean="0">
-                            <a:latin typeface="Cambria Math" panose="02040503050406030204" pitchFamily="18" charset="0"/>
-                          </a:rPr>
-                          <m:t>0</m:t>
-                        </m:r>
-                      </m:sub>
-                    </m:sSub>
-                    <m:r>
-                      <a:rPr lang="en-US" b="0" i="1" smtClean="0">
-                        <a:latin typeface="Cambria Math" panose="02040503050406030204" pitchFamily="18" charset="0"/>
-                      </a:rPr>
-                      <m:t>=1 </m:t>
-                    </m:r>
-                    <m:d>
-                      <m:dPr>
-                        <m:begChr m:val="["/>
-                        <m:endChr m:val="]"/>
-                        <m:ctrlPr>
-                          <a:rPr lang="en-US" b="0" i="1" smtClean="0">
-                            <a:latin typeface="Cambria Math" panose="02040503050406030204" pitchFamily="18" charset="0"/>
-                          </a:rPr>
-                        </m:ctrlPr>
-                      </m:dPr>
-                      <m:e>
-                        <m:r>
-                          <a:rPr lang="en-US" b="0" i="1" smtClean="0">
-                            <a:latin typeface="Cambria Math" panose="02040503050406030204" pitchFamily="18" charset="0"/>
-                          </a:rPr>
-                          <m:t>𝑑𝑒𝑔</m:t>
-                        </m:r>
-                        <m:r>
-                          <m:rPr>
-                            <m:lit/>
-                          </m:rPr>
-                          <a:rPr lang="en-US" b="0" i="1" smtClean="0">
-                            <a:latin typeface="Cambria Math" panose="02040503050406030204" pitchFamily="18" charset="0"/>
-                          </a:rPr>
-                          <m:t>/</m:t>
-                        </m:r>
-                        <m:r>
-                          <a:rPr lang="en-US" b="0" i="1" smtClean="0">
-                            <a:latin typeface="Cambria Math" panose="02040503050406030204" pitchFamily="18" charset="0"/>
-                          </a:rPr>
-                          <m:t>𝑠𝑒𝑐</m:t>
-                        </m:r>
-                      </m:e>
-                    </m:d>
-                  </m:oMath>
-                </a14:m>
-                <a:r>
-                  <a:rPr lang="en-US" dirty="0"/>
-                  <a:t> for : The entire system, The short period system and The open loop system</a:t>
-                </a:r>
-              </a:p>
-            </p:txBody>
-          </p:sp>
-        </mc:Choice>
-        <mc:Fallback>
-          <p:sp>
-            <p:nvSpPr>
-              <p:cNvPr id="9" name="TextBox 8">
-                <a:extLst>
-                  <a:ext uri="{FF2B5EF4-FFF2-40B4-BE49-F238E27FC236}">
-                    <a16:creationId xmlns:a16="http://schemas.microsoft.com/office/drawing/2014/main" id="{6970E818-857B-A047-F6FA-72EBDDCC6317}"/>
-                  </a:ext>
-                </a:extLst>
-              </p:cNvPr>
-              <p:cNvSpPr txBox="1">
-                <a:spLocks noRot="1" noChangeAspect="1" noMove="1" noResize="1" noEditPoints="1" noAdjustHandles="1" noChangeArrowheads="1" noChangeShapeType="1" noTextEdit="1"/>
-              </p:cNvSpPr>
-              <p:nvPr/>
-            </p:nvSpPr>
-            <p:spPr>
-              <a:xfrm>
-                <a:off x="2703609" y="383420"/>
-                <a:ext cx="6784782" cy="646331"/>
-              </a:xfrm>
-              <a:prstGeom prst="rect">
-                <a:avLst/>
-              </a:prstGeom>
-              <a:blipFill>
-                <a:blip r:embed="rId3"/>
-                <a:stretch>
-                  <a:fillRect t="-5660" b="-14151"/>
-                </a:stretch>
-              </a:blipFill>
-            </p:spPr>
-            <p:txBody>
-              <a:bodyPr/>
-              <a:lstStyle/>
-              <a:p>
-                <a:r>
-                  <a:rPr lang="en-US">
-                    <a:noFill/>
-                  </a:rPr>
-                  <a:t> </a:t>
-                </a:r>
-              </a:p>
-            </p:txBody>
-          </p:sp>
-        </mc:Fallback>
-      </mc:AlternateContent>
+        <p:txBody>
+          <a:bodyPr wrap="square" rtlCol="0">
+            <a:spAutoFit/>
+          </a:bodyPr>
+          <a:lstStyle/>
+          <a:p>
+            <a:pPr algn="ctr"/>
+            <a:r>
+              <a:rPr lang="en-US" dirty="0"/>
+              <a:t>Time response</a:t>
+            </a:r>
+            <a:r>
+              <a:rPr lang="el-GR" dirty="0"/>
+              <a:t> </a:t>
+            </a:r>
+            <a:r>
+              <a:rPr lang="en-US" dirty="0"/>
+              <a:t>of Dutch roll dumper system.</a:t>
+            </a:r>
+          </a:p>
+        </p:txBody>
+      </p:sp>
       <mc:AlternateContent xmlns:mc="http://schemas.openxmlformats.org/markup-compatibility/2006">
         <mc:Choice xmlns:a14="http://schemas.microsoft.com/office/drawing/2010/main" Requires="a14">
           <p:sp>
@@ -26277,7 +26135,7 @@
                 <a:avLst/>
               </a:prstGeom>
               <a:blipFill>
-                <a:blip r:embed="rId4"/>
+                <a:blip r:embed="rId2"/>
                 <a:stretch>
                   <a:fillRect t="-8197" b="-24590"/>
                 </a:stretch>
@@ -26384,7 +26242,7 @@
                 <a:avLst/>
               </a:prstGeom>
               <a:blipFill>
-                <a:blip r:embed="rId5"/>
+                <a:blip r:embed="rId3"/>
                 <a:stretch>
                   <a:fillRect l="-4717" t="-6383" r="-8491" b="-3404"/>
                 </a:stretch>
@@ -26506,7 +26364,7 @@
                 <a:avLst/>
               </a:prstGeom>
               <a:blipFill>
-                <a:blip r:embed="rId6"/>
+                <a:blip r:embed="rId4"/>
                 <a:stretch>
                   <a:fillRect l="-4717" r="-8491"/>
                 </a:stretch>
@@ -26529,10 +26387,10 @@
       </mc:AlternateContent>
       <p:pic>
         <p:nvPicPr>
-          <p:cNvPr id="4" name="Picture 3">
+          <p:cNvPr id="13" name="Picture 12">
             <a:extLst>
               <a:ext uri="{FF2B5EF4-FFF2-40B4-BE49-F238E27FC236}">
-                <a16:creationId xmlns:a16="http://schemas.microsoft.com/office/drawing/2014/main" id="{ABA1322F-0E47-B112-1B0A-9F1AF1B91A10}"/>
+                <a16:creationId xmlns:a16="http://schemas.microsoft.com/office/drawing/2014/main" id="{0BFC5C4C-CFB4-69E3-2E6C-15A416858B43}"/>
               </a:ext>
             </a:extLst>
           </p:cNvPr>
@@ -26542,7 +26400,37 @@
           <p:nvPr/>
         </p:nvPicPr>
         <p:blipFill>
-          <a:blip r:embed="rId7"/>
+          <a:blip r:embed="rId5"/>
+          <a:stretch>
+            <a:fillRect/>
+          </a:stretch>
+        </p:blipFill>
+        <p:spPr>
+          <a:xfrm>
+            <a:off x="2047463" y="1033640"/>
+            <a:ext cx="7722702" cy="2395360"/>
+          </a:xfrm>
+          <a:prstGeom prst="rect">
+            <a:avLst/>
+          </a:prstGeom>
+        </p:spPr>
+      </p:pic>
+      <p:pic>
+        <p:nvPicPr>
+          <p:cNvPr id="15" name="Picture 14">
+            <a:extLst>
+              <a:ext uri="{FF2B5EF4-FFF2-40B4-BE49-F238E27FC236}">
+                <a16:creationId xmlns:a16="http://schemas.microsoft.com/office/drawing/2014/main" id="{C2C3716D-026C-4A02-5BE0-94278488EA6B}"/>
+              </a:ext>
+            </a:extLst>
+          </p:cNvPr>
+          <p:cNvPicPr>
+            <a:picLocks noChangeAspect="1"/>
+          </p:cNvPicPr>
+          <p:nvPr/>
+        </p:nvPicPr>
+        <p:blipFill>
+          <a:blip r:embed="rId6"/>
           <a:stretch>
             <a:fillRect/>
           </a:stretch>
@@ -28968,6 +28856,605 @@
     <p:extLst>
       <p:ext uri="{BB962C8B-B14F-4D97-AF65-F5344CB8AC3E}">
         <p14:creationId xmlns:p14="http://schemas.microsoft.com/office/powerpoint/2010/main" val="3804048318"/>
+      </p:ext>
+    </p:extLst>
+  </p:cSld>
+  <p:clrMapOvr>
+    <a:masterClrMapping/>
+  </p:clrMapOvr>
+</p:sld>
+</file>
+
+<file path=ppt/slides/slide30.xml><?xml version="1.0" encoding="utf-8"?>
+<p:sld xmlns:a="http://schemas.openxmlformats.org/drawingml/2006/main" xmlns:r="http://schemas.openxmlformats.org/officeDocument/2006/relationships" xmlns:p="http://schemas.openxmlformats.org/presentationml/2006/main">
+  <p:cSld>
+    <p:spTree>
+      <p:nvGrpSpPr>
+        <p:cNvPr id="1" name=""/>
+        <p:cNvGrpSpPr/>
+        <p:nvPr/>
+      </p:nvGrpSpPr>
+      <p:grpSpPr>
+        <a:xfrm>
+          <a:off x="0" y="0"/>
+          <a:ext cx="0" cy="0"/>
+          <a:chOff x="0" y="0"/>
+          <a:chExt cx="0" cy="0"/>
+        </a:xfrm>
+      </p:grpSpPr>
+      <p:sp>
+        <p:nvSpPr>
+          <p:cNvPr id="9" name="TextBox 8">
+            <a:extLst>
+              <a:ext uri="{FF2B5EF4-FFF2-40B4-BE49-F238E27FC236}">
+                <a16:creationId xmlns:a16="http://schemas.microsoft.com/office/drawing/2014/main" id="{6970E818-857B-A047-F6FA-72EBDDCC6317}"/>
+              </a:ext>
+            </a:extLst>
+          </p:cNvPr>
+          <p:cNvSpPr txBox="1"/>
+          <p:nvPr/>
+        </p:nvSpPr>
+        <p:spPr>
+          <a:xfrm>
+            <a:off x="2703609" y="-607627"/>
+            <a:ext cx="6784782" cy="646331"/>
+          </a:xfrm>
+          <a:prstGeom prst="rect">
+            <a:avLst/>
+          </a:prstGeom>
+          <a:noFill/>
+        </p:spPr>
+        <p:txBody>
+          <a:bodyPr wrap="square" rtlCol="0">
+            <a:spAutoFit/>
+          </a:bodyPr>
+          <a:lstStyle/>
+          <a:p>
+            <a:pPr algn="ctr"/>
+            <a:r>
+              <a:rPr lang="en-US" dirty="0"/>
+              <a:t>Controller with and without wash out filter at the feed back comparison</a:t>
+            </a:r>
+          </a:p>
+        </p:txBody>
+      </p:sp>
+      <mc:AlternateContent xmlns:mc="http://schemas.openxmlformats.org/markup-compatibility/2006">
+        <mc:Choice xmlns:a14="http://schemas.microsoft.com/office/drawing/2010/main" Requires="a14">
+          <p:sp>
+            <p:nvSpPr>
+              <p:cNvPr id="10" name="TextBox 9">
+                <a:extLst>
+                  <a:ext uri="{FF2B5EF4-FFF2-40B4-BE49-F238E27FC236}">
+                    <a16:creationId xmlns:a16="http://schemas.microsoft.com/office/drawing/2014/main" id="{1D354E80-21D4-C054-7E94-6C5E4EC44B14}"/>
+                  </a:ext>
+                </a:extLst>
+              </p:cNvPr>
+              <p:cNvSpPr txBox="1"/>
+              <p:nvPr/>
+            </p:nvSpPr>
+            <p:spPr>
+              <a:xfrm>
+                <a:off x="2703609" y="7316689"/>
+                <a:ext cx="6784782" cy="369332"/>
+              </a:xfrm>
+              <a:prstGeom prst="rect">
+                <a:avLst/>
+              </a:prstGeom>
+              <a:noFill/>
+            </p:spPr>
+            <p:txBody>
+              <a:bodyPr wrap="square" rtlCol="0">
+                <a:spAutoFit/>
+              </a:bodyPr>
+              <a:lstStyle/>
+              <a:p>
+                <a:pPr algn="ctr"/>
+                <a:r>
+                  <a:rPr lang="en-US" dirty="0"/>
+                  <a:t>Time </a:t>
+                </a:r>
+                <a14:m>
+                  <m:oMath xmlns:m="http://schemas.openxmlformats.org/officeDocument/2006/math">
+                    <m:r>
+                      <a:rPr lang="en-US" b="0" i="1" smtClean="0">
+                        <a:latin typeface="Cambria Math" panose="02040503050406030204" pitchFamily="18" charset="0"/>
+                      </a:rPr>
+                      <m:t>[</m:t>
+                    </m:r>
+                    <m:r>
+                      <a:rPr lang="en-US" b="0" i="1" smtClean="0">
+                        <a:latin typeface="Cambria Math" panose="02040503050406030204" pitchFamily="18" charset="0"/>
+                      </a:rPr>
+                      <m:t>𝑠𝑒𝑐</m:t>
+                    </m:r>
+                    <m:r>
+                      <a:rPr lang="en-US" b="0" i="1" smtClean="0">
+                        <a:latin typeface="Cambria Math" panose="02040503050406030204" pitchFamily="18" charset="0"/>
+                      </a:rPr>
+                      <m:t>]</m:t>
+                    </m:r>
+                  </m:oMath>
+                </a14:m>
+                <a:endParaRPr lang="en-US" dirty="0"/>
+              </a:p>
+            </p:txBody>
+          </p:sp>
+        </mc:Choice>
+        <mc:Fallback>
+          <p:sp>
+            <p:nvSpPr>
+              <p:cNvPr id="10" name="TextBox 9">
+                <a:extLst>
+                  <a:ext uri="{FF2B5EF4-FFF2-40B4-BE49-F238E27FC236}">
+                    <a16:creationId xmlns:a16="http://schemas.microsoft.com/office/drawing/2014/main" id="{1D354E80-21D4-C054-7E94-6C5E4EC44B14}"/>
+                  </a:ext>
+                </a:extLst>
+              </p:cNvPr>
+              <p:cNvSpPr txBox="1">
+                <a:spLocks noRot="1" noChangeAspect="1" noMove="1" noResize="1" noEditPoints="1" noAdjustHandles="1" noChangeArrowheads="1" noChangeShapeType="1" noTextEdit="1"/>
+              </p:cNvSpPr>
+              <p:nvPr/>
+            </p:nvSpPr>
+            <p:spPr>
+              <a:xfrm>
+                <a:off x="2703609" y="7316689"/>
+                <a:ext cx="6784782" cy="369332"/>
+              </a:xfrm>
+              <a:prstGeom prst="rect">
+                <a:avLst/>
+              </a:prstGeom>
+              <a:blipFill>
+                <a:blip r:embed="rId2"/>
+                <a:stretch>
+                  <a:fillRect t="-8197" b="-24590"/>
+                </a:stretch>
+              </a:blipFill>
+            </p:spPr>
+            <p:txBody>
+              <a:bodyPr/>
+              <a:lstStyle/>
+              <a:p>
+                <a:r>
+                  <a:rPr lang="en-US">
+                    <a:noFill/>
+                  </a:rPr>
+                  <a:t> </a:t>
+                </a:r>
+              </a:p>
+            </p:txBody>
+          </p:sp>
+        </mc:Fallback>
+      </mc:AlternateContent>
+      <mc:AlternateContent xmlns:mc="http://schemas.openxmlformats.org/markup-compatibility/2006">
+        <mc:Choice xmlns:a14="http://schemas.microsoft.com/office/drawing/2010/main" Requires="a14">
+          <p:sp>
+            <p:nvSpPr>
+              <p:cNvPr id="11" name="TextBox 10">
+                <a:extLst>
+                  <a:ext uri="{FF2B5EF4-FFF2-40B4-BE49-F238E27FC236}">
+                    <a16:creationId xmlns:a16="http://schemas.microsoft.com/office/drawing/2014/main" id="{6BFDC600-21A1-C684-085F-85BF212CED4B}"/>
+                  </a:ext>
+                </a:extLst>
+              </p:cNvPr>
+              <p:cNvSpPr txBox="1"/>
+              <p:nvPr/>
+            </p:nvSpPr>
+            <p:spPr>
+              <a:xfrm rot="16200000">
+                <a:off x="822240" y="3360578"/>
+                <a:ext cx="1429693" cy="646331"/>
+              </a:xfrm>
+              <a:prstGeom prst="rect">
+                <a:avLst/>
+              </a:prstGeom>
+              <a:noFill/>
+            </p:spPr>
+            <p:txBody>
+              <a:bodyPr wrap="square" rtlCol="0">
+                <a:spAutoFit/>
+              </a:bodyPr>
+              <a:lstStyle/>
+              <a:p>
+                <a:pPr algn="ctr"/>
+                <a:r>
+                  <a:rPr lang="en-US" dirty="0"/>
+                  <a:t>Rudder angle </a:t>
+                </a:r>
+                <a14:m>
+                  <m:oMath xmlns:m="http://schemas.openxmlformats.org/officeDocument/2006/math">
+                    <m:r>
+                      <a:rPr lang="en-US" b="0" i="1" smtClean="0">
+                        <a:latin typeface="Cambria Math" panose="02040503050406030204" pitchFamily="18" charset="0"/>
+                      </a:rPr>
+                      <m:t>[</m:t>
+                    </m:r>
+                    <m:r>
+                      <a:rPr lang="en-US" b="0" i="1" smtClean="0">
+                        <a:latin typeface="Cambria Math" panose="02040503050406030204" pitchFamily="18" charset="0"/>
+                      </a:rPr>
+                      <m:t>𝑑𝑒𝑔</m:t>
+                    </m:r>
+                    <m:r>
+                      <a:rPr lang="en-US" b="0" i="1" smtClean="0">
+                        <a:latin typeface="Cambria Math" panose="02040503050406030204" pitchFamily="18" charset="0"/>
+                      </a:rPr>
+                      <m:t>]</m:t>
+                    </m:r>
+                  </m:oMath>
+                </a14:m>
+                <a:endParaRPr lang="en-US" dirty="0"/>
+              </a:p>
+            </p:txBody>
+          </p:sp>
+        </mc:Choice>
+        <mc:Fallback>
+          <p:sp>
+            <p:nvSpPr>
+              <p:cNvPr id="11" name="TextBox 10">
+                <a:extLst>
+                  <a:ext uri="{FF2B5EF4-FFF2-40B4-BE49-F238E27FC236}">
+                    <a16:creationId xmlns:a16="http://schemas.microsoft.com/office/drawing/2014/main" id="{6BFDC600-21A1-C684-085F-85BF212CED4B}"/>
+                  </a:ext>
+                </a:extLst>
+              </p:cNvPr>
+              <p:cNvSpPr txBox="1">
+                <a:spLocks noRot="1" noChangeAspect="1" noMove="1" noResize="1" noEditPoints="1" noAdjustHandles="1" noChangeArrowheads="1" noChangeShapeType="1" noTextEdit="1"/>
+              </p:cNvSpPr>
+              <p:nvPr/>
+            </p:nvSpPr>
+            <p:spPr>
+              <a:xfrm rot="16200000">
+                <a:off x="822240" y="3360578"/>
+                <a:ext cx="1429693" cy="646331"/>
+              </a:xfrm>
+              <a:prstGeom prst="rect">
+                <a:avLst/>
+              </a:prstGeom>
+              <a:blipFill>
+                <a:blip r:embed="rId3"/>
+                <a:stretch>
+                  <a:fillRect l="-4717" t="-6383" r="-8491" b="-3404"/>
+                </a:stretch>
+              </a:blipFill>
+            </p:spPr>
+            <p:txBody>
+              <a:bodyPr/>
+              <a:lstStyle/>
+              <a:p>
+                <a:r>
+                  <a:rPr lang="en-US">
+                    <a:noFill/>
+                  </a:rPr>
+                  <a:t> </a:t>
+                </a:r>
+              </a:p>
+            </p:txBody>
+          </p:sp>
+        </mc:Fallback>
+      </mc:AlternateContent>
+      <mc:AlternateContent xmlns:mc="http://schemas.openxmlformats.org/markup-compatibility/2006">
+        <mc:Choice xmlns:a14="http://schemas.microsoft.com/office/drawing/2010/main" Requires="a14">
+          <p:sp>
+            <p:nvSpPr>
+              <p:cNvPr id="12" name="TextBox 11">
+                <a:extLst>
+                  <a:ext uri="{FF2B5EF4-FFF2-40B4-BE49-F238E27FC236}">
+                    <a16:creationId xmlns:a16="http://schemas.microsoft.com/office/drawing/2014/main" id="{6B7EF5DC-D258-F417-9EA9-03DC92FB6BA1}"/>
+                  </a:ext>
+                </a:extLst>
+              </p:cNvPr>
+              <p:cNvSpPr txBox="1"/>
+              <p:nvPr/>
+            </p:nvSpPr>
+            <p:spPr>
+              <a:xfrm rot="16200000">
+                <a:off x="641445" y="961329"/>
+                <a:ext cx="1791282" cy="646331"/>
+              </a:xfrm>
+              <a:prstGeom prst="rect">
+                <a:avLst/>
+              </a:prstGeom>
+              <a:noFill/>
+            </p:spPr>
+            <p:txBody>
+              <a:bodyPr wrap="square" rtlCol="0">
+                <a:spAutoFit/>
+              </a:bodyPr>
+              <a:lstStyle/>
+              <a:p>
+                <a:pPr algn="ctr"/>
+                <a:r>
+                  <a:rPr lang="en-US" dirty="0"/>
+                  <a:t>Lateral velocity </a:t>
+                </a:r>
+                <a14:m>
+                  <m:oMath xmlns:m="http://schemas.openxmlformats.org/officeDocument/2006/math">
+                    <m:r>
+                      <a:rPr lang="en-US" b="0" i="1" smtClean="0">
+                        <a:latin typeface="Cambria Math" panose="02040503050406030204" pitchFamily="18" charset="0"/>
+                      </a:rPr>
+                      <m:t>[</m:t>
+                    </m:r>
+                    <m:r>
+                      <a:rPr lang="en-US" b="0" i="1" smtClean="0">
+                        <a:latin typeface="Cambria Math" panose="02040503050406030204" pitchFamily="18" charset="0"/>
+                      </a:rPr>
+                      <m:t>𝑚</m:t>
+                    </m:r>
+                    <m:r>
+                      <m:rPr>
+                        <m:lit/>
+                      </m:rPr>
+                      <a:rPr lang="en-US" b="0" i="1" smtClean="0">
+                        <a:latin typeface="Cambria Math" panose="02040503050406030204" pitchFamily="18" charset="0"/>
+                      </a:rPr>
+                      <m:t>/</m:t>
+                    </m:r>
+                    <m:r>
+                      <a:rPr lang="en-US" b="0" i="1" smtClean="0">
+                        <a:latin typeface="Cambria Math" panose="02040503050406030204" pitchFamily="18" charset="0"/>
+                      </a:rPr>
+                      <m:t>𝑠</m:t>
+                    </m:r>
+                    <m:r>
+                      <a:rPr lang="en-US" b="0" i="1" smtClean="0">
+                        <a:latin typeface="Cambria Math" panose="02040503050406030204" pitchFamily="18" charset="0"/>
+                      </a:rPr>
+                      <m:t>]</m:t>
+                    </m:r>
+                  </m:oMath>
+                </a14:m>
+                <a:endParaRPr lang="en-US" dirty="0"/>
+              </a:p>
+            </p:txBody>
+          </p:sp>
+        </mc:Choice>
+        <mc:Fallback>
+          <p:sp>
+            <p:nvSpPr>
+              <p:cNvPr id="12" name="TextBox 11">
+                <a:extLst>
+                  <a:ext uri="{FF2B5EF4-FFF2-40B4-BE49-F238E27FC236}">
+                    <a16:creationId xmlns:a16="http://schemas.microsoft.com/office/drawing/2014/main" id="{6B7EF5DC-D258-F417-9EA9-03DC92FB6BA1}"/>
+                  </a:ext>
+                </a:extLst>
+              </p:cNvPr>
+              <p:cNvSpPr txBox="1">
+                <a:spLocks noRot="1" noChangeAspect="1" noMove="1" noResize="1" noEditPoints="1" noAdjustHandles="1" noChangeArrowheads="1" noChangeShapeType="1" noTextEdit="1"/>
+              </p:cNvSpPr>
+              <p:nvPr/>
+            </p:nvSpPr>
+            <p:spPr>
+              <a:xfrm rot="16200000">
+                <a:off x="641445" y="961329"/>
+                <a:ext cx="1791282" cy="646331"/>
+              </a:xfrm>
+              <a:prstGeom prst="rect">
+                <a:avLst/>
+              </a:prstGeom>
+              <a:blipFill>
+                <a:blip r:embed="rId4"/>
+                <a:stretch>
+                  <a:fillRect l="-4717" r="-8491"/>
+                </a:stretch>
+              </a:blipFill>
+            </p:spPr>
+            <p:txBody>
+              <a:bodyPr/>
+              <a:lstStyle/>
+              <a:p>
+                <a:r>
+                  <a:rPr lang="en-US">
+                    <a:noFill/>
+                  </a:rPr>
+                  <a:t> </a:t>
+                </a:r>
+              </a:p>
+            </p:txBody>
+          </p:sp>
+        </mc:Fallback>
+      </mc:AlternateContent>
+      <p:pic>
+        <p:nvPicPr>
+          <p:cNvPr id="5" name="Picture 4">
+            <a:extLst>
+              <a:ext uri="{FF2B5EF4-FFF2-40B4-BE49-F238E27FC236}">
+                <a16:creationId xmlns:a16="http://schemas.microsoft.com/office/drawing/2014/main" id="{7D9FE885-0E66-0790-6C87-307F1ED85FC8}"/>
+              </a:ext>
+            </a:extLst>
+          </p:cNvPr>
+          <p:cNvPicPr>
+            <a:picLocks noChangeAspect="1"/>
+          </p:cNvPicPr>
+          <p:nvPr/>
+        </p:nvPicPr>
+        <p:blipFill>
+          <a:blip r:embed="rId5"/>
+          <a:stretch>
+            <a:fillRect/>
+          </a:stretch>
+        </p:blipFill>
+        <p:spPr>
+          <a:xfrm>
+            <a:off x="2047463" y="84871"/>
+            <a:ext cx="7722703" cy="2395360"/>
+          </a:xfrm>
+          <a:prstGeom prst="rect">
+            <a:avLst/>
+          </a:prstGeom>
+        </p:spPr>
+      </p:pic>
+      <p:pic>
+        <p:nvPicPr>
+          <p:cNvPr id="7" name="Picture 6">
+            <a:extLst>
+              <a:ext uri="{FF2B5EF4-FFF2-40B4-BE49-F238E27FC236}">
+                <a16:creationId xmlns:a16="http://schemas.microsoft.com/office/drawing/2014/main" id="{0AEAEF47-FC75-0A7B-8B3C-22727414AB6A}"/>
+              </a:ext>
+            </a:extLst>
+          </p:cNvPr>
+          <p:cNvPicPr>
+            <a:picLocks noChangeAspect="1"/>
+          </p:cNvPicPr>
+          <p:nvPr/>
+        </p:nvPicPr>
+        <p:blipFill>
+          <a:blip r:embed="rId6"/>
+          <a:stretch>
+            <a:fillRect/>
+          </a:stretch>
+        </p:blipFill>
+        <p:spPr>
+          <a:xfrm>
+            <a:off x="2047463" y="2488010"/>
+            <a:ext cx="7722704" cy="2395360"/>
+          </a:xfrm>
+          <a:prstGeom prst="rect">
+            <a:avLst/>
+          </a:prstGeom>
+        </p:spPr>
+      </p:pic>
+      <p:pic>
+        <p:nvPicPr>
+          <p:cNvPr id="13" name="Picture 12">
+            <a:extLst>
+              <a:ext uri="{FF2B5EF4-FFF2-40B4-BE49-F238E27FC236}">
+                <a16:creationId xmlns:a16="http://schemas.microsoft.com/office/drawing/2014/main" id="{F2ACE2FD-7D5B-7F91-91AF-4085147A87F7}"/>
+              </a:ext>
+            </a:extLst>
+          </p:cNvPr>
+          <p:cNvPicPr>
+            <a:picLocks noChangeAspect="1"/>
+          </p:cNvPicPr>
+          <p:nvPr/>
+        </p:nvPicPr>
+        <p:blipFill>
+          <a:blip r:embed="rId7"/>
+          <a:stretch>
+            <a:fillRect/>
+          </a:stretch>
+        </p:blipFill>
+        <p:spPr>
+          <a:xfrm>
+            <a:off x="2047462" y="4883369"/>
+            <a:ext cx="7722704" cy="2395360"/>
+          </a:xfrm>
+          <a:prstGeom prst="rect">
+            <a:avLst/>
+          </a:prstGeom>
+        </p:spPr>
+      </p:pic>
+      <mc:AlternateContent xmlns:mc="http://schemas.openxmlformats.org/markup-compatibility/2006">
+        <mc:Choice xmlns:a14="http://schemas.microsoft.com/office/drawing/2010/main" Requires="a14">
+          <p:sp>
+            <p:nvSpPr>
+              <p:cNvPr id="18" name="TextBox 17">
+                <a:extLst>
+                  <a:ext uri="{FF2B5EF4-FFF2-40B4-BE49-F238E27FC236}">
+                    <a16:creationId xmlns:a16="http://schemas.microsoft.com/office/drawing/2014/main" id="{1C87F562-3165-2396-8E08-4740A1A51D41}"/>
+                  </a:ext>
+                </a:extLst>
+              </p:cNvPr>
+              <p:cNvSpPr txBox="1"/>
+              <p:nvPr/>
+            </p:nvSpPr>
+            <p:spPr>
+              <a:xfrm rot="16200000">
+                <a:off x="822240" y="5757883"/>
+                <a:ext cx="1429693" cy="646331"/>
+              </a:xfrm>
+              <a:prstGeom prst="rect">
+                <a:avLst/>
+              </a:prstGeom>
+              <a:noFill/>
+            </p:spPr>
+            <p:txBody>
+              <a:bodyPr wrap="square" rtlCol="0">
+                <a:spAutoFit/>
+              </a:bodyPr>
+              <a:lstStyle/>
+              <a:p>
+                <a:pPr algn="ctr"/>
+                <a:r>
+                  <a:rPr lang="en-US" dirty="0"/>
+                  <a:t>Rudder angle </a:t>
+                </a:r>
+                <a14:m>
+                  <m:oMath xmlns:m="http://schemas.openxmlformats.org/officeDocument/2006/math">
+                    <m:r>
+                      <a:rPr lang="en-US" b="0" i="1" smtClean="0">
+                        <a:latin typeface="Cambria Math" panose="02040503050406030204" pitchFamily="18" charset="0"/>
+                      </a:rPr>
+                      <m:t>[</m:t>
+                    </m:r>
+                    <m:r>
+                      <a:rPr lang="en-US" b="0" i="1" smtClean="0">
+                        <a:latin typeface="Cambria Math" panose="02040503050406030204" pitchFamily="18" charset="0"/>
+                      </a:rPr>
+                      <m:t>𝑑𝑒𝑔</m:t>
+                    </m:r>
+                    <m:r>
+                      <a:rPr lang="en-US" b="0" i="1" smtClean="0">
+                        <a:latin typeface="Cambria Math" panose="02040503050406030204" pitchFamily="18" charset="0"/>
+                      </a:rPr>
+                      <m:t>]</m:t>
+                    </m:r>
+                  </m:oMath>
+                </a14:m>
+                <a:endParaRPr lang="en-US" dirty="0"/>
+              </a:p>
+            </p:txBody>
+          </p:sp>
+        </mc:Choice>
+        <mc:Fallback>
+          <p:sp>
+            <p:nvSpPr>
+              <p:cNvPr id="18" name="TextBox 17">
+                <a:extLst>
+                  <a:ext uri="{FF2B5EF4-FFF2-40B4-BE49-F238E27FC236}">
+                    <a16:creationId xmlns:a16="http://schemas.microsoft.com/office/drawing/2014/main" id="{1C87F562-3165-2396-8E08-4740A1A51D41}"/>
+                  </a:ext>
+                </a:extLst>
+              </p:cNvPr>
+              <p:cNvSpPr txBox="1">
+                <a:spLocks noRot="1" noChangeAspect="1" noMove="1" noResize="1" noEditPoints="1" noAdjustHandles="1" noChangeArrowheads="1" noChangeShapeType="1" noTextEdit="1"/>
+              </p:cNvSpPr>
+              <p:nvPr/>
+            </p:nvSpPr>
+            <p:spPr>
+              <a:xfrm rot="16200000">
+                <a:off x="822240" y="5757883"/>
+                <a:ext cx="1429693" cy="646331"/>
+              </a:xfrm>
+              <a:prstGeom prst="rect">
+                <a:avLst/>
+              </a:prstGeom>
+              <a:blipFill>
+                <a:blip r:embed="rId8"/>
+                <a:stretch>
+                  <a:fillRect l="-4717" t="-6383" r="-8491" b="-3404"/>
+                </a:stretch>
+              </a:blipFill>
+            </p:spPr>
+            <p:txBody>
+              <a:bodyPr/>
+              <a:lstStyle/>
+              <a:p>
+                <a:r>
+                  <a:rPr lang="en-US">
+                    <a:noFill/>
+                  </a:rPr>
+                  <a:t> </a:t>
+                </a:r>
+              </a:p>
+            </p:txBody>
+          </p:sp>
+        </mc:Fallback>
+      </mc:AlternateContent>
+    </p:spTree>
+    <p:extLst>
+      <p:ext uri="{BB962C8B-B14F-4D97-AF65-F5344CB8AC3E}">
+        <p14:creationId xmlns:p14="http://schemas.microsoft.com/office/powerpoint/2010/main" val="295395356"/>
       </p:ext>
     </p:extLst>
   </p:cSld>

--- a/TechnicalReport/Figures.pptx
+++ b/TechnicalReport/Figures.pptx
@@ -35,6 +35,7 @@
     <p:sldId id="284" r:id="rId29"/>
     <p:sldId id="286" r:id="rId30"/>
     <p:sldId id="288" r:id="rId31"/>
+    <p:sldId id="289" r:id="rId32"/>
   </p:sldIdLst>
   <p:sldSz cx="12192000" cy="6858000"/>
   <p:notesSz cx="6858000" cy="9144000"/>
@@ -26005,446 +26006,467 @@
           <a:chExt cx="0" cy="0"/>
         </a:xfrm>
       </p:grpSpPr>
-      <p:sp>
-        <p:nvSpPr>
-          <p:cNvPr id="9" name="TextBox 8">
+      <p:grpSp>
+        <p:nvGrpSpPr>
+          <p:cNvPr id="16" name="Group 15">
             <a:extLst>
               <a:ext uri="{FF2B5EF4-FFF2-40B4-BE49-F238E27FC236}">
-                <a16:creationId xmlns:a16="http://schemas.microsoft.com/office/drawing/2014/main" id="{6970E818-857B-A047-F6FA-72EBDDCC6317}"/>
+                <a16:creationId xmlns:a16="http://schemas.microsoft.com/office/drawing/2014/main" id="{7FE42CE9-7423-6C6F-2B57-E2A9D12D645F}"/>
               </a:ext>
             </a:extLst>
           </p:cNvPr>
-          <p:cNvSpPr txBox="1"/>
+          <p:cNvGrpSpPr/>
           <p:nvPr/>
-        </p:nvSpPr>
-        <p:spPr>
+        </p:nvGrpSpPr>
+        <p:grpSpPr>
           <a:xfrm>
-            <a:off x="2703609" y="477698"/>
-            <a:ext cx="6784782" cy="369332"/>
+            <a:off x="1213920" y="599618"/>
+            <a:ext cx="8556245" cy="5597963"/>
+            <a:chOff x="1213920" y="599618"/>
+            <a:chExt cx="8556245" cy="5597963"/>
           </a:xfrm>
-          <a:prstGeom prst="rect">
-            <a:avLst/>
-          </a:prstGeom>
-          <a:noFill/>
-        </p:spPr>
-        <p:txBody>
-          <a:bodyPr wrap="square" rtlCol="0">
-            <a:spAutoFit/>
-          </a:bodyPr>
-          <a:lstStyle/>
-          <a:p>
-            <a:pPr algn="ctr"/>
-            <a:r>
-              <a:rPr lang="en-US" dirty="0"/>
-              <a:t>Time response</a:t>
-            </a:r>
-            <a:r>
-              <a:rPr lang="el-GR" dirty="0"/>
-              <a:t> </a:t>
-            </a:r>
-            <a:r>
-              <a:rPr lang="en-US" dirty="0"/>
-              <a:t>of Dutch roll dumper system.</a:t>
-            </a:r>
-          </a:p>
-        </p:txBody>
-      </p:sp>
-      <mc:AlternateContent xmlns:mc="http://schemas.openxmlformats.org/markup-compatibility/2006">
-        <mc:Choice xmlns:a14="http://schemas.microsoft.com/office/drawing/2010/main" Requires="a14">
-          <p:sp>
-            <p:nvSpPr>
-              <p:cNvPr id="10" name="TextBox 9">
-                <a:extLst>
-                  <a:ext uri="{FF2B5EF4-FFF2-40B4-BE49-F238E27FC236}">
-                    <a16:creationId xmlns:a16="http://schemas.microsoft.com/office/drawing/2014/main" id="{1D354E80-21D4-C054-7E94-6C5E4EC44B14}"/>
-                  </a:ext>
-                </a:extLst>
-              </p:cNvPr>
-              <p:cNvSpPr txBox="1"/>
-              <p:nvPr/>
-            </p:nvSpPr>
-            <p:spPr>
-              <a:xfrm>
-                <a:off x="2703609" y="5828249"/>
-                <a:ext cx="6784782" cy="369332"/>
-              </a:xfrm>
-              <a:prstGeom prst="rect">
-                <a:avLst/>
-              </a:prstGeom>
-              <a:noFill/>
-            </p:spPr>
-            <p:txBody>
-              <a:bodyPr wrap="square" rtlCol="0">
-                <a:spAutoFit/>
-              </a:bodyPr>
-              <a:lstStyle/>
-              <a:p>
-                <a:pPr algn="ctr"/>
-                <a:r>
-                  <a:rPr lang="en-US" dirty="0"/>
-                  <a:t>Time </a:t>
-                </a:r>
-                <a14:m>
-                  <m:oMath xmlns:m="http://schemas.openxmlformats.org/officeDocument/2006/math">
-                    <m:r>
-                      <a:rPr lang="en-US" b="0" i="1" smtClean="0">
-                        <a:latin typeface="Cambria Math" panose="02040503050406030204" pitchFamily="18" charset="0"/>
-                      </a:rPr>
-                      <m:t>[</m:t>
-                    </m:r>
-                    <m:r>
-                      <a:rPr lang="en-US" b="0" i="1" smtClean="0">
-                        <a:latin typeface="Cambria Math" panose="02040503050406030204" pitchFamily="18" charset="0"/>
-                      </a:rPr>
-                      <m:t>𝑠𝑒𝑐</m:t>
-                    </m:r>
-                    <m:r>
-                      <a:rPr lang="en-US" b="0" i="1" smtClean="0">
-                        <a:latin typeface="Cambria Math" panose="02040503050406030204" pitchFamily="18" charset="0"/>
-                      </a:rPr>
-                      <m:t>]</m:t>
-                    </m:r>
-                  </m:oMath>
-                </a14:m>
-                <a:endParaRPr lang="en-US" dirty="0"/>
-              </a:p>
-            </p:txBody>
-          </p:sp>
-        </mc:Choice>
-        <mc:Fallback>
-          <p:sp>
-            <p:nvSpPr>
-              <p:cNvPr id="10" name="TextBox 9">
-                <a:extLst>
-                  <a:ext uri="{FF2B5EF4-FFF2-40B4-BE49-F238E27FC236}">
-                    <a16:creationId xmlns:a16="http://schemas.microsoft.com/office/drawing/2014/main" id="{1D354E80-21D4-C054-7E94-6C5E4EC44B14}"/>
-                  </a:ext>
-                </a:extLst>
-              </p:cNvPr>
-              <p:cNvSpPr txBox="1">
-                <a:spLocks noRot="1" noChangeAspect="1" noMove="1" noResize="1" noEditPoints="1" noAdjustHandles="1" noChangeArrowheads="1" noChangeShapeType="1" noTextEdit="1"/>
-              </p:cNvSpPr>
-              <p:nvPr/>
-            </p:nvSpPr>
-            <p:spPr>
-              <a:xfrm>
-                <a:off x="2703609" y="5828249"/>
-                <a:ext cx="6784782" cy="369332"/>
-              </a:xfrm>
-              <a:prstGeom prst="rect">
-                <a:avLst/>
-              </a:prstGeom>
-              <a:blipFill>
-                <a:blip r:embed="rId2"/>
-                <a:stretch>
-                  <a:fillRect t="-8197" b="-24590"/>
-                </a:stretch>
-              </a:blipFill>
-            </p:spPr>
-            <p:txBody>
-              <a:bodyPr/>
-              <a:lstStyle/>
-              <a:p>
-                <a:r>
-                  <a:rPr lang="en-US">
-                    <a:noFill/>
-                  </a:rPr>
-                  <a:t> </a:t>
-                </a:r>
-              </a:p>
-            </p:txBody>
-          </p:sp>
-        </mc:Fallback>
-      </mc:AlternateContent>
-      <mc:AlternateContent xmlns:mc="http://schemas.openxmlformats.org/markup-compatibility/2006">
-        <mc:Choice xmlns:a14="http://schemas.microsoft.com/office/drawing/2010/main" Requires="a14">
-          <p:sp>
-            <p:nvSpPr>
-              <p:cNvPr id="11" name="TextBox 10">
-                <a:extLst>
-                  <a:ext uri="{FF2B5EF4-FFF2-40B4-BE49-F238E27FC236}">
-                    <a16:creationId xmlns:a16="http://schemas.microsoft.com/office/drawing/2014/main" id="{6BFDC600-21A1-C684-085F-85BF212CED4B}"/>
-                  </a:ext>
-                </a:extLst>
-              </p:cNvPr>
-              <p:cNvSpPr txBox="1"/>
-              <p:nvPr/>
-            </p:nvSpPr>
-            <p:spPr>
-              <a:xfrm rot="16200000">
-                <a:off x="822240" y="4305458"/>
-                <a:ext cx="1429693" cy="646331"/>
-              </a:xfrm>
-              <a:prstGeom prst="rect">
-                <a:avLst/>
-              </a:prstGeom>
-              <a:noFill/>
-            </p:spPr>
-            <p:txBody>
-              <a:bodyPr wrap="square" rtlCol="0">
-                <a:spAutoFit/>
-              </a:bodyPr>
-              <a:lstStyle/>
-              <a:p>
-                <a:pPr algn="ctr"/>
-                <a:r>
-                  <a:rPr lang="en-US" dirty="0"/>
-                  <a:t>Rudder angle </a:t>
-                </a:r>
-                <a14:m>
-                  <m:oMath xmlns:m="http://schemas.openxmlformats.org/officeDocument/2006/math">
-                    <m:r>
-                      <a:rPr lang="en-US" b="0" i="1" smtClean="0">
-                        <a:latin typeface="Cambria Math" panose="02040503050406030204" pitchFamily="18" charset="0"/>
-                      </a:rPr>
-                      <m:t>[</m:t>
-                    </m:r>
-                    <m:r>
-                      <a:rPr lang="en-US" b="0" i="1" smtClean="0">
-                        <a:latin typeface="Cambria Math" panose="02040503050406030204" pitchFamily="18" charset="0"/>
-                      </a:rPr>
-                      <m:t>𝑑𝑒𝑔</m:t>
-                    </m:r>
-                    <m:r>
-                      <a:rPr lang="en-US" b="0" i="1" smtClean="0">
-                        <a:latin typeface="Cambria Math" panose="02040503050406030204" pitchFamily="18" charset="0"/>
-                      </a:rPr>
-                      <m:t>]</m:t>
-                    </m:r>
-                  </m:oMath>
-                </a14:m>
-                <a:endParaRPr lang="en-US" dirty="0"/>
-              </a:p>
-            </p:txBody>
-          </p:sp>
-        </mc:Choice>
-        <mc:Fallback>
-          <p:sp>
-            <p:nvSpPr>
-              <p:cNvPr id="11" name="TextBox 10">
-                <a:extLst>
-                  <a:ext uri="{FF2B5EF4-FFF2-40B4-BE49-F238E27FC236}">
-                    <a16:creationId xmlns:a16="http://schemas.microsoft.com/office/drawing/2014/main" id="{6BFDC600-21A1-C684-085F-85BF212CED4B}"/>
-                  </a:ext>
-                </a:extLst>
-              </p:cNvPr>
-              <p:cNvSpPr txBox="1">
-                <a:spLocks noRot="1" noChangeAspect="1" noMove="1" noResize="1" noEditPoints="1" noAdjustHandles="1" noChangeArrowheads="1" noChangeShapeType="1" noTextEdit="1"/>
-              </p:cNvSpPr>
-              <p:nvPr/>
-            </p:nvSpPr>
-            <p:spPr>
-              <a:xfrm rot="16200000">
-                <a:off x="822240" y="4305458"/>
-                <a:ext cx="1429693" cy="646331"/>
-              </a:xfrm>
-              <a:prstGeom prst="rect">
-                <a:avLst/>
-              </a:prstGeom>
-              <a:blipFill>
-                <a:blip r:embed="rId3"/>
-                <a:stretch>
-                  <a:fillRect l="-4717" t="-6383" r="-8491" b="-3404"/>
-                </a:stretch>
-              </a:blipFill>
-            </p:spPr>
-            <p:txBody>
-              <a:bodyPr/>
-              <a:lstStyle/>
-              <a:p>
-                <a:r>
-                  <a:rPr lang="en-US">
-                    <a:noFill/>
-                  </a:rPr>
-                  <a:t> </a:t>
-                </a:r>
-              </a:p>
-            </p:txBody>
-          </p:sp>
-        </mc:Fallback>
-      </mc:AlternateContent>
-      <mc:AlternateContent xmlns:mc="http://schemas.openxmlformats.org/markup-compatibility/2006">
-        <mc:Choice xmlns:a14="http://schemas.microsoft.com/office/drawing/2010/main" Requires="a14">
-          <p:sp>
-            <p:nvSpPr>
-              <p:cNvPr id="12" name="TextBox 11">
-                <a:extLst>
-                  <a:ext uri="{FF2B5EF4-FFF2-40B4-BE49-F238E27FC236}">
-                    <a16:creationId xmlns:a16="http://schemas.microsoft.com/office/drawing/2014/main" id="{6B7EF5DC-D258-F417-9EA9-03DC92FB6BA1}"/>
-                  </a:ext>
-                </a:extLst>
-              </p:cNvPr>
-              <p:cNvSpPr txBox="1"/>
-              <p:nvPr/>
-            </p:nvSpPr>
-            <p:spPr>
-              <a:xfrm rot="16200000">
-                <a:off x="641445" y="1906210"/>
-                <a:ext cx="1791282" cy="646331"/>
-              </a:xfrm>
-              <a:prstGeom prst="rect">
-                <a:avLst/>
-              </a:prstGeom>
-              <a:noFill/>
-            </p:spPr>
-            <p:txBody>
-              <a:bodyPr wrap="square" rtlCol="0">
-                <a:spAutoFit/>
-              </a:bodyPr>
-              <a:lstStyle/>
-              <a:p>
-                <a:pPr algn="ctr"/>
-                <a:r>
-                  <a:rPr lang="en-US" dirty="0"/>
-                  <a:t>Yaw rate </a:t>
-                </a:r>
-                <a14:m>
-                  <m:oMath xmlns:m="http://schemas.openxmlformats.org/officeDocument/2006/math">
-                    <m:r>
-                      <a:rPr lang="en-US" b="0" i="1" smtClean="0">
-                        <a:latin typeface="Cambria Math" panose="02040503050406030204" pitchFamily="18" charset="0"/>
-                      </a:rPr>
-                      <m:t>[</m:t>
-                    </m:r>
-                    <m:r>
-                      <a:rPr lang="en-US" b="0" i="1" smtClean="0">
-                        <a:latin typeface="Cambria Math" panose="02040503050406030204" pitchFamily="18" charset="0"/>
-                      </a:rPr>
-                      <m:t>𝑑𝑒𝑔</m:t>
-                    </m:r>
-                    <m:r>
-                      <m:rPr>
-                        <m:lit/>
-                      </m:rPr>
-                      <a:rPr lang="en-US" b="0" i="1" smtClean="0">
-                        <a:latin typeface="Cambria Math" panose="02040503050406030204" pitchFamily="18" charset="0"/>
-                      </a:rPr>
-                      <m:t>/</m:t>
-                    </m:r>
-                    <m:r>
-                      <a:rPr lang="en-US" b="0" i="1" smtClean="0">
-                        <a:latin typeface="Cambria Math" panose="02040503050406030204" pitchFamily="18" charset="0"/>
-                      </a:rPr>
-                      <m:t>𝑠𝑒𝑐</m:t>
-                    </m:r>
-                    <m:r>
-                      <a:rPr lang="en-US" b="0" i="1" smtClean="0">
-                        <a:latin typeface="Cambria Math" panose="02040503050406030204" pitchFamily="18" charset="0"/>
-                      </a:rPr>
-                      <m:t>]</m:t>
-                    </m:r>
-                  </m:oMath>
-                </a14:m>
-                <a:endParaRPr lang="en-US" dirty="0"/>
-              </a:p>
-            </p:txBody>
-          </p:sp>
-        </mc:Choice>
-        <mc:Fallback>
-          <p:sp>
-            <p:nvSpPr>
-              <p:cNvPr id="12" name="TextBox 11">
-                <a:extLst>
-                  <a:ext uri="{FF2B5EF4-FFF2-40B4-BE49-F238E27FC236}">
-                    <a16:creationId xmlns:a16="http://schemas.microsoft.com/office/drawing/2014/main" id="{6B7EF5DC-D258-F417-9EA9-03DC92FB6BA1}"/>
-                  </a:ext>
-                </a:extLst>
-              </p:cNvPr>
-              <p:cNvSpPr txBox="1">
-                <a:spLocks noRot="1" noChangeAspect="1" noMove="1" noResize="1" noEditPoints="1" noAdjustHandles="1" noChangeArrowheads="1" noChangeShapeType="1" noTextEdit="1"/>
-              </p:cNvSpPr>
-              <p:nvPr/>
-            </p:nvSpPr>
-            <p:spPr>
-              <a:xfrm rot="16200000">
-                <a:off x="641445" y="1906210"/>
-                <a:ext cx="1791282" cy="646331"/>
-              </a:xfrm>
-              <a:prstGeom prst="rect">
-                <a:avLst/>
-              </a:prstGeom>
-              <a:blipFill>
-                <a:blip r:embed="rId4"/>
-                <a:stretch>
-                  <a:fillRect l="-4717" r="-8491"/>
-                </a:stretch>
-              </a:blipFill>
-            </p:spPr>
-            <p:txBody>
-              <a:bodyPr/>
-              <a:lstStyle/>
-              <a:p>
-                <a:r>
-                  <a:rPr lang="en-US">
-                    <a:noFill/>
-                  </a:rPr>
-                  <a:t> </a:t>
-                </a:r>
-              </a:p>
-            </p:txBody>
-          </p:sp>
-        </mc:Fallback>
-      </mc:AlternateContent>
-      <p:pic>
-        <p:nvPicPr>
-          <p:cNvPr id="13" name="Picture 12">
-            <a:extLst>
-              <a:ext uri="{FF2B5EF4-FFF2-40B4-BE49-F238E27FC236}">
-                <a16:creationId xmlns:a16="http://schemas.microsoft.com/office/drawing/2014/main" id="{0BFC5C4C-CFB4-69E3-2E6C-15A416858B43}"/>
-              </a:ext>
-            </a:extLst>
-          </p:cNvPr>
-          <p:cNvPicPr>
-            <a:picLocks noChangeAspect="1"/>
-          </p:cNvPicPr>
-          <p:nvPr/>
-        </p:nvPicPr>
-        <p:blipFill>
-          <a:blip r:embed="rId5"/>
-          <a:stretch>
-            <a:fillRect/>
-          </a:stretch>
-        </p:blipFill>
-        <p:spPr>
-          <a:xfrm>
-            <a:off x="2047463" y="1033640"/>
-            <a:ext cx="7722702" cy="2395360"/>
-          </a:xfrm>
-          <a:prstGeom prst="rect">
-            <a:avLst/>
-          </a:prstGeom>
-        </p:spPr>
-      </p:pic>
-      <p:pic>
-        <p:nvPicPr>
-          <p:cNvPr id="15" name="Picture 14">
-            <a:extLst>
-              <a:ext uri="{FF2B5EF4-FFF2-40B4-BE49-F238E27FC236}">
-                <a16:creationId xmlns:a16="http://schemas.microsoft.com/office/drawing/2014/main" id="{C2C3716D-026C-4A02-5BE0-94278488EA6B}"/>
-              </a:ext>
-            </a:extLst>
-          </p:cNvPr>
-          <p:cNvPicPr>
-            <a:picLocks noChangeAspect="1"/>
-          </p:cNvPicPr>
-          <p:nvPr/>
-        </p:nvPicPr>
-        <p:blipFill>
-          <a:blip r:embed="rId6"/>
-          <a:stretch>
-            <a:fillRect/>
-          </a:stretch>
-        </p:blipFill>
-        <p:spPr>
-          <a:xfrm>
-            <a:off x="2047463" y="3429000"/>
-            <a:ext cx="7722702" cy="2395360"/>
-          </a:xfrm>
-          <a:prstGeom prst="rect">
-            <a:avLst/>
-          </a:prstGeom>
-        </p:spPr>
-      </p:pic>
+        </p:grpSpPr>
+        <p:sp>
+          <p:nvSpPr>
+            <p:cNvPr id="9" name="TextBox 8">
+              <a:extLst>
+                <a:ext uri="{FF2B5EF4-FFF2-40B4-BE49-F238E27FC236}">
+                  <a16:creationId xmlns:a16="http://schemas.microsoft.com/office/drawing/2014/main" id="{6970E818-857B-A047-F6FA-72EBDDCC6317}"/>
+                </a:ext>
+              </a:extLst>
+            </p:cNvPr>
+            <p:cNvSpPr txBox="1"/>
+            <p:nvPr/>
+          </p:nvSpPr>
+          <p:spPr>
+            <a:xfrm>
+              <a:off x="2703609" y="599618"/>
+              <a:ext cx="6784782" cy="369332"/>
+            </a:xfrm>
+            <a:prstGeom prst="rect">
+              <a:avLst/>
+            </a:prstGeom>
+            <a:noFill/>
+          </p:spPr>
+          <p:txBody>
+            <a:bodyPr wrap="square" rtlCol="0">
+              <a:spAutoFit/>
+            </a:bodyPr>
+            <a:lstStyle/>
+            <a:p>
+              <a:pPr algn="ctr"/>
+              <a:r>
+                <a:rPr lang="en-US" dirty="0"/>
+                <a:t>Time response</a:t>
+              </a:r>
+              <a:r>
+                <a:rPr lang="el-GR" dirty="0"/>
+                <a:t> </a:t>
+              </a:r>
+              <a:r>
+                <a:rPr lang="en-US" dirty="0"/>
+                <a:t>of Dutch roll dumper system.</a:t>
+              </a:r>
+            </a:p>
+          </p:txBody>
+        </p:sp>
+        <mc:AlternateContent xmlns:mc="http://schemas.openxmlformats.org/markup-compatibility/2006">
+          <mc:Choice xmlns:a14="http://schemas.microsoft.com/office/drawing/2010/main" Requires="a14">
+            <p:sp>
+              <p:nvSpPr>
+                <p:cNvPr id="10" name="TextBox 9">
+                  <a:extLst>
+                    <a:ext uri="{FF2B5EF4-FFF2-40B4-BE49-F238E27FC236}">
+                      <a16:creationId xmlns:a16="http://schemas.microsoft.com/office/drawing/2014/main" id="{1D354E80-21D4-C054-7E94-6C5E4EC44B14}"/>
+                    </a:ext>
+                  </a:extLst>
+                </p:cNvPr>
+                <p:cNvSpPr txBox="1"/>
+                <p:nvPr/>
+              </p:nvSpPr>
+              <p:spPr>
+                <a:xfrm>
+                  <a:off x="2703609" y="5828249"/>
+                  <a:ext cx="6784782" cy="369332"/>
+                </a:xfrm>
+                <a:prstGeom prst="rect">
+                  <a:avLst/>
+                </a:prstGeom>
+                <a:noFill/>
+              </p:spPr>
+              <p:txBody>
+                <a:bodyPr wrap="square" rtlCol="0">
+                  <a:spAutoFit/>
+                </a:bodyPr>
+                <a:lstStyle/>
+                <a:p>
+                  <a:pPr algn="ctr"/>
+                  <a:r>
+                    <a:rPr lang="en-US" dirty="0"/>
+                    <a:t>Time </a:t>
+                  </a:r>
+                  <a14:m>
+                    <m:oMath xmlns:m="http://schemas.openxmlformats.org/officeDocument/2006/math">
+                      <m:r>
+                        <a:rPr lang="en-US" b="0" i="1" smtClean="0">
+                          <a:latin typeface="Cambria Math" panose="02040503050406030204" pitchFamily="18" charset="0"/>
+                        </a:rPr>
+                        <m:t>[</m:t>
+                      </m:r>
+                      <m:r>
+                        <a:rPr lang="en-US" b="0" i="1" smtClean="0">
+                          <a:latin typeface="Cambria Math" panose="02040503050406030204" pitchFamily="18" charset="0"/>
+                        </a:rPr>
+                        <m:t>𝑠𝑒𝑐</m:t>
+                      </m:r>
+                      <m:r>
+                        <a:rPr lang="en-US" b="0" i="1" smtClean="0">
+                          <a:latin typeface="Cambria Math" panose="02040503050406030204" pitchFamily="18" charset="0"/>
+                        </a:rPr>
+                        <m:t>]</m:t>
+                      </m:r>
+                    </m:oMath>
+                  </a14:m>
+                  <a:endParaRPr lang="en-US" dirty="0"/>
+                </a:p>
+              </p:txBody>
+            </p:sp>
+          </mc:Choice>
+          <mc:Fallback>
+            <p:sp>
+              <p:nvSpPr>
+                <p:cNvPr id="10" name="TextBox 9">
+                  <a:extLst>
+                    <a:ext uri="{FF2B5EF4-FFF2-40B4-BE49-F238E27FC236}">
+                      <a16:creationId xmlns:a16="http://schemas.microsoft.com/office/drawing/2014/main" id="{1D354E80-21D4-C054-7E94-6C5E4EC44B14}"/>
+                    </a:ext>
+                  </a:extLst>
+                </p:cNvPr>
+                <p:cNvSpPr txBox="1">
+                  <a:spLocks noRot="1" noChangeAspect="1" noMove="1" noResize="1" noEditPoints="1" noAdjustHandles="1" noChangeArrowheads="1" noChangeShapeType="1" noTextEdit="1"/>
+                </p:cNvSpPr>
+                <p:nvPr/>
+              </p:nvSpPr>
+              <p:spPr>
+                <a:xfrm>
+                  <a:off x="2703609" y="5828249"/>
+                  <a:ext cx="6784782" cy="369332"/>
+                </a:xfrm>
+                <a:prstGeom prst="rect">
+                  <a:avLst/>
+                </a:prstGeom>
+                <a:blipFill>
+                  <a:blip r:embed="rId2"/>
+                  <a:stretch>
+                    <a:fillRect t="-8197" b="-24590"/>
+                  </a:stretch>
+                </a:blipFill>
+              </p:spPr>
+              <p:txBody>
+                <a:bodyPr/>
+                <a:lstStyle/>
+                <a:p>
+                  <a:r>
+                    <a:rPr lang="en-US">
+                      <a:noFill/>
+                    </a:rPr>
+                    <a:t> </a:t>
+                  </a:r>
+                </a:p>
+              </p:txBody>
+            </p:sp>
+          </mc:Fallback>
+        </mc:AlternateContent>
+        <mc:AlternateContent xmlns:mc="http://schemas.openxmlformats.org/markup-compatibility/2006">
+          <mc:Choice xmlns:a14="http://schemas.microsoft.com/office/drawing/2010/main" Requires="a14">
+            <p:sp>
+              <p:nvSpPr>
+                <p:cNvPr id="11" name="TextBox 10">
+                  <a:extLst>
+                    <a:ext uri="{FF2B5EF4-FFF2-40B4-BE49-F238E27FC236}">
+                      <a16:creationId xmlns:a16="http://schemas.microsoft.com/office/drawing/2014/main" id="{6BFDC600-21A1-C684-085F-85BF212CED4B}"/>
+                    </a:ext>
+                  </a:extLst>
+                </p:cNvPr>
+                <p:cNvSpPr txBox="1"/>
+                <p:nvPr/>
+              </p:nvSpPr>
+              <p:spPr>
+                <a:xfrm rot="16200000">
+                  <a:off x="822240" y="4305458"/>
+                  <a:ext cx="1429693" cy="646331"/>
+                </a:xfrm>
+                <a:prstGeom prst="rect">
+                  <a:avLst/>
+                </a:prstGeom>
+                <a:noFill/>
+              </p:spPr>
+              <p:txBody>
+                <a:bodyPr wrap="square" rtlCol="0">
+                  <a:spAutoFit/>
+                </a:bodyPr>
+                <a:lstStyle/>
+                <a:p>
+                  <a:pPr algn="ctr"/>
+                  <a:r>
+                    <a:rPr lang="en-US" dirty="0"/>
+                    <a:t>Rudder angle </a:t>
+                  </a:r>
+                  <a14:m>
+                    <m:oMath xmlns:m="http://schemas.openxmlformats.org/officeDocument/2006/math">
+                      <m:r>
+                        <a:rPr lang="en-US" b="0" i="1" smtClean="0">
+                          <a:latin typeface="Cambria Math" panose="02040503050406030204" pitchFamily="18" charset="0"/>
+                        </a:rPr>
+                        <m:t>[</m:t>
+                      </m:r>
+                      <m:r>
+                        <a:rPr lang="en-US" b="0" i="1" smtClean="0">
+                          <a:latin typeface="Cambria Math" panose="02040503050406030204" pitchFamily="18" charset="0"/>
+                        </a:rPr>
+                        <m:t>𝑑𝑒𝑔</m:t>
+                      </m:r>
+                      <m:r>
+                        <a:rPr lang="en-US" b="0" i="1" smtClean="0">
+                          <a:latin typeface="Cambria Math" panose="02040503050406030204" pitchFamily="18" charset="0"/>
+                        </a:rPr>
+                        <m:t>]</m:t>
+                      </m:r>
+                    </m:oMath>
+                  </a14:m>
+                  <a:endParaRPr lang="en-US" dirty="0"/>
+                </a:p>
+              </p:txBody>
+            </p:sp>
+          </mc:Choice>
+          <mc:Fallback>
+            <p:sp>
+              <p:nvSpPr>
+                <p:cNvPr id="11" name="TextBox 10">
+                  <a:extLst>
+                    <a:ext uri="{FF2B5EF4-FFF2-40B4-BE49-F238E27FC236}">
+                      <a16:creationId xmlns:a16="http://schemas.microsoft.com/office/drawing/2014/main" id="{6BFDC600-21A1-C684-085F-85BF212CED4B}"/>
+                    </a:ext>
+                  </a:extLst>
+                </p:cNvPr>
+                <p:cNvSpPr txBox="1">
+                  <a:spLocks noRot="1" noChangeAspect="1" noMove="1" noResize="1" noEditPoints="1" noAdjustHandles="1" noChangeArrowheads="1" noChangeShapeType="1" noTextEdit="1"/>
+                </p:cNvSpPr>
+                <p:nvPr/>
+              </p:nvSpPr>
+              <p:spPr>
+                <a:xfrm rot="16200000">
+                  <a:off x="822240" y="4305458"/>
+                  <a:ext cx="1429693" cy="646331"/>
+                </a:xfrm>
+                <a:prstGeom prst="rect">
+                  <a:avLst/>
+                </a:prstGeom>
+                <a:blipFill>
+                  <a:blip r:embed="rId3"/>
+                  <a:stretch>
+                    <a:fillRect l="-4717" t="-6383" r="-8491" b="-3404"/>
+                  </a:stretch>
+                </a:blipFill>
+              </p:spPr>
+              <p:txBody>
+                <a:bodyPr/>
+                <a:lstStyle/>
+                <a:p>
+                  <a:r>
+                    <a:rPr lang="en-US">
+                      <a:noFill/>
+                    </a:rPr>
+                    <a:t> </a:t>
+                  </a:r>
+                </a:p>
+              </p:txBody>
+            </p:sp>
+          </mc:Fallback>
+        </mc:AlternateContent>
+        <mc:AlternateContent xmlns:mc="http://schemas.openxmlformats.org/markup-compatibility/2006">
+          <mc:Choice xmlns:a14="http://schemas.microsoft.com/office/drawing/2010/main" Requires="a14">
+            <p:sp>
+              <p:nvSpPr>
+                <p:cNvPr id="12" name="TextBox 11">
+                  <a:extLst>
+                    <a:ext uri="{FF2B5EF4-FFF2-40B4-BE49-F238E27FC236}">
+                      <a16:creationId xmlns:a16="http://schemas.microsoft.com/office/drawing/2014/main" id="{6B7EF5DC-D258-F417-9EA9-03DC92FB6BA1}"/>
+                    </a:ext>
+                  </a:extLst>
+                </p:cNvPr>
+                <p:cNvSpPr txBox="1"/>
+                <p:nvPr/>
+              </p:nvSpPr>
+              <p:spPr>
+                <a:xfrm rot="16200000">
+                  <a:off x="641445" y="1906210"/>
+                  <a:ext cx="1791282" cy="646331"/>
+                </a:xfrm>
+                <a:prstGeom prst="rect">
+                  <a:avLst/>
+                </a:prstGeom>
+                <a:noFill/>
+              </p:spPr>
+              <p:txBody>
+                <a:bodyPr wrap="square" rtlCol="0">
+                  <a:spAutoFit/>
+                </a:bodyPr>
+                <a:lstStyle/>
+                <a:p>
+                  <a:pPr algn="ctr"/>
+                  <a:r>
+                    <a:rPr lang="en-US" dirty="0"/>
+                    <a:t>Yaw rate </a:t>
+                  </a:r>
+                  <a14:m>
+                    <m:oMath xmlns:m="http://schemas.openxmlformats.org/officeDocument/2006/math">
+                      <m:r>
+                        <a:rPr lang="en-US" b="0" i="1" smtClean="0">
+                          <a:latin typeface="Cambria Math" panose="02040503050406030204" pitchFamily="18" charset="0"/>
+                        </a:rPr>
+                        <m:t>[</m:t>
+                      </m:r>
+                      <m:r>
+                        <a:rPr lang="en-US" b="0" i="1" smtClean="0">
+                          <a:latin typeface="Cambria Math" panose="02040503050406030204" pitchFamily="18" charset="0"/>
+                        </a:rPr>
+                        <m:t>𝑑𝑒𝑔</m:t>
+                      </m:r>
+                      <m:r>
+                        <m:rPr>
+                          <m:lit/>
+                        </m:rPr>
+                        <a:rPr lang="en-US" b="0" i="1" smtClean="0">
+                          <a:latin typeface="Cambria Math" panose="02040503050406030204" pitchFamily="18" charset="0"/>
+                        </a:rPr>
+                        <m:t>/</m:t>
+                      </m:r>
+                      <m:r>
+                        <a:rPr lang="en-US" b="0" i="1" smtClean="0">
+                          <a:latin typeface="Cambria Math" panose="02040503050406030204" pitchFamily="18" charset="0"/>
+                        </a:rPr>
+                        <m:t>𝑠𝑒𝑐</m:t>
+                      </m:r>
+                      <m:r>
+                        <a:rPr lang="en-US" b="0" i="1" smtClean="0">
+                          <a:latin typeface="Cambria Math" panose="02040503050406030204" pitchFamily="18" charset="0"/>
+                        </a:rPr>
+                        <m:t>]</m:t>
+                      </m:r>
+                    </m:oMath>
+                  </a14:m>
+                  <a:endParaRPr lang="en-US" dirty="0"/>
+                </a:p>
+              </p:txBody>
+            </p:sp>
+          </mc:Choice>
+          <mc:Fallback>
+            <p:sp>
+              <p:nvSpPr>
+                <p:cNvPr id="12" name="TextBox 11">
+                  <a:extLst>
+                    <a:ext uri="{FF2B5EF4-FFF2-40B4-BE49-F238E27FC236}">
+                      <a16:creationId xmlns:a16="http://schemas.microsoft.com/office/drawing/2014/main" id="{6B7EF5DC-D258-F417-9EA9-03DC92FB6BA1}"/>
+                    </a:ext>
+                  </a:extLst>
+                </p:cNvPr>
+                <p:cNvSpPr txBox="1">
+                  <a:spLocks noRot="1" noChangeAspect="1" noMove="1" noResize="1" noEditPoints="1" noAdjustHandles="1" noChangeArrowheads="1" noChangeShapeType="1" noTextEdit="1"/>
+                </p:cNvSpPr>
+                <p:nvPr/>
+              </p:nvSpPr>
+              <p:spPr>
+                <a:xfrm rot="16200000">
+                  <a:off x="641445" y="1906210"/>
+                  <a:ext cx="1791282" cy="646331"/>
+                </a:xfrm>
+                <a:prstGeom prst="rect">
+                  <a:avLst/>
+                </a:prstGeom>
+                <a:blipFill>
+                  <a:blip r:embed="rId4"/>
+                  <a:stretch>
+                    <a:fillRect l="-4717" r="-8491"/>
+                  </a:stretch>
+                </a:blipFill>
+              </p:spPr>
+              <p:txBody>
+                <a:bodyPr/>
+                <a:lstStyle/>
+                <a:p>
+                  <a:r>
+                    <a:rPr lang="en-US">
+                      <a:noFill/>
+                    </a:rPr>
+                    <a:t> </a:t>
+                  </a:r>
+                </a:p>
+              </p:txBody>
+            </p:sp>
+          </mc:Fallback>
+        </mc:AlternateContent>
+        <p:pic>
+          <p:nvPicPr>
+            <p:cNvPr id="13" name="Picture 12">
+              <a:extLst>
+                <a:ext uri="{FF2B5EF4-FFF2-40B4-BE49-F238E27FC236}">
+                  <a16:creationId xmlns:a16="http://schemas.microsoft.com/office/drawing/2014/main" id="{0BFC5C4C-CFB4-69E3-2E6C-15A416858B43}"/>
+                </a:ext>
+              </a:extLst>
+            </p:cNvPr>
+            <p:cNvPicPr>
+              <a:picLocks noChangeAspect="1"/>
+            </p:cNvPicPr>
+            <p:nvPr/>
+          </p:nvPicPr>
+          <p:blipFill>
+            <a:blip r:embed="rId5"/>
+            <a:stretch>
+              <a:fillRect/>
+            </a:stretch>
+          </p:blipFill>
+          <p:spPr>
+            <a:xfrm>
+              <a:off x="2047463" y="1033640"/>
+              <a:ext cx="7722702" cy="2395360"/>
+            </a:xfrm>
+            <a:prstGeom prst="rect">
+              <a:avLst/>
+            </a:prstGeom>
+          </p:spPr>
+        </p:pic>
+        <p:pic>
+          <p:nvPicPr>
+            <p:cNvPr id="15" name="Picture 14">
+              <a:extLst>
+                <a:ext uri="{FF2B5EF4-FFF2-40B4-BE49-F238E27FC236}">
+                  <a16:creationId xmlns:a16="http://schemas.microsoft.com/office/drawing/2014/main" id="{C2C3716D-026C-4A02-5BE0-94278488EA6B}"/>
+                </a:ext>
+              </a:extLst>
+            </p:cNvPr>
+            <p:cNvPicPr>
+              <a:picLocks noChangeAspect="1"/>
+            </p:cNvPicPr>
+            <p:nvPr/>
+          </p:nvPicPr>
+          <p:blipFill>
+            <a:blip r:embed="rId6"/>
+            <a:stretch>
+              <a:fillRect/>
+            </a:stretch>
+          </p:blipFill>
+          <p:spPr>
+            <a:xfrm>
+              <a:off x="2047463" y="3429000"/>
+              <a:ext cx="7722702" cy="2395360"/>
+            </a:xfrm>
+            <a:prstGeom prst="rect">
+              <a:avLst/>
+            </a:prstGeom>
+          </p:spPr>
+        </p:pic>
+      </p:grpSp>
     </p:spTree>
     <p:extLst>
       <p:ext uri="{BB962C8B-B14F-4D97-AF65-F5344CB8AC3E}">
@@ -29455,6 +29477,145 @@
     <p:extLst>
       <p:ext uri="{BB962C8B-B14F-4D97-AF65-F5344CB8AC3E}">
         <p14:creationId xmlns:p14="http://schemas.microsoft.com/office/powerpoint/2010/main" val="295395356"/>
+      </p:ext>
+    </p:extLst>
+  </p:cSld>
+  <p:clrMapOvr>
+    <a:masterClrMapping/>
+  </p:clrMapOvr>
+</p:sld>
+</file>
+
+<file path=ppt/slides/slide31.xml><?xml version="1.0" encoding="utf-8"?>
+<p:sld xmlns:a="http://schemas.openxmlformats.org/drawingml/2006/main" xmlns:r="http://schemas.openxmlformats.org/officeDocument/2006/relationships" xmlns:p="http://schemas.openxmlformats.org/presentationml/2006/main">
+  <p:cSld>
+    <p:spTree>
+      <p:nvGrpSpPr>
+        <p:cNvPr id="1" name=""/>
+        <p:cNvGrpSpPr/>
+        <p:nvPr/>
+      </p:nvGrpSpPr>
+      <p:grpSpPr>
+        <a:xfrm>
+          <a:off x="0" y="0"/>
+          <a:ext cx="0" cy="0"/>
+          <a:chOff x="0" y="0"/>
+          <a:chExt cx="0" cy="0"/>
+        </a:xfrm>
+      </p:grpSpPr>
+      <p:pic>
+        <p:nvPicPr>
+          <p:cNvPr id="13" name="Picture 12">
+            <a:extLst>
+              <a:ext uri="{FF2B5EF4-FFF2-40B4-BE49-F238E27FC236}">
+                <a16:creationId xmlns:a16="http://schemas.microsoft.com/office/drawing/2014/main" id="{A063D0C2-457B-0784-FAF8-733286F3E087}"/>
+              </a:ext>
+            </a:extLst>
+          </p:cNvPr>
+          <p:cNvPicPr>
+            <a:picLocks noChangeAspect="1"/>
+          </p:cNvPicPr>
+          <p:nvPr/>
+        </p:nvPicPr>
+        <p:blipFill>
+          <a:blip r:embed="rId2"/>
+          <a:stretch>
+            <a:fillRect/>
+          </a:stretch>
+        </p:blipFill>
+        <p:spPr>
+          <a:xfrm>
+            <a:off x="542925" y="2411693"/>
+            <a:ext cx="8362950" cy="3459021"/>
+          </a:xfrm>
+          <a:prstGeom prst="rect">
+            <a:avLst/>
+          </a:prstGeom>
+        </p:spPr>
+      </p:pic>
+      <p:pic>
+        <p:nvPicPr>
+          <p:cNvPr id="5" name="Picture 4">
+            <a:extLst>
+              <a:ext uri="{FF2B5EF4-FFF2-40B4-BE49-F238E27FC236}">
+                <a16:creationId xmlns:a16="http://schemas.microsoft.com/office/drawing/2014/main" id="{47C10062-3789-A9F1-80F9-B388BE2AE661}"/>
+              </a:ext>
+            </a:extLst>
+          </p:cNvPr>
+          <p:cNvPicPr>
+            <a:picLocks noChangeAspect="1"/>
+          </p:cNvPicPr>
+          <p:nvPr/>
+        </p:nvPicPr>
+        <p:blipFill>
+          <a:blip r:embed="rId3"/>
+          <a:stretch>
+            <a:fillRect/>
+          </a:stretch>
+        </p:blipFill>
+        <p:spPr>
+          <a:xfrm>
+            <a:off x="1766887" y="2012155"/>
+            <a:ext cx="2415751" cy="1338263"/>
+          </a:xfrm>
+          <a:prstGeom prst="rect">
+            <a:avLst/>
+          </a:prstGeom>
+          <a:ln w="28575">
+            <a:solidFill>
+              <a:schemeClr val="tx1"/>
+            </a:solidFill>
+          </a:ln>
+        </p:spPr>
+      </p:pic>
+      <p:cxnSp>
+        <p:nvCxnSpPr>
+          <p:cNvPr id="7" name="Straight Arrow Connector 6">
+            <a:extLst>
+              <a:ext uri="{FF2B5EF4-FFF2-40B4-BE49-F238E27FC236}">
+                <a16:creationId xmlns:a16="http://schemas.microsoft.com/office/drawing/2014/main" id="{DFB1B0A0-149C-61DD-AF98-D2848A9DE9BD}"/>
+              </a:ext>
+            </a:extLst>
+          </p:cNvPr>
+          <p:cNvCxnSpPr>
+            <a:cxnSpLocks/>
+          </p:cNvCxnSpPr>
+          <p:nvPr/>
+        </p:nvCxnSpPr>
+        <p:spPr>
+          <a:xfrm flipH="1" flipV="1">
+            <a:off x="4276725" y="2681286"/>
+            <a:ext cx="1295400" cy="471489"/>
+          </a:xfrm>
+          <a:prstGeom prst="straightConnector1">
+            <a:avLst/>
+          </a:prstGeom>
+          <a:ln w="28575">
+            <a:solidFill>
+              <a:schemeClr val="tx1"/>
+            </a:solidFill>
+            <a:tailEnd type="triangle"/>
+          </a:ln>
+        </p:spPr>
+        <p:style>
+          <a:lnRef idx="1">
+            <a:schemeClr val="accent1"/>
+          </a:lnRef>
+          <a:fillRef idx="0">
+            <a:schemeClr val="accent1"/>
+          </a:fillRef>
+          <a:effectRef idx="0">
+            <a:schemeClr val="accent1"/>
+          </a:effectRef>
+          <a:fontRef idx="minor">
+            <a:schemeClr val="tx1"/>
+          </a:fontRef>
+        </p:style>
+      </p:cxnSp>
+    </p:spTree>
+    <p:extLst>
+      <p:ext uri="{BB962C8B-B14F-4D97-AF65-F5344CB8AC3E}">
+        <p14:creationId xmlns:p14="http://schemas.microsoft.com/office/powerpoint/2010/main" val="3601731221"/>
       </p:ext>
     </p:extLst>
   </p:cSld>

--- a/TechnicalReport/Figures.pptx
+++ b/TechnicalReport/Figures.pptx
@@ -289,7 +289,7 @@
           <a:p>
             <a:fld id="{C1A24063-2F13-4A0D-BF3F-218053084915}" type="datetimeFigureOut">
               <a:rPr lang="en-US" smtClean="0"/>
-              <a:t>2/12/2023</a:t>
+              <a:t>2/14/2023</a:t>
             </a:fld>
             <a:endParaRPr lang="en-US"/>
           </a:p>
@@ -487,7 +487,7 @@
           <a:p>
             <a:fld id="{C1A24063-2F13-4A0D-BF3F-218053084915}" type="datetimeFigureOut">
               <a:rPr lang="en-US" smtClean="0"/>
-              <a:t>2/12/2023</a:t>
+              <a:t>2/14/2023</a:t>
             </a:fld>
             <a:endParaRPr lang="en-US"/>
           </a:p>
@@ -695,7 +695,7 @@
           <a:p>
             <a:fld id="{C1A24063-2F13-4A0D-BF3F-218053084915}" type="datetimeFigureOut">
               <a:rPr lang="en-US" smtClean="0"/>
-              <a:t>2/12/2023</a:t>
+              <a:t>2/14/2023</a:t>
             </a:fld>
             <a:endParaRPr lang="en-US"/>
           </a:p>
@@ -893,7 +893,7 @@
           <a:p>
             <a:fld id="{C1A24063-2F13-4A0D-BF3F-218053084915}" type="datetimeFigureOut">
               <a:rPr lang="en-US" smtClean="0"/>
-              <a:t>2/12/2023</a:t>
+              <a:t>2/14/2023</a:t>
             </a:fld>
             <a:endParaRPr lang="en-US"/>
           </a:p>
@@ -1168,7 +1168,7 @@
           <a:p>
             <a:fld id="{C1A24063-2F13-4A0D-BF3F-218053084915}" type="datetimeFigureOut">
               <a:rPr lang="en-US" smtClean="0"/>
-              <a:t>2/12/2023</a:t>
+              <a:t>2/14/2023</a:t>
             </a:fld>
             <a:endParaRPr lang="en-US"/>
           </a:p>
@@ -1433,7 +1433,7 @@
           <a:p>
             <a:fld id="{C1A24063-2F13-4A0D-BF3F-218053084915}" type="datetimeFigureOut">
               <a:rPr lang="en-US" smtClean="0"/>
-              <a:t>2/12/2023</a:t>
+              <a:t>2/14/2023</a:t>
             </a:fld>
             <a:endParaRPr lang="en-US"/>
           </a:p>
@@ -1845,7 +1845,7 @@
           <a:p>
             <a:fld id="{C1A24063-2F13-4A0D-BF3F-218053084915}" type="datetimeFigureOut">
               <a:rPr lang="en-US" smtClean="0"/>
-              <a:t>2/12/2023</a:t>
+              <a:t>2/14/2023</a:t>
             </a:fld>
             <a:endParaRPr lang="en-US"/>
           </a:p>
@@ -1986,7 +1986,7 @@
           <a:p>
             <a:fld id="{C1A24063-2F13-4A0D-BF3F-218053084915}" type="datetimeFigureOut">
               <a:rPr lang="en-US" smtClean="0"/>
-              <a:t>2/12/2023</a:t>
+              <a:t>2/14/2023</a:t>
             </a:fld>
             <a:endParaRPr lang="en-US"/>
           </a:p>
@@ -2099,7 +2099,7 @@
           <a:p>
             <a:fld id="{C1A24063-2F13-4A0D-BF3F-218053084915}" type="datetimeFigureOut">
               <a:rPr lang="en-US" smtClean="0"/>
-              <a:t>2/12/2023</a:t>
+              <a:t>2/14/2023</a:t>
             </a:fld>
             <a:endParaRPr lang="en-US"/>
           </a:p>
@@ -2410,7 +2410,7 @@
           <a:p>
             <a:fld id="{C1A24063-2F13-4A0D-BF3F-218053084915}" type="datetimeFigureOut">
               <a:rPr lang="en-US" smtClean="0"/>
-              <a:t>2/12/2023</a:t>
+              <a:t>2/14/2023</a:t>
             </a:fld>
             <a:endParaRPr lang="en-US"/>
           </a:p>
@@ -2698,7 +2698,7 @@
           <a:p>
             <a:fld id="{C1A24063-2F13-4A0D-BF3F-218053084915}" type="datetimeFigureOut">
               <a:rPr lang="en-US" smtClean="0"/>
-              <a:t>2/12/2023</a:t>
+              <a:t>2/14/2023</a:t>
             </a:fld>
             <a:endParaRPr lang="en-US"/>
           </a:p>
@@ -2939,7 +2939,7 @@
           <a:p>
             <a:fld id="{C1A24063-2F13-4A0D-BF3F-218053084915}" type="datetimeFigureOut">
               <a:rPr lang="en-US" smtClean="0"/>
-              <a:t>2/12/2023</a:t>
+              <a:t>2/14/2023</a:t>
             </a:fld>
             <a:endParaRPr lang="en-US"/>
           </a:p>
@@ -23117,8 +23117,8 @@
           </p:spPr>
         </p:pic>
       </p:grpSp>
-      <mc:AlternateContent xmlns:mc="http://schemas.openxmlformats.org/markup-compatibility/2006">
-        <mc:Choice xmlns:a14="http://schemas.microsoft.com/office/drawing/2010/main" Requires="a14">
+      <mc:AlternateContent xmlns:mc="http://schemas.openxmlformats.org/markup-compatibility/2006" xmlns:a14="http://schemas.microsoft.com/office/drawing/2010/main">
+        <mc:Choice Requires="a14">
           <p:sp>
             <p:nvSpPr>
               <p:cNvPr id="9" name="TextBox 8">
@@ -23229,7 +23229,7 @@
             </p:txBody>
           </p:sp>
         </mc:Choice>
-        <mc:Fallback>
+        <mc:Fallback xmlns="">
           <p:sp>
             <p:nvSpPr>
               <p:cNvPr id="9" name="TextBox 8">
@@ -23274,8 +23274,8 @@
           </p:sp>
         </mc:Fallback>
       </mc:AlternateContent>
-      <mc:AlternateContent xmlns:mc="http://schemas.openxmlformats.org/markup-compatibility/2006">
-        <mc:Choice xmlns:a14="http://schemas.microsoft.com/office/drawing/2010/main" Requires="a14">
+      <mc:AlternateContent xmlns:mc="http://schemas.openxmlformats.org/markup-compatibility/2006" xmlns:a14="http://schemas.microsoft.com/office/drawing/2010/main">
+        <mc:Choice Requires="a14">
           <p:sp>
             <p:nvSpPr>
               <p:cNvPr id="10" name="TextBox 9">
@@ -23336,7 +23336,7 @@
             </p:txBody>
           </p:sp>
         </mc:Choice>
-        <mc:Fallback>
+        <mc:Fallback xmlns="">
           <p:sp>
             <p:nvSpPr>
               <p:cNvPr id="10" name="TextBox 9">
@@ -23381,8 +23381,8 @@
           </p:sp>
         </mc:Fallback>
       </mc:AlternateContent>
-      <mc:AlternateContent xmlns:mc="http://schemas.openxmlformats.org/markup-compatibility/2006">
-        <mc:Choice xmlns:a14="http://schemas.microsoft.com/office/drawing/2010/main" Requires="a14">
+      <mc:AlternateContent xmlns:mc="http://schemas.openxmlformats.org/markup-compatibility/2006" xmlns:a14="http://schemas.microsoft.com/office/drawing/2010/main">
+        <mc:Choice Requires="a14">
           <p:sp>
             <p:nvSpPr>
               <p:cNvPr id="11" name="TextBox 10">
@@ -23443,7 +23443,7 @@
             </p:txBody>
           </p:sp>
         </mc:Choice>
-        <mc:Fallback>
+        <mc:Fallback xmlns="">
           <p:sp>
             <p:nvSpPr>
               <p:cNvPr id="11" name="TextBox 10">
@@ -23488,8 +23488,8 @@
           </p:sp>
         </mc:Fallback>
       </mc:AlternateContent>
-      <mc:AlternateContent xmlns:mc="http://schemas.openxmlformats.org/markup-compatibility/2006">
-        <mc:Choice xmlns:a14="http://schemas.microsoft.com/office/drawing/2010/main" Requires="a14">
+      <mc:AlternateContent xmlns:mc="http://schemas.openxmlformats.org/markup-compatibility/2006" xmlns:a14="http://schemas.microsoft.com/office/drawing/2010/main">
+        <mc:Choice Requires="a14">
           <p:sp>
             <p:nvSpPr>
               <p:cNvPr id="12" name="TextBox 11">
@@ -23565,7 +23565,7 @@
             </p:txBody>
           </p:sp>
         </mc:Choice>
-        <mc:Fallback>
+        <mc:Fallback xmlns="">
           <p:sp>
             <p:nvSpPr>
               <p:cNvPr id="12" name="TextBox 11">
@@ -23670,8 +23670,8 @@
           </a:prstGeom>
         </p:spPr>
       </p:pic>
-      <mc:AlternateContent xmlns:mc="http://schemas.openxmlformats.org/markup-compatibility/2006">
-        <mc:Choice xmlns:a14="http://schemas.microsoft.com/office/drawing/2010/main" Requires="a14">
+      <mc:AlternateContent xmlns:mc="http://schemas.openxmlformats.org/markup-compatibility/2006" xmlns:a14="http://schemas.microsoft.com/office/drawing/2010/main">
+        <mc:Choice Requires="a14">
           <p:sp>
             <p:nvSpPr>
               <p:cNvPr id="5" name="TextBox 4">
@@ -23782,7 +23782,7 @@
             </p:txBody>
           </p:sp>
         </mc:Choice>
-        <mc:Fallback>
+        <mc:Fallback xmlns="">
           <p:sp>
             <p:nvSpPr>
               <p:cNvPr id="5" name="TextBox 4">
@@ -23827,8 +23827,8 @@
           </p:sp>
         </mc:Fallback>
       </mc:AlternateContent>
-      <mc:AlternateContent xmlns:mc="http://schemas.openxmlformats.org/markup-compatibility/2006">
-        <mc:Choice xmlns:a14="http://schemas.microsoft.com/office/drawing/2010/main" Requires="a14">
+      <mc:AlternateContent xmlns:mc="http://schemas.openxmlformats.org/markup-compatibility/2006" xmlns:a14="http://schemas.microsoft.com/office/drawing/2010/main">
+        <mc:Choice Requires="a14">
           <p:sp>
             <p:nvSpPr>
               <p:cNvPr id="6" name="TextBox 5">
@@ -23889,7 +23889,7 @@
             </p:txBody>
           </p:sp>
         </mc:Choice>
-        <mc:Fallback>
+        <mc:Fallback xmlns="">
           <p:sp>
             <p:nvSpPr>
               <p:cNvPr id="6" name="TextBox 5">
@@ -23934,8 +23934,8 @@
           </p:sp>
         </mc:Fallback>
       </mc:AlternateContent>
-      <mc:AlternateContent xmlns:mc="http://schemas.openxmlformats.org/markup-compatibility/2006">
-        <mc:Choice xmlns:a14="http://schemas.microsoft.com/office/drawing/2010/main" Requires="a14">
+      <mc:AlternateContent xmlns:mc="http://schemas.openxmlformats.org/markup-compatibility/2006" xmlns:a14="http://schemas.microsoft.com/office/drawing/2010/main">
+        <mc:Choice Requires="a14">
           <p:sp>
             <p:nvSpPr>
               <p:cNvPr id="19" name="TextBox 18">
@@ -24011,7 +24011,7 @@
             </p:txBody>
           </p:sp>
         </mc:Choice>
-        <mc:Fallback>
+        <mc:Fallback xmlns="">
           <p:sp>
             <p:nvSpPr>
               <p:cNvPr id="19" name="TextBox 18">
@@ -24122,8 +24122,8 @@
           </a:p>
         </p:txBody>
       </p:sp>
-      <mc:AlternateContent xmlns:mc="http://schemas.openxmlformats.org/markup-compatibility/2006">
-        <mc:Choice xmlns:a14="http://schemas.microsoft.com/office/drawing/2010/main" Requires="a14">
+      <mc:AlternateContent xmlns:mc="http://schemas.openxmlformats.org/markup-compatibility/2006" xmlns:a14="http://schemas.microsoft.com/office/drawing/2010/main">
+        <mc:Choice Requires="a14">
           <p:sp>
             <p:nvSpPr>
               <p:cNvPr id="10" name="TextBox 9">
@@ -24184,7 +24184,7 @@
             </p:txBody>
           </p:sp>
         </mc:Choice>
-        <mc:Fallback>
+        <mc:Fallback xmlns="">
           <p:sp>
             <p:nvSpPr>
               <p:cNvPr id="10" name="TextBox 9">
@@ -24229,8 +24229,8 @@
           </p:sp>
         </mc:Fallback>
       </mc:AlternateContent>
-      <mc:AlternateContent xmlns:mc="http://schemas.openxmlformats.org/markup-compatibility/2006">
-        <mc:Choice xmlns:a14="http://schemas.microsoft.com/office/drawing/2010/main" Requires="a14">
+      <mc:AlternateContent xmlns:mc="http://schemas.openxmlformats.org/markup-compatibility/2006" xmlns:a14="http://schemas.microsoft.com/office/drawing/2010/main">
+        <mc:Choice Requires="a14">
           <p:sp>
             <p:nvSpPr>
               <p:cNvPr id="12" name="TextBox 11">
@@ -24306,7 +24306,7 @@
             </p:txBody>
           </p:sp>
         </mc:Choice>
-        <mc:Fallback>
+        <mc:Fallback xmlns="">
           <p:sp>
             <p:nvSpPr>
               <p:cNvPr id="12" name="TextBox 11">
@@ -24551,8 +24551,8 @@
           </a:fontRef>
         </p:style>
       </p:cxnSp>
-      <mc:AlternateContent xmlns:mc="http://schemas.openxmlformats.org/markup-compatibility/2006">
-        <mc:Choice xmlns:a14="http://schemas.microsoft.com/office/drawing/2010/main" Requires="a14">
+      <mc:AlternateContent xmlns:mc="http://schemas.openxmlformats.org/markup-compatibility/2006" xmlns:a14="http://schemas.microsoft.com/office/drawing/2010/main">
+        <mc:Choice Requires="a14">
           <p:sp>
             <p:nvSpPr>
               <p:cNvPr id="22" name="TextBox 21">
@@ -24628,7 +24628,7 @@
             </p:txBody>
           </p:sp>
         </mc:Choice>
-        <mc:Fallback>
+        <mc:Fallback xmlns="">
           <p:sp>
             <p:nvSpPr>
               <p:cNvPr id="22" name="TextBox 21">
@@ -24840,8 +24840,8 @@
           </a:p>
         </p:txBody>
       </p:sp>
-      <mc:AlternateContent xmlns:mc="http://schemas.openxmlformats.org/markup-compatibility/2006">
-        <mc:Choice xmlns:a14="http://schemas.microsoft.com/office/drawing/2010/main" Requires="a14">
+      <mc:AlternateContent xmlns:mc="http://schemas.openxmlformats.org/markup-compatibility/2006" xmlns:a14="http://schemas.microsoft.com/office/drawing/2010/main">
+        <mc:Choice Requires="a14">
           <p:sp>
             <p:nvSpPr>
               <p:cNvPr id="10" name="TextBox 9">
@@ -24902,7 +24902,7 @@
             </p:txBody>
           </p:sp>
         </mc:Choice>
-        <mc:Fallback>
+        <mc:Fallback xmlns="">
           <p:sp>
             <p:nvSpPr>
               <p:cNvPr id="10" name="TextBox 9">
@@ -24947,8 +24947,8 @@
           </p:sp>
         </mc:Fallback>
       </mc:AlternateContent>
-      <mc:AlternateContent xmlns:mc="http://schemas.openxmlformats.org/markup-compatibility/2006">
-        <mc:Choice xmlns:a14="http://schemas.microsoft.com/office/drawing/2010/main" Requires="a14">
+      <mc:AlternateContent xmlns:mc="http://schemas.openxmlformats.org/markup-compatibility/2006" xmlns:a14="http://schemas.microsoft.com/office/drawing/2010/main">
+        <mc:Choice Requires="a14">
           <p:sp>
             <p:nvSpPr>
               <p:cNvPr id="11" name="TextBox 10">
@@ -25009,7 +25009,7 @@
             </p:txBody>
           </p:sp>
         </mc:Choice>
-        <mc:Fallback>
+        <mc:Fallback xmlns="">
           <p:sp>
             <p:nvSpPr>
               <p:cNvPr id="11" name="TextBox 10">
@@ -25054,8 +25054,8 @@
           </p:sp>
         </mc:Fallback>
       </mc:AlternateContent>
-      <mc:AlternateContent xmlns:mc="http://schemas.openxmlformats.org/markup-compatibility/2006">
-        <mc:Choice xmlns:a14="http://schemas.microsoft.com/office/drawing/2010/main" Requires="a14">
+      <mc:AlternateContent xmlns:mc="http://schemas.openxmlformats.org/markup-compatibility/2006" xmlns:a14="http://schemas.microsoft.com/office/drawing/2010/main">
+        <mc:Choice Requires="a14">
           <p:sp>
             <p:nvSpPr>
               <p:cNvPr id="12" name="TextBox 11">
@@ -25131,7 +25131,7 @@
             </p:txBody>
           </p:sp>
         </mc:Choice>
-        <mc:Fallback>
+        <mc:Fallback xmlns="">
           <p:sp>
             <p:nvSpPr>
               <p:cNvPr id="12" name="TextBox 11">
@@ -25333,8 +25333,8 @@
           </a:fontRef>
         </p:style>
       </p:cxnSp>
-      <mc:AlternateContent xmlns:mc="http://schemas.openxmlformats.org/markup-compatibility/2006">
-        <mc:Choice xmlns:a14="http://schemas.microsoft.com/office/drawing/2010/main" Requires="a14">
+      <mc:AlternateContent xmlns:mc="http://schemas.openxmlformats.org/markup-compatibility/2006" xmlns:a14="http://schemas.microsoft.com/office/drawing/2010/main">
+        <mc:Choice Requires="a14">
           <p:sp>
             <p:nvSpPr>
               <p:cNvPr id="23" name="TextBox 22">
@@ -25410,7 +25410,7 @@
             </p:txBody>
           </p:sp>
         </mc:Choice>
-        <mc:Fallback>
+        <mc:Fallback xmlns="">
           <p:sp>
             <p:nvSpPr>
               <p:cNvPr id="23" name="TextBox 22">
@@ -26070,8 +26070,8 @@
             </a:p>
           </p:txBody>
         </p:sp>
-        <mc:AlternateContent xmlns:mc="http://schemas.openxmlformats.org/markup-compatibility/2006">
-          <mc:Choice xmlns:a14="http://schemas.microsoft.com/office/drawing/2010/main" Requires="a14">
+        <mc:AlternateContent xmlns:mc="http://schemas.openxmlformats.org/markup-compatibility/2006" xmlns:a14="http://schemas.microsoft.com/office/drawing/2010/main">
+          <mc:Choice Requires="a14">
             <p:sp>
               <p:nvSpPr>
                 <p:cNvPr id="10" name="TextBox 9">
@@ -26132,7 +26132,7 @@
               </p:txBody>
             </p:sp>
           </mc:Choice>
-          <mc:Fallback>
+          <mc:Fallback xmlns="">
             <p:sp>
               <p:nvSpPr>
                 <p:cNvPr id="10" name="TextBox 9">
@@ -26177,8 +26177,8 @@
             </p:sp>
           </mc:Fallback>
         </mc:AlternateContent>
-        <mc:AlternateContent xmlns:mc="http://schemas.openxmlformats.org/markup-compatibility/2006">
-          <mc:Choice xmlns:a14="http://schemas.microsoft.com/office/drawing/2010/main" Requires="a14">
+        <mc:AlternateContent xmlns:mc="http://schemas.openxmlformats.org/markup-compatibility/2006" xmlns:a14="http://schemas.microsoft.com/office/drawing/2010/main">
+          <mc:Choice Requires="a14">
             <p:sp>
               <p:nvSpPr>
                 <p:cNvPr id="11" name="TextBox 10">
@@ -26239,7 +26239,7 @@
               </p:txBody>
             </p:sp>
           </mc:Choice>
-          <mc:Fallback>
+          <mc:Fallback xmlns="">
             <p:sp>
               <p:nvSpPr>
                 <p:cNvPr id="11" name="TextBox 10">
@@ -26284,8 +26284,8 @@
             </p:sp>
           </mc:Fallback>
         </mc:AlternateContent>
-        <mc:AlternateContent xmlns:mc="http://schemas.openxmlformats.org/markup-compatibility/2006">
-          <mc:Choice xmlns:a14="http://schemas.microsoft.com/office/drawing/2010/main" Requires="a14">
+        <mc:AlternateContent xmlns:mc="http://schemas.openxmlformats.org/markup-compatibility/2006" xmlns:a14="http://schemas.microsoft.com/office/drawing/2010/main">
+          <mc:Choice Requires="a14">
             <p:sp>
               <p:nvSpPr>
                 <p:cNvPr id="12" name="TextBox 11">
@@ -26361,7 +26361,7 @@
               </p:txBody>
             </p:sp>
           </mc:Choice>
-          <mc:Fallback>
+          <mc:Fallback xmlns="">
             <p:sp>
               <p:nvSpPr>
                 <p:cNvPr id="12" name="TextBox 11">
@@ -28940,8 +28940,8 @@
           </a:p>
         </p:txBody>
       </p:sp>
-      <mc:AlternateContent xmlns:mc="http://schemas.openxmlformats.org/markup-compatibility/2006">
-        <mc:Choice xmlns:a14="http://schemas.microsoft.com/office/drawing/2010/main" Requires="a14">
+      <mc:AlternateContent xmlns:mc="http://schemas.openxmlformats.org/markup-compatibility/2006" xmlns:a14="http://schemas.microsoft.com/office/drawing/2010/main">
+        <mc:Choice Requires="a14">
           <p:sp>
             <p:nvSpPr>
               <p:cNvPr id="10" name="TextBox 9">
@@ -29002,7 +29002,7 @@
             </p:txBody>
           </p:sp>
         </mc:Choice>
-        <mc:Fallback>
+        <mc:Fallback xmlns="">
           <p:sp>
             <p:nvSpPr>
               <p:cNvPr id="10" name="TextBox 9">
@@ -29047,8 +29047,8 @@
           </p:sp>
         </mc:Fallback>
       </mc:AlternateContent>
-      <mc:AlternateContent xmlns:mc="http://schemas.openxmlformats.org/markup-compatibility/2006">
-        <mc:Choice xmlns:a14="http://schemas.microsoft.com/office/drawing/2010/main" Requires="a14">
+      <mc:AlternateContent xmlns:mc="http://schemas.openxmlformats.org/markup-compatibility/2006" xmlns:a14="http://schemas.microsoft.com/office/drawing/2010/main">
+        <mc:Choice Requires="a14">
           <p:sp>
             <p:nvSpPr>
               <p:cNvPr id="11" name="TextBox 10">
@@ -29109,7 +29109,7 @@
             </p:txBody>
           </p:sp>
         </mc:Choice>
-        <mc:Fallback>
+        <mc:Fallback xmlns="">
           <p:sp>
             <p:nvSpPr>
               <p:cNvPr id="11" name="TextBox 10">
@@ -29154,8 +29154,8 @@
           </p:sp>
         </mc:Fallback>
       </mc:AlternateContent>
-      <mc:AlternateContent xmlns:mc="http://schemas.openxmlformats.org/markup-compatibility/2006">
-        <mc:Choice xmlns:a14="http://schemas.microsoft.com/office/drawing/2010/main" Requires="a14">
+      <mc:AlternateContent xmlns:mc="http://schemas.openxmlformats.org/markup-compatibility/2006" xmlns:a14="http://schemas.microsoft.com/office/drawing/2010/main">
+        <mc:Choice Requires="a14">
           <p:sp>
             <p:nvSpPr>
               <p:cNvPr id="12" name="TextBox 11">
@@ -29231,7 +29231,7 @@
             </p:txBody>
           </p:sp>
         </mc:Choice>
-        <mc:Fallback>
+        <mc:Fallback xmlns="">
           <p:sp>
             <p:nvSpPr>
               <p:cNvPr id="12" name="TextBox 11">
@@ -29366,8 +29366,8 @@
           </a:prstGeom>
         </p:spPr>
       </p:pic>
-      <mc:AlternateContent xmlns:mc="http://schemas.openxmlformats.org/markup-compatibility/2006">
-        <mc:Choice xmlns:a14="http://schemas.microsoft.com/office/drawing/2010/main" Requires="a14">
+      <mc:AlternateContent xmlns:mc="http://schemas.openxmlformats.org/markup-compatibility/2006" xmlns:a14="http://schemas.microsoft.com/office/drawing/2010/main">
+        <mc:Choice Requires="a14">
           <p:sp>
             <p:nvSpPr>
               <p:cNvPr id="18" name="TextBox 17">
@@ -29428,7 +29428,7 @@
             </p:txBody>
           </p:sp>
         </mc:Choice>
-        <mc:Fallback>
+        <mc:Fallback xmlns="">
           <p:sp>
             <p:nvSpPr>
               <p:cNvPr id="18" name="TextBox 17">

--- a/TechnicalReport/Figures.pptx
+++ b/TechnicalReport/Figures.pptx
@@ -289,7 +289,7 @@
           <a:p>
             <a:fld id="{C1A24063-2F13-4A0D-BF3F-218053084915}" type="datetimeFigureOut">
               <a:rPr lang="en-US" smtClean="0"/>
-              <a:t>2/14/2023</a:t>
+              <a:t>2/16/2023</a:t>
             </a:fld>
             <a:endParaRPr lang="en-US"/>
           </a:p>
@@ -487,7 +487,7 @@
           <a:p>
             <a:fld id="{C1A24063-2F13-4A0D-BF3F-218053084915}" type="datetimeFigureOut">
               <a:rPr lang="en-US" smtClean="0"/>
-              <a:t>2/14/2023</a:t>
+              <a:t>2/16/2023</a:t>
             </a:fld>
             <a:endParaRPr lang="en-US"/>
           </a:p>
@@ -695,7 +695,7 @@
           <a:p>
             <a:fld id="{C1A24063-2F13-4A0D-BF3F-218053084915}" type="datetimeFigureOut">
               <a:rPr lang="en-US" smtClean="0"/>
-              <a:t>2/14/2023</a:t>
+              <a:t>2/16/2023</a:t>
             </a:fld>
             <a:endParaRPr lang="en-US"/>
           </a:p>
@@ -893,7 +893,7 @@
           <a:p>
             <a:fld id="{C1A24063-2F13-4A0D-BF3F-218053084915}" type="datetimeFigureOut">
               <a:rPr lang="en-US" smtClean="0"/>
-              <a:t>2/14/2023</a:t>
+              <a:t>2/16/2023</a:t>
             </a:fld>
             <a:endParaRPr lang="en-US"/>
           </a:p>
@@ -1168,7 +1168,7 @@
           <a:p>
             <a:fld id="{C1A24063-2F13-4A0D-BF3F-218053084915}" type="datetimeFigureOut">
               <a:rPr lang="en-US" smtClean="0"/>
-              <a:t>2/14/2023</a:t>
+              <a:t>2/16/2023</a:t>
             </a:fld>
             <a:endParaRPr lang="en-US"/>
           </a:p>
@@ -1433,7 +1433,7 @@
           <a:p>
             <a:fld id="{C1A24063-2F13-4A0D-BF3F-218053084915}" type="datetimeFigureOut">
               <a:rPr lang="en-US" smtClean="0"/>
-              <a:t>2/14/2023</a:t>
+              <a:t>2/16/2023</a:t>
             </a:fld>
             <a:endParaRPr lang="en-US"/>
           </a:p>
@@ -1845,7 +1845,7 @@
           <a:p>
             <a:fld id="{C1A24063-2F13-4A0D-BF3F-218053084915}" type="datetimeFigureOut">
               <a:rPr lang="en-US" smtClean="0"/>
-              <a:t>2/14/2023</a:t>
+              <a:t>2/16/2023</a:t>
             </a:fld>
             <a:endParaRPr lang="en-US"/>
           </a:p>
@@ -1986,7 +1986,7 @@
           <a:p>
             <a:fld id="{C1A24063-2F13-4A0D-BF3F-218053084915}" type="datetimeFigureOut">
               <a:rPr lang="en-US" smtClean="0"/>
-              <a:t>2/14/2023</a:t>
+              <a:t>2/16/2023</a:t>
             </a:fld>
             <a:endParaRPr lang="en-US"/>
           </a:p>
@@ -2099,7 +2099,7 @@
           <a:p>
             <a:fld id="{C1A24063-2F13-4A0D-BF3F-218053084915}" type="datetimeFigureOut">
               <a:rPr lang="en-US" smtClean="0"/>
-              <a:t>2/14/2023</a:t>
+              <a:t>2/16/2023</a:t>
             </a:fld>
             <a:endParaRPr lang="en-US"/>
           </a:p>
@@ -2410,7 +2410,7 @@
           <a:p>
             <a:fld id="{C1A24063-2F13-4A0D-BF3F-218053084915}" type="datetimeFigureOut">
               <a:rPr lang="en-US" smtClean="0"/>
-              <a:t>2/14/2023</a:t>
+              <a:t>2/16/2023</a:t>
             </a:fld>
             <a:endParaRPr lang="en-US"/>
           </a:p>
@@ -2698,7 +2698,7 @@
           <a:p>
             <a:fld id="{C1A24063-2F13-4A0D-BF3F-218053084915}" type="datetimeFigureOut">
               <a:rPr lang="en-US" smtClean="0"/>
-              <a:t>2/14/2023</a:t>
+              <a:t>2/16/2023</a:t>
             </a:fld>
             <a:endParaRPr lang="en-US"/>
           </a:p>
@@ -2939,7 +2939,7 @@
           <a:p>
             <a:fld id="{C1A24063-2F13-4A0D-BF3F-218053084915}" type="datetimeFigureOut">
               <a:rPr lang="en-US" smtClean="0"/>
-              <a:t>2/14/2023</a:t>
+              <a:t>2/16/2023</a:t>
             </a:fld>
             <a:endParaRPr lang="en-US"/>
           </a:p>
